--- a/ReactiveProgramming_ngrx.pptx
+++ b/ReactiveProgramming_ngrx.pptx
@@ -5,10 +5,10 @@
     <p:sldMasterId id="2147483793" r:id="rId1"/>
   </p:sldMasterIdLst>
   <p:notesMasterIdLst>
-    <p:notesMasterId r:id="rId13"/>
+    <p:notesMasterId r:id="rId15"/>
   </p:notesMasterIdLst>
   <p:handoutMasterIdLst>
-    <p:handoutMasterId r:id="rId14"/>
+    <p:handoutMasterId r:id="rId16"/>
   </p:handoutMasterIdLst>
   <p:sldIdLst>
     <p:sldId id="292" r:id="rId2"/>
@@ -17,11 +17,13 @@
     <p:sldId id="421" r:id="rId5"/>
     <p:sldId id="424" r:id="rId6"/>
     <p:sldId id="422" r:id="rId7"/>
-    <p:sldId id="425" r:id="rId8"/>
-    <p:sldId id="426" r:id="rId9"/>
-    <p:sldId id="407" r:id="rId10"/>
-    <p:sldId id="419" r:id="rId11"/>
-    <p:sldId id="416" r:id="rId12"/>
+    <p:sldId id="428" r:id="rId8"/>
+    <p:sldId id="425" r:id="rId9"/>
+    <p:sldId id="426" r:id="rId10"/>
+    <p:sldId id="429" r:id="rId11"/>
+    <p:sldId id="407" r:id="rId12"/>
+    <p:sldId id="419" r:id="rId13"/>
+    <p:sldId id="427" r:id="rId14"/>
   </p:sldIdLst>
   <p:sldSz cx="12192000" cy="6858000"/>
   <p:notesSz cx="6858000" cy="9144000"/>
@@ -122,7 +124,7 @@
   </p:defaultTextStyle>
   <p:extLst>
     <p:ext uri="{EFAFB233-063F-42B5-8137-9DF3F51BA10A}">
-      <p15:sldGuideLst xmlns:p15="http://schemas.microsoft.com/office/powerpoint/2012/main" xmlns=""/>
+      <p15:sldGuideLst xmlns="" xmlns:p15="http://schemas.microsoft.com/office/powerpoint/2012/main"/>
     </p:ext>
   </p:extLst>
 </p:presentation>
@@ -210,7 +212,7 @@
           <a:p>
             <a:fld id="{327B5F9E-84DB-4811-8F56-9C65E911095D}" type="datetimeFigureOut">
               <a:rPr lang="it-IT" smtClean="0"/>
-              <a:t>20/11/2018</a:t>
+              <a:t>25/11/2018</a:t>
             </a:fld>
             <a:endParaRPr lang="it-IT"/>
           </a:p>
@@ -375,7 +377,7 @@
           <a:p>
             <a:fld id="{60073984-6E99-4D80-ADB1-BFDA0D866557}" type="datetimeFigureOut">
               <a:rPr lang="en-US"/>
-              <a:t>11/20/2018</a:t>
+              <a:t>11/25/2018</a:t>
             </a:fld>
             <a:endParaRPr lang="en-US"/>
           </a:p>
@@ -796,7 +798,7 @@
           <a:p>
             <a:fld id="{C519897D-FFB3-4111-B327-449DADBE2990}" type="slidenum">
               <a:rPr lang="en-US" smtClean="0"/>
-              <a:t>9</a:t>
+              <a:t>11</a:t>
             </a:fld>
             <a:endParaRPr lang="en-US"/>
           </a:p>
@@ -880,7 +882,7 @@
           <a:p>
             <a:fld id="{C519897D-FFB3-4111-B327-449DADBE2990}" type="slidenum">
               <a:rPr lang="en-US" smtClean="0"/>
-              <a:t>10</a:t>
+              <a:t>12</a:t>
             </a:fld>
             <a:endParaRPr lang="en-US"/>
           </a:p>
@@ -964,7 +966,7 @@
           <a:p>
             <a:fld id="{C519897D-FFB3-4111-B327-449DADBE2990}" type="slidenum">
               <a:rPr lang="en-US" smtClean="0"/>
-              <a:t>11</a:t>
+              <a:t>13</a:t>
             </a:fld>
             <a:endParaRPr lang="en-US"/>
           </a:p>
@@ -1207,7 +1209,7 @@
           <a:p>
             <a:fld id="{F1FA7AC5-6045-4418-8E60-F48788734473}" type="datetimeFigureOut">
               <a:rPr lang="en-US" smtClean="0"/>
-              <a:t>11/20/2018</a:t>
+              <a:t>11/25/2018</a:t>
             </a:fld>
             <a:endParaRPr lang="en-US"/>
           </a:p>
@@ -1420,7 +1422,7 @@
           <a:p>
             <a:fld id="{F1FA7AC5-6045-4418-8E60-F48788734473}" type="datetimeFigureOut">
               <a:rPr lang="en-US" smtClean="0"/>
-              <a:t>11/20/2018</a:t>
+              <a:t>11/25/2018</a:t>
             </a:fld>
             <a:endParaRPr lang="en-US"/>
           </a:p>
@@ -1674,7 +1676,7 @@
           <a:p>
             <a:fld id="{F1FA7AC5-6045-4418-8E60-F48788734473}" type="datetimeFigureOut">
               <a:rPr lang="en-US" smtClean="0"/>
-              <a:t>11/20/2018</a:t>
+              <a:t>11/25/2018</a:t>
             </a:fld>
             <a:endParaRPr lang="en-US"/>
           </a:p>
@@ -1842,7 +1844,7 @@
           <a:p>
             <a:fld id="{F1FA7AC5-6045-4418-8E60-F48788734473}" type="datetimeFigureOut">
               <a:rPr lang="en-US" smtClean="0"/>
-              <a:t>11/20/2018</a:t>
+              <a:t>11/25/2018</a:t>
             </a:fld>
             <a:endParaRPr lang="en-US"/>
           </a:p>
@@ -2184,7 +2186,7 @@
           <a:p>
             <a:fld id="{F1FA7AC5-6045-4418-8E60-F48788734473}" type="datetimeFigureOut">
               <a:rPr lang="en-US" smtClean="0"/>
-              <a:t>11/20/2018</a:t>
+              <a:t>11/25/2018</a:t>
             </a:fld>
             <a:endParaRPr lang="en-US"/>
           </a:p>
@@ -2456,7 +2458,7 @@
           <a:p>
             <a:fld id="{F1FA7AC5-6045-4418-8E60-F48788734473}" type="datetimeFigureOut">
               <a:rPr lang="en-US" smtClean="0"/>
-              <a:t>11/20/2018</a:t>
+              <a:t>11/25/2018</a:t>
             </a:fld>
             <a:endParaRPr lang="en-US"/>
           </a:p>
@@ -2832,7 +2834,7 @@
           <a:p>
             <a:fld id="{F1FA7AC5-6045-4418-8E60-F48788734473}" type="datetimeFigureOut">
               <a:rPr lang="en-US" smtClean="0"/>
-              <a:t>11/20/2018</a:t>
+              <a:t>11/25/2018</a:t>
             </a:fld>
             <a:endParaRPr lang="en-US"/>
           </a:p>
@@ -2949,7 +2951,7 @@
           <a:p>
             <a:fld id="{F1FA7AC5-6045-4418-8E60-F48788734473}" type="datetimeFigureOut">
               <a:rPr lang="en-US" smtClean="0"/>
-              <a:t>11/20/2018</a:t>
+              <a:t>11/25/2018</a:t>
             </a:fld>
             <a:endParaRPr lang="en-US"/>
           </a:p>
@@ -3120,7 +3122,7 @@
           <a:p>
             <a:fld id="{F1FA7AC5-6045-4418-8E60-F48788734473}" type="datetimeFigureOut">
               <a:rPr lang="en-US" smtClean="0"/>
-              <a:t>11/20/2018</a:t>
+              <a:t>11/25/2018</a:t>
             </a:fld>
             <a:endParaRPr lang="en-US"/>
           </a:p>
@@ -3472,7 +3474,7 @@
           <a:p>
             <a:fld id="{F1FA7AC5-6045-4418-8E60-F48788734473}" type="datetimeFigureOut">
               <a:rPr lang="en-US" smtClean="0"/>
-              <a:t>11/20/2018</a:t>
+              <a:t>11/25/2018</a:t>
             </a:fld>
             <a:endParaRPr lang="en-US"/>
           </a:p>
@@ -3847,7 +3849,7 @@
           <a:p>
             <a:fld id="{F1FA7AC5-6045-4418-8E60-F48788734473}" type="datetimeFigureOut">
               <a:rPr lang="en-US" smtClean="0"/>
-              <a:t>11/20/2018</a:t>
+              <a:t>11/25/2018</a:t>
             </a:fld>
             <a:endParaRPr lang="en-US"/>
           </a:p>
@@ -4132,7 +4134,7 @@
           <a:p>
             <a:fld id="{F1FA7AC5-6045-4418-8E60-F48788734473}" type="datetimeFigureOut">
               <a:rPr lang="en-US" smtClean="0"/>
-              <a:t>11/20/2018</a:t>
+              <a:t>11/25/2018</a:t>
             </a:fld>
             <a:endParaRPr lang="en-US"/>
           </a:p>
@@ -4684,7 +4686,7 @@
             </a:r>
             <a:r>
               <a:rPr lang="en-US" dirty="0" err="1" smtClean="0"/>
-              <a:t>ngrx</a:t>
+              <a:t>NgRx</a:t>
             </a:r>
             <a:endParaRPr lang="en-US" dirty="0"/>
           </a:p>
@@ -4853,6 +4855,759 @@
       </p:grpSpPr>
       <p:sp>
         <p:nvSpPr>
+          <p:cNvPr id="2" name="Titolo 1"/>
+          <p:cNvSpPr>
+            <a:spLocks noGrp="1"/>
+          </p:cNvSpPr>
+          <p:nvPr>
+            <p:ph type="title"/>
+          </p:nvPr>
+        </p:nvSpPr>
+        <p:spPr/>
+        <p:txBody>
+          <a:bodyPr/>
+          <a:lstStyle/>
+          <a:p>
+            <a:r>
+              <a:rPr lang="it-IT" dirty="0" err="1"/>
+              <a:t>n</a:t>
+            </a:r>
+            <a:r>
+              <a:rPr lang="it-IT" dirty="0" err="1" smtClean="0"/>
+              <a:t>grx</a:t>
+            </a:r>
+            <a:r>
+              <a:rPr lang="it-IT" dirty="0" smtClean="0"/>
+              <a:t>/</a:t>
+            </a:r>
+            <a:r>
+              <a:rPr lang="it-IT" dirty="0" err="1" smtClean="0"/>
+              <a:t>store</a:t>
+            </a:r>
+            <a:r>
+              <a:rPr lang="it-IT" dirty="0" smtClean="0"/>
+              <a:t> core </a:t>
+            </a:r>
+            <a:r>
+              <a:rPr lang="it-IT" dirty="0" err="1" smtClean="0"/>
+              <a:t>principles</a:t>
+            </a:r>
+            <a:endParaRPr lang="it-IT" dirty="0"/>
+          </a:p>
+        </p:txBody>
+      </p:sp>
+      <p:sp>
+        <p:nvSpPr>
+          <p:cNvPr id="3" name="Segnaposto contenuto 2"/>
+          <p:cNvSpPr>
+            <a:spLocks noGrp="1"/>
+          </p:cNvSpPr>
+          <p:nvPr>
+            <p:ph idx="1"/>
+          </p:nvPr>
+        </p:nvSpPr>
+        <p:spPr/>
+        <p:txBody>
+          <a:bodyPr>
+            <a:normAutofit fontScale="77500" lnSpcReduction="20000"/>
+          </a:bodyPr>
+          <a:lstStyle/>
+          <a:p>
+            <a:endParaRPr lang="it-IT" dirty="0" smtClean="0"/>
+          </a:p>
+          <a:p>
+            <a:pPr>
+              <a:buFont typeface="Arial" panose="020B0604020202020204" pitchFamily="34" charset="0"/>
+              <a:buChar char="•"/>
+            </a:pPr>
+            <a:r>
+              <a:rPr lang="en-US" sz="2600" b="1" dirty="0">
+                <a:solidFill>
+                  <a:srgbClr val="0070C0"/>
+                </a:solidFill>
+              </a:rPr>
+              <a:t>State</a:t>
+            </a:r>
+            <a:r>
+              <a:rPr lang="en-US" sz="2600" dirty="0"/>
+              <a:t>: is a single, </a:t>
+            </a:r>
+            <a:r>
+              <a:rPr lang="en-US" sz="2600" b="1" dirty="0">
+                <a:solidFill>
+                  <a:srgbClr val="0070C0"/>
+                </a:solidFill>
+              </a:rPr>
+              <a:t>immutable data structure</a:t>
+            </a:r>
+            <a:r>
+              <a:rPr lang="en-US" sz="2600" dirty="0" smtClean="0"/>
+              <a:t>.</a:t>
+            </a:r>
+          </a:p>
+          <a:p>
+            <a:pPr>
+              <a:buFont typeface="Arial" panose="020B0604020202020204" pitchFamily="34" charset="0"/>
+              <a:buChar char="•"/>
+            </a:pPr>
+            <a:endParaRPr lang="en-US" sz="2600" dirty="0"/>
+          </a:p>
+          <a:p>
+            <a:pPr>
+              <a:buFont typeface="Arial" panose="020B0604020202020204" pitchFamily="34" charset="0"/>
+              <a:buChar char="•"/>
+            </a:pPr>
+            <a:r>
+              <a:rPr lang="en-US" sz="2600" b="1" dirty="0">
+                <a:solidFill>
+                  <a:srgbClr val="0070C0"/>
+                </a:solidFill>
+              </a:rPr>
+              <a:t>Actions</a:t>
+            </a:r>
+            <a:r>
+              <a:rPr lang="en-US" sz="2600" dirty="0"/>
+              <a:t>: events dispatched from components and services, they describe / trigger state changes</a:t>
+            </a:r>
+            <a:r>
+              <a:rPr lang="en-US" sz="2600" dirty="0" smtClean="0"/>
+              <a:t>.</a:t>
+            </a:r>
+          </a:p>
+          <a:p>
+            <a:pPr>
+              <a:buFont typeface="Arial" panose="020B0604020202020204" pitchFamily="34" charset="0"/>
+              <a:buChar char="•"/>
+            </a:pPr>
+            <a:endParaRPr lang="en-US" sz="2600" dirty="0"/>
+          </a:p>
+          <a:p>
+            <a:pPr>
+              <a:buFont typeface="Arial" panose="020B0604020202020204" pitchFamily="34" charset="0"/>
+              <a:buChar char="•"/>
+            </a:pPr>
+            <a:r>
+              <a:rPr lang="en-US" sz="2600" b="1" dirty="0">
+                <a:solidFill>
+                  <a:srgbClr val="0070C0"/>
+                </a:solidFill>
+              </a:rPr>
+              <a:t>Reducers</a:t>
+            </a:r>
+            <a:r>
+              <a:rPr lang="en-US" sz="2600" dirty="0"/>
+              <a:t>: </a:t>
+            </a:r>
+            <a:r>
+              <a:rPr lang="en-US" sz="2600" i="1" dirty="0"/>
+              <a:t>pure functions</a:t>
+            </a:r>
+            <a:r>
+              <a:rPr lang="en-US" sz="2600" dirty="0"/>
+              <a:t> (functions no side effect) that take the previous state and the next action to compute the new </a:t>
+            </a:r>
+            <a:r>
+              <a:rPr lang="en-US" sz="2600" dirty="0" smtClean="0"/>
+              <a:t>state. The </a:t>
+            </a:r>
+            <a:r>
+              <a:rPr lang="en-US" sz="2600" dirty="0"/>
+              <a:t>reducers are the only way to change the state inside the Store</a:t>
+            </a:r>
+            <a:r>
+              <a:rPr lang="en-US" sz="2600" dirty="0" smtClean="0"/>
+              <a:t>.</a:t>
+            </a:r>
+          </a:p>
+          <a:p>
+            <a:pPr>
+              <a:buFont typeface="Arial" panose="020B0604020202020204" pitchFamily="34" charset="0"/>
+              <a:buChar char="•"/>
+            </a:pPr>
+            <a:endParaRPr lang="en-US" sz="2600" dirty="0"/>
+          </a:p>
+          <a:p>
+            <a:pPr>
+              <a:buFont typeface="Arial" panose="020B0604020202020204" pitchFamily="34" charset="0"/>
+              <a:buChar char="•"/>
+            </a:pPr>
+            <a:r>
+              <a:rPr lang="en-US" sz="2600" b="1" dirty="0" smtClean="0">
+                <a:solidFill>
+                  <a:srgbClr val="0070C0"/>
+                </a:solidFill>
+              </a:rPr>
+              <a:t>Selectors</a:t>
+            </a:r>
+            <a:r>
+              <a:rPr lang="en-US" sz="2600" dirty="0" smtClean="0"/>
+              <a:t>: State </a:t>
+            </a:r>
+            <a:r>
+              <a:rPr lang="en-US" sz="2600" dirty="0"/>
+              <a:t>is accessed within the Store using </a:t>
+            </a:r>
+            <a:r>
+              <a:rPr lang="en-US" sz="2600" b="1" dirty="0">
+                <a:solidFill>
+                  <a:srgbClr val="0070C0"/>
+                </a:solidFill>
+              </a:rPr>
+              <a:t>selector functions</a:t>
+            </a:r>
+            <a:r>
+              <a:rPr lang="en-US" sz="2600" dirty="0"/>
+              <a:t> (</a:t>
+            </a:r>
+            <a:r>
+              <a:rPr lang="en-US" sz="2600" i="1" dirty="0"/>
+              <a:t>pure functions</a:t>
+            </a:r>
+            <a:r>
+              <a:rPr lang="en-US" sz="2600" dirty="0"/>
+              <a:t>) that return an </a:t>
+            </a:r>
+            <a:r>
+              <a:rPr lang="en-US" sz="2600" dirty="0">
+                <a:solidFill>
+                  <a:srgbClr val="0070C0"/>
+                </a:solidFill>
+              </a:rPr>
+              <a:t>observable</a:t>
+            </a:r>
+            <a:r>
+              <a:rPr lang="en-US" sz="2600" dirty="0"/>
+              <a:t> of a slice of the state</a:t>
+            </a:r>
+            <a:r>
+              <a:rPr lang="en-US" sz="2600" dirty="0" smtClean="0"/>
+              <a:t>.</a:t>
+            </a:r>
+            <a:endParaRPr lang="it-IT" dirty="0"/>
+          </a:p>
+        </p:txBody>
+      </p:sp>
+    </p:spTree>
+    <p:extLst>
+      <p:ext uri="{BB962C8B-B14F-4D97-AF65-F5344CB8AC3E}">
+        <p14:creationId xmlns:p14="http://schemas.microsoft.com/office/powerpoint/2010/main" val="2676550951"/>
+      </p:ext>
+    </p:extLst>
+  </p:cSld>
+  <p:clrMapOvr>
+    <a:masterClrMapping/>
+  </p:clrMapOvr>
+  <p:timing>
+    <p:tnLst>
+      <p:par>
+        <p:cTn id="1" dur="indefinite" restart="never" nodeType="tmRoot">
+          <p:childTnLst>
+            <p:seq concurrent="1" nextAc="seek">
+              <p:cTn id="2" dur="indefinite" nodeType="mainSeq">
+                <p:childTnLst>
+                  <p:par>
+                    <p:cTn id="3" fill="hold">
+                      <p:stCondLst>
+                        <p:cond delay="indefinite"/>
+                      </p:stCondLst>
+                      <p:childTnLst>
+                        <p:par>
+                          <p:cTn id="4" fill="hold">
+                            <p:stCondLst>
+                              <p:cond delay="0"/>
+                            </p:stCondLst>
+                            <p:childTnLst>
+                              <p:par>
+                                <p:cTn id="5" presetID="10" presetClass="entr" presetSubtype="0" fill="hold" nodeType="clickEffect">
+                                  <p:stCondLst>
+                                    <p:cond delay="0"/>
+                                  </p:stCondLst>
+                                  <p:childTnLst>
+                                    <p:set>
+                                      <p:cBhvr>
+                                        <p:cTn id="6" dur="1" fill="hold">
+                                          <p:stCondLst>
+                                            <p:cond delay="0"/>
+                                          </p:stCondLst>
+                                        </p:cTn>
+                                        <p:tgtEl>
+                                          <p:spTgt spid="3">
+                                            <p:txEl>
+                                              <p:pRg st="1" end="1"/>
+                                            </p:txEl>
+                                          </p:spTgt>
+                                        </p:tgtEl>
+                                        <p:attrNameLst>
+                                          <p:attrName>style.visibility</p:attrName>
+                                        </p:attrNameLst>
+                                      </p:cBhvr>
+                                      <p:to>
+                                        <p:strVal val="visible"/>
+                                      </p:to>
+                                    </p:set>
+                                    <p:animEffect transition="in" filter="fade">
+                                      <p:cBhvr>
+                                        <p:cTn id="7" dur="500"/>
+                                        <p:tgtEl>
+                                          <p:spTgt spid="3">
+                                            <p:txEl>
+                                              <p:pRg st="1" end="1"/>
+                                            </p:txEl>
+                                          </p:spTgt>
+                                        </p:tgtEl>
+                                      </p:cBhvr>
+                                    </p:animEffect>
+                                  </p:childTnLst>
+                                </p:cTn>
+                              </p:par>
+                            </p:childTnLst>
+                          </p:cTn>
+                        </p:par>
+                      </p:childTnLst>
+                    </p:cTn>
+                  </p:par>
+                  <p:par>
+                    <p:cTn id="8" fill="hold">
+                      <p:stCondLst>
+                        <p:cond delay="indefinite"/>
+                      </p:stCondLst>
+                      <p:childTnLst>
+                        <p:par>
+                          <p:cTn id="9" fill="hold">
+                            <p:stCondLst>
+                              <p:cond delay="0"/>
+                            </p:stCondLst>
+                            <p:childTnLst>
+                              <p:par>
+                                <p:cTn id="10" presetID="10" presetClass="entr" presetSubtype="0" fill="hold" nodeType="clickEffect">
+                                  <p:stCondLst>
+                                    <p:cond delay="0"/>
+                                  </p:stCondLst>
+                                  <p:childTnLst>
+                                    <p:set>
+                                      <p:cBhvr>
+                                        <p:cTn id="11" dur="1" fill="hold">
+                                          <p:stCondLst>
+                                            <p:cond delay="0"/>
+                                          </p:stCondLst>
+                                        </p:cTn>
+                                        <p:tgtEl>
+                                          <p:spTgt spid="3">
+                                            <p:txEl>
+                                              <p:pRg st="3" end="3"/>
+                                            </p:txEl>
+                                          </p:spTgt>
+                                        </p:tgtEl>
+                                        <p:attrNameLst>
+                                          <p:attrName>style.visibility</p:attrName>
+                                        </p:attrNameLst>
+                                      </p:cBhvr>
+                                      <p:to>
+                                        <p:strVal val="visible"/>
+                                      </p:to>
+                                    </p:set>
+                                    <p:animEffect transition="in" filter="fade">
+                                      <p:cBhvr>
+                                        <p:cTn id="12" dur="500"/>
+                                        <p:tgtEl>
+                                          <p:spTgt spid="3">
+                                            <p:txEl>
+                                              <p:pRg st="3" end="3"/>
+                                            </p:txEl>
+                                          </p:spTgt>
+                                        </p:tgtEl>
+                                      </p:cBhvr>
+                                    </p:animEffect>
+                                  </p:childTnLst>
+                                </p:cTn>
+                              </p:par>
+                            </p:childTnLst>
+                          </p:cTn>
+                        </p:par>
+                      </p:childTnLst>
+                    </p:cTn>
+                  </p:par>
+                  <p:par>
+                    <p:cTn id="13" fill="hold">
+                      <p:stCondLst>
+                        <p:cond delay="indefinite"/>
+                      </p:stCondLst>
+                      <p:childTnLst>
+                        <p:par>
+                          <p:cTn id="14" fill="hold">
+                            <p:stCondLst>
+                              <p:cond delay="0"/>
+                            </p:stCondLst>
+                            <p:childTnLst>
+                              <p:par>
+                                <p:cTn id="15" presetID="10" presetClass="entr" presetSubtype="0" fill="hold" nodeType="clickEffect">
+                                  <p:stCondLst>
+                                    <p:cond delay="0"/>
+                                  </p:stCondLst>
+                                  <p:childTnLst>
+                                    <p:set>
+                                      <p:cBhvr>
+                                        <p:cTn id="16" dur="1" fill="hold">
+                                          <p:stCondLst>
+                                            <p:cond delay="0"/>
+                                          </p:stCondLst>
+                                        </p:cTn>
+                                        <p:tgtEl>
+                                          <p:spTgt spid="3">
+                                            <p:txEl>
+                                              <p:pRg st="5" end="5"/>
+                                            </p:txEl>
+                                          </p:spTgt>
+                                        </p:tgtEl>
+                                        <p:attrNameLst>
+                                          <p:attrName>style.visibility</p:attrName>
+                                        </p:attrNameLst>
+                                      </p:cBhvr>
+                                      <p:to>
+                                        <p:strVal val="visible"/>
+                                      </p:to>
+                                    </p:set>
+                                    <p:animEffect transition="in" filter="fade">
+                                      <p:cBhvr>
+                                        <p:cTn id="17" dur="500"/>
+                                        <p:tgtEl>
+                                          <p:spTgt spid="3">
+                                            <p:txEl>
+                                              <p:pRg st="5" end="5"/>
+                                            </p:txEl>
+                                          </p:spTgt>
+                                        </p:tgtEl>
+                                      </p:cBhvr>
+                                    </p:animEffect>
+                                  </p:childTnLst>
+                                </p:cTn>
+                              </p:par>
+                            </p:childTnLst>
+                          </p:cTn>
+                        </p:par>
+                      </p:childTnLst>
+                    </p:cTn>
+                  </p:par>
+                  <p:par>
+                    <p:cTn id="18" fill="hold">
+                      <p:stCondLst>
+                        <p:cond delay="indefinite"/>
+                      </p:stCondLst>
+                      <p:childTnLst>
+                        <p:par>
+                          <p:cTn id="19" fill="hold">
+                            <p:stCondLst>
+                              <p:cond delay="0"/>
+                            </p:stCondLst>
+                            <p:childTnLst>
+                              <p:par>
+                                <p:cTn id="20" presetID="10" presetClass="entr" presetSubtype="0" fill="hold" nodeType="clickEffect">
+                                  <p:stCondLst>
+                                    <p:cond delay="0"/>
+                                  </p:stCondLst>
+                                  <p:childTnLst>
+                                    <p:set>
+                                      <p:cBhvr>
+                                        <p:cTn id="21" dur="1" fill="hold">
+                                          <p:stCondLst>
+                                            <p:cond delay="0"/>
+                                          </p:stCondLst>
+                                        </p:cTn>
+                                        <p:tgtEl>
+                                          <p:spTgt spid="3">
+                                            <p:txEl>
+                                              <p:pRg st="7" end="7"/>
+                                            </p:txEl>
+                                          </p:spTgt>
+                                        </p:tgtEl>
+                                        <p:attrNameLst>
+                                          <p:attrName>style.visibility</p:attrName>
+                                        </p:attrNameLst>
+                                      </p:cBhvr>
+                                      <p:to>
+                                        <p:strVal val="visible"/>
+                                      </p:to>
+                                    </p:set>
+                                    <p:animEffect transition="in" filter="fade">
+                                      <p:cBhvr>
+                                        <p:cTn id="22" dur="500"/>
+                                        <p:tgtEl>
+                                          <p:spTgt spid="3">
+                                            <p:txEl>
+                                              <p:pRg st="7" end="7"/>
+                                            </p:txEl>
+                                          </p:spTgt>
+                                        </p:tgtEl>
+                                      </p:cBhvr>
+                                    </p:animEffect>
+                                  </p:childTnLst>
+                                </p:cTn>
+                              </p:par>
+                            </p:childTnLst>
+                          </p:cTn>
+                        </p:par>
+                      </p:childTnLst>
+                    </p:cTn>
+                  </p:par>
+                </p:childTnLst>
+              </p:cTn>
+              <p:prevCondLst>
+                <p:cond evt="onPrev" delay="0">
+                  <p:tgtEl>
+                    <p:sldTgt/>
+                  </p:tgtEl>
+                </p:cond>
+              </p:prevCondLst>
+              <p:nextCondLst>
+                <p:cond evt="onNext" delay="0">
+                  <p:tgtEl>
+                    <p:sldTgt/>
+                  </p:tgtEl>
+                </p:cond>
+              </p:nextCondLst>
+            </p:seq>
+          </p:childTnLst>
+        </p:cTn>
+      </p:par>
+    </p:tnLst>
+  </p:timing>
+</p:sld>
+</file>
+
+<file path=ppt/slides/slide11.xml><?xml version="1.0" encoding="utf-8"?>
+<p:sld xmlns:a="http://schemas.openxmlformats.org/drawingml/2006/main" xmlns:r="http://schemas.openxmlformats.org/officeDocument/2006/relationships" xmlns:p="http://schemas.openxmlformats.org/presentationml/2006/main">
+  <p:cSld>
+    <p:spTree>
+      <p:nvGrpSpPr>
+        <p:cNvPr id="1" name=""/>
+        <p:cNvGrpSpPr/>
+        <p:nvPr/>
+      </p:nvGrpSpPr>
+      <p:grpSpPr>
+        <a:xfrm>
+          <a:off x="0" y="0"/>
+          <a:ext cx="0" cy="0"/>
+          <a:chOff x="0" y="0"/>
+          <a:chExt cx="0" cy="0"/>
+        </a:xfrm>
+      </p:grpSpPr>
+      <p:sp>
+        <p:nvSpPr>
+          <p:cNvPr id="4" name="Titolo 3"/>
+          <p:cNvSpPr>
+            <a:spLocks noGrp="1"/>
+          </p:cNvSpPr>
+          <p:nvPr>
+            <p:ph type="title"/>
+          </p:nvPr>
+        </p:nvSpPr>
+        <p:spPr/>
+        <p:txBody>
+          <a:bodyPr/>
+          <a:lstStyle/>
+          <a:p>
+            <a:r>
+              <a:rPr lang="it-IT" dirty="0" smtClean="0"/>
+              <a:t>Reference</a:t>
+            </a:r>
+            <a:endParaRPr lang="it-IT" dirty="0"/>
+          </a:p>
+        </p:txBody>
+      </p:sp>
+      <p:sp>
+        <p:nvSpPr>
+          <p:cNvPr id="5" name="Segnaposto contenuto 4"/>
+          <p:cNvSpPr>
+            <a:spLocks noGrp="1"/>
+          </p:cNvSpPr>
+          <p:nvPr>
+            <p:ph idx="1"/>
+          </p:nvPr>
+        </p:nvSpPr>
+        <p:spPr/>
+        <p:txBody>
+          <a:bodyPr/>
+          <a:lstStyle/>
+          <a:p>
+            <a:endParaRPr lang="it-IT" dirty="0" smtClean="0"/>
+          </a:p>
+          <a:p>
+            <a:r>
+              <a:rPr lang="it-IT" dirty="0" err="1" smtClean="0"/>
+              <a:t>RxJS</a:t>
+            </a:r>
+            <a:r>
+              <a:rPr lang="it-IT" dirty="0" smtClean="0"/>
+              <a:t> </a:t>
+            </a:r>
+            <a:r>
+              <a:rPr lang="it-IT" dirty="0" err="1" smtClean="0"/>
+              <a:t>d</a:t>
+            </a:r>
+            <a:r>
+              <a:rPr lang="it-IT" dirty="0" err="1" smtClean="0"/>
+              <a:t>ocumentation</a:t>
+            </a:r>
+            <a:r>
+              <a:rPr lang="it-IT" dirty="0" smtClean="0"/>
+              <a:t>: </a:t>
+            </a:r>
+            <a:r>
+              <a:rPr lang="it-IT" dirty="0">
+                <a:hlinkClick r:id="rId3"/>
+              </a:rPr>
+              <a:t>https://rxjs-dev.firebaseapp.com</a:t>
+            </a:r>
+            <a:r>
+              <a:rPr lang="it-IT" dirty="0" smtClean="0">
+                <a:hlinkClick r:id="rId3"/>
+              </a:rPr>
+              <a:t>/</a:t>
+            </a:r>
+            <a:r>
+              <a:rPr lang="it-IT" dirty="0"/>
+              <a:t> </a:t>
+            </a:r>
+            <a:endParaRPr lang="it-IT" dirty="0" smtClean="0"/>
+          </a:p>
+          <a:p>
+            <a:r>
+              <a:rPr lang="it-IT" dirty="0" err="1" smtClean="0"/>
+              <a:t>Redux</a:t>
+            </a:r>
+            <a:r>
+              <a:rPr lang="it-IT" dirty="0"/>
+              <a:t>: </a:t>
+            </a:r>
+            <a:r>
+              <a:rPr lang="it-IT" dirty="0">
+                <a:hlinkClick r:id="rId4"/>
+              </a:rPr>
+              <a:t>https://redux.js.org</a:t>
+            </a:r>
+            <a:r>
+              <a:rPr lang="it-IT" dirty="0" smtClean="0">
+                <a:hlinkClick r:id="rId4"/>
+              </a:rPr>
+              <a:t>/</a:t>
+            </a:r>
+            <a:endParaRPr lang="it-IT" dirty="0"/>
+          </a:p>
+          <a:p>
+            <a:r>
+              <a:rPr lang="it-IT" dirty="0" err="1" smtClean="0"/>
+              <a:t>NgRx</a:t>
+            </a:r>
+            <a:r>
+              <a:rPr lang="it-IT" dirty="0" smtClean="0"/>
+              <a:t>: </a:t>
+            </a:r>
+            <a:r>
+              <a:rPr lang="it-IT" dirty="0" smtClean="0">
+                <a:hlinkClick r:id="rId5"/>
+              </a:rPr>
+              <a:t>http://</a:t>
+            </a:r>
+            <a:r>
+              <a:rPr lang="it-IT" dirty="0" smtClean="0">
+                <a:hlinkClick r:id="rId5"/>
+              </a:rPr>
+              <a:t>ngrx.io</a:t>
+            </a:r>
+            <a:endParaRPr lang="it-IT" dirty="0" smtClean="0"/>
+          </a:p>
+          <a:p>
+            <a:r>
+              <a:rPr lang="it-IT" dirty="0" err="1"/>
+              <a:t>Angular</a:t>
+            </a:r>
+            <a:r>
+              <a:rPr lang="it-IT" dirty="0"/>
+              <a:t>: </a:t>
+            </a:r>
+            <a:r>
+              <a:rPr lang="it-IT" dirty="0">
+                <a:hlinkClick r:id="rId6"/>
+              </a:rPr>
+              <a:t>https://angular.io/</a:t>
+            </a:r>
+            <a:endParaRPr lang="it-IT" dirty="0"/>
+          </a:p>
+          <a:p>
+            <a:r>
+              <a:rPr lang="it-IT" dirty="0" smtClean="0"/>
+              <a:t>Visual </a:t>
+            </a:r>
+            <a:r>
+              <a:rPr lang="it-IT" dirty="0"/>
+              <a:t>Studio Code: </a:t>
+            </a:r>
+            <a:r>
+              <a:rPr lang="it-IT" dirty="0">
+                <a:hlinkClick r:id="rId7"/>
+              </a:rPr>
+              <a:t>http://</a:t>
+            </a:r>
+            <a:r>
+              <a:rPr lang="it-IT" dirty="0" smtClean="0">
+                <a:hlinkClick r:id="rId7"/>
+              </a:rPr>
+              <a:t>code.visualstudio.com/docs</a:t>
+            </a:r>
+            <a:endParaRPr lang="it-IT" dirty="0" smtClean="0"/>
+          </a:p>
+          <a:p>
+            <a:endParaRPr lang="it-IT" dirty="0"/>
+          </a:p>
+        </p:txBody>
+      </p:sp>
+    </p:spTree>
+    <p:extLst>
+      <p:ext uri="{BB962C8B-B14F-4D97-AF65-F5344CB8AC3E}">
+        <p14:creationId xmlns:p14="http://schemas.microsoft.com/office/powerpoint/2010/main" val="3254142067"/>
+      </p:ext>
+    </p:extLst>
+  </p:cSld>
+  <p:clrMapOvr>
+    <a:masterClrMapping/>
+  </p:clrMapOvr>
+  <mc:AlternateContent xmlns:mc="http://schemas.openxmlformats.org/markup-compatibility/2006" xmlns:p14="http://schemas.microsoft.com/office/powerpoint/2010/main">
+    <mc:Choice Requires="p14">
+      <p:transition spd="slow" p14:dur="2000"/>
+    </mc:Choice>
+    <mc:Fallback xmlns="">
+      <p:transition spd="slow"/>
+    </mc:Fallback>
+  </mc:AlternateContent>
+  <p:timing>
+    <p:tnLst>
+      <p:par>
+        <p:cTn id="1" dur="indefinite" restart="never" nodeType="tmRoot"/>
+      </p:par>
+    </p:tnLst>
+  </p:timing>
+</p:sld>
+</file>
+
+<file path=ppt/slides/slide12.xml><?xml version="1.0" encoding="utf-8"?>
+<p:sld xmlns:a="http://schemas.openxmlformats.org/drawingml/2006/main" xmlns:r="http://schemas.openxmlformats.org/officeDocument/2006/relationships" xmlns:p="http://schemas.openxmlformats.org/presentationml/2006/main">
+  <p:cSld>
+    <p:spTree>
+      <p:nvGrpSpPr>
+        <p:cNvPr id="1" name=""/>
+        <p:cNvGrpSpPr/>
+        <p:nvPr/>
+      </p:nvGrpSpPr>
+      <p:grpSpPr>
+        <a:xfrm>
+          <a:off x="0" y="0"/>
+          <a:ext cx="0" cy="0"/>
+          <a:chOff x="0" y="0"/>
+          <a:chExt cx="0" cy="0"/>
+        </a:xfrm>
+      </p:grpSpPr>
+      <p:sp>
+        <p:nvSpPr>
           <p:cNvPr id="4" name="Titolo 3"/>
           <p:cNvSpPr>
             <a:spLocks noGrp="1"/>
@@ -4965,7 +5720,7 @@
 </p:sld>
 </file>
 
-<file path=ppt/slides/slide11.xml><?xml version="1.0" encoding="utf-8"?>
+<file path=ppt/slides/slide13.xml><?xml version="1.0" encoding="utf-8"?>
 <p:sld xmlns:a="http://schemas.openxmlformats.org/drawingml/2006/main" xmlns:r="http://schemas.openxmlformats.org/officeDocument/2006/relationships" xmlns:p="http://schemas.openxmlformats.org/presentationml/2006/main">
   <p:cSld>
     <p:spTree>
@@ -5323,10 +6078,57 @@
           </a:p>
         </p:txBody>
       </p:sp>
+      <p:pic>
+        <p:nvPicPr>
+          <p:cNvPr id="1026" name="Picture 2" descr="D:\agiorgetti.github.io\images\me.png"/>
+          <p:cNvPicPr>
+            <a:picLocks noChangeAspect="1" noChangeArrowheads="1"/>
+          </p:cNvPicPr>
+          <p:nvPr/>
+        </p:nvPicPr>
+        <p:blipFill>
+          <a:blip r:embed="rId8">
+            <a:extLst>
+              <a:ext uri="{28A0092B-C50C-407E-A947-70E740481C1C}">
+                <a14:useLocalDpi xmlns:a14="http://schemas.microsoft.com/office/drawing/2010/main" val="0"/>
+              </a:ext>
+            </a:extLst>
+          </a:blip>
+          <a:srcRect/>
+          <a:stretch>
+            <a:fillRect/>
+          </a:stretch>
+        </p:blipFill>
+        <p:spPr bwMode="auto">
+          <a:xfrm>
+            <a:off x="1206500" y="3111500"/>
+            <a:ext cx="2978150" cy="2978150"/>
+          </a:xfrm>
+          <a:prstGeom prst="rect">
+            <a:avLst/>
+          </a:prstGeom>
+          <a:noFill/>
+          <a:effectLst>
+            <a:outerShdw blurRad="50800" dist="50800" sx="1000" sy="1000" algn="ctr" rotWithShape="0">
+              <a:srgbClr val="000000"/>
+            </a:outerShdw>
+            <a:softEdge rad="63500"/>
+          </a:effectLst>
+          <a:extLst>
+            <a:ext uri="{909E8E84-426E-40DD-AFC4-6F175D3DCCD1}">
+              <a14:hiddenFill xmlns:a14="http://schemas.microsoft.com/office/drawing/2010/main">
+                <a:solidFill>
+                  <a:srgbClr val="FFFFFF"/>
+                </a:solidFill>
+              </a14:hiddenFill>
+            </a:ext>
+          </a:extLst>
+        </p:spPr>
+      </p:pic>
     </p:spTree>
     <p:extLst>
       <p:ext uri="{BB962C8B-B14F-4D97-AF65-F5344CB8AC3E}">
-        <p14:creationId xmlns:p14="http://schemas.microsoft.com/office/powerpoint/2010/main" val="4063457505"/>
+        <p14:creationId xmlns:p14="http://schemas.microsoft.com/office/powerpoint/2010/main" val="2340493484"/>
       </p:ext>
     </p:extLst>
   </p:cSld>
@@ -5393,7 +6195,7 @@
             </a:r>
             <a:r>
               <a:rPr lang="it-IT" dirty="0" err="1" smtClean="0"/>
-              <a:t>ngrx</a:t>
+              <a:t>NgRx</a:t>
             </a:r>
             <a:r>
               <a:rPr lang="it-IT" dirty="0" smtClean="0"/>
@@ -5427,60 +6229,84 @@
           </a:p>
           <a:p>
             <a:r>
-              <a:rPr lang="it-IT" dirty="0" err="1" smtClean="0"/>
+              <a:rPr lang="it-IT" sz="3200" dirty="0" err="1" smtClean="0"/>
+              <a:t>It’s</a:t>
+            </a:r>
+            <a:r>
+              <a:rPr lang="it-IT" sz="3200" dirty="0" smtClean="0"/>
+              <a:t> a </a:t>
+            </a:r>
+            <a:r>
+              <a:rPr lang="it-IT" sz="3200" dirty="0" err="1" smtClean="0"/>
               <a:t>Reactive</a:t>
             </a:r>
             <a:r>
-              <a:rPr lang="it-IT" dirty="0" smtClean="0"/>
-              <a:t> State Management for </a:t>
-            </a:r>
-            <a:r>
-              <a:rPr lang="it-IT" dirty="0" err="1" smtClean="0"/>
+              <a:rPr lang="it-IT" sz="3200" dirty="0" smtClean="0"/>
+              <a:t> </a:t>
+            </a:r>
+            <a:r>
+              <a:rPr lang="it-IT" sz="3200" dirty="0" smtClean="0"/>
+              <a:t>State Management </a:t>
+            </a:r>
+            <a:r>
+              <a:rPr lang="it-IT" sz="3200" dirty="0" err="1" smtClean="0"/>
+              <a:t>library</a:t>
+            </a:r>
+            <a:r>
+              <a:rPr lang="it-IT" sz="3200" dirty="0" smtClean="0"/>
+              <a:t> </a:t>
+            </a:r>
+            <a:r>
+              <a:rPr lang="it-IT" sz="3200" dirty="0" smtClean="0"/>
+              <a:t>for </a:t>
+            </a:r>
+            <a:r>
+              <a:rPr lang="it-IT" sz="3200" dirty="0" err="1" smtClean="0"/>
               <a:t>Angular</a:t>
             </a:r>
             <a:r>
-              <a:rPr lang="it-IT" dirty="0" smtClean="0"/>
+              <a:rPr lang="it-IT" sz="3200" dirty="0" smtClean="0"/>
               <a:t>.</a:t>
             </a:r>
           </a:p>
           <a:p>
-            <a:endParaRPr lang="it-IT" dirty="0"/>
-          </a:p>
-          <a:p>
-            <a:r>
-              <a:rPr lang="it-IT" dirty="0" smtClean="0"/>
+            <a:endParaRPr lang="it-IT" sz="3200" dirty="0" smtClean="0"/>
+          </a:p>
+          <a:p>
+            <a:r>
+              <a:rPr lang="it-IT" sz="3200" dirty="0" smtClean="0"/>
               <a:t>At </a:t>
             </a:r>
             <a:r>
-              <a:rPr lang="it-IT" dirty="0" err="1" smtClean="0"/>
+              <a:rPr lang="it-IT" sz="3200" dirty="0" err="1" smtClean="0"/>
               <a:t>its</a:t>
             </a:r>
             <a:r>
-              <a:rPr lang="it-IT" dirty="0" smtClean="0"/>
+              <a:rPr lang="it-IT" sz="3200" dirty="0" smtClean="0"/>
               <a:t> Core </a:t>
             </a:r>
             <a:r>
-              <a:rPr lang="it-IT" dirty="0" err="1" smtClean="0"/>
+              <a:rPr lang="it-IT" sz="3200" dirty="0" err="1" smtClean="0"/>
               <a:t>it’s</a:t>
             </a:r>
             <a:r>
-              <a:rPr lang="it-IT" dirty="0" smtClean="0"/>
+              <a:rPr lang="it-IT" sz="3200" dirty="0" smtClean="0"/>
               <a:t> the </a:t>
             </a:r>
             <a:r>
-              <a:rPr lang="it-IT" dirty="0" err="1" smtClean="0"/>
+              <a:rPr lang="it-IT" sz="3200" dirty="0" err="1" smtClean="0"/>
               <a:t>Redux</a:t>
             </a:r>
             <a:r>
-              <a:rPr lang="it-IT" dirty="0" smtClean="0"/>
+              <a:rPr lang="it-IT" sz="3200" dirty="0" smtClean="0"/>
               <a:t> State Management Pattern + </a:t>
             </a:r>
             <a:r>
-              <a:rPr lang="it-IT" dirty="0" err="1" smtClean="0"/>
+              <a:rPr lang="it-IT" sz="3200" dirty="0" err="1" smtClean="0"/>
               <a:t>Angular</a:t>
             </a:r>
             <a:r>
-              <a:rPr lang="it-IT" dirty="0" smtClean="0"/>
+              <a:rPr lang="it-IT" sz="3200" dirty="0" smtClean="0"/>
               <a:t> Extensions.</a:t>
             </a:r>
           </a:p>
@@ -5505,6 +6331,158 @@
   <p:clrMapOvr>
     <a:masterClrMapping/>
   </p:clrMapOvr>
+  <p:timing>
+    <p:tnLst>
+      <p:par>
+        <p:cTn id="1" dur="indefinite" restart="never" nodeType="tmRoot">
+          <p:childTnLst>
+            <p:seq concurrent="1" nextAc="seek">
+              <p:cTn id="2" dur="indefinite" nodeType="mainSeq">
+                <p:childTnLst>
+                  <p:par>
+                    <p:cTn id="3" fill="hold">
+                      <p:stCondLst>
+                        <p:cond delay="indefinite"/>
+                      </p:stCondLst>
+                      <p:childTnLst>
+                        <p:par>
+                          <p:cTn id="4" fill="hold">
+                            <p:stCondLst>
+                              <p:cond delay="0"/>
+                            </p:stCondLst>
+                            <p:childTnLst>
+                              <p:par>
+                                <p:cTn id="5" presetID="10" presetClass="entr" presetSubtype="0" fill="hold" nodeType="clickEffect">
+                                  <p:stCondLst>
+                                    <p:cond delay="0"/>
+                                  </p:stCondLst>
+                                  <p:childTnLst>
+                                    <p:set>
+                                      <p:cBhvr>
+                                        <p:cTn id="6" dur="1" fill="hold">
+                                          <p:stCondLst>
+                                            <p:cond delay="0"/>
+                                          </p:stCondLst>
+                                        </p:cTn>
+                                        <p:tgtEl>
+                                          <p:spTgt spid="3">
+                                            <p:txEl>
+                                              <p:pRg st="2" end="2"/>
+                                            </p:txEl>
+                                          </p:spTgt>
+                                        </p:tgtEl>
+                                        <p:attrNameLst>
+                                          <p:attrName>style.visibility</p:attrName>
+                                        </p:attrNameLst>
+                                      </p:cBhvr>
+                                      <p:to>
+                                        <p:strVal val="visible"/>
+                                      </p:to>
+                                    </p:set>
+                                    <p:animEffect transition="in" filter="fade">
+                                      <p:cBhvr>
+                                        <p:cTn id="7" dur="500"/>
+                                        <p:tgtEl>
+                                          <p:spTgt spid="3">
+                                            <p:txEl>
+                                              <p:pRg st="2" end="2"/>
+                                            </p:txEl>
+                                          </p:spTgt>
+                                        </p:tgtEl>
+                                      </p:cBhvr>
+                                    </p:animEffect>
+                                  </p:childTnLst>
+                                </p:cTn>
+                              </p:par>
+                            </p:childTnLst>
+                          </p:cTn>
+                        </p:par>
+                      </p:childTnLst>
+                    </p:cTn>
+                  </p:par>
+                  <p:par>
+                    <p:cTn id="8" fill="hold">
+                      <p:stCondLst>
+                        <p:cond delay="indefinite"/>
+                      </p:stCondLst>
+                      <p:childTnLst>
+                        <p:par>
+                          <p:cTn id="9" fill="hold">
+                            <p:stCondLst>
+                              <p:cond delay="0"/>
+                            </p:stCondLst>
+                            <p:childTnLst>
+                              <p:par>
+                                <p:cTn id="10" presetID="10" presetClass="entr" presetSubtype="0" fill="hold" nodeType="clickEffect">
+                                  <p:stCondLst>
+                                    <p:cond delay="0"/>
+                                  </p:stCondLst>
+                                  <p:childTnLst>
+                                    <p:set>
+                                      <p:cBhvr>
+                                        <p:cTn id="11" dur="1" fill="hold">
+                                          <p:stCondLst>
+                                            <p:cond delay="0"/>
+                                          </p:stCondLst>
+                                        </p:cTn>
+                                        <p:tgtEl>
+                                          <p:spTgt spid="3">
+                                            <p:txEl>
+                                              <p:pRg st="4" end="4"/>
+                                            </p:txEl>
+                                          </p:spTgt>
+                                        </p:tgtEl>
+                                        <p:attrNameLst>
+                                          <p:attrName>style.visibility</p:attrName>
+                                        </p:attrNameLst>
+                                      </p:cBhvr>
+                                      <p:to>
+                                        <p:strVal val="visible"/>
+                                      </p:to>
+                                    </p:set>
+                                    <p:animEffect transition="in" filter="fade">
+                                      <p:cBhvr>
+                                        <p:cTn id="12" dur="500"/>
+                                        <p:tgtEl>
+                                          <p:spTgt spid="3">
+                                            <p:txEl>
+                                              <p:pRg st="4" end="4"/>
+                                            </p:txEl>
+                                          </p:spTgt>
+                                        </p:tgtEl>
+                                      </p:cBhvr>
+                                    </p:animEffect>
+                                  </p:childTnLst>
+                                </p:cTn>
+                              </p:par>
+                            </p:childTnLst>
+                          </p:cTn>
+                        </p:par>
+                      </p:childTnLst>
+                    </p:cTn>
+                  </p:par>
+                </p:childTnLst>
+              </p:cTn>
+              <p:prevCondLst>
+                <p:cond evt="onPrev" delay="0">
+                  <p:tgtEl>
+                    <p:sldTgt/>
+                  </p:tgtEl>
+                </p:cond>
+              </p:prevCondLst>
+              <p:nextCondLst>
+                <p:cond evt="onNext" delay="0">
+                  <p:tgtEl>
+                    <p:sldTgt/>
+                  </p:tgtEl>
+                </p:cond>
+              </p:nextCondLst>
+            </p:seq>
+          </p:childTnLst>
+        </p:cTn>
+      </p:par>
+    </p:tnLst>
+  </p:timing>
 </p:sld>
 </file>
 
@@ -5568,188 +6546,222 @@
         </p:nvSpPr>
         <p:spPr/>
         <p:txBody>
-          <a:bodyPr/>
+          <a:bodyPr>
+            <a:normAutofit lnSpcReduction="10000"/>
+          </a:bodyPr>
           <a:lstStyle/>
           <a:p>
             <a:endParaRPr lang="it-IT" dirty="0" smtClean="0"/>
           </a:p>
           <a:p>
-            <a:r>
-              <a:rPr lang="it-IT" dirty="0" err="1"/>
+            <a:pPr>
+              <a:buFont typeface="Arial" panose="020B0604020202020204" pitchFamily="34" charset="0"/>
+              <a:buChar char="•"/>
+            </a:pPr>
+            <a:r>
+              <a:rPr lang="it-IT" sz="2400" dirty="0" err="1"/>
               <a:t>Enforces</a:t>
             </a:r>
             <a:r>
-              <a:rPr lang="it-IT" dirty="0"/>
-              <a:t> a </a:t>
-            </a:r>
-            <a:r>
-              <a:rPr lang="it-IT" dirty="0" err="1"/>
+              <a:rPr lang="it-IT" sz="2400" dirty="0"/>
+              <a:t> </a:t>
+            </a:r>
+            <a:r>
+              <a:rPr lang="it-IT" sz="2400" dirty="0" smtClean="0"/>
+              <a:t> </a:t>
+            </a:r>
+            <a:r>
+              <a:rPr lang="it-IT" sz="2400" dirty="0" err="1"/>
               <a:t>one</a:t>
             </a:r>
             <a:r>
-              <a:rPr lang="it-IT" dirty="0"/>
+              <a:rPr lang="it-IT" sz="2400" dirty="0"/>
               <a:t> way (state management) </a:t>
             </a:r>
             <a:r>
-              <a:rPr lang="it-IT" dirty="0" err="1"/>
+              <a:rPr lang="it-IT" sz="2400" dirty="0" err="1"/>
               <a:t>dataflow</a:t>
             </a:r>
             <a:r>
-              <a:rPr lang="it-IT" dirty="0"/>
+              <a:rPr lang="it-IT" sz="2400" dirty="0"/>
               <a:t> </a:t>
             </a:r>
             <a:r>
-              <a:rPr lang="it-IT" dirty="0" err="1"/>
+              <a:rPr lang="it-IT" sz="2400" dirty="0" err="1"/>
               <a:t>throught</a:t>
             </a:r>
             <a:r>
-              <a:rPr lang="it-IT" dirty="0"/>
+              <a:rPr lang="it-IT" sz="2400" dirty="0"/>
               <a:t> the </a:t>
             </a:r>
             <a:r>
-              <a:rPr lang="it-IT" dirty="0" err="1"/>
+              <a:rPr lang="it-IT" sz="2400" dirty="0" err="1"/>
               <a:t>whole</a:t>
             </a:r>
             <a:r>
-              <a:rPr lang="it-IT" dirty="0"/>
+              <a:rPr lang="it-IT" sz="2400" dirty="0"/>
               <a:t> </a:t>
             </a:r>
             <a:r>
-              <a:rPr lang="it-IT" dirty="0" err="1"/>
+              <a:rPr lang="it-IT" sz="2400" dirty="0" err="1"/>
               <a:t>application</a:t>
             </a:r>
             <a:r>
-              <a:rPr lang="it-IT" dirty="0"/>
+              <a:rPr lang="it-IT" sz="2400" dirty="0"/>
               <a:t>.</a:t>
             </a:r>
           </a:p>
           <a:p>
-            <a:endParaRPr lang="it-IT" dirty="0" smtClean="0"/>
-          </a:p>
-          <a:p>
-            <a:r>
-              <a:rPr lang="it-IT" dirty="0" err="1"/>
+            <a:pPr>
+              <a:buFont typeface="Arial" panose="020B0604020202020204" pitchFamily="34" charset="0"/>
+              <a:buChar char="•"/>
+            </a:pPr>
+            <a:endParaRPr lang="it-IT" sz="2400" dirty="0" smtClean="0"/>
+          </a:p>
+          <a:p>
+            <a:pPr>
+              <a:buFont typeface="Arial" panose="020B0604020202020204" pitchFamily="34" charset="0"/>
+              <a:buChar char="•"/>
+            </a:pPr>
+            <a:r>
+              <a:rPr lang="it-IT" sz="2400" dirty="0" err="1"/>
               <a:t>Promotes</a:t>
             </a:r>
             <a:r>
-              <a:rPr lang="it-IT" dirty="0"/>
+              <a:rPr lang="it-IT" sz="2400" dirty="0"/>
               <a:t> the use of a «Single source of </a:t>
             </a:r>
             <a:r>
-              <a:rPr lang="it-IT" dirty="0" err="1"/>
+              <a:rPr lang="it-IT" sz="2400" dirty="0" err="1"/>
               <a:t>truth</a:t>
             </a:r>
             <a:r>
-              <a:rPr lang="it-IT" dirty="0"/>
+              <a:rPr lang="it-IT" sz="2400" dirty="0"/>
               <a:t>» for the Application </a:t>
             </a:r>
             <a:r>
-              <a:rPr lang="it-IT" dirty="0" smtClean="0"/>
+              <a:rPr lang="it-IT" sz="2400" dirty="0" smtClean="0"/>
               <a:t>State: The </a:t>
             </a:r>
             <a:r>
-              <a:rPr lang="it-IT" dirty="0" err="1" smtClean="0"/>
+              <a:rPr lang="it-IT" sz="2400" dirty="0" err="1" smtClean="0"/>
               <a:t>Store</a:t>
             </a:r>
             <a:r>
-              <a:rPr lang="it-IT" dirty="0" smtClean="0"/>
+              <a:rPr lang="it-IT" sz="2400" dirty="0" smtClean="0"/>
               <a:t>™.</a:t>
             </a:r>
           </a:p>
           <a:p>
-            <a:endParaRPr lang="it-IT" dirty="0"/>
-          </a:p>
-          <a:p>
-            <a:r>
-              <a:rPr lang="it-IT" dirty="0" smtClean="0"/>
+            <a:pPr>
+              <a:buFont typeface="Arial" panose="020B0604020202020204" pitchFamily="34" charset="0"/>
+              <a:buChar char="•"/>
+            </a:pPr>
+            <a:endParaRPr lang="it-IT" sz="2400" dirty="0"/>
+          </a:p>
+          <a:p>
+            <a:pPr>
+              <a:buFont typeface="Arial" panose="020B0604020202020204" pitchFamily="34" charset="0"/>
+              <a:buChar char="•"/>
+            </a:pPr>
+            <a:r>
+              <a:rPr lang="it-IT" sz="2400" dirty="0" smtClean="0"/>
               <a:t>The State </a:t>
             </a:r>
             <a:r>
-              <a:rPr lang="it-IT" dirty="0" err="1" smtClean="0"/>
+              <a:rPr lang="it-IT" sz="2400" dirty="0" err="1" smtClean="0"/>
               <a:t>is</a:t>
             </a:r>
             <a:r>
-              <a:rPr lang="it-IT" dirty="0" smtClean="0"/>
-              <a:t> Read </a:t>
-            </a:r>
-            <a:r>
-              <a:rPr lang="it-IT" dirty="0" err="1" smtClean="0"/>
+              <a:rPr lang="it-IT" sz="2400" dirty="0" smtClean="0"/>
+              <a:t> Read-</a:t>
+            </a:r>
+            <a:r>
+              <a:rPr lang="it-IT" sz="2400" dirty="0" err="1" smtClean="0"/>
               <a:t>Only</a:t>
             </a:r>
             <a:r>
-              <a:rPr lang="it-IT" dirty="0" smtClean="0"/>
+              <a:rPr lang="it-IT" sz="2400" dirty="0" smtClean="0"/>
               <a:t>: the </a:t>
             </a:r>
             <a:r>
-              <a:rPr lang="it-IT" dirty="0" err="1" smtClean="0"/>
+              <a:rPr lang="it-IT" sz="2400" dirty="0" err="1" smtClean="0"/>
               <a:t>only</a:t>
             </a:r>
             <a:r>
-              <a:rPr lang="it-IT" dirty="0" smtClean="0"/>
+              <a:rPr lang="it-IT" sz="2400" dirty="0" smtClean="0"/>
               <a:t> way to </a:t>
             </a:r>
             <a:r>
-              <a:rPr lang="it-IT" dirty="0" err="1" smtClean="0"/>
+              <a:rPr lang="it-IT" sz="2400" dirty="0" err="1" smtClean="0"/>
               <a:t>change</a:t>
             </a:r>
             <a:r>
-              <a:rPr lang="it-IT" dirty="0" smtClean="0"/>
+              <a:rPr lang="it-IT" sz="2400" dirty="0" smtClean="0"/>
               <a:t> the state </a:t>
             </a:r>
             <a:r>
-              <a:rPr lang="it-IT" dirty="0" err="1" smtClean="0"/>
+              <a:rPr lang="it-IT" sz="2400" dirty="0" err="1" smtClean="0"/>
               <a:t>is</a:t>
             </a:r>
             <a:r>
-              <a:rPr lang="it-IT" dirty="0" smtClean="0"/>
+              <a:rPr lang="it-IT" sz="2400" dirty="0" smtClean="0"/>
               <a:t> </a:t>
             </a:r>
             <a:r>
-              <a:rPr lang="it-IT" dirty="0" err="1" smtClean="0"/>
+              <a:rPr lang="it-IT" sz="2400" dirty="0" err="1" smtClean="0"/>
               <a:t>dispatching</a:t>
             </a:r>
             <a:r>
-              <a:rPr lang="it-IT" dirty="0" smtClean="0"/>
+              <a:rPr lang="it-IT" sz="2400" dirty="0" smtClean="0"/>
               <a:t> </a:t>
             </a:r>
             <a:r>
-              <a:rPr lang="it-IT" dirty="0" err="1" smtClean="0"/>
+              <a:rPr lang="it-IT" sz="2400" dirty="0" err="1" smtClean="0"/>
               <a:t>Actions</a:t>
             </a:r>
             <a:r>
-              <a:rPr lang="it-IT" dirty="0" smtClean="0"/>
+              <a:rPr lang="it-IT" sz="2400" dirty="0" smtClean="0"/>
               <a:t>™.</a:t>
             </a:r>
           </a:p>
           <a:p>
-            <a:endParaRPr lang="it-IT" dirty="0"/>
-          </a:p>
-          <a:p>
-            <a:r>
-              <a:rPr lang="it-IT" dirty="0" err="1" smtClean="0"/>
+            <a:pPr>
+              <a:buFont typeface="Arial" panose="020B0604020202020204" pitchFamily="34" charset="0"/>
+              <a:buChar char="•"/>
+            </a:pPr>
+            <a:endParaRPr lang="it-IT" sz="2400" dirty="0"/>
+          </a:p>
+          <a:p>
+            <a:pPr>
+              <a:buFont typeface="Arial" panose="020B0604020202020204" pitchFamily="34" charset="0"/>
+              <a:buChar char="•"/>
+            </a:pPr>
+            <a:r>
+              <a:rPr lang="it-IT" sz="2400" dirty="0" err="1" smtClean="0"/>
               <a:t>Changes</a:t>
             </a:r>
             <a:r>
-              <a:rPr lang="it-IT" dirty="0" smtClean="0"/>
-              <a:t> are made by Pure </a:t>
-            </a:r>
-            <a:r>
-              <a:rPr lang="it-IT" dirty="0" err="1" smtClean="0"/>
+              <a:rPr lang="it-IT" sz="2400" dirty="0" smtClean="0"/>
+              <a:t> to the state are made by Pure </a:t>
+            </a:r>
+            <a:r>
+              <a:rPr lang="it-IT" sz="2400" dirty="0" err="1" smtClean="0"/>
               <a:t>Functions</a:t>
             </a:r>
             <a:r>
-              <a:rPr lang="it-IT" dirty="0" smtClean="0"/>
+              <a:rPr lang="it-IT" sz="2400" dirty="0" smtClean="0"/>
               <a:t>: The </a:t>
             </a:r>
             <a:r>
-              <a:rPr lang="it-IT" dirty="0" err="1" smtClean="0"/>
+              <a:rPr lang="it-IT" sz="2400" dirty="0" err="1" smtClean="0"/>
               <a:t>Reducers</a:t>
             </a:r>
             <a:r>
-              <a:rPr lang="it-IT" dirty="0" smtClean="0"/>
+              <a:rPr lang="it-IT" sz="2400" dirty="0" smtClean="0"/>
               <a:t>™.</a:t>
             </a:r>
-            <a:endParaRPr lang="it-IT" dirty="0"/>
+            <a:endParaRPr lang="it-IT" sz="2400" dirty="0"/>
           </a:p>
           <a:p>
             <a:endParaRPr lang="it-IT" dirty="0"/>
@@ -5766,6 +6778,280 @@
   <p:clrMapOvr>
     <a:masterClrMapping/>
   </p:clrMapOvr>
+  <p:timing>
+    <p:tnLst>
+      <p:par>
+        <p:cTn id="1" dur="indefinite" restart="never" nodeType="tmRoot">
+          <p:childTnLst>
+            <p:seq concurrent="1" nextAc="seek">
+              <p:cTn id="2" dur="indefinite" nodeType="mainSeq">
+                <p:childTnLst>
+                  <p:par>
+                    <p:cTn id="3" fill="hold">
+                      <p:stCondLst>
+                        <p:cond delay="indefinite"/>
+                      </p:stCondLst>
+                      <p:childTnLst>
+                        <p:par>
+                          <p:cTn id="4" fill="hold">
+                            <p:stCondLst>
+                              <p:cond delay="0"/>
+                            </p:stCondLst>
+                            <p:childTnLst>
+                              <p:par>
+                                <p:cTn id="5" presetID="10" presetClass="entr" presetSubtype="0" fill="hold" nodeType="clickEffect">
+                                  <p:stCondLst>
+                                    <p:cond delay="0"/>
+                                  </p:stCondLst>
+                                  <p:childTnLst>
+                                    <p:set>
+                                      <p:cBhvr>
+                                        <p:cTn id="6" dur="1" fill="hold">
+                                          <p:stCondLst>
+                                            <p:cond delay="0"/>
+                                          </p:stCondLst>
+                                        </p:cTn>
+                                        <p:tgtEl>
+                                          <p:spTgt spid="3">
+                                            <p:txEl>
+                                              <p:pRg st="1" end="1"/>
+                                            </p:txEl>
+                                          </p:spTgt>
+                                        </p:tgtEl>
+                                        <p:attrNameLst>
+                                          <p:attrName>style.visibility</p:attrName>
+                                        </p:attrNameLst>
+                                      </p:cBhvr>
+                                      <p:to>
+                                        <p:strVal val="visible"/>
+                                      </p:to>
+                                    </p:set>
+                                    <p:animEffect transition="in" filter="fade">
+                                      <p:cBhvr>
+                                        <p:cTn id="7" dur="500"/>
+                                        <p:tgtEl>
+                                          <p:spTgt spid="3">
+                                            <p:txEl>
+                                              <p:pRg st="1" end="1"/>
+                                            </p:txEl>
+                                          </p:spTgt>
+                                        </p:tgtEl>
+                                      </p:cBhvr>
+                                    </p:animEffect>
+                                  </p:childTnLst>
+                                </p:cTn>
+                              </p:par>
+                            </p:childTnLst>
+                          </p:cTn>
+                        </p:par>
+                      </p:childTnLst>
+                    </p:cTn>
+                  </p:par>
+                  <p:par>
+                    <p:cTn id="8" fill="hold">
+                      <p:stCondLst>
+                        <p:cond delay="indefinite"/>
+                      </p:stCondLst>
+                      <p:childTnLst>
+                        <p:par>
+                          <p:cTn id="9" fill="hold">
+                            <p:stCondLst>
+                              <p:cond delay="0"/>
+                            </p:stCondLst>
+                            <p:childTnLst>
+                              <p:par>
+                                <p:cTn id="10" presetID="10" presetClass="entr" presetSubtype="0" fill="hold" nodeType="clickEffect">
+                                  <p:stCondLst>
+                                    <p:cond delay="0"/>
+                                  </p:stCondLst>
+                                  <p:childTnLst>
+                                    <p:set>
+                                      <p:cBhvr>
+                                        <p:cTn id="11" dur="1" fill="hold">
+                                          <p:stCondLst>
+                                            <p:cond delay="0"/>
+                                          </p:stCondLst>
+                                        </p:cTn>
+                                        <p:tgtEl>
+                                          <p:spTgt spid="3">
+                                            <p:txEl>
+                                              <p:pRg st="3" end="3"/>
+                                            </p:txEl>
+                                          </p:spTgt>
+                                        </p:tgtEl>
+                                        <p:attrNameLst>
+                                          <p:attrName>style.visibility</p:attrName>
+                                        </p:attrNameLst>
+                                      </p:cBhvr>
+                                      <p:to>
+                                        <p:strVal val="visible"/>
+                                      </p:to>
+                                    </p:set>
+                                    <p:animEffect transition="in" filter="fade">
+                                      <p:cBhvr>
+                                        <p:cTn id="12" dur="500"/>
+                                        <p:tgtEl>
+                                          <p:spTgt spid="3">
+                                            <p:txEl>
+                                              <p:pRg st="3" end="3"/>
+                                            </p:txEl>
+                                          </p:spTgt>
+                                        </p:tgtEl>
+                                      </p:cBhvr>
+                                    </p:animEffect>
+                                  </p:childTnLst>
+                                </p:cTn>
+                              </p:par>
+                            </p:childTnLst>
+                          </p:cTn>
+                        </p:par>
+                      </p:childTnLst>
+                    </p:cTn>
+                  </p:par>
+                  <p:par>
+                    <p:cTn id="13" fill="hold">
+                      <p:stCondLst>
+                        <p:cond delay="indefinite"/>
+                      </p:stCondLst>
+                      <p:childTnLst>
+                        <p:par>
+                          <p:cTn id="14" fill="hold">
+                            <p:stCondLst>
+                              <p:cond delay="0"/>
+                            </p:stCondLst>
+                            <p:childTnLst>
+                              <p:par>
+                                <p:cTn id="15" presetID="10" presetClass="entr" presetSubtype="0" fill="hold" nodeType="clickEffect">
+                                  <p:stCondLst>
+                                    <p:cond delay="0"/>
+                                  </p:stCondLst>
+                                  <p:childTnLst>
+                                    <p:set>
+                                      <p:cBhvr>
+                                        <p:cTn id="16" dur="1" fill="hold">
+                                          <p:stCondLst>
+                                            <p:cond delay="0"/>
+                                          </p:stCondLst>
+                                        </p:cTn>
+                                        <p:tgtEl>
+                                          <p:spTgt spid="3">
+                                            <p:txEl>
+                                              <p:pRg st="5" end="5"/>
+                                            </p:txEl>
+                                          </p:spTgt>
+                                        </p:tgtEl>
+                                        <p:attrNameLst>
+                                          <p:attrName>style.visibility</p:attrName>
+                                        </p:attrNameLst>
+                                      </p:cBhvr>
+                                      <p:to>
+                                        <p:strVal val="visible"/>
+                                      </p:to>
+                                    </p:set>
+                                    <p:animEffect transition="in" filter="fade">
+                                      <p:cBhvr>
+                                        <p:cTn id="17" dur="500"/>
+                                        <p:tgtEl>
+                                          <p:spTgt spid="3">
+                                            <p:txEl>
+                                              <p:pRg st="5" end="5"/>
+                                            </p:txEl>
+                                          </p:spTgt>
+                                        </p:tgtEl>
+                                      </p:cBhvr>
+                                    </p:animEffect>
+                                  </p:childTnLst>
+                                </p:cTn>
+                              </p:par>
+                            </p:childTnLst>
+                          </p:cTn>
+                        </p:par>
+                      </p:childTnLst>
+                    </p:cTn>
+                  </p:par>
+                  <p:par>
+                    <p:cTn id="18" fill="hold">
+                      <p:stCondLst>
+                        <p:cond delay="indefinite"/>
+                      </p:stCondLst>
+                      <p:childTnLst>
+                        <p:par>
+                          <p:cTn id="19" fill="hold">
+                            <p:stCondLst>
+                              <p:cond delay="0"/>
+                            </p:stCondLst>
+                            <p:childTnLst>
+                              <p:par>
+                                <p:cTn id="20" presetID="10" presetClass="entr" presetSubtype="0" fill="hold" nodeType="clickEffect">
+                                  <p:stCondLst>
+                                    <p:cond delay="0"/>
+                                  </p:stCondLst>
+                                  <p:childTnLst>
+                                    <p:set>
+                                      <p:cBhvr>
+                                        <p:cTn id="21" dur="1" fill="hold">
+                                          <p:stCondLst>
+                                            <p:cond delay="0"/>
+                                          </p:stCondLst>
+                                        </p:cTn>
+                                        <p:tgtEl>
+                                          <p:spTgt spid="3">
+                                            <p:txEl>
+                                              <p:pRg st="7" end="7"/>
+                                            </p:txEl>
+                                          </p:spTgt>
+                                        </p:tgtEl>
+                                        <p:attrNameLst>
+                                          <p:attrName>style.visibility</p:attrName>
+                                        </p:attrNameLst>
+                                      </p:cBhvr>
+                                      <p:to>
+                                        <p:strVal val="visible"/>
+                                      </p:to>
+                                    </p:set>
+                                    <p:animEffect transition="in" filter="fade">
+                                      <p:cBhvr>
+                                        <p:cTn id="22" dur="500"/>
+                                        <p:tgtEl>
+                                          <p:spTgt spid="3">
+                                            <p:txEl>
+                                              <p:pRg st="7" end="7"/>
+                                            </p:txEl>
+                                          </p:spTgt>
+                                        </p:tgtEl>
+                                      </p:cBhvr>
+                                    </p:animEffect>
+                                  </p:childTnLst>
+                                </p:cTn>
+                              </p:par>
+                            </p:childTnLst>
+                          </p:cTn>
+                        </p:par>
+                      </p:childTnLst>
+                    </p:cTn>
+                  </p:par>
+                </p:childTnLst>
+              </p:cTn>
+              <p:prevCondLst>
+                <p:cond evt="onPrev" delay="0">
+                  <p:tgtEl>
+                    <p:sldTgt/>
+                  </p:tgtEl>
+                </p:cond>
+              </p:prevCondLst>
+              <p:nextCondLst>
+                <p:cond evt="onNext" delay="0">
+                  <p:tgtEl>
+                    <p:sldTgt/>
+                  </p:tgtEl>
+                </p:cond>
+              </p:nextCondLst>
+            </p:seq>
+          </p:childTnLst>
+        </p:cTn>
+      </p:par>
+    </p:tnLst>
+  </p:timing>
 </p:sld>
 </file>
 
@@ -5788,6 +7074,55 @@
       </p:grpSpPr>
       <p:sp>
         <p:nvSpPr>
+          <p:cNvPr id="124" name="Rettangolo 123"/>
+          <p:cNvSpPr/>
+          <p:nvPr/>
+        </p:nvSpPr>
+        <p:spPr>
+          <a:xfrm>
+            <a:off x="7202492" y="1892300"/>
+            <a:ext cx="3935408" cy="4178300"/>
+          </a:xfrm>
+          <a:prstGeom prst="rect">
+            <a:avLst/>
+          </a:prstGeom>
+          <a:noFill/>
+          <a:ln w="25400">
+            <a:solidFill>
+              <a:schemeClr val="bg1">
+                <a:lumMod val="50000"/>
+              </a:schemeClr>
+            </a:solidFill>
+            <a:prstDash val="dash"/>
+          </a:ln>
+        </p:spPr>
+        <p:style>
+          <a:lnRef idx="2">
+            <a:schemeClr val="accent1">
+              <a:shade val="50000"/>
+            </a:schemeClr>
+          </a:lnRef>
+          <a:fillRef idx="1">
+            <a:schemeClr val="accent1"/>
+          </a:fillRef>
+          <a:effectRef idx="0">
+            <a:schemeClr val="accent1"/>
+          </a:effectRef>
+          <a:fontRef idx="minor">
+            <a:schemeClr val="lt1"/>
+          </a:fontRef>
+        </p:style>
+        <p:txBody>
+          <a:bodyPr rtlCol="0" anchor="ctr"/>
+          <a:lstStyle/>
+          <a:p>
+            <a:pPr algn="ctr"/>
+            <a:endParaRPr lang="it-IT"/>
+          </a:p>
+        </p:txBody>
+      </p:sp>
+      <p:sp>
+        <p:nvSpPr>
           <p:cNvPr id="2" name="Titolo 1"/>
           <p:cNvSpPr>
             <a:spLocks noGrp="1"/>
@@ -5811,11 +7146,11 @@
             </a:r>
             <a:r>
               <a:rPr lang="it-IT" dirty="0" smtClean="0"/>
-              <a:t> Pattern </a:t>
+              <a:t> Pattern - </a:t>
             </a:r>
             <a:r>
               <a:rPr lang="it-IT" dirty="0" err="1" smtClean="0"/>
-              <a:t>displayed</a:t>
+              <a:t>Illustrated</a:t>
             </a:r>
             <a:endParaRPr lang="it-IT" dirty="0"/>
           </a:p>
@@ -5851,7 +7186,7 @@
         </p:nvSpPr>
         <p:spPr>
           <a:xfrm>
-            <a:off x="1803400" y="2454275"/>
+            <a:off x="1888380" y="2364303"/>
             <a:ext cx="1689100" cy="552450"/>
           </a:xfrm>
           <a:prstGeom prst="rect">
@@ -5881,7 +7216,11 @@
             <a:pPr algn="ctr"/>
             <a:r>
               <a:rPr lang="it-IT" dirty="0" err="1" smtClean="0"/>
-              <a:t>view</a:t>
+              <a:t>View</a:t>
+            </a:r>
+            <a:r>
+              <a:rPr lang="it-IT" dirty="0" smtClean="0"/>
+              <a:t> (UI)</a:t>
             </a:r>
             <a:endParaRPr lang="it-IT" dirty="0"/>
           </a:p>
@@ -5895,7 +7234,7 @@
         </p:nvSpPr>
         <p:spPr>
           <a:xfrm>
-            <a:off x="1888380" y="3511550"/>
+            <a:off x="1888380" y="3815237"/>
             <a:ext cx="1689100" cy="552450"/>
           </a:xfrm>
           <a:prstGeom prst="rect">
@@ -5924,49 +7263,17 @@
           <a:p>
             <a:pPr algn="ctr"/>
             <a:r>
+              <a:rPr lang="it-IT" dirty="0"/>
+              <a:t>C</a:t>
+            </a:r>
+            <a:r>
               <a:rPr lang="it-IT" dirty="0" smtClean="0"/>
-              <a:t>component</a:t>
+              <a:t>omponent</a:t>
             </a:r>
             <a:endParaRPr lang="it-IT" dirty="0"/>
           </a:p>
         </p:txBody>
       </p:sp>
-      <p:cxnSp>
-        <p:nvCxnSpPr>
-          <p:cNvPr id="8" name="Connettore 2 7"/>
-          <p:cNvCxnSpPr>
-            <a:stCxn id="4" idx="2"/>
-            <a:endCxn id="5" idx="0"/>
-          </p:cNvCxnSpPr>
-          <p:nvPr/>
-        </p:nvCxnSpPr>
-        <p:spPr>
-          <a:xfrm>
-            <a:off x="2647950" y="3006725"/>
-            <a:ext cx="84980" cy="504825"/>
-          </a:xfrm>
-          <a:prstGeom prst="straightConnector1">
-            <a:avLst/>
-          </a:prstGeom>
-          <a:ln>
-            <a:tailEnd type="arrow"/>
-          </a:ln>
-        </p:spPr>
-        <p:style>
-          <a:lnRef idx="1">
-            <a:schemeClr val="accent1"/>
-          </a:lnRef>
-          <a:fillRef idx="0">
-            <a:schemeClr val="accent1"/>
-          </a:fillRef>
-          <a:effectRef idx="0">
-            <a:schemeClr val="accent1"/>
-          </a:effectRef>
-          <a:fontRef idx="minor">
-            <a:schemeClr val="tx1"/>
-          </a:fontRef>
-        </p:style>
-      </p:cxnSp>
       <p:sp>
         <p:nvSpPr>
           <p:cNvPr id="9" name="CasellaDiTesto 8"/>
@@ -5975,7 +7282,7 @@
         </p:nvSpPr>
         <p:spPr>
           <a:xfrm>
-            <a:off x="2786986" y="3074471"/>
+            <a:off x="1424830" y="3192441"/>
             <a:ext cx="705514" cy="369332"/>
           </a:xfrm>
           <a:prstGeom prst="rect">
@@ -6005,12 +7312,20 @@
         </p:nvSpPr>
         <p:spPr>
           <a:xfrm>
-            <a:off x="2353007" y="4581525"/>
+            <a:off x="1888380" y="5237678"/>
             <a:ext cx="1689100" cy="552450"/>
           </a:xfrm>
           <a:prstGeom prst="rect">
             <a:avLst/>
           </a:prstGeom>
+          <a:solidFill>
+            <a:srgbClr val="FFC000"/>
+          </a:solidFill>
+          <a:ln>
+            <a:solidFill>
+              <a:srgbClr val="FF9933"/>
+            </a:solidFill>
+          </a:ln>
         </p:spPr>
         <p:style>
           <a:lnRef idx="2">
@@ -6041,42 +7356,6 @@
           </a:p>
         </p:txBody>
       </p:sp>
-      <p:cxnSp>
-        <p:nvCxnSpPr>
-          <p:cNvPr id="14" name="Connettore 2 13"/>
-          <p:cNvCxnSpPr>
-            <a:stCxn id="5" idx="2"/>
-            <a:endCxn id="12" idx="0"/>
-          </p:cNvCxnSpPr>
-          <p:nvPr/>
-        </p:nvCxnSpPr>
-        <p:spPr>
-          <a:xfrm>
-            <a:off x="2732930" y="4064000"/>
-            <a:ext cx="464627" cy="517525"/>
-          </a:xfrm>
-          <a:prstGeom prst="straightConnector1">
-            <a:avLst/>
-          </a:prstGeom>
-          <a:ln>
-            <a:tailEnd type="arrow"/>
-          </a:ln>
-        </p:spPr>
-        <p:style>
-          <a:lnRef idx="1">
-            <a:schemeClr val="accent1"/>
-          </a:lnRef>
-          <a:fillRef idx="0">
-            <a:schemeClr val="accent1"/>
-          </a:fillRef>
-          <a:effectRef idx="0">
-            <a:schemeClr val="accent1"/>
-          </a:effectRef>
-          <a:fontRef idx="minor">
-            <a:schemeClr val="tx1"/>
-          </a:fontRef>
-        </p:style>
-      </p:cxnSp>
       <p:sp>
         <p:nvSpPr>
           <p:cNvPr id="15" name="Rettangolo 14"/>
@@ -6085,24 +7364,32 @@
         </p:nvSpPr>
         <p:spPr>
           <a:xfrm>
-            <a:off x="5088485" y="5387419"/>
-            <a:ext cx="1689100" cy="552450"/>
+            <a:off x="7640336" y="5217267"/>
+            <a:ext cx="2246614" cy="552450"/>
           </a:xfrm>
           <a:prstGeom prst="rect">
             <a:avLst/>
           </a:prstGeom>
+          <a:solidFill>
+            <a:srgbClr val="7030A0"/>
+          </a:solidFill>
+          <a:ln>
+            <a:solidFill>
+              <a:schemeClr val="tx1"/>
+            </a:solidFill>
+          </a:ln>
         </p:spPr>
         <p:style>
           <a:lnRef idx="2">
-            <a:schemeClr val="accent1">
+            <a:schemeClr val="accent5">
               <a:shade val="50000"/>
             </a:schemeClr>
           </a:lnRef>
           <a:fillRef idx="1">
-            <a:schemeClr val="accent1"/>
+            <a:schemeClr val="accent5"/>
           </a:fillRef>
           <a:effectRef idx="0">
-            <a:schemeClr val="accent1"/>
+            <a:schemeClr val="accent5"/>
           </a:effectRef>
           <a:fontRef idx="minor">
             <a:schemeClr val="lt1"/>
@@ -6129,7 +7416,7 @@
         </p:nvSpPr>
         <p:spPr>
           <a:xfrm>
-            <a:off x="3139743" y="4138096"/>
+            <a:off x="1424830" y="4618676"/>
             <a:ext cx="1745542" cy="369332"/>
           </a:xfrm>
           <a:prstGeom prst="rect">
@@ -6163,42 +7450,6 @@
           </a:p>
         </p:txBody>
       </p:sp>
-      <p:cxnSp>
-        <p:nvCxnSpPr>
-          <p:cNvPr id="22" name="Connettore 2 21"/>
-          <p:cNvCxnSpPr>
-            <a:stCxn id="12" idx="2"/>
-            <a:endCxn id="15" idx="1"/>
-          </p:cNvCxnSpPr>
-          <p:nvPr/>
-        </p:nvCxnSpPr>
-        <p:spPr>
-          <a:xfrm>
-            <a:off x="3197557" y="5133975"/>
-            <a:ext cx="1890928" cy="529669"/>
-          </a:xfrm>
-          <a:prstGeom prst="straightConnector1">
-            <a:avLst/>
-          </a:prstGeom>
-          <a:ln>
-            <a:tailEnd type="arrow"/>
-          </a:ln>
-        </p:spPr>
-        <p:style>
-          <a:lnRef idx="1">
-            <a:schemeClr val="accent1"/>
-          </a:lnRef>
-          <a:fillRef idx="0">
-            <a:schemeClr val="accent1"/>
-          </a:fillRef>
-          <a:effectRef idx="0">
-            <a:schemeClr val="accent1"/>
-          </a:effectRef>
-          <a:fontRef idx="minor">
-            <a:schemeClr val="tx1"/>
-          </a:fontRef>
-        </p:style>
-      </p:cxnSp>
       <p:sp>
         <p:nvSpPr>
           <p:cNvPr id="23" name="CasellaDiTesto 22"/>
@@ -6207,7 +7458,7 @@
         </p:nvSpPr>
         <p:spPr>
           <a:xfrm>
-            <a:off x="5816600" y="4200544"/>
+            <a:off x="8018799" y="4643581"/>
             <a:ext cx="662938" cy="369332"/>
           </a:xfrm>
           <a:prstGeom prst="rect">
@@ -6237,24 +7488,32 @@
         </p:nvSpPr>
         <p:spPr>
           <a:xfrm>
-            <a:off x="7063335" y="4231202"/>
-            <a:ext cx="1689100" cy="848797"/>
+            <a:off x="7640336" y="3577730"/>
+            <a:ext cx="2246614" cy="848797"/>
           </a:xfrm>
           <a:prstGeom prst="rect">
             <a:avLst/>
           </a:prstGeom>
+          <a:solidFill>
+            <a:srgbClr val="7030A0"/>
+          </a:solidFill>
+          <a:ln>
+            <a:solidFill>
+              <a:schemeClr val="tx1"/>
+            </a:solidFill>
+          </a:ln>
         </p:spPr>
         <p:style>
           <a:lnRef idx="2">
-            <a:schemeClr val="accent1">
+            <a:schemeClr val="accent5">
               <a:shade val="50000"/>
             </a:schemeClr>
           </a:lnRef>
           <a:fillRef idx="1">
-            <a:schemeClr val="accent1"/>
+            <a:schemeClr val="accent5"/>
           </a:fillRef>
           <a:effectRef idx="0">
-            <a:schemeClr val="accent1"/>
+            <a:schemeClr val="accent5"/>
           </a:effectRef>
           <a:fontRef idx="minor">
             <a:schemeClr val="lt1"/>
@@ -6275,7 +7534,157 @@
             <a:pPr algn="ctr"/>
             <a:r>
               <a:rPr lang="it-IT" dirty="0" smtClean="0"/>
-              <a:t>(state)</a:t>
+              <a:t>(State)</a:t>
+            </a:r>
+            <a:endParaRPr lang="it-IT" dirty="0"/>
+          </a:p>
+        </p:txBody>
+      </p:sp>
+      <p:sp>
+        <p:nvSpPr>
+          <p:cNvPr id="32" name="CasellaDiTesto 31"/>
+          <p:cNvSpPr txBox="1"/>
+          <p:nvPr/>
+        </p:nvSpPr>
+        <p:spPr>
+          <a:xfrm>
+            <a:off x="9486256" y="4563144"/>
+            <a:ext cx="1144288" cy="369332"/>
+          </a:xfrm>
+          <a:prstGeom prst="rect">
+            <a:avLst/>
+          </a:prstGeom>
+          <a:noFill/>
+        </p:spPr>
+        <p:txBody>
+          <a:bodyPr wrap="none" rtlCol="0">
+            <a:spAutoFit/>
+          </a:bodyPr>
+          <a:lstStyle/>
+          <a:p>
+            <a:r>
+              <a:rPr lang="it-IT" dirty="0" smtClean="0"/>
+              <a:t>New State</a:t>
+            </a:r>
+            <a:endParaRPr lang="it-IT" dirty="0"/>
+          </a:p>
+        </p:txBody>
+      </p:sp>
+      <p:sp>
+        <p:nvSpPr>
+          <p:cNvPr id="33" name="CasellaDiTesto 32"/>
+          <p:cNvSpPr txBox="1"/>
+          <p:nvPr/>
+        </p:nvSpPr>
+        <p:spPr>
+          <a:xfrm>
+            <a:off x="5019395" y="5569402"/>
+            <a:ext cx="994055" cy="369332"/>
+          </a:xfrm>
+          <a:prstGeom prst="rect">
+            <a:avLst/>
+          </a:prstGeom>
+          <a:noFill/>
+        </p:spPr>
+        <p:txBody>
+          <a:bodyPr wrap="none" rtlCol="0">
+            <a:spAutoFit/>
+          </a:bodyPr>
+          <a:lstStyle/>
+          <a:p>
+            <a:r>
+              <a:rPr lang="it-IT" dirty="0" err="1" smtClean="0"/>
+              <a:t>Dispatch</a:t>
+            </a:r>
+            <a:endParaRPr lang="it-IT" dirty="0"/>
+          </a:p>
+        </p:txBody>
+      </p:sp>
+      <p:sp>
+        <p:nvSpPr>
+          <p:cNvPr id="34" name="Rettangolo 33"/>
+          <p:cNvSpPr/>
+          <p:nvPr/>
+        </p:nvSpPr>
+        <p:spPr>
+          <a:xfrm>
+            <a:off x="7633986" y="2364303"/>
+            <a:ext cx="2246614" cy="552450"/>
+          </a:xfrm>
+          <a:prstGeom prst="rect">
+            <a:avLst/>
+          </a:prstGeom>
+          <a:solidFill>
+            <a:srgbClr val="7030A0"/>
+          </a:solidFill>
+          <a:ln>
+            <a:solidFill>
+              <a:schemeClr val="tx1"/>
+            </a:solidFill>
+          </a:ln>
+        </p:spPr>
+        <p:style>
+          <a:lnRef idx="2">
+            <a:schemeClr val="accent5">
+              <a:shade val="50000"/>
+            </a:schemeClr>
+          </a:lnRef>
+          <a:fillRef idx="1">
+            <a:schemeClr val="accent5"/>
+          </a:fillRef>
+          <a:effectRef idx="0">
+            <a:schemeClr val="accent5"/>
+          </a:effectRef>
+          <a:fontRef idx="minor">
+            <a:schemeClr val="lt1"/>
+          </a:fontRef>
+        </p:style>
+        <p:txBody>
+          <a:bodyPr rtlCol="0" anchor="ctr"/>
+          <a:lstStyle/>
+          <a:p>
+            <a:pPr algn="ctr"/>
+            <a:r>
+              <a:rPr lang="it-IT" dirty="0" err="1" smtClean="0"/>
+              <a:t>Selector</a:t>
+            </a:r>
+            <a:r>
+              <a:rPr lang="it-IT" dirty="0" smtClean="0"/>
+              <a:t>(s)</a:t>
+            </a:r>
+            <a:endParaRPr lang="it-IT" dirty="0"/>
+          </a:p>
+        </p:txBody>
+      </p:sp>
+      <p:sp>
+        <p:nvSpPr>
+          <p:cNvPr id="42" name="CasellaDiTesto 41"/>
+          <p:cNvSpPr txBox="1"/>
+          <p:nvPr/>
+        </p:nvSpPr>
+        <p:spPr>
+          <a:xfrm>
+            <a:off x="5721350" y="3055521"/>
+            <a:ext cx="1385892" cy="369332"/>
+          </a:xfrm>
+          <a:prstGeom prst="rect">
+            <a:avLst/>
+          </a:prstGeom>
+          <a:noFill/>
+        </p:spPr>
+        <p:txBody>
+          <a:bodyPr wrap="none" rtlCol="0">
+            <a:spAutoFit/>
+          </a:bodyPr>
+          <a:lstStyle/>
+          <a:p>
+            <a:r>
+              <a:rPr lang="it-IT" dirty="0" err="1" smtClean="0"/>
+              <a:t>Slice</a:t>
+            </a:r>
+            <a:r>
+              <a:rPr lang="it-IT" dirty="0" smtClean="0"/>
+              <a:t> of State</a:t>
             </a:r>
             <a:endParaRPr lang="it-IT" dirty="0"/>
           </a:p>
@@ -6283,22 +7692,28 @@
       </p:sp>
       <p:cxnSp>
         <p:nvCxnSpPr>
-          <p:cNvPr id="28" name="Connettore 4 27"/>
+          <p:cNvPr id="79" name="Connettore 7 78"/>
           <p:cNvCxnSpPr>
-            <a:stCxn id="26" idx="1"/>
-            <a:endCxn id="15" idx="0"/>
+            <a:stCxn id="4" idx="1"/>
+            <a:endCxn id="5" idx="1"/>
           </p:cNvCxnSpPr>
           <p:nvPr/>
         </p:nvCxnSpPr>
         <p:spPr>
           <a:xfrm rot="10800000" flipV="1">
-            <a:off x="5933035" y="4655601"/>
-            <a:ext cx="1130300" cy="731818"/>
+            <a:off x="1888380" y="2640528"/>
+            <a:ext cx="12700" cy="1450934"/>
           </a:xfrm>
-          <a:prstGeom prst="bentConnector2">
-            <a:avLst/>
+          <a:prstGeom prst="curvedConnector3">
+            <a:avLst>
+              <a:gd name="adj1" fmla="val 4850000"/>
+            </a:avLst>
           </a:prstGeom>
-          <a:ln>
+          <a:ln w="25400" cmpd="sng">
+            <a:solidFill>
+              <a:schemeClr val="tx1"/>
+            </a:solidFill>
+            <a:prstDash val="dash"/>
             <a:tailEnd type="arrow"/>
           </a:ln>
         </p:spPr>
@@ -6319,166 +7734,28 @@
       </p:cxnSp>
       <p:cxnSp>
         <p:nvCxnSpPr>
-          <p:cNvPr id="30" name="Connettore 4 29"/>
+          <p:cNvPr id="85" name="Connettore 7 84"/>
           <p:cNvCxnSpPr>
-            <a:stCxn id="15" idx="3"/>
-            <a:endCxn id="26" idx="2"/>
+            <a:stCxn id="5" idx="1"/>
+            <a:endCxn id="12" idx="1"/>
           </p:cNvCxnSpPr>
           <p:nvPr/>
         </p:nvCxnSpPr>
         <p:spPr>
-          <a:xfrm flipV="1">
-            <a:off x="6777585" y="5079999"/>
-            <a:ext cx="1130300" cy="583645"/>
+          <a:xfrm rot="10800000" flipV="1">
+            <a:off x="1888380" y="4091461"/>
+            <a:ext cx="12700" cy="1422441"/>
           </a:xfrm>
-          <a:prstGeom prst="bentConnector2">
-            <a:avLst/>
+          <a:prstGeom prst="curvedConnector3">
+            <a:avLst>
+              <a:gd name="adj1" fmla="val 4950000"/>
+            </a:avLst>
           </a:prstGeom>
-          <a:ln>
-            <a:tailEnd type="arrow"/>
-          </a:ln>
-        </p:spPr>
-        <p:style>
-          <a:lnRef idx="1">
-            <a:schemeClr val="accent1"/>
-          </a:lnRef>
-          <a:fillRef idx="0">
-            <a:schemeClr val="accent1"/>
-          </a:fillRef>
-          <a:effectRef idx="0">
-            <a:schemeClr val="accent1"/>
-          </a:effectRef>
-          <a:fontRef idx="minor">
-            <a:schemeClr val="tx1"/>
-          </a:fontRef>
-        </p:style>
-      </p:cxnSp>
-      <p:sp>
-        <p:nvSpPr>
-          <p:cNvPr id="32" name="CasellaDiTesto 31"/>
-          <p:cNvSpPr txBox="1"/>
-          <p:nvPr/>
-        </p:nvSpPr>
-        <p:spPr>
-          <a:xfrm>
-            <a:off x="7327900" y="5755203"/>
-            <a:ext cx="1144288" cy="369332"/>
-          </a:xfrm>
-          <a:prstGeom prst="rect">
-            <a:avLst/>
-          </a:prstGeom>
-          <a:noFill/>
-        </p:spPr>
-        <p:txBody>
-          <a:bodyPr wrap="none" rtlCol="0">
-            <a:spAutoFit/>
-          </a:bodyPr>
-          <a:lstStyle/>
-          <a:p>
-            <a:r>
-              <a:rPr lang="it-IT" dirty="0" smtClean="0"/>
-              <a:t>New State</a:t>
-            </a:r>
-            <a:endParaRPr lang="it-IT" dirty="0"/>
-          </a:p>
-        </p:txBody>
-      </p:sp>
-      <p:sp>
-        <p:nvSpPr>
-          <p:cNvPr id="33" name="CasellaDiTesto 32"/>
-          <p:cNvSpPr txBox="1"/>
-          <p:nvPr/>
-        </p:nvSpPr>
-        <p:spPr>
-          <a:xfrm>
-            <a:off x="3689350" y="5329237"/>
-            <a:ext cx="994055" cy="369332"/>
-          </a:xfrm>
-          <a:prstGeom prst="rect">
-            <a:avLst/>
-          </a:prstGeom>
-          <a:noFill/>
-        </p:spPr>
-        <p:txBody>
-          <a:bodyPr wrap="none" rtlCol="0">
-            <a:spAutoFit/>
-          </a:bodyPr>
-          <a:lstStyle/>
-          <a:p>
-            <a:r>
-              <a:rPr lang="it-IT" dirty="0" err="1" smtClean="0"/>
-              <a:t>Dispatch</a:t>
-            </a:r>
-            <a:endParaRPr lang="it-IT" dirty="0"/>
-          </a:p>
-        </p:txBody>
-      </p:sp>
-      <p:sp>
-        <p:nvSpPr>
-          <p:cNvPr id="34" name="Rettangolo 33"/>
-          <p:cNvSpPr/>
-          <p:nvPr/>
-        </p:nvSpPr>
-        <p:spPr>
-          <a:xfrm>
-            <a:off x="7063335" y="3167578"/>
-            <a:ext cx="1689100" cy="552450"/>
-          </a:xfrm>
-          <a:prstGeom prst="rect">
-            <a:avLst/>
-          </a:prstGeom>
-        </p:spPr>
-        <p:style>
-          <a:lnRef idx="2">
-            <a:schemeClr val="accent1">
-              <a:shade val="50000"/>
-            </a:schemeClr>
-          </a:lnRef>
-          <a:fillRef idx="1">
-            <a:schemeClr val="accent1"/>
-          </a:fillRef>
-          <a:effectRef idx="0">
-            <a:schemeClr val="accent1"/>
-          </a:effectRef>
-          <a:fontRef idx="minor">
-            <a:schemeClr val="lt1"/>
-          </a:fontRef>
-        </p:style>
-        <p:txBody>
-          <a:bodyPr rtlCol="0" anchor="ctr"/>
-          <a:lstStyle/>
-          <a:p>
-            <a:pPr algn="ctr"/>
-            <a:r>
-              <a:rPr lang="it-IT" dirty="0" err="1" smtClean="0"/>
-              <a:t>Selector</a:t>
-            </a:r>
-            <a:r>
-              <a:rPr lang="it-IT" dirty="0" smtClean="0"/>
-              <a:t>(s)</a:t>
-            </a:r>
-            <a:endParaRPr lang="it-IT" dirty="0"/>
-          </a:p>
-        </p:txBody>
-      </p:sp>
-      <p:cxnSp>
-        <p:nvCxnSpPr>
-          <p:cNvPr id="39" name="Connettore 2 38"/>
-          <p:cNvCxnSpPr>
-            <a:stCxn id="26" idx="0"/>
-            <a:endCxn id="34" idx="2"/>
-          </p:cNvCxnSpPr>
-          <p:nvPr/>
-        </p:nvCxnSpPr>
-        <p:spPr>
-          <a:xfrm flipV="1">
-            <a:off x="7907885" y="3720028"/>
-            <a:ext cx="0" cy="511174"/>
-          </a:xfrm>
-          <a:prstGeom prst="straightConnector1">
-            <a:avLst/>
-          </a:prstGeom>
-          <a:ln>
+          <a:ln w="25400" cmpd="sng">
+            <a:solidFill>
+              <a:schemeClr val="tx1"/>
+            </a:solidFill>
+            <a:prstDash val="dash"/>
             <a:tailEnd type="arrow"/>
           </a:ln>
         </p:spPr>
@@ -6499,22 +7776,28 @@
       </p:cxnSp>
       <p:cxnSp>
         <p:nvCxnSpPr>
-          <p:cNvPr id="41" name="Connettore 2 40"/>
+          <p:cNvPr id="89" name="Connettore 7 88"/>
           <p:cNvCxnSpPr>
-            <a:stCxn id="34" idx="1"/>
-            <a:endCxn id="5" idx="3"/>
+            <a:stCxn id="12" idx="3"/>
+            <a:endCxn id="15" idx="1"/>
           </p:cNvCxnSpPr>
           <p:nvPr/>
         </p:nvCxnSpPr>
         <p:spPr>
-          <a:xfrm flipH="1">
-            <a:off x="3577480" y="3443803"/>
-            <a:ext cx="3485855" cy="343972"/>
+          <a:xfrm flipV="1">
+            <a:off x="3577480" y="5493492"/>
+            <a:ext cx="4062856" cy="20411"/>
           </a:xfrm>
-          <a:prstGeom prst="straightConnector1">
-            <a:avLst/>
+          <a:prstGeom prst="curvedConnector3">
+            <a:avLst>
+              <a:gd name="adj1" fmla="val 50000"/>
+            </a:avLst>
           </a:prstGeom>
-          <a:ln>
+          <a:ln w="25400" cmpd="sng">
+            <a:solidFill>
+              <a:schemeClr val="tx1"/>
+            </a:solidFill>
+            <a:prstDash val="dash"/>
             <a:tailEnd type="arrow"/>
           </a:ln>
         </p:spPr>
@@ -6533,16 +7816,184 @@
           </a:fontRef>
         </p:style>
       </p:cxnSp>
-      <p:sp>
-        <p:nvSpPr>
-          <p:cNvPr id="42" name="CasellaDiTesto 41"/>
+      <p:cxnSp>
+        <p:nvCxnSpPr>
+          <p:cNvPr id="92" name="Connettore 7 91"/>
+          <p:cNvCxnSpPr>
+            <a:stCxn id="26" idx="2"/>
+            <a:endCxn id="15" idx="0"/>
+          </p:cNvCxnSpPr>
+          <p:nvPr/>
+        </p:nvCxnSpPr>
+        <p:spPr>
+          <a:xfrm rot="5400000">
+            <a:off x="8368273" y="4821897"/>
+            <a:ext cx="790740" cy="12700"/>
+          </a:xfrm>
+          <a:prstGeom prst="curvedConnector3">
+            <a:avLst>
+              <a:gd name="adj1" fmla="val 50000"/>
+            </a:avLst>
+          </a:prstGeom>
+          <a:ln w="25400" cmpd="sng">
+            <a:solidFill>
+              <a:schemeClr val="tx1"/>
+            </a:solidFill>
+            <a:prstDash val="dash"/>
+            <a:tailEnd type="arrow"/>
+          </a:ln>
+        </p:spPr>
+        <p:style>
+          <a:lnRef idx="1">
+            <a:schemeClr val="accent1"/>
+          </a:lnRef>
+          <a:fillRef idx="0">
+            <a:schemeClr val="accent1"/>
+          </a:fillRef>
+          <a:effectRef idx="0">
+            <a:schemeClr val="accent1"/>
+          </a:effectRef>
+          <a:fontRef idx="minor">
+            <a:schemeClr val="tx1"/>
+          </a:fontRef>
+        </p:style>
+      </p:cxnSp>
+      <p:cxnSp>
+        <p:nvCxnSpPr>
+          <p:cNvPr id="95" name="Connettore 7 94"/>
+          <p:cNvCxnSpPr>
+            <a:stCxn id="15" idx="3"/>
+            <a:endCxn id="26" idx="3"/>
+          </p:cNvCxnSpPr>
+          <p:nvPr/>
+        </p:nvCxnSpPr>
+        <p:spPr>
+          <a:xfrm flipV="1">
+            <a:off x="9886950" y="4002129"/>
+            <a:ext cx="12700" cy="1491363"/>
+          </a:xfrm>
+          <a:prstGeom prst="curvedConnector3">
+            <a:avLst>
+              <a:gd name="adj1" fmla="val 5500000"/>
+            </a:avLst>
+          </a:prstGeom>
+          <a:ln w="25400" cmpd="sng">
+            <a:solidFill>
+              <a:schemeClr val="tx1"/>
+            </a:solidFill>
+            <a:prstDash val="dash"/>
+            <a:tailEnd type="arrow"/>
+          </a:ln>
+        </p:spPr>
+        <p:style>
+          <a:lnRef idx="1">
+            <a:schemeClr val="accent1"/>
+          </a:lnRef>
+          <a:fillRef idx="0">
+            <a:schemeClr val="accent1"/>
+          </a:fillRef>
+          <a:effectRef idx="0">
+            <a:schemeClr val="accent1"/>
+          </a:effectRef>
+          <a:fontRef idx="minor">
+            <a:schemeClr val="tx1"/>
+          </a:fontRef>
+        </p:style>
+      </p:cxnSp>
+      <p:cxnSp>
+        <p:nvCxnSpPr>
+          <p:cNvPr id="101" name="Connettore 7 100"/>
+          <p:cNvCxnSpPr>
+            <a:stCxn id="26" idx="0"/>
+            <a:endCxn id="34" idx="2"/>
+          </p:cNvCxnSpPr>
+          <p:nvPr/>
+        </p:nvCxnSpPr>
+        <p:spPr>
+          <a:xfrm rot="16200000" flipV="1">
+            <a:off x="8429980" y="3244067"/>
+            <a:ext cx="660977" cy="6350"/>
+          </a:xfrm>
+          <a:prstGeom prst="curvedConnector3">
+            <a:avLst>
+              <a:gd name="adj1" fmla="val 50000"/>
+            </a:avLst>
+          </a:prstGeom>
+          <a:ln w="25400" cmpd="sng">
+            <a:solidFill>
+              <a:schemeClr val="tx1"/>
+            </a:solidFill>
+            <a:prstDash val="dash"/>
+            <a:tailEnd type="arrow"/>
+          </a:ln>
+        </p:spPr>
+        <p:style>
+          <a:lnRef idx="1">
+            <a:schemeClr val="accent1"/>
+          </a:lnRef>
+          <a:fillRef idx="0">
+            <a:schemeClr val="accent1"/>
+          </a:fillRef>
+          <a:effectRef idx="0">
+            <a:schemeClr val="accent1"/>
+          </a:effectRef>
+          <a:fontRef idx="minor">
+            <a:schemeClr val="tx1"/>
+          </a:fontRef>
+        </p:style>
+      </p:cxnSp>
+      <p:cxnSp>
+        <p:nvCxnSpPr>
+          <p:cNvPr id="115" name="Connettore 7 114"/>
+          <p:cNvCxnSpPr>
+            <a:stCxn id="34" idx="1"/>
+            <a:endCxn id="5" idx="3"/>
+          </p:cNvCxnSpPr>
+          <p:nvPr/>
+        </p:nvCxnSpPr>
+        <p:spPr>
+          <a:xfrm rot="10800000" flipV="1">
+            <a:off x="3577480" y="2640528"/>
+            <a:ext cx="4056506" cy="1450934"/>
+          </a:xfrm>
+          <a:prstGeom prst="curvedConnector3">
+            <a:avLst>
+              <a:gd name="adj1" fmla="val 50000"/>
+            </a:avLst>
+          </a:prstGeom>
+          <a:ln w="25400" cmpd="sng">
+            <a:solidFill>
+              <a:schemeClr val="tx1"/>
+            </a:solidFill>
+            <a:prstDash val="dash"/>
+            <a:tailEnd type="arrow"/>
+          </a:ln>
+        </p:spPr>
+        <p:style>
+          <a:lnRef idx="1">
+            <a:schemeClr val="accent1"/>
+          </a:lnRef>
+          <a:fillRef idx="0">
+            <a:schemeClr val="accent1"/>
+          </a:fillRef>
+          <a:effectRef idx="0">
+            <a:schemeClr val="accent1"/>
+          </a:effectRef>
+          <a:fontRef idx="minor">
+            <a:schemeClr val="tx1"/>
+          </a:fontRef>
+        </p:style>
+      </p:cxnSp>
+      <p:sp>
+        <p:nvSpPr>
+          <p:cNvPr id="118" name="CasellaDiTesto 117"/>
           <p:cNvSpPr txBox="1"/>
           <p:nvPr/>
         </p:nvSpPr>
         <p:spPr>
           <a:xfrm>
-            <a:off x="5153662" y="3171288"/>
-            <a:ext cx="662938" cy="369332"/>
+            <a:off x="8826536" y="3062576"/>
+            <a:ext cx="1144288" cy="369332"/>
           </a:xfrm>
           <a:prstGeom prst="rect">
             <a:avLst/>
@@ -6557,9 +8008,147 @@
           <a:p>
             <a:r>
               <a:rPr lang="it-IT" dirty="0" smtClean="0"/>
-              <a:t>State</a:t>
+              <a:t>New State</a:t>
             </a:r>
             <a:endParaRPr lang="it-IT" dirty="0"/>
+          </a:p>
+        </p:txBody>
+      </p:sp>
+      <p:cxnSp>
+        <p:nvCxnSpPr>
+          <p:cNvPr id="120" name="Connettore 7 119"/>
+          <p:cNvCxnSpPr>
+            <a:stCxn id="5" idx="0"/>
+            <a:endCxn id="4" idx="2"/>
+          </p:cNvCxnSpPr>
+          <p:nvPr/>
+        </p:nvCxnSpPr>
+        <p:spPr>
+          <a:xfrm rot="5400000" flipH="1" flipV="1">
+            <a:off x="2283688" y="3365995"/>
+            <a:ext cx="898484" cy="12700"/>
+          </a:xfrm>
+          <a:prstGeom prst="curvedConnector3">
+            <a:avLst>
+              <a:gd name="adj1" fmla="val 50000"/>
+            </a:avLst>
+          </a:prstGeom>
+          <a:ln w="25400" cmpd="sng">
+            <a:solidFill>
+              <a:schemeClr val="tx1"/>
+            </a:solidFill>
+            <a:prstDash val="dash"/>
+            <a:tailEnd type="arrow"/>
+          </a:ln>
+        </p:spPr>
+        <p:style>
+          <a:lnRef idx="1">
+            <a:schemeClr val="accent1"/>
+          </a:lnRef>
+          <a:fillRef idx="0">
+            <a:schemeClr val="accent1"/>
+          </a:fillRef>
+          <a:effectRef idx="0">
+            <a:schemeClr val="accent1"/>
+          </a:effectRef>
+          <a:fontRef idx="minor">
+            <a:schemeClr val="tx1"/>
+          </a:fontRef>
+        </p:style>
+      </p:cxnSp>
+      <p:sp>
+        <p:nvSpPr>
+          <p:cNvPr id="123" name="CasellaDiTesto 122"/>
+          <p:cNvSpPr txBox="1"/>
+          <p:nvPr/>
+        </p:nvSpPr>
+        <p:spPr>
+          <a:xfrm>
+            <a:off x="2785112" y="3212645"/>
+            <a:ext cx="1385892" cy="369332"/>
+          </a:xfrm>
+          <a:prstGeom prst="rect">
+            <a:avLst/>
+          </a:prstGeom>
+          <a:noFill/>
+        </p:spPr>
+        <p:txBody>
+          <a:bodyPr wrap="none" rtlCol="0">
+            <a:spAutoFit/>
+          </a:bodyPr>
+          <a:lstStyle/>
+          <a:p>
+            <a:r>
+              <a:rPr lang="it-IT" dirty="0" err="1" smtClean="0"/>
+              <a:t>Slice</a:t>
+            </a:r>
+            <a:r>
+              <a:rPr lang="it-IT" dirty="0" smtClean="0"/>
+              <a:t> of State</a:t>
+            </a:r>
+            <a:endParaRPr lang="it-IT" dirty="0"/>
+          </a:p>
+        </p:txBody>
+      </p:sp>
+      <p:sp>
+        <p:nvSpPr>
+          <p:cNvPr id="125" name="CasellaDiTesto 124"/>
+          <p:cNvSpPr txBox="1"/>
+          <p:nvPr/>
+        </p:nvSpPr>
+        <p:spPr>
+          <a:xfrm>
+            <a:off x="9816290" y="1988621"/>
+            <a:ext cx="1214948" cy="369332"/>
+          </a:xfrm>
+          <a:prstGeom prst="rect">
+            <a:avLst/>
+          </a:prstGeom>
+          <a:noFill/>
+        </p:spPr>
+        <p:txBody>
+          <a:bodyPr wrap="none" rtlCol="0">
+            <a:spAutoFit/>
+          </a:bodyPr>
+          <a:lstStyle/>
+          <a:p>
+            <a:r>
+              <a:rPr lang="it-IT" dirty="0" err="1" smtClean="0">
+                <a:solidFill>
+                  <a:schemeClr val="bg1">
+                    <a:lumMod val="50000"/>
+                  </a:schemeClr>
+                </a:solidFill>
+              </a:rPr>
+              <a:t>NgRx</a:t>
+            </a:r>
+            <a:r>
+              <a:rPr lang="it-IT" dirty="0" smtClean="0">
+                <a:solidFill>
+                  <a:schemeClr val="bg1">
+                    <a:lumMod val="50000"/>
+                  </a:schemeClr>
+                </a:solidFill>
+              </a:rPr>
+              <a:t> </a:t>
+            </a:r>
+            <a:r>
+              <a:rPr lang="it-IT" dirty="0" err="1" smtClean="0">
+                <a:solidFill>
+                  <a:schemeClr val="bg1">
+                    <a:lumMod val="50000"/>
+                  </a:schemeClr>
+                </a:solidFill>
+              </a:rPr>
+              <a:t>Store</a:t>
+            </a:r>
+            <a:endParaRPr lang="it-IT" dirty="0">
+              <a:solidFill>
+                <a:schemeClr val="bg1">
+                  <a:lumMod val="50000"/>
+                </a:schemeClr>
+              </a:solidFill>
+            </a:endParaRPr>
           </a:p>
         </p:txBody>
       </p:sp>
@@ -6573,6 +8162,1122 @@
   <p:clrMapOvr>
     <a:masterClrMapping/>
   </p:clrMapOvr>
+  <p:timing>
+    <p:tnLst>
+      <p:par>
+        <p:cTn id="1" dur="indefinite" restart="never" nodeType="tmRoot">
+          <p:childTnLst>
+            <p:seq concurrent="1" nextAc="seek">
+              <p:cTn id="2" dur="indefinite" nodeType="mainSeq">
+                <p:childTnLst>
+                  <p:par>
+                    <p:cTn id="3" fill="hold">
+                      <p:stCondLst>
+                        <p:cond delay="indefinite"/>
+                        <p:cond evt="onBegin" delay="0">
+                          <p:tn val="2"/>
+                        </p:cond>
+                      </p:stCondLst>
+                      <p:childTnLst>
+                        <p:par>
+                          <p:cTn id="4" fill="hold">
+                            <p:stCondLst>
+                              <p:cond delay="0"/>
+                            </p:stCondLst>
+                            <p:childTnLst>
+                              <p:par>
+                                <p:cTn id="5" presetID="10" presetClass="entr" presetSubtype="0" fill="hold" grpId="0" nodeType="afterEffect">
+                                  <p:stCondLst>
+                                    <p:cond delay="0"/>
+                                  </p:stCondLst>
+                                  <p:childTnLst>
+                                    <p:set>
+                                      <p:cBhvr>
+                                        <p:cTn id="6" dur="1" fill="hold">
+                                          <p:stCondLst>
+                                            <p:cond delay="0"/>
+                                          </p:stCondLst>
+                                        </p:cTn>
+                                        <p:tgtEl>
+                                          <p:spTgt spid="4"/>
+                                        </p:tgtEl>
+                                        <p:attrNameLst>
+                                          <p:attrName>style.visibility</p:attrName>
+                                        </p:attrNameLst>
+                                      </p:cBhvr>
+                                      <p:to>
+                                        <p:strVal val="visible"/>
+                                      </p:to>
+                                    </p:set>
+                                    <p:animEffect transition="in" filter="fade">
+                                      <p:cBhvr>
+                                        <p:cTn id="7" dur="500"/>
+                                        <p:tgtEl>
+                                          <p:spTgt spid="4"/>
+                                        </p:tgtEl>
+                                      </p:cBhvr>
+                                    </p:animEffect>
+                                  </p:childTnLst>
+                                </p:cTn>
+                              </p:par>
+                            </p:childTnLst>
+                          </p:cTn>
+                        </p:par>
+                        <p:par>
+                          <p:cTn id="8" fill="hold">
+                            <p:stCondLst>
+                              <p:cond delay="500"/>
+                            </p:stCondLst>
+                            <p:childTnLst>
+                              <p:par>
+                                <p:cTn id="9" presetID="10" presetClass="entr" presetSubtype="0" fill="hold" grpId="0" nodeType="afterEffect">
+                                  <p:stCondLst>
+                                    <p:cond delay="0"/>
+                                  </p:stCondLst>
+                                  <p:childTnLst>
+                                    <p:set>
+                                      <p:cBhvr>
+                                        <p:cTn id="10" dur="1" fill="hold">
+                                          <p:stCondLst>
+                                            <p:cond delay="0"/>
+                                          </p:stCondLst>
+                                        </p:cTn>
+                                        <p:tgtEl>
+                                          <p:spTgt spid="5"/>
+                                        </p:tgtEl>
+                                        <p:attrNameLst>
+                                          <p:attrName>style.visibility</p:attrName>
+                                        </p:attrNameLst>
+                                      </p:cBhvr>
+                                      <p:to>
+                                        <p:strVal val="visible"/>
+                                      </p:to>
+                                    </p:set>
+                                    <p:animEffect transition="in" filter="fade">
+                                      <p:cBhvr>
+                                        <p:cTn id="11" dur="500"/>
+                                        <p:tgtEl>
+                                          <p:spTgt spid="5"/>
+                                        </p:tgtEl>
+                                      </p:cBhvr>
+                                    </p:animEffect>
+                                  </p:childTnLst>
+                                </p:cTn>
+                              </p:par>
+                            </p:childTnLst>
+                          </p:cTn>
+                        </p:par>
+                      </p:childTnLst>
+                    </p:cTn>
+                  </p:par>
+                  <p:par>
+                    <p:cTn id="12" fill="hold">
+                      <p:stCondLst>
+                        <p:cond delay="indefinite"/>
+                      </p:stCondLst>
+                      <p:childTnLst>
+                        <p:par>
+                          <p:cTn id="13" fill="hold">
+                            <p:stCondLst>
+                              <p:cond delay="0"/>
+                            </p:stCondLst>
+                            <p:childTnLst>
+                              <p:par>
+                                <p:cTn id="14" presetID="10" presetClass="entr" presetSubtype="0" fill="hold" grpId="0" nodeType="clickEffect">
+                                  <p:stCondLst>
+                                    <p:cond delay="0"/>
+                                  </p:stCondLst>
+                                  <p:childTnLst>
+                                    <p:set>
+                                      <p:cBhvr>
+                                        <p:cTn id="15" dur="1" fill="hold">
+                                          <p:stCondLst>
+                                            <p:cond delay="0"/>
+                                          </p:stCondLst>
+                                        </p:cTn>
+                                        <p:tgtEl>
+                                          <p:spTgt spid="9"/>
+                                        </p:tgtEl>
+                                        <p:attrNameLst>
+                                          <p:attrName>style.visibility</p:attrName>
+                                        </p:attrNameLst>
+                                      </p:cBhvr>
+                                      <p:to>
+                                        <p:strVal val="visible"/>
+                                      </p:to>
+                                    </p:set>
+                                    <p:animEffect transition="in" filter="fade">
+                                      <p:cBhvr>
+                                        <p:cTn id="16" dur="500"/>
+                                        <p:tgtEl>
+                                          <p:spTgt spid="9"/>
+                                        </p:tgtEl>
+                                      </p:cBhvr>
+                                    </p:animEffect>
+                                  </p:childTnLst>
+                                </p:cTn>
+                              </p:par>
+                              <p:par>
+                                <p:cTn id="17" presetID="10" presetClass="entr" presetSubtype="0" fill="hold" nodeType="withEffect">
+                                  <p:stCondLst>
+                                    <p:cond delay="0"/>
+                                  </p:stCondLst>
+                                  <p:childTnLst>
+                                    <p:set>
+                                      <p:cBhvr>
+                                        <p:cTn id="18" dur="1" fill="hold">
+                                          <p:stCondLst>
+                                            <p:cond delay="0"/>
+                                          </p:stCondLst>
+                                        </p:cTn>
+                                        <p:tgtEl>
+                                          <p:spTgt spid="79"/>
+                                        </p:tgtEl>
+                                        <p:attrNameLst>
+                                          <p:attrName>style.visibility</p:attrName>
+                                        </p:attrNameLst>
+                                      </p:cBhvr>
+                                      <p:to>
+                                        <p:strVal val="visible"/>
+                                      </p:to>
+                                    </p:set>
+                                    <p:animEffect transition="in" filter="fade">
+                                      <p:cBhvr>
+                                        <p:cTn id="19" dur="500"/>
+                                        <p:tgtEl>
+                                          <p:spTgt spid="79"/>
+                                        </p:tgtEl>
+                                      </p:cBhvr>
+                                    </p:animEffect>
+                                  </p:childTnLst>
+                                </p:cTn>
+                              </p:par>
+                            </p:childTnLst>
+                          </p:cTn>
+                        </p:par>
+                      </p:childTnLst>
+                    </p:cTn>
+                  </p:par>
+                  <p:par>
+                    <p:cTn id="20" fill="hold">
+                      <p:stCondLst>
+                        <p:cond delay="indefinite"/>
+                      </p:stCondLst>
+                      <p:childTnLst>
+                        <p:par>
+                          <p:cTn id="21" fill="hold">
+                            <p:stCondLst>
+                              <p:cond delay="0"/>
+                            </p:stCondLst>
+                            <p:childTnLst>
+                              <p:par>
+                                <p:cTn id="22" presetID="10" presetClass="entr" presetSubtype="0" fill="hold" nodeType="clickEffect">
+                                  <p:stCondLst>
+                                    <p:cond delay="0"/>
+                                  </p:stCondLst>
+                                  <p:childTnLst>
+                                    <p:set>
+                                      <p:cBhvr>
+                                        <p:cTn id="23" dur="1" fill="hold">
+                                          <p:stCondLst>
+                                            <p:cond delay="0"/>
+                                          </p:stCondLst>
+                                        </p:cTn>
+                                        <p:tgtEl>
+                                          <p:spTgt spid="85"/>
+                                        </p:tgtEl>
+                                        <p:attrNameLst>
+                                          <p:attrName>style.visibility</p:attrName>
+                                        </p:attrNameLst>
+                                      </p:cBhvr>
+                                      <p:to>
+                                        <p:strVal val="visible"/>
+                                      </p:to>
+                                    </p:set>
+                                    <p:animEffect transition="in" filter="fade">
+                                      <p:cBhvr>
+                                        <p:cTn id="24" dur="500"/>
+                                        <p:tgtEl>
+                                          <p:spTgt spid="85"/>
+                                        </p:tgtEl>
+                                      </p:cBhvr>
+                                    </p:animEffect>
+                                  </p:childTnLst>
+                                </p:cTn>
+                              </p:par>
+                              <p:par>
+                                <p:cTn id="25" presetID="10" presetClass="entr" presetSubtype="0" fill="hold" grpId="0" nodeType="withEffect">
+                                  <p:stCondLst>
+                                    <p:cond delay="0"/>
+                                  </p:stCondLst>
+                                  <p:childTnLst>
+                                    <p:set>
+                                      <p:cBhvr>
+                                        <p:cTn id="26" dur="1" fill="hold">
+                                          <p:stCondLst>
+                                            <p:cond delay="0"/>
+                                          </p:stCondLst>
+                                        </p:cTn>
+                                        <p:tgtEl>
+                                          <p:spTgt spid="20"/>
+                                        </p:tgtEl>
+                                        <p:attrNameLst>
+                                          <p:attrName>style.visibility</p:attrName>
+                                        </p:attrNameLst>
+                                      </p:cBhvr>
+                                      <p:to>
+                                        <p:strVal val="visible"/>
+                                      </p:to>
+                                    </p:set>
+                                    <p:animEffect transition="in" filter="fade">
+                                      <p:cBhvr>
+                                        <p:cTn id="27" dur="500"/>
+                                        <p:tgtEl>
+                                          <p:spTgt spid="20"/>
+                                        </p:tgtEl>
+                                      </p:cBhvr>
+                                    </p:animEffect>
+                                  </p:childTnLst>
+                                </p:cTn>
+                              </p:par>
+                            </p:childTnLst>
+                          </p:cTn>
+                        </p:par>
+                        <p:par>
+                          <p:cTn id="28" fill="hold">
+                            <p:stCondLst>
+                              <p:cond delay="500"/>
+                            </p:stCondLst>
+                            <p:childTnLst>
+                              <p:par>
+                                <p:cTn id="29" presetID="10" presetClass="entr" presetSubtype="0" fill="hold" grpId="0" nodeType="afterEffect">
+                                  <p:stCondLst>
+                                    <p:cond delay="0"/>
+                                  </p:stCondLst>
+                                  <p:childTnLst>
+                                    <p:set>
+                                      <p:cBhvr>
+                                        <p:cTn id="30" dur="1" fill="hold">
+                                          <p:stCondLst>
+                                            <p:cond delay="0"/>
+                                          </p:stCondLst>
+                                        </p:cTn>
+                                        <p:tgtEl>
+                                          <p:spTgt spid="12"/>
+                                        </p:tgtEl>
+                                        <p:attrNameLst>
+                                          <p:attrName>style.visibility</p:attrName>
+                                        </p:attrNameLst>
+                                      </p:cBhvr>
+                                      <p:to>
+                                        <p:strVal val="visible"/>
+                                      </p:to>
+                                    </p:set>
+                                    <p:animEffect transition="in" filter="fade">
+                                      <p:cBhvr>
+                                        <p:cTn id="31" dur="500"/>
+                                        <p:tgtEl>
+                                          <p:spTgt spid="12"/>
+                                        </p:tgtEl>
+                                      </p:cBhvr>
+                                    </p:animEffect>
+                                  </p:childTnLst>
+                                </p:cTn>
+                              </p:par>
+                            </p:childTnLst>
+                          </p:cTn>
+                        </p:par>
+                      </p:childTnLst>
+                    </p:cTn>
+                  </p:par>
+                  <p:par>
+                    <p:cTn id="32" fill="hold">
+                      <p:stCondLst>
+                        <p:cond delay="indefinite"/>
+                      </p:stCondLst>
+                      <p:childTnLst>
+                        <p:par>
+                          <p:cTn id="33" fill="hold">
+                            <p:stCondLst>
+                              <p:cond delay="0"/>
+                            </p:stCondLst>
+                            <p:childTnLst>
+                              <p:par>
+                                <p:cTn id="34" presetID="10" presetClass="entr" presetSubtype="0" fill="hold" nodeType="clickEffect">
+                                  <p:stCondLst>
+                                    <p:cond delay="0"/>
+                                  </p:stCondLst>
+                                  <p:childTnLst>
+                                    <p:set>
+                                      <p:cBhvr>
+                                        <p:cTn id="35" dur="1" fill="hold">
+                                          <p:stCondLst>
+                                            <p:cond delay="0"/>
+                                          </p:stCondLst>
+                                        </p:cTn>
+                                        <p:tgtEl>
+                                          <p:spTgt spid="89"/>
+                                        </p:tgtEl>
+                                        <p:attrNameLst>
+                                          <p:attrName>style.visibility</p:attrName>
+                                        </p:attrNameLst>
+                                      </p:cBhvr>
+                                      <p:to>
+                                        <p:strVal val="visible"/>
+                                      </p:to>
+                                    </p:set>
+                                    <p:animEffect transition="in" filter="fade">
+                                      <p:cBhvr>
+                                        <p:cTn id="36" dur="500"/>
+                                        <p:tgtEl>
+                                          <p:spTgt spid="89"/>
+                                        </p:tgtEl>
+                                      </p:cBhvr>
+                                    </p:animEffect>
+                                  </p:childTnLst>
+                                </p:cTn>
+                              </p:par>
+                              <p:par>
+                                <p:cTn id="37" presetID="10" presetClass="entr" presetSubtype="0" fill="hold" grpId="0" nodeType="withEffect">
+                                  <p:stCondLst>
+                                    <p:cond delay="0"/>
+                                  </p:stCondLst>
+                                  <p:childTnLst>
+                                    <p:set>
+                                      <p:cBhvr>
+                                        <p:cTn id="38" dur="1" fill="hold">
+                                          <p:stCondLst>
+                                            <p:cond delay="0"/>
+                                          </p:stCondLst>
+                                        </p:cTn>
+                                        <p:tgtEl>
+                                          <p:spTgt spid="33"/>
+                                        </p:tgtEl>
+                                        <p:attrNameLst>
+                                          <p:attrName>style.visibility</p:attrName>
+                                        </p:attrNameLst>
+                                      </p:cBhvr>
+                                      <p:to>
+                                        <p:strVal val="visible"/>
+                                      </p:to>
+                                    </p:set>
+                                    <p:animEffect transition="in" filter="fade">
+                                      <p:cBhvr>
+                                        <p:cTn id="39" dur="500"/>
+                                        <p:tgtEl>
+                                          <p:spTgt spid="33"/>
+                                        </p:tgtEl>
+                                      </p:cBhvr>
+                                    </p:animEffect>
+                                  </p:childTnLst>
+                                </p:cTn>
+                              </p:par>
+                            </p:childTnLst>
+                          </p:cTn>
+                        </p:par>
+                      </p:childTnLst>
+                    </p:cTn>
+                  </p:par>
+                  <p:par>
+                    <p:cTn id="40" fill="hold">
+                      <p:stCondLst>
+                        <p:cond delay="indefinite"/>
+                      </p:stCondLst>
+                      <p:childTnLst>
+                        <p:par>
+                          <p:cTn id="41" fill="hold">
+                            <p:stCondLst>
+                              <p:cond delay="0"/>
+                            </p:stCondLst>
+                            <p:childTnLst>
+                              <p:par>
+                                <p:cTn id="42" presetID="10" presetClass="entr" presetSubtype="0" fill="hold" grpId="0" nodeType="clickEffect">
+                                  <p:stCondLst>
+                                    <p:cond delay="0"/>
+                                  </p:stCondLst>
+                                  <p:childTnLst>
+                                    <p:set>
+                                      <p:cBhvr>
+                                        <p:cTn id="43" dur="1" fill="hold">
+                                          <p:stCondLst>
+                                            <p:cond delay="0"/>
+                                          </p:stCondLst>
+                                        </p:cTn>
+                                        <p:tgtEl>
+                                          <p:spTgt spid="124"/>
+                                        </p:tgtEl>
+                                        <p:attrNameLst>
+                                          <p:attrName>style.visibility</p:attrName>
+                                        </p:attrNameLst>
+                                      </p:cBhvr>
+                                      <p:to>
+                                        <p:strVal val="visible"/>
+                                      </p:to>
+                                    </p:set>
+                                    <p:animEffect transition="in" filter="fade">
+                                      <p:cBhvr>
+                                        <p:cTn id="44" dur="500"/>
+                                        <p:tgtEl>
+                                          <p:spTgt spid="124"/>
+                                        </p:tgtEl>
+                                      </p:cBhvr>
+                                    </p:animEffect>
+                                  </p:childTnLst>
+                                </p:cTn>
+                              </p:par>
+                              <p:par>
+                                <p:cTn id="45" presetID="10" presetClass="entr" presetSubtype="0" fill="hold" grpId="0" nodeType="withEffect">
+                                  <p:stCondLst>
+                                    <p:cond delay="0"/>
+                                  </p:stCondLst>
+                                  <p:childTnLst>
+                                    <p:set>
+                                      <p:cBhvr>
+                                        <p:cTn id="46" dur="1" fill="hold">
+                                          <p:stCondLst>
+                                            <p:cond delay="0"/>
+                                          </p:stCondLst>
+                                        </p:cTn>
+                                        <p:tgtEl>
+                                          <p:spTgt spid="125"/>
+                                        </p:tgtEl>
+                                        <p:attrNameLst>
+                                          <p:attrName>style.visibility</p:attrName>
+                                        </p:attrNameLst>
+                                      </p:cBhvr>
+                                      <p:to>
+                                        <p:strVal val="visible"/>
+                                      </p:to>
+                                    </p:set>
+                                    <p:animEffect transition="in" filter="fade">
+                                      <p:cBhvr>
+                                        <p:cTn id="47" dur="500"/>
+                                        <p:tgtEl>
+                                          <p:spTgt spid="125"/>
+                                        </p:tgtEl>
+                                      </p:cBhvr>
+                                    </p:animEffect>
+                                  </p:childTnLst>
+                                </p:cTn>
+                              </p:par>
+                            </p:childTnLst>
+                          </p:cTn>
+                        </p:par>
+                        <p:par>
+                          <p:cTn id="48" fill="hold">
+                            <p:stCondLst>
+                              <p:cond delay="500"/>
+                            </p:stCondLst>
+                            <p:childTnLst>
+                              <p:par>
+                                <p:cTn id="49" presetID="10" presetClass="entr" presetSubtype="0" fill="hold" grpId="0" nodeType="afterEffect">
+                                  <p:stCondLst>
+                                    <p:cond delay="0"/>
+                                  </p:stCondLst>
+                                  <p:childTnLst>
+                                    <p:set>
+                                      <p:cBhvr>
+                                        <p:cTn id="50" dur="1" fill="hold">
+                                          <p:stCondLst>
+                                            <p:cond delay="0"/>
+                                          </p:stCondLst>
+                                        </p:cTn>
+                                        <p:tgtEl>
+                                          <p:spTgt spid="26"/>
+                                        </p:tgtEl>
+                                        <p:attrNameLst>
+                                          <p:attrName>style.visibility</p:attrName>
+                                        </p:attrNameLst>
+                                      </p:cBhvr>
+                                      <p:to>
+                                        <p:strVal val="visible"/>
+                                      </p:to>
+                                    </p:set>
+                                    <p:animEffect transition="in" filter="fade">
+                                      <p:cBhvr>
+                                        <p:cTn id="51" dur="500"/>
+                                        <p:tgtEl>
+                                          <p:spTgt spid="26"/>
+                                        </p:tgtEl>
+                                      </p:cBhvr>
+                                    </p:animEffect>
+                                  </p:childTnLst>
+                                </p:cTn>
+                              </p:par>
+                            </p:childTnLst>
+                          </p:cTn>
+                        </p:par>
+                      </p:childTnLst>
+                    </p:cTn>
+                  </p:par>
+                  <p:par>
+                    <p:cTn id="52" fill="hold">
+                      <p:stCondLst>
+                        <p:cond delay="indefinite"/>
+                      </p:stCondLst>
+                      <p:childTnLst>
+                        <p:par>
+                          <p:cTn id="53" fill="hold">
+                            <p:stCondLst>
+                              <p:cond delay="0"/>
+                            </p:stCondLst>
+                            <p:childTnLst>
+                              <p:par>
+                                <p:cTn id="54" presetID="10" presetClass="entr" presetSubtype="0" fill="hold" nodeType="clickEffect">
+                                  <p:stCondLst>
+                                    <p:cond delay="0"/>
+                                  </p:stCondLst>
+                                  <p:childTnLst>
+                                    <p:set>
+                                      <p:cBhvr>
+                                        <p:cTn id="55" dur="1" fill="hold">
+                                          <p:stCondLst>
+                                            <p:cond delay="0"/>
+                                          </p:stCondLst>
+                                        </p:cTn>
+                                        <p:tgtEl>
+                                          <p:spTgt spid="92"/>
+                                        </p:tgtEl>
+                                        <p:attrNameLst>
+                                          <p:attrName>style.visibility</p:attrName>
+                                        </p:attrNameLst>
+                                      </p:cBhvr>
+                                      <p:to>
+                                        <p:strVal val="visible"/>
+                                      </p:to>
+                                    </p:set>
+                                    <p:animEffect transition="in" filter="fade">
+                                      <p:cBhvr>
+                                        <p:cTn id="56" dur="500"/>
+                                        <p:tgtEl>
+                                          <p:spTgt spid="92"/>
+                                        </p:tgtEl>
+                                      </p:cBhvr>
+                                    </p:animEffect>
+                                  </p:childTnLst>
+                                </p:cTn>
+                              </p:par>
+                              <p:par>
+                                <p:cTn id="57" presetID="10" presetClass="entr" presetSubtype="0" fill="hold" grpId="0" nodeType="withEffect">
+                                  <p:stCondLst>
+                                    <p:cond delay="0"/>
+                                  </p:stCondLst>
+                                  <p:childTnLst>
+                                    <p:set>
+                                      <p:cBhvr>
+                                        <p:cTn id="58" dur="1" fill="hold">
+                                          <p:stCondLst>
+                                            <p:cond delay="0"/>
+                                          </p:stCondLst>
+                                        </p:cTn>
+                                        <p:tgtEl>
+                                          <p:spTgt spid="23"/>
+                                        </p:tgtEl>
+                                        <p:attrNameLst>
+                                          <p:attrName>style.visibility</p:attrName>
+                                        </p:attrNameLst>
+                                      </p:cBhvr>
+                                      <p:to>
+                                        <p:strVal val="visible"/>
+                                      </p:to>
+                                    </p:set>
+                                    <p:animEffect transition="in" filter="fade">
+                                      <p:cBhvr>
+                                        <p:cTn id="59" dur="500"/>
+                                        <p:tgtEl>
+                                          <p:spTgt spid="23"/>
+                                        </p:tgtEl>
+                                      </p:cBhvr>
+                                    </p:animEffect>
+                                  </p:childTnLst>
+                                </p:cTn>
+                              </p:par>
+                            </p:childTnLst>
+                          </p:cTn>
+                        </p:par>
+                        <p:par>
+                          <p:cTn id="60" fill="hold">
+                            <p:stCondLst>
+                              <p:cond delay="500"/>
+                            </p:stCondLst>
+                            <p:childTnLst>
+                              <p:par>
+                                <p:cTn id="61" presetID="10" presetClass="entr" presetSubtype="0" fill="hold" grpId="0" nodeType="afterEffect">
+                                  <p:stCondLst>
+                                    <p:cond delay="0"/>
+                                  </p:stCondLst>
+                                  <p:childTnLst>
+                                    <p:set>
+                                      <p:cBhvr>
+                                        <p:cTn id="62" dur="1" fill="hold">
+                                          <p:stCondLst>
+                                            <p:cond delay="0"/>
+                                          </p:stCondLst>
+                                        </p:cTn>
+                                        <p:tgtEl>
+                                          <p:spTgt spid="15"/>
+                                        </p:tgtEl>
+                                        <p:attrNameLst>
+                                          <p:attrName>style.visibility</p:attrName>
+                                        </p:attrNameLst>
+                                      </p:cBhvr>
+                                      <p:to>
+                                        <p:strVal val="visible"/>
+                                      </p:to>
+                                    </p:set>
+                                    <p:animEffect transition="in" filter="fade">
+                                      <p:cBhvr>
+                                        <p:cTn id="63" dur="500"/>
+                                        <p:tgtEl>
+                                          <p:spTgt spid="15"/>
+                                        </p:tgtEl>
+                                      </p:cBhvr>
+                                    </p:animEffect>
+                                  </p:childTnLst>
+                                </p:cTn>
+                              </p:par>
+                            </p:childTnLst>
+                          </p:cTn>
+                        </p:par>
+                      </p:childTnLst>
+                    </p:cTn>
+                  </p:par>
+                  <p:par>
+                    <p:cTn id="64" fill="hold">
+                      <p:stCondLst>
+                        <p:cond delay="indefinite"/>
+                      </p:stCondLst>
+                      <p:childTnLst>
+                        <p:par>
+                          <p:cTn id="65" fill="hold">
+                            <p:stCondLst>
+                              <p:cond delay="0"/>
+                            </p:stCondLst>
+                            <p:childTnLst>
+                              <p:par>
+                                <p:cTn id="66" presetID="10" presetClass="entr" presetSubtype="0" fill="hold" nodeType="clickEffect">
+                                  <p:stCondLst>
+                                    <p:cond delay="0"/>
+                                  </p:stCondLst>
+                                  <p:childTnLst>
+                                    <p:set>
+                                      <p:cBhvr>
+                                        <p:cTn id="67" dur="1" fill="hold">
+                                          <p:stCondLst>
+                                            <p:cond delay="0"/>
+                                          </p:stCondLst>
+                                        </p:cTn>
+                                        <p:tgtEl>
+                                          <p:spTgt spid="95"/>
+                                        </p:tgtEl>
+                                        <p:attrNameLst>
+                                          <p:attrName>style.visibility</p:attrName>
+                                        </p:attrNameLst>
+                                      </p:cBhvr>
+                                      <p:to>
+                                        <p:strVal val="visible"/>
+                                      </p:to>
+                                    </p:set>
+                                    <p:animEffect transition="in" filter="fade">
+                                      <p:cBhvr>
+                                        <p:cTn id="68" dur="500"/>
+                                        <p:tgtEl>
+                                          <p:spTgt spid="95"/>
+                                        </p:tgtEl>
+                                      </p:cBhvr>
+                                    </p:animEffect>
+                                  </p:childTnLst>
+                                </p:cTn>
+                              </p:par>
+                              <p:par>
+                                <p:cTn id="69" presetID="10" presetClass="entr" presetSubtype="0" fill="hold" grpId="0" nodeType="withEffect">
+                                  <p:stCondLst>
+                                    <p:cond delay="0"/>
+                                  </p:stCondLst>
+                                  <p:childTnLst>
+                                    <p:set>
+                                      <p:cBhvr>
+                                        <p:cTn id="70" dur="1" fill="hold">
+                                          <p:stCondLst>
+                                            <p:cond delay="0"/>
+                                          </p:stCondLst>
+                                        </p:cTn>
+                                        <p:tgtEl>
+                                          <p:spTgt spid="32"/>
+                                        </p:tgtEl>
+                                        <p:attrNameLst>
+                                          <p:attrName>style.visibility</p:attrName>
+                                        </p:attrNameLst>
+                                      </p:cBhvr>
+                                      <p:to>
+                                        <p:strVal val="visible"/>
+                                      </p:to>
+                                    </p:set>
+                                    <p:animEffect transition="in" filter="fade">
+                                      <p:cBhvr>
+                                        <p:cTn id="71" dur="500"/>
+                                        <p:tgtEl>
+                                          <p:spTgt spid="32"/>
+                                        </p:tgtEl>
+                                      </p:cBhvr>
+                                    </p:animEffect>
+                                  </p:childTnLst>
+                                </p:cTn>
+                              </p:par>
+                            </p:childTnLst>
+                          </p:cTn>
+                        </p:par>
+                      </p:childTnLst>
+                    </p:cTn>
+                  </p:par>
+                  <p:par>
+                    <p:cTn id="72" fill="hold">
+                      <p:stCondLst>
+                        <p:cond delay="indefinite"/>
+                      </p:stCondLst>
+                      <p:childTnLst>
+                        <p:par>
+                          <p:cTn id="73" fill="hold">
+                            <p:stCondLst>
+                              <p:cond delay="0"/>
+                            </p:stCondLst>
+                            <p:childTnLst>
+                              <p:par>
+                                <p:cTn id="74" presetID="10" presetClass="entr" presetSubtype="0" fill="hold" grpId="0" nodeType="clickEffect">
+                                  <p:stCondLst>
+                                    <p:cond delay="0"/>
+                                  </p:stCondLst>
+                                  <p:childTnLst>
+                                    <p:set>
+                                      <p:cBhvr>
+                                        <p:cTn id="75" dur="1" fill="hold">
+                                          <p:stCondLst>
+                                            <p:cond delay="0"/>
+                                          </p:stCondLst>
+                                        </p:cTn>
+                                        <p:tgtEl>
+                                          <p:spTgt spid="34"/>
+                                        </p:tgtEl>
+                                        <p:attrNameLst>
+                                          <p:attrName>style.visibility</p:attrName>
+                                        </p:attrNameLst>
+                                      </p:cBhvr>
+                                      <p:to>
+                                        <p:strVal val="visible"/>
+                                      </p:to>
+                                    </p:set>
+                                    <p:animEffect transition="in" filter="fade">
+                                      <p:cBhvr>
+                                        <p:cTn id="76" dur="500"/>
+                                        <p:tgtEl>
+                                          <p:spTgt spid="34"/>
+                                        </p:tgtEl>
+                                      </p:cBhvr>
+                                    </p:animEffect>
+                                  </p:childTnLst>
+                                </p:cTn>
+                              </p:par>
+                            </p:childTnLst>
+                          </p:cTn>
+                        </p:par>
+                        <p:par>
+                          <p:cTn id="77" fill="hold">
+                            <p:stCondLst>
+                              <p:cond delay="500"/>
+                            </p:stCondLst>
+                            <p:childTnLst>
+                              <p:par>
+                                <p:cTn id="78" presetID="10" presetClass="entr" presetSubtype="0" fill="hold" nodeType="afterEffect">
+                                  <p:stCondLst>
+                                    <p:cond delay="0"/>
+                                  </p:stCondLst>
+                                  <p:childTnLst>
+                                    <p:set>
+                                      <p:cBhvr>
+                                        <p:cTn id="79" dur="1" fill="hold">
+                                          <p:stCondLst>
+                                            <p:cond delay="0"/>
+                                          </p:stCondLst>
+                                        </p:cTn>
+                                        <p:tgtEl>
+                                          <p:spTgt spid="101"/>
+                                        </p:tgtEl>
+                                        <p:attrNameLst>
+                                          <p:attrName>style.visibility</p:attrName>
+                                        </p:attrNameLst>
+                                      </p:cBhvr>
+                                      <p:to>
+                                        <p:strVal val="visible"/>
+                                      </p:to>
+                                    </p:set>
+                                    <p:animEffect transition="in" filter="fade">
+                                      <p:cBhvr>
+                                        <p:cTn id="80" dur="500"/>
+                                        <p:tgtEl>
+                                          <p:spTgt spid="101"/>
+                                        </p:tgtEl>
+                                      </p:cBhvr>
+                                    </p:animEffect>
+                                  </p:childTnLst>
+                                </p:cTn>
+                              </p:par>
+                              <p:par>
+                                <p:cTn id="81" presetID="10" presetClass="entr" presetSubtype="0" fill="hold" grpId="0" nodeType="withEffect">
+                                  <p:stCondLst>
+                                    <p:cond delay="0"/>
+                                  </p:stCondLst>
+                                  <p:childTnLst>
+                                    <p:set>
+                                      <p:cBhvr>
+                                        <p:cTn id="82" dur="1" fill="hold">
+                                          <p:stCondLst>
+                                            <p:cond delay="0"/>
+                                          </p:stCondLst>
+                                        </p:cTn>
+                                        <p:tgtEl>
+                                          <p:spTgt spid="118"/>
+                                        </p:tgtEl>
+                                        <p:attrNameLst>
+                                          <p:attrName>style.visibility</p:attrName>
+                                        </p:attrNameLst>
+                                      </p:cBhvr>
+                                      <p:to>
+                                        <p:strVal val="visible"/>
+                                      </p:to>
+                                    </p:set>
+                                    <p:animEffect transition="in" filter="fade">
+                                      <p:cBhvr>
+                                        <p:cTn id="83" dur="500"/>
+                                        <p:tgtEl>
+                                          <p:spTgt spid="118"/>
+                                        </p:tgtEl>
+                                      </p:cBhvr>
+                                    </p:animEffect>
+                                  </p:childTnLst>
+                                </p:cTn>
+                              </p:par>
+                            </p:childTnLst>
+                          </p:cTn>
+                        </p:par>
+                      </p:childTnLst>
+                    </p:cTn>
+                  </p:par>
+                  <p:par>
+                    <p:cTn id="84" fill="hold">
+                      <p:stCondLst>
+                        <p:cond delay="indefinite"/>
+                      </p:stCondLst>
+                      <p:childTnLst>
+                        <p:par>
+                          <p:cTn id="85" fill="hold">
+                            <p:stCondLst>
+                              <p:cond delay="0"/>
+                            </p:stCondLst>
+                            <p:childTnLst>
+                              <p:par>
+                                <p:cTn id="86" presetID="10" presetClass="entr" presetSubtype="0" fill="hold" nodeType="clickEffect">
+                                  <p:stCondLst>
+                                    <p:cond delay="0"/>
+                                  </p:stCondLst>
+                                  <p:childTnLst>
+                                    <p:set>
+                                      <p:cBhvr>
+                                        <p:cTn id="87" dur="1" fill="hold">
+                                          <p:stCondLst>
+                                            <p:cond delay="0"/>
+                                          </p:stCondLst>
+                                        </p:cTn>
+                                        <p:tgtEl>
+                                          <p:spTgt spid="115"/>
+                                        </p:tgtEl>
+                                        <p:attrNameLst>
+                                          <p:attrName>style.visibility</p:attrName>
+                                        </p:attrNameLst>
+                                      </p:cBhvr>
+                                      <p:to>
+                                        <p:strVal val="visible"/>
+                                      </p:to>
+                                    </p:set>
+                                    <p:animEffect transition="in" filter="fade">
+                                      <p:cBhvr>
+                                        <p:cTn id="88" dur="500"/>
+                                        <p:tgtEl>
+                                          <p:spTgt spid="115"/>
+                                        </p:tgtEl>
+                                      </p:cBhvr>
+                                    </p:animEffect>
+                                  </p:childTnLst>
+                                </p:cTn>
+                              </p:par>
+                              <p:par>
+                                <p:cTn id="89" presetID="10" presetClass="entr" presetSubtype="0" fill="hold" grpId="0" nodeType="withEffect">
+                                  <p:stCondLst>
+                                    <p:cond delay="0"/>
+                                  </p:stCondLst>
+                                  <p:childTnLst>
+                                    <p:set>
+                                      <p:cBhvr>
+                                        <p:cTn id="90" dur="1" fill="hold">
+                                          <p:stCondLst>
+                                            <p:cond delay="0"/>
+                                          </p:stCondLst>
+                                        </p:cTn>
+                                        <p:tgtEl>
+                                          <p:spTgt spid="42"/>
+                                        </p:tgtEl>
+                                        <p:attrNameLst>
+                                          <p:attrName>style.visibility</p:attrName>
+                                        </p:attrNameLst>
+                                      </p:cBhvr>
+                                      <p:to>
+                                        <p:strVal val="visible"/>
+                                      </p:to>
+                                    </p:set>
+                                    <p:animEffect transition="in" filter="fade">
+                                      <p:cBhvr>
+                                        <p:cTn id="91" dur="500"/>
+                                        <p:tgtEl>
+                                          <p:spTgt spid="42"/>
+                                        </p:tgtEl>
+                                      </p:cBhvr>
+                                    </p:animEffect>
+                                  </p:childTnLst>
+                                </p:cTn>
+                              </p:par>
+                            </p:childTnLst>
+                          </p:cTn>
+                        </p:par>
+                      </p:childTnLst>
+                    </p:cTn>
+                  </p:par>
+                  <p:par>
+                    <p:cTn id="92" fill="hold">
+                      <p:stCondLst>
+                        <p:cond delay="indefinite"/>
+                      </p:stCondLst>
+                      <p:childTnLst>
+                        <p:par>
+                          <p:cTn id="93" fill="hold">
+                            <p:stCondLst>
+                              <p:cond delay="0"/>
+                            </p:stCondLst>
+                            <p:childTnLst>
+                              <p:par>
+                                <p:cTn id="94" presetID="10" presetClass="entr" presetSubtype="0" fill="hold" nodeType="clickEffect">
+                                  <p:stCondLst>
+                                    <p:cond delay="0"/>
+                                  </p:stCondLst>
+                                  <p:childTnLst>
+                                    <p:set>
+                                      <p:cBhvr>
+                                        <p:cTn id="95" dur="1" fill="hold">
+                                          <p:stCondLst>
+                                            <p:cond delay="0"/>
+                                          </p:stCondLst>
+                                        </p:cTn>
+                                        <p:tgtEl>
+                                          <p:spTgt spid="120"/>
+                                        </p:tgtEl>
+                                        <p:attrNameLst>
+                                          <p:attrName>style.visibility</p:attrName>
+                                        </p:attrNameLst>
+                                      </p:cBhvr>
+                                      <p:to>
+                                        <p:strVal val="visible"/>
+                                      </p:to>
+                                    </p:set>
+                                    <p:animEffect transition="in" filter="fade">
+                                      <p:cBhvr>
+                                        <p:cTn id="96" dur="500"/>
+                                        <p:tgtEl>
+                                          <p:spTgt spid="120"/>
+                                        </p:tgtEl>
+                                      </p:cBhvr>
+                                    </p:animEffect>
+                                  </p:childTnLst>
+                                </p:cTn>
+                              </p:par>
+                              <p:par>
+                                <p:cTn id="97" presetID="10" presetClass="entr" presetSubtype="0" fill="hold" grpId="0" nodeType="withEffect">
+                                  <p:stCondLst>
+                                    <p:cond delay="0"/>
+                                  </p:stCondLst>
+                                  <p:childTnLst>
+                                    <p:set>
+                                      <p:cBhvr>
+                                        <p:cTn id="98" dur="1" fill="hold">
+                                          <p:stCondLst>
+                                            <p:cond delay="0"/>
+                                          </p:stCondLst>
+                                        </p:cTn>
+                                        <p:tgtEl>
+                                          <p:spTgt spid="123"/>
+                                        </p:tgtEl>
+                                        <p:attrNameLst>
+                                          <p:attrName>style.visibility</p:attrName>
+                                        </p:attrNameLst>
+                                      </p:cBhvr>
+                                      <p:to>
+                                        <p:strVal val="visible"/>
+                                      </p:to>
+                                    </p:set>
+                                    <p:animEffect transition="in" filter="fade">
+                                      <p:cBhvr>
+                                        <p:cTn id="99" dur="500"/>
+                                        <p:tgtEl>
+                                          <p:spTgt spid="123"/>
+                                        </p:tgtEl>
+                                      </p:cBhvr>
+                                    </p:animEffect>
+                                  </p:childTnLst>
+                                </p:cTn>
+                              </p:par>
+                            </p:childTnLst>
+                          </p:cTn>
+                        </p:par>
+                      </p:childTnLst>
+                    </p:cTn>
+                  </p:par>
+                </p:childTnLst>
+              </p:cTn>
+              <p:prevCondLst>
+                <p:cond evt="onPrev" delay="0">
+                  <p:tgtEl>
+                    <p:sldTgt/>
+                  </p:tgtEl>
+                </p:cond>
+              </p:prevCondLst>
+              <p:nextCondLst>
+                <p:cond evt="onNext" delay="0">
+                  <p:tgtEl>
+                    <p:sldTgt/>
+                  </p:tgtEl>
+                </p:cond>
+              </p:nextCondLst>
+            </p:seq>
+          </p:childTnLst>
+        </p:cTn>
+      </p:par>
+    </p:tnLst>
+    <p:bldLst>
+      <p:bldP spid="124" grpId="0" animBg="1"/>
+      <p:bldP spid="4" grpId="0" animBg="1"/>
+      <p:bldP spid="5" grpId="0" animBg="1"/>
+      <p:bldP spid="9" grpId="0"/>
+      <p:bldP spid="12" grpId="0" animBg="1"/>
+      <p:bldP spid="15" grpId="0" animBg="1"/>
+      <p:bldP spid="20" grpId="0"/>
+      <p:bldP spid="23" grpId="0"/>
+      <p:bldP spid="26" grpId="0" animBg="1"/>
+      <p:bldP spid="32" grpId="0"/>
+      <p:bldP spid="33" grpId="0"/>
+      <p:bldP spid="34" grpId="0" animBg="1"/>
+      <p:bldP spid="42" grpId="0"/>
+      <p:bldP spid="118" grpId="0"/>
+      <p:bldP spid="123" grpId="0"/>
+      <p:bldP spid="125" grpId="0"/>
+    </p:bldLst>
+  </p:timing>
 </p:sld>
 </file>
 
@@ -6608,6 +9313,30 @@
           <a:bodyPr/>
           <a:lstStyle/>
           <a:p>
+            <a:r>
+              <a:rPr lang="it-IT" dirty="0" err="1" smtClean="0"/>
+              <a:t>NgRx</a:t>
+            </a:r>
+            <a:r>
+              <a:rPr lang="it-IT" dirty="0" smtClean="0"/>
+              <a:t>, </a:t>
+            </a:r>
+            <a:r>
+              <a:rPr lang="it-IT" dirty="0" err="1" smtClean="0"/>
+              <a:t>Redux</a:t>
+            </a:r>
+            <a:r>
+              <a:rPr lang="it-IT" dirty="0" smtClean="0"/>
+              <a:t> and </a:t>
+            </a:r>
+            <a:r>
+              <a:rPr lang="it-IT" dirty="0" err="1" smtClean="0"/>
+              <a:t>Reactive</a:t>
+            </a:r>
+            <a:r>
+              <a:rPr lang="it-IT" dirty="0" smtClean="0"/>
+              <a:t> Applications</a:t>
+            </a:r>
             <a:endParaRPr lang="it-IT" dirty="0"/>
           </a:p>
         </p:txBody>
@@ -6634,87 +9363,83 @@
           </a:p>
           <a:p>
             <a:r>
-              <a:rPr lang="it-IT" dirty="0" err="1" smtClean="0"/>
-              <a:t>Why</a:t>
-            </a:r>
-            <a:r>
-              <a:rPr lang="it-IT" dirty="0" smtClean="0"/>
+              <a:rPr lang="it-IT" sz="4400" dirty="0" err="1" smtClean="0"/>
+              <a:t>Is</a:t>
+            </a:r>
+            <a:r>
+              <a:rPr lang="it-IT" sz="4400" dirty="0" smtClean="0"/>
               <a:t> </a:t>
             </a:r>
             <a:r>
-              <a:rPr lang="it-IT" dirty="0" err="1"/>
-              <a:t>is</a:t>
-            </a:r>
-            <a:r>
-              <a:rPr lang="it-IT" dirty="0"/>
+              <a:rPr lang="it-IT" sz="4400" dirty="0" err="1"/>
+              <a:t>this</a:t>
+            </a:r>
+            <a:r>
+              <a:rPr lang="it-IT" sz="4400" dirty="0"/>
               <a:t> </a:t>
             </a:r>
             <a:r>
-              <a:rPr lang="it-IT" dirty="0" err="1"/>
+              <a:rPr lang="it-IT" sz="4400" dirty="0" smtClean="0"/>
+              <a:t>«</a:t>
+            </a:r>
+            <a:r>
+              <a:rPr lang="it-IT" sz="4400" dirty="0" err="1" smtClean="0"/>
+              <a:t>Reactive</a:t>
+            </a:r>
+            <a:r>
+              <a:rPr lang="it-IT" sz="4400" dirty="0" smtClean="0"/>
+              <a:t>» </a:t>
+            </a:r>
+            <a:r>
+              <a:rPr lang="it-IT" sz="4400" dirty="0" smtClean="0"/>
+              <a:t>?</a:t>
+            </a:r>
+          </a:p>
+          <a:p>
+            <a:endParaRPr lang="it-IT" sz="4400" dirty="0"/>
+          </a:p>
+          <a:p>
+            <a:r>
+              <a:rPr lang="it-IT" sz="4400" dirty="0" err="1" smtClean="0"/>
+              <a:t>What</a:t>
+            </a:r>
+            <a:r>
+              <a:rPr lang="it-IT" sz="4400" dirty="0" smtClean="0"/>
+              <a:t> </a:t>
+            </a:r>
+            <a:r>
+              <a:rPr lang="it-IT" sz="4400" dirty="0" err="1" smtClean="0"/>
+              <a:t>does</a:t>
+            </a:r>
+            <a:r>
+              <a:rPr lang="it-IT" sz="4400" dirty="0" smtClean="0"/>
+              <a:t> </a:t>
+            </a:r>
+            <a:r>
+              <a:rPr lang="it-IT" sz="4400" dirty="0" err="1" smtClean="0"/>
               <a:t>this</a:t>
             </a:r>
             <a:r>
-              <a:rPr lang="it-IT" dirty="0"/>
+              <a:rPr lang="it-IT" sz="4400" dirty="0" smtClean="0"/>
               <a:t> </a:t>
             </a:r>
             <a:r>
-              <a:rPr lang="it-IT" dirty="0" err="1"/>
-              <a:t>Reactive</a:t>
-            </a:r>
-            <a:r>
-              <a:rPr lang="it-IT" dirty="0"/>
-              <a:t> </a:t>
-            </a:r>
-            <a:r>
-              <a:rPr lang="it-IT" dirty="0" smtClean="0"/>
-              <a:t>?</a:t>
-            </a:r>
-          </a:p>
-          <a:p>
-            <a:endParaRPr lang="it-IT" dirty="0"/>
-          </a:p>
-          <a:p>
-            <a:r>
-              <a:rPr lang="it-IT" dirty="0" err="1" smtClean="0"/>
-              <a:t>What</a:t>
-            </a:r>
-            <a:r>
-              <a:rPr lang="it-IT" dirty="0" smtClean="0"/>
-              <a:t> </a:t>
-            </a:r>
-            <a:r>
-              <a:rPr lang="it-IT" dirty="0" err="1" smtClean="0"/>
-              <a:t>does</a:t>
-            </a:r>
-            <a:r>
-              <a:rPr lang="it-IT" dirty="0" smtClean="0"/>
-              <a:t> </a:t>
-            </a:r>
-            <a:r>
-              <a:rPr lang="it-IT" dirty="0" err="1" smtClean="0"/>
-              <a:t>this</a:t>
-            </a:r>
-            <a:r>
-              <a:rPr lang="it-IT" dirty="0" smtClean="0"/>
-              <a:t> </a:t>
-            </a:r>
-            <a:r>
-              <a:rPr lang="it-IT" dirty="0" err="1" smtClean="0"/>
+              <a:rPr lang="it-IT" sz="4400" dirty="0" err="1" smtClean="0"/>
               <a:t>has</a:t>
             </a:r>
             <a:r>
-              <a:rPr lang="it-IT" dirty="0" smtClean="0"/>
+              <a:rPr lang="it-IT" sz="4400" dirty="0" smtClean="0"/>
               <a:t> to do with </a:t>
             </a:r>
             <a:r>
-              <a:rPr lang="it-IT" dirty="0" err="1" smtClean="0"/>
-              <a:t>rxjs</a:t>
-            </a:r>
-            <a:r>
-              <a:rPr lang="it-IT" dirty="0" smtClean="0"/>
+              <a:rPr lang="it-IT" sz="4400" dirty="0" err="1" smtClean="0"/>
+              <a:t>RxJS</a:t>
+            </a:r>
+            <a:r>
+              <a:rPr lang="it-IT" sz="4400" dirty="0" smtClean="0"/>
               <a:t> ?</a:t>
             </a:r>
-            <a:endParaRPr lang="it-IT" dirty="0"/>
+            <a:endParaRPr lang="it-IT" sz="4400" dirty="0"/>
           </a:p>
         </p:txBody>
       </p:sp>
@@ -6728,6 +9453,13 @@
   <p:clrMapOvr>
     <a:masterClrMapping/>
   </p:clrMapOvr>
+  <p:timing>
+    <p:tnLst>
+      <p:par>
+        <p:cTn id="1" dur="indefinite" restart="never" nodeType="tmRoot"/>
+      </p:par>
+    </p:tnLst>
+  </p:timing>
 </p:sld>
 </file>
 
@@ -6765,15 +9497,19 @@
           <a:p>
             <a:r>
               <a:rPr lang="it-IT" dirty="0" err="1" smtClean="0"/>
-              <a:t>Ngrx</a:t>
+              <a:t>NgRx</a:t>
             </a:r>
             <a:r>
               <a:rPr lang="it-IT" dirty="0" smtClean="0"/>
               <a:t>/</a:t>
             </a:r>
             <a:r>
+              <a:rPr lang="it-IT" dirty="0" err="1"/>
+              <a:t>S</a:t>
+            </a:r>
+            <a:r>
               <a:rPr lang="it-IT" dirty="0" err="1" smtClean="0"/>
-              <a:t>store</a:t>
+              <a:t>tore</a:t>
             </a:r>
             <a:endParaRPr lang="it-IT" dirty="0"/>
           </a:p>
@@ -6792,7 +9528,7 @@
         <p:spPr/>
         <p:txBody>
           <a:bodyPr>
-            <a:normAutofit fontScale="70000" lnSpcReduction="20000"/>
+            <a:normAutofit lnSpcReduction="10000"/>
           </a:bodyPr>
           <a:lstStyle/>
           <a:p>
@@ -6800,573 +9536,386 @@
           </a:p>
           <a:p>
             <a:r>
-              <a:rPr lang="it-IT" dirty="0"/>
+              <a:rPr lang="it-IT" sz="2400" dirty="0" err="1" smtClean="0"/>
+              <a:t>NgRx</a:t>
+            </a:r>
+            <a:r>
+              <a:rPr lang="it-IT" sz="2400" dirty="0" smtClean="0"/>
+              <a:t>/</a:t>
+            </a:r>
+            <a:r>
+              <a:rPr lang="it-IT" sz="2400" dirty="0" err="1" smtClean="0"/>
+              <a:t>Store</a:t>
+            </a:r>
+            <a:r>
+              <a:rPr lang="it-IT" sz="2400" dirty="0" smtClean="0"/>
+              <a:t> </a:t>
+            </a:r>
+            <a:r>
+              <a:rPr lang="it-IT" sz="2400" dirty="0" err="1" smtClean="0"/>
+              <a:t>is</a:t>
+            </a:r>
+            <a:r>
+              <a:rPr lang="it-IT" sz="2400" dirty="0" smtClean="0"/>
+              <a:t> a </a:t>
+            </a:r>
+            <a:r>
+              <a:rPr lang="it-IT" sz="2400" dirty="0" err="1" smtClean="0">
+                <a:solidFill>
+                  <a:srgbClr val="0070C0"/>
+                </a:solidFill>
+              </a:rPr>
+              <a:t>predictable</a:t>
+            </a:r>
+            <a:r>
+              <a:rPr lang="it-IT" sz="2400" dirty="0" smtClean="0">
+                <a:solidFill>
+                  <a:srgbClr val="0070C0"/>
+                </a:solidFill>
+              </a:rPr>
+              <a:t> state container</a:t>
+            </a:r>
+            <a:r>
+              <a:rPr lang="it-IT" sz="2400" dirty="0" smtClean="0"/>
+              <a:t> for </a:t>
+            </a:r>
+            <a:r>
+              <a:rPr lang="it-IT" sz="2400" dirty="0" err="1" smtClean="0"/>
+              <a:t>Angular</a:t>
+            </a:r>
+            <a:r>
+              <a:rPr lang="it-IT" sz="2400" dirty="0" smtClean="0"/>
+              <a:t> Application. </a:t>
+            </a:r>
+          </a:p>
+          <a:p>
+            <a:r>
+              <a:rPr lang="it-IT" sz="2400" dirty="0" err="1" smtClean="0"/>
+              <a:t>It’s</a:t>
+            </a:r>
+            <a:r>
+              <a:rPr lang="it-IT" sz="2400" dirty="0" smtClean="0"/>
+              <a:t> «</a:t>
+            </a:r>
+            <a:r>
+              <a:rPr lang="it-IT" sz="2400" dirty="0" err="1" smtClean="0">
+                <a:solidFill>
+                  <a:srgbClr val="0070C0"/>
+                </a:solidFill>
+              </a:rPr>
+              <a:t>isolated</a:t>
+            </a:r>
+            <a:r>
+              <a:rPr lang="it-IT" sz="2400" dirty="0" smtClean="0"/>
+              <a:t> </a:t>
+            </a:r>
+            <a:r>
+              <a:rPr lang="it-IT" sz="2400" dirty="0" smtClean="0"/>
+              <a:t>and </a:t>
+            </a:r>
+            <a:r>
+              <a:rPr lang="it-IT" sz="2400" dirty="0" err="1" smtClean="0">
+                <a:solidFill>
+                  <a:srgbClr val="0070C0"/>
+                </a:solidFill>
+              </a:rPr>
+              <a:t>protected</a:t>
+            </a:r>
+            <a:r>
+              <a:rPr lang="it-IT" sz="2400" dirty="0" smtClean="0"/>
+              <a:t>»: </a:t>
+            </a:r>
+            <a:r>
+              <a:rPr lang="it-IT" sz="2400" dirty="0" err="1" smtClean="0"/>
+              <a:t>noone</a:t>
+            </a:r>
+            <a:r>
+              <a:rPr lang="it-IT" sz="2400" dirty="0" smtClean="0"/>
+              <a:t> (</a:t>
+            </a:r>
+            <a:r>
+              <a:rPr lang="it-IT" sz="2400" dirty="0" err="1" smtClean="0"/>
+              <a:t>but</a:t>
+            </a:r>
+            <a:r>
+              <a:rPr lang="it-IT" sz="2400" dirty="0" smtClean="0"/>
+              <a:t> the </a:t>
+            </a:r>
+            <a:r>
+              <a:rPr lang="it-IT" sz="2400" dirty="0" err="1" smtClean="0"/>
+              <a:t>reducers</a:t>
+            </a:r>
+            <a:r>
+              <a:rPr lang="it-IT" sz="2400" dirty="0" smtClean="0"/>
+              <a:t>) </a:t>
+            </a:r>
+            <a:r>
+              <a:rPr lang="it-IT" sz="2400" dirty="0" err="1" smtClean="0"/>
+              <a:t>is</a:t>
+            </a:r>
+            <a:r>
+              <a:rPr lang="it-IT" sz="2400" dirty="0" smtClean="0"/>
+              <a:t> </a:t>
+            </a:r>
+            <a:r>
+              <a:rPr lang="it-IT" sz="2400" dirty="0" err="1" smtClean="0"/>
+              <a:t>allowed</a:t>
+            </a:r>
+            <a:r>
+              <a:rPr lang="it-IT" sz="2400" dirty="0" smtClean="0"/>
+              <a:t> to </a:t>
+            </a:r>
+            <a:r>
+              <a:rPr lang="it-IT" sz="2400" dirty="0" err="1" smtClean="0"/>
+              <a:t>modify</a:t>
+            </a:r>
+            <a:r>
+              <a:rPr lang="it-IT" sz="2400" dirty="0" smtClean="0"/>
+              <a:t> the data </a:t>
+            </a:r>
+            <a:r>
+              <a:rPr lang="it-IT" sz="2400" dirty="0" err="1" smtClean="0"/>
+              <a:t>it</a:t>
+            </a:r>
+            <a:r>
+              <a:rPr lang="it-IT" sz="2400" dirty="0" smtClean="0"/>
+              <a:t> </a:t>
+            </a:r>
+            <a:r>
+              <a:rPr lang="it-IT" sz="2400" dirty="0" err="1" smtClean="0"/>
+              <a:t>holds</a:t>
+            </a:r>
+            <a:r>
+              <a:rPr lang="it-IT" sz="2400" dirty="0" smtClean="0"/>
+              <a:t>.</a:t>
+            </a:r>
+          </a:p>
+          <a:p>
+            <a:endParaRPr lang="it-IT" sz="2400" dirty="0" smtClean="0"/>
+          </a:p>
+          <a:p>
+            <a:r>
+              <a:rPr lang="it-IT" sz="2400" dirty="0" smtClean="0"/>
               <a:t>The </a:t>
             </a:r>
             <a:r>
-              <a:rPr lang="it-IT" dirty="0" err="1"/>
-              <a:t>Store</a:t>
-            </a:r>
-            <a:r>
-              <a:rPr lang="it-IT" dirty="0"/>
+              <a:rPr lang="it-IT" sz="2400" dirty="0" err="1" smtClean="0"/>
+              <a:t>only</a:t>
+            </a:r>
+            <a:r>
+              <a:rPr lang="it-IT" sz="2400" dirty="0" smtClean="0"/>
               <a:t> </a:t>
             </a:r>
             <a:r>
-              <a:rPr lang="it-IT" dirty="0" err="1"/>
-              <a:t>is</a:t>
-            </a:r>
-            <a:r>
-              <a:rPr lang="it-IT" dirty="0"/>
-              <a:t> «</a:t>
-            </a:r>
-            <a:r>
-              <a:rPr lang="it-IT" dirty="0" err="1" smtClean="0"/>
-              <a:t>isolated</a:t>
-            </a:r>
-            <a:r>
-              <a:rPr lang="it-IT" dirty="0" smtClean="0"/>
-              <a:t> and </a:t>
-            </a:r>
-            <a:r>
-              <a:rPr lang="it-IT" dirty="0" err="1" smtClean="0"/>
-              <a:t>protected</a:t>
-            </a:r>
-            <a:r>
-              <a:rPr lang="it-IT" dirty="0" smtClean="0"/>
-              <a:t>» </a:t>
-            </a:r>
-            <a:r>
-              <a:rPr lang="it-IT" dirty="0" err="1"/>
-              <a:t>noone</a:t>
-            </a:r>
-            <a:r>
-              <a:rPr lang="it-IT" dirty="0"/>
+              <a:rPr lang="it-IT" sz="2400" dirty="0" smtClean="0"/>
+              <a:t>ways </a:t>
+            </a:r>
+            <a:r>
+              <a:rPr lang="it-IT" sz="2400" dirty="0" smtClean="0"/>
+              <a:t>to </a:t>
+            </a:r>
+            <a:r>
+              <a:rPr lang="it-IT" sz="2400" dirty="0" err="1" smtClean="0"/>
+              <a:t>intract</a:t>
+            </a:r>
+            <a:r>
+              <a:rPr lang="it-IT" sz="2400" dirty="0" smtClean="0"/>
+              <a:t> with the </a:t>
+            </a:r>
+            <a:r>
+              <a:rPr lang="it-IT" sz="2400" dirty="0" err="1" smtClean="0"/>
+              <a:t>store</a:t>
+            </a:r>
+            <a:r>
+              <a:rPr lang="it-IT" sz="2400" dirty="0" smtClean="0"/>
               <a:t> </a:t>
             </a:r>
             <a:r>
-              <a:rPr lang="it-IT" dirty="0" err="1"/>
-              <a:t>should</a:t>
-            </a:r>
-            <a:r>
-              <a:rPr lang="it-IT" dirty="0"/>
+              <a:rPr lang="it-IT" sz="2400" dirty="0" smtClean="0"/>
+              <a:t>are:</a:t>
+            </a:r>
+            <a:endParaRPr lang="it-IT" sz="2400" dirty="0" smtClean="0"/>
+          </a:p>
+          <a:p>
+            <a:pPr>
+              <a:buFont typeface="Arial" panose="020B0604020202020204" pitchFamily="34" charset="0"/>
+              <a:buChar char="•"/>
+            </a:pPr>
+            <a:r>
+              <a:rPr lang="it-IT" sz="2400" dirty="0" err="1" smtClean="0"/>
+              <a:t>dispatch</a:t>
+            </a:r>
+            <a:r>
+              <a:rPr lang="it-IT" sz="2400" dirty="0" smtClean="0"/>
               <a:t> </a:t>
             </a:r>
             <a:r>
-              <a:rPr lang="it-IT" dirty="0" err="1"/>
-              <a:t>interact</a:t>
-            </a:r>
-            <a:r>
-              <a:rPr lang="it-IT" dirty="0"/>
+              <a:rPr lang="it-IT" sz="2400" dirty="0" smtClean="0"/>
+              <a:t>an </a:t>
+            </a:r>
+            <a:r>
+              <a:rPr lang="it-IT" sz="2400" dirty="0" smtClean="0">
+                <a:solidFill>
+                  <a:srgbClr val="0070C0"/>
+                </a:solidFill>
+              </a:rPr>
+              <a:t>Action</a:t>
+            </a:r>
+            <a:r>
+              <a:rPr lang="it-IT" sz="2400" dirty="0" smtClean="0"/>
+              <a:t> (a </a:t>
+            </a:r>
+            <a:r>
+              <a:rPr lang="it-IT" sz="2400" dirty="0" err="1" smtClean="0"/>
+              <a:t>form</a:t>
+            </a:r>
+            <a:r>
+              <a:rPr lang="it-IT" sz="2400" dirty="0" smtClean="0"/>
+              <a:t> of </a:t>
+            </a:r>
+            <a:r>
+              <a:rPr lang="it-IT" sz="2400" dirty="0" err="1" smtClean="0"/>
+              <a:t>async</a:t>
+            </a:r>
+            <a:r>
+              <a:rPr lang="it-IT" sz="2400" dirty="0" smtClean="0"/>
               <a:t> </a:t>
             </a:r>
             <a:r>
-              <a:rPr lang="it-IT" dirty="0" err="1"/>
-              <a:t>directly</a:t>
-            </a:r>
-            <a:r>
-              <a:rPr lang="it-IT" dirty="0"/>
+              <a:rPr lang="it-IT" sz="2400" dirty="0" err="1" smtClean="0"/>
+              <a:t>messaging</a:t>
+            </a:r>
+            <a:r>
+              <a:rPr lang="it-IT" sz="2400" dirty="0" smtClean="0"/>
+              <a:t> / </a:t>
+            </a:r>
+            <a:r>
+              <a:rPr lang="it-IT" sz="2400" dirty="0" err="1" smtClean="0"/>
+              <a:t>communication</a:t>
+            </a:r>
+            <a:r>
+              <a:rPr lang="it-IT" sz="2400" dirty="0" smtClean="0"/>
+              <a:t>).</a:t>
+            </a:r>
+          </a:p>
+          <a:p>
+            <a:pPr>
+              <a:buFont typeface="Arial" panose="020B0604020202020204" pitchFamily="34" charset="0"/>
+              <a:buChar char="•"/>
+            </a:pPr>
+            <a:r>
+              <a:rPr lang="it-IT" sz="2400" dirty="0" err="1" smtClean="0"/>
+              <a:t>get</a:t>
+            </a:r>
+            <a:r>
+              <a:rPr lang="it-IT" sz="2400" dirty="0" smtClean="0"/>
               <a:t> </a:t>
             </a:r>
             <a:r>
-              <a:rPr lang="it-IT" dirty="0" smtClean="0"/>
-              <a:t>with the data </a:t>
-            </a:r>
-            <a:r>
-              <a:rPr lang="it-IT" dirty="0" err="1" smtClean="0"/>
-              <a:t>it</a:t>
-            </a:r>
-            <a:r>
-              <a:rPr lang="it-IT" dirty="0" smtClean="0"/>
+              <a:rPr lang="it-IT" sz="2400" dirty="0" smtClean="0"/>
+              <a:t>a </a:t>
+            </a:r>
+            <a:r>
+              <a:rPr lang="it-IT" sz="2400" dirty="0" err="1" smtClean="0">
+                <a:solidFill>
+                  <a:srgbClr val="0070C0"/>
+                </a:solidFill>
+              </a:rPr>
+              <a:t>notification</a:t>
+            </a:r>
+            <a:r>
+              <a:rPr lang="it-IT" sz="2400" dirty="0" smtClean="0">
+                <a:solidFill>
+                  <a:srgbClr val="0070C0"/>
+                </a:solidFill>
+              </a:rPr>
               <a:t> </a:t>
             </a:r>
             <a:r>
-              <a:rPr lang="it-IT" dirty="0" err="1" smtClean="0"/>
-              <a:t>holds</a:t>
-            </a:r>
-            <a:r>
-              <a:rPr lang="it-IT" dirty="0" smtClean="0"/>
-              <a:t>, </a:t>
-            </a:r>
-            <a:r>
-              <a:rPr lang="it-IT" dirty="0" err="1" smtClean="0"/>
-              <a:t>only</a:t>
-            </a:r>
-            <a:r>
-              <a:rPr lang="it-IT" dirty="0" smtClean="0"/>
+              <a:rPr lang="it-IT" sz="2400" dirty="0" err="1" smtClean="0"/>
+              <a:t>that</a:t>
+            </a:r>
+            <a:r>
+              <a:rPr lang="it-IT" sz="2400" dirty="0" smtClean="0"/>
               <a:t> </a:t>
             </a:r>
             <a:r>
-              <a:rPr lang="it-IT" dirty="0" err="1" smtClean="0"/>
-              <a:t>reducers</a:t>
-            </a:r>
-            <a:r>
-              <a:rPr lang="it-IT" dirty="0" smtClean="0"/>
-              <a:t> are </a:t>
-            </a:r>
-            <a:r>
-              <a:rPr lang="it-IT" dirty="0" err="1" smtClean="0"/>
-              <a:t>allowed</a:t>
-            </a:r>
-            <a:r>
-              <a:rPr lang="it-IT" dirty="0" smtClean="0"/>
-              <a:t> to </a:t>
-            </a:r>
-            <a:r>
-              <a:rPr lang="it-IT" dirty="0" err="1" smtClean="0"/>
-              <a:t>change</a:t>
-            </a:r>
-            <a:r>
-              <a:rPr lang="it-IT" dirty="0" smtClean="0"/>
-              <a:t> the data bits.</a:t>
-            </a:r>
-            <a:endParaRPr lang="it-IT" dirty="0"/>
-          </a:p>
-          <a:p>
-            <a:endParaRPr lang="it-IT" dirty="0" smtClean="0"/>
-          </a:p>
-          <a:p>
-            <a:r>
-              <a:rPr lang="it-IT" dirty="0" smtClean="0"/>
-              <a:t>The </a:t>
-            </a:r>
-            <a:r>
-              <a:rPr lang="it-IT" dirty="0" err="1" smtClean="0"/>
-              <a:t>only</a:t>
-            </a:r>
-            <a:r>
-              <a:rPr lang="it-IT" dirty="0" smtClean="0"/>
-              <a:t> way to </a:t>
-            </a:r>
-            <a:r>
-              <a:rPr lang="it-IT" dirty="0" err="1" smtClean="0"/>
-              <a:t>intract</a:t>
-            </a:r>
-            <a:r>
-              <a:rPr lang="it-IT" dirty="0" smtClean="0"/>
-              <a:t> with the </a:t>
-            </a:r>
-            <a:r>
-              <a:rPr lang="it-IT" dirty="0" err="1" smtClean="0"/>
-              <a:t>store</a:t>
-            </a:r>
-            <a:r>
-              <a:rPr lang="it-IT" dirty="0" smtClean="0"/>
+              <a:rPr lang="it-IT" sz="2400" dirty="0" err="1" smtClean="0"/>
+              <a:t>something</a:t>
+            </a:r>
+            <a:r>
+              <a:rPr lang="it-IT" sz="2400" dirty="0" smtClean="0"/>
               <a:t> </a:t>
             </a:r>
             <a:r>
-              <a:rPr lang="it-IT" dirty="0" err="1" smtClean="0"/>
-              <a:t>is</a:t>
-            </a:r>
-            <a:r>
-              <a:rPr lang="it-IT" dirty="0" smtClean="0"/>
-              <a:t>:</a:t>
-            </a:r>
-          </a:p>
-          <a:p>
-            <a:r>
-              <a:rPr lang="it-IT" dirty="0" smtClean="0"/>
-              <a:t>- </a:t>
-            </a:r>
-            <a:r>
-              <a:rPr lang="it-IT" dirty="0" err="1" smtClean="0"/>
-              <a:t>dispatch</a:t>
-            </a:r>
-            <a:r>
-              <a:rPr lang="it-IT" dirty="0" smtClean="0"/>
-              <a:t> an Action (a </a:t>
-            </a:r>
-            <a:r>
-              <a:rPr lang="it-IT" dirty="0" err="1" smtClean="0"/>
+              <a:rPr lang="it-IT" sz="2400" dirty="0" err="1" smtClean="0"/>
+              <a:t>changed</a:t>
+            </a:r>
+            <a:r>
+              <a:rPr lang="it-IT" sz="2400" dirty="0" smtClean="0"/>
+              <a:t> </a:t>
+            </a:r>
+            <a:r>
+              <a:rPr lang="it-IT" sz="2400" dirty="0" err="1" smtClean="0"/>
+              <a:t>through</a:t>
+            </a:r>
+            <a:r>
+              <a:rPr lang="it-IT" sz="2400" dirty="0" smtClean="0"/>
+              <a:t> </a:t>
+            </a:r>
+            <a:r>
+              <a:rPr lang="it-IT" sz="2400" dirty="0" err="1" smtClean="0">
+                <a:solidFill>
+                  <a:srgbClr val="0070C0"/>
+                </a:solidFill>
+              </a:rPr>
+              <a:t>selectors</a:t>
+            </a:r>
+            <a:r>
+              <a:rPr lang="it-IT" sz="2400" dirty="0" smtClean="0">
+                <a:solidFill>
+                  <a:srgbClr val="0070C0"/>
+                </a:solidFill>
+              </a:rPr>
+              <a:t> </a:t>
+            </a:r>
+            <a:r>
+              <a:rPr lang="it-IT" sz="2400" dirty="0" smtClean="0"/>
+              <a:t>(a </a:t>
+            </a:r>
+            <a:r>
+              <a:rPr lang="it-IT" sz="2400" dirty="0" err="1" smtClean="0"/>
               <a:t>form</a:t>
             </a:r>
             <a:r>
-              <a:rPr lang="it-IT" dirty="0" smtClean="0"/>
+              <a:rPr lang="it-IT" sz="2400" dirty="0" smtClean="0"/>
               <a:t> of </a:t>
             </a:r>
             <a:r>
-              <a:rPr lang="it-IT" dirty="0" err="1" smtClean="0"/>
+              <a:rPr lang="it-IT" sz="2400" dirty="0" err="1" smtClean="0"/>
               <a:t>async</a:t>
             </a:r>
             <a:r>
-              <a:rPr lang="it-IT" dirty="0" smtClean="0"/>
+              <a:rPr lang="it-IT" sz="2400" dirty="0" smtClean="0"/>
               <a:t> </a:t>
             </a:r>
             <a:r>
-              <a:rPr lang="it-IT" dirty="0" err="1" smtClean="0"/>
+              <a:rPr lang="it-IT" sz="2400" dirty="0" err="1" smtClean="0"/>
               <a:t>messaging</a:t>
             </a:r>
             <a:r>
-              <a:rPr lang="it-IT" dirty="0" smtClean="0"/>
+              <a:rPr lang="it-IT" sz="2400" dirty="0" smtClean="0"/>
               <a:t> / </a:t>
             </a:r>
             <a:r>
-              <a:rPr lang="it-IT" dirty="0" err="1" smtClean="0"/>
+              <a:rPr lang="it-IT" sz="2400" dirty="0" err="1" smtClean="0"/>
               <a:t>communication</a:t>
             </a:r>
             <a:r>
-              <a:rPr lang="it-IT" dirty="0" smtClean="0"/>
+              <a:rPr lang="it-IT" sz="2400" dirty="0" smtClean="0"/>
               <a:t>).</a:t>
             </a:r>
-          </a:p>
-          <a:p>
-            <a:r>
-              <a:rPr lang="it-IT" dirty="0" smtClean="0"/>
-              <a:t>- </a:t>
-            </a:r>
-            <a:r>
-              <a:rPr lang="it-IT" dirty="0" err="1" smtClean="0"/>
-              <a:t>get</a:t>
-            </a:r>
-            <a:r>
-              <a:rPr lang="it-IT" dirty="0" smtClean="0"/>
-              <a:t> a </a:t>
-            </a:r>
-            <a:r>
-              <a:rPr lang="it-IT" dirty="0" err="1" smtClean="0"/>
-              <a:t>notification</a:t>
-            </a:r>
-            <a:r>
-              <a:rPr lang="it-IT" dirty="0" smtClean="0"/>
-              <a:t> </a:t>
-            </a:r>
-            <a:r>
-              <a:rPr lang="it-IT" dirty="0" err="1" smtClean="0"/>
-              <a:t>that</a:t>
-            </a:r>
-            <a:r>
-              <a:rPr lang="it-IT" dirty="0" smtClean="0"/>
-              <a:t> </a:t>
-            </a:r>
-            <a:r>
-              <a:rPr lang="it-IT" dirty="0" err="1" smtClean="0"/>
-              <a:t>something</a:t>
-            </a:r>
-            <a:r>
-              <a:rPr lang="it-IT" dirty="0" smtClean="0"/>
-              <a:t> </a:t>
-            </a:r>
-            <a:r>
-              <a:rPr lang="it-IT" dirty="0" err="1" smtClean="0"/>
-              <a:t>changed</a:t>
-            </a:r>
-            <a:r>
-              <a:rPr lang="it-IT" dirty="0" smtClean="0"/>
-              <a:t> </a:t>
-            </a:r>
-            <a:r>
-              <a:rPr lang="it-IT" dirty="0" err="1" smtClean="0"/>
-              <a:t>through</a:t>
-            </a:r>
-            <a:r>
-              <a:rPr lang="it-IT" dirty="0" smtClean="0"/>
-              <a:t> </a:t>
-            </a:r>
-            <a:r>
-              <a:rPr lang="it-IT" dirty="0" err="1" smtClean="0"/>
-              <a:t>selectors</a:t>
-            </a:r>
-            <a:r>
-              <a:rPr lang="it-IT" dirty="0" smtClean="0"/>
-              <a:t> (a </a:t>
-            </a:r>
-            <a:r>
-              <a:rPr lang="it-IT" dirty="0" err="1" smtClean="0"/>
-              <a:t>form</a:t>
-            </a:r>
-            <a:r>
-              <a:rPr lang="it-IT" dirty="0" smtClean="0"/>
-              <a:t> of </a:t>
-            </a:r>
-            <a:r>
-              <a:rPr lang="it-IT" dirty="0" err="1" smtClean="0"/>
-              <a:t>async</a:t>
-            </a:r>
-            <a:r>
-              <a:rPr lang="it-IT" dirty="0" smtClean="0"/>
-              <a:t> </a:t>
-            </a:r>
-            <a:r>
-              <a:rPr lang="it-IT" dirty="0" err="1" smtClean="0"/>
-              <a:t>messaging</a:t>
-            </a:r>
-            <a:r>
-              <a:rPr lang="it-IT" dirty="0" smtClean="0"/>
-              <a:t> / </a:t>
-            </a:r>
-            <a:r>
-              <a:rPr lang="it-IT" dirty="0" err="1" smtClean="0"/>
-              <a:t>communication</a:t>
-            </a:r>
-            <a:r>
-              <a:rPr lang="it-IT" dirty="0" smtClean="0"/>
-              <a:t>).</a:t>
-            </a:r>
-          </a:p>
-          <a:p>
-            <a:r>
-              <a:rPr lang="it-IT" dirty="0" smtClean="0"/>
-              <a:t>- </a:t>
-            </a:r>
-            <a:r>
-              <a:rPr lang="it-IT" dirty="0" err="1" smtClean="0"/>
-              <a:t>mentality</a:t>
-            </a:r>
-            <a:r>
-              <a:rPr lang="it-IT" dirty="0" smtClean="0"/>
-              <a:t> </a:t>
-            </a:r>
-            <a:r>
-              <a:rPr lang="it-IT" dirty="0" err="1" smtClean="0"/>
-              <a:t>switch</a:t>
-            </a:r>
-            <a:r>
-              <a:rPr lang="it-IT" dirty="0" smtClean="0"/>
-              <a:t> from a pull </a:t>
-            </a:r>
-            <a:r>
-              <a:rPr lang="it-IT" dirty="0" err="1" smtClean="0"/>
-              <a:t>approach</a:t>
-            </a:r>
-            <a:r>
-              <a:rPr lang="it-IT" dirty="0" smtClean="0"/>
-              <a:t> to a </a:t>
-            </a:r>
-            <a:r>
-              <a:rPr lang="it-IT" dirty="0" err="1" smtClean="0"/>
-              <a:t>push</a:t>
-            </a:r>
-            <a:r>
-              <a:rPr lang="it-IT" dirty="0" smtClean="0"/>
-              <a:t> </a:t>
-            </a:r>
-            <a:r>
-              <a:rPr lang="it-IT" dirty="0" err="1" smtClean="0"/>
-              <a:t>approach</a:t>
-            </a:r>
-            <a:r>
-              <a:rPr lang="it-IT" dirty="0" smtClean="0"/>
-              <a:t>.</a:t>
-            </a:r>
-          </a:p>
-          <a:p>
-            <a:endParaRPr lang="it-IT" dirty="0"/>
-          </a:p>
-          <a:p>
-            <a:r>
-              <a:rPr lang="it-IT" dirty="0" smtClean="0"/>
-              <a:t>So the </a:t>
-            </a:r>
-            <a:r>
-              <a:rPr lang="it-IT" dirty="0" err="1" smtClean="0"/>
-              <a:t>foundation</a:t>
-            </a:r>
-            <a:r>
-              <a:rPr lang="it-IT" dirty="0" smtClean="0"/>
-              <a:t> for a </a:t>
-            </a:r>
-            <a:r>
-              <a:rPr lang="it-IT" dirty="0" err="1" smtClean="0"/>
-              <a:t>Reactive</a:t>
-            </a:r>
-            <a:r>
-              <a:rPr lang="it-IT" dirty="0" smtClean="0"/>
-              <a:t> Application </a:t>
-            </a:r>
-            <a:r>
-              <a:rPr lang="it-IT" dirty="0" err="1" smtClean="0"/>
-              <a:t>it’s</a:t>
-            </a:r>
-            <a:r>
-              <a:rPr lang="it-IT" dirty="0" smtClean="0"/>
-              <a:t> </a:t>
-            </a:r>
-            <a:r>
-              <a:rPr lang="it-IT" dirty="0" err="1" smtClean="0"/>
-              <a:t>there</a:t>
-            </a:r>
-            <a:r>
-              <a:rPr lang="it-IT" dirty="0" smtClean="0"/>
-              <a:t>:</a:t>
-            </a:r>
-          </a:p>
-          <a:p>
-            <a:r>
-              <a:rPr lang="it-IT" dirty="0" smtClean="0"/>
-              <a:t>- Programming </a:t>
-            </a:r>
-            <a:r>
-              <a:rPr lang="it-IT" dirty="0" err="1" smtClean="0"/>
-              <a:t>through</a:t>
-            </a:r>
-            <a:r>
-              <a:rPr lang="it-IT" dirty="0" smtClean="0"/>
-              <a:t> </a:t>
-            </a:r>
-            <a:r>
-              <a:rPr lang="it-IT" dirty="0" err="1" smtClean="0"/>
-              <a:t>async</a:t>
-            </a:r>
-            <a:r>
-              <a:rPr lang="it-IT" dirty="0" smtClean="0"/>
-              <a:t> Data </a:t>
-            </a:r>
-            <a:r>
-              <a:rPr lang="it-IT" dirty="0" err="1" smtClean="0"/>
-              <a:t>Streams</a:t>
-            </a:r>
-            <a:r>
-              <a:rPr lang="it-IT" dirty="0" smtClean="0"/>
-              <a:t>.</a:t>
-            </a:r>
-          </a:p>
-          <a:p>
-            <a:r>
-              <a:rPr lang="it-IT" dirty="0" smtClean="0"/>
-              <a:t>- </a:t>
-            </a:r>
-            <a:r>
-              <a:rPr lang="it-IT" dirty="0" err="1" smtClean="0"/>
-              <a:t>we</a:t>
-            </a:r>
-            <a:r>
-              <a:rPr lang="it-IT" dirty="0" smtClean="0"/>
-              <a:t> </a:t>
-            </a:r>
-            <a:r>
-              <a:rPr lang="it-IT" dirty="0" err="1" smtClean="0"/>
-              <a:t>got</a:t>
-            </a:r>
-            <a:r>
-              <a:rPr lang="it-IT" dirty="0" smtClean="0"/>
-              <a:t> </a:t>
-            </a:r>
-            <a:r>
-              <a:rPr lang="it-IT" dirty="0" err="1" smtClean="0"/>
-              <a:t>async</a:t>
-            </a:r>
-            <a:r>
-              <a:rPr lang="it-IT" dirty="0" smtClean="0"/>
-              <a:t> </a:t>
-            </a:r>
-            <a:r>
-              <a:rPr lang="it-IT" dirty="0" err="1" smtClean="0"/>
-              <a:t>messaging</a:t>
-            </a:r>
-            <a:r>
-              <a:rPr lang="it-IT" dirty="0" smtClean="0"/>
-              <a:t>, </a:t>
-            </a:r>
-            <a:r>
-              <a:rPr lang="it-IT" dirty="0" err="1" smtClean="0"/>
-              <a:t>we</a:t>
-            </a:r>
-            <a:r>
-              <a:rPr lang="it-IT" dirty="0" smtClean="0"/>
-              <a:t> </a:t>
-            </a:r>
-            <a:r>
-              <a:rPr lang="it-IT" dirty="0" err="1" smtClean="0"/>
-              <a:t>got</a:t>
-            </a:r>
-            <a:r>
-              <a:rPr lang="it-IT" dirty="0" smtClean="0"/>
-              <a:t> </a:t>
-            </a:r>
-            <a:r>
-              <a:rPr lang="it-IT" dirty="0" err="1" smtClean="0"/>
-              <a:t>loose</a:t>
-            </a:r>
-            <a:r>
-              <a:rPr lang="it-IT" dirty="0" smtClean="0"/>
-              <a:t> </a:t>
-            </a:r>
-            <a:r>
-              <a:rPr lang="it-IT" dirty="0" err="1" smtClean="0"/>
-              <a:t>coupling</a:t>
-            </a:r>
-            <a:r>
-              <a:rPr lang="it-IT" dirty="0" smtClean="0"/>
-              <a:t>.</a:t>
-            </a:r>
-          </a:p>
-          <a:p>
-            <a:r>
-              <a:rPr lang="it-IT" dirty="0" smtClean="0"/>
-              <a:t>- </a:t>
-            </a:r>
-            <a:r>
-              <a:rPr lang="it-IT" dirty="0" err="1" smtClean="0"/>
-              <a:t>Observable</a:t>
-            </a:r>
-            <a:r>
-              <a:rPr lang="it-IT" dirty="0" smtClean="0"/>
-              <a:t> / </a:t>
-            </a:r>
-            <a:r>
-              <a:rPr lang="it-IT" dirty="0" err="1" smtClean="0"/>
-              <a:t>rxjs</a:t>
-            </a:r>
-            <a:r>
-              <a:rPr lang="it-IT" dirty="0" smtClean="0"/>
-              <a:t>: the «primitive» </a:t>
-            </a:r>
-            <a:r>
-              <a:rPr lang="it-IT" dirty="0" err="1" smtClean="0"/>
-              <a:t>type</a:t>
-            </a:r>
-            <a:r>
-              <a:rPr lang="it-IT" dirty="0" smtClean="0"/>
-              <a:t> </a:t>
-            </a:r>
-            <a:r>
-              <a:rPr lang="it-IT" dirty="0" err="1" smtClean="0"/>
-              <a:t>used</a:t>
-            </a:r>
-            <a:r>
-              <a:rPr lang="it-IT" dirty="0" smtClean="0"/>
-              <a:t> in </a:t>
-            </a:r>
-            <a:r>
-              <a:rPr lang="it-IT" dirty="0" err="1" smtClean="0"/>
-              <a:t>Javascript</a:t>
-            </a:r>
-            <a:r>
-              <a:rPr lang="it-IT" dirty="0" smtClean="0"/>
-              <a:t> / </a:t>
-            </a:r>
-            <a:r>
-              <a:rPr lang="it-IT" dirty="0" err="1" smtClean="0"/>
-              <a:t>Angular</a:t>
-            </a:r>
-            <a:r>
-              <a:rPr lang="it-IT" dirty="0" smtClean="0"/>
-              <a:t> to </a:t>
-            </a:r>
-            <a:r>
-              <a:rPr lang="it-IT" dirty="0" err="1" smtClean="0"/>
-              <a:t>handle</a:t>
-            </a:r>
-            <a:r>
-              <a:rPr lang="it-IT" dirty="0" smtClean="0"/>
-              <a:t> </a:t>
-            </a:r>
-            <a:r>
-              <a:rPr lang="it-IT" dirty="0" err="1" smtClean="0"/>
-              <a:t>asynchronous</a:t>
-            </a:r>
-            <a:r>
-              <a:rPr lang="it-IT" dirty="0" smtClean="0"/>
-              <a:t> data </a:t>
-            </a:r>
-            <a:r>
-              <a:rPr lang="it-IT" dirty="0" err="1" smtClean="0"/>
-              <a:t>streams</a:t>
-            </a:r>
-            <a:r>
-              <a:rPr lang="it-IT" dirty="0" smtClean="0"/>
-              <a:t>.</a:t>
-            </a:r>
-            <a:endParaRPr lang="it-IT" dirty="0"/>
+            <a:endParaRPr lang="it-IT" sz="2400" dirty="0" smtClean="0"/>
           </a:p>
         </p:txBody>
       </p:sp>
@@ -7380,6 +9929,314 @@
   <p:clrMapOvr>
     <a:masterClrMapping/>
   </p:clrMapOvr>
+  <p:timing>
+    <p:tnLst>
+      <p:par>
+        <p:cTn id="1" dur="indefinite" restart="never" nodeType="tmRoot">
+          <p:childTnLst>
+            <p:seq concurrent="1" nextAc="seek">
+              <p:cTn id="2" dur="indefinite" nodeType="mainSeq">
+                <p:childTnLst>
+                  <p:par>
+                    <p:cTn id="3" fill="hold">
+                      <p:stCondLst>
+                        <p:cond delay="indefinite"/>
+                      </p:stCondLst>
+                      <p:childTnLst>
+                        <p:par>
+                          <p:cTn id="4" fill="hold">
+                            <p:stCondLst>
+                              <p:cond delay="0"/>
+                            </p:stCondLst>
+                            <p:childTnLst>
+                              <p:par>
+                                <p:cTn id="5" presetID="10" presetClass="entr" presetSubtype="0" fill="hold" nodeType="clickEffect">
+                                  <p:stCondLst>
+                                    <p:cond delay="0"/>
+                                  </p:stCondLst>
+                                  <p:childTnLst>
+                                    <p:set>
+                                      <p:cBhvr>
+                                        <p:cTn id="6" dur="1" fill="hold">
+                                          <p:stCondLst>
+                                            <p:cond delay="0"/>
+                                          </p:stCondLst>
+                                        </p:cTn>
+                                        <p:tgtEl>
+                                          <p:spTgt spid="3">
+                                            <p:txEl>
+                                              <p:pRg st="1" end="1"/>
+                                            </p:txEl>
+                                          </p:spTgt>
+                                        </p:tgtEl>
+                                        <p:attrNameLst>
+                                          <p:attrName>style.visibility</p:attrName>
+                                        </p:attrNameLst>
+                                      </p:cBhvr>
+                                      <p:to>
+                                        <p:strVal val="visible"/>
+                                      </p:to>
+                                    </p:set>
+                                    <p:animEffect transition="in" filter="fade">
+                                      <p:cBhvr>
+                                        <p:cTn id="7" dur="500"/>
+                                        <p:tgtEl>
+                                          <p:spTgt spid="3">
+                                            <p:txEl>
+                                              <p:pRg st="1" end="1"/>
+                                            </p:txEl>
+                                          </p:spTgt>
+                                        </p:tgtEl>
+                                      </p:cBhvr>
+                                    </p:animEffect>
+                                  </p:childTnLst>
+                                </p:cTn>
+                              </p:par>
+                            </p:childTnLst>
+                          </p:cTn>
+                        </p:par>
+                        <p:par>
+                          <p:cTn id="8" fill="hold">
+                            <p:stCondLst>
+                              <p:cond delay="500"/>
+                            </p:stCondLst>
+                            <p:childTnLst>
+                              <p:par>
+                                <p:cTn id="9" presetID="10" presetClass="entr" presetSubtype="0" fill="hold" nodeType="afterEffect">
+                                  <p:stCondLst>
+                                    <p:cond delay="0"/>
+                                  </p:stCondLst>
+                                  <p:childTnLst>
+                                    <p:set>
+                                      <p:cBhvr>
+                                        <p:cTn id="10" dur="1" fill="hold">
+                                          <p:stCondLst>
+                                            <p:cond delay="0"/>
+                                          </p:stCondLst>
+                                        </p:cTn>
+                                        <p:tgtEl>
+                                          <p:spTgt spid="3">
+                                            <p:txEl>
+                                              <p:pRg st="2" end="2"/>
+                                            </p:txEl>
+                                          </p:spTgt>
+                                        </p:tgtEl>
+                                        <p:attrNameLst>
+                                          <p:attrName>style.visibility</p:attrName>
+                                        </p:attrNameLst>
+                                      </p:cBhvr>
+                                      <p:to>
+                                        <p:strVal val="visible"/>
+                                      </p:to>
+                                    </p:set>
+                                    <p:animEffect transition="in" filter="fade">
+                                      <p:cBhvr>
+                                        <p:cTn id="11" dur="500"/>
+                                        <p:tgtEl>
+                                          <p:spTgt spid="3">
+                                            <p:txEl>
+                                              <p:pRg st="2" end="2"/>
+                                            </p:txEl>
+                                          </p:spTgt>
+                                        </p:tgtEl>
+                                      </p:cBhvr>
+                                    </p:animEffect>
+                                  </p:childTnLst>
+                                </p:cTn>
+                              </p:par>
+                            </p:childTnLst>
+                          </p:cTn>
+                        </p:par>
+                      </p:childTnLst>
+                    </p:cTn>
+                  </p:par>
+                  <p:par>
+                    <p:cTn id="12" fill="hold">
+                      <p:stCondLst>
+                        <p:cond delay="indefinite"/>
+                      </p:stCondLst>
+                      <p:childTnLst>
+                        <p:par>
+                          <p:cTn id="13" fill="hold">
+                            <p:stCondLst>
+                              <p:cond delay="0"/>
+                            </p:stCondLst>
+                            <p:childTnLst>
+                              <p:par>
+                                <p:cTn id="14" presetID="10" presetClass="entr" presetSubtype="0" fill="hold" nodeType="clickEffect">
+                                  <p:stCondLst>
+                                    <p:cond delay="0"/>
+                                  </p:stCondLst>
+                                  <p:childTnLst>
+                                    <p:set>
+                                      <p:cBhvr>
+                                        <p:cTn id="15" dur="1" fill="hold">
+                                          <p:stCondLst>
+                                            <p:cond delay="0"/>
+                                          </p:stCondLst>
+                                        </p:cTn>
+                                        <p:tgtEl>
+                                          <p:spTgt spid="3">
+                                            <p:txEl>
+                                              <p:pRg st="4" end="4"/>
+                                            </p:txEl>
+                                          </p:spTgt>
+                                        </p:tgtEl>
+                                        <p:attrNameLst>
+                                          <p:attrName>style.visibility</p:attrName>
+                                        </p:attrNameLst>
+                                      </p:cBhvr>
+                                      <p:to>
+                                        <p:strVal val="visible"/>
+                                      </p:to>
+                                    </p:set>
+                                    <p:animEffect transition="in" filter="fade">
+                                      <p:cBhvr>
+                                        <p:cTn id="16" dur="500"/>
+                                        <p:tgtEl>
+                                          <p:spTgt spid="3">
+                                            <p:txEl>
+                                              <p:pRg st="4" end="4"/>
+                                            </p:txEl>
+                                          </p:spTgt>
+                                        </p:tgtEl>
+                                      </p:cBhvr>
+                                    </p:animEffect>
+                                  </p:childTnLst>
+                                </p:cTn>
+                              </p:par>
+                            </p:childTnLst>
+                          </p:cTn>
+                        </p:par>
+                        <p:par>
+                          <p:cTn id="17" fill="hold">
+                            <p:stCondLst>
+                              <p:cond delay="500"/>
+                            </p:stCondLst>
+                            <p:childTnLst>
+                              <p:par>
+                                <p:cTn id="18" presetID="10" presetClass="entr" presetSubtype="0" fill="hold" nodeType="afterEffect">
+                                  <p:stCondLst>
+                                    <p:cond delay="0"/>
+                                  </p:stCondLst>
+                                  <p:childTnLst>
+                                    <p:set>
+                                      <p:cBhvr>
+                                        <p:cTn id="19" dur="1" fill="hold">
+                                          <p:stCondLst>
+                                            <p:cond delay="0"/>
+                                          </p:stCondLst>
+                                        </p:cTn>
+                                        <p:tgtEl>
+                                          <p:spTgt spid="3">
+                                            <p:txEl>
+                                              <p:pRg st="5" end="5"/>
+                                            </p:txEl>
+                                          </p:spTgt>
+                                        </p:tgtEl>
+                                        <p:attrNameLst>
+                                          <p:attrName>style.visibility</p:attrName>
+                                        </p:attrNameLst>
+                                      </p:cBhvr>
+                                      <p:to>
+                                        <p:strVal val="visible"/>
+                                      </p:to>
+                                    </p:set>
+                                    <p:animEffect transition="in" filter="fade">
+                                      <p:cBhvr>
+                                        <p:cTn id="20" dur="500"/>
+                                        <p:tgtEl>
+                                          <p:spTgt spid="3">
+                                            <p:txEl>
+                                              <p:pRg st="5" end="5"/>
+                                            </p:txEl>
+                                          </p:spTgt>
+                                        </p:tgtEl>
+                                      </p:cBhvr>
+                                    </p:animEffect>
+                                  </p:childTnLst>
+                                </p:cTn>
+                              </p:par>
+                            </p:childTnLst>
+                          </p:cTn>
+                        </p:par>
+                        <p:par>
+                          <p:cTn id="21" fill="hold">
+                            <p:stCondLst>
+                              <p:cond delay="1000"/>
+                            </p:stCondLst>
+                            <p:childTnLst>
+                              <p:par>
+                                <p:cTn id="22" presetID="10" presetClass="entr" presetSubtype="0" fill="hold" nodeType="afterEffect">
+                                  <p:stCondLst>
+                                    <p:cond delay="0"/>
+                                  </p:stCondLst>
+                                  <p:childTnLst>
+                                    <p:set>
+                                      <p:cBhvr>
+                                        <p:cTn id="23" dur="1" fill="hold">
+                                          <p:stCondLst>
+                                            <p:cond delay="0"/>
+                                          </p:stCondLst>
+                                        </p:cTn>
+                                        <p:tgtEl>
+                                          <p:spTgt spid="3">
+                                            <p:txEl>
+                                              <p:pRg st="6" end="6"/>
+                                            </p:txEl>
+                                          </p:spTgt>
+                                        </p:tgtEl>
+                                        <p:attrNameLst>
+                                          <p:attrName>style.visibility</p:attrName>
+                                        </p:attrNameLst>
+                                      </p:cBhvr>
+                                      <p:to>
+                                        <p:strVal val="visible"/>
+                                      </p:to>
+                                    </p:set>
+                                    <p:animEffect transition="in" filter="fade">
+                                      <p:cBhvr>
+                                        <p:cTn id="24" dur="500"/>
+                                        <p:tgtEl>
+                                          <p:spTgt spid="3">
+                                            <p:txEl>
+                                              <p:pRg st="6" end="6"/>
+                                            </p:txEl>
+                                          </p:spTgt>
+                                        </p:tgtEl>
+                                      </p:cBhvr>
+                                    </p:animEffect>
+                                  </p:childTnLst>
+                                </p:cTn>
+                              </p:par>
+                            </p:childTnLst>
+                          </p:cTn>
+                        </p:par>
+                      </p:childTnLst>
+                    </p:cTn>
+                  </p:par>
+                </p:childTnLst>
+              </p:cTn>
+              <p:prevCondLst>
+                <p:cond evt="onPrev" delay="0">
+                  <p:tgtEl>
+                    <p:sldTgt/>
+                  </p:tgtEl>
+                </p:cond>
+              </p:prevCondLst>
+              <p:nextCondLst>
+                <p:cond evt="onNext" delay="0">
+                  <p:tgtEl>
+                    <p:sldTgt/>
+                  </p:tgtEl>
+                </p:cond>
+              </p:nextCondLst>
+            </p:seq>
+          </p:childTnLst>
+        </p:cTn>
+      </p:par>
+    </p:tnLst>
+  </p:timing>
 </p:sld>
 </file>
 
@@ -7412,14 +10269,24 @@
         </p:nvSpPr>
         <p:spPr/>
         <p:txBody>
-          <a:bodyPr>
-            <a:normAutofit/>
-          </a:bodyPr>
+          <a:bodyPr/>
           <a:lstStyle/>
           <a:p>
             <a:r>
+              <a:rPr lang="it-IT" dirty="0" err="1" smtClean="0"/>
+              <a:t>NgRx</a:t>
+            </a:r>
+            <a:r>
               <a:rPr lang="it-IT" dirty="0" smtClean="0"/>
-              <a:t>Benefits</a:t>
+              <a:t>/</a:t>
+            </a:r>
+            <a:r>
+              <a:rPr lang="it-IT" dirty="0" err="1"/>
+              <a:t>S</a:t>
+            </a:r>
+            <a:r>
+              <a:rPr lang="it-IT" dirty="0" err="1" smtClean="0"/>
+              <a:t>tore</a:t>
             </a:r>
             <a:endParaRPr lang="it-IT" dirty="0"/>
           </a:p>
@@ -7437,83 +10304,587 @@
         </p:nvSpPr>
         <p:spPr/>
         <p:txBody>
-          <a:bodyPr/>
+          <a:bodyPr>
+            <a:normAutofit/>
+          </a:bodyPr>
           <a:lstStyle/>
           <a:p>
             <a:endParaRPr lang="it-IT" dirty="0" smtClean="0"/>
           </a:p>
           <a:p>
+            <a:r>
+              <a:rPr lang="it-IT" sz="2400" dirty="0" smtClean="0"/>
+              <a:t>The </a:t>
+            </a:r>
+            <a:r>
+              <a:rPr lang="it-IT" sz="2400" dirty="0" err="1" smtClean="0"/>
+              <a:t>foundation</a:t>
+            </a:r>
+            <a:r>
+              <a:rPr lang="it-IT" sz="2400" dirty="0" smtClean="0"/>
+              <a:t> </a:t>
+            </a:r>
+            <a:r>
+              <a:rPr lang="it-IT" sz="2400" dirty="0" smtClean="0"/>
+              <a:t>for a </a:t>
+            </a:r>
+            <a:r>
+              <a:rPr lang="it-IT" sz="2400" dirty="0" err="1" smtClean="0"/>
+              <a:t>Reactive</a:t>
+            </a:r>
+            <a:r>
+              <a:rPr lang="it-IT" sz="2400" dirty="0" smtClean="0"/>
+              <a:t> Application </a:t>
+            </a:r>
+            <a:r>
+              <a:rPr lang="it-IT" sz="2400" dirty="0" err="1" smtClean="0"/>
+              <a:t>it’s</a:t>
+            </a:r>
+            <a:r>
+              <a:rPr lang="it-IT" sz="2400" dirty="0" smtClean="0"/>
+              <a:t> </a:t>
+            </a:r>
+            <a:r>
+              <a:rPr lang="it-IT" sz="2400" dirty="0" err="1" smtClean="0"/>
+              <a:t>there</a:t>
+            </a:r>
+            <a:r>
+              <a:rPr lang="it-IT" sz="2400" dirty="0" smtClean="0"/>
+              <a:t>:</a:t>
+            </a:r>
+          </a:p>
+          <a:p>
+            <a:endParaRPr lang="it-IT" sz="2400" dirty="0" smtClean="0"/>
+          </a:p>
+          <a:p>
+            <a:pPr>
+              <a:buFont typeface="Arial" panose="020B0604020202020204" pitchFamily="34" charset="0"/>
+              <a:buChar char="•"/>
+            </a:pPr>
+            <a:r>
+              <a:rPr lang="it-IT" sz="2400" dirty="0" smtClean="0">
+                <a:solidFill>
+                  <a:srgbClr val="0070C0"/>
+                </a:solidFill>
+              </a:rPr>
+              <a:t>Programming with </a:t>
+            </a:r>
+            <a:r>
+              <a:rPr lang="it-IT" sz="2400" dirty="0" err="1" smtClean="0">
+                <a:solidFill>
+                  <a:srgbClr val="0070C0"/>
+                </a:solidFill>
+              </a:rPr>
+              <a:t>A</a:t>
+            </a:r>
+            <a:r>
+              <a:rPr lang="it-IT" sz="2400" dirty="0" err="1" smtClean="0">
+                <a:solidFill>
+                  <a:srgbClr val="0070C0"/>
+                </a:solidFill>
+              </a:rPr>
+              <a:t>synchronous</a:t>
+            </a:r>
+            <a:r>
+              <a:rPr lang="it-IT" sz="2400" dirty="0" smtClean="0">
+                <a:solidFill>
+                  <a:srgbClr val="0070C0"/>
+                </a:solidFill>
+              </a:rPr>
+              <a:t> </a:t>
+            </a:r>
+            <a:r>
+              <a:rPr lang="it-IT" sz="2400" dirty="0" smtClean="0">
+                <a:solidFill>
+                  <a:srgbClr val="0070C0"/>
+                </a:solidFill>
+              </a:rPr>
+              <a:t>Data </a:t>
+            </a:r>
+            <a:r>
+              <a:rPr lang="it-IT" sz="2400" dirty="0" err="1" smtClean="0">
+                <a:solidFill>
+                  <a:srgbClr val="0070C0"/>
+                </a:solidFill>
+              </a:rPr>
+              <a:t>Streams</a:t>
+            </a:r>
+            <a:r>
+              <a:rPr lang="it-IT" sz="2400" dirty="0" smtClean="0"/>
+              <a:t>.</a:t>
+            </a:r>
+          </a:p>
+          <a:p>
+            <a:pPr>
+              <a:buFont typeface="Arial" panose="020B0604020202020204" pitchFamily="34" charset="0"/>
+              <a:buChar char="•"/>
+            </a:pPr>
+            <a:r>
+              <a:rPr lang="it-IT" sz="2400" dirty="0" err="1"/>
+              <a:t>W</a:t>
+            </a:r>
+            <a:r>
+              <a:rPr lang="it-IT" sz="2400" dirty="0" err="1" smtClean="0"/>
+              <a:t>e</a:t>
+            </a:r>
+            <a:r>
+              <a:rPr lang="it-IT" sz="2400" dirty="0" smtClean="0"/>
+              <a:t> </a:t>
+            </a:r>
+            <a:r>
+              <a:rPr lang="it-IT" sz="2400" dirty="0" err="1" smtClean="0"/>
+              <a:t>got</a:t>
+            </a:r>
+            <a:r>
+              <a:rPr lang="it-IT" sz="2400" dirty="0" smtClean="0"/>
+              <a:t> </a:t>
+            </a:r>
+            <a:r>
+              <a:rPr lang="it-IT" sz="2400" dirty="0" err="1" smtClean="0"/>
+              <a:t>async</a:t>
+            </a:r>
+            <a:r>
+              <a:rPr lang="it-IT" sz="2400" dirty="0" smtClean="0"/>
+              <a:t> </a:t>
+            </a:r>
+            <a:r>
+              <a:rPr lang="it-IT" sz="2400" dirty="0" err="1" smtClean="0"/>
+              <a:t>messaging</a:t>
+            </a:r>
+            <a:r>
+              <a:rPr lang="it-IT" sz="2400" dirty="0" smtClean="0"/>
+              <a:t> and </a:t>
+            </a:r>
+            <a:r>
+              <a:rPr lang="it-IT" sz="2400" dirty="0" err="1" smtClean="0"/>
+              <a:t>loose</a:t>
+            </a:r>
+            <a:r>
+              <a:rPr lang="it-IT" sz="2400" dirty="0" smtClean="0"/>
+              <a:t> </a:t>
+            </a:r>
+            <a:r>
+              <a:rPr lang="it-IT" sz="2400" dirty="0" err="1" smtClean="0"/>
+              <a:t>coupling</a:t>
+            </a:r>
+            <a:r>
+              <a:rPr lang="it-IT" sz="2400" dirty="0" smtClean="0"/>
+              <a:t>.</a:t>
+            </a:r>
+          </a:p>
+          <a:p>
+            <a:pPr>
+              <a:buFont typeface="Arial" panose="020B0604020202020204" pitchFamily="34" charset="0"/>
+              <a:buChar char="•"/>
+            </a:pPr>
+            <a:r>
+              <a:rPr lang="it-IT" sz="2400" dirty="0" err="1" smtClean="0">
+                <a:solidFill>
+                  <a:srgbClr val="0070C0"/>
+                </a:solidFill>
+              </a:rPr>
+              <a:t>RxJS</a:t>
+            </a:r>
+            <a:r>
+              <a:rPr lang="it-IT" sz="2400" dirty="0" smtClean="0"/>
+              <a:t>: the </a:t>
+            </a:r>
+            <a:r>
+              <a:rPr lang="it-IT" sz="2400" dirty="0" err="1" smtClean="0">
+                <a:solidFill>
+                  <a:srgbClr val="0070C0"/>
+                </a:solidFill>
+              </a:rPr>
+              <a:t>Observable</a:t>
+            </a:r>
+            <a:r>
+              <a:rPr lang="it-IT" sz="2400" dirty="0" smtClean="0">
+                <a:solidFill>
+                  <a:srgbClr val="0070C0"/>
+                </a:solidFill>
+              </a:rPr>
+              <a:t> </a:t>
+            </a:r>
+            <a:r>
+              <a:rPr lang="it-IT" sz="2400" dirty="0" err="1" smtClean="0"/>
+              <a:t>is</a:t>
+            </a:r>
+            <a:r>
+              <a:rPr lang="it-IT" sz="2400" dirty="0" smtClean="0"/>
+              <a:t> </a:t>
+            </a:r>
+            <a:r>
+              <a:rPr lang="it-IT" sz="2400" dirty="0" smtClean="0"/>
+              <a:t>the «primitive» </a:t>
+            </a:r>
+            <a:r>
+              <a:rPr lang="it-IT" sz="2400" dirty="0" err="1" smtClean="0"/>
+              <a:t>type</a:t>
+            </a:r>
+            <a:r>
+              <a:rPr lang="it-IT" sz="2400" dirty="0" smtClean="0"/>
+              <a:t> </a:t>
+            </a:r>
+            <a:r>
+              <a:rPr lang="it-IT" sz="2400" dirty="0" err="1" smtClean="0"/>
+              <a:t>used</a:t>
+            </a:r>
+            <a:r>
+              <a:rPr lang="it-IT" sz="2400" dirty="0" smtClean="0"/>
+              <a:t> in </a:t>
+            </a:r>
+            <a:r>
+              <a:rPr lang="it-IT" sz="2400" dirty="0" smtClean="0"/>
+              <a:t>JavaScript </a:t>
+            </a:r>
+            <a:r>
+              <a:rPr lang="it-IT" sz="2400" dirty="0" smtClean="0"/>
+              <a:t>/ </a:t>
+            </a:r>
+            <a:r>
+              <a:rPr lang="it-IT" sz="2400" dirty="0" err="1" smtClean="0"/>
+              <a:t>Angular</a:t>
+            </a:r>
+            <a:r>
+              <a:rPr lang="it-IT" sz="2400" dirty="0" smtClean="0"/>
+              <a:t> to </a:t>
+            </a:r>
+            <a:r>
+              <a:rPr lang="it-IT" sz="2400" dirty="0" err="1" smtClean="0"/>
+              <a:t>handle</a:t>
+            </a:r>
+            <a:r>
+              <a:rPr lang="it-IT" sz="2400" dirty="0" smtClean="0"/>
+              <a:t> </a:t>
+            </a:r>
+            <a:r>
+              <a:rPr lang="it-IT" sz="2400" dirty="0" err="1" smtClean="0"/>
+              <a:t>asynchronous</a:t>
+            </a:r>
+            <a:r>
+              <a:rPr lang="it-IT" sz="2400" dirty="0" smtClean="0"/>
+              <a:t> data </a:t>
+            </a:r>
+            <a:r>
+              <a:rPr lang="it-IT" sz="2400" dirty="0" err="1" smtClean="0"/>
+              <a:t>streams</a:t>
+            </a:r>
+            <a:r>
+              <a:rPr lang="it-IT" sz="2400" dirty="0" smtClean="0"/>
+              <a:t>.</a:t>
+            </a:r>
+          </a:p>
+          <a:p>
+            <a:pPr>
+              <a:buFont typeface="Arial" panose="020B0604020202020204" pitchFamily="34" charset="0"/>
+              <a:buChar char="•"/>
+            </a:pPr>
+            <a:r>
+              <a:rPr lang="it-IT" sz="2400" i="1" dirty="0" err="1" smtClean="0"/>
+              <a:t>Mentality</a:t>
+            </a:r>
+            <a:r>
+              <a:rPr lang="it-IT" sz="2400" i="1" dirty="0" smtClean="0"/>
+              <a:t> </a:t>
+            </a:r>
+            <a:r>
+              <a:rPr lang="it-IT" sz="2400" i="1" dirty="0" err="1"/>
+              <a:t>switch</a:t>
+            </a:r>
+            <a:r>
+              <a:rPr lang="it-IT" sz="2400" i="1" dirty="0"/>
+              <a:t> from a pull </a:t>
+            </a:r>
+            <a:r>
+              <a:rPr lang="it-IT" sz="2400" i="1" dirty="0" err="1"/>
+              <a:t>approach</a:t>
+            </a:r>
+            <a:r>
+              <a:rPr lang="it-IT" sz="2400" i="1" dirty="0"/>
+              <a:t> to a </a:t>
+            </a:r>
+            <a:r>
+              <a:rPr lang="it-IT" sz="2400" i="1" dirty="0" err="1"/>
+              <a:t>push</a:t>
+            </a:r>
+            <a:r>
+              <a:rPr lang="it-IT" sz="2400" i="1" dirty="0"/>
+              <a:t> </a:t>
+            </a:r>
+            <a:r>
+              <a:rPr lang="it-IT" sz="2400" i="1" dirty="0" err="1"/>
+              <a:t>approach</a:t>
+            </a:r>
+            <a:r>
+              <a:rPr lang="it-IT" sz="2400" dirty="0"/>
+              <a:t>.</a:t>
+            </a:r>
+          </a:p>
+          <a:p>
             <a:endParaRPr lang="it-IT" dirty="0"/>
-          </a:p>
-          <a:p>
-            <a:r>
-              <a:rPr lang="it-IT" dirty="0" err="1" smtClean="0"/>
-              <a:t>Centralized</a:t>
-            </a:r>
-            <a:r>
-              <a:rPr lang="it-IT" dirty="0" smtClean="0"/>
-              <a:t> </a:t>
-            </a:r>
-            <a:r>
-              <a:rPr lang="it-IT" dirty="0" err="1" smtClean="0"/>
-              <a:t>immutable</a:t>
-            </a:r>
-            <a:r>
-              <a:rPr lang="it-IT" dirty="0" smtClean="0"/>
-              <a:t> (</a:t>
-            </a:r>
-            <a:r>
-              <a:rPr lang="it-IT" dirty="0" err="1" smtClean="0"/>
-              <a:t>shared</a:t>
-            </a:r>
-            <a:r>
-              <a:rPr lang="it-IT" dirty="0" smtClean="0"/>
-              <a:t>) state</a:t>
-            </a:r>
-          </a:p>
-          <a:p>
-            <a:r>
-              <a:rPr lang="it-IT" dirty="0" err="1" smtClean="0"/>
-              <a:t>Predictability</a:t>
-            </a:r>
-            <a:endParaRPr lang="it-IT" dirty="0" smtClean="0"/>
-          </a:p>
-          <a:p>
-            <a:r>
-              <a:rPr lang="it-IT" dirty="0" err="1"/>
-              <a:t>Testablity</a:t>
-            </a:r>
-            <a:endParaRPr lang="it-IT" dirty="0"/>
-          </a:p>
-          <a:p>
-            <a:r>
-              <a:rPr lang="it-IT" dirty="0" smtClean="0"/>
-              <a:t>Performance</a:t>
-            </a:r>
-          </a:p>
-          <a:p>
-            <a:r>
-              <a:rPr lang="it-IT" dirty="0" smtClean="0"/>
-              <a:t>Debugging </a:t>
-            </a:r>
-            <a:r>
-              <a:rPr lang="it-IT" dirty="0" err="1" smtClean="0"/>
-              <a:t>Toolset</a:t>
-            </a:r>
-            <a:endParaRPr lang="it-IT" dirty="0" smtClean="0"/>
           </a:p>
         </p:txBody>
       </p:sp>
     </p:spTree>
     <p:extLst>
       <p:ext uri="{BB962C8B-B14F-4D97-AF65-F5344CB8AC3E}">
-        <p14:creationId xmlns:p14="http://schemas.microsoft.com/office/powerpoint/2010/main" val="2186655875"/>
+        <p14:creationId xmlns:p14="http://schemas.microsoft.com/office/powerpoint/2010/main" val="1320050883"/>
       </p:ext>
     </p:extLst>
   </p:cSld>
   <p:clrMapOvr>
     <a:masterClrMapping/>
   </p:clrMapOvr>
+  <p:timing>
+    <p:tnLst>
+      <p:par>
+        <p:cTn id="1" dur="indefinite" restart="never" nodeType="tmRoot">
+          <p:childTnLst>
+            <p:seq concurrent="1" nextAc="seek">
+              <p:cTn id="2" dur="indefinite" nodeType="mainSeq">
+                <p:childTnLst>
+                  <p:par>
+                    <p:cTn id="3" fill="hold">
+                      <p:stCondLst>
+                        <p:cond delay="indefinite"/>
+                        <p:cond evt="onBegin" delay="0">
+                          <p:tn val="2"/>
+                        </p:cond>
+                      </p:stCondLst>
+                      <p:childTnLst>
+                        <p:par>
+                          <p:cTn id="4" fill="hold">
+                            <p:stCondLst>
+                              <p:cond delay="0"/>
+                            </p:stCondLst>
+                            <p:childTnLst>
+                              <p:par>
+                                <p:cTn id="5" presetID="10" presetClass="entr" presetSubtype="0" fill="hold" nodeType="afterEffect">
+                                  <p:stCondLst>
+                                    <p:cond delay="0"/>
+                                  </p:stCondLst>
+                                  <p:childTnLst>
+                                    <p:set>
+                                      <p:cBhvr>
+                                        <p:cTn id="6" dur="1" fill="hold">
+                                          <p:stCondLst>
+                                            <p:cond delay="0"/>
+                                          </p:stCondLst>
+                                        </p:cTn>
+                                        <p:tgtEl>
+                                          <p:spTgt spid="3">
+                                            <p:txEl>
+                                              <p:pRg st="3" end="3"/>
+                                            </p:txEl>
+                                          </p:spTgt>
+                                        </p:tgtEl>
+                                        <p:attrNameLst>
+                                          <p:attrName>style.visibility</p:attrName>
+                                        </p:attrNameLst>
+                                      </p:cBhvr>
+                                      <p:to>
+                                        <p:strVal val="visible"/>
+                                      </p:to>
+                                    </p:set>
+                                    <p:animEffect transition="in" filter="fade">
+                                      <p:cBhvr>
+                                        <p:cTn id="7" dur="500"/>
+                                        <p:tgtEl>
+                                          <p:spTgt spid="3">
+                                            <p:txEl>
+                                              <p:pRg st="3" end="3"/>
+                                            </p:txEl>
+                                          </p:spTgt>
+                                        </p:tgtEl>
+                                      </p:cBhvr>
+                                    </p:animEffect>
+                                  </p:childTnLst>
+                                </p:cTn>
+                              </p:par>
+                            </p:childTnLst>
+                          </p:cTn>
+                        </p:par>
+                        <p:par>
+                          <p:cTn id="8" fill="hold">
+                            <p:stCondLst>
+                              <p:cond delay="500"/>
+                            </p:stCondLst>
+                            <p:childTnLst>
+                              <p:par>
+                                <p:cTn id="9" presetID="10" presetClass="entr" presetSubtype="0" fill="hold" nodeType="afterEffect">
+                                  <p:stCondLst>
+                                    <p:cond delay="0"/>
+                                  </p:stCondLst>
+                                  <p:childTnLst>
+                                    <p:set>
+                                      <p:cBhvr>
+                                        <p:cTn id="10" dur="1" fill="hold">
+                                          <p:stCondLst>
+                                            <p:cond delay="0"/>
+                                          </p:stCondLst>
+                                        </p:cTn>
+                                        <p:tgtEl>
+                                          <p:spTgt spid="3">
+                                            <p:txEl>
+                                              <p:pRg st="4" end="4"/>
+                                            </p:txEl>
+                                          </p:spTgt>
+                                        </p:tgtEl>
+                                        <p:attrNameLst>
+                                          <p:attrName>style.visibility</p:attrName>
+                                        </p:attrNameLst>
+                                      </p:cBhvr>
+                                      <p:to>
+                                        <p:strVal val="visible"/>
+                                      </p:to>
+                                    </p:set>
+                                    <p:animEffect transition="in" filter="fade">
+                                      <p:cBhvr>
+                                        <p:cTn id="11" dur="500"/>
+                                        <p:tgtEl>
+                                          <p:spTgt spid="3">
+                                            <p:txEl>
+                                              <p:pRg st="4" end="4"/>
+                                            </p:txEl>
+                                          </p:spTgt>
+                                        </p:tgtEl>
+                                      </p:cBhvr>
+                                    </p:animEffect>
+                                  </p:childTnLst>
+                                </p:cTn>
+                              </p:par>
+                            </p:childTnLst>
+                          </p:cTn>
+                        </p:par>
+                        <p:par>
+                          <p:cTn id="12" fill="hold">
+                            <p:stCondLst>
+                              <p:cond delay="1000"/>
+                            </p:stCondLst>
+                            <p:childTnLst>
+                              <p:par>
+                                <p:cTn id="13" presetID="10" presetClass="entr" presetSubtype="0" fill="hold" nodeType="afterEffect">
+                                  <p:stCondLst>
+                                    <p:cond delay="0"/>
+                                  </p:stCondLst>
+                                  <p:childTnLst>
+                                    <p:set>
+                                      <p:cBhvr>
+                                        <p:cTn id="14" dur="1" fill="hold">
+                                          <p:stCondLst>
+                                            <p:cond delay="0"/>
+                                          </p:stCondLst>
+                                        </p:cTn>
+                                        <p:tgtEl>
+                                          <p:spTgt spid="3">
+                                            <p:txEl>
+                                              <p:pRg st="5" end="5"/>
+                                            </p:txEl>
+                                          </p:spTgt>
+                                        </p:tgtEl>
+                                        <p:attrNameLst>
+                                          <p:attrName>style.visibility</p:attrName>
+                                        </p:attrNameLst>
+                                      </p:cBhvr>
+                                      <p:to>
+                                        <p:strVal val="visible"/>
+                                      </p:to>
+                                    </p:set>
+                                    <p:animEffect transition="in" filter="fade">
+                                      <p:cBhvr>
+                                        <p:cTn id="15" dur="500"/>
+                                        <p:tgtEl>
+                                          <p:spTgt spid="3">
+                                            <p:txEl>
+                                              <p:pRg st="5" end="5"/>
+                                            </p:txEl>
+                                          </p:spTgt>
+                                        </p:tgtEl>
+                                      </p:cBhvr>
+                                    </p:animEffect>
+                                  </p:childTnLst>
+                                </p:cTn>
+                              </p:par>
+                            </p:childTnLst>
+                          </p:cTn>
+                        </p:par>
+                        <p:par>
+                          <p:cTn id="16" fill="hold">
+                            <p:stCondLst>
+                              <p:cond delay="1500"/>
+                            </p:stCondLst>
+                            <p:childTnLst>
+                              <p:par>
+                                <p:cTn id="17" presetID="10" presetClass="entr" presetSubtype="0" fill="hold" nodeType="afterEffect">
+                                  <p:stCondLst>
+                                    <p:cond delay="0"/>
+                                  </p:stCondLst>
+                                  <p:childTnLst>
+                                    <p:set>
+                                      <p:cBhvr>
+                                        <p:cTn id="18" dur="1" fill="hold">
+                                          <p:stCondLst>
+                                            <p:cond delay="0"/>
+                                          </p:stCondLst>
+                                        </p:cTn>
+                                        <p:tgtEl>
+                                          <p:spTgt spid="3">
+                                            <p:txEl>
+                                              <p:pRg st="6" end="6"/>
+                                            </p:txEl>
+                                          </p:spTgt>
+                                        </p:tgtEl>
+                                        <p:attrNameLst>
+                                          <p:attrName>style.visibility</p:attrName>
+                                        </p:attrNameLst>
+                                      </p:cBhvr>
+                                      <p:to>
+                                        <p:strVal val="visible"/>
+                                      </p:to>
+                                    </p:set>
+                                    <p:animEffect transition="in" filter="fade">
+                                      <p:cBhvr>
+                                        <p:cTn id="19" dur="500"/>
+                                        <p:tgtEl>
+                                          <p:spTgt spid="3">
+                                            <p:txEl>
+                                              <p:pRg st="6" end="6"/>
+                                            </p:txEl>
+                                          </p:spTgt>
+                                        </p:tgtEl>
+                                      </p:cBhvr>
+                                    </p:animEffect>
+                                  </p:childTnLst>
+                                </p:cTn>
+                              </p:par>
+                            </p:childTnLst>
+                          </p:cTn>
+                        </p:par>
+                      </p:childTnLst>
+                    </p:cTn>
+                  </p:par>
+                </p:childTnLst>
+              </p:cTn>
+              <p:prevCondLst>
+                <p:cond evt="onPrev" delay="0">
+                  <p:tgtEl>
+                    <p:sldTgt/>
+                  </p:tgtEl>
+                </p:cond>
+              </p:prevCondLst>
+              <p:nextCondLst>
+                <p:cond evt="onNext" delay="0">
+                  <p:tgtEl>
+                    <p:sldTgt/>
+                  </p:tgtEl>
+                </p:cond>
+              </p:nextCondLst>
+            </p:seq>
+          </p:childTnLst>
+        </p:cTn>
+      </p:par>
+    </p:tnLst>
+  </p:timing>
 </p:sld>
 </file>
 
@@ -7546,16 +10917,18 @@
         </p:nvSpPr>
         <p:spPr/>
         <p:txBody>
-          <a:bodyPr/>
+          <a:bodyPr>
+            <a:normAutofit/>
+          </a:bodyPr>
           <a:lstStyle/>
           <a:p>
             <a:r>
+              <a:rPr lang="it-IT" dirty="0" smtClean="0"/>
+              <a:t>Benefits of </a:t>
+            </a:r>
+            <a:r>
               <a:rPr lang="it-IT" dirty="0" err="1" smtClean="0"/>
-              <a:t>Let’s</a:t>
-            </a:r>
-            <a:r>
-              <a:rPr lang="it-IT" dirty="0" smtClean="0"/>
-              <a:t> Play with NGRX!</a:t>
+              <a:t>NgRx</a:t>
             </a:r>
             <a:endParaRPr lang="it-IT" dirty="0"/>
           </a:p>
@@ -7576,20 +10949,97 @@
           <a:bodyPr/>
           <a:lstStyle/>
           <a:p>
-            <a:endParaRPr lang="it-IT"/>
+            <a:endParaRPr lang="it-IT" dirty="0" smtClean="0"/>
+          </a:p>
+          <a:p>
+            <a:pPr>
+              <a:buFont typeface="Arial" panose="020B0604020202020204" pitchFamily="34" charset="0"/>
+              <a:buChar char="•"/>
+            </a:pPr>
+            <a:r>
+              <a:rPr lang="it-IT" sz="2800" dirty="0" err="1" smtClean="0"/>
+              <a:t>Centralized</a:t>
+            </a:r>
+            <a:r>
+              <a:rPr lang="it-IT" sz="2800" dirty="0" smtClean="0"/>
+              <a:t> </a:t>
+            </a:r>
+            <a:r>
+              <a:rPr lang="it-IT" sz="2800" dirty="0" err="1" smtClean="0"/>
+              <a:t>Immutable</a:t>
+            </a:r>
+            <a:r>
+              <a:rPr lang="it-IT" sz="2800" dirty="0" smtClean="0"/>
+              <a:t> State</a:t>
+            </a:r>
+            <a:endParaRPr lang="it-IT" sz="2800" dirty="0" smtClean="0"/>
+          </a:p>
+          <a:p>
+            <a:pPr>
+              <a:buFont typeface="Arial" panose="020B0604020202020204" pitchFamily="34" charset="0"/>
+              <a:buChar char="•"/>
+            </a:pPr>
+            <a:r>
+              <a:rPr lang="it-IT" sz="2800" dirty="0" err="1" smtClean="0"/>
+              <a:t>Predictability</a:t>
+            </a:r>
+            <a:endParaRPr lang="it-IT" sz="2800" dirty="0" smtClean="0"/>
+          </a:p>
+          <a:p>
+            <a:pPr>
+              <a:buFont typeface="Arial" panose="020B0604020202020204" pitchFamily="34" charset="0"/>
+              <a:buChar char="•"/>
+            </a:pPr>
+            <a:r>
+              <a:rPr lang="it-IT" sz="2800" dirty="0" err="1"/>
+              <a:t>Testablity</a:t>
+            </a:r>
+            <a:endParaRPr lang="it-IT" sz="2800" dirty="0"/>
+          </a:p>
+          <a:p>
+            <a:pPr>
+              <a:buFont typeface="Arial" panose="020B0604020202020204" pitchFamily="34" charset="0"/>
+              <a:buChar char="•"/>
+            </a:pPr>
+            <a:r>
+              <a:rPr lang="it-IT" sz="2800" dirty="0" smtClean="0"/>
+              <a:t>Performance</a:t>
+            </a:r>
+          </a:p>
+          <a:p>
+            <a:pPr>
+              <a:buFont typeface="Arial" panose="020B0604020202020204" pitchFamily="34" charset="0"/>
+              <a:buChar char="•"/>
+            </a:pPr>
+            <a:r>
+              <a:rPr lang="it-IT" sz="2800" dirty="0" smtClean="0"/>
+              <a:t>Debugging </a:t>
+            </a:r>
+            <a:r>
+              <a:rPr lang="it-IT" sz="2800" dirty="0" err="1" smtClean="0"/>
+              <a:t>Toolset</a:t>
+            </a:r>
+            <a:endParaRPr lang="it-IT" sz="2800" dirty="0" smtClean="0"/>
           </a:p>
         </p:txBody>
       </p:sp>
     </p:spTree>
     <p:extLst>
       <p:ext uri="{BB962C8B-B14F-4D97-AF65-F5344CB8AC3E}">
-        <p14:creationId xmlns:p14="http://schemas.microsoft.com/office/powerpoint/2010/main" val="2315752082"/>
+        <p14:creationId xmlns:p14="http://schemas.microsoft.com/office/powerpoint/2010/main" val="2186655875"/>
       </p:ext>
     </p:extLst>
   </p:cSld>
   <p:clrMapOvr>
     <a:masterClrMapping/>
   </p:clrMapOvr>
+  <p:timing>
+    <p:tnLst>
+      <p:par>
+        <p:cTn id="1" dur="indefinite" restart="never" nodeType="tmRoot"/>
+      </p:par>
+    </p:tnLst>
+  </p:timing>
 </p:sld>
 </file>
 
@@ -7612,7 +11062,7 @@
       </p:grpSpPr>
       <p:sp>
         <p:nvSpPr>
-          <p:cNvPr id="4" name="Titolo 3"/>
+          <p:cNvPr id="2" name="Titolo 1"/>
           <p:cNvSpPr>
             <a:spLocks noGrp="1"/>
           </p:cNvSpPr>
@@ -7626,8 +11076,12 @@
           <a:lstStyle/>
           <a:p>
             <a:r>
+              <a:rPr lang="it-IT" dirty="0" err="1" smtClean="0"/>
+              <a:t>Let’s</a:t>
+            </a:r>
+            <a:r>
               <a:rPr lang="it-IT" dirty="0" smtClean="0"/>
-              <a:t>Reference</a:t>
+              <a:t> Play with NGRX!</a:t>
             </a:r>
             <a:endParaRPr lang="it-IT" dirty="0"/>
           </a:p>
@@ -7635,7 +11089,7 @@
       </p:sp>
       <p:sp>
         <p:nvSpPr>
-          <p:cNvPr id="5" name="Segnaposto contenuto 4"/>
+          <p:cNvPr id="3" name="Segnaposto contenuto 2"/>
           <p:cNvSpPr>
             <a:spLocks noGrp="1"/>
           </p:cNvSpPr>
@@ -7648,149 +11102,20 @@
           <a:bodyPr/>
           <a:lstStyle/>
           <a:p>
-            <a:endParaRPr lang="it-IT" dirty="0" smtClean="0"/>
-          </a:p>
-          <a:p>
-            <a:r>
-              <a:rPr lang="it-IT" dirty="0" err="1" smtClean="0"/>
-              <a:t>RxJS</a:t>
-            </a:r>
-            <a:r>
-              <a:rPr lang="it-IT" dirty="0"/>
-              <a:t>: </a:t>
-            </a:r>
-            <a:r>
-              <a:rPr lang="it-IT" dirty="0">
-                <a:hlinkClick r:id="rId3"/>
-              </a:rPr>
-              <a:t>https://rxjs-dev.firebaseapp.com</a:t>
-            </a:r>
-            <a:r>
-              <a:rPr lang="it-IT" dirty="0" smtClean="0">
-                <a:hlinkClick r:id="rId3"/>
-              </a:rPr>
-              <a:t>/</a:t>
-            </a:r>
-            <a:r>
-              <a:rPr lang="it-IT" dirty="0"/>
-              <a:t> </a:t>
-            </a:r>
-            <a:r>
-              <a:rPr lang="it-IT" dirty="0" err="1" smtClean="0"/>
-              <a:t>old</a:t>
-            </a:r>
-            <a:r>
-              <a:rPr lang="it-IT" dirty="0" smtClean="0"/>
-              <a:t> </a:t>
-            </a:r>
-            <a:r>
-              <a:rPr lang="it-IT" dirty="0" err="1" smtClean="0"/>
-              <a:t>docs</a:t>
-            </a:r>
-            <a:r>
-              <a:rPr lang="it-IT" dirty="0"/>
-              <a:t>: </a:t>
-            </a:r>
-            <a:r>
-              <a:rPr lang="it-IT" dirty="0">
-                <a:hlinkClick r:id="rId4"/>
-              </a:rPr>
-              <a:t>http://</a:t>
-            </a:r>
-            <a:r>
-              <a:rPr lang="it-IT" dirty="0" smtClean="0">
-                <a:hlinkClick r:id="rId4"/>
-              </a:rPr>
-              <a:t>reactivex.io/rxjs/manual/index.html</a:t>
-            </a:r>
-            <a:endParaRPr lang="it-IT" dirty="0"/>
-          </a:p>
-          <a:p>
-            <a:r>
-              <a:rPr lang="it-IT" dirty="0" err="1" smtClean="0"/>
-              <a:t>Angular</a:t>
-            </a:r>
-            <a:r>
-              <a:rPr lang="it-IT" dirty="0" smtClean="0"/>
-              <a:t>: </a:t>
-            </a:r>
-            <a:r>
-              <a:rPr lang="it-IT" dirty="0">
-                <a:hlinkClick r:id="rId5"/>
-              </a:rPr>
-              <a:t>https://angular.io</a:t>
-            </a:r>
-            <a:r>
-              <a:rPr lang="it-IT" dirty="0" smtClean="0">
-                <a:hlinkClick r:id="rId5"/>
-              </a:rPr>
-              <a:t>/</a:t>
-            </a:r>
-            <a:endParaRPr lang="it-IT" dirty="0" smtClean="0"/>
-          </a:p>
-          <a:p>
-            <a:r>
-              <a:rPr lang="it-IT" dirty="0" err="1" smtClean="0"/>
-              <a:t>Ngrx</a:t>
-            </a:r>
-            <a:r>
-              <a:rPr lang="it-IT" dirty="0" smtClean="0"/>
-              <a:t>: </a:t>
-            </a:r>
-            <a:r>
-              <a:rPr lang="it-IT" dirty="0" smtClean="0">
-                <a:hlinkClick r:id="rId6"/>
-              </a:rPr>
-              <a:t>http://ngrx.io</a:t>
-            </a:r>
-            <a:endParaRPr lang="it-IT" dirty="0" smtClean="0"/>
-          </a:p>
-          <a:p>
-            <a:r>
-              <a:rPr lang="it-IT" dirty="0" smtClean="0"/>
-              <a:t>Visual </a:t>
-            </a:r>
-            <a:r>
-              <a:rPr lang="it-IT" dirty="0"/>
-              <a:t>Studio Code: </a:t>
-            </a:r>
-            <a:r>
-              <a:rPr lang="it-IT" dirty="0">
-                <a:hlinkClick r:id="rId7"/>
-              </a:rPr>
-              <a:t>http://</a:t>
-            </a:r>
-            <a:r>
-              <a:rPr lang="it-IT" dirty="0" smtClean="0">
-                <a:hlinkClick r:id="rId7"/>
-              </a:rPr>
-              <a:t>code.visualstudio.com/docs</a:t>
-            </a:r>
-            <a:endParaRPr lang="it-IT" dirty="0" smtClean="0"/>
-          </a:p>
-          <a:p>
-            <a:endParaRPr lang="it-IT" dirty="0"/>
+            <a:endParaRPr lang="it-IT"/>
           </a:p>
         </p:txBody>
       </p:sp>
     </p:spTree>
     <p:extLst>
       <p:ext uri="{BB962C8B-B14F-4D97-AF65-F5344CB8AC3E}">
-        <p14:creationId xmlns:p14="http://schemas.microsoft.com/office/powerpoint/2010/main" val="3254142067"/>
+        <p14:creationId xmlns:p14="http://schemas.microsoft.com/office/powerpoint/2010/main" val="2315752082"/>
       </p:ext>
     </p:extLst>
   </p:cSld>
   <p:clrMapOvr>
     <a:masterClrMapping/>
   </p:clrMapOvr>
-  <mc:AlternateContent xmlns:mc="http://schemas.openxmlformats.org/markup-compatibility/2006" xmlns:p14="http://schemas.microsoft.com/office/powerpoint/2010/main">
-    <mc:Choice Requires="p14">
-      <p:transition spd="slow" p14:dur="2000"/>
-    </mc:Choice>
-    <mc:Fallback xmlns="">
-      <p:transition spd="slow"/>
-    </mc:Fallback>
-  </mc:AlternateContent>
   <p:timing>
     <p:tnLst>
       <p:par>
@@ -8078,7 +11403,7 @@
   <a:extraClrSchemeLst/>
   <a:extLst>
     <a:ext uri="{05A4C25C-085E-4340-85A3-A5531E510DB2}">
-      <thm15:themeFamily xmlns:thm15="http://schemas.microsoft.com/office/thememl/2012/main" xmlns="" name="Retrospect" id="{5F128B03-DCCA-4EEB-AB3B-CF2899314A46}" vid="{9CC26709-368C-4D72-9060-94E5B3FF3CD6}"/>
+      <thm15:themeFamily xmlns="" xmlns:thm15="http://schemas.microsoft.com/office/thememl/2012/main" name="Retrospect" id="{5F128B03-DCCA-4EEB-AB3B-CF2899314A46}" vid="{9CC26709-368C-4D72-9060-94E5B3FF3CD6}"/>
     </a:ext>
   </a:extLst>
 </a:theme>
@@ -8373,7 +11698,7 @@
   <a:extraClrSchemeLst/>
   <a:extLst>
     <a:ext uri="{05A4C25C-085E-4340-85A3-A5531E510DB2}">
-      <thm15:themeFamily xmlns:thm15="http://schemas.microsoft.com/office/thememl/2012/main" xmlns="" name="Office Theme" id="{62F939B6-93AF-4DB8-9C6B-D6C7DFDC589F}" vid="{4A3C46E8-61CC-4603-A589-7422A47A8E4A}"/>
+      <thm15:themeFamily xmlns="" xmlns:thm15="http://schemas.microsoft.com/office/thememl/2012/main" name="Office Theme" id="{62F939B6-93AF-4DB8-9C6B-D6C7DFDC589F}" vid="{4A3C46E8-61CC-4603-A589-7422A47A8E4A}"/>
     </a:ext>
   </a:extLst>
 </a:theme>

--- a/ReactiveProgramming_ngrx.pptx
+++ b/ReactiveProgramming_ngrx.pptx
@@ -5,10 +5,10 @@
     <p:sldMasterId id="2147483793" r:id="rId1"/>
   </p:sldMasterIdLst>
   <p:notesMasterIdLst>
-    <p:notesMasterId r:id="rId15"/>
+    <p:notesMasterId r:id="rId20"/>
   </p:notesMasterIdLst>
   <p:handoutMasterIdLst>
-    <p:handoutMasterId r:id="rId16"/>
+    <p:handoutMasterId r:id="rId21"/>
   </p:handoutMasterIdLst>
   <p:sldIdLst>
     <p:sldId id="292" r:id="rId2"/>
@@ -18,12 +18,17 @@
     <p:sldId id="424" r:id="rId6"/>
     <p:sldId id="422" r:id="rId7"/>
     <p:sldId id="428" r:id="rId8"/>
-    <p:sldId id="425" r:id="rId9"/>
-    <p:sldId id="426" r:id="rId10"/>
-    <p:sldId id="429" r:id="rId11"/>
-    <p:sldId id="407" r:id="rId12"/>
-    <p:sldId id="419" r:id="rId13"/>
-    <p:sldId id="427" r:id="rId14"/>
+    <p:sldId id="430" r:id="rId9"/>
+    <p:sldId id="431" r:id="rId10"/>
+    <p:sldId id="432" r:id="rId11"/>
+    <p:sldId id="434" r:id="rId12"/>
+    <p:sldId id="433" r:id="rId13"/>
+    <p:sldId id="435" r:id="rId14"/>
+    <p:sldId id="436" r:id="rId15"/>
+    <p:sldId id="425" r:id="rId16"/>
+    <p:sldId id="407" r:id="rId17"/>
+    <p:sldId id="419" r:id="rId18"/>
+    <p:sldId id="427" r:id="rId19"/>
   </p:sldIdLst>
   <p:sldSz cx="12192000" cy="6858000"/>
   <p:notesSz cx="6858000" cy="9144000"/>
@@ -124,7 +129,7 @@
   </p:defaultTextStyle>
   <p:extLst>
     <p:ext uri="{EFAFB233-063F-42B5-8137-9DF3F51BA10A}">
-      <p15:sldGuideLst xmlns="" xmlns:p15="http://schemas.microsoft.com/office/powerpoint/2012/main"/>
+      <p15:sldGuideLst xmlns:p15="http://schemas.microsoft.com/office/powerpoint/2012/main" xmlns=""/>
     </p:ext>
   </p:extLst>
 </p:presentation>
@@ -212,7 +217,7 @@
           <a:p>
             <a:fld id="{327B5F9E-84DB-4811-8F56-9C65E911095D}" type="datetimeFigureOut">
               <a:rPr lang="it-IT" smtClean="0"/>
-              <a:t>25/11/2018</a:t>
+              <a:t>27/11/2018</a:t>
             </a:fld>
             <a:endParaRPr lang="it-IT"/>
           </a:p>
@@ -377,7 +382,7 @@
           <a:p>
             <a:fld id="{60073984-6E99-4D80-ADB1-BFDA0D866557}" type="datetimeFigureOut">
               <a:rPr lang="en-US"/>
-              <a:t>11/25/2018</a:t>
+              <a:t>11/27/2018</a:t>
             </a:fld>
             <a:endParaRPr lang="en-US"/>
           </a:p>
@@ -798,7 +803,7 @@
           <a:p>
             <a:fld id="{C519897D-FFB3-4111-B327-449DADBE2990}" type="slidenum">
               <a:rPr lang="en-US" smtClean="0"/>
-              <a:t>11</a:t>
+              <a:t>16</a:t>
             </a:fld>
             <a:endParaRPr lang="en-US"/>
           </a:p>
@@ -882,7 +887,7 @@
           <a:p>
             <a:fld id="{C519897D-FFB3-4111-B327-449DADBE2990}" type="slidenum">
               <a:rPr lang="en-US" smtClean="0"/>
-              <a:t>12</a:t>
+              <a:t>17</a:t>
             </a:fld>
             <a:endParaRPr lang="en-US"/>
           </a:p>
@@ -966,7 +971,7 @@
           <a:p>
             <a:fld id="{C519897D-FFB3-4111-B327-449DADBE2990}" type="slidenum">
               <a:rPr lang="en-US" smtClean="0"/>
-              <a:t>13</a:t>
+              <a:t>18</a:t>
             </a:fld>
             <a:endParaRPr lang="en-US"/>
           </a:p>
@@ -1209,7 +1214,7 @@
           <a:p>
             <a:fld id="{F1FA7AC5-6045-4418-8E60-F48788734473}" type="datetimeFigureOut">
               <a:rPr lang="en-US" smtClean="0"/>
-              <a:t>11/25/2018</a:t>
+              <a:t>11/27/2018</a:t>
             </a:fld>
             <a:endParaRPr lang="en-US"/>
           </a:p>
@@ -1422,7 +1427,7 @@
           <a:p>
             <a:fld id="{F1FA7AC5-6045-4418-8E60-F48788734473}" type="datetimeFigureOut">
               <a:rPr lang="en-US" smtClean="0"/>
-              <a:t>11/25/2018</a:t>
+              <a:t>11/27/2018</a:t>
             </a:fld>
             <a:endParaRPr lang="en-US"/>
           </a:p>
@@ -1676,7 +1681,7 @@
           <a:p>
             <a:fld id="{F1FA7AC5-6045-4418-8E60-F48788734473}" type="datetimeFigureOut">
               <a:rPr lang="en-US" smtClean="0"/>
-              <a:t>11/25/2018</a:t>
+              <a:t>11/27/2018</a:t>
             </a:fld>
             <a:endParaRPr lang="en-US"/>
           </a:p>
@@ -1844,7 +1849,7 @@
           <a:p>
             <a:fld id="{F1FA7AC5-6045-4418-8E60-F48788734473}" type="datetimeFigureOut">
               <a:rPr lang="en-US" smtClean="0"/>
-              <a:t>11/25/2018</a:t>
+              <a:t>11/27/2018</a:t>
             </a:fld>
             <a:endParaRPr lang="en-US"/>
           </a:p>
@@ -2186,7 +2191,7 @@
           <a:p>
             <a:fld id="{F1FA7AC5-6045-4418-8E60-F48788734473}" type="datetimeFigureOut">
               <a:rPr lang="en-US" smtClean="0"/>
-              <a:t>11/25/2018</a:t>
+              <a:t>11/27/2018</a:t>
             </a:fld>
             <a:endParaRPr lang="en-US"/>
           </a:p>
@@ -2458,7 +2463,7 @@
           <a:p>
             <a:fld id="{F1FA7AC5-6045-4418-8E60-F48788734473}" type="datetimeFigureOut">
               <a:rPr lang="en-US" smtClean="0"/>
-              <a:t>11/25/2018</a:t>
+              <a:t>11/27/2018</a:t>
             </a:fld>
             <a:endParaRPr lang="en-US"/>
           </a:p>
@@ -2834,7 +2839,7 @@
           <a:p>
             <a:fld id="{F1FA7AC5-6045-4418-8E60-F48788734473}" type="datetimeFigureOut">
               <a:rPr lang="en-US" smtClean="0"/>
-              <a:t>11/25/2018</a:t>
+              <a:t>11/27/2018</a:t>
             </a:fld>
             <a:endParaRPr lang="en-US"/>
           </a:p>
@@ -2951,7 +2956,7 @@
           <a:p>
             <a:fld id="{F1FA7AC5-6045-4418-8E60-F48788734473}" type="datetimeFigureOut">
               <a:rPr lang="en-US" smtClean="0"/>
-              <a:t>11/25/2018</a:t>
+              <a:t>11/27/2018</a:t>
             </a:fld>
             <a:endParaRPr lang="en-US"/>
           </a:p>
@@ -3122,7 +3127,7 @@
           <a:p>
             <a:fld id="{F1FA7AC5-6045-4418-8E60-F48788734473}" type="datetimeFigureOut">
               <a:rPr lang="en-US" smtClean="0"/>
-              <a:t>11/25/2018</a:t>
+              <a:t>11/27/2018</a:t>
             </a:fld>
             <a:endParaRPr lang="en-US"/>
           </a:p>
@@ -3474,7 +3479,7 @@
           <a:p>
             <a:fld id="{F1FA7AC5-6045-4418-8E60-F48788734473}" type="datetimeFigureOut">
               <a:rPr lang="en-US" smtClean="0"/>
-              <a:t>11/25/2018</a:t>
+              <a:t>11/27/2018</a:t>
             </a:fld>
             <a:endParaRPr lang="en-US"/>
           </a:p>
@@ -3849,7 +3854,7 @@
           <a:p>
             <a:fld id="{F1FA7AC5-6045-4418-8E60-F48788734473}" type="datetimeFigureOut">
               <a:rPr lang="en-US" smtClean="0"/>
-              <a:t>11/25/2018</a:t>
+              <a:t>11/27/2018</a:t>
             </a:fld>
             <a:endParaRPr lang="en-US"/>
           </a:p>
@@ -4134,7 +4139,7 @@
           <a:p>
             <a:fld id="{F1FA7AC5-6045-4418-8E60-F48788734473}" type="datetimeFigureOut">
               <a:rPr lang="en-US" smtClean="0"/>
-              <a:t>11/25/2018</a:t>
+              <a:t>11/27/2018</a:t>
             </a:fld>
             <a:endParaRPr lang="en-US"/>
           </a:p>
@@ -4869,12 +4874,8 @@
           <a:lstStyle/>
           <a:p>
             <a:r>
-              <a:rPr lang="it-IT" dirty="0" err="1"/>
-              <a:t>n</a:t>
-            </a:r>
-            <a:r>
               <a:rPr lang="it-IT" dirty="0" err="1" smtClean="0"/>
-              <a:t>grx</a:t>
+              <a:t>ngrx</a:t>
             </a:r>
             <a:r>
               <a:rPr lang="it-IT" dirty="0" smtClean="0"/>
@@ -4886,11 +4887,7 @@
             </a:r>
             <a:r>
               <a:rPr lang="it-IT" dirty="0" smtClean="0"/>
-              <a:t> core </a:t>
-            </a:r>
-            <a:r>
-              <a:rPr lang="it-IT" dirty="0" err="1" smtClean="0"/>
-              <a:t>principles</a:t>
+              <a:t> Setup</a:t>
             </a:r>
             <a:endParaRPr lang="it-IT" dirty="0"/>
           </a:p>
@@ -4908,189 +4905,1654 @@
         </p:nvSpPr>
         <p:spPr/>
         <p:txBody>
-          <a:bodyPr>
-            <a:normAutofit fontScale="77500" lnSpcReduction="20000"/>
-          </a:bodyPr>
+          <a:bodyPr/>
           <a:lstStyle/>
           <a:p>
             <a:endParaRPr lang="it-IT" dirty="0" smtClean="0"/>
           </a:p>
           <a:p>
-            <a:pPr>
-              <a:buFont typeface="Arial" panose="020B0604020202020204" pitchFamily="34" charset="0"/>
-              <a:buChar char="•"/>
-            </a:pPr>
-            <a:r>
-              <a:rPr lang="en-US" sz="2600" b="1" dirty="0">
-                <a:solidFill>
-                  <a:srgbClr val="0070C0"/>
-                </a:solidFill>
+            <a:endParaRPr lang="it-IT" dirty="0" smtClean="0"/>
+          </a:p>
+          <a:p>
+            <a:r>
+              <a:rPr lang="en-US" dirty="0" err="1">
+                <a:latin typeface="Consolas" panose="020B0609020204030204" pitchFamily="49" charset="0"/>
               </a:rPr>
-              <a:t>State</a:t>
-            </a:r>
-            <a:r>
-              <a:rPr lang="en-US" sz="2600" dirty="0"/>
-              <a:t>: is a single, </a:t>
-            </a:r>
-            <a:r>
-              <a:rPr lang="en-US" sz="2600" b="1" dirty="0">
-                <a:solidFill>
-                  <a:srgbClr val="0070C0"/>
-                </a:solidFill>
+              <a:t>npm</a:t>
+            </a:r>
+            <a:r>
+              <a:rPr lang="en-US" dirty="0">
+                <a:latin typeface="Consolas" panose="020B0609020204030204" pitchFamily="49" charset="0"/>
               </a:rPr>
-              <a:t>immutable data structure</a:t>
-            </a:r>
-            <a:r>
-              <a:rPr lang="en-US" sz="2600" dirty="0" smtClean="0"/>
+              <a:t> install @</a:t>
+            </a:r>
+            <a:r>
+              <a:rPr lang="en-US" dirty="0" err="1">
+                <a:latin typeface="Consolas" panose="020B0609020204030204" pitchFamily="49" charset="0"/>
+              </a:rPr>
+              <a:t>ngrx</a:t>
+            </a:r>
+            <a:r>
+              <a:rPr lang="en-US" dirty="0">
+                <a:latin typeface="Consolas" panose="020B0609020204030204" pitchFamily="49" charset="0"/>
+              </a:rPr>
+              <a:t>/store --save </a:t>
+            </a:r>
+            <a:endParaRPr lang="en-US" dirty="0" smtClean="0">
+              <a:latin typeface="Consolas" panose="020B0609020204030204" pitchFamily="49" charset="0"/>
+            </a:endParaRPr>
+          </a:p>
+          <a:p>
+            <a:endParaRPr lang="en-US" dirty="0"/>
+          </a:p>
+          <a:p>
+            <a:r>
+              <a:rPr lang="en-US" dirty="0" smtClean="0"/>
+              <a:t>Then </a:t>
+            </a:r>
+            <a:r>
+              <a:rPr lang="en-US" dirty="0"/>
+              <a:t>import the </a:t>
+            </a:r>
+            <a:r>
+              <a:rPr lang="en-US" dirty="0" err="1"/>
+              <a:t>StoreModule</a:t>
+            </a:r>
+            <a:r>
+              <a:rPr lang="en-US" dirty="0"/>
+              <a:t> in the </a:t>
+            </a:r>
+            <a:r>
+              <a:rPr lang="en-US" dirty="0" err="1"/>
+              <a:t>AppModule</a:t>
+            </a:r>
+            <a:r>
+              <a:rPr lang="en-US" dirty="0"/>
               <a:t>.</a:t>
             </a:r>
           </a:p>
           <a:p>
-            <a:pPr>
-              <a:buFont typeface="Arial" panose="020B0604020202020204" pitchFamily="34" charset="0"/>
-              <a:buChar char="•"/>
-            </a:pPr>
-            <a:endParaRPr lang="en-US" sz="2600" dirty="0"/>
-          </a:p>
-          <a:p>
-            <a:pPr>
-              <a:buFont typeface="Arial" panose="020B0604020202020204" pitchFamily="34" charset="0"/>
-              <a:buChar char="•"/>
-            </a:pPr>
-            <a:r>
-              <a:rPr lang="en-US" sz="2600" b="1" dirty="0">
-                <a:solidFill>
-                  <a:srgbClr val="0070C0"/>
-                </a:solidFill>
+            <a:endParaRPr lang="en-US" dirty="0" smtClean="0"/>
+          </a:p>
+          <a:p>
+            <a:r>
+              <a:rPr lang="en-US" dirty="0" err="1" smtClean="0">
+                <a:latin typeface="Consolas" panose="020B0609020204030204" pitchFamily="49" charset="0"/>
               </a:rPr>
-              <a:t>Actions</a:t>
-            </a:r>
-            <a:r>
-              <a:rPr lang="en-US" sz="2600" dirty="0"/>
-              <a:t>: events dispatched from components and services, they describe / trigger state changes</a:t>
-            </a:r>
-            <a:r>
-              <a:rPr lang="en-US" sz="2600" dirty="0" smtClean="0"/>
-              <a:t>.</a:t>
-            </a:r>
-          </a:p>
-          <a:p>
-            <a:pPr>
-              <a:buFont typeface="Arial" panose="020B0604020202020204" pitchFamily="34" charset="0"/>
-              <a:buChar char="•"/>
-            </a:pPr>
-            <a:endParaRPr lang="en-US" sz="2600" dirty="0"/>
-          </a:p>
-          <a:p>
-            <a:pPr>
-              <a:buFont typeface="Arial" panose="020B0604020202020204" pitchFamily="34" charset="0"/>
-              <a:buChar char="•"/>
-            </a:pPr>
-            <a:r>
-              <a:rPr lang="en-US" sz="2600" b="1" dirty="0">
-                <a:solidFill>
-                  <a:srgbClr val="0070C0"/>
-                </a:solidFill>
+              <a:t>StoreModule.forRoot</a:t>
+            </a:r>
+            <a:r>
+              <a:rPr lang="en-US" dirty="0">
+                <a:latin typeface="Consolas" panose="020B0609020204030204" pitchFamily="49" charset="0"/>
               </a:rPr>
-              <a:t>Reducers</a:t>
-            </a:r>
-            <a:r>
-              <a:rPr lang="en-US" sz="2600" dirty="0"/>
-              <a:t>: </a:t>
-            </a:r>
-            <a:r>
-              <a:rPr lang="en-US" sz="2600" i="1" dirty="0"/>
-              <a:t>pure functions</a:t>
-            </a:r>
-            <a:r>
-              <a:rPr lang="en-US" sz="2600" dirty="0"/>
-              <a:t> (functions no side effect) that take the previous state and the next action to compute the new </a:t>
-            </a:r>
-            <a:r>
-              <a:rPr lang="en-US" sz="2600" dirty="0" smtClean="0"/>
-              <a:t>state. The </a:t>
-            </a:r>
-            <a:r>
-              <a:rPr lang="en-US" sz="2600" dirty="0"/>
-              <a:t>reducers are the only way to change the state inside the Store</a:t>
-            </a:r>
-            <a:r>
-              <a:rPr lang="en-US" sz="2600" dirty="0" smtClean="0"/>
-              <a:t>.</a:t>
-            </a:r>
-          </a:p>
-          <a:p>
-            <a:pPr>
-              <a:buFont typeface="Arial" panose="020B0604020202020204" pitchFamily="34" charset="0"/>
-              <a:buChar char="•"/>
-            </a:pPr>
-            <a:endParaRPr lang="en-US" sz="2600" dirty="0"/>
-          </a:p>
-          <a:p>
-            <a:pPr>
-              <a:buFont typeface="Arial" panose="020B0604020202020204" pitchFamily="34" charset="0"/>
-              <a:buChar char="•"/>
-            </a:pPr>
-            <a:r>
-              <a:rPr lang="en-US" sz="2600" b="1" dirty="0" smtClean="0">
-                <a:solidFill>
-                  <a:srgbClr val="0070C0"/>
-                </a:solidFill>
+              <a:t>({...}, { </a:t>
+            </a:r>
+            <a:r>
+              <a:rPr lang="en-US" dirty="0" err="1">
+                <a:latin typeface="Consolas" panose="020B0609020204030204" pitchFamily="49" charset="0"/>
               </a:rPr>
-              <a:t>Selectors</a:t>
-            </a:r>
-            <a:r>
-              <a:rPr lang="en-US" sz="2600" dirty="0" smtClean="0"/>
-              <a:t>: State </a:t>
-            </a:r>
-            <a:r>
-              <a:rPr lang="en-US" sz="2600" dirty="0"/>
-              <a:t>is accessed within the Store using </a:t>
-            </a:r>
-            <a:r>
-              <a:rPr lang="en-US" sz="2600" b="1" dirty="0">
-                <a:solidFill>
-                  <a:srgbClr val="0070C0"/>
-                </a:solidFill>
+              <a:t>initialState</a:t>
+            </a:r>
+            <a:r>
+              <a:rPr lang="en-US" dirty="0">
+                <a:latin typeface="Consolas" panose="020B0609020204030204" pitchFamily="49" charset="0"/>
               </a:rPr>
-              <a:t>selector functions</a:t>
-            </a:r>
-            <a:r>
-              <a:rPr lang="en-US" sz="2600" dirty="0"/>
-              <a:t> (</a:t>
-            </a:r>
-            <a:r>
-              <a:rPr lang="en-US" sz="2600" i="1" dirty="0"/>
-              <a:t>pure functions</a:t>
-            </a:r>
-            <a:r>
-              <a:rPr lang="en-US" sz="2600" dirty="0"/>
-              <a:t>) that return an </a:t>
-            </a:r>
-            <a:r>
-              <a:rPr lang="en-US" sz="2600" dirty="0">
-                <a:solidFill>
-                  <a:srgbClr val="0070C0"/>
-                </a:solidFill>
+              <a:t>: {...} </a:t>
+            </a:r>
+            <a:r>
+              <a:rPr lang="en-US" dirty="0" smtClean="0">
+                <a:latin typeface="Consolas" panose="020B0609020204030204" pitchFamily="49" charset="0"/>
               </a:rPr>
-              <a:t>observable</a:t>
-            </a:r>
-            <a:r>
-              <a:rPr lang="en-US" sz="2600" dirty="0"/>
-              <a:t> of a slice of the state</a:t>
-            </a:r>
-            <a:r>
-              <a:rPr lang="en-US" sz="2600" dirty="0" smtClean="0"/>
-              <a:t>.</a:t>
-            </a:r>
-            <a:endParaRPr lang="it-IT" dirty="0"/>
+              <a:t>});</a:t>
+            </a:r>
+            <a:endParaRPr lang="it-IT" dirty="0">
+              <a:latin typeface="Consolas" panose="020B0609020204030204" pitchFamily="49" charset="0"/>
+            </a:endParaRPr>
           </a:p>
         </p:txBody>
       </p:sp>
     </p:spTree>
     <p:extLst>
       <p:ext uri="{BB962C8B-B14F-4D97-AF65-F5344CB8AC3E}">
-        <p14:creationId xmlns:p14="http://schemas.microsoft.com/office/powerpoint/2010/main" val="2676550951"/>
+        <p14:creationId xmlns:p14="http://schemas.microsoft.com/office/powerpoint/2010/main" val="1083040285"/>
+      </p:ext>
+    </p:extLst>
+  </p:cSld>
+  <p:clrMapOvr>
+    <a:masterClrMapping/>
+  </p:clrMapOvr>
+  <p:timing>
+    <p:tnLst>
+      <p:par>
+        <p:cTn id="1" dur="indefinite" restart="never" nodeType="tmRoot"/>
+      </p:par>
+    </p:tnLst>
+  </p:timing>
+</p:sld>
+</file>
+
+<file path=ppt/slides/slide11.xml><?xml version="1.0" encoding="utf-8"?>
+<p:sld xmlns:a="http://schemas.openxmlformats.org/drawingml/2006/main" xmlns:r="http://schemas.openxmlformats.org/officeDocument/2006/relationships" xmlns:p="http://schemas.openxmlformats.org/presentationml/2006/main">
+  <p:cSld>
+    <p:spTree>
+      <p:nvGrpSpPr>
+        <p:cNvPr id="1" name=""/>
+        <p:cNvGrpSpPr/>
+        <p:nvPr/>
+      </p:nvGrpSpPr>
+      <p:grpSpPr>
+        <a:xfrm>
+          <a:off x="0" y="0"/>
+          <a:ext cx="0" cy="0"/>
+          <a:chOff x="0" y="0"/>
+          <a:chExt cx="0" cy="0"/>
+        </a:xfrm>
+      </p:grpSpPr>
+      <p:sp>
+        <p:nvSpPr>
+          <p:cNvPr id="2" name="Titolo 1"/>
+          <p:cNvSpPr>
+            <a:spLocks noGrp="1"/>
+          </p:cNvSpPr>
+          <p:nvPr>
+            <p:ph type="title"/>
+          </p:nvPr>
+        </p:nvSpPr>
+        <p:spPr/>
+        <p:txBody>
+          <a:bodyPr/>
+          <a:lstStyle/>
+          <a:p>
+            <a:r>
+              <a:rPr lang="it-IT" dirty="0" err="1" smtClean="0">
+                <a:solidFill>
+                  <a:srgbClr val="FF0000"/>
+                </a:solidFill>
+              </a:rPr>
+              <a:t>todo</a:t>
+            </a:r>
+            <a:endParaRPr lang="it-IT" dirty="0">
+              <a:solidFill>
+                <a:srgbClr val="FF0000"/>
+              </a:solidFill>
+            </a:endParaRPr>
+          </a:p>
+        </p:txBody>
+      </p:sp>
+      <p:sp>
+        <p:nvSpPr>
+          <p:cNvPr id="3" name="Segnaposto contenuto 2"/>
+          <p:cNvSpPr>
+            <a:spLocks noGrp="1"/>
+          </p:cNvSpPr>
+          <p:nvPr>
+            <p:ph idx="1"/>
+          </p:nvPr>
+        </p:nvSpPr>
+        <p:spPr/>
+        <p:txBody>
+          <a:bodyPr/>
+          <a:lstStyle/>
+          <a:p>
+            <a:endParaRPr lang="it-IT" dirty="0"/>
+          </a:p>
+        </p:txBody>
+      </p:sp>
+    </p:spTree>
+    <p:extLst>
+      <p:ext uri="{BB962C8B-B14F-4D97-AF65-F5344CB8AC3E}">
+        <p14:creationId xmlns:p14="http://schemas.microsoft.com/office/powerpoint/2010/main" val="2839161472"/>
+      </p:ext>
+    </p:extLst>
+  </p:cSld>
+  <p:clrMapOvr>
+    <a:masterClrMapping/>
+  </p:clrMapOvr>
+  <p:timing>
+    <p:tnLst>
+      <p:par>
+        <p:cTn id="1" dur="indefinite" restart="never" nodeType="tmRoot"/>
+      </p:par>
+    </p:tnLst>
+  </p:timing>
+</p:sld>
+</file>
+
+<file path=ppt/slides/slide12.xml><?xml version="1.0" encoding="utf-8"?>
+<p:sld xmlns:a="http://schemas.openxmlformats.org/drawingml/2006/main" xmlns:r="http://schemas.openxmlformats.org/officeDocument/2006/relationships" xmlns:p="http://schemas.openxmlformats.org/presentationml/2006/main">
+  <p:cSld>
+    <p:spTree>
+      <p:nvGrpSpPr>
+        <p:cNvPr id="1" name=""/>
+        <p:cNvGrpSpPr/>
+        <p:nvPr/>
+      </p:nvGrpSpPr>
+      <p:grpSpPr>
+        <a:xfrm>
+          <a:off x="0" y="0"/>
+          <a:ext cx="0" cy="0"/>
+          <a:chOff x="0" y="0"/>
+          <a:chExt cx="0" cy="0"/>
+        </a:xfrm>
+      </p:grpSpPr>
+      <p:sp>
+        <p:nvSpPr>
+          <p:cNvPr id="124" name="Rettangolo 123"/>
+          <p:cNvSpPr/>
+          <p:nvPr/>
+        </p:nvSpPr>
+        <p:spPr>
+          <a:xfrm>
+            <a:off x="7202492" y="1892300"/>
+            <a:ext cx="3935408" cy="4178300"/>
+          </a:xfrm>
+          <a:prstGeom prst="rect">
+            <a:avLst/>
+          </a:prstGeom>
+          <a:noFill/>
+          <a:ln w="25400">
+            <a:solidFill>
+              <a:schemeClr val="bg1">
+                <a:lumMod val="50000"/>
+              </a:schemeClr>
+            </a:solidFill>
+            <a:prstDash val="dash"/>
+          </a:ln>
+        </p:spPr>
+        <p:style>
+          <a:lnRef idx="2">
+            <a:schemeClr val="accent1">
+              <a:shade val="50000"/>
+            </a:schemeClr>
+          </a:lnRef>
+          <a:fillRef idx="1">
+            <a:schemeClr val="accent1"/>
+          </a:fillRef>
+          <a:effectRef idx="0">
+            <a:schemeClr val="accent1"/>
+          </a:effectRef>
+          <a:fontRef idx="minor">
+            <a:schemeClr val="lt1"/>
+          </a:fontRef>
+        </p:style>
+        <p:txBody>
+          <a:bodyPr rtlCol="0" anchor="ctr"/>
+          <a:lstStyle/>
+          <a:p>
+            <a:pPr algn="ctr"/>
+            <a:endParaRPr lang="it-IT"/>
+          </a:p>
+        </p:txBody>
+      </p:sp>
+      <p:sp>
+        <p:nvSpPr>
+          <p:cNvPr id="2" name="Titolo 1"/>
+          <p:cNvSpPr>
+            <a:spLocks noGrp="1"/>
+          </p:cNvSpPr>
+          <p:nvPr>
+            <p:ph type="title"/>
+          </p:nvPr>
+        </p:nvSpPr>
+        <p:spPr/>
+        <p:txBody>
+          <a:bodyPr/>
+          <a:lstStyle/>
+          <a:p>
+            <a:r>
+              <a:rPr lang="it-IT" dirty="0" err="1" smtClean="0"/>
+              <a:t>NgRx</a:t>
+            </a:r>
+            <a:r>
+              <a:rPr lang="it-IT" dirty="0" smtClean="0"/>
+              <a:t> </a:t>
+            </a:r>
+            <a:r>
+              <a:rPr lang="it-IT" dirty="0" err="1" smtClean="0"/>
+              <a:t>Effects</a:t>
+            </a:r>
+            <a:r>
+              <a:rPr lang="it-IT" dirty="0" smtClean="0"/>
+              <a:t> - </a:t>
+            </a:r>
+            <a:r>
+              <a:rPr lang="it-IT" dirty="0" err="1" smtClean="0"/>
+              <a:t>Illustrated</a:t>
+            </a:r>
+            <a:endParaRPr lang="it-IT" dirty="0"/>
+          </a:p>
+        </p:txBody>
+      </p:sp>
+      <p:sp>
+        <p:nvSpPr>
+          <p:cNvPr id="3" name="Segnaposto contenuto 2"/>
+          <p:cNvSpPr>
+            <a:spLocks noGrp="1"/>
+          </p:cNvSpPr>
+          <p:nvPr>
+            <p:ph idx="1"/>
+          </p:nvPr>
+        </p:nvSpPr>
+        <p:spPr/>
+        <p:txBody>
+          <a:bodyPr/>
+          <a:lstStyle/>
+          <a:p>
+            <a:endParaRPr lang="it-IT" dirty="0"/>
+          </a:p>
+          <a:p>
+            <a:endParaRPr lang="it-IT" dirty="0"/>
+          </a:p>
+        </p:txBody>
+      </p:sp>
+      <p:sp>
+        <p:nvSpPr>
+          <p:cNvPr id="4" name="Rettangolo 3"/>
+          <p:cNvSpPr/>
+          <p:nvPr/>
+        </p:nvSpPr>
+        <p:spPr>
+          <a:xfrm>
+            <a:off x="1888380" y="2364303"/>
+            <a:ext cx="1689100" cy="552450"/>
+          </a:xfrm>
+          <a:prstGeom prst="rect">
+            <a:avLst/>
+          </a:prstGeom>
+        </p:spPr>
+        <p:style>
+          <a:lnRef idx="2">
+            <a:schemeClr val="accent1">
+              <a:shade val="50000"/>
+            </a:schemeClr>
+          </a:lnRef>
+          <a:fillRef idx="1">
+            <a:schemeClr val="accent1"/>
+          </a:fillRef>
+          <a:effectRef idx="0">
+            <a:schemeClr val="accent1"/>
+          </a:effectRef>
+          <a:fontRef idx="minor">
+            <a:schemeClr val="lt1"/>
+          </a:fontRef>
+        </p:style>
+        <p:txBody>
+          <a:bodyPr rtlCol="0" anchor="ctr"/>
+          <a:lstStyle/>
+          <a:p>
+            <a:pPr algn="ctr"/>
+            <a:r>
+              <a:rPr lang="it-IT" dirty="0" err="1" smtClean="0"/>
+              <a:t>View</a:t>
+            </a:r>
+            <a:r>
+              <a:rPr lang="it-IT" dirty="0" smtClean="0"/>
+              <a:t> (UI)</a:t>
+            </a:r>
+            <a:endParaRPr lang="it-IT" dirty="0"/>
+          </a:p>
+        </p:txBody>
+      </p:sp>
+      <p:sp>
+        <p:nvSpPr>
+          <p:cNvPr id="5" name="Rettangolo 4"/>
+          <p:cNvSpPr/>
+          <p:nvPr/>
+        </p:nvSpPr>
+        <p:spPr>
+          <a:xfrm>
+            <a:off x="1888380" y="3815237"/>
+            <a:ext cx="1689100" cy="552450"/>
+          </a:xfrm>
+          <a:prstGeom prst="rect">
+            <a:avLst/>
+          </a:prstGeom>
+        </p:spPr>
+        <p:style>
+          <a:lnRef idx="2">
+            <a:schemeClr val="accent1">
+              <a:shade val="50000"/>
+            </a:schemeClr>
+          </a:lnRef>
+          <a:fillRef idx="1">
+            <a:schemeClr val="accent1"/>
+          </a:fillRef>
+          <a:effectRef idx="0">
+            <a:schemeClr val="accent1"/>
+          </a:effectRef>
+          <a:fontRef idx="minor">
+            <a:schemeClr val="lt1"/>
+          </a:fontRef>
+        </p:style>
+        <p:txBody>
+          <a:bodyPr rtlCol="0" anchor="ctr"/>
+          <a:lstStyle/>
+          <a:p>
+            <a:pPr algn="ctr"/>
+            <a:r>
+              <a:rPr lang="it-IT" dirty="0"/>
+              <a:t>C</a:t>
+            </a:r>
+            <a:r>
+              <a:rPr lang="it-IT" dirty="0" smtClean="0"/>
+              <a:t>omponent</a:t>
+            </a:r>
+            <a:endParaRPr lang="it-IT" dirty="0"/>
+          </a:p>
+        </p:txBody>
+      </p:sp>
+      <p:sp>
+        <p:nvSpPr>
+          <p:cNvPr id="9" name="CasellaDiTesto 8"/>
+          <p:cNvSpPr txBox="1"/>
+          <p:nvPr/>
+        </p:nvSpPr>
+        <p:spPr>
+          <a:xfrm>
+            <a:off x="1424830" y="3192441"/>
+            <a:ext cx="705514" cy="369332"/>
+          </a:xfrm>
+          <a:prstGeom prst="rect">
+            <a:avLst/>
+          </a:prstGeom>
+          <a:noFill/>
+        </p:spPr>
+        <p:txBody>
+          <a:bodyPr wrap="none" rtlCol="0">
+            <a:spAutoFit/>
+          </a:bodyPr>
+          <a:lstStyle/>
+          <a:p>
+            <a:r>
+              <a:rPr lang="it-IT" dirty="0" err="1" smtClean="0"/>
+              <a:t>Event</a:t>
+            </a:r>
+            <a:endParaRPr lang="it-IT" dirty="0"/>
+          </a:p>
+        </p:txBody>
+      </p:sp>
+      <p:sp>
+        <p:nvSpPr>
+          <p:cNvPr id="12" name="Rettangolo 11"/>
+          <p:cNvSpPr/>
+          <p:nvPr/>
+        </p:nvSpPr>
+        <p:spPr>
+          <a:xfrm>
+            <a:off x="1888380" y="5237678"/>
+            <a:ext cx="1689100" cy="552450"/>
+          </a:xfrm>
+          <a:prstGeom prst="rect">
+            <a:avLst/>
+          </a:prstGeom>
+          <a:solidFill>
+            <a:srgbClr val="FFC000"/>
+          </a:solidFill>
+          <a:ln>
+            <a:solidFill>
+              <a:srgbClr val="FF9933"/>
+            </a:solidFill>
+          </a:ln>
+        </p:spPr>
+        <p:style>
+          <a:lnRef idx="2">
+            <a:schemeClr val="accent1">
+              <a:shade val="50000"/>
+            </a:schemeClr>
+          </a:lnRef>
+          <a:fillRef idx="1">
+            <a:schemeClr val="accent1"/>
+          </a:fillRef>
+          <a:effectRef idx="0">
+            <a:schemeClr val="accent1"/>
+          </a:effectRef>
+          <a:fontRef idx="minor">
+            <a:schemeClr val="lt1"/>
+          </a:fontRef>
+        </p:style>
+        <p:txBody>
+          <a:bodyPr rtlCol="0" anchor="ctr"/>
+          <a:lstStyle/>
+          <a:p>
+            <a:pPr algn="ctr"/>
+            <a:r>
+              <a:rPr lang="it-IT" dirty="0" smtClean="0"/>
+              <a:t>Action</a:t>
+            </a:r>
+            <a:endParaRPr lang="it-IT" dirty="0"/>
+          </a:p>
+        </p:txBody>
+      </p:sp>
+      <p:sp>
+        <p:nvSpPr>
+          <p:cNvPr id="15" name="Rettangolo 14"/>
+          <p:cNvSpPr/>
+          <p:nvPr/>
+        </p:nvSpPr>
+        <p:spPr>
+          <a:xfrm>
+            <a:off x="7494286" y="4091461"/>
+            <a:ext cx="1579864" cy="352135"/>
+          </a:xfrm>
+          <a:prstGeom prst="rect">
+            <a:avLst/>
+          </a:prstGeom>
+          <a:solidFill>
+            <a:srgbClr val="7030A0"/>
+          </a:solidFill>
+          <a:ln>
+            <a:solidFill>
+              <a:schemeClr val="tx1"/>
+            </a:solidFill>
+          </a:ln>
+        </p:spPr>
+        <p:style>
+          <a:lnRef idx="2">
+            <a:schemeClr val="accent5">
+              <a:shade val="50000"/>
+            </a:schemeClr>
+          </a:lnRef>
+          <a:fillRef idx="1">
+            <a:schemeClr val="accent5"/>
+          </a:fillRef>
+          <a:effectRef idx="0">
+            <a:schemeClr val="accent5"/>
+          </a:effectRef>
+          <a:fontRef idx="minor">
+            <a:schemeClr val="lt1"/>
+          </a:fontRef>
+        </p:style>
+        <p:txBody>
+          <a:bodyPr rtlCol="0" anchor="ctr"/>
+          <a:lstStyle/>
+          <a:p>
+            <a:pPr algn="ctr"/>
+            <a:r>
+              <a:rPr lang="it-IT" dirty="0" err="1" smtClean="0"/>
+              <a:t>Reducer</a:t>
+            </a:r>
+            <a:r>
+              <a:rPr lang="it-IT" dirty="0" smtClean="0"/>
+              <a:t>(s)</a:t>
+            </a:r>
+            <a:endParaRPr lang="it-IT" dirty="0"/>
+          </a:p>
+        </p:txBody>
+      </p:sp>
+      <p:sp>
+        <p:nvSpPr>
+          <p:cNvPr id="20" name="CasellaDiTesto 19"/>
+          <p:cNvSpPr txBox="1"/>
+          <p:nvPr/>
+        </p:nvSpPr>
+        <p:spPr>
+          <a:xfrm>
+            <a:off x="1424830" y="4618676"/>
+            <a:ext cx="1745542" cy="369332"/>
+          </a:xfrm>
+          <a:prstGeom prst="rect">
+            <a:avLst/>
+          </a:prstGeom>
+          <a:noFill/>
+        </p:spPr>
+        <p:txBody>
+          <a:bodyPr wrap="none" rtlCol="0">
+            <a:spAutoFit/>
+          </a:bodyPr>
+          <a:lstStyle/>
+          <a:p>
+            <a:r>
+              <a:rPr lang="it-IT" dirty="0" err="1" smtClean="0"/>
+              <a:t>Convert</a:t>
+            </a:r>
+            <a:r>
+              <a:rPr lang="it-IT" dirty="0" smtClean="0"/>
+              <a:t> </a:t>
+            </a:r>
+            <a:r>
+              <a:rPr lang="it-IT" dirty="0" err="1" smtClean="0"/>
+              <a:t>Event</a:t>
+            </a:r>
+            <a:r>
+              <a:rPr lang="it-IT" dirty="0" smtClean="0"/>
+              <a:t> to</a:t>
+            </a:r>
+            <a:endParaRPr lang="it-IT" dirty="0"/>
+          </a:p>
+        </p:txBody>
+      </p:sp>
+      <p:sp>
+        <p:nvSpPr>
+          <p:cNvPr id="23" name="CasellaDiTesto 22"/>
+          <p:cNvSpPr txBox="1"/>
+          <p:nvPr/>
+        </p:nvSpPr>
+        <p:spPr>
+          <a:xfrm>
+            <a:off x="8332486" y="3658403"/>
+            <a:ext cx="662938" cy="369332"/>
+          </a:xfrm>
+          <a:prstGeom prst="rect">
+            <a:avLst/>
+          </a:prstGeom>
+          <a:noFill/>
+        </p:spPr>
+        <p:txBody>
+          <a:bodyPr wrap="none" rtlCol="0">
+            <a:spAutoFit/>
+          </a:bodyPr>
+          <a:lstStyle/>
+          <a:p>
+            <a:r>
+              <a:rPr lang="it-IT" dirty="0" smtClean="0"/>
+              <a:t>State</a:t>
+            </a:r>
+            <a:endParaRPr lang="it-IT" dirty="0"/>
+          </a:p>
+        </p:txBody>
+      </p:sp>
+      <p:sp>
+        <p:nvSpPr>
+          <p:cNvPr id="26" name="Rettangolo 25"/>
+          <p:cNvSpPr/>
+          <p:nvPr/>
+        </p:nvSpPr>
+        <p:spPr>
+          <a:xfrm>
+            <a:off x="7494286" y="3040949"/>
+            <a:ext cx="1579864" cy="541028"/>
+          </a:xfrm>
+          <a:prstGeom prst="rect">
+            <a:avLst/>
+          </a:prstGeom>
+          <a:solidFill>
+            <a:srgbClr val="7030A0"/>
+          </a:solidFill>
+          <a:ln>
+            <a:solidFill>
+              <a:schemeClr val="tx1"/>
+            </a:solidFill>
+          </a:ln>
+        </p:spPr>
+        <p:style>
+          <a:lnRef idx="2">
+            <a:schemeClr val="accent5">
+              <a:shade val="50000"/>
+            </a:schemeClr>
+          </a:lnRef>
+          <a:fillRef idx="1">
+            <a:schemeClr val="accent5"/>
+          </a:fillRef>
+          <a:effectRef idx="0">
+            <a:schemeClr val="accent5"/>
+          </a:effectRef>
+          <a:fontRef idx="minor">
+            <a:schemeClr val="lt1"/>
+          </a:fontRef>
+        </p:style>
+        <p:txBody>
+          <a:bodyPr rtlCol="0" anchor="ctr"/>
+          <a:lstStyle/>
+          <a:p>
+            <a:pPr algn="ctr"/>
+            <a:r>
+              <a:rPr lang="it-IT" dirty="0" err="1" smtClean="0"/>
+              <a:t>Store</a:t>
+            </a:r>
+            <a:endParaRPr lang="it-IT" dirty="0"/>
+          </a:p>
+          <a:p>
+            <a:pPr algn="ctr"/>
+            <a:r>
+              <a:rPr lang="it-IT" dirty="0" smtClean="0"/>
+              <a:t>(State)</a:t>
+            </a:r>
+            <a:endParaRPr lang="it-IT" dirty="0"/>
+          </a:p>
+        </p:txBody>
+      </p:sp>
+      <p:sp>
+        <p:nvSpPr>
+          <p:cNvPr id="32" name="CasellaDiTesto 31"/>
+          <p:cNvSpPr txBox="1"/>
+          <p:nvPr/>
+        </p:nvSpPr>
+        <p:spPr>
+          <a:xfrm>
+            <a:off x="9365606" y="3055521"/>
+            <a:ext cx="1144288" cy="369332"/>
+          </a:xfrm>
+          <a:prstGeom prst="rect">
+            <a:avLst/>
+          </a:prstGeom>
+          <a:noFill/>
+        </p:spPr>
+        <p:txBody>
+          <a:bodyPr wrap="none" rtlCol="0">
+            <a:spAutoFit/>
+          </a:bodyPr>
+          <a:lstStyle/>
+          <a:p>
+            <a:r>
+              <a:rPr lang="it-IT" dirty="0" smtClean="0"/>
+              <a:t>New State</a:t>
+            </a:r>
+            <a:endParaRPr lang="it-IT" dirty="0"/>
+          </a:p>
+        </p:txBody>
+      </p:sp>
+      <p:sp>
+        <p:nvSpPr>
+          <p:cNvPr id="33" name="CasellaDiTesto 32"/>
+          <p:cNvSpPr txBox="1"/>
+          <p:nvPr/>
+        </p:nvSpPr>
+        <p:spPr>
+          <a:xfrm>
+            <a:off x="5641695" y="4966174"/>
+            <a:ext cx="994055" cy="369332"/>
+          </a:xfrm>
+          <a:prstGeom prst="rect">
+            <a:avLst/>
+          </a:prstGeom>
+          <a:noFill/>
+        </p:spPr>
+        <p:txBody>
+          <a:bodyPr wrap="none" rtlCol="0">
+            <a:spAutoFit/>
+          </a:bodyPr>
+          <a:lstStyle/>
+          <a:p>
+            <a:r>
+              <a:rPr lang="it-IT" dirty="0" err="1" smtClean="0"/>
+              <a:t>Dispatch</a:t>
+            </a:r>
+            <a:endParaRPr lang="it-IT" dirty="0"/>
+          </a:p>
+        </p:txBody>
+      </p:sp>
+      <p:sp>
+        <p:nvSpPr>
+          <p:cNvPr id="34" name="Rettangolo 33"/>
+          <p:cNvSpPr/>
+          <p:nvPr/>
+        </p:nvSpPr>
+        <p:spPr>
+          <a:xfrm>
+            <a:off x="7475236" y="2143640"/>
+            <a:ext cx="1579864" cy="352135"/>
+          </a:xfrm>
+          <a:prstGeom prst="rect">
+            <a:avLst/>
+          </a:prstGeom>
+          <a:solidFill>
+            <a:srgbClr val="7030A0"/>
+          </a:solidFill>
+          <a:ln>
+            <a:solidFill>
+              <a:schemeClr val="tx1"/>
+            </a:solidFill>
+          </a:ln>
+        </p:spPr>
+        <p:style>
+          <a:lnRef idx="2">
+            <a:schemeClr val="accent5">
+              <a:shade val="50000"/>
+            </a:schemeClr>
+          </a:lnRef>
+          <a:fillRef idx="1">
+            <a:schemeClr val="accent5"/>
+          </a:fillRef>
+          <a:effectRef idx="0">
+            <a:schemeClr val="accent5"/>
+          </a:effectRef>
+          <a:fontRef idx="minor">
+            <a:schemeClr val="lt1"/>
+          </a:fontRef>
+        </p:style>
+        <p:txBody>
+          <a:bodyPr rtlCol="0" anchor="ctr"/>
+          <a:lstStyle/>
+          <a:p>
+            <a:pPr algn="ctr"/>
+            <a:r>
+              <a:rPr lang="it-IT" dirty="0" err="1" smtClean="0"/>
+              <a:t>Selector</a:t>
+            </a:r>
+            <a:r>
+              <a:rPr lang="it-IT" dirty="0" smtClean="0"/>
+              <a:t>(s)</a:t>
+            </a:r>
+            <a:endParaRPr lang="it-IT" dirty="0"/>
+          </a:p>
+        </p:txBody>
+      </p:sp>
+      <p:sp>
+        <p:nvSpPr>
+          <p:cNvPr id="42" name="CasellaDiTesto 41"/>
+          <p:cNvSpPr txBox="1"/>
+          <p:nvPr/>
+        </p:nvSpPr>
+        <p:spPr>
+          <a:xfrm>
+            <a:off x="5721350" y="3055521"/>
+            <a:ext cx="1385892" cy="369332"/>
+          </a:xfrm>
+          <a:prstGeom prst="rect">
+            <a:avLst/>
+          </a:prstGeom>
+          <a:noFill/>
+        </p:spPr>
+        <p:txBody>
+          <a:bodyPr wrap="none" rtlCol="0">
+            <a:spAutoFit/>
+          </a:bodyPr>
+          <a:lstStyle/>
+          <a:p>
+            <a:r>
+              <a:rPr lang="it-IT" dirty="0" err="1" smtClean="0"/>
+              <a:t>Slice</a:t>
+            </a:r>
+            <a:r>
+              <a:rPr lang="it-IT" dirty="0" smtClean="0"/>
+              <a:t> of State</a:t>
+            </a:r>
+            <a:endParaRPr lang="it-IT" dirty="0"/>
+          </a:p>
+        </p:txBody>
+      </p:sp>
+      <p:cxnSp>
+        <p:nvCxnSpPr>
+          <p:cNvPr id="79" name="Connettore 7 78"/>
+          <p:cNvCxnSpPr>
+            <a:stCxn id="4" idx="1"/>
+            <a:endCxn id="5" idx="1"/>
+          </p:cNvCxnSpPr>
+          <p:nvPr/>
+        </p:nvCxnSpPr>
+        <p:spPr>
+          <a:xfrm rot="10800000" flipV="1">
+            <a:off x="1888380" y="2640528"/>
+            <a:ext cx="12700" cy="1450934"/>
+          </a:xfrm>
+          <a:prstGeom prst="curvedConnector3">
+            <a:avLst>
+              <a:gd name="adj1" fmla="val 4850000"/>
+            </a:avLst>
+          </a:prstGeom>
+          <a:ln w="25400" cmpd="sng">
+            <a:solidFill>
+              <a:schemeClr val="tx1"/>
+            </a:solidFill>
+            <a:prstDash val="dash"/>
+            <a:tailEnd type="arrow"/>
+          </a:ln>
+        </p:spPr>
+        <p:style>
+          <a:lnRef idx="1">
+            <a:schemeClr val="accent1"/>
+          </a:lnRef>
+          <a:fillRef idx="0">
+            <a:schemeClr val="accent1"/>
+          </a:fillRef>
+          <a:effectRef idx="0">
+            <a:schemeClr val="accent1"/>
+          </a:effectRef>
+          <a:fontRef idx="minor">
+            <a:schemeClr val="tx1"/>
+          </a:fontRef>
+        </p:style>
+      </p:cxnSp>
+      <p:cxnSp>
+        <p:nvCxnSpPr>
+          <p:cNvPr id="85" name="Connettore 7 84"/>
+          <p:cNvCxnSpPr>
+            <a:stCxn id="5" idx="1"/>
+            <a:endCxn id="12" idx="1"/>
+          </p:cNvCxnSpPr>
+          <p:nvPr/>
+        </p:nvCxnSpPr>
+        <p:spPr>
+          <a:xfrm rot="10800000" flipV="1">
+            <a:off x="1888380" y="4091461"/>
+            <a:ext cx="12700" cy="1422441"/>
+          </a:xfrm>
+          <a:prstGeom prst="curvedConnector3">
+            <a:avLst>
+              <a:gd name="adj1" fmla="val 4950000"/>
+            </a:avLst>
+          </a:prstGeom>
+          <a:ln w="25400" cmpd="sng">
+            <a:solidFill>
+              <a:schemeClr val="tx1"/>
+            </a:solidFill>
+            <a:prstDash val="dash"/>
+            <a:tailEnd type="arrow"/>
+          </a:ln>
+        </p:spPr>
+        <p:style>
+          <a:lnRef idx="1">
+            <a:schemeClr val="accent1"/>
+          </a:lnRef>
+          <a:fillRef idx="0">
+            <a:schemeClr val="accent1"/>
+          </a:fillRef>
+          <a:effectRef idx="0">
+            <a:schemeClr val="accent1"/>
+          </a:effectRef>
+          <a:fontRef idx="minor">
+            <a:schemeClr val="tx1"/>
+          </a:fontRef>
+        </p:style>
+      </p:cxnSp>
+      <p:cxnSp>
+        <p:nvCxnSpPr>
+          <p:cNvPr id="89" name="Connettore 7 88"/>
+          <p:cNvCxnSpPr>
+            <a:stCxn id="12" idx="3"/>
+            <a:endCxn id="15" idx="1"/>
+          </p:cNvCxnSpPr>
+          <p:nvPr/>
+        </p:nvCxnSpPr>
+        <p:spPr>
+          <a:xfrm flipV="1">
+            <a:off x="3577480" y="4267529"/>
+            <a:ext cx="3916806" cy="1246374"/>
+          </a:xfrm>
+          <a:prstGeom prst="curvedConnector3">
+            <a:avLst>
+              <a:gd name="adj1" fmla="val 50000"/>
+            </a:avLst>
+          </a:prstGeom>
+          <a:ln w="25400" cmpd="sng">
+            <a:solidFill>
+              <a:schemeClr val="tx1"/>
+            </a:solidFill>
+            <a:prstDash val="dash"/>
+            <a:tailEnd type="arrow"/>
+          </a:ln>
+        </p:spPr>
+        <p:style>
+          <a:lnRef idx="1">
+            <a:schemeClr val="accent1"/>
+          </a:lnRef>
+          <a:fillRef idx="0">
+            <a:schemeClr val="accent1"/>
+          </a:fillRef>
+          <a:effectRef idx="0">
+            <a:schemeClr val="accent1"/>
+          </a:effectRef>
+          <a:fontRef idx="minor">
+            <a:schemeClr val="tx1"/>
+          </a:fontRef>
+        </p:style>
+      </p:cxnSp>
+      <p:cxnSp>
+        <p:nvCxnSpPr>
+          <p:cNvPr id="92" name="Connettore 7 91"/>
+          <p:cNvCxnSpPr>
+            <a:stCxn id="26" idx="2"/>
+            <a:endCxn id="15" idx="0"/>
+          </p:cNvCxnSpPr>
+          <p:nvPr/>
+        </p:nvCxnSpPr>
+        <p:spPr>
+          <a:xfrm rot="5400000">
+            <a:off x="8029476" y="3836719"/>
+            <a:ext cx="509484" cy="12700"/>
+          </a:xfrm>
+          <a:prstGeom prst="curvedConnector3">
+            <a:avLst>
+              <a:gd name="adj1" fmla="val 50000"/>
+            </a:avLst>
+          </a:prstGeom>
+          <a:ln w="25400" cmpd="sng">
+            <a:solidFill>
+              <a:schemeClr val="tx1"/>
+            </a:solidFill>
+            <a:prstDash val="dash"/>
+            <a:tailEnd type="arrow"/>
+          </a:ln>
+        </p:spPr>
+        <p:style>
+          <a:lnRef idx="1">
+            <a:schemeClr val="accent1"/>
+          </a:lnRef>
+          <a:fillRef idx="0">
+            <a:schemeClr val="accent1"/>
+          </a:fillRef>
+          <a:effectRef idx="0">
+            <a:schemeClr val="accent1"/>
+          </a:effectRef>
+          <a:fontRef idx="minor">
+            <a:schemeClr val="tx1"/>
+          </a:fontRef>
+        </p:style>
+      </p:cxnSp>
+      <p:cxnSp>
+        <p:nvCxnSpPr>
+          <p:cNvPr id="95" name="Connettore 7 94"/>
+          <p:cNvCxnSpPr>
+            <a:stCxn id="15" idx="3"/>
+            <a:endCxn id="26" idx="3"/>
+          </p:cNvCxnSpPr>
+          <p:nvPr/>
+        </p:nvCxnSpPr>
+        <p:spPr>
+          <a:xfrm flipV="1">
+            <a:off x="9074150" y="3311463"/>
+            <a:ext cx="12700" cy="956066"/>
+          </a:xfrm>
+          <a:prstGeom prst="curvedConnector3">
+            <a:avLst>
+              <a:gd name="adj1" fmla="val 2650000"/>
+            </a:avLst>
+          </a:prstGeom>
+          <a:ln w="25400" cmpd="sng">
+            <a:solidFill>
+              <a:schemeClr val="tx1"/>
+            </a:solidFill>
+            <a:prstDash val="dash"/>
+            <a:tailEnd type="arrow"/>
+          </a:ln>
+        </p:spPr>
+        <p:style>
+          <a:lnRef idx="1">
+            <a:schemeClr val="accent1"/>
+          </a:lnRef>
+          <a:fillRef idx="0">
+            <a:schemeClr val="accent1"/>
+          </a:fillRef>
+          <a:effectRef idx="0">
+            <a:schemeClr val="accent1"/>
+          </a:effectRef>
+          <a:fontRef idx="minor">
+            <a:schemeClr val="tx1"/>
+          </a:fontRef>
+        </p:style>
+      </p:cxnSp>
+      <p:cxnSp>
+        <p:nvCxnSpPr>
+          <p:cNvPr id="101" name="Connettore 7 100"/>
+          <p:cNvCxnSpPr>
+            <a:stCxn id="26" idx="0"/>
+            <a:endCxn id="34" idx="2"/>
+          </p:cNvCxnSpPr>
+          <p:nvPr/>
+        </p:nvCxnSpPr>
+        <p:spPr>
+          <a:xfrm rot="16200000" flipV="1">
+            <a:off x="8002106" y="2758837"/>
+            <a:ext cx="545174" cy="19050"/>
+          </a:xfrm>
+          <a:prstGeom prst="curvedConnector3">
+            <a:avLst>
+              <a:gd name="adj1" fmla="val 50000"/>
+            </a:avLst>
+          </a:prstGeom>
+          <a:ln w="25400" cmpd="sng">
+            <a:solidFill>
+              <a:schemeClr val="tx1"/>
+            </a:solidFill>
+            <a:prstDash val="dash"/>
+            <a:tailEnd type="arrow"/>
+          </a:ln>
+        </p:spPr>
+        <p:style>
+          <a:lnRef idx="1">
+            <a:schemeClr val="accent1"/>
+          </a:lnRef>
+          <a:fillRef idx="0">
+            <a:schemeClr val="accent1"/>
+          </a:fillRef>
+          <a:effectRef idx="0">
+            <a:schemeClr val="accent1"/>
+          </a:effectRef>
+          <a:fontRef idx="minor">
+            <a:schemeClr val="tx1"/>
+          </a:fontRef>
+        </p:style>
+      </p:cxnSp>
+      <p:cxnSp>
+        <p:nvCxnSpPr>
+          <p:cNvPr id="115" name="Connettore 7 114"/>
+          <p:cNvCxnSpPr>
+            <a:stCxn id="34" idx="1"/>
+            <a:endCxn id="5" idx="3"/>
+          </p:cNvCxnSpPr>
+          <p:nvPr/>
+        </p:nvCxnSpPr>
+        <p:spPr>
+          <a:xfrm rot="10800000" flipV="1">
+            <a:off x="3577480" y="2319708"/>
+            <a:ext cx="3897756" cy="1771754"/>
+          </a:xfrm>
+          <a:prstGeom prst="curvedConnector3">
+            <a:avLst>
+              <a:gd name="adj1" fmla="val 50000"/>
+            </a:avLst>
+          </a:prstGeom>
+          <a:ln w="25400" cmpd="sng">
+            <a:solidFill>
+              <a:schemeClr val="tx1"/>
+            </a:solidFill>
+            <a:prstDash val="dash"/>
+            <a:tailEnd type="arrow"/>
+          </a:ln>
+        </p:spPr>
+        <p:style>
+          <a:lnRef idx="1">
+            <a:schemeClr val="accent1"/>
+          </a:lnRef>
+          <a:fillRef idx="0">
+            <a:schemeClr val="accent1"/>
+          </a:fillRef>
+          <a:effectRef idx="0">
+            <a:schemeClr val="accent1"/>
+          </a:effectRef>
+          <a:fontRef idx="minor">
+            <a:schemeClr val="tx1"/>
+          </a:fontRef>
+        </p:style>
+      </p:cxnSp>
+      <p:sp>
+        <p:nvSpPr>
+          <p:cNvPr id="118" name="CasellaDiTesto 117"/>
+          <p:cNvSpPr txBox="1"/>
+          <p:nvPr/>
+        </p:nvSpPr>
+        <p:spPr>
+          <a:xfrm>
+            <a:off x="8350268" y="2686189"/>
+            <a:ext cx="1144288" cy="369332"/>
+          </a:xfrm>
+          <a:prstGeom prst="rect">
+            <a:avLst/>
+          </a:prstGeom>
+          <a:noFill/>
+        </p:spPr>
+        <p:txBody>
+          <a:bodyPr wrap="none" rtlCol="0">
+            <a:spAutoFit/>
+          </a:bodyPr>
+          <a:lstStyle/>
+          <a:p>
+            <a:r>
+              <a:rPr lang="it-IT" dirty="0" smtClean="0"/>
+              <a:t>New State</a:t>
+            </a:r>
+            <a:endParaRPr lang="it-IT" dirty="0"/>
+          </a:p>
+        </p:txBody>
+      </p:sp>
+      <p:cxnSp>
+        <p:nvCxnSpPr>
+          <p:cNvPr id="120" name="Connettore 7 119"/>
+          <p:cNvCxnSpPr>
+            <a:stCxn id="5" idx="0"/>
+            <a:endCxn id="4" idx="2"/>
+          </p:cNvCxnSpPr>
+          <p:nvPr/>
+        </p:nvCxnSpPr>
+        <p:spPr>
+          <a:xfrm rot="5400000" flipH="1" flipV="1">
+            <a:off x="2283688" y="3365995"/>
+            <a:ext cx="898484" cy="12700"/>
+          </a:xfrm>
+          <a:prstGeom prst="curvedConnector3">
+            <a:avLst>
+              <a:gd name="adj1" fmla="val 50000"/>
+            </a:avLst>
+          </a:prstGeom>
+          <a:ln w="25400" cmpd="sng">
+            <a:solidFill>
+              <a:schemeClr val="tx1"/>
+            </a:solidFill>
+            <a:prstDash val="dash"/>
+            <a:tailEnd type="arrow"/>
+          </a:ln>
+        </p:spPr>
+        <p:style>
+          <a:lnRef idx="1">
+            <a:schemeClr val="accent1"/>
+          </a:lnRef>
+          <a:fillRef idx="0">
+            <a:schemeClr val="accent1"/>
+          </a:fillRef>
+          <a:effectRef idx="0">
+            <a:schemeClr val="accent1"/>
+          </a:effectRef>
+          <a:fontRef idx="minor">
+            <a:schemeClr val="tx1"/>
+          </a:fontRef>
+        </p:style>
+      </p:cxnSp>
+      <p:sp>
+        <p:nvSpPr>
+          <p:cNvPr id="123" name="CasellaDiTesto 122"/>
+          <p:cNvSpPr txBox="1"/>
+          <p:nvPr/>
+        </p:nvSpPr>
+        <p:spPr>
+          <a:xfrm>
+            <a:off x="2785112" y="3212645"/>
+            <a:ext cx="1385892" cy="369332"/>
+          </a:xfrm>
+          <a:prstGeom prst="rect">
+            <a:avLst/>
+          </a:prstGeom>
+          <a:noFill/>
+        </p:spPr>
+        <p:txBody>
+          <a:bodyPr wrap="none" rtlCol="0">
+            <a:spAutoFit/>
+          </a:bodyPr>
+          <a:lstStyle/>
+          <a:p>
+            <a:r>
+              <a:rPr lang="it-IT" dirty="0" err="1" smtClean="0"/>
+              <a:t>Slice</a:t>
+            </a:r>
+            <a:r>
+              <a:rPr lang="it-IT" dirty="0" smtClean="0"/>
+              <a:t> of State</a:t>
+            </a:r>
+            <a:endParaRPr lang="it-IT" dirty="0"/>
+          </a:p>
+        </p:txBody>
+      </p:sp>
+      <p:sp>
+        <p:nvSpPr>
+          <p:cNvPr id="125" name="CasellaDiTesto 124"/>
+          <p:cNvSpPr txBox="1"/>
+          <p:nvPr/>
+        </p:nvSpPr>
+        <p:spPr>
+          <a:xfrm>
+            <a:off x="9816290" y="1988621"/>
+            <a:ext cx="1214948" cy="369332"/>
+          </a:xfrm>
+          <a:prstGeom prst="rect">
+            <a:avLst/>
+          </a:prstGeom>
+          <a:noFill/>
+        </p:spPr>
+        <p:txBody>
+          <a:bodyPr wrap="none" rtlCol="0">
+            <a:spAutoFit/>
+          </a:bodyPr>
+          <a:lstStyle/>
+          <a:p>
+            <a:r>
+              <a:rPr lang="it-IT" dirty="0" err="1" smtClean="0">
+                <a:solidFill>
+                  <a:schemeClr val="bg1">
+                    <a:lumMod val="50000"/>
+                  </a:schemeClr>
+                </a:solidFill>
+              </a:rPr>
+              <a:t>NgRx</a:t>
+            </a:r>
+            <a:r>
+              <a:rPr lang="it-IT" dirty="0" smtClean="0">
+                <a:solidFill>
+                  <a:schemeClr val="bg1">
+                    <a:lumMod val="50000"/>
+                  </a:schemeClr>
+                </a:solidFill>
+              </a:rPr>
+              <a:t> </a:t>
+            </a:r>
+            <a:r>
+              <a:rPr lang="it-IT" dirty="0" err="1" smtClean="0">
+                <a:solidFill>
+                  <a:schemeClr val="bg1">
+                    <a:lumMod val="50000"/>
+                  </a:schemeClr>
+                </a:solidFill>
+              </a:rPr>
+              <a:t>Store</a:t>
+            </a:r>
+            <a:endParaRPr lang="it-IT" dirty="0">
+              <a:solidFill>
+                <a:schemeClr val="bg1">
+                  <a:lumMod val="50000"/>
+                </a:schemeClr>
+              </a:solidFill>
+            </a:endParaRPr>
+          </a:p>
+        </p:txBody>
+      </p:sp>
+      <p:sp>
+        <p:nvSpPr>
+          <p:cNvPr id="45" name="Rettangolo 44"/>
+          <p:cNvSpPr/>
+          <p:nvPr/>
+        </p:nvSpPr>
+        <p:spPr>
+          <a:xfrm>
+            <a:off x="9366250" y="4618676"/>
+            <a:ext cx="1689100" cy="552450"/>
+          </a:xfrm>
+          <a:prstGeom prst="rect">
+            <a:avLst/>
+          </a:prstGeom>
+          <a:solidFill>
+            <a:srgbClr val="FFC000"/>
+          </a:solidFill>
+          <a:ln>
+            <a:solidFill>
+              <a:srgbClr val="FF9933"/>
+            </a:solidFill>
+          </a:ln>
+        </p:spPr>
+        <p:style>
+          <a:lnRef idx="2">
+            <a:schemeClr val="accent1">
+              <a:shade val="50000"/>
+            </a:schemeClr>
+          </a:lnRef>
+          <a:fillRef idx="1">
+            <a:schemeClr val="accent1"/>
+          </a:fillRef>
+          <a:effectRef idx="0">
+            <a:schemeClr val="accent1"/>
+          </a:effectRef>
+          <a:fontRef idx="minor">
+            <a:schemeClr val="lt1"/>
+          </a:fontRef>
+        </p:style>
+        <p:txBody>
+          <a:bodyPr rtlCol="0" anchor="ctr"/>
+          <a:lstStyle/>
+          <a:p>
+            <a:pPr algn="ctr"/>
+            <a:r>
+              <a:rPr lang="it-IT" dirty="0" smtClean="0"/>
+              <a:t>Action</a:t>
+            </a:r>
+            <a:endParaRPr lang="it-IT" dirty="0"/>
+          </a:p>
+        </p:txBody>
+      </p:sp>
+      <p:sp>
+        <p:nvSpPr>
+          <p:cNvPr id="46" name="Rettangolo 45"/>
+          <p:cNvSpPr/>
+          <p:nvPr/>
+        </p:nvSpPr>
+        <p:spPr>
+          <a:xfrm>
+            <a:off x="7505718" y="5237677"/>
+            <a:ext cx="1689100" cy="552450"/>
+          </a:xfrm>
+          <a:prstGeom prst="rect">
+            <a:avLst/>
+          </a:prstGeom>
+          <a:ln/>
+        </p:spPr>
+        <p:style>
+          <a:lnRef idx="2">
+            <a:schemeClr val="accent5">
+              <a:shade val="50000"/>
+            </a:schemeClr>
+          </a:lnRef>
+          <a:fillRef idx="1">
+            <a:schemeClr val="accent5"/>
+          </a:fillRef>
+          <a:effectRef idx="0">
+            <a:schemeClr val="accent5"/>
+          </a:effectRef>
+          <a:fontRef idx="minor">
+            <a:schemeClr val="lt1"/>
+          </a:fontRef>
+        </p:style>
+        <p:txBody>
+          <a:bodyPr rtlCol="0" anchor="ctr"/>
+          <a:lstStyle/>
+          <a:p>
+            <a:pPr algn="ctr"/>
+            <a:r>
+              <a:rPr lang="it-IT" dirty="0" err="1" smtClean="0"/>
+              <a:t>Effect</a:t>
+            </a:r>
+            <a:r>
+              <a:rPr lang="it-IT" dirty="0" smtClean="0"/>
+              <a:t>(s)</a:t>
+            </a:r>
+            <a:endParaRPr lang="it-IT" dirty="0"/>
+          </a:p>
+        </p:txBody>
+      </p:sp>
+      <p:cxnSp>
+        <p:nvCxnSpPr>
+          <p:cNvPr id="51" name="Connettore 7 50"/>
+          <p:cNvCxnSpPr>
+            <a:stCxn id="12" idx="3"/>
+            <a:endCxn id="46" idx="1"/>
+          </p:cNvCxnSpPr>
+          <p:nvPr/>
+        </p:nvCxnSpPr>
+        <p:spPr>
+          <a:xfrm flipV="1">
+            <a:off x="3577480" y="5513902"/>
+            <a:ext cx="3928238" cy="1"/>
+          </a:xfrm>
+          <a:prstGeom prst="curvedConnector3">
+            <a:avLst>
+              <a:gd name="adj1" fmla="val 50000"/>
+            </a:avLst>
+          </a:prstGeom>
+          <a:ln w="25400" cmpd="sng">
+            <a:solidFill>
+              <a:schemeClr val="tx1"/>
+            </a:solidFill>
+            <a:prstDash val="dash"/>
+            <a:tailEnd type="arrow"/>
+          </a:ln>
+        </p:spPr>
+        <p:style>
+          <a:lnRef idx="1">
+            <a:schemeClr val="accent1"/>
+          </a:lnRef>
+          <a:fillRef idx="0">
+            <a:schemeClr val="accent1"/>
+          </a:fillRef>
+          <a:effectRef idx="0">
+            <a:schemeClr val="accent1"/>
+          </a:effectRef>
+          <a:fontRef idx="minor">
+            <a:schemeClr val="tx1"/>
+          </a:fontRef>
+        </p:style>
+      </p:cxnSp>
+      <p:cxnSp>
+        <p:nvCxnSpPr>
+          <p:cNvPr id="55" name="Connettore 7 54"/>
+          <p:cNvCxnSpPr>
+            <a:stCxn id="26" idx="1"/>
+            <a:endCxn id="46" idx="0"/>
+          </p:cNvCxnSpPr>
+          <p:nvPr/>
+        </p:nvCxnSpPr>
+        <p:spPr>
+          <a:xfrm rot="10800000" flipH="1" flipV="1">
+            <a:off x="7494286" y="3311463"/>
+            <a:ext cx="855982" cy="1926214"/>
+          </a:xfrm>
+          <a:prstGeom prst="curvedConnector4">
+            <a:avLst>
+              <a:gd name="adj1" fmla="val -26706"/>
+              <a:gd name="adj2" fmla="val 78780"/>
+            </a:avLst>
+          </a:prstGeom>
+          <a:ln w="25400" cmpd="sng">
+            <a:solidFill>
+              <a:schemeClr val="tx1"/>
+            </a:solidFill>
+            <a:prstDash val="dash"/>
+            <a:tailEnd type="arrow"/>
+          </a:ln>
+        </p:spPr>
+        <p:style>
+          <a:lnRef idx="1">
+            <a:schemeClr val="accent1"/>
+          </a:lnRef>
+          <a:fillRef idx="0">
+            <a:schemeClr val="accent1"/>
+          </a:fillRef>
+          <a:effectRef idx="0">
+            <a:schemeClr val="accent1"/>
+          </a:effectRef>
+          <a:fontRef idx="minor">
+            <a:schemeClr val="tx1"/>
+          </a:fontRef>
+        </p:style>
+      </p:cxnSp>
+      <p:cxnSp>
+        <p:nvCxnSpPr>
+          <p:cNvPr id="60" name="Connettore 7 59"/>
+          <p:cNvCxnSpPr>
+            <a:stCxn id="46" idx="3"/>
+            <a:endCxn id="45" idx="2"/>
+          </p:cNvCxnSpPr>
+          <p:nvPr/>
+        </p:nvCxnSpPr>
+        <p:spPr>
+          <a:xfrm flipV="1">
+            <a:off x="9194818" y="5171126"/>
+            <a:ext cx="1015982" cy="342776"/>
+          </a:xfrm>
+          <a:prstGeom prst="curvedConnector2">
+            <a:avLst/>
+          </a:prstGeom>
+          <a:ln w="25400" cmpd="sng">
+            <a:solidFill>
+              <a:schemeClr val="tx1"/>
+            </a:solidFill>
+            <a:prstDash val="dash"/>
+            <a:tailEnd type="arrow"/>
+          </a:ln>
+        </p:spPr>
+        <p:style>
+          <a:lnRef idx="1">
+            <a:schemeClr val="accent1"/>
+          </a:lnRef>
+          <a:fillRef idx="0">
+            <a:schemeClr val="accent1"/>
+          </a:fillRef>
+          <a:effectRef idx="0">
+            <a:schemeClr val="accent1"/>
+          </a:effectRef>
+          <a:fontRef idx="minor">
+            <a:schemeClr val="tx1"/>
+          </a:fontRef>
+        </p:style>
+      </p:cxnSp>
+      <p:sp>
+        <p:nvSpPr>
+          <p:cNvPr id="63" name="CasellaDiTesto 62"/>
+          <p:cNvSpPr txBox="1"/>
+          <p:nvPr/>
+        </p:nvSpPr>
+        <p:spPr>
+          <a:xfrm>
+            <a:off x="9702809" y="5420796"/>
+            <a:ext cx="611065" cy="369332"/>
+          </a:xfrm>
+          <a:prstGeom prst="rect">
+            <a:avLst/>
+          </a:prstGeom>
+          <a:noFill/>
+        </p:spPr>
+        <p:txBody>
+          <a:bodyPr wrap="none" rtlCol="0">
+            <a:spAutoFit/>
+          </a:bodyPr>
+          <a:lstStyle/>
+          <a:p>
+            <a:r>
+              <a:rPr lang="it-IT" dirty="0" err="1" smtClean="0"/>
+              <a:t>Emit</a:t>
+            </a:r>
+            <a:endParaRPr lang="it-IT" dirty="0"/>
+          </a:p>
+        </p:txBody>
+      </p:sp>
+      <p:cxnSp>
+        <p:nvCxnSpPr>
+          <p:cNvPr id="64" name="Connettore 7 63"/>
+          <p:cNvCxnSpPr>
+            <a:stCxn id="45" idx="0"/>
+            <a:endCxn id="15" idx="3"/>
+          </p:cNvCxnSpPr>
+          <p:nvPr/>
+        </p:nvCxnSpPr>
+        <p:spPr>
+          <a:xfrm rot="16200000" flipV="1">
+            <a:off x="9466902" y="3874778"/>
+            <a:ext cx="351147" cy="1136650"/>
+          </a:xfrm>
+          <a:prstGeom prst="curvedConnector2">
+            <a:avLst/>
+          </a:prstGeom>
+          <a:ln w="25400" cmpd="sng">
+            <a:solidFill>
+              <a:schemeClr val="tx1"/>
+            </a:solidFill>
+            <a:prstDash val="dash"/>
+            <a:tailEnd type="arrow"/>
+          </a:ln>
+        </p:spPr>
+        <p:style>
+          <a:lnRef idx="1">
+            <a:schemeClr val="accent1"/>
+          </a:lnRef>
+          <a:fillRef idx="0">
+            <a:schemeClr val="accent1"/>
+          </a:fillRef>
+          <a:effectRef idx="0">
+            <a:schemeClr val="accent1"/>
+          </a:effectRef>
+          <a:fontRef idx="minor">
+            <a:schemeClr val="tx1"/>
+          </a:fontRef>
+        </p:style>
+      </p:cxnSp>
+      <p:sp>
+        <p:nvSpPr>
+          <p:cNvPr id="68" name="CasellaDiTesto 67"/>
+          <p:cNvSpPr txBox="1"/>
+          <p:nvPr/>
+        </p:nvSpPr>
+        <p:spPr>
+          <a:xfrm>
+            <a:off x="9937750" y="3988274"/>
+            <a:ext cx="994055" cy="369332"/>
+          </a:xfrm>
+          <a:prstGeom prst="rect">
+            <a:avLst/>
+          </a:prstGeom>
+          <a:noFill/>
+        </p:spPr>
+        <p:txBody>
+          <a:bodyPr wrap="none" rtlCol="0">
+            <a:spAutoFit/>
+          </a:bodyPr>
+          <a:lstStyle/>
+          <a:p>
+            <a:r>
+              <a:rPr lang="it-IT" dirty="0" err="1" smtClean="0"/>
+              <a:t>Dispatch</a:t>
+            </a:r>
+            <a:endParaRPr lang="it-IT" dirty="0"/>
+          </a:p>
+        </p:txBody>
+      </p:sp>
+    </p:spTree>
+    <p:extLst>
+      <p:ext uri="{BB962C8B-B14F-4D97-AF65-F5344CB8AC3E}">
+        <p14:creationId xmlns:p14="http://schemas.microsoft.com/office/powerpoint/2010/main" val="4095199138"/>
       </p:ext>
     </p:extLst>
   </p:cSld>
@@ -5109,6 +6571,9 @@
                     <p:cTn id="3" fill="hold">
                       <p:stCondLst>
                         <p:cond delay="indefinite"/>
+                        <p:cond evt="onBegin" delay="0">
+                          <p:tn val="2"/>
+                        </p:cond>
                       </p:stCondLst>
                       <p:childTnLst>
                         <p:par>
@@ -5118,7 +6583,7 @@
                             </p:stCondLst>
                             <p:childTnLst>
                               <p:par>
-                                <p:cTn id="5" presetID="10" presetClass="entr" presetSubtype="0" fill="hold" nodeType="clickEffect">
+                                <p:cTn id="5" presetID="10" presetClass="entr" presetSubtype="0" fill="hold" grpId="0" nodeType="withEffect">
                                   <p:stCondLst>
                                     <p:cond delay="0"/>
                                   </p:stCondLst>
@@ -5131,11 +6596,7 @@
                                           </p:stCondLst>
                                         </p:cTn>
                                         <p:tgtEl>
-                                          <p:spTgt spid="3">
-                                            <p:txEl>
-                                              <p:pRg st="1" end="1"/>
-                                            </p:txEl>
-                                          </p:spTgt>
+                                          <p:spTgt spid="4"/>
                                         </p:tgtEl>
                                         <p:attrNameLst>
                                           <p:attrName>style.visibility</p:attrName>
@@ -5149,11 +6610,812 @@
                                       <p:cBhvr>
                                         <p:cTn id="7" dur="500"/>
                                         <p:tgtEl>
-                                          <p:spTgt spid="3">
-                                            <p:txEl>
-                                              <p:pRg st="1" end="1"/>
-                                            </p:txEl>
-                                          </p:spTgt>
+                                          <p:spTgt spid="4"/>
+                                        </p:tgtEl>
+                                      </p:cBhvr>
+                                    </p:animEffect>
+                                  </p:childTnLst>
+                                </p:cTn>
+                              </p:par>
+                              <p:par>
+                                <p:cTn id="8" presetID="10" presetClass="entr" presetSubtype="0" fill="hold" grpId="0" nodeType="withEffect">
+                                  <p:stCondLst>
+                                    <p:cond delay="0"/>
+                                  </p:stCondLst>
+                                  <p:childTnLst>
+                                    <p:set>
+                                      <p:cBhvr>
+                                        <p:cTn id="9" dur="1" fill="hold">
+                                          <p:stCondLst>
+                                            <p:cond delay="0"/>
+                                          </p:stCondLst>
+                                        </p:cTn>
+                                        <p:tgtEl>
+                                          <p:spTgt spid="5"/>
+                                        </p:tgtEl>
+                                        <p:attrNameLst>
+                                          <p:attrName>style.visibility</p:attrName>
+                                        </p:attrNameLst>
+                                      </p:cBhvr>
+                                      <p:to>
+                                        <p:strVal val="visible"/>
+                                      </p:to>
+                                    </p:set>
+                                    <p:animEffect transition="in" filter="fade">
+                                      <p:cBhvr>
+                                        <p:cTn id="10" dur="500"/>
+                                        <p:tgtEl>
+                                          <p:spTgt spid="5"/>
+                                        </p:tgtEl>
+                                      </p:cBhvr>
+                                    </p:animEffect>
+                                  </p:childTnLst>
+                                </p:cTn>
+                              </p:par>
+                              <p:par>
+                                <p:cTn id="11" presetID="10" presetClass="entr" presetSubtype="0" fill="hold" grpId="0" nodeType="withEffect">
+                                  <p:stCondLst>
+                                    <p:cond delay="0"/>
+                                  </p:stCondLst>
+                                  <p:childTnLst>
+                                    <p:set>
+                                      <p:cBhvr>
+                                        <p:cTn id="12" dur="1" fill="hold">
+                                          <p:stCondLst>
+                                            <p:cond delay="0"/>
+                                          </p:stCondLst>
+                                        </p:cTn>
+                                        <p:tgtEl>
+                                          <p:spTgt spid="9"/>
+                                        </p:tgtEl>
+                                        <p:attrNameLst>
+                                          <p:attrName>style.visibility</p:attrName>
+                                        </p:attrNameLst>
+                                      </p:cBhvr>
+                                      <p:to>
+                                        <p:strVal val="visible"/>
+                                      </p:to>
+                                    </p:set>
+                                    <p:animEffect transition="in" filter="fade">
+                                      <p:cBhvr>
+                                        <p:cTn id="13" dur="500"/>
+                                        <p:tgtEl>
+                                          <p:spTgt spid="9"/>
+                                        </p:tgtEl>
+                                      </p:cBhvr>
+                                    </p:animEffect>
+                                  </p:childTnLst>
+                                </p:cTn>
+                              </p:par>
+                              <p:par>
+                                <p:cTn id="14" presetID="10" presetClass="entr" presetSubtype="0" fill="hold" nodeType="withEffect">
+                                  <p:stCondLst>
+                                    <p:cond delay="0"/>
+                                  </p:stCondLst>
+                                  <p:childTnLst>
+                                    <p:set>
+                                      <p:cBhvr>
+                                        <p:cTn id="15" dur="1" fill="hold">
+                                          <p:stCondLst>
+                                            <p:cond delay="0"/>
+                                          </p:stCondLst>
+                                        </p:cTn>
+                                        <p:tgtEl>
+                                          <p:spTgt spid="79"/>
+                                        </p:tgtEl>
+                                        <p:attrNameLst>
+                                          <p:attrName>style.visibility</p:attrName>
+                                        </p:attrNameLst>
+                                      </p:cBhvr>
+                                      <p:to>
+                                        <p:strVal val="visible"/>
+                                      </p:to>
+                                    </p:set>
+                                    <p:animEffect transition="in" filter="fade">
+                                      <p:cBhvr>
+                                        <p:cTn id="16" dur="500"/>
+                                        <p:tgtEl>
+                                          <p:spTgt spid="79"/>
+                                        </p:tgtEl>
+                                      </p:cBhvr>
+                                    </p:animEffect>
+                                  </p:childTnLst>
+                                </p:cTn>
+                              </p:par>
+                              <p:par>
+                                <p:cTn id="17" presetID="10" presetClass="entr" presetSubtype="0" fill="hold" nodeType="withEffect">
+                                  <p:stCondLst>
+                                    <p:cond delay="0"/>
+                                  </p:stCondLst>
+                                  <p:childTnLst>
+                                    <p:set>
+                                      <p:cBhvr>
+                                        <p:cTn id="18" dur="1" fill="hold">
+                                          <p:stCondLst>
+                                            <p:cond delay="0"/>
+                                          </p:stCondLst>
+                                        </p:cTn>
+                                        <p:tgtEl>
+                                          <p:spTgt spid="85"/>
+                                        </p:tgtEl>
+                                        <p:attrNameLst>
+                                          <p:attrName>style.visibility</p:attrName>
+                                        </p:attrNameLst>
+                                      </p:cBhvr>
+                                      <p:to>
+                                        <p:strVal val="visible"/>
+                                      </p:to>
+                                    </p:set>
+                                    <p:animEffect transition="in" filter="fade">
+                                      <p:cBhvr>
+                                        <p:cTn id="19" dur="500"/>
+                                        <p:tgtEl>
+                                          <p:spTgt spid="85"/>
+                                        </p:tgtEl>
+                                      </p:cBhvr>
+                                    </p:animEffect>
+                                  </p:childTnLst>
+                                </p:cTn>
+                              </p:par>
+                              <p:par>
+                                <p:cTn id="20" presetID="10" presetClass="entr" presetSubtype="0" fill="hold" grpId="0" nodeType="withEffect">
+                                  <p:stCondLst>
+                                    <p:cond delay="0"/>
+                                  </p:stCondLst>
+                                  <p:childTnLst>
+                                    <p:set>
+                                      <p:cBhvr>
+                                        <p:cTn id="21" dur="1" fill="hold">
+                                          <p:stCondLst>
+                                            <p:cond delay="0"/>
+                                          </p:stCondLst>
+                                        </p:cTn>
+                                        <p:tgtEl>
+                                          <p:spTgt spid="20"/>
+                                        </p:tgtEl>
+                                        <p:attrNameLst>
+                                          <p:attrName>style.visibility</p:attrName>
+                                        </p:attrNameLst>
+                                      </p:cBhvr>
+                                      <p:to>
+                                        <p:strVal val="visible"/>
+                                      </p:to>
+                                    </p:set>
+                                    <p:animEffect transition="in" filter="fade">
+                                      <p:cBhvr>
+                                        <p:cTn id="22" dur="500"/>
+                                        <p:tgtEl>
+                                          <p:spTgt spid="20"/>
+                                        </p:tgtEl>
+                                      </p:cBhvr>
+                                    </p:animEffect>
+                                  </p:childTnLst>
+                                </p:cTn>
+                              </p:par>
+                              <p:par>
+                                <p:cTn id="23" presetID="10" presetClass="entr" presetSubtype="0" fill="hold" grpId="0" nodeType="withEffect">
+                                  <p:stCondLst>
+                                    <p:cond delay="0"/>
+                                  </p:stCondLst>
+                                  <p:childTnLst>
+                                    <p:set>
+                                      <p:cBhvr>
+                                        <p:cTn id="24" dur="1" fill="hold">
+                                          <p:stCondLst>
+                                            <p:cond delay="0"/>
+                                          </p:stCondLst>
+                                        </p:cTn>
+                                        <p:tgtEl>
+                                          <p:spTgt spid="12"/>
+                                        </p:tgtEl>
+                                        <p:attrNameLst>
+                                          <p:attrName>style.visibility</p:attrName>
+                                        </p:attrNameLst>
+                                      </p:cBhvr>
+                                      <p:to>
+                                        <p:strVal val="visible"/>
+                                      </p:to>
+                                    </p:set>
+                                    <p:animEffect transition="in" filter="fade">
+                                      <p:cBhvr>
+                                        <p:cTn id="25" dur="500"/>
+                                        <p:tgtEl>
+                                          <p:spTgt spid="12"/>
+                                        </p:tgtEl>
+                                      </p:cBhvr>
+                                    </p:animEffect>
+                                  </p:childTnLst>
+                                </p:cTn>
+                              </p:par>
+                              <p:par>
+                                <p:cTn id="26" presetID="10" presetClass="entr" presetSubtype="0" fill="hold" nodeType="withEffect">
+                                  <p:stCondLst>
+                                    <p:cond delay="0"/>
+                                  </p:stCondLst>
+                                  <p:childTnLst>
+                                    <p:set>
+                                      <p:cBhvr>
+                                        <p:cTn id="27" dur="1" fill="hold">
+                                          <p:stCondLst>
+                                            <p:cond delay="0"/>
+                                          </p:stCondLst>
+                                        </p:cTn>
+                                        <p:tgtEl>
+                                          <p:spTgt spid="89"/>
+                                        </p:tgtEl>
+                                        <p:attrNameLst>
+                                          <p:attrName>style.visibility</p:attrName>
+                                        </p:attrNameLst>
+                                      </p:cBhvr>
+                                      <p:to>
+                                        <p:strVal val="visible"/>
+                                      </p:to>
+                                    </p:set>
+                                    <p:animEffect transition="in" filter="fade">
+                                      <p:cBhvr>
+                                        <p:cTn id="28" dur="500"/>
+                                        <p:tgtEl>
+                                          <p:spTgt spid="89"/>
+                                        </p:tgtEl>
+                                      </p:cBhvr>
+                                    </p:animEffect>
+                                  </p:childTnLst>
+                                </p:cTn>
+                              </p:par>
+                              <p:par>
+                                <p:cTn id="29" presetID="10" presetClass="entr" presetSubtype="0" fill="hold" grpId="0" nodeType="withEffect">
+                                  <p:stCondLst>
+                                    <p:cond delay="0"/>
+                                  </p:stCondLst>
+                                  <p:childTnLst>
+                                    <p:set>
+                                      <p:cBhvr>
+                                        <p:cTn id="30" dur="1" fill="hold">
+                                          <p:stCondLst>
+                                            <p:cond delay="0"/>
+                                          </p:stCondLst>
+                                        </p:cTn>
+                                        <p:tgtEl>
+                                          <p:spTgt spid="33"/>
+                                        </p:tgtEl>
+                                        <p:attrNameLst>
+                                          <p:attrName>style.visibility</p:attrName>
+                                        </p:attrNameLst>
+                                      </p:cBhvr>
+                                      <p:to>
+                                        <p:strVal val="visible"/>
+                                      </p:to>
+                                    </p:set>
+                                    <p:animEffect transition="in" filter="fade">
+                                      <p:cBhvr>
+                                        <p:cTn id="31" dur="500"/>
+                                        <p:tgtEl>
+                                          <p:spTgt spid="33"/>
+                                        </p:tgtEl>
+                                      </p:cBhvr>
+                                    </p:animEffect>
+                                  </p:childTnLst>
+                                </p:cTn>
+                              </p:par>
+                              <p:par>
+                                <p:cTn id="32" presetID="10" presetClass="entr" presetSubtype="0" fill="hold" grpId="0" nodeType="withEffect">
+                                  <p:stCondLst>
+                                    <p:cond delay="0"/>
+                                  </p:stCondLst>
+                                  <p:childTnLst>
+                                    <p:set>
+                                      <p:cBhvr>
+                                        <p:cTn id="33" dur="1" fill="hold">
+                                          <p:stCondLst>
+                                            <p:cond delay="0"/>
+                                          </p:stCondLst>
+                                        </p:cTn>
+                                        <p:tgtEl>
+                                          <p:spTgt spid="124"/>
+                                        </p:tgtEl>
+                                        <p:attrNameLst>
+                                          <p:attrName>style.visibility</p:attrName>
+                                        </p:attrNameLst>
+                                      </p:cBhvr>
+                                      <p:to>
+                                        <p:strVal val="visible"/>
+                                      </p:to>
+                                    </p:set>
+                                    <p:animEffect transition="in" filter="fade">
+                                      <p:cBhvr>
+                                        <p:cTn id="34" dur="500"/>
+                                        <p:tgtEl>
+                                          <p:spTgt spid="124"/>
+                                        </p:tgtEl>
+                                      </p:cBhvr>
+                                    </p:animEffect>
+                                  </p:childTnLst>
+                                </p:cTn>
+                              </p:par>
+                              <p:par>
+                                <p:cTn id="35" presetID="10" presetClass="entr" presetSubtype="0" fill="hold" grpId="0" nodeType="withEffect">
+                                  <p:stCondLst>
+                                    <p:cond delay="0"/>
+                                  </p:stCondLst>
+                                  <p:childTnLst>
+                                    <p:set>
+                                      <p:cBhvr>
+                                        <p:cTn id="36" dur="1" fill="hold">
+                                          <p:stCondLst>
+                                            <p:cond delay="0"/>
+                                          </p:stCondLst>
+                                        </p:cTn>
+                                        <p:tgtEl>
+                                          <p:spTgt spid="125"/>
+                                        </p:tgtEl>
+                                        <p:attrNameLst>
+                                          <p:attrName>style.visibility</p:attrName>
+                                        </p:attrNameLst>
+                                      </p:cBhvr>
+                                      <p:to>
+                                        <p:strVal val="visible"/>
+                                      </p:to>
+                                    </p:set>
+                                    <p:animEffect transition="in" filter="fade">
+                                      <p:cBhvr>
+                                        <p:cTn id="37" dur="500"/>
+                                        <p:tgtEl>
+                                          <p:spTgt spid="125"/>
+                                        </p:tgtEl>
+                                      </p:cBhvr>
+                                    </p:animEffect>
+                                  </p:childTnLst>
+                                </p:cTn>
+                              </p:par>
+                              <p:par>
+                                <p:cTn id="38" presetID="10" presetClass="entr" presetSubtype="0" fill="hold" grpId="0" nodeType="withEffect">
+                                  <p:stCondLst>
+                                    <p:cond delay="0"/>
+                                  </p:stCondLst>
+                                  <p:childTnLst>
+                                    <p:set>
+                                      <p:cBhvr>
+                                        <p:cTn id="39" dur="1" fill="hold">
+                                          <p:stCondLst>
+                                            <p:cond delay="0"/>
+                                          </p:stCondLst>
+                                        </p:cTn>
+                                        <p:tgtEl>
+                                          <p:spTgt spid="26"/>
+                                        </p:tgtEl>
+                                        <p:attrNameLst>
+                                          <p:attrName>style.visibility</p:attrName>
+                                        </p:attrNameLst>
+                                      </p:cBhvr>
+                                      <p:to>
+                                        <p:strVal val="visible"/>
+                                      </p:to>
+                                    </p:set>
+                                    <p:animEffect transition="in" filter="fade">
+                                      <p:cBhvr>
+                                        <p:cTn id="40" dur="500"/>
+                                        <p:tgtEl>
+                                          <p:spTgt spid="26"/>
+                                        </p:tgtEl>
+                                      </p:cBhvr>
+                                    </p:animEffect>
+                                  </p:childTnLst>
+                                </p:cTn>
+                              </p:par>
+                              <p:par>
+                                <p:cTn id="41" presetID="10" presetClass="entr" presetSubtype="0" fill="hold" nodeType="withEffect">
+                                  <p:stCondLst>
+                                    <p:cond delay="0"/>
+                                  </p:stCondLst>
+                                  <p:childTnLst>
+                                    <p:set>
+                                      <p:cBhvr>
+                                        <p:cTn id="42" dur="1" fill="hold">
+                                          <p:stCondLst>
+                                            <p:cond delay="0"/>
+                                          </p:stCondLst>
+                                        </p:cTn>
+                                        <p:tgtEl>
+                                          <p:spTgt spid="92"/>
+                                        </p:tgtEl>
+                                        <p:attrNameLst>
+                                          <p:attrName>style.visibility</p:attrName>
+                                        </p:attrNameLst>
+                                      </p:cBhvr>
+                                      <p:to>
+                                        <p:strVal val="visible"/>
+                                      </p:to>
+                                    </p:set>
+                                    <p:animEffect transition="in" filter="fade">
+                                      <p:cBhvr>
+                                        <p:cTn id="43" dur="500"/>
+                                        <p:tgtEl>
+                                          <p:spTgt spid="92"/>
+                                        </p:tgtEl>
+                                      </p:cBhvr>
+                                    </p:animEffect>
+                                  </p:childTnLst>
+                                </p:cTn>
+                              </p:par>
+                              <p:par>
+                                <p:cTn id="44" presetID="10" presetClass="entr" presetSubtype="0" fill="hold" grpId="0" nodeType="withEffect">
+                                  <p:stCondLst>
+                                    <p:cond delay="0"/>
+                                  </p:stCondLst>
+                                  <p:childTnLst>
+                                    <p:set>
+                                      <p:cBhvr>
+                                        <p:cTn id="45" dur="1" fill="hold">
+                                          <p:stCondLst>
+                                            <p:cond delay="0"/>
+                                          </p:stCondLst>
+                                        </p:cTn>
+                                        <p:tgtEl>
+                                          <p:spTgt spid="23"/>
+                                        </p:tgtEl>
+                                        <p:attrNameLst>
+                                          <p:attrName>style.visibility</p:attrName>
+                                        </p:attrNameLst>
+                                      </p:cBhvr>
+                                      <p:to>
+                                        <p:strVal val="visible"/>
+                                      </p:to>
+                                    </p:set>
+                                    <p:animEffect transition="in" filter="fade">
+                                      <p:cBhvr>
+                                        <p:cTn id="46" dur="500"/>
+                                        <p:tgtEl>
+                                          <p:spTgt spid="23"/>
+                                        </p:tgtEl>
+                                      </p:cBhvr>
+                                    </p:animEffect>
+                                  </p:childTnLst>
+                                </p:cTn>
+                              </p:par>
+                              <p:par>
+                                <p:cTn id="47" presetID="10" presetClass="entr" presetSubtype="0" fill="hold" grpId="0" nodeType="withEffect">
+                                  <p:stCondLst>
+                                    <p:cond delay="0"/>
+                                  </p:stCondLst>
+                                  <p:childTnLst>
+                                    <p:set>
+                                      <p:cBhvr>
+                                        <p:cTn id="48" dur="1" fill="hold">
+                                          <p:stCondLst>
+                                            <p:cond delay="0"/>
+                                          </p:stCondLst>
+                                        </p:cTn>
+                                        <p:tgtEl>
+                                          <p:spTgt spid="15"/>
+                                        </p:tgtEl>
+                                        <p:attrNameLst>
+                                          <p:attrName>style.visibility</p:attrName>
+                                        </p:attrNameLst>
+                                      </p:cBhvr>
+                                      <p:to>
+                                        <p:strVal val="visible"/>
+                                      </p:to>
+                                    </p:set>
+                                    <p:animEffect transition="in" filter="fade">
+                                      <p:cBhvr>
+                                        <p:cTn id="49" dur="500"/>
+                                        <p:tgtEl>
+                                          <p:spTgt spid="15"/>
+                                        </p:tgtEl>
+                                      </p:cBhvr>
+                                    </p:animEffect>
+                                  </p:childTnLst>
+                                </p:cTn>
+                              </p:par>
+                              <p:par>
+                                <p:cTn id="50" presetID="10" presetClass="entr" presetSubtype="0" fill="hold" nodeType="withEffect">
+                                  <p:stCondLst>
+                                    <p:cond delay="0"/>
+                                  </p:stCondLst>
+                                  <p:childTnLst>
+                                    <p:set>
+                                      <p:cBhvr>
+                                        <p:cTn id="51" dur="1" fill="hold">
+                                          <p:stCondLst>
+                                            <p:cond delay="0"/>
+                                          </p:stCondLst>
+                                        </p:cTn>
+                                        <p:tgtEl>
+                                          <p:spTgt spid="95"/>
+                                        </p:tgtEl>
+                                        <p:attrNameLst>
+                                          <p:attrName>style.visibility</p:attrName>
+                                        </p:attrNameLst>
+                                      </p:cBhvr>
+                                      <p:to>
+                                        <p:strVal val="visible"/>
+                                      </p:to>
+                                    </p:set>
+                                    <p:animEffect transition="in" filter="fade">
+                                      <p:cBhvr>
+                                        <p:cTn id="52" dur="500"/>
+                                        <p:tgtEl>
+                                          <p:spTgt spid="95"/>
+                                        </p:tgtEl>
+                                      </p:cBhvr>
+                                    </p:animEffect>
+                                  </p:childTnLst>
+                                </p:cTn>
+                              </p:par>
+                              <p:par>
+                                <p:cTn id="53" presetID="10" presetClass="entr" presetSubtype="0" fill="hold" grpId="0" nodeType="withEffect">
+                                  <p:stCondLst>
+                                    <p:cond delay="0"/>
+                                  </p:stCondLst>
+                                  <p:childTnLst>
+                                    <p:set>
+                                      <p:cBhvr>
+                                        <p:cTn id="54" dur="1" fill="hold">
+                                          <p:stCondLst>
+                                            <p:cond delay="0"/>
+                                          </p:stCondLst>
+                                        </p:cTn>
+                                        <p:tgtEl>
+                                          <p:spTgt spid="32"/>
+                                        </p:tgtEl>
+                                        <p:attrNameLst>
+                                          <p:attrName>style.visibility</p:attrName>
+                                        </p:attrNameLst>
+                                      </p:cBhvr>
+                                      <p:to>
+                                        <p:strVal val="visible"/>
+                                      </p:to>
+                                    </p:set>
+                                    <p:animEffect transition="in" filter="fade">
+                                      <p:cBhvr>
+                                        <p:cTn id="55" dur="500"/>
+                                        <p:tgtEl>
+                                          <p:spTgt spid="32"/>
+                                        </p:tgtEl>
+                                      </p:cBhvr>
+                                    </p:animEffect>
+                                  </p:childTnLst>
+                                </p:cTn>
+                              </p:par>
+                              <p:par>
+                                <p:cTn id="56" presetID="10" presetClass="entr" presetSubtype="0" fill="hold" grpId="0" nodeType="withEffect">
+                                  <p:stCondLst>
+                                    <p:cond delay="0"/>
+                                  </p:stCondLst>
+                                  <p:childTnLst>
+                                    <p:set>
+                                      <p:cBhvr>
+                                        <p:cTn id="57" dur="1" fill="hold">
+                                          <p:stCondLst>
+                                            <p:cond delay="0"/>
+                                          </p:stCondLst>
+                                        </p:cTn>
+                                        <p:tgtEl>
+                                          <p:spTgt spid="34"/>
+                                        </p:tgtEl>
+                                        <p:attrNameLst>
+                                          <p:attrName>style.visibility</p:attrName>
+                                        </p:attrNameLst>
+                                      </p:cBhvr>
+                                      <p:to>
+                                        <p:strVal val="visible"/>
+                                      </p:to>
+                                    </p:set>
+                                    <p:animEffect transition="in" filter="fade">
+                                      <p:cBhvr>
+                                        <p:cTn id="58" dur="500"/>
+                                        <p:tgtEl>
+                                          <p:spTgt spid="34"/>
+                                        </p:tgtEl>
+                                      </p:cBhvr>
+                                    </p:animEffect>
+                                  </p:childTnLst>
+                                </p:cTn>
+                              </p:par>
+                              <p:par>
+                                <p:cTn id="59" presetID="10" presetClass="entr" presetSubtype="0" fill="hold" nodeType="withEffect">
+                                  <p:stCondLst>
+                                    <p:cond delay="0"/>
+                                  </p:stCondLst>
+                                  <p:childTnLst>
+                                    <p:set>
+                                      <p:cBhvr>
+                                        <p:cTn id="60" dur="1" fill="hold">
+                                          <p:stCondLst>
+                                            <p:cond delay="0"/>
+                                          </p:stCondLst>
+                                        </p:cTn>
+                                        <p:tgtEl>
+                                          <p:spTgt spid="101"/>
+                                        </p:tgtEl>
+                                        <p:attrNameLst>
+                                          <p:attrName>style.visibility</p:attrName>
+                                        </p:attrNameLst>
+                                      </p:cBhvr>
+                                      <p:to>
+                                        <p:strVal val="visible"/>
+                                      </p:to>
+                                    </p:set>
+                                    <p:animEffect transition="in" filter="fade">
+                                      <p:cBhvr>
+                                        <p:cTn id="61" dur="500"/>
+                                        <p:tgtEl>
+                                          <p:spTgt spid="101"/>
+                                        </p:tgtEl>
+                                      </p:cBhvr>
+                                    </p:animEffect>
+                                  </p:childTnLst>
+                                </p:cTn>
+                              </p:par>
+                              <p:par>
+                                <p:cTn id="62" presetID="10" presetClass="entr" presetSubtype="0" fill="hold" grpId="0" nodeType="withEffect">
+                                  <p:stCondLst>
+                                    <p:cond delay="0"/>
+                                  </p:stCondLst>
+                                  <p:childTnLst>
+                                    <p:set>
+                                      <p:cBhvr>
+                                        <p:cTn id="63" dur="1" fill="hold">
+                                          <p:stCondLst>
+                                            <p:cond delay="0"/>
+                                          </p:stCondLst>
+                                        </p:cTn>
+                                        <p:tgtEl>
+                                          <p:spTgt spid="118"/>
+                                        </p:tgtEl>
+                                        <p:attrNameLst>
+                                          <p:attrName>style.visibility</p:attrName>
+                                        </p:attrNameLst>
+                                      </p:cBhvr>
+                                      <p:to>
+                                        <p:strVal val="visible"/>
+                                      </p:to>
+                                    </p:set>
+                                    <p:animEffect transition="in" filter="fade">
+                                      <p:cBhvr>
+                                        <p:cTn id="64" dur="500"/>
+                                        <p:tgtEl>
+                                          <p:spTgt spid="118"/>
+                                        </p:tgtEl>
+                                      </p:cBhvr>
+                                    </p:animEffect>
+                                  </p:childTnLst>
+                                </p:cTn>
+                              </p:par>
+                              <p:par>
+                                <p:cTn id="65" presetID="10" presetClass="entr" presetSubtype="0" fill="hold" nodeType="withEffect">
+                                  <p:stCondLst>
+                                    <p:cond delay="0"/>
+                                  </p:stCondLst>
+                                  <p:childTnLst>
+                                    <p:set>
+                                      <p:cBhvr>
+                                        <p:cTn id="66" dur="1" fill="hold">
+                                          <p:stCondLst>
+                                            <p:cond delay="0"/>
+                                          </p:stCondLst>
+                                        </p:cTn>
+                                        <p:tgtEl>
+                                          <p:spTgt spid="115"/>
+                                        </p:tgtEl>
+                                        <p:attrNameLst>
+                                          <p:attrName>style.visibility</p:attrName>
+                                        </p:attrNameLst>
+                                      </p:cBhvr>
+                                      <p:to>
+                                        <p:strVal val="visible"/>
+                                      </p:to>
+                                    </p:set>
+                                    <p:animEffect transition="in" filter="fade">
+                                      <p:cBhvr>
+                                        <p:cTn id="67" dur="500"/>
+                                        <p:tgtEl>
+                                          <p:spTgt spid="115"/>
+                                        </p:tgtEl>
+                                      </p:cBhvr>
+                                    </p:animEffect>
+                                  </p:childTnLst>
+                                </p:cTn>
+                              </p:par>
+                              <p:par>
+                                <p:cTn id="68" presetID="10" presetClass="entr" presetSubtype="0" fill="hold" grpId="0" nodeType="withEffect">
+                                  <p:stCondLst>
+                                    <p:cond delay="0"/>
+                                  </p:stCondLst>
+                                  <p:childTnLst>
+                                    <p:set>
+                                      <p:cBhvr>
+                                        <p:cTn id="69" dur="1" fill="hold">
+                                          <p:stCondLst>
+                                            <p:cond delay="0"/>
+                                          </p:stCondLst>
+                                        </p:cTn>
+                                        <p:tgtEl>
+                                          <p:spTgt spid="42"/>
+                                        </p:tgtEl>
+                                        <p:attrNameLst>
+                                          <p:attrName>style.visibility</p:attrName>
+                                        </p:attrNameLst>
+                                      </p:cBhvr>
+                                      <p:to>
+                                        <p:strVal val="visible"/>
+                                      </p:to>
+                                    </p:set>
+                                    <p:animEffect transition="in" filter="fade">
+                                      <p:cBhvr>
+                                        <p:cTn id="70" dur="500"/>
+                                        <p:tgtEl>
+                                          <p:spTgt spid="42"/>
+                                        </p:tgtEl>
+                                      </p:cBhvr>
+                                    </p:animEffect>
+                                  </p:childTnLst>
+                                </p:cTn>
+                              </p:par>
+                              <p:par>
+                                <p:cTn id="71" presetID="10" presetClass="entr" presetSubtype="0" fill="hold" nodeType="withEffect">
+                                  <p:stCondLst>
+                                    <p:cond delay="0"/>
+                                  </p:stCondLst>
+                                  <p:childTnLst>
+                                    <p:set>
+                                      <p:cBhvr>
+                                        <p:cTn id="72" dur="1" fill="hold">
+                                          <p:stCondLst>
+                                            <p:cond delay="0"/>
+                                          </p:stCondLst>
+                                        </p:cTn>
+                                        <p:tgtEl>
+                                          <p:spTgt spid="120"/>
+                                        </p:tgtEl>
+                                        <p:attrNameLst>
+                                          <p:attrName>style.visibility</p:attrName>
+                                        </p:attrNameLst>
+                                      </p:cBhvr>
+                                      <p:to>
+                                        <p:strVal val="visible"/>
+                                      </p:to>
+                                    </p:set>
+                                    <p:animEffect transition="in" filter="fade">
+                                      <p:cBhvr>
+                                        <p:cTn id="73" dur="500"/>
+                                        <p:tgtEl>
+                                          <p:spTgt spid="120"/>
+                                        </p:tgtEl>
+                                      </p:cBhvr>
+                                    </p:animEffect>
+                                  </p:childTnLst>
+                                </p:cTn>
+                              </p:par>
+                              <p:par>
+                                <p:cTn id="74" presetID="10" presetClass="entr" presetSubtype="0" fill="hold" grpId="0" nodeType="withEffect">
+                                  <p:stCondLst>
+                                    <p:cond delay="0"/>
+                                  </p:stCondLst>
+                                  <p:childTnLst>
+                                    <p:set>
+                                      <p:cBhvr>
+                                        <p:cTn id="75" dur="1" fill="hold">
+                                          <p:stCondLst>
+                                            <p:cond delay="0"/>
+                                          </p:stCondLst>
+                                        </p:cTn>
+                                        <p:tgtEl>
+                                          <p:spTgt spid="123"/>
+                                        </p:tgtEl>
+                                        <p:attrNameLst>
+                                          <p:attrName>style.visibility</p:attrName>
+                                        </p:attrNameLst>
+                                      </p:cBhvr>
+                                      <p:to>
+                                        <p:strVal val="visible"/>
+                                      </p:to>
+                                    </p:set>
+                                    <p:animEffect transition="in" filter="fade">
+                                      <p:cBhvr>
+                                        <p:cTn id="76" dur="500"/>
+                                        <p:tgtEl>
+                                          <p:spTgt spid="123"/>
                                         </p:tgtEl>
                                       </p:cBhvr>
                                     </p:animEffect>
@@ -5167,36 +7429,32 @@
                     </p:cTn>
                   </p:par>
                   <p:par>
-                    <p:cTn id="8" fill="hold">
+                    <p:cTn id="77" fill="hold">
                       <p:stCondLst>
                         <p:cond delay="indefinite"/>
                       </p:stCondLst>
                       <p:childTnLst>
                         <p:par>
-                          <p:cTn id="9" fill="hold">
+                          <p:cTn id="78" fill="hold">
                             <p:stCondLst>
                               <p:cond delay="0"/>
                             </p:stCondLst>
                             <p:childTnLst>
                               <p:par>
-                                <p:cTn id="10" presetID="10" presetClass="entr" presetSubtype="0" fill="hold" nodeType="clickEffect">
+                                <p:cTn id="79" presetID="10" presetClass="entr" presetSubtype="0" fill="hold" nodeType="clickEffect">
                                   <p:stCondLst>
                                     <p:cond delay="0"/>
                                   </p:stCondLst>
                                   <p:childTnLst>
                                     <p:set>
                                       <p:cBhvr>
-                                        <p:cTn id="11" dur="1" fill="hold">
+                                        <p:cTn id="80" dur="1" fill="hold">
                                           <p:stCondLst>
                                             <p:cond delay="0"/>
                                           </p:stCondLst>
                                         </p:cTn>
                                         <p:tgtEl>
-                                          <p:spTgt spid="3">
-                                            <p:txEl>
-                                              <p:pRg st="3" end="3"/>
-                                            </p:txEl>
-                                          </p:spTgt>
+                                          <p:spTgt spid="51"/>
                                         </p:tgtEl>
                                         <p:attrNameLst>
                                           <p:attrName>style.visibility</p:attrName>
@@ -5208,13 +7466,88 @@
                                     </p:set>
                                     <p:animEffect transition="in" filter="fade">
                                       <p:cBhvr>
-                                        <p:cTn id="12" dur="500"/>
-                                        <p:tgtEl>
-                                          <p:spTgt spid="3">
-                                            <p:txEl>
-                                              <p:pRg st="3" end="3"/>
-                                            </p:txEl>
-                                          </p:spTgt>
+                                        <p:cTn id="81" dur="500"/>
+                                        <p:tgtEl>
+                                          <p:spTgt spid="51"/>
+                                        </p:tgtEl>
+                                      </p:cBhvr>
+                                    </p:animEffect>
+                                  </p:childTnLst>
+                                </p:cTn>
+                              </p:par>
+                              <p:par>
+                                <p:cTn id="82" presetID="10" presetClass="entr" presetSubtype="0" fill="hold" nodeType="withEffect">
+                                  <p:stCondLst>
+                                    <p:cond delay="0"/>
+                                  </p:stCondLst>
+                                  <p:childTnLst>
+                                    <p:set>
+                                      <p:cBhvr>
+                                        <p:cTn id="83" dur="1" fill="hold">
+                                          <p:stCondLst>
+                                            <p:cond delay="0"/>
+                                          </p:stCondLst>
+                                        </p:cTn>
+                                        <p:tgtEl>
+                                          <p:spTgt spid="55"/>
+                                        </p:tgtEl>
+                                        <p:attrNameLst>
+                                          <p:attrName>style.visibility</p:attrName>
+                                        </p:attrNameLst>
+                                      </p:cBhvr>
+                                      <p:to>
+                                        <p:strVal val="visible"/>
+                                      </p:to>
+                                    </p:set>
+                                    <p:animEffect transition="in" filter="fade">
+                                      <p:cBhvr>
+                                        <p:cTn id="84" dur="500"/>
+                                        <p:tgtEl>
+                                          <p:spTgt spid="55"/>
+                                        </p:tgtEl>
+                                      </p:cBhvr>
+                                    </p:animEffect>
+                                  </p:childTnLst>
+                                </p:cTn>
+                              </p:par>
+                            </p:childTnLst>
+                          </p:cTn>
+                        </p:par>
+                        <p:par>
+                          <p:cTn id="85" fill="hold">
+                            <p:stCondLst>
+                              <p:cond delay="500"/>
+                            </p:stCondLst>
+                            <p:childTnLst>
+                              <p:par>
+                                <p:cTn id="86" presetID="10" presetClass="entr" presetSubtype="0" fill="hold" grpId="0" nodeType="afterEffect">
+                                  <p:stCondLst>
+                                    <p:cond delay="0"/>
+                                  </p:stCondLst>
+                                  <p:childTnLst>
+                                    <p:set>
+                                      <p:cBhvr>
+                                        <p:cTn id="87" dur="1" fill="hold">
+                                          <p:stCondLst>
+                                            <p:cond delay="0"/>
+                                          </p:stCondLst>
+                                        </p:cTn>
+                                        <p:tgtEl>
+                                          <p:spTgt spid="46"/>
+                                        </p:tgtEl>
+                                        <p:attrNameLst>
+                                          <p:attrName>style.visibility</p:attrName>
+                                        </p:attrNameLst>
+                                      </p:cBhvr>
+                                      <p:to>
+                                        <p:strVal val="visible"/>
+                                      </p:to>
+                                    </p:set>
+                                    <p:animEffect transition="in" filter="fade">
+                                      <p:cBhvr>
+                                        <p:cTn id="88" dur="500"/>
+                                        <p:tgtEl>
+                                          <p:spTgt spid="46"/>
                                         </p:tgtEl>
                                       </p:cBhvr>
                                     </p:animEffect>
@@ -5228,36 +7561,32 @@
                     </p:cTn>
                   </p:par>
                   <p:par>
-                    <p:cTn id="13" fill="hold">
+                    <p:cTn id="89" fill="hold">
                       <p:stCondLst>
                         <p:cond delay="indefinite"/>
                       </p:stCondLst>
                       <p:childTnLst>
                         <p:par>
-                          <p:cTn id="14" fill="hold">
+                          <p:cTn id="90" fill="hold">
                             <p:stCondLst>
                               <p:cond delay="0"/>
                             </p:stCondLst>
                             <p:childTnLst>
                               <p:par>
-                                <p:cTn id="15" presetID="10" presetClass="entr" presetSubtype="0" fill="hold" nodeType="clickEffect">
+                                <p:cTn id="91" presetID="10" presetClass="entr" presetSubtype="0" fill="hold" nodeType="clickEffect">
                                   <p:stCondLst>
                                     <p:cond delay="0"/>
                                   </p:stCondLst>
                                   <p:childTnLst>
                                     <p:set>
                                       <p:cBhvr>
-                                        <p:cTn id="16" dur="1" fill="hold">
+                                        <p:cTn id="92" dur="1" fill="hold">
                                           <p:stCondLst>
                                             <p:cond delay="0"/>
                                           </p:stCondLst>
                                         </p:cTn>
                                         <p:tgtEl>
-                                          <p:spTgt spid="3">
-                                            <p:txEl>
-                                              <p:pRg st="5" end="5"/>
-                                            </p:txEl>
-                                          </p:spTgt>
+                                          <p:spTgt spid="60"/>
                                         </p:tgtEl>
                                         <p:attrNameLst>
                                           <p:attrName>style.visibility</p:attrName>
@@ -5269,13 +7598,88 @@
                                     </p:set>
                                     <p:animEffect transition="in" filter="fade">
                                       <p:cBhvr>
-                                        <p:cTn id="17" dur="500"/>
-                                        <p:tgtEl>
-                                          <p:spTgt spid="3">
-                                            <p:txEl>
-                                              <p:pRg st="5" end="5"/>
-                                            </p:txEl>
-                                          </p:spTgt>
+                                        <p:cTn id="93" dur="500"/>
+                                        <p:tgtEl>
+                                          <p:spTgt spid="60"/>
+                                        </p:tgtEl>
+                                      </p:cBhvr>
+                                    </p:animEffect>
+                                  </p:childTnLst>
+                                </p:cTn>
+                              </p:par>
+                              <p:par>
+                                <p:cTn id="94" presetID="10" presetClass="entr" presetSubtype="0" fill="hold" grpId="0" nodeType="withEffect">
+                                  <p:stCondLst>
+                                    <p:cond delay="0"/>
+                                  </p:stCondLst>
+                                  <p:childTnLst>
+                                    <p:set>
+                                      <p:cBhvr>
+                                        <p:cTn id="95" dur="1" fill="hold">
+                                          <p:stCondLst>
+                                            <p:cond delay="0"/>
+                                          </p:stCondLst>
+                                        </p:cTn>
+                                        <p:tgtEl>
+                                          <p:spTgt spid="63"/>
+                                        </p:tgtEl>
+                                        <p:attrNameLst>
+                                          <p:attrName>style.visibility</p:attrName>
+                                        </p:attrNameLst>
+                                      </p:cBhvr>
+                                      <p:to>
+                                        <p:strVal val="visible"/>
+                                      </p:to>
+                                    </p:set>
+                                    <p:animEffect transition="in" filter="fade">
+                                      <p:cBhvr>
+                                        <p:cTn id="96" dur="500"/>
+                                        <p:tgtEl>
+                                          <p:spTgt spid="63"/>
+                                        </p:tgtEl>
+                                      </p:cBhvr>
+                                    </p:animEffect>
+                                  </p:childTnLst>
+                                </p:cTn>
+                              </p:par>
+                            </p:childTnLst>
+                          </p:cTn>
+                        </p:par>
+                        <p:par>
+                          <p:cTn id="97" fill="hold">
+                            <p:stCondLst>
+                              <p:cond delay="500"/>
+                            </p:stCondLst>
+                            <p:childTnLst>
+                              <p:par>
+                                <p:cTn id="98" presetID="10" presetClass="entr" presetSubtype="0" fill="hold" grpId="0" nodeType="afterEffect">
+                                  <p:stCondLst>
+                                    <p:cond delay="0"/>
+                                  </p:stCondLst>
+                                  <p:childTnLst>
+                                    <p:set>
+                                      <p:cBhvr>
+                                        <p:cTn id="99" dur="1" fill="hold">
+                                          <p:stCondLst>
+                                            <p:cond delay="0"/>
+                                          </p:stCondLst>
+                                        </p:cTn>
+                                        <p:tgtEl>
+                                          <p:spTgt spid="45"/>
+                                        </p:tgtEl>
+                                        <p:attrNameLst>
+                                          <p:attrName>style.visibility</p:attrName>
+                                        </p:attrNameLst>
+                                      </p:cBhvr>
+                                      <p:to>
+                                        <p:strVal val="visible"/>
+                                      </p:to>
+                                    </p:set>
+                                    <p:animEffect transition="in" filter="fade">
+                                      <p:cBhvr>
+                                        <p:cTn id="100" dur="500"/>
+                                        <p:tgtEl>
+                                          <p:spTgt spid="45"/>
                                         </p:tgtEl>
                                       </p:cBhvr>
                                     </p:animEffect>
@@ -5289,36 +7693,32 @@
                     </p:cTn>
                   </p:par>
                   <p:par>
-                    <p:cTn id="18" fill="hold">
+                    <p:cTn id="101" fill="hold">
                       <p:stCondLst>
                         <p:cond delay="indefinite"/>
                       </p:stCondLst>
                       <p:childTnLst>
                         <p:par>
-                          <p:cTn id="19" fill="hold">
+                          <p:cTn id="102" fill="hold">
                             <p:stCondLst>
                               <p:cond delay="0"/>
                             </p:stCondLst>
                             <p:childTnLst>
                               <p:par>
-                                <p:cTn id="20" presetID="10" presetClass="entr" presetSubtype="0" fill="hold" nodeType="clickEffect">
+                                <p:cTn id="103" presetID="10" presetClass="entr" presetSubtype="0" fill="hold" nodeType="clickEffect">
                                   <p:stCondLst>
                                     <p:cond delay="0"/>
                                   </p:stCondLst>
                                   <p:childTnLst>
                                     <p:set>
                                       <p:cBhvr>
-                                        <p:cTn id="21" dur="1" fill="hold">
+                                        <p:cTn id="104" dur="1" fill="hold">
                                           <p:stCondLst>
                                             <p:cond delay="0"/>
                                           </p:stCondLst>
                                         </p:cTn>
                                         <p:tgtEl>
-                                          <p:spTgt spid="3">
-                                            <p:txEl>
-                                              <p:pRg st="7" end="7"/>
-                                            </p:txEl>
-                                          </p:spTgt>
+                                          <p:spTgt spid="64"/>
                                         </p:tgtEl>
                                         <p:attrNameLst>
                                           <p:attrName>style.visibility</p:attrName>
@@ -5330,13 +7730,44 @@
                                     </p:set>
                                     <p:animEffect transition="in" filter="fade">
                                       <p:cBhvr>
-                                        <p:cTn id="22" dur="500"/>
-                                        <p:tgtEl>
-                                          <p:spTgt spid="3">
-                                            <p:txEl>
-                                              <p:pRg st="7" end="7"/>
-                                            </p:txEl>
-                                          </p:spTgt>
+                                        <p:cTn id="105" dur="500"/>
+                                        <p:tgtEl>
+                                          <p:spTgt spid="64"/>
+                                        </p:tgtEl>
+                                      </p:cBhvr>
+                                    </p:animEffect>
+                                  </p:childTnLst>
+                                </p:cTn>
+                              </p:par>
+                              <p:par>
+                                <p:cTn id="106" presetID="10" presetClass="entr" presetSubtype="0" fill="hold" grpId="0" nodeType="withEffect">
+                                  <p:stCondLst>
+                                    <p:cond delay="0"/>
+                                  </p:stCondLst>
+                                  <p:childTnLst>
+                                    <p:set>
+                                      <p:cBhvr>
+                                        <p:cTn id="107" dur="1" fill="hold">
+                                          <p:stCondLst>
+                                            <p:cond delay="0"/>
+                                          </p:stCondLst>
+                                        </p:cTn>
+                                        <p:tgtEl>
+                                          <p:spTgt spid="68"/>
+                                        </p:tgtEl>
+                                        <p:attrNameLst>
+                                          <p:attrName>style.visibility</p:attrName>
+                                        </p:attrNameLst>
+                                      </p:cBhvr>
+                                      <p:to>
+                                        <p:strVal val="visible"/>
+                                      </p:to>
+                                    </p:set>
+                                    <p:animEffect transition="in" filter="fade">
+                                      <p:cBhvr>
+                                        <p:cTn id="108" dur="500"/>
+                                        <p:tgtEl>
+                                          <p:spTgt spid="68"/>
                                         </p:tgtEl>
                                       </p:cBhvr>
                                     </p:animEffect>
@@ -5370,11 +7801,33 @@
         </p:cTn>
       </p:par>
     </p:tnLst>
+    <p:bldLst>
+      <p:bldP spid="124" grpId="0" animBg="1"/>
+      <p:bldP spid="4" grpId="0" animBg="1"/>
+      <p:bldP spid="5" grpId="0" animBg="1"/>
+      <p:bldP spid="9" grpId="0"/>
+      <p:bldP spid="12" grpId="0" animBg="1"/>
+      <p:bldP spid="15" grpId="0" animBg="1"/>
+      <p:bldP spid="20" grpId="0"/>
+      <p:bldP spid="23" grpId="0"/>
+      <p:bldP spid="26" grpId="0" animBg="1"/>
+      <p:bldP spid="32" grpId="0"/>
+      <p:bldP spid="33" grpId="0"/>
+      <p:bldP spid="34" grpId="0" animBg="1"/>
+      <p:bldP spid="42" grpId="0"/>
+      <p:bldP spid="118" grpId="0"/>
+      <p:bldP spid="123" grpId="0"/>
+      <p:bldP spid="125" grpId="0"/>
+      <p:bldP spid="45" grpId="0" animBg="1"/>
+      <p:bldP spid="46" grpId="0" animBg="1"/>
+      <p:bldP spid="63" grpId="0"/>
+      <p:bldP spid="68" grpId="0"/>
+    </p:bldLst>
   </p:timing>
 </p:sld>
 </file>
 
-<file path=ppt/slides/slide11.xml><?xml version="1.0" encoding="utf-8"?>
+<file path=ppt/slides/slide13.xml><?xml version="1.0" encoding="utf-8"?>
 <p:sld xmlns:a="http://schemas.openxmlformats.org/drawingml/2006/main" xmlns:r="http://schemas.openxmlformats.org/officeDocument/2006/relationships" xmlns:p="http://schemas.openxmlformats.org/presentationml/2006/main">
   <p:cSld>
     <p:spTree>
@@ -5393,6 +7846,366 @@
       </p:grpSpPr>
       <p:sp>
         <p:nvSpPr>
+          <p:cNvPr id="2" name="Titolo 1"/>
+          <p:cNvSpPr>
+            <a:spLocks noGrp="1"/>
+          </p:cNvSpPr>
+          <p:nvPr>
+            <p:ph type="title"/>
+          </p:nvPr>
+        </p:nvSpPr>
+        <p:spPr/>
+        <p:txBody>
+          <a:bodyPr/>
+          <a:lstStyle/>
+          <a:p>
+            <a:r>
+              <a:rPr lang="it-IT" dirty="0" err="1" smtClean="0">
+                <a:solidFill>
+                  <a:srgbClr val="FF0000"/>
+                </a:solidFill>
+              </a:rPr>
+              <a:t>Todo</a:t>
+            </a:r>
+            <a:r>
+              <a:rPr lang="it-IT" dirty="0" smtClean="0">
+                <a:solidFill>
+                  <a:srgbClr val="FF0000"/>
+                </a:solidFill>
+              </a:rPr>
+              <a:t> </a:t>
+            </a:r>
+            <a:r>
+              <a:rPr lang="it-IT" dirty="0" err="1" smtClean="0">
+                <a:solidFill>
+                  <a:srgbClr val="FF0000"/>
+                </a:solidFill>
+              </a:rPr>
+              <a:t>effects</a:t>
+            </a:r>
+            <a:endParaRPr lang="it-IT" dirty="0">
+              <a:solidFill>
+                <a:srgbClr val="FF0000"/>
+              </a:solidFill>
+            </a:endParaRPr>
+          </a:p>
+        </p:txBody>
+      </p:sp>
+      <p:sp>
+        <p:nvSpPr>
+          <p:cNvPr id="3" name="Segnaposto contenuto 2"/>
+          <p:cNvSpPr>
+            <a:spLocks noGrp="1"/>
+          </p:cNvSpPr>
+          <p:nvPr>
+            <p:ph idx="1"/>
+          </p:nvPr>
+        </p:nvSpPr>
+        <p:spPr/>
+        <p:txBody>
+          <a:bodyPr/>
+          <a:lstStyle/>
+          <a:p>
+            <a:endParaRPr lang="it-IT"/>
+          </a:p>
+        </p:txBody>
+      </p:sp>
+    </p:spTree>
+    <p:extLst>
+      <p:ext uri="{BB962C8B-B14F-4D97-AF65-F5344CB8AC3E}">
+        <p14:creationId xmlns:p14="http://schemas.microsoft.com/office/powerpoint/2010/main" val="4158819502"/>
+      </p:ext>
+    </p:extLst>
+  </p:cSld>
+  <p:clrMapOvr>
+    <a:masterClrMapping/>
+  </p:clrMapOvr>
+  <p:timing>
+    <p:tnLst>
+      <p:par>
+        <p:cTn id="1" dur="indefinite" restart="never" nodeType="tmRoot"/>
+      </p:par>
+    </p:tnLst>
+  </p:timing>
+</p:sld>
+</file>
+
+<file path=ppt/slides/slide14.xml><?xml version="1.0" encoding="utf-8"?>
+<p:sld xmlns:a="http://schemas.openxmlformats.org/drawingml/2006/main" xmlns:r="http://schemas.openxmlformats.org/officeDocument/2006/relationships" xmlns:p="http://schemas.openxmlformats.org/presentationml/2006/main">
+  <p:cSld>
+    <p:spTree>
+      <p:nvGrpSpPr>
+        <p:cNvPr id="1" name=""/>
+        <p:cNvGrpSpPr/>
+        <p:nvPr/>
+      </p:nvGrpSpPr>
+      <p:grpSpPr>
+        <a:xfrm>
+          <a:off x="0" y="0"/>
+          <a:ext cx="0" cy="0"/>
+          <a:chOff x="0" y="0"/>
+          <a:chExt cx="0" cy="0"/>
+        </a:xfrm>
+      </p:grpSpPr>
+      <p:sp>
+        <p:nvSpPr>
+          <p:cNvPr id="2" name="Titolo 1"/>
+          <p:cNvSpPr>
+            <a:spLocks noGrp="1"/>
+          </p:cNvSpPr>
+          <p:nvPr>
+            <p:ph type="title"/>
+          </p:nvPr>
+        </p:nvSpPr>
+        <p:spPr/>
+        <p:txBody>
+          <a:bodyPr/>
+          <a:lstStyle/>
+          <a:p>
+            <a:r>
+              <a:rPr lang="it-IT" dirty="0" err="1" smtClean="0">
+                <a:solidFill>
+                  <a:srgbClr val="FF0000"/>
+                </a:solidFill>
+              </a:rPr>
+              <a:t>Todo</a:t>
+            </a:r>
+            <a:r>
+              <a:rPr lang="it-IT" dirty="0" smtClean="0">
+                <a:solidFill>
+                  <a:srgbClr val="FF0000"/>
+                </a:solidFill>
+              </a:rPr>
+              <a:t> </a:t>
+            </a:r>
+            <a:r>
+              <a:rPr lang="it-IT" smtClean="0">
+                <a:solidFill>
+                  <a:srgbClr val="FF0000"/>
+                </a:solidFill>
+              </a:rPr>
+              <a:t>devtools</a:t>
+            </a:r>
+            <a:endParaRPr lang="it-IT">
+              <a:solidFill>
+                <a:srgbClr val="FF0000"/>
+              </a:solidFill>
+            </a:endParaRPr>
+          </a:p>
+        </p:txBody>
+      </p:sp>
+      <p:sp>
+        <p:nvSpPr>
+          <p:cNvPr id="3" name="Segnaposto contenuto 2"/>
+          <p:cNvSpPr>
+            <a:spLocks noGrp="1"/>
+          </p:cNvSpPr>
+          <p:nvPr>
+            <p:ph idx="1"/>
+          </p:nvPr>
+        </p:nvSpPr>
+        <p:spPr/>
+        <p:txBody>
+          <a:bodyPr/>
+          <a:lstStyle/>
+          <a:p>
+            <a:endParaRPr lang="it-IT"/>
+          </a:p>
+        </p:txBody>
+      </p:sp>
+    </p:spTree>
+    <p:extLst>
+      <p:ext uri="{BB962C8B-B14F-4D97-AF65-F5344CB8AC3E}">
+        <p14:creationId xmlns:p14="http://schemas.microsoft.com/office/powerpoint/2010/main" val="1302679097"/>
+      </p:ext>
+    </p:extLst>
+  </p:cSld>
+  <p:clrMapOvr>
+    <a:masterClrMapping/>
+  </p:clrMapOvr>
+  <p:timing>
+    <p:tnLst>
+      <p:par>
+        <p:cTn id="1" dur="indefinite" restart="never" nodeType="tmRoot"/>
+      </p:par>
+    </p:tnLst>
+  </p:timing>
+</p:sld>
+</file>
+
+<file path=ppt/slides/slide15.xml><?xml version="1.0" encoding="utf-8"?>
+<p:sld xmlns:a="http://schemas.openxmlformats.org/drawingml/2006/main" xmlns:r="http://schemas.openxmlformats.org/officeDocument/2006/relationships" xmlns:p="http://schemas.openxmlformats.org/presentationml/2006/main">
+  <p:cSld>
+    <p:spTree>
+      <p:nvGrpSpPr>
+        <p:cNvPr id="1" name=""/>
+        <p:cNvGrpSpPr/>
+        <p:nvPr/>
+      </p:nvGrpSpPr>
+      <p:grpSpPr>
+        <a:xfrm>
+          <a:off x="0" y="0"/>
+          <a:ext cx="0" cy="0"/>
+          <a:chOff x="0" y="0"/>
+          <a:chExt cx="0" cy="0"/>
+        </a:xfrm>
+      </p:grpSpPr>
+      <p:sp>
+        <p:nvSpPr>
+          <p:cNvPr id="2" name="Titolo 1"/>
+          <p:cNvSpPr>
+            <a:spLocks noGrp="1"/>
+          </p:cNvSpPr>
+          <p:nvPr>
+            <p:ph type="title"/>
+          </p:nvPr>
+        </p:nvSpPr>
+        <p:spPr/>
+        <p:txBody>
+          <a:bodyPr>
+            <a:normAutofit/>
+          </a:bodyPr>
+          <a:lstStyle/>
+          <a:p>
+            <a:r>
+              <a:rPr lang="it-IT" dirty="0" smtClean="0"/>
+              <a:t>Benefits of </a:t>
+            </a:r>
+            <a:r>
+              <a:rPr lang="it-IT" dirty="0" err="1" smtClean="0"/>
+              <a:t>NgRx</a:t>
+            </a:r>
+            <a:endParaRPr lang="it-IT" dirty="0"/>
+          </a:p>
+        </p:txBody>
+      </p:sp>
+      <p:sp>
+        <p:nvSpPr>
+          <p:cNvPr id="3" name="Segnaposto contenuto 2"/>
+          <p:cNvSpPr>
+            <a:spLocks noGrp="1"/>
+          </p:cNvSpPr>
+          <p:nvPr>
+            <p:ph idx="1"/>
+          </p:nvPr>
+        </p:nvSpPr>
+        <p:spPr/>
+        <p:txBody>
+          <a:bodyPr/>
+          <a:lstStyle/>
+          <a:p>
+            <a:endParaRPr lang="it-IT" dirty="0" smtClean="0"/>
+          </a:p>
+          <a:p>
+            <a:pPr>
+              <a:buFont typeface="Arial" panose="020B0604020202020204" pitchFamily="34" charset="0"/>
+              <a:buChar char="•"/>
+            </a:pPr>
+            <a:r>
+              <a:rPr lang="it-IT" sz="2800" dirty="0" err="1" smtClean="0"/>
+              <a:t>Centralized</a:t>
+            </a:r>
+            <a:r>
+              <a:rPr lang="it-IT" sz="2800" dirty="0" smtClean="0"/>
+              <a:t> </a:t>
+            </a:r>
+            <a:r>
+              <a:rPr lang="it-IT" sz="2800" dirty="0" err="1" smtClean="0"/>
+              <a:t>Immutable</a:t>
+            </a:r>
+            <a:r>
+              <a:rPr lang="it-IT" sz="2800" dirty="0" smtClean="0"/>
+              <a:t> State</a:t>
+            </a:r>
+          </a:p>
+          <a:p>
+            <a:pPr>
+              <a:buFont typeface="Arial" panose="020B0604020202020204" pitchFamily="34" charset="0"/>
+              <a:buChar char="•"/>
+            </a:pPr>
+            <a:r>
+              <a:rPr lang="it-IT" sz="2800" dirty="0" err="1" smtClean="0"/>
+              <a:t>Predictability</a:t>
+            </a:r>
+            <a:endParaRPr lang="it-IT" sz="2800" dirty="0" smtClean="0"/>
+          </a:p>
+          <a:p>
+            <a:pPr>
+              <a:buFont typeface="Arial" panose="020B0604020202020204" pitchFamily="34" charset="0"/>
+              <a:buChar char="•"/>
+            </a:pPr>
+            <a:r>
+              <a:rPr lang="it-IT" sz="2800" dirty="0" err="1"/>
+              <a:t>Testablity</a:t>
+            </a:r>
+            <a:endParaRPr lang="it-IT" sz="2800" dirty="0"/>
+          </a:p>
+          <a:p>
+            <a:pPr>
+              <a:buFont typeface="Arial" panose="020B0604020202020204" pitchFamily="34" charset="0"/>
+              <a:buChar char="•"/>
+            </a:pPr>
+            <a:r>
+              <a:rPr lang="it-IT" sz="2800" dirty="0" smtClean="0"/>
+              <a:t>Performance</a:t>
+            </a:r>
+          </a:p>
+          <a:p>
+            <a:pPr>
+              <a:buFont typeface="Arial" panose="020B0604020202020204" pitchFamily="34" charset="0"/>
+              <a:buChar char="•"/>
+            </a:pPr>
+            <a:r>
+              <a:rPr lang="it-IT" sz="2800" dirty="0" smtClean="0"/>
+              <a:t>Debugging </a:t>
+            </a:r>
+            <a:r>
+              <a:rPr lang="it-IT" sz="2800" dirty="0" err="1" smtClean="0"/>
+              <a:t>Toolset</a:t>
+            </a:r>
+            <a:endParaRPr lang="it-IT" sz="2800" dirty="0" smtClean="0"/>
+          </a:p>
+        </p:txBody>
+      </p:sp>
+    </p:spTree>
+    <p:extLst>
+      <p:ext uri="{BB962C8B-B14F-4D97-AF65-F5344CB8AC3E}">
+        <p14:creationId xmlns:p14="http://schemas.microsoft.com/office/powerpoint/2010/main" val="2186655875"/>
+      </p:ext>
+    </p:extLst>
+  </p:cSld>
+  <p:clrMapOvr>
+    <a:masterClrMapping/>
+  </p:clrMapOvr>
+  <p:timing>
+    <p:tnLst>
+      <p:par>
+        <p:cTn id="1" dur="indefinite" restart="never" nodeType="tmRoot"/>
+      </p:par>
+    </p:tnLst>
+  </p:timing>
+</p:sld>
+</file>
+
+<file path=ppt/slides/slide16.xml><?xml version="1.0" encoding="utf-8"?>
+<p:sld xmlns:a="http://schemas.openxmlformats.org/drawingml/2006/main" xmlns:r="http://schemas.openxmlformats.org/officeDocument/2006/relationships" xmlns:p="http://schemas.openxmlformats.org/presentationml/2006/main">
+  <p:cSld>
+    <p:spTree>
+      <p:nvGrpSpPr>
+        <p:cNvPr id="1" name=""/>
+        <p:cNvGrpSpPr/>
+        <p:nvPr/>
+      </p:nvGrpSpPr>
+      <p:grpSpPr>
+        <a:xfrm>
+          <a:off x="0" y="0"/>
+          <a:ext cx="0" cy="0"/>
+          <a:chOff x="0" y="0"/>
+          <a:chExt cx="0" cy="0"/>
+        </a:xfrm>
+      </p:grpSpPr>
+      <p:sp>
+        <p:nvSpPr>
           <p:cNvPr id="4" name="Titolo 3"/>
           <p:cNvSpPr>
             <a:spLocks noGrp="1"/>
@@ -5442,11 +8255,7 @@
             </a:r>
             <a:r>
               <a:rPr lang="it-IT" dirty="0" err="1" smtClean="0"/>
-              <a:t>d</a:t>
-            </a:r>
-            <a:r>
-              <a:rPr lang="it-IT" dirty="0" err="1" smtClean="0"/>
-              <a:t>ocumentation</a:t>
+              <a:t>documentation</a:t>
             </a:r>
             <a:r>
               <a:rPr lang="it-IT" dirty="0" smtClean="0"/>
@@ -5506,13 +8315,7 @@
               <a:rPr lang="it-IT" dirty="0" smtClean="0">
                 <a:hlinkClick r:id="rId5"/>
               </a:rPr>
-              <a:t>http://</a:t>
-            </a:r>
-            <a:r>
-              <a:rPr lang="it-IT" dirty="0" smtClean="0">
-                <a:hlinkClick r:id="rId5"/>
-              </a:rPr>
-              <a:t>ngrx.io</a:t>
+              <a:t>http://ngrx.io</a:t>
             </a:r>
             <a:endParaRPr lang="it-IT" dirty="0" smtClean="0"/>
           </a:p>
@@ -5589,7 +8392,7 @@
 </p:sld>
 </file>
 
-<file path=ppt/slides/slide12.xml><?xml version="1.0" encoding="utf-8"?>
+<file path=ppt/slides/slide17.xml><?xml version="1.0" encoding="utf-8"?>
 <p:sld xmlns:a="http://schemas.openxmlformats.org/drawingml/2006/main" xmlns:r="http://schemas.openxmlformats.org/officeDocument/2006/relationships" xmlns:p="http://schemas.openxmlformats.org/presentationml/2006/main">
   <p:cSld>
     <p:spTree>
@@ -5720,7 +8523,7 @@
 </p:sld>
 </file>
 
-<file path=ppt/slides/slide13.xml><?xml version="1.0" encoding="utf-8"?>
+<file path=ppt/slides/slide18.xml><?xml version="1.0" encoding="utf-8"?>
 <p:sld xmlns:a="http://schemas.openxmlformats.org/drawingml/2006/main" xmlns:r="http://schemas.openxmlformats.org/officeDocument/2006/relationships" xmlns:p="http://schemas.openxmlformats.org/presentationml/2006/main">
   <p:cSld>
     <p:spTree>
@@ -6242,11 +9045,7 @@
             </a:r>
             <a:r>
               <a:rPr lang="it-IT" sz="3200" dirty="0" smtClean="0"/>
-              <a:t> </a:t>
-            </a:r>
-            <a:r>
-              <a:rPr lang="it-IT" sz="3200" dirty="0" smtClean="0"/>
-              <a:t>State Management </a:t>
+              <a:t> State Management </a:t>
             </a:r>
             <a:r>
               <a:rPr lang="it-IT" sz="3200" dirty="0" err="1" smtClean="0"/>
@@ -6254,11 +9053,7 @@
             </a:r>
             <a:r>
               <a:rPr lang="it-IT" sz="3200" dirty="0" smtClean="0"/>
-              <a:t> </a:t>
-            </a:r>
-            <a:r>
-              <a:rPr lang="it-IT" sz="3200" dirty="0" smtClean="0"/>
-              <a:t>for </a:t>
+              <a:t> for </a:t>
             </a:r>
             <a:r>
               <a:rPr lang="it-IT" sz="3200" dirty="0" err="1" smtClean="0"/>
@@ -7403,6 +10198,10 @@
             <a:r>
               <a:rPr lang="it-IT" dirty="0" err="1" smtClean="0"/>
               <a:t>Reducer</a:t>
+            </a:r>
+            <a:r>
+              <a:rPr lang="it-IT" dirty="0" smtClean="0"/>
+              <a:t>(s)</a:t>
             </a:r>
             <a:endParaRPr lang="it-IT" dirty="0"/>
           </a:p>
@@ -9388,11 +12187,7 @@
             </a:r>
             <a:r>
               <a:rPr lang="it-IT" sz="4400" dirty="0" smtClean="0"/>
-              <a:t>» </a:t>
-            </a:r>
-            <a:r>
-              <a:rPr lang="it-IT" sz="4400" dirty="0" smtClean="0"/>
-              <a:t>?</a:t>
+              <a:t>» ?</a:t>
             </a:r>
           </a:p>
           <a:p>
@@ -9607,11 +12402,7 @@
             </a:r>
             <a:r>
               <a:rPr lang="it-IT" sz="2400" dirty="0" smtClean="0"/>
-              <a:t> </a:t>
-            </a:r>
-            <a:r>
-              <a:rPr lang="it-IT" sz="2400" dirty="0" smtClean="0"/>
-              <a:t>and </a:t>
+              <a:t> and </a:t>
             </a:r>
             <a:r>
               <a:rPr lang="it-IT" sz="2400" dirty="0" err="1" smtClean="0">
@@ -9704,15 +12495,7 @@
             </a:r>
             <a:r>
               <a:rPr lang="it-IT" sz="2400" dirty="0" smtClean="0"/>
-              <a:t> </a:t>
-            </a:r>
-            <a:r>
-              <a:rPr lang="it-IT" sz="2400" dirty="0" smtClean="0"/>
-              <a:t>ways </a:t>
-            </a:r>
-            <a:r>
-              <a:rPr lang="it-IT" sz="2400" dirty="0" smtClean="0"/>
-              <a:t>to </a:t>
+              <a:t> ways to </a:t>
             </a:r>
             <a:r>
               <a:rPr lang="it-IT" sz="2400" dirty="0" err="1" smtClean="0"/>
@@ -9728,13 +12511,8 @@
             </a:r>
             <a:r>
               <a:rPr lang="it-IT" sz="2400" dirty="0" smtClean="0"/>
-              <a:t> </a:t>
-            </a:r>
-            <a:r>
-              <a:rPr lang="it-IT" sz="2400" dirty="0" smtClean="0"/>
-              <a:t>are:</a:t>
-            </a:r>
-            <a:endParaRPr lang="it-IT" sz="2400" dirty="0" smtClean="0"/>
+              <a:t> are:</a:t>
+            </a:r>
           </a:p>
           <a:p>
             <a:pPr>
@@ -9747,11 +12525,7 @@
             </a:r>
             <a:r>
               <a:rPr lang="it-IT" sz="2400" dirty="0" smtClean="0"/>
-              <a:t> </a:t>
-            </a:r>
-            <a:r>
-              <a:rPr lang="it-IT" sz="2400" dirty="0" smtClean="0"/>
-              <a:t>an </a:t>
+              <a:t> an </a:t>
             </a:r>
             <a:r>
               <a:rPr lang="it-IT" sz="2400" dirty="0" smtClean="0">
@@ -9774,20 +12548,16 @@
               <a:t> of </a:t>
             </a:r>
             <a:r>
+              <a:rPr lang="it-IT" sz="2400" dirty="0" smtClean="0"/>
+              <a:t>«</a:t>
+            </a:r>
+            <a:r>
               <a:rPr lang="it-IT" sz="2400" dirty="0" err="1" smtClean="0"/>
               <a:t>async</a:t>
             </a:r>
             <a:r>
               <a:rPr lang="it-IT" sz="2400" dirty="0" smtClean="0"/>
-              <a:t> </a:t>
-            </a:r>
-            <a:r>
-              <a:rPr lang="it-IT" sz="2400" dirty="0" err="1" smtClean="0"/>
-              <a:t>messaging</a:t>
-            </a:r>
-            <a:r>
-              <a:rPr lang="it-IT" sz="2400" dirty="0" smtClean="0"/>
-              <a:t> / </a:t>
+              <a:t>» </a:t>
             </a:r>
             <a:r>
               <a:rPr lang="it-IT" sz="2400" dirty="0" err="1" smtClean="0"/>
@@ -9809,11 +12579,7 @@
             </a:r>
             <a:r>
               <a:rPr lang="it-IT" sz="2400" dirty="0" smtClean="0"/>
-              <a:t> </a:t>
-            </a:r>
-            <a:r>
-              <a:rPr lang="it-IT" sz="2400" dirty="0" smtClean="0"/>
-              <a:t>a </a:t>
+              <a:t> a </a:t>
             </a:r>
             <a:r>
               <a:rPr lang="it-IT" sz="2400" dirty="0" err="1" smtClean="0">
@@ -9892,20 +12658,16 @@
               <a:t> of </a:t>
             </a:r>
             <a:r>
+              <a:rPr lang="it-IT" sz="2400" dirty="0" smtClean="0"/>
+              <a:t>«</a:t>
+            </a:r>
+            <a:r>
               <a:rPr lang="it-IT" sz="2400" dirty="0" err="1" smtClean="0"/>
               <a:t>async</a:t>
             </a:r>
             <a:r>
               <a:rPr lang="it-IT" sz="2400" dirty="0" smtClean="0"/>
-              <a:t> </a:t>
-            </a:r>
-            <a:r>
-              <a:rPr lang="it-IT" sz="2400" dirty="0" err="1" smtClean="0"/>
-              <a:t>messaging</a:t>
-            </a:r>
-            <a:r>
-              <a:rPr lang="it-IT" sz="2400" dirty="0" smtClean="0"/>
-              <a:t> / </a:t>
+              <a:t>» </a:t>
             </a:r>
             <a:r>
               <a:rPr lang="it-IT" sz="2400" dirty="0" err="1" smtClean="0"/>
@@ -9915,7 +12677,6 @@
               <a:rPr lang="it-IT" sz="2400" dirty="0" smtClean="0"/>
               <a:t>).</a:t>
             </a:r>
-            <a:endParaRPr lang="it-IT" sz="2400" dirty="0" smtClean="0"/>
           </a:p>
         </p:txBody>
       </p:sp>
@@ -10322,11 +13083,7 @@
             </a:r>
             <a:r>
               <a:rPr lang="it-IT" sz="2400" dirty="0" smtClean="0"/>
-              <a:t> </a:t>
-            </a:r>
-            <a:r>
-              <a:rPr lang="it-IT" sz="2400" dirty="0" smtClean="0"/>
-              <a:t>for a </a:t>
+              <a:t> for a </a:t>
             </a:r>
             <a:r>
               <a:rPr lang="it-IT" sz="2400" dirty="0" err="1" smtClean="0"/>
@@ -10339,6 +13096,14 @@
             <a:r>
               <a:rPr lang="it-IT" sz="2400" dirty="0" err="1" smtClean="0"/>
               <a:t>it’s</a:t>
+            </a:r>
+            <a:r>
+              <a:rPr lang="it-IT" sz="2400" dirty="0" smtClean="0"/>
+              <a:t> </a:t>
+            </a:r>
+            <a:r>
+              <a:rPr lang="it-IT" sz="2400" dirty="0" err="1" smtClean="0"/>
+              <a:t>still</a:t>
             </a:r>
             <a:r>
               <a:rPr lang="it-IT" sz="2400" dirty="0" smtClean="0"/>
@@ -10375,7 +13140,15 @@
                   <a:srgbClr val="0070C0"/>
                 </a:solidFill>
               </a:rPr>
-              <a:t>A</a:t>
+              <a:t>Asynchronous</a:t>
+            </a:r>
+            <a:r>
+              <a:rPr lang="it-IT" sz="2400" dirty="0" smtClean="0">
+                <a:solidFill>
+                  <a:srgbClr val="0070C0"/>
+                </a:solidFill>
+              </a:rPr>
+              <a:t> Data </a:t>
             </a:r>
             <a:r>
               <a:rPr lang="it-IT" sz="2400" dirty="0" err="1" smtClean="0">
@@ -10383,7 +13156,75 @@
                   <a:srgbClr val="0070C0"/>
                 </a:solidFill>
               </a:rPr>
-              <a:t>synchronous</a:t>
+              <a:t>Streams</a:t>
+            </a:r>
+            <a:r>
+              <a:rPr lang="it-IT" sz="2400" dirty="0" smtClean="0"/>
+              <a:t>.</a:t>
+            </a:r>
+          </a:p>
+          <a:p>
+            <a:pPr>
+              <a:buFont typeface="Arial" panose="020B0604020202020204" pitchFamily="34" charset="0"/>
+              <a:buChar char="•"/>
+            </a:pPr>
+            <a:r>
+              <a:rPr lang="it-IT" sz="2400" dirty="0" err="1" smtClean="0"/>
+              <a:t>Async</a:t>
+            </a:r>
+            <a:r>
+              <a:rPr lang="it-IT" sz="2400" dirty="0" smtClean="0"/>
+              <a:t> </a:t>
+            </a:r>
+            <a:r>
+              <a:rPr lang="it-IT" sz="2400" dirty="0" err="1" smtClean="0"/>
+              <a:t>messaging</a:t>
+            </a:r>
+            <a:r>
+              <a:rPr lang="it-IT" sz="2400" dirty="0" smtClean="0"/>
+              <a:t> and </a:t>
+            </a:r>
+            <a:r>
+              <a:rPr lang="it-IT" sz="2400" dirty="0" err="1" smtClean="0"/>
+              <a:t>loose</a:t>
+            </a:r>
+            <a:r>
+              <a:rPr lang="it-IT" sz="2400" dirty="0" smtClean="0"/>
+              <a:t> </a:t>
+            </a:r>
+            <a:r>
+              <a:rPr lang="it-IT" sz="2400" dirty="0" err="1" smtClean="0"/>
+              <a:t>coupling</a:t>
+            </a:r>
+            <a:r>
+              <a:rPr lang="it-IT" sz="2400" dirty="0" smtClean="0"/>
+              <a:t>.</a:t>
+            </a:r>
+          </a:p>
+          <a:p>
+            <a:pPr>
+              <a:buFont typeface="Arial" panose="020B0604020202020204" pitchFamily="34" charset="0"/>
+              <a:buChar char="•"/>
+            </a:pPr>
+            <a:r>
+              <a:rPr lang="it-IT" sz="2400" dirty="0" err="1" smtClean="0">
+                <a:solidFill>
+                  <a:srgbClr val="0070C0"/>
+                </a:solidFill>
+              </a:rPr>
+              <a:t>RxJS</a:t>
+            </a:r>
+            <a:r>
+              <a:rPr lang="it-IT" sz="2400" dirty="0" smtClean="0"/>
+              <a:t>: the </a:t>
+            </a:r>
+            <a:r>
+              <a:rPr lang="it-IT" sz="2400" dirty="0" err="1" smtClean="0">
+                <a:solidFill>
+                  <a:srgbClr val="0070C0"/>
+                </a:solidFill>
+              </a:rPr>
+              <a:t>Observable</a:t>
             </a:r>
             <a:r>
               <a:rPr lang="it-IT" sz="2400" dirty="0" smtClean="0">
@@ -10394,38 +13235,16 @@
               <a:t> </a:t>
             </a:r>
             <a:r>
-              <a:rPr lang="it-IT" sz="2400" dirty="0" smtClean="0">
-                <a:solidFill>
-                  <a:srgbClr val="0070C0"/>
-                </a:solidFill>
-              </a:rPr>
-              <a:t>Data </a:t>
-            </a:r>
-            <a:r>
-              <a:rPr lang="it-IT" sz="2400" dirty="0" err="1" smtClean="0">
-                <a:solidFill>
-                  <a:srgbClr val="0070C0"/>
-                </a:solidFill>
-              </a:rPr>
-              <a:t>Streams</a:t>
+              <a:rPr lang="it-IT" sz="2400" dirty="0" err="1" smtClean="0"/>
+              <a:t>is</a:t>
             </a:r>
             <a:r>
               <a:rPr lang="it-IT" sz="2400" dirty="0" smtClean="0"/>
-              <a:t>.</a:t>
-            </a:r>
-          </a:p>
-          <a:p>
-            <a:pPr>
-              <a:buFont typeface="Arial" panose="020B0604020202020204" pitchFamily="34" charset="0"/>
-              <a:buChar char="•"/>
-            </a:pPr>
-            <a:r>
-              <a:rPr lang="it-IT" sz="2400" dirty="0" err="1"/>
-              <a:t>W</a:t>
+              <a:t> the «primitive» </a:t>
             </a:r>
             <a:r>
               <a:rPr lang="it-IT" sz="2400" dirty="0" err="1" smtClean="0"/>
-              <a:t>e</a:t>
+              <a:t>type</a:t>
             </a:r>
             <a:r>
               <a:rPr lang="it-IT" sz="2400" dirty="0" smtClean="0"/>
@@ -10433,7 +13252,23 @@
             </a:r>
             <a:r>
               <a:rPr lang="it-IT" sz="2400" dirty="0" err="1" smtClean="0"/>
-              <a:t>got</a:t>
+              <a:t>used</a:t>
+            </a:r>
+            <a:r>
+              <a:rPr lang="it-IT" sz="2400" dirty="0" smtClean="0"/>
+              <a:t> in JavaScript / </a:t>
+            </a:r>
+            <a:r>
+              <a:rPr lang="it-IT" sz="2400" dirty="0" err="1" smtClean="0"/>
+              <a:t>Angular</a:t>
+            </a:r>
+            <a:r>
+              <a:rPr lang="it-IT" sz="2400" dirty="0" smtClean="0"/>
+              <a:t> to </a:t>
+            </a:r>
+            <a:r>
+              <a:rPr lang="it-IT" sz="2400" dirty="0" err="1" smtClean="0"/>
+              <a:t>implement</a:t>
             </a:r>
             <a:r>
               <a:rPr lang="it-IT" sz="2400" dirty="0" smtClean="0"/>
@@ -10441,129 +13276,15 @@
             </a:r>
             <a:r>
               <a:rPr lang="it-IT" sz="2400" dirty="0" err="1" smtClean="0"/>
-              <a:t>async</a:t>
+              <a:t>asynchronous</a:t>
             </a:r>
             <a:r>
               <a:rPr lang="it-IT" sz="2400" dirty="0" smtClean="0"/>
               <a:t> </a:t>
             </a:r>
             <a:r>
-              <a:rPr lang="it-IT" sz="2400" dirty="0" err="1" smtClean="0"/>
-              <a:t>messaging</a:t>
-            </a:r>
-            <a:r>
               <a:rPr lang="it-IT" sz="2400" dirty="0" smtClean="0"/>
-              <a:t> and </a:t>
-            </a:r>
-            <a:r>
-              <a:rPr lang="it-IT" sz="2400" dirty="0" err="1" smtClean="0"/>
-              <a:t>loose</a:t>
-            </a:r>
-            <a:r>
-              <a:rPr lang="it-IT" sz="2400" dirty="0" smtClean="0"/>
-              <a:t> </a:t>
-            </a:r>
-            <a:r>
-              <a:rPr lang="it-IT" sz="2400" dirty="0" err="1" smtClean="0"/>
-              <a:t>coupling</a:t>
-            </a:r>
-            <a:r>
-              <a:rPr lang="it-IT" sz="2400" dirty="0" smtClean="0"/>
-              <a:t>.</a:t>
-            </a:r>
-          </a:p>
-          <a:p>
-            <a:pPr>
-              <a:buFont typeface="Arial" panose="020B0604020202020204" pitchFamily="34" charset="0"/>
-              <a:buChar char="•"/>
-            </a:pPr>
-            <a:r>
-              <a:rPr lang="it-IT" sz="2400" dirty="0" err="1" smtClean="0">
-                <a:solidFill>
-                  <a:srgbClr val="0070C0"/>
-                </a:solidFill>
-              </a:rPr>
-              <a:t>RxJS</a:t>
-            </a:r>
-            <a:r>
-              <a:rPr lang="it-IT" sz="2400" dirty="0" smtClean="0"/>
-              <a:t>: the </a:t>
-            </a:r>
-            <a:r>
-              <a:rPr lang="it-IT" sz="2400" dirty="0" err="1" smtClean="0">
-                <a:solidFill>
-                  <a:srgbClr val="0070C0"/>
-                </a:solidFill>
-              </a:rPr>
-              <a:t>Observable</a:t>
-            </a:r>
-            <a:r>
-              <a:rPr lang="it-IT" sz="2400" dirty="0" smtClean="0">
-                <a:solidFill>
-                  <a:srgbClr val="0070C0"/>
-                </a:solidFill>
-              </a:rPr>
-              <a:t> </a:t>
-            </a:r>
-            <a:r>
-              <a:rPr lang="it-IT" sz="2400" dirty="0" err="1" smtClean="0"/>
-              <a:t>is</a:t>
-            </a:r>
-            <a:r>
-              <a:rPr lang="it-IT" sz="2400" dirty="0" smtClean="0"/>
-              <a:t> </a:t>
-            </a:r>
-            <a:r>
-              <a:rPr lang="it-IT" sz="2400" dirty="0" smtClean="0"/>
-              <a:t>the «primitive» </a:t>
-            </a:r>
-            <a:r>
-              <a:rPr lang="it-IT" sz="2400" dirty="0" err="1" smtClean="0"/>
-              <a:t>type</a:t>
-            </a:r>
-            <a:r>
-              <a:rPr lang="it-IT" sz="2400" dirty="0" smtClean="0"/>
-              <a:t> </a:t>
-            </a:r>
-            <a:r>
-              <a:rPr lang="it-IT" sz="2400" dirty="0" err="1" smtClean="0"/>
-              <a:t>used</a:t>
-            </a:r>
-            <a:r>
-              <a:rPr lang="it-IT" sz="2400" dirty="0" smtClean="0"/>
-              <a:t> in </a:t>
-            </a:r>
-            <a:r>
-              <a:rPr lang="it-IT" sz="2400" dirty="0" smtClean="0"/>
-              <a:t>JavaScript </a:t>
-            </a:r>
-            <a:r>
-              <a:rPr lang="it-IT" sz="2400" dirty="0" smtClean="0"/>
-              <a:t>/ </a:t>
-            </a:r>
-            <a:r>
-              <a:rPr lang="it-IT" sz="2400" dirty="0" err="1" smtClean="0"/>
-              <a:t>Angular</a:t>
-            </a:r>
-            <a:r>
-              <a:rPr lang="it-IT" sz="2400" dirty="0" smtClean="0"/>
-              <a:t> to </a:t>
-            </a:r>
-            <a:r>
-              <a:rPr lang="it-IT" sz="2400" dirty="0" err="1" smtClean="0"/>
-              <a:t>handle</a:t>
-            </a:r>
-            <a:r>
-              <a:rPr lang="it-IT" sz="2400" dirty="0" smtClean="0"/>
-              <a:t> </a:t>
-            </a:r>
-            <a:r>
-              <a:rPr lang="it-IT" sz="2400" dirty="0" err="1" smtClean="0"/>
-              <a:t>asynchronous</a:t>
-            </a:r>
-            <a:r>
-              <a:rPr lang="it-IT" sz="2400" dirty="0" smtClean="0"/>
-              <a:t> data </a:t>
+              <a:t>data </a:t>
             </a:r>
             <a:r>
               <a:rPr lang="it-IT" sz="2400" dirty="0" err="1" smtClean="0"/>
@@ -10917,18 +13638,20 @@
         </p:nvSpPr>
         <p:spPr/>
         <p:txBody>
-          <a:bodyPr>
-            <a:normAutofit/>
-          </a:bodyPr>
+          <a:bodyPr/>
           <a:lstStyle/>
           <a:p>
-            <a:r>
-              <a:rPr lang="it-IT" dirty="0" smtClean="0"/>
-              <a:t>Benefits of </a:t>
-            </a:r>
             <a:r>
               <a:rPr lang="it-IT" dirty="0" err="1" smtClean="0"/>
               <a:t>NgRx</a:t>
+            </a:r>
+            <a:r>
+              <a:rPr lang="it-IT" dirty="0" smtClean="0"/>
+              <a:t> Core </a:t>
+            </a:r>
+            <a:r>
+              <a:rPr lang="it-IT" dirty="0" err="1" smtClean="0"/>
+              <a:t>Principles</a:t>
             </a:r>
             <a:endParaRPr lang="it-IT" dirty="0"/>
           </a:p>
@@ -10957,22 +13680,29 @@
               <a:buChar char="•"/>
             </a:pPr>
             <a:r>
-              <a:rPr lang="it-IT" sz="2800" dirty="0" err="1" smtClean="0"/>
-              <a:t>Centralized</a:t>
-            </a:r>
-            <a:r>
-              <a:rPr lang="it-IT" sz="2800" dirty="0" smtClean="0"/>
-              <a:t> </a:t>
-            </a:r>
-            <a:r>
-              <a:rPr lang="it-IT" sz="2800" dirty="0" err="1" smtClean="0"/>
-              <a:t>Immutable</a:t>
-            </a:r>
-            <a:r>
-              <a:rPr lang="it-IT" sz="2800" dirty="0" smtClean="0"/>
-              <a:t> State</a:t>
-            </a:r>
-            <a:endParaRPr lang="it-IT" sz="2800" dirty="0" smtClean="0"/>
+              <a:rPr lang="en-US" sz="2400" b="1" dirty="0">
+                <a:solidFill>
+                  <a:srgbClr val="0070C0"/>
+                </a:solidFill>
+              </a:rPr>
+              <a:t>State</a:t>
+            </a:r>
+            <a:r>
+              <a:rPr lang="en-US" sz="2400" dirty="0"/>
+              <a:t>: is a single, </a:t>
+            </a:r>
+            <a:r>
+              <a:rPr lang="en-US" sz="2400" b="1" dirty="0">
+                <a:solidFill>
+                  <a:srgbClr val="0070C0"/>
+                </a:solidFill>
+              </a:rPr>
+              <a:t>immutable data structure</a:t>
+            </a:r>
+            <a:r>
+              <a:rPr lang="en-US" sz="2400" dirty="0"/>
+              <a:t>.</a:t>
+            </a:r>
           </a:p>
           <a:p>
             <a:pPr>
@@ -10980,10 +13710,25 @@
               <a:buChar char="•"/>
             </a:pPr>
             <a:r>
-              <a:rPr lang="it-IT" sz="2800" dirty="0" err="1" smtClean="0"/>
-              <a:t>Predictability</a:t>
-            </a:r>
-            <a:endParaRPr lang="it-IT" sz="2800" dirty="0" smtClean="0"/>
+              <a:rPr lang="en-US" sz="2400" b="1" dirty="0">
+                <a:solidFill>
+                  <a:srgbClr val="0070C0"/>
+                </a:solidFill>
+              </a:rPr>
+              <a:t>Actions</a:t>
+            </a:r>
+            <a:r>
+              <a:rPr lang="en-US" sz="2400" dirty="0"/>
+              <a:t>: events dispatched from components and services, they describe </a:t>
+            </a:r>
+            <a:r>
+              <a:rPr lang="en-US" sz="2400" dirty="0" smtClean="0"/>
+              <a:t>and </a:t>
+            </a:r>
+            <a:r>
+              <a:rPr lang="en-US" sz="2400" dirty="0"/>
+              <a:t>trigger state changes.</a:t>
+            </a:r>
           </a:p>
           <a:p>
             <a:pPr>
@@ -10991,10 +13736,53 @@
               <a:buChar char="•"/>
             </a:pPr>
             <a:r>
-              <a:rPr lang="it-IT" sz="2800" dirty="0" err="1"/>
-              <a:t>Testablity</a:t>
-            </a:r>
-            <a:endParaRPr lang="it-IT" sz="2800" dirty="0"/>
+              <a:rPr lang="en-US" sz="2400" b="1" dirty="0">
+                <a:solidFill>
+                  <a:srgbClr val="0070C0"/>
+                </a:solidFill>
+              </a:rPr>
+              <a:t>Reducers</a:t>
+            </a:r>
+            <a:r>
+              <a:rPr lang="en-US" sz="2400" dirty="0"/>
+              <a:t>: </a:t>
+            </a:r>
+            <a:r>
+              <a:rPr lang="en-US" sz="2400" i="1" dirty="0"/>
+              <a:t>pure functions</a:t>
+            </a:r>
+            <a:r>
+              <a:rPr lang="en-US" sz="2400" dirty="0"/>
+              <a:t> (functions no side effect) that take the </a:t>
+            </a:r>
+            <a:r>
+              <a:rPr lang="en-US" sz="2400" i="1" dirty="0"/>
+              <a:t>previous state </a:t>
+            </a:r>
+            <a:r>
+              <a:rPr lang="en-US" sz="2400" dirty="0"/>
+              <a:t>and the </a:t>
+            </a:r>
+            <a:r>
+              <a:rPr lang="en-US" sz="2400" i="1" dirty="0"/>
+              <a:t>next </a:t>
+            </a:r>
+            <a:r>
+              <a:rPr lang="en-US" sz="2400" i="1" dirty="0" smtClean="0"/>
+              <a:t>action </a:t>
+            </a:r>
+            <a:r>
+              <a:rPr lang="en-US" sz="2400" dirty="0"/>
+              <a:t>to compute the </a:t>
+            </a:r>
+            <a:r>
+              <a:rPr lang="en-US" sz="2400" i="1" dirty="0"/>
+              <a:t>new state</a:t>
+            </a:r>
+            <a:r>
+              <a:rPr lang="en-US" sz="2400" dirty="0"/>
+              <a:t>. The reducers are the only way to change the state inside the Store.</a:t>
+            </a:r>
           </a:p>
           <a:p>
             <a:pPr>
@@ -11002,31 +13790,75 @@
               <a:buChar char="•"/>
             </a:pPr>
             <a:r>
-              <a:rPr lang="it-IT" sz="2800" dirty="0" smtClean="0"/>
-              <a:t>Performance</a:t>
-            </a:r>
-          </a:p>
-          <a:p>
-            <a:pPr>
-              <a:buFont typeface="Arial" panose="020B0604020202020204" pitchFamily="34" charset="0"/>
-              <a:buChar char="•"/>
-            </a:pPr>
-            <a:r>
-              <a:rPr lang="it-IT" sz="2800" dirty="0" smtClean="0"/>
-              <a:t>Debugging </a:t>
-            </a:r>
-            <a:r>
-              <a:rPr lang="it-IT" sz="2800" dirty="0" err="1" smtClean="0"/>
-              <a:t>Toolset</a:t>
-            </a:r>
-            <a:endParaRPr lang="it-IT" sz="2800" dirty="0" smtClean="0"/>
+              <a:rPr lang="en-US" sz="2400" b="1" dirty="0" smtClean="0">
+                <a:solidFill>
+                  <a:srgbClr val="0070C0"/>
+                </a:solidFill>
+              </a:rPr>
+              <a:t>Selectors</a:t>
+            </a:r>
+            <a:r>
+              <a:rPr lang="en-US" sz="2400" dirty="0" smtClean="0"/>
+              <a:t>: state </a:t>
+            </a:r>
+            <a:r>
+              <a:rPr lang="en-US" sz="2400" dirty="0"/>
+              <a:t>is accessed </a:t>
+            </a:r>
+            <a:r>
+              <a:rPr lang="en-US" sz="2400" dirty="0" smtClean="0"/>
+              <a:t>using</a:t>
+            </a:r>
+            <a:r>
+              <a:rPr lang="en-US" sz="2400" dirty="0"/>
+              <a:t> </a:t>
+            </a:r>
+            <a:r>
+              <a:rPr lang="en-US" sz="2400" b="1" dirty="0">
+                <a:solidFill>
+                  <a:srgbClr val="0070C0"/>
+                </a:solidFill>
+              </a:rPr>
+              <a:t>selector functions</a:t>
+            </a:r>
+            <a:r>
+              <a:rPr lang="en-US" sz="2400" dirty="0"/>
+              <a:t> (</a:t>
+            </a:r>
+            <a:r>
+              <a:rPr lang="en-US" sz="2400" i="1" dirty="0"/>
+              <a:t>pure functions</a:t>
+            </a:r>
+            <a:r>
+              <a:rPr lang="en-US" sz="2400" dirty="0"/>
+              <a:t>) that return an </a:t>
+            </a:r>
+            <a:r>
+              <a:rPr lang="en-US" sz="2400" i="1" dirty="0"/>
+              <a:t>observable of a slice </a:t>
+            </a:r>
+            <a:r>
+              <a:rPr lang="en-US" sz="2400" i="1" dirty="0" smtClean="0"/>
+              <a:t>(or a projection) of </a:t>
+            </a:r>
+            <a:r>
+              <a:rPr lang="en-US" sz="2400" i="1" dirty="0"/>
+              <a:t>the state</a:t>
+            </a:r>
+            <a:r>
+              <a:rPr lang="en-US" sz="2400" dirty="0"/>
+              <a:t>.</a:t>
+            </a:r>
+          </a:p>
+          <a:p>
+            <a:endParaRPr lang="it-IT" dirty="0"/>
           </a:p>
         </p:txBody>
       </p:sp>
     </p:spTree>
     <p:extLst>
       <p:ext uri="{BB962C8B-B14F-4D97-AF65-F5344CB8AC3E}">
-        <p14:creationId xmlns:p14="http://schemas.microsoft.com/office/powerpoint/2010/main" val="2186655875"/>
+        <p14:creationId xmlns:p14="http://schemas.microsoft.com/office/powerpoint/2010/main" val="2315224257"/>
       </p:ext>
     </p:extLst>
   </p:cSld>
@@ -11036,7 +13868,274 @@
   <p:timing>
     <p:tnLst>
       <p:par>
-        <p:cTn id="1" dur="indefinite" restart="never" nodeType="tmRoot"/>
+        <p:cTn id="1" dur="indefinite" restart="never" nodeType="tmRoot">
+          <p:childTnLst>
+            <p:seq concurrent="1" nextAc="seek">
+              <p:cTn id="2" dur="indefinite" nodeType="mainSeq">
+                <p:childTnLst>
+                  <p:par>
+                    <p:cTn id="3" fill="hold">
+                      <p:stCondLst>
+                        <p:cond delay="indefinite"/>
+                      </p:stCondLst>
+                      <p:childTnLst>
+                        <p:par>
+                          <p:cTn id="4" fill="hold">
+                            <p:stCondLst>
+                              <p:cond delay="0"/>
+                            </p:stCondLst>
+                            <p:childTnLst>
+                              <p:par>
+                                <p:cTn id="5" presetID="10" presetClass="entr" presetSubtype="0" fill="hold" nodeType="clickEffect">
+                                  <p:stCondLst>
+                                    <p:cond delay="0"/>
+                                  </p:stCondLst>
+                                  <p:childTnLst>
+                                    <p:set>
+                                      <p:cBhvr>
+                                        <p:cTn id="6" dur="1" fill="hold">
+                                          <p:stCondLst>
+                                            <p:cond delay="0"/>
+                                          </p:stCondLst>
+                                        </p:cTn>
+                                        <p:tgtEl>
+                                          <p:spTgt spid="3">
+                                            <p:txEl>
+                                              <p:pRg st="1" end="1"/>
+                                            </p:txEl>
+                                          </p:spTgt>
+                                        </p:tgtEl>
+                                        <p:attrNameLst>
+                                          <p:attrName>style.visibility</p:attrName>
+                                        </p:attrNameLst>
+                                      </p:cBhvr>
+                                      <p:to>
+                                        <p:strVal val="visible"/>
+                                      </p:to>
+                                    </p:set>
+                                    <p:animEffect transition="in" filter="fade">
+                                      <p:cBhvr>
+                                        <p:cTn id="7" dur="500"/>
+                                        <p:tgtEl>
+                                          <p:spTgt spid="3">
+                                            <p:txEl>
+                                              <p:pRg st="1" end="1"/>
+                                            </p:txEl>
+                                          </p:spTgt>
+                                        </p:tgtEl>
+                                      </p:cBhvr>
+                                    </p:animEffect>
+                                  </p:childTnLst>
+                                </p:cTn>
+                              </p:par>
+                            </p:childTnLst>
+                          </p:cTn>
+                        </p:par>
+                      </p:childTnLst>
+                    </p:cTn>
+                  </p:par>
+                  <p:par>
+                    <p:cTn id="8" fill="hold">
+                      <p:stCondLst>
+                        <p:cond delay="indefinite"/>
+                      </p:stCondLst>
+                      <p:childTnLst>
+                        <p:par>
+                          <p:cTn id="9" fill="hold">
+                            <p:stCondLst>
+                              <p:cond delay="0"/>
+                            </p:stCondLst>
+                            <p:childTnLst>
+                              <p:par>
+                                <p:cTn id="10" presetID="10" presetClass="entr" presetSubtype="0" fill="hold" nodeType="clickEffect">
+                                  <p:stCondLst>
+                                    <p:cond delay="0"/>
+                                  </p:stCondLst>
+                                  <p:childTnLst>
+                                    <p:set>
+                                      <p:cBhvr>
+                                        <p:cTn id="11" dur="1" fill="hold">
+                                          <p:stCondLst>
+                                            <p:cond delay="0"/>
+                                          </p:stCondLst>
+                                        </p:cTn>
+                                        <p:tgtEl>
+                                          <p:spTgt spid="3">
+                                            <p:txEl>
+                                              <p:pRg st="2" end="2"/>
+                                            </p:txEl>
+                                          </p:spTgt>
+                                        </p:tgtEl>
+                                        <p:attrNameLst>
+                                          <p:attrName>style.visibility</p:attrName>
+                                        </p:attrNameLst>
+                                      </p:cBhvr>
+                                      <p:to>
+                                        <p:strVal val="visible"/>
+                                      </p:to>
+                                    </p:set>
+                                    <p:animEffect transition="in" filter="fade">
+                                      <p:cBhvr>
+                                        <p:cTn id="12" dur="500"/>
+                                        <p:tgtEl>
+                                          <p:spTgt spid="3">
+                                            <p:txEl>
+                                              <p:pRg st="2" end="2"/>
+                                            </p:txEl>
+                                          </p:spTgt>
+                                        </p:tgtEl>
+                                      </p:cBhvr>
+                                    </p:animEffect>
+                                  </p:childTnLst>
+                                </p:cTn>
+                              </p:par>
+                            </p:childTnLst>
+                          </p:cTn>
+                        </p:par>
+                      </p:childTnLst>
+                    </p:cTn>
+                  </p:par>
+                  <p:par>
+                    <p:cTn id="13" fill="hold">
+                      <p:stCondLst>
+                        <p:cond delay="indefinite"/>
+                      </p:stCondLst>
+                      <p:childTnLst>
+                        <p:par>
+                          <p:cTn id="14" fill="hold">
+                            <p:stCondLst>
+                              <p:cond delay="0"/>
+                            </p:stCondLst>
+                            <p:childTnLst>
+                              <p:par>
+                                <p:cTn id="15" presetID="10" presetClass="entr" presetSubtype="0" fill="hold" nodeType="clickEffect">
+                                  <p:stCondLst>
+                                    <p:cond delay="0"/>
+                                  </p:stCondLst>
+                                  <p:childTnLst>
+                                    <p:set>
+                                      <p:cBhvr>
+                                        <p:cTn id="16" dur="1" fill="hold">
+                                          <p:stCondLst>
+                                            <p:cond delay="0"/>
+                                          </p:stCondLst>
+                                        </p:cTn>
+                                        <p:tgtEl>
+                                          <p:spTgt spid="3">
+                                            <p:txEl>
+                                              <p:pRg st="3" end="3"/>
+                                            </p:txEl>
+                                          </p:spTgt>
+                                        </p:tgtEl>
+                                        <p:attrNameLst>
+                                          <p:attrName>style.visibility</p:attrName>
+                                        </p:attrNameLst>
+                                      </p:cBhvr>
+                                      <p:to>
+                                        <p:strVal val="visible"/>
+                                      </p:to>
+                                    </p:set>
+                                    <p:animEffect transition="in" filter="fade">
+                                      <p:cBhvr>
+                                        <p:cTn id="17" dur="500"/>
+                                        <p:tgtEl>
+                                          <p:spTgt spid="3">
+                                            <p:txEl>
+                                              <p:pRg st="3" end="3"/>
+                                            </p:txEl>
+                                          </p:spTgt>
+                                        </p:tgtEl>
+                                      </p:cBhvr>
+                                    </p:animEffect>
+                                  </p:childTnLst>
+                                </p:cTn>
+                              </p:par>
+                            </p:childTnLst>
+                          </p:cTn>
+                        </p:par>
+                      </p:childTnLst>
+                    </p:cTn>
+                  </p:par>
+                  <p:par>
+                    <p:cTn id="18" fill="hold">
+                      <p:stCondLst>
+                        <p:cond delay="indefinite"/>
+                      </p:stCondLst>
+                      <p:childTnLst>
+                        <p:par>
+                          <p:cTn id="19" fill="hold">
+                            <p:stCondLst>
+                              <p:cond delay="0"/>
+                            </p:stCondLst>
+                            <p:childTnLst>
+                              <p:par>
+                                <p:cTn id="20" presetID="10" presetClass="entr" presetSubtype="0" fill="hold" nodeType="clickEffect">
+                                  <p:stCondLst>
+                                    <p:cond delay="0"/>
+                                  </p:stCondLst>
+                                  <p:childTnLst>
+                                    <p:set>
+                                      <p:cBhvr>
+                                        <p:cTn id="21" dur="1" fill="hold">
+                                          <p:stCondLst>
+                                            <p:cond delay="0"/>
+                                          </p:stCondLst>
+                                        </p:cTn>
+                                        <p:tgtEl>
+                                          <p:spTgt spid="3">
+                                            <p:txEl>
+                                              <p:pRg st="4" end="4"/>
+                                            </p:txEl>
+                                          </p:spTgt>
+                                        </p:tgtEl>
+                                        <p:attrNameLst>
+                                          <p:attrName>style.visibility</p:attrName>
+                                        </p:attrNameLst>
+                                      </p:cBhvr>
+                                      <p:to>
+                                        <p:strVal val="visible"/>
+                                      </p:to>
+                                    </p:set>
+                                    <p:animEffect transition="in" filter="fade">
+                                      <p:cBhvr>
+                                        <p:cTn id="22" dur="500"/>
+                                        <p:tgtEl>
+                                          <p:spTgt spid="3">
+                                            <p:txEl>
+                                              <p:pRg st="4" end="4"/>
+                                            </p:txEl>
+                                          </p:spTgt>
+                                        </p:tgtEl>
+                                      </p:cBhvr>
+                                    </p:animEffect>
+                                  </p:childTnLst>
+                                </p:cTn>
+                              </p:par>
+                            </p:childTnLst>
+                          </p:cTn>
+                        </p:par>
+                      </p:childTnLst>
+                    </p:cTn>
+                  </p:par>
+                </p:childTnLst>
+              </p:cTn>
+              <p:prevCondLst>
+                <p:cond evt="onPrev" delay="0">
+                  <p:tgtEl>
+                    <p:sldTgt/>
+                  </p:tgtEl>
+                </p:cond>
+              </p:prevCondLst>
+              <p:nextCondLst>
+                <p:cond evt="onNext" delay="0">
+                  <p:tgtEl>
+                    <p:sldTgt/>
+                  </p:tgtEl>
+                </p:cond>
+              </p:nextCondLst>
+            </p:seq>
+          </p:childTnLst>
+        </p:cTn>
       </p:par>
     </p:tnLst>
   </p:timing>
@@ -11077,11 +14176,27 @@
           <a:p>
             <a:r>
               <a:rPr lang="it-IT" dirty="0" err="1" smtClean="0"/>
-              <a:t>Let’s</a:t>
+              <a:t>Redux</a:t>
             </a:r>
             <a:r>
               <a:rPr lang="it-IT" dirty="0" smtClean="0"/>
-              <a:t> Play with NGRX!</a:t>
+              <a:t> / </a:t>
+            </a:r>
+            <a:r>
+              <a:rPr lang="it-IT" dirty="0" err="1" smtClean="0"/>
+              <a:t>NgRx</a:t>
+            </a:r>
+            <a:r>
+              <a:rPr lang="it-IT" dirty="0" smtClean="0"/>
+              <a:t> -&gt; CQRS </a:t>
+            </a:r>
+            <a:r>
+              <a:rPr lang="it-IT" dirty="0" err="1" smtClean="0"/>
+              <a:t>applied</a:t>
+            </a:r>
+            <a:r>
+              <a:rPr lang="it-IT" dirty="0" smtClean="0"/>
+              <a:t> to the UI ?</a:t>
             </a:r>
             <a:endParaRPr lang="it-IT" dirty="0"/>
           </a:p>
@@ -11099,17 +14214,225 @@
         </p:nvSpPr>
         <p:spPr/>
         <p:txBody>
-          <a:bodyPr/>
+          <a:bodyPr>
+            <a:normAutofit/>
+          </a:bodyPr>
           <a:lstStyle/>
           <a:p>
-            <a:endParaRPr lang="it-IT"/>
+            <a:endParaRPr lang="it-IT" dirty="0" smtClean="0"/>
+          </a:p>
+          <a:p>
+            <a:r>
+              <a:rPr lang="en-US" dirty="0"/>
+              <a:t>Using Redux or </a:t>
+            </a:r>
+            <a:r>
+              <a:rPr lang="en-US" dirty="0" err="1"/>
+              <a:t>NgRx</a:t>
+            </a:r>
+            <a:r>
+              <a:rPr lang="en-US" dirty="0"/>
+              <a:t> to write an application is much like implementing it following the CQRS guidelines and patterns in JavaScript / Angular world</a:t>
+            </a:r>
+            <a:r>
+              <a:rPr lang="en-US" dirty="0" smtClean="0"/>
+              <a:t>.</a:t>
+            </a:r>
+          </a:p>
+          <a:p>
+            <a:endParaRPr lang="en-US" dirty="0"/>
+          </a:p>
+          <a:p>
+            <a:pPr>
+              <a:buFont typeface="Arial" panose="020B0604020202020204" pitchFamily="34" charset="0"/>
+              <a:buChar char="•"/>
+            </a:pPr>
+            <a:r>
+              <a:rPr lang="en-US" b="1" dirty="0" smtClean="0">
+                <a:solidFill>
+                  <a:srgbClr val="0070C0"/>
+                </a:solidFill>
+              </a:rPr>
+              <a:t>Message Driven</a:t>
+            </a:r>
+            <a:r>
+              <a:rPr lang="en-US" dirty="0" smtClean="0"/>
+              <a:t>: </a:t>
+            </a:r>
+            <a:r>
+              <a:rPr lang="en-US" dirty="0"/>
+              <a:t>Commands / Events == Actions / State Change Notifications.</a:t>
+            </a:r>
+          </a:p>
+          <a:p>
+            <a:pPr>
+              <a:buFont typeface="Arial" panose="020B0604020202020204" pitchFamily="34" charset="0"/>
+              <a:buChar char="•"/>
+            </a:pPr>
+            <a:r>
+              <a:rPr lang="en-US" b="1" dirty="0" smtClean="0">
+                <a:solidFill>
+                  <a:srgbClr val="0070C0"/>
+                </a:solidFill>
+              </a:rPr>
+              <a:t>Read pipeline</a:t>
+            </a:r>
+            <a:r>
+              <a:rPr lang="en-US" dirty="0" smtClean="0"/>
+              <a:t>: </a:t>
+            </a:r>
+            <a:r>
+              <a:rPr lang="en-US" dirty="0"/>
+              <a:t>Projections == State -&gt; Selectors.</a:t>
+            </a:r>
+          </a:p>
+          <a:p>
+            <a:pPr>
+              <a:buFont typeface="Arial" panose="020B0604020202020204" pitchFamily="34" charset="0"/>
+              <a:buChar char="•"/>
+            </a:pPr>
+            <a:r>
+              <a:rPr lang="en-US" b="1" dirty="0" smtClean="0">
+                <a:solidFill>
+                  <a:srgbClr val="0070C0"/>
+                </a:solidFill>
+              </a:rPr>
+              <a:t>Write pipeline</a:t>
+            </a:r>
+            <a:r>
+              <a:rPr lang="en-US" dirty="0" smtClean="0"/>
+              <a:t>: </a:t>
+            </a:r>
+            <a:r>
+              <a:rPr lang="en-US" dirty="0"/>
+              <a:t>Command </a:t>
+            </a:r>
+            <a:r>
+              <a:rPr lang="en-US" dirty="0" smtClean="0">
+                <a:sym typeface="Wingdings" panose="05000000000000000000" pitchFamily="2" charset="2"/>
+              </a:rPr>
+              <a:t></a:t>
+            </a:r>
+            <a:r>
+              <a:rPr lang="en-US" dirty="0" smtClean="0"/>
+              <a:t> </a:t>
+            </a:r>
+            <a:r>
+              <a:rPr lang="en-US" dirty="0"/>
+              <a:t>Aggregate </a:t>
+            </a:r>
+            <a:r>
+              <a:rPr lang="en-US" dirty="0" smtClean="0">
+                <a:sym typeface="Wingdings" panose="05000000000000000000" pitchFamily="2" charset="2"/>
+              </a:rPr>
+              <a:t></a:t>
+            </a:r>
+            <a:r>
+              <a:rPr lang="en-US" dirty="0" smtClean="0"/>
+              <a:t> </a:t>
+            </a:r>
+            <a:r>
+              <a:rPr lang="en-US" dirty="0"/>
+              <a:t>Event == Action </a:t>
+            </a:r>
+            <a:r>
+              <a:rPr lang="en-US" dirty="0" smtClean="0">
+                <a:sym typeface="Wingdings" panose="05000000000000000000" pitchFamily="2" charset="2"/>
+              </a:rPr>
+              <a:t></a:t>
+            </a:r>
+            <a:r>
+              <a:rPr lang="en-US" dirty="0" smtClean="0"/>
+              <a:t> </a:t>
+            </a:r>
+            <a:r>
+              <a:rPr lang="en-US" dirty="0"/>
+              <a:t>Reducer </a:t>
+            </a:r>
+            <a:r>
+              <a:rPr lang="en-US" dirty="0" smtClean="0">
+                <a:sym typeface="Wingdings" panose="05000000000000000000" pitchFamily="2" charset="2"/>
+              </a:rPr>
+              <a:t></a:t>
+            </a:r>
+            <a:r>
+              <a:rPr lang="en-US" dirty="0" smtClean="0"/>
+              <a:t> </a:t>
+            </a:r>
+            <a:r>
+              <a:rPr lang="en-US" dirty="0"/>
+              <a:t>State </a:t>
+            </a:r>
+            <a:r>
+              <a:rPr lang="en-US" dirty="0"/>
+              <a:t/>
+            </a:r>
+            <a:br>
+              <a:rPr lang="en-US" dirty="0"/>
+            </a:br>
+            <a:r>
+              <a:rPr lang="en-US" dirty="0" smtClean="0"/>
+              <a:t>						Action </a:t>
+            </a:r>
+            <a:r>
+              <a:rPr lang="en-US" dirty="0" smtClean="0">
+                <a:sym typeface="Wingdings" panose="05000000000000000000" pitchFamily="2" charset="2"/>
+              </a:rPr>
+              <a:t></a:t>
+            </a:r>
+            <a:r>
+              <a:rPr lang="en-US" dirty="0" smtClean="0"/>
+              <a:t> (</a:t>
+            </a:r>
+            <a:r>
+              <a:rPr lang="en-US" dirty="0"/>
+              <a:t>Side)Effects </a:t>
+            </a:r>
+            <a:r>
+              <a:rPr lang="en-US" dirty="0" smtClean="0">
+                <a:sym typeface="Wingdings" panose="05000000000000000000" pitchFamily="2" charset="2"/>
+              </a:rPr>
+              <a:t></a:t>
+            </a:r>
+            <a:r>
+              <a:rPr lang="en-US" dirty="0" smtClean="0"/>
+              <a:t> </a:t>
+            </a:r>
+            <a:r>
+              <a:rPr lang="en-US" dirty="0"/>
+              <a:t>Actions.</a:t>
+            </a:r>
+          </a:p>
+          <a:p>
+            <a:r>
+              <a:rPr lang="en-US" dirty="0"/>
+              <a:t/>
+            </a:r>
+            <a:br>
+              <a:rPr lang="en-US" dirty="0"/>
+            </a:br>
+            <a:r>
+              <a:rPr lang="en-US" dirty="0"/>
+              <a:t>There's </a:t>
+            </a:r>
+            <a:r>
+              <a:rPr lang="en-US" dirty="0" smtClean="0"/>
+              <a:t>a clear separation </a:t>
+            </a:r>
+            <a:r>
+              <a:rPr lang="en-US" dirty="0"/>
+              <a:t>between a read and a write pipeline, like the CQRS approach.</a:t>
+            </a:r>
+          </a:p>
+          <a:p>
+            <a:endParaRPr lang="it-IT" dirty="0"/>
           </a:p>
         </p:txBody>
       </p:sp>
     </p:spTree>
     <p:extLst>
       <p:ext uri="{BB962C8B-B14F-4D97-AF65-F5344CB8AC3E}">
-        <p14:creationId xmlns:p14="http://schemas.microsoft.com/office/powerpoint/2010/main" val="2315752082"/>
+        <p14:creationId xmlns:p14="http://schemas.microsoft.com/office/powerpoint/2010/main" val="427146484"/>
       </p:ext>
     </p:extLst>
   </p:cSld>
@@ -11119,7 +14442,274 @@
   <p:timing>
     <p:tnLst>
       <p:par>
-        <p:cTn id="1" dur="indefinite" restart="never" nodeType="tmRoot"/>
+        <p:cTn id="1" dur="indefinite" restart="never" nodeType="tmRoot">
+          <p:childTnLst>
+            <p:seq concurrent="1" nextAc="seek">
+              <p:cTn id="2" dur="indefinite" nodeType="mainSeq">
+                <p:childTnLst>
+                  <p:par>
+                    <p:cTn id="3" fill="hold">
+                      <p:stCondLst>
+                        <p:cond delay="indefinite"/>
+                      </p:stCondLst>
+                      <p:childTnLst>
+                        <p:par>
+                          <p:cTn id="4" fill="hold">
+                            <p:stCondLst>
+                              <p:cond delay="0"/>
+                            </p:stCondLst>
+                            <p:childTnLst>
+                              <p:par>
+                                <p:cTn id="5" presetID="10" presetClass="entr" presetSubtype="0" fill="hold" nodeType="clickEffect">
+                                  <p:stCondLst>
+                                    <p:cond delay="0"/>
+                                  </p:stCondLst>
+                                  <p:childTnLst>
+                                    <p:set>
+                                      <p:cBhvr>
+                                        <p:cTn id="6" dur="1" fill="hold">
+                                          <p:stCondLst>
+                                            <p:cond delay="0"/>
+                                          </p:stCondLst>
+                                        </p:cTn>
+                                        <p:tgtEl>
+                                          <p:spTgt spid="3">
+                                            <p:txEl>
+                                              <p:pRg st="3" end="3"/>
+                                            </p:txEl>
+                                          </p:spTgt>
+                                        </p:tgtEl>
+                                        <p:attrNameLst>
+                                          <p:attrName>style.visibility</p:attrName>
+                                        </p:attrNameLst>
+                                      </p:cBhvr>
+                                      <p:to>
+                                        <p:strVal val="visible"/>
+                                      </p:to>
+                                    </p:set>
+                                    <p:animEffect transition="in" filter="fade">
+                                      <p:cBhvr>
+                                        <p:cTn id="7" dur="500"/>
+                                        <p:tgtEl>
+                                          <p:spTgt spid="3">
+                                            <p:txEl>
+                                              <p:pRg st="3" end="3"/>
+                                            </p:txEl>
+                                          </p:spTgt>
+                                        </p:tgtEl>
+                                      </p:cBhvr>
+                                    </p:animEffect>
+                                  </p:childTnLst>
+                                </p:cTn>
+                              </p:par>
+                            </p:childTnLst>
+                          </p:cTn>
+                        </p:par>
+                      </p:childTnLst>
+                    </p:cTn>
+                  </p:par>
+                  <p:par>
+                    <p:cTn id="8" fill="hold">
+                      <p:stCondLst>
+                        <p:cond delay="indefinite"/>
+                      </p:stCondLst>
+                      <p:childTnLst>
+                        <p:par>
+                          <p:cTn id="9" fill="hold">
+                            <p:stCondLst>
+                              <p:cond delay="0"/>
+                            </p:stCondLst>
+                            <p:childTnLst>
+                              <p:par>
+                                <p:cTn id="10" presetID="10" presetClass="entr" presetSubtype="0" fill="hold" nodeType="clickEffect">
+                                  <p:stCondLst>
+                                    <p:cond delay="0"/>
+                                  </p:stCondLst>
+                                  <p:childTnLst>
+                                    <p:set>
+                                      <p:cBhvr>
+                                        <p:cTn id="11" dur="1" fill="hold">
+                                          <p:stCondLst>
+                                            <p:cond delay="0"/>
+                                          </p:stCondLst>
+                                        </p:cTn>
+                                        <p:tgtEl>
+                                          <p:spTgt spid="3">
+                                            <p:txEl>
+                                              <p:pRg st="4" end="4"/>
+                                            </p:txEl>
+                                          </p:spTgt>
+                                        </p:tgtEl>
+                                        <p:attrNameLst>
+                                          <p:attrName>style.visibility</p:attrName>
+                                        </p:attrNameLst>
+                                      </p:cBhvr>
+                                      <p:to>
+                                        <p:strVal val="visible"/>
+                                      </p:to>
+                                    </p:set>
+                                    <p:animEffect transition="in" filter="fade">
+                                      <p:cBhvr>
+                                        <p:cTn id="12" dur="500"/>
+                                        <p:tgtEl>
+                                          <p:spTgt spid="3">
+                                            <p:txEl>
+                                              <p:pRg st="4" end="4"/>
+                                            </p:txEl>
+                                          </p:spTgt>
+                                        </p:tgtEl>
+                                      </p:cBhvr>
+                                    </p:animEffect>
+                                  </p:childTnLst>
+                                </p:cTn>
+                              </p:par>
+                            </p:childTnLst>
+                          </p:cTn>
+                        </p:par>
+                      </p:childTnLst>
+                    </p:cTn>
+                  </p:par>
+                  <p:par>
+                    <p:cTn id="13" fill="hold">
+                      <p:stCondLst>
+                        <p:cond delay="indefinite"/>
+                      </p:stCondLst>
+                      <p:childTnLst>
+                        <p:par>
+                          <p:cTn id="14" fill="hold">
+                            <p:stCondLst>
+                              <p:cond delay="0"/>
+                            </p:stCondLst>
+                            <p:childTnLst>
+                              <p:par>
+                                <p:cTn id="15" presetID="10" presetClass="entr" presetSubtype="0" fill="hold" nodeType="clickEffect">
+                                  <p:stCondLst>
+                                    <p:cond delay="0"/>
+                                  </p:stCondLst>
+                                  <p:childTnLst>
+                                    <p:set>
+                                      <p:cBhvr>
+                                        <p:cTn id="16" dur="1" fill="hold">
+                                          <p:stCondLst>
+                                            <p:cond delay="0"/>
+                                          </p:stCondLst>
+                                        </p:cTn>
+                                        <p:tgtEl>
+                                          <p:spTgt spid="3">
+                                            <p:txEl>
+                                              <p:pRg st="5" end="5"/>
+                                            </p:txEl>
+                                          </p:spTgt>
+                                        </p:tgtEl>
+                                        <p:attrNameLst>
+                                          <p:attrName>style.visibility</p:attrName>
+                                        </p:attrNameLst>
+                                      </p:cBhvr>
+                                      <p:to>
+                                        <p:strVal val="visible"/>
+                                      </p:to>
+                                    </p:set>
+                                    <p:animEffect transition="in" filter="fade">
+                                      <p:cBhvr>
+                                        <p:cTn id="17" dur="500"/>
+                                        <p:tgtEl>
+                                          <p:spTgt spid="3">
+                                            <p:txEl>
+                                              <p:pRg st="5" end="5"/>
+                                            </p:txEl>
+                                          </p:spTgt>
+                                        </p:tgtEl>
+                                      </p:cBhvr>
+                                    </p:animEffect>
+                                  </p:childTnLst>
+                                </p:cTn>
+                              </p:par>
+                            </p:childTnLst>
+                          </p:cTn>
+                        </p:par>
+                      </p:childTnLst>
+                    </p:cTn>
+                  </p:par>
+                  <p:par>
+                    <p:cTn id="18" fill="hold">
+                      <p:stCondLst>
+                        <p:cond delay="indefinite"/>
+                      </p:stCondLst>
+                      <p:childTnLst>
+                        <p:par>
+                          <p:cTn id="19" fill="hold">
+                            <p:stCondLst>
+                              <p:cond delay="0"/>
+                            </p:stCondLst>
+                            <p:childTnLst>
+                              <p:par>
+                                <p:cTn id="20" presetID="10" presetClass="entr" presetSubtype="0" fill="hold" nodeType="clickEffect">
+                                  <p:stCondLst>
+                                    <p:cond delay="0"/>
+                                  </p:stCondLst>
+                                  <p:childTnLst>
+                                    <p:set>
+                                      <p:cBhvr>
+                                        <p:cTn id="21" dur="1" fill="hold">
+                                          <p:stCondLst>
+                                            <p:cond delay="0"/>
+                                          </p:stCondLst>
+                                        </p:cTn>
+                                        <p:tgtEl>
+                                          <p:spTgt spid="3">
+                                            <p:txEl>
+                                              <p:pRg st="6" end="6"/>
+                                            </p:txEl>
+                                          </p:spTgt>
+                                        </p:tgtEl>
+                                        <p:attrNameLst>
+                                          <p:attrName>style.visibility</p:attrName>
+                                        </p:attrNameLst>
+                                      </p:cBhvr>
+                                      <p:to>
+                                        <p:strVal val="visible"/>
+                                      </p:to>
+                                    </p:set>
+                                    <p:animEffect transition="in" filter="fade">
+                                      <p:cBhvr>
+                                        <p:cTn id="22" dur="500"/>
+                                        <p:tgtEl>
+                                          <p:spTgt spid="3">
+                                            <p:txEl>
+                                              <p:pRg st="6" end="6"/>
+                                            </p:txEl>
+                                          </p:spTgt>
+                                        </p:tgtEl>
+                                      </p:cBhvr>
+                                    </p:animEffect>
+                                  </p:childTnLst>
+                                </p:cTn>
+                              </p:par>
+                            </p:childTnLst>
+                          </p:cTn>
+                        </p:par>
+                      </p:childTnLst>
+                    </p:cTn>
+                  </p:par>
+                </p:childTnLst>
+              </p:cTn>
+              <p:prevCondLst>
+                <p:cond evt="onPrev" delay="0">
+                  <p:tgtEl>
+                    <p:sldTgt/>
+                  </p:tgtEl>
+                </p:cond>
+              </p:prevCondLst>
+              <p:nextCondLst>
+                <p:cond evt="onNext" delay="0">
+                  <p:tgtEl>
+                    <p:sldTgt/>
+                  </p:tgtEl>
+                </p:cond>
+              </p:nextCondLst>
+            </p:seq>
+          </p:childTnLst>
+        </p:cTn>
       </p:par>
     </p:tnLst>
   </p:timing>
@@ -11403,7 +14993,7 @@
   <a:extraClrSchemeLst/>
   <a:extLst>
     <a:ext uri="{05A4C25C-085E-4340-85A3-A5531E510DB2}">
-      <thm15:themeFamily xmlns="" xmlns:thm15="http://schemas.microsoft.com/office/thememl/2012/main" name="Retrospect" id="{5F128B03-DCCA-4EEB-AB3B-CF2899314A46}" vid="{9CC26709-368C-4D72-9060-94E5B3FF3CD6}"/>
+      <thm15:themeFamily xmlns:thm15="http://schemas.microsoft.com/office/thememl/2012/main" xmlns="" name="Retrospect" id="{5F128B03-DCCA-4EEB-AB3B-CF2899314A46}" vid="{9CC26709-368C-4D72-9060-94E5B3FF3CD6}"/>
     </a:ext>
   </a:extLst>
 </a:theme>
@@ -11698,7 +15288,7 @@
   <a:extraClrSchemeLst/>
   <a:extLst>
     <a:ext uri="{05A4C25C-085E-4340-85A3-A5531E510DB2}">
-      <thm15:themeFamily xmlns="" xmlns:thm15="http://schemas.microsoft.com/office/thememl/2012/main" name="Office Theme" id="{62F939B6-93AF-4DB8-9C6B-D6C7DFDC589F}" vid="{4A3C46E8-61CC-4603-A589-7422A47A8E4A}"/>
+      <thm15:themeFamily xmlns:thm15="http://schemas.microsoft.com/office/thememl/2012/main" xmlns="" name="Office Theme" id="{62F939B6-93AF-4DB8-9C6B-D6C7DFDC589F}" vid="{4A3C46E8-61CC-4603-A589-7422A47A8E4A}"/>
     </a:ext>
   </a:extLst>
 </a:theme>

--- a/ReactiveProgramming_ngrx.pptx
+++ b/ReactiveProgramming_ngrx.pptx
@@ -5,10 +5,10 @@
     <p:sldMasterId id="2147483793" r:id="rId1"/>
   </p:sldMasterIdLst>
   <p:notesMasterIdLst>
-    <p:notesMasterId r:id="rId20"/>
+    <p:notesMasterId r:id="rId28"/>
   </p:notesMasterIdLst>
   <p:handoutMasterIdLst>
-    <p:handoutMasterId r:id="rId21"/>
+    <p:handoutMasterId r:id="rId29"/>
   </p:handoutMasterIdLst>
   <p:sldIdLst>
     <p:sldId id="292" r:id="rId2"/>
@@ -21,14 +21,22 @@
     <p:sldId id="430" r:id="rId9"/>
     <p:sldId id="431" r:id="rId10"/>
     <p:sldId id="432" r:id="rId11"/>
-    <p:sldId id="434" r:id="rId12"/>
-    <p:sldId id="433" r:id="rId13"/>
-    <p:sldId id="435" r:id="rId14"/>
-    <p:sldId id="436" r:id="rId15"/>
-    <p:sldId id="425" r:id="rId16"/>
-    <p:sldId id="407" r:id="rId17"/>
-    <p:sldId id="419" r:id="rId18"/>
-    <p:sldId id="427" r:id="rId19"/>
+    <p:sldId id="437" r:id="rId12"/>
+    <p:sldId id="438" r:id="rId13"/>
+    <p:sldId id="439" r:id="rId14"/>
+    <p:sldId id="440" r:id="rId15"/>
+    <p:sldId id="441" r:id="rId16"/>
+    <p:sldId id="442" r:id="rId17"/>
+    <p:sldId id="443" r:id="rId18"/>
+    <p:sldId id="444" r:id="rId19"/>
+    <p:sldId id="445" r:id="rId20"/>
+    <p:sldId id="433" r:id="rId21"/>
+    <p:sldId id="435" r:id="rId22"/>
+    <p:sldId id="436" r:id="rId23"/>
+    <p:sldId id="425" r:id="rId24"/>
+    <p:sldId id="407" r:id="rId25"/>
+    <p:sldId id="419" r:id="rId26"/>
+    <p:sldId id="427" r:id="rId27"/>
   </p:sldIdLst>
   <p:sldSz cx="12192000" cy="6858000"/>
   <p:notesSz cx="6858000" cy="9144000"/>
@@ -782,7 +790,19 @@
           <a:bodyPr/>
           <a:lstStyle/>
           <a:p>
-            <a:endParaRPr lang="it-IT"/>
+            <a:r>
+              <a:rPr lang="it-IT" dirty="0" err="1" smtClean="0"/>
+              <a:t>Remove</a:t>
+            </a:r>
+            <a:r>
+              <a:rPr lang="it-IT" baseline="0" dirty="0" smtClean="0"/>
+              <a:t> </a:t>
+            </a:r>
+            <a:r>
+              <a:rPr lang="it-IT" baseline="0" dirty="0" err="1" smtClean="0"/>
+              <a:t>ambiguity</a:t>
+            </a:r>
+            <a:endParaRPr lang="it-IT" dirty="0"/>
           </a:p>
         </p:txBody>
       </p:sp>
@@ -803,7 +823,7 @@
           <a:p>
             <a:fld id="{C519897D-FFB3-4111-B327-449DADBE2990}" type="slidenum">
               <a:rPr lang="en-US" smtClean="0"/>
-              <a:t>16</a:t>
+              <a:t>12</a:t>
             </a:fld>
             <a:endParaRPr lang="en-US"/>
           </a:p>
@@ -812,7 +832,7 @@
     </p:spTree>
     <p:extLst>
       <p:ext uri="{BB962C8B-B14F-4D97-AF65-F5344CB8AC3E}">
-        <p14:creationId xmlns:p14="http://schemas.microsoft.com/office/powerpoint/2010/main" val="958452951"/>
+        <p14:creationId xmlns:p14="http://schemas.microsoft.com/office/powerpoint/2010/main" val="2413314226"/>
       </p:ext>
     </p:extLst>
   </p:cSld>
@@ -866,6 +886,78 @@
           <a:bodyPr/>
           <a:lstStyle/>
           <a:p>
+            <a:r>
+              <a:rPr lang="it-IT" dirty="0" err="1" smtClean="0"/>
+              <a:t>String</a:t>
+            </a:r>
+            <a:r>
+              <a:rPr lang="it-IT" dirty="0" smtClean="0"/>
+              <a:t> </a:t>
+            </a:r>
+            <a:r>
+              <a:rPr lang="it-IT" dirty="0" err="1" smtClean="0"/>
+              <a:t>Enum</a:t>
+            </a:r>
+            <a:r>
+              <a:rPr lang="it-IT" dirty="0" smtClean="0"/>
+              <a:t> </a:t>
+            </a:r>
+            <a:r>
+              <a:rPr lang="it-IT" dirty="0" err="1" smtClean="0"/>
+              <a:t>Types</a:t>
+            </a:r>
+            <a:r>
+              <a:rPr lang="it-IT" dirty="0" smtClean="0"/>
+              <a:t> and </a:t>
+            </a:r>
+            <a:r>
+              <a:rPr lang="it-IT" dirty="0" err="1" smtClean="0"/>
+              <a:t>Discriminated</a:t>
+            </a:r>
+            <a:r>
+              <a:rPr lang="it-IT" dirty="0" smtClean="0"/>
+              <a:t> </a:t>
+            </a:r>
+            <a:r>
+              <a:rPr lang="it-IT" dirty="0" err="1" smtClean="0"/>
+              <a:t>Unions</a:t>
+            </a:r>
+            <a:r>
+              <a:rPr lang="it-IT" dirty="0" smtClean="0"/>
+              <a:t> to take</a:t>
+            </a:r>
+            <a:r>
+              <a:rPr lang="it-IT" baseline="0" dirty="0" smtClean="0"/>
+              <a:t> </a:t>
+            </a:r>
+            <a:r>
+              <a:rPr lang="it-IT" baseline="0" dirty="0" err="1" smtClean="0"/>
+              <a:t>advantage</a:t>
+            </a:r>
+            <a:r>
+              <a:rPr lang="it-IT" baseline="0" dirty="0" smtClean="0"/>
+              <a:t> of </a:t>
+            </a:r>
+            <a:r>
+              <a:rPr lang="it-IT" baseline="0" dirty="0" err="1" smtClean="0"/>
+              <a:t>TypeScript</a:t>
+            </a:r>
+            <a:r>
+              <a:rPr lang="it-IT" baseline="0" dirty="0" smtClean="0"/>
+              <a:t> </a:t>
+            </a:r>
+            <a:r>
+              <a:rPr lang="it-IT" baseline="0" dirty="0" err="1" smtClean="0"/>
+              <a:t>Type</a:t>
+            </a:r>
+            <a:r>
+              <a:rPr lang="it-IT" baseline="0" dirty="0" smtClean="0"/>
+              <a:t> </a:t>
+            </a:r>
+            <a:r>
+              <a:rPr lang="it-IT" baseline="0" dirty="0" err="1" smtClean="0"/>
+              <a:t>Inference</a:t>
+            </a:r>
             <a:endParaRPr lang="it-IT" dirty="0"/>
           </a:p>
         </p:txBody>
@@ -887,7 +979,7 @@
           <a:p>
             <a:fld id="{C519897D-FFB3-4111-B327-449DADBE2990}" type="slidenum">
               <a:rPr lang="en-US" smtClean="0"/>
-              <a:t>17</a:t>
+              <a:t>13</a:t>
             </a:fld>
             <a:endParaRPr lang="en-US"/>
           </a:p>
@@ -896,7 +988,7 @@
     </p:spTree>
     <p:extLst>
       <p:ext uri="{BB962C8B-B14F-4D97-AF65-F5344CB8AC3E}">
-        <p14:creationId xmlns:p14="http://schemas.microsoft.com/office/powerpoint/2010/main" val="3813177152"/>
+        <p14:creationId xmlns:p14="http://schemas.microsoft.com/office/powerpoint/2010/main" val="3856581125"/>
       </p:ext>
     </p:extLst>
   </p:cSld>
@@ -950,7 +1042,59 @@
           <a:bodyPr/>
           <a:lstStyle/>
           <a:p>
-            <a:endParaRPr lang="it-IT"/>
+            <a:pPr marL="0" marR="0" indent="0" algn="l" defTabSz="914400" rtl="0" eaLnBrk="1" fontAlgn="auto" latinLnBrk="0" hangingPunct="1">
+              <a:lnSpc>
+                <a:spcPct val="100000"/>
+              </a:lnSpc>
+              <a:spcBef>
+                <a:spcPts val="0"/>
+              </a:spcBef>
+              <a:spcAft>
+                <a:spcPts val="0"/>
+              </a:spcAft>
+              <a:buClrTx/>
+              <a:buSzTx/>
+              <a:buFontTx/>
+              <a:buNone/>
+              <a:tabLst/>
+              <a:defRPr/>
+            </a:pPr>
+            <a:r>
+              <a:rPr lang="en-US" sz="1200" b="0" kern="1200" dirty="0" smtClean="0">
+                <a:solidFill>
+                  <a:schemeClr val="tx1"/>
+                </a:solidFill>
+                <a:effectLst/>
+                <a:latin typeface="+mn-lt"/>
+                <a:ea typeface="+mn-ea"/>
+                <a:cs typeface="+mn-cs"/>
+              </a:rPr>
+              <a:t>A Reducer is a pure function that takes two arguments: the current state and the Action to perform, it will return a new instance of the state.</a:t>
+            </a:r>
+          </a:p>
+          <a:p>
+            <a:endParaRPr lang="it-IT" dirty="0" smtClean="0"/>
+          </a:p>
+          <a:p>
+            <a:r>
+              <a:rPr lang="it-IT" dirty="0" err="1" smtClean="0"/>
+              <a:t>Reducers</a:t>
+            </a:r>
+            <a:r>
+              <a:rPr lang="it-IT" dirty="0" smtClean="0"/>
+              <a:t> operate </a:t>
+            </a:r>
+            <a:r>
+              <a:rPr lang="it-IT" dirty="0" err="1" smtClean="0"/>
+              <a:t>synchronously</a:t>
+            </a:r>
+            <a:r>
+              <a:rPr lang="it-IT" dirty="0" smtClean="0"/>
+              <a:t>.</a:t>
+            </a:r>
+          </a:p>
+          <a:p>
+            <a:endParaRPr lang="it-IT" dirty="0"/>
           </a:p>
         </p:txBody>
       </p:sp>
@@ -971,7 +1115,721 @@
           <a:p>
             <a:fld id="{C519897D-FFB3-4111-B327-449DADBE2990}" type="slidenum">
               <a:rPr lang="en-US" smtClean="0"/>
-              <a:t>18</a:t>
+              <a:t>14</a:t>
+            </a:fld>
+            <a:endParaRPr lang="en-US"/>
+          </a:p>
+        </p:txBody>
+      </p:sp>
+    </p:spTree>
+    <p:extLst>
+      <p:ext uri="{BB962C8B-B14F-4D97-AF65-F5344CB8AC3E}">
+        <p14:creationId xmlns:p14="http://schemas.microsoft.com/office/powerpoint/2010/main" val="149485492"/>
+      </p:ext>
+    </p:extLst>
+  </p:cSld>
+  <p:clrMapOvr>
+    <a:masterClrMapping/>
+  </p:clrMapOvr>
+</p:notes>
+</file>
+
+<file path=ppt/notesSlides/notesSlide5.xml><?xml version="1.0" encoding="utf-8"?>
+<p:notes xmlns:a="http://schemas.openxmlformats.org/drawingml/2006/main" xmlns:r="http://schemas.openxmlformats.org/officeDocument/2006/relationships" xmlns:p="http://schemas.openxmlformats.org/presentationml/2006/main">
+  <p:cSld>
+    <p:spTree>
+      <p:nvGrpSpPr>
+        <p:cNvPr id="1" name=""/>
+        <p:cNvGrpSpPr/>
+        <p:nvPr/>
+      </p:nvGrpSpPr>
+      <p:grpSpPr>
+        <a:xfrm>
+          <a:off x="0" y="0"/>
+          <a:ext cx="0" cy="0"/>
+          <a:chOff x="0" y="0"/>
+          <a:chExt cx="0" cy="0"/>
+        </a:xfrm>
+      </p:grpSpPr>
+      <p:sp>
+        <p:nvSpPr>
+          <p:cNvPr id="2" name="Segnaposto immagine diapositiva 1"/>
+          <p:cNvSpPr>
+            <a:spLocks noGrp="1" noRot="1" noChangeAspect="1"/>
+          </p:cNvSpPr>
+          <p:nvPr>
+            <p:ph type="sldImg"/>
+          </p:nvPr>
+        </p:nvSpPr>
+        <p:spPr/>
+      </p:sp>
+      <p:sp>
+        <p:nvSpPr>
+          <p:cNvPr id="3" name="Segnaposto note 2"/>
+          <p:cNvSpPr>
+            <a:spLocks noGrp="1"/>
+          </p:cNvSpPr>
+          <p:nvPr>
+            <p:ph type="body" idx="1"/>
+          </p:nvPr>
+        </p:nvSpPr>
+        <p:spPr/>
+        <p:txBody>
+          <a:bodyPr/>
+          <a:lstStyle/>
+          <a:p>
+            <a:r>
+              <a:rPr lang="en-US" sz="1200" b="0" i="0" kern="1200" dirty="0" smtClean="0">
+                <a:solidFill>
+                  <a:schemeClr val="tx1"/>
+                </a:solidFill>
+                <a:effectLst/>
+                <a:latin typeface="+mn-lt"/>
+                <a:ea typeface="+mn-ea"/>
+                <a:cs typeface="+mn-cs"/>
+              </a:rPr>
+              <a:t>Select will return an Observable&lt;</a:t>
+            </a:r>
+            <a:r>
+              <a:rPr lang="en-US" sz="1200" b="0" i="0" kern="1200" dirty="0" err="1" smtClean="0">
+                <a:solidFill>
+                  <a:schemeClr val="tx1"/>
+                </a:solidFill>
+                <a:effectLst/>
+                <a:latin typeface="+mn-lt"/>
+                <a:ea typeface="+mn-ea"/>
+                <a:cs typeface="+mn-cs"/>
+              </a:rPr>
+              <a:t>TState</a:t>
+            </a:r>
+            <a:r>
+              <a:rPr lang="en-US" sz="1200" b="0" i="0" kern="1200" dirty="0" smtClean="0">
+                <a:solidFill>
+                  <a:schemeClr val="tx1"/>
+                </a:solidFill>
+                <a:effectLst/>
+                <a:latin typeface="+mn-lt"/>
+                <a:ea typeface="+mn-ea"/>
+                <a:cs typeface="+mn-cs"/>
+              </a:rPr>
+              <a:t>&gt;, you can use </a:t>
+            </a:r>
+            <a:r>
+              <a:rPr lang="en-US" sz="1200" b="0" i="0" kern="1200" dirty="0" err="1" smtClean="0">
+                <a:solidFill>
+                  <a:schemeClr val="tx1"/>
+                </a:solidFill>
+                <a:effectLst/>
+                <a:latin typeface="+mn-lt"/>
+                <a:ea typeface="+mn-ea"/>
+                <a:cs typeface="+mn-cs"/>
+              </a:rPr>
+              <a:t>AsyncPipe</a:t>
+            </a:r>
+            <a:r>
+              <a:rPr lang="en-US" sz="1200" b="0" i="0" kern="1200" dirty="0" smtClean="0">
+                <a:solidFill>
+                  <a:schemeClr val="tx1"/>
+                </a:solidFill>
+                <a:effectLst/>
+                <a:latin typeface="+mn-lt"/>
+                <a:ea typeface="+mn-ea"/>
+                <a:cs typeface="+mn-cs"/>
+              </a:rPr>
+              <a:t> to subscribe to the state changes in the UI or use any </a:t>
+            </a:r>
+            <a:r>
+              <a:rPr lang="en-US" sz="1200" b="0" i="0" kern="1200" dirty="0" err="1" smtClean="0">
+                <a:solidFill>
+                  <a:schemeClr val="tx1"/>
+                </a:solidFill>
+                <a:effectLst/>
+                <a:latin typeface="+mn-lt"/>
+                <a:ea typeface="+mn-ea"/>
+                <a:cs typeface="+mn-cs"/>
+              </a:rPr>
+              <a:t>RxJS</a:t>
+            </a:r>
+            <a:r>
+              <a:rPr lang="en-US" sz="1200" b="0" i="0" kern="1200" baseline="0" dirty="0" smtClean="0">
+                <a:solidFill>
+                  <a:schemeClr val="tx1"/>
+                </a:solidFill>
+                <a:effectLst/>
+                <a:latin typeface="+mn-lt"/>
+                <a:ea typeface="+mn-ea"/>
+                <a:cs typeface="+mn-cs"/>
+              </a:rPr>
+              <a:t> operator to process the data stream.</a:t>
+            </a:r>
+            <a:endParaRPr lang="it-IT" dirty="0"/>
+          </a:p>
+        </p:txBody>
+      </p:sp>
+      <p:sp>
+        <p:nvSpPr>
+          <p:cNvPr id="4" name="Segnaposto numero diapositiva 3"/>
+          <p:cNvSpPr>
+            <a:spLocks noGrp="1"/>
+          </p:cNvSpPr>
+          <p:nvPr>
+            <p:ph type="sldNum" sz="quarter" idx="10"/>
+          </p:nvPr>
+        </p:nvSpPr>
+        <p:spPr/>
+        <p:txBody>
+          <a:bodyPr/>
+          <a:lstStyle/>
+          <a:p>
+            <a:fld id="{C519897D-FFB3-4111-B327-449DADBE2990}" type="slidenum">
+              <a:rPr lang="en-US" smtClean="0"/>
+              <a:t>16</a:t>
+            </a:fld>
+            <a:endParaRPr lang="en-US"/>
+          </a:p>
+        </p:txBody>
+      </p:sp>
+    </p:spTree>
+    <p:extLst>
+      <p:ext uri="{BB962C8B-B14F-4D97-AF65-F5344CB8AC3E}">
+        <p14:creationId xmlns:p14="http://schemas.microsoft.com/office/powerpoint/2010/main" val="33855025"/>
+      </p:ext>
+    </p:extLst>
+  </p:cSld>
+  <p:clrMapOvr>
+    <a:masterClrMapping/>
+  </p:clrMapOvr>
+</p:notes>
+</file>
+
+<file path=ppt/notesSlides/notesSlide6.xml><?xml version="1.0" encoding="utf-8"?>
+<p:notes xmlns:a="http://schemas.openxmlformats.org/drawingml/2006/main" xmlns:r="http://schemas.openxmlformats.org/officeDocument/2006/relationships" xmlns:p="http://schemas.openxmlformats.org/presentationml/2006/main">
+  <p:cSld>
+    <p:spTree>
+      <p:nvGrpSpPr>
+        <p:cNvPr id="1" name=""/>
+        <p:cNvGrpSpPr/>
+        <p:nvPr/>
+      </p:nvGrpSpPr>
+      <p:grpSpPr>
+        <a:xfrm>
+          <a:off x="0" y="0"/>
+          <a:ext cx="0" cy="0"/>
+          <a:chOff x="0" y="0"/>
+          <a:chExt cx="0" cy="0"/>
+        </a:xfrm>
+      </p:grpSpPr>
+      <p:sp>
+        <p:nvSpPr>
+          <p:cNvPr id="2" name="Segnaposto immagine diapositiva 1"/>
+          <p:cNvSpPr>
+            <a:spLocks noGrp="1" noRot="1" noChangeAspect="1"/>
+          </p:cNvSpPr>
+          <p:nvPr>
+            <p:ph type="sldImg"/>
+          </p:nvPr>
+        </p:nvSpPr>
+        <p:spPr/>
+      </p:sp>
+      <p:sp>
+        <p:nvSpPr>
+          <p:cNvPr id="3" name="Segnaposto note 2"/>
+          <p:cNvSpPr>
+            <a:spLocks noGrp="1"/>
+          </p:cNvSpPr>
+          <p:nvPr>
+            <p:ph type="body" idx="1"/>
+          </p:nvPr>
+        </p:nvSpPr>
+        <p:spPr/>
+        <p:txBody>
+          <a:bodyPr/>
+          <a:lstStyle/>
+          <a:p>
+            <a:r>
+              <a:rPr lang="it-IT" dirty="0" err="1" smtClean="0"/>
+              <a:t>Memoization</a:t>
+            </a:r>
+            <a:r>
+              <a:rPr lang="it-IT" dirty="0" smtClean="0"/>
+              <a:t> </a:t>
+            </a:r>
+            <a:r>
+              <a:rPr lang="it-IT" dirty="0" err="1" smtClean="0"/>
+              <a:t>is</a:t>
+            </a:r>
+            <a:r>
+              <a:rPr lang="it-IT" dirty="0" smtClean="0"/>
+              <a:t> a </a:t>
+            </a:r>
+            <a:r>
+              <a:rPr lang="it-IT" dirty="0" err="1" smtClean="0"/>
+              <a:t>sort</a:t>
+            </a:r>
+            <a:r>
+              <a:rPr lang="it-IT" dirty="0" smtClean="0"/>
+              <a:t> of </a:t>
+            </a:r>
+            <a:r>
+              <a:rPr lang="it-IT" dirty="0" err="1" smtClean="0"/>
+              <a:t>caching</a:t>
+            </a:r>
+            <a:r>
+              <a:rPr lang="it-IT" dirty="0" smtClean="0"/>
+              <a:t>: </a:t>
+            </a:r>
+            <a:r>
+              <a:rPr lang="it-IT" dirty="0" err="1" smtClean="0"/>
+              <a:t>selectors</a:t>
+            </a:r>
+            <a:r>
+              <a:rPr lang="it-IT" dirty="0" smtClean="0"/>
+              <a:t> are pure </a:t>
+            </a:r>
+            <a:r>
+              <a:rPr lang="it-IT" dirty="0" err="1" smtClean="0"/>
+              <a:t>function</a:t>
+            </a:r>
+            <a:r>
+              <a:rPr lang="it-IT" dirty="0" smtClean="0"/>
+              <a:t>, so </a:t>
+            </a:r>
+            <a:r>
+              <a:rPr lang="it-IT" dirty="0" err="1" smtClean="0"/>
+              <a:t>given</a:t>
+            </a:r>
+            <a:r>
+              <a:rPr lang="it-IT" dirty="0" smtClean="0"/>
+              <a:t> the </a:t>
+            </a:r>
+            <a:r>
+              <a:rPr lang="it-IT" dirty="0" err="1" smtClean="0"/>
+              <a:t>same</a:t>
+            </a:r>
+            <a:r>
+              <a:rPr lang="it-IT" dirty="0" smtClean="0"/>
+              <a:t> </a:t>
+            </a:r>
+            <a:r>
+              <a:rPr lang="it-IT" dirty="0" err="1" smtClean="0"/>
+              <a:t>inputs</a:t>
+            </a:r>
+            <a:r>
+              <a:rPr lang="it-IT" dirty="0" smtClean="0"/>
+              <a:t> </a:t>
+            </a:r>
+            <a:r>
+              <a:rPr lang="it-IT" dirty="0" err="1" smtClean="0"/>
+              <a:t>they</a:t>
+            </a:r>
+            <a:r>
+              <a:rPr lang="it-IT" dirty="0" smtClean="0"/>
+              <a:t> </a:t>
+            </a:r>
+            <a:r>
+              <a:rPr lang="it-IT" dirty="0" err="1" smtClean="0"/>
+              <a:t>return</a:t>
+            </a:r>
+            <a:r>
+              <a:rPr lang="it-IT" dirty="0" smtClean="0"/>
+              <a:t> the </a:t>
+            </a:r>
+            <a:r>
+              <a:rPr lang="it-IT" dirty="0" err="1" smtClean="0"/>
+              <a:t>same</a:t>
+            </a:r>
+            <a:r>
+              <a:rPr lang="it-IT" dirty="0" smtClean="0"/>
+              <a:t> output. </a:t>
+            </a:r>
+            <a:r>
+              <a:rPr lang="it-IT" dirty="0" err="1" smtClean="0"/>
+              <a:t>NgRx</a:t>
+            </a:r>
+            <a:r>
+              <a:rPr lang="it-IT" dirty="0" smtClean="0"/>
+              <a:t> </a:t>
+            </a:r>
+            <a:r>
+              <a:rPr lang="it-IT" dirty="0" err="1" smtClean="0"/>
+              <a:t>establishes</a:t>
+            </a:r>
+            <a:r>
+              <a:rPr lang="it-IT" baseline="0" dirty="0" smtClean="0"/>
+              <a:t> a cache so </a:t>
+            </a:r>
+            <a:r>
+              <a:rPr lang="it-IT" baseline="0" dirty="0" err="1" smtClean="0"/>
+              <a:t>if</a:t>
+            </a:r>
+            <a:r>
+              <a:rPr lang="it-IT" baseline="0" dirty="0" smtClean="0"/>
+              <a:t> the input do </a:t>
+            </a:r>
+            <a:r>
+              <a:rPr lang="it-IT" baseline="0" dirty="0" err="1" smtClean="0"/>
+              <a:t>not</a:t>
+            </a:r>
+            <a:r>
+              <a:rPr lang="it-IT" baseline="0" dirty="0" smtClean="0"/>
+              <a:t> </a:t>
+            </a:r>
+            <a:r>
+              <a:rPr lang="it-IT" baseline="0" dirty="0" err="1" smtClean="0"/>
+              <a:t>change</a:t>
+            </a:r>
+            <a:r>
+              <a:rPr lang="it-IT" baseline="0" dirty="0" smtClean="0"/>
+              <a:t> the </a:t>
+            </a:r>
+            <a:r>
+              <a:rPr lang="it-IT" baseline="0" dirty="0" err="1" smtClean="0"/>
+              <a:t>result</a:t>
+            </a:r>
+            <a:r>
+              <a:rPr lang="it-IT" baseline="0" dirty="0" smtClean="0"/>
+              <a:t> of the (</a:t>
+            </a:r>
+            <a:r>
+              <a:rPr lang="it-IT" baseline="0" dirty="0" err="1" smtClean="0"/>
+              <a:t>previous</a:t>
+            </a:r>
+            <a:r>
+              <a:rPr lang="it-IT" baseline="0" dirty="0" smtClean="0"/>
+              <a:t>) </a:t>
+            </a:r>
+            <a:r>
+              <a:rPr lang="it-IT" baseline="0" dirty="0" err="1" smtClean="0"/>
+              <a:t>elaboration</a:t>
+            </a:r>
+            <a:r>
+              <a:rPr lang="it-IT" baseline="0" dirty="0" smtClean="0"/>
+              <a:t> </a:t>
+            </a:r>
+            <a:r>
+              <a:rPr lang="it-IT" baseline="0" dirty="0" err="1" smtClean="0"/>
+              <a:t>is</a:t>
+            </a:r>
+            <a:r>
+              <a:rPr lang="it-IT" baseline="0" dirty="0" smtClean="0"/>
+              <a:t> </a:t>
+            </a:r>
+            <a:r>
+              <a:rPr lang="it-IT" baseline="0" dirty="0" err="1" smtClean="0"/>
+              <a:t>immediately</a:t>
+            </a:r>
+            <a:r>
+              <a:rPr lang="it-IT" baseline="0" dirty="0" smtClean="0"/>
+              <a:t> </a:t>
+            </a:r>
+            <a:r>
+              <a:rPr lang="it-IT" baseline="0" dirty="0" err="1" smtClean="0"/>
+              <a:t>returned</a:t>
+            </a:r>
+            <a:r>
+              <a:rPr lang="it-IT" baseline="0" dirty="0" smtClean="0"/>
+              <a:t>.</a:t>
+            </a:r>
+          </a:p>
+          <a:p>
+            <a:r>
+              <a:rPr lang="it-IT" baseline="0" dirty="0" err="1" smtClean="0"/>
+              <a:t>Only</a:t>
+            </a:r>
+            <a:r>
+              <a:rPr lang="it-IT" baseline="0" dirty="0" smtClean="0"/>
+              <a:t> the last input </a:t>
+            </a:r>
+            <a:r>
+              <a:rPr lang="it-IT" baseline="0" dirty="0" err="1" smtClean="0"/>
+              <a:t>will</a:t>
+            </a:r>
+            <a:r>
+              <a:rPr lang="it-IT" baseline="0" dirty="0" smtClean="0"/>
+              <a:t> be </a:t>
+            </a:r>
+            <a:r>
+              <a:rPr lang="it-IT" baseline="0" dirty="0" err="1" smtClean="0"/>
+              <a:t>cached</a:t>
+            </a:r>
+            <a:r>
+              <a:rPr lang="it-IT" baseline="0" dirty="0" smtClean="0"/>
+              <a:t>.</a:t>
+            </a:r>
+            <a:endParaRPr lang="it-IT" dirty="0"/>
+          </a:p>
+        </p:txBody>
+      </p:sp>
+      <p:sp>
+        <p:nvSpPr>
+          <p:cNvPr id="4" name="Segnaposto numero diapositiva 3"/>
+          <p:cNvSpPr>
+            <a:spLocks noGrp="1"/>
+          </p:cNvSpPr>
+          <p:nvPr>
+            <p:ph type="sldNum" sz="quarter" idx="10"/>
+          </p:nvPr>
+        </p:nvSpPr>
+        <p:spPr/>
+        <p:txBody>
+          <a:bodyPr/>
+          <a:lstStyle/>
+          <a:p>
+            <a:fld id="{C519897D-FFB3-4111-B327-449DADBE2990}" type="slidenum">
+              <a:rPr lang="en-US" smtClean="0"/>
+              <a:t>17</a:t>
+            </a:fld>
+            <a:endParaRPr lang="en-US"/>
+          </a:p>
+        </p:txBody>
+      </p:sp>
+    </p:spTree>
+    <p:extLst>
+      <p:ext uri="{BB962C8B-B14F-4D97-AF65-F5344CB8AC3E}">
+        <p14:creationId xmlns:p14="http://schemas.microsoft.com/office/powerpoint/2010/main" val="1361937420"/>
+      </p:ext>
+    </p:extLst>
+  </p:cSld>
+  <p:clrMapOvr>
+    <a:masterClrMapping/>
+  </p:clrMapOvr>
+</p:notes>
+</file>
+
+<file path=ppt/notesSlides/notesSlide7.xml><?xml version="1.0" encoding="utf-8"?>
+<p:notes xmlns:a="http://schemas.openxmlformats.org/drawingml/2006/main" xmlns:r="http://schemas.openxmlformats.org/officeDocument/2006/relationships" xmlns:p="http://schemas.openxmlformats.org/presentationml/2006/main">
+  <p:cSld>
+    <p:spTree>
+      <p:nvGrpSpPr>
+        <p:cNvPr id="1" name=""/>
+        <p:cNvGrpSpPr/>
+        <p:nvPr/>
+      </p:nvGrpSpPr>
+      <p:grpSpPr>
+        <a:xfrm>
+          <a:off x="0" y="0"/>
+          <a:ext cx="0" cy="0"/>
+          <a:chOff x="0" y="0"/>
+          <a:chExt cx="0" cy="0"/>
+        </a:xfrm>
+      </p:grpSpPr>
+      <p:sp>
+        <p:nvSpPr>
+          <p:cNvPr id="2" name="Segnaposto immagine diapositiva 1"/>
+          <p:cNvSpPr>
+            <a:spLocks noGrp="1" noRot="1" noChangeAspect="1"/>
+          </p:cNvSpPr>
+          <p:nvPr>
+            <p:ph type="sldImg"/>
+          </p:nvPr>
+        </p:nvSpPr>
+        <p:spPr/>
+      </p:sp>
+      <p:sp>
+        <p:nvSpPr>
+          <p:cNvPr id="3" name="Segnaposto note 2"/>
+          <p:cNvSpPr>
+            <a:spLocks noGrp="1"/>
+          </p:cNvSpPr>
+          <p:nvPr>
+            <p:ph type="body" idx="1"/>
+          </p:nvPr>
+        </p:nvSpPr>
+        <p:spPr/>
+        <p:txBody>
+          <a:bodyPr/>
+          <a:lstStyle/>
+          <a:p>
+            <a:endParaRPr lang="it-IT"/>
+          </a:p>
+        </p:txBody>
+      </p:sp>
+      <p:sp>
+        <p:nvSpPr>
+          <p:cNvPr id="4" name="Segnaposto numero diapositiva 3"/>
+          <p:cNvSpPr>
+            <a:spLocks noGrp="1"/>
+          </p:cNvSpPr>
+          <p:nvPr>
+            <p:ph type="sldNum" sz="quarter" idx="10"/>
+          </p:nvPr>
+        </p:nvSpPr>
+        <p:spPr/>
+        <p:txBody>
+          <a:bodyPr/>
+          <a:lstStyle/>
+          <a:p>
+            <a:fld id="{C519897D-FFB3-4111-B327-449DADBE2990}" type="slidenum">
+              <a:rPr lang="en-US" smtClean="0"/>
+              <a:t>24</a:t>
+            </a:fld>
+            <a:endParaRPr lang="en-US"/>
+          </a:p>
+        </p:txBody>
+      </p:sp>
+    </p:spTree>
+    <p:extLst>
+      <p:ext uri="{BB962C8B-B14F-4D97-AF65-F5344CB8AC3E}">
+        <p14:creationId xmlns:p14="http://schemas.microsoft.com/office/powerpoint/2010/main" val="958452951"/>
+      </p:ext>
+    </p:extLst>
+  </p:cSld>
+  <p:clrMapOvr>
+    <a:masterClrMapping/>
+  </p:clrMapOvr>
+</p:notes>
+</file>
+
+<file path=ppt/notesSlides/notesSlide8.xml><?xml version="1.0" encoding="utf-8"?>
+<p:notes xmlns:a="http://schemas.openxmlformats.org/drawingml/2006/main" xmlns:r="http://schemas.openxmlformats.org/officeDocument/2006/relationships" xmlns:p="http://schemas.openxmlformats.org/presentationml/2006/main">
+  <p:cSld>
+    <p:spTree>
+      <p:nvGrpSpPr>
+        <p:cNvPr id="1" name=""/>
+        <p:cNvGrpSpPr/>
+        <p:nvPr/>
+      </p:nvGrpSpPr>
+      <p:grpSpPr>
+        <a:xfrm>
+          <a:off x="0" y="0"/>
+          <a:ext cx="0" cy="0"/>
+          <a:chOff x="0" y="0"/>
+          <a:chExt cx="0" cy="0"/>
+        </a:xfrm>
+      </p:grpSpPr>
+      <p:sp>
+        <p:nvSpPr>
+          <p:cNvPr id="2" name="Segnaposto immagine diapositiva 1"/>
+          <p:cNvSpPr>
+            <a:spLocks noGrp="1" noRot="1" noChangeAspect="1"/>
+          </p:cNvSpPr>
+          <p:nvPr>
+            <p:ph type="sldImg"/>
+          </p:nvPr>
+        </p:nvSpPr>
+        <p:spPr/>
+      </p:sp>
+      <p:sp>
+        <p:nvSpPr>
+          <p:cNvPr id="3" name="Segnaposto note 2"/>
+          <p:cNvSpPr>
+            <a:spLocks noGrp="1"/>
+          </p:cNvSpPr>
+          <p:nvPr>
+            <p:ph type="body" idx="1"/>
+          </p:nvPr>
+        </p:nvSpPr>
+        <p:spPr/>
+        <p:txBody>
+          <a:bodyPr/>
+          <a:lstStyle/>
+          <a:p>
+            <a:endParaRPr lang="it-IT" dirty="0"/>
+          </a:p>
+        </p:txBody>
+      </p:sp>
+      <p:sp>
+        <p:nvSpPr>
+          <p:cNvPr id="4" name="Segnaposto numero diapositiva 3"/>
+          <p:cNvSpPr>
+            <a:spLocks noGrp="1"/>
+          </p:cNvSpPr>
+          <p:nvPr>
+            <p:ph type="sldNum" sz="quarter" idx="10"/>
+          </p:nvPr>
+        </p:nvSpPr>
+        <p:spPr/>
+        <p:txBody>
+          <a:bodyPr/>
+          <a:lstStyle/>
+          <a:p>
+            <a:fld id="{C519897D-FFB3-4111-B327-449DADBE2990}" type="slidenum">
+              <a:rPr lang="en-US" smtClean="0"/>
+              <a:t>25</a:t>
+            </a:fld>
+            <a:endParaRPr lang="en-US"/>
+          </a:p>
+        </p:txBody>
+      </p:sp>
+    </p:spTree>
+    <p:extLst>
+      <p:ext uri="{BB962C8B-B14F-4D97-AF65-F5344CB8AC3E}">
+        <p14:creationId xmlns:p14="http://schemas.microsoft.com/office/powerpoint/2010/main" val="3813177152"/>
+      </p:ext>
+    </p:extLst>
+  </p:cSld>
+  <p:clrMapOvr>
+    <a:masterClrMapping/>
+  </p:clrMapOvr>
+</p:notes>
+</file>
+
+<file path=ppt/notesSlides/notesSlide9.xml><?xml version="1.0" encoding="utf-8"?>
+<p:notes xmlns:a="http://schemas.openxmlformats.org/drawingml/2006/main" xmlns:r="http://schemas.openxmlformats.org/officeDocument/2006/relationships" xmlns:p="http://schemas.openxmlformats.org/presentationml/2006/main">
+  <p:cSld>
+    <p:spTree>
+      <p:nvGrpSpPr>
+        <p:cNvPr id="1" name=""/>
+        <p:cNvGrpSpPr/>
+        <p:nvPr/>
+      </p:nvGrpSpPr>
+      <p:grpSpPr>
+        <a:xfrm>
+          <a:off x="0" y="0"/>
+          <a:ext cx="0" cy="0"/>
+          <a:chOff x="0" y="0"/>
+          <a:chExt cx="0" cy="0"/>
+        </a:xfrm>
+      </p:grpSpPr>
+      <p:sp>
+        <p:nvSpPr>
+          <p:cNvPr id="2" name="Segnaposto immagine diapositiva 1"/>
+          <p:cNvSpPr>
+            <a:spLocks noGrp="1" noRot="1" noChangeAspect="1"/>
+          </p:cNvSpPr>
+          <p:nvPr>
+            <p:ph type="sldImg"/>
+          </p:nvPr>
+        </p:nvSpPr>
+        <p:spPr/>
+      </p:sp>
+      <p:sp>
+        <p:nvSpPr>
+          <p:cNvPr id="3" name="Segnaposto note 2"/>
+          <p:cNvSpPr>
+            <a:spLocks noGrp="1"/>
+          </p:cNvSpPr>
+          <p:nvPr>
+            <p:ph type="body" idx="1"/>
+          </p:nvPr>
+        </p:nvSpPr>
+        <p:spPr/>
+        <p:txBody>
+          <a:bodyPr/>
+          <a:lstStyle/>
+          <a:p>
+            <a:endParaRPr lang="it-IT"/>
+          </a:p>
+        </p:txBody>
+      </p:sp>
+      <p:sp>
+        <p:nvSpPr>
+          <p:cNvPr id="4" name="Segnaposto numero diapositiva 3"/>
+          <p:cNvSpPr>
+            <a:spLocks noGrp="1"/>
+          </p:cNvSpPr>
+          <p:nvPr>
+            <p:ph type="sldNum" sz="quarter" idx="10"/>
+          </p:nvPr>
+        </p:nvSpPr>
+        <p:spPr/>
+        <p:txBody>
+          <a:bodyPr/>
+          <a:lstStyle/>
+          <a:p>
+            <a:fld id="{C519897D-FFB3-4111-B327-449DADBE2990}" type="slidenum">
+              <a:rPr lang="en-US" smtClean="0"/>
+              <a:t>26</a:t>
             </a:fld>
             <a:endParaRPr lang="en-US"/>
           </a:p>
@@ -5064,18 +5922,10 @@
           <a:lstStyle/>
           <a:p>
             <a:r>
-              <a:rPr lang="it-IT" dirty="0" err="1" smtClean="0">
-                <a:solidFill>
-                  <a:srgbClr val="FF0000"/>
-                </a:solidFill>
-              </a:rPr>
-              <a:t>todo</a:t>
-            </a:r>
-            <a:endParaRPr lang="it-IT" dirty="0">
-              <a:solidFill>
-                <a:srgbClr val="FF0000"/>
-              </a:solidFill>
-            </a:endParaRPr>
+              <a:rPr lang="it-IT" dirty="0" smtClean="0"/>
+              <a:t>1) State</a:t>
+            </a:r>
+            <a:endParaRPr lang="it-IT" dirty="0"/>
           </a:p>
         </p:txBody>
       </p:sp>
@@ -5091,17 +5941,306 @@
         </p:nvSpPr>
         <p:spPr/>
         <p:txBody>
-          <a:bodyPr/>
+          <a:bodyPr>
+            <a:normAutofit fontScale="92500" lnSpcReduction="20000"/>
+          </a:bodyPr>
           <a:lstStyle/>
           <a:p>
-            <a:endParaRPr lang="it-IT" dirty="0"/>
+            <a:r>
+              <a:rPr lang="en-US" dirty="0" smtClean="0"/>
+              <a:t>WARNING</a:t>
+            </a:r>
+            <a:r>
+              <a:rPr lang="en-US" dirty="0"/>
+              <a:t>: the State should be treated as an IMMUTABLE object, you are not allowed to mutate </a:t>
+            </a:r>
+            <a:r>
+              <a:rPr lang="en-US" dirty="0" smtClean="0"/>
+              <a:t>the value </a:t>
+            </a:r>
+            <a:r>
+              <a:rPr lang="en-US" dirty="0"/>
+              <a:t>of a single property!</a:t>
+            </a:r>
+          </a:p>
+          <a:p>
+            <a:endParaRPr lang="en-US" dirty="0"/>
+          </a:p>
+          <a:p>
+            <a:r>
+              <a:rPr lang="en-US" dirty="0">
+                <a:solidFill>
+                  <a:srgbClr val="AF00DB"/>
+                </a:solidFill>
+                <a:latin typeface="Consolas"/>
+              </a:rPr>
+              <a:t>export</a:t>
+            </a:r>
+            <a:r>
+              <a:rPr lang="en-US" dirty="0">
+                <a:solidFill>
+                  <a:srgbClr val="000000"/>
+                </a:solidFill>
+                <a:latin typeface="Consolas"/>
+              </a:rPr>
+              <a:t> </a:t>
+            </a:r>
+            <a:r>
+              <a:rPr lang="en-US" dirty="0">
+                <a:solidFill>
+                  <a:srgbClr val="0000FF"/>
+                </a:solidFill>
+                <a:latin typeface="Consolas"/>
+              </a:rPr>
+              <a:t>interface</a:t>
+            </a:r>
+            <a:r>
+              <a:rPr lang="en-US" dirty="0">
+                <a:solidFill>
+                  <a:srgbClr val="000000"/>
+                </a:solidFill>
+                <a:latin typeface="Consolas"/>
+              </a:rPr>
+              <a:t> </a:t>
+            </a:r>
+            <a:r>
+              <a:rPr lang="en-US" dirty="0" err="1">
+                <a:solidFill>
+                  <a:srgbClr val="267F99"/>
+                </a:solidFill>
+                <a:latin typeface="Consolas"/>
+              </a:rPr>
+              <a:t>ICounterState</a:t>
+            </a:r>
+            <a:r>
+              <a:rPr lang="en-US" dirty="0">
+                <a:solidFill>
+                  <a:srgbClr val="000000"/>
+                </a:solidFill>
+                <a:latin typeface="Consolas"/>
+              </a:rPr>
+              <a:t> {</a:t>
+            </a:r>
+          </a:p>
+          <a:p>
+            <a:r>
+              <a:rPr lang="en-US" dirty="0" smtClean="0">
+                <a:solidFill>
+                  <a:srgbClr val="001080"/>
+                </a:solidFill>
+                <a:latin typeface="Consolas"/>
+              </a:rPr>
+              <a:t>  count</a:t>
+            </a:r>
+            <a:r>
+              <a:rPr lang="en-US" dirty="0">
+                <a:solidFill>
+                  <a:srgbClr val="000000"/>
+                </a:solidFill>
+                <a:latin typeface="Consolas"/>
+              </a:rPr>
+              <a:t>: </a:t>
+            </a:r>
+            <a:r>
+              <a:rPr lang="en-US" dirty="0">
+                <a:solidFill>
+                  <a:srgbClr val="267F99"/>
+                </a:solidFill>
+                <a:latin typeface="Consolas"/>
+              </a:rPr>
+              <a:t>number</a:t>
+            </a:r>
+            <a:r>
+              <a:rPr lang="en-US" dirty="0">
+                <a:solidFill>
+                  <a:srgbClr val="000000"/>
+                </a:solidFill>
+                <a:latin typeface="Consolas"/>
+              </a:rPr>
+              <a:t>;</a:t>
+            </a:r>
+          </a:p>
+          <a:p>
+            <a:r>
+              <a:rPr lang="en-US" dirty="0" smtClean="0">
+                <a:solidFill>
+                  <a:srgbClr val="001080"/>
+                </a:solidFill>
+                <a:latin typeface="Consolas"/>
+              </a:rPr>
+              <a:t>  faulty</a:t>
+            </a:r>
+            <a:r>
+              <a:rPr lang="en-US" dirty="0">
+                <a:solidFill>
+                  <a:srgbClr val="000000"/>
+                </a:solidFill>
+                <a:latin typeface="Consolas"/>
+              </a:rPr>
+              <a:t>: </a:t>
+            </a:r>
+            <a:r>
+              <a:rPr lang="en-US" dirty="0" err="1">
+                <a:solidFill>
+                  <a:srgbClr val="267F99"/>
+                </a:solidFill>
+                <a:latin typeface="Consolas"/>
+              </a:rPr>
+              <a:t>boolean</a:t>
+            </a:r>
+            <a:r>
+              <a:rPr lang="en-US" dirty="0">
+                <a:solidFill>
+                  <a:srgbClr val="000000"/>
+                </a:solidFill>
+                <a:latin typeface="Consolas"/>
+              </a:rPr>
+              <a:t>;</a:t>
+            </a:r>
+          </a:p>
+          <a:p>
+            <a:r>
+              <a:rPr lang="en-US" dirty="0">
+                <a:solidFill>
+                  <a:srgbClr val="000000"/>
+                </a:solidFill>
+                <a:latin typeface="Consolas"/>
+              </a:rPr>
+              <a:t>}</a:t>
+            </a:r>
+          </a:p>
+          <a:p>
+            <a:endParaRPr lang="en-US" dirty="0" smtClean="0">
+              <a:latin typeface="Consolas" panose="020B0609020204030204" pitchFamily="49" charset="0"/>
+            </a:endParaRPr>
+          </a:p>
+          <a:p>
+            <a:r>
+              <a:rPr lang="en-US" dirty="0">
+                <a:solidFill>
+                  <a:srgbClr val="AF00DB"/>
+                </a:solidFill>
+                <a:latin typeface="Consolas"/>
+              </a:rPr>
+              <a:t>export</a:t>
+            </a:r>
+            <a:r>
+              <a:rPr lang="en-US" dirty="0">
+                <a:solidFill>
+                  <a:srgbClr val="000000"/>
+                </a:solidFill>
+                <a:latin typeface="Consolas"/>
+              </a:rPr>
+              <a:t> </a:t>
+            </a:r>
+            <a:r>
+              <a:rPr lang="en-US" dirty="0">
+                <a:solidFill>
+                  <a:srgbClr val="0000FF"/>
+                </a:solidFill>
+                <a:latin typeface="Consolas"/>
+              </a:rPr>
+              <a:t>interface</a:t>
+            </a:r>
+            <a:r>
+              <a:rPr lang="en-US" dirty="0">
+                <a:solidFill>
+                  <a:srgbClr val="000000"/>
+                </a:solidFill>
+                <a:latin typeface="Consolas"/>
+              </a:rPr>
+              <a:t> </a:t>
+            </a:r>
+            <a:r>
+              <a:rPr lang="en-US" dirty="0" err="1">
+                <a:solidFill>
+                  <a:srgbClr val="267F99"/>
+                </a:solidFill>
+                <a:latin typeface="Consolas"/>
+              </a:rPr>
+              <a:t>IAppState</a:t>
+            </a:r>
+            <a:r>
+              <a:rPr lang="en-US" dirty="0">
+                <a:solidFill>
+                  <a:srgbClr val="000000"/>
+                </a:solidFill>
+                <a:latin typeface="Consolas"/>
+              </a:rPr>
+              <a:t> {</a:t>
+            </a:r>
+          </a:p>
+          <a:p>
+            <a:r>
+              <a:rPr lang="en-US" dirty="0" smtClean="0">
+                <a:solidFill>
+                  <a:srgbClr val="001080"/>
+                </a:solidFill>
+                <a:latin typeface="Consolas"/>
+              </a:rPr>
+              <a:t>  </a:t>
+            </a:r>
+            <a:r>
+              <a:rPr lang="en-US" dirty="0" err="1" smtClean="0">
+                <a:solidFill>
+                  <a:srgbClr val="001080"/>
+                </a:solidFill>
+                <a:latin typeface="Consolas"/>
+              </a:rPr>
+              <a:t>counterState</a:t>
+            </a:r>
+            <a:r>
+              <a:rPr lang="en-US" dirty="0">
+                <a:solidFill>
+                  <a:srgbClr val="000000"/>
+                </a:solidFill>
+                <a:latin typeface="Consolas"/>
+              </a:rPr>
+              <a:t>: </a:t>
+            </a:r>
+            <a:r>
+              <a:rPr lang="en-US" dirty="0" err="1">
+                <a:solidFill>
+                  <a:srgbClr val="267F99"/>
+                </a:solidFill>
+                <a:latin typeface="Consolas"/>
+              </a:rPr>
+              <a:t>ICounterState</a:t>
+            </a:r>
+            <a:r>
+              <a:rPr lang="en-US" dirty="0">
+                <a:solidFill>
+                  <a:srgbClr val="000000"/>
+                </a:solidFill>
+                <a:latin typeface="Consolas"/>
+              </a:rPr>
+              <a:t>;</a:t>
+            </a:r>
+          </a:p>
+          <a:p>
+            <a:r>
+              <a:rPr lang="en-US" dirty="0">
+                <a:solidFill>
+                  <a:srgbClr val="000000"/>
+                </a:solidFill>
+                <a:latin typeface="Consolas"/>
+              </a:rPr>
+              <a:t>}</a:t>
+            </a:r>
+            <a:endParaRPr lang="en-US" b="0" dirty="0">
+              <a:solidFill>
+                <a:srgbClr val="000000"/>
+              </a:solidFill>
+              <a:effectLst/>
+              <a:latin typeface="Consolas"/>
+            </a:endParaRPr>
           </a:p>
         </p:txBody>
       </p:sp>
     </p:spTree>
     <p:extLst>
       <p:ext uri="{BB962C8B-B14F-4D97-AF65-F5344CB8AC3E}">
-        <p14:creationId xmlns:p14="http://schemas.microsoft.com/office/powerpoint/2010/main" val="2839161472"/>
+        <p14:creationId xmlns:p14="http://schemas.microsoft.com/office/powerpoint/2010/main" val="3143142769"/>
       </p:ext>
     </p:extLst>
   </p:cSld>
@@ -5119,6 +6258,4729 @@
 </file>
 
 <file path=ppt/slides/slide12.xml><?xml version="1.0" encoding="utf-8"?>
+<p:sld xmlns:a="http://schemas.openxmlformats.org/drawingml/2006/main" xmlns:r="http://schemas.openxmlformats.org/officeDocument/2006/relationships" xmlns:p="http://schemas.openxmlformats.org/presentationml/2006/main">
+  <p:cSld>
+    <p:spTree>
+      <p:nvGrpSpPr>
+        <p:cNvPr id="1" name=""/>
+        <p:cNvGrpSpPr/>
+        <p:nvPr/>
+      </p:nvGrpSpPr>
+      <p:grpSpPr>
+        <a:xfrm>
+          <a:off x="0" y="0"/>
+          <a:ext cx="0" cy="0"/>
+          <a:chOff x="0" y="0"/>
+          <a:chExt cx="0" cy="0"/>
+        </a:xfrm>
+      </p:grpSpPr>
+      <p:sp>
+        <p:nvSpPr>
+          <p:cNvPr id="2" name="Titolo 1"/>
+          <p:cNvSpPr>
+            <a:spLocks noGrp="1"/>
+          </p:cNvSpPr>
+          <p:nvPr>
+            <p:ph type="title"/>
+          </p:nvPr>
+        </p:nvSpPr>
+        <p:spPr/>
+        <p:txBody>
+          <a:bodyPr/>
+          <a:lstStyle/>
+          <a:p>
+            <a:r>
+              <a:rPr lang="it-IT" dirty="0" smtClean="0"/>
+              <a:t>2) </a:t>
+            </a:r>
+            <a:r>
+              <a:rPr lang="it-IT" dirty="0" err="1" smtClean="0"/>
+              <a:t>Provide</a:t>
+            </a:r>
+            <a:r>
+              <a:rPr lang="it-IT" dirty="0" smtClean="0"/>
+              <a:t> an </a:t>
+            </a:r>
+            <a:r>
+              <a:rPr lang="it-IT" dirty="0" err="1" smtClean="0"/>
+              <a:t>Initial</a:t>
+            </a:r>
+            <a:r>
+              <a:rPr lang="it-IT" dirty="0" smtClean="0"/>
+              <a:t> State</a:t>
+            </a:r>
+            <a:endParaRPr lang="it-IT" dirty="0"/>
+          </a:p>
+        </p:txBody>
+      </p:sp>
+      <p:sp>
+        <p:nvSpPr>
+          <p:cNvPr id="3" name="Segnaposto contenuto 2"/>
+          <p:cNvSpPr>
+            <a:spLocks noGrp="1"/>
+          </p:cNvSpPr>
+          <p:nvPr>
+            <p:ph idx="1"/>
+          </p:nvPr>
+        </p:nvSpPr>
+        <p:spPr/>
+        <p:txBody>
+          <a:bodyPr>
+            <a:normAutofit fontScale="77500" lnSpcReduction="20000"/>
+          </a:bodyPr>
+          <a:lstStyle/>
+          <a:p>
+            <a:r>
+              <a:rPr lang="en-US" dirty="0" smtClean="0">
+                <a:solidFill>
+                  <a:srgbClr val="AF00DB"/>
+                </a:solidFill>
+                <a:latin typeface="Consolas"/>
+              </a:rPr>
+              <a:t>export</a:t>
+            </a:r>
+            <a:r>
+              <a:rPr lang="en-US" dirty="0" smtClean="0">
+                <a:solidFill>
+                  <a:srgbClr val="000000"/>
+                </a:solidFill>
+                <a:latin typeface="Consolas"/>
+              </a:rPr>
+              <a:t> </a:t>
+            </a:r>
+            <a:r>
+              <a:rPr lang="en-US" dirty="0" err="1">
+                <a:solidFill>
+                  <a:srgbClr val="0000FF"/>
+                </a:solidFill>
+                <a:latin typeface="Consolas"/>
+              </a:rPr>
+              <a:t>const</a:t>
+            </a:r>
+            <a:r>
+              <a:rPr lang="en-US" dirty="0">
+                <a:solidFill>
+                  <a:srgbClr val="000000"/>
+                </a:solidFill>
+                <a:latin typeface="Consolas"/>
+              </a:rPr>
+              <a:t> </a:t>
+            </a:r>
+            <a:r>
+              <a:rPr lang="en-US" dirty="0" err="1">
+                <a:solidFill>
+                  <a:srgbClr val="001080"/>
+                </a:solidFill>
+                <a:latin typeface="Consolas"/>
+              </a:rPr>
+              <a:t>initialCounterState</a:t>
+            </a:r>
+            <a:r>
+              <a:rPr lang="en-US" dirty="0">
+                <a:solidFill>
+                  <a:srgbClr val="000000"/>
+                </a:solidFill>
+                <a:latin typeface="Consolas"/>
+              </a:rPr>
+              <a:t>: </a:t>
+            </a:r>
+            <a:r>
+              <a:rPr lang="en-US" dirty="0" err="1">
+                <a:solidFill>
+                  <a:srgbClr val="267F99"/>
+                </a:solidFill>
+                <a:latin typeface="Consolas"/>
+              </a:rPr>
+              <a:t>ICounterState</a:t>
+            </a:r>
+            <a:r>
+              <a:rPr lang="en-US" dirty="0">
+                <a:solidFill>
+                  <a:srgbClr val="000000"/>
+                </a:solidFill>
+                <a:latin typeface="Consolas"/>
+              </a:rPr>
+              <a:t> = {</a:t>
+            </a:r>
+          </a:p>
+          <a:p>
+            <a:r>
+              <a:rPr lang="en-US" dirty="0" smtClean="0">
+                <a:solidFill>
+                  <a:srgbClr val="001080"/>
+                </a:solidFill>
+                <a:latin typeface="Consolas"/>
+              </a:rPr>
+              <a:t>  count</a:t>
+            </a:r>
+            <a:r>
+              <a:rPr lang="en-US" dirty="0">
+                <a:solidFill>
+                  <a:srgbClr val="001080"/>
+                </a:solidFill>
+                <a:latin typeface="Consolas"/>
+              </a:rPr>
+              <a:t>:</a:t>
+            </a:r>
+            <a:r>
+              <a:rPr lang="en-US" dirty="0">
+                <a:solidFill>
+                  <a:srgbClr val="000000"/>
+                </a:solidFill>
+                <a:latin typeface="Consolas"/>
+              </a:rPr>
+              <a:t> </a:t>
+            </a:r>
+            <a:r>
+              <a:rPr lang="en-US" dirty="0">
+                <a:solidFill>
+                  <a:srgbClr val="09885A"/>
+                </a:solidFill>
+                <a:latin typeface="Consolas"/>
+              </a:rPr>
+              <a:t>0</a:t>
+            </a:r>
+            <a:r>
+              <a:rPr lang="en-US" dirty="0">
+                <a:solidFill>
+                  <a:srgbClr val="000000"/>
+                </a:solidFill>
+                <a:latin typeface="Consolas"/>
+              </a:rPr>
+              <a:t>,</a:t>
+            </a:r>
+          </a:p>
+          <a:p>
+            <a:r>
+              <a:rPr lang="en-US" dirty="0" smtClean="0">
+                <a:solidFill>
+                  <a:srgbClr val="001080"/>
+                </a:solidFill>
+                <a:latin typeface="Consolas"/>
+              </a:rPr>
+              <a:t>  faulty</a:t>
+            </a:r>
+            <a:r>
+              <a:rPr lang="en-US" dirty="0">
+                <a:solidFill>
+                  <a:srgbClr val="001080"/>
+                </a:solidFill>
+                <a:latin typeface="Consolas"/>
+              </a:rPr>
+              <a:t>:</a:t>
+            </a:r>
+            <a:r>
+              <a:rPr lang="en-US" dirty="0">
+                <a:solidFill>
+                  <a:srgbClr val="000000"/>
+                </a:solidFill>
+                <a:latin typeface="Consolas"/>
+              </a:rPr>
+              <a:t> </a:t>
+            </a:r>
+            <a:r>
+              <a:rPr lang="en-US" dirty="0">
+                <a:solidFill>
+                  <a:srgbClr val="0000FF"/>
+                </a:solidFill>
+                <a:latin typeface="Consolas"/>
+              </a:rPr>
+              <a:t>false</a:t>
+            </a:r>
+            <a:endParaRPr lang="en-US" dirty="0">
+              <a:solidFill>
+                <a:srgbClr val="000000"/>
+              </a:solidFill>
+              <a:latin typeface="Consolas"/>
+            </a:endParaRPr>
+          </a:p>
+          <a:p>
+            <a:r>
+              <a:rPr lang="en-US" dirty="0" smtClean="0">
+                <a:solidFill>
+                  <a:srgbClr val="000000"/>
+                </a:solidFill>
+                <a:latin typeface="Consolas"/>
+              </a:rPr>
+              <a:t>};</a:t>
+            </a:r>
+            <a:endParaRPr lang="en-US" dirty="0">
+              <a:solidFill>
+                <a:srgbClr val="000000"/>
+              </a:solidFill>
+              <a:latin typeface="Consolas"/>
+            </a:endParaRPr>
+          </a:p>
+          <a:p>
+            <a:r>
+              <a:rPr lang="en-US" dirty="0">
+                <a:solidFill>
+                  <a:srgbClr val="AF00DB"/>
+                </a:solidFill>
+                <a:latin typeface="Consolas"/>
+              </a:rPr>
+              <a:t>export</a:t>
+            </a:r>
+            <a:r>
+              <a:rPr lang="en-US" dirty="0">
+                <a:solidFill>
+                  <a:srgbClr val="000000"/>
+                </a:solidFill>
+                <a:latin typeface="Consolas"/>
+              </a:rPr>
+              <a:t> </a:t>
+            </a:r>
+            <a:r>
+              <a:rPr lang="en-US" dirty="0" err="1">
+                <a:solidFill>
+                  <a:srgbClr val="0000FF"/>
+                </a:solidFill>
+                <a:latin typeface="Consolas"/>
+              </a:rPr>
+              <a:t>const</a:t>
+            </a:r>
+            <a:r>
+              <a:rPr lang="en-US" dirty="0">
+                <a:solidFill>
+                  <a:srgbClr val="000000"/>
+                </a:solidFill>
+                <a:latin typeface="Consolas"/>
+              </a:rPr>
+              <a:t> </a:t>
+            </a:r>
+            <a:r>
+              <a:rPr lang="en-US" dirty="0" err="1">
+                <a:solidFill>
+                  <a:srgbClr val="001080"/>
+                </a:solidFill>
+                <a:latin typeface="Consolas"/>
+              </a:rPr>
+              <a:t>initialAppState</a:t>
+            </a:r>
+            <a:r>
+              <a:rPr lang="en-US" dirty="0">
+                <a:solidFill>
+                  <a:srgbClr val="000000"/>
+                </a:solidFill>
+                <a:latin typeface="Consolas"/>
+              </a:rPr>
+              <a:t>: </a:t>
+            </a:r>
+            <a:r>
+              <a:rPr lang="en-US" dirty="0" err="1">
+                <a:solidFill>
+                  <a:srgbClr val="267F99"/>
+                </a:solidFill>
+                <a:latin typeface="Consolas"/>
+              </a:rPr>
+              <a:t>IAppState</a:t>
+            </a:r>
+            <a:r>
+              <a:rPr lang="en-US" dirty="0">
+                <a:solidFill>
+                  <a:srgbClr val="000000"/>
+                </a:solidFill>
+                <a:latin typeface="Consolas"/>
+              </a:rPr>
+              <a:t> = {</a:t>
+            </a:r>
+          </a:p>
+          <a:p>
+            <a:r>
+              <a:rPr lang="en-US" dirty="0" smtClean="0">
+                <a:solidFill>
+                  <a:srgbClr val="001080"/>
+                </a:solidFill>
+                <a:latin typeface="Consolas"/>
+              </a:rPr>
+              <a:t>  </a:t>
+            </a:r>
+            <a:r>
+              <a:rPr lang="en-US" dirty="0" err="1" smtClean="0">
+                <a:solidFill>
+                  <a:srgbClr val="001080"/>
+                </a:solidFill>
+                <a:latin typeface="Consolas"/>
+              </a:rPr>
+              <a:t>counterState</a:t>
+            </a:r>
+            <a:r>
+              <a:rPr lang="en-US" dirty="0">
+                <a:solidFill>
+                  <a:srgbClr val="001080"/>
+                </a:solidFill>
+                <a:latin typeface="Consolas"/>
+              </a:rPr>
+              <a:t>:</a:t>
+            </a:r>
+            <a:r>
+              <a:rPr lang="en-US" dirty="0">
+                <a:solidFill>
+                  <a:srgbClr val="000000"/>
+                </a:solidFill>
+                <a:latin typeface="Consolas"/>
+              </a:rPr>
+              <a:t> </a:t>
+            </a:r>
+            <a:r>
+              <a:rPr lang="en-US" dirty="0" err="1">
+                <a:solidFill>
+                  <a:srgbClr val="001080"/>
+                </a:solidFill>
+                <a:latin typeface="Consolas"/>
+              </a:rPr>
+              <a:t>initialCounterState</a:t>
+            </a:r>
+            <a:endParaRPr lang="en-US" dirty="0">
+              <a:solidFill>
+                <a:srgbClr val="000000"/>
+              </a:solidFill>
+              <a:latin typeface="Consolas"/>
+            </a:endParaRPr>
+          </a:p>
+          <a:p>
+            <a:r>
+              <a:rPr lang="en-US" dirty="0" smtClean="0">
+                <a:solidFill>
+                  <a:srgbClr val="000000"/>
+                </a:solidFill>
+                <a:latin typeface="Consolas"/>
+              </a:rPr>
+              <a:t>};</a:t>
+            </a:r>
+          </a:p>
+          <a:p>
+            <a:endParaRPr lang="en-US" dirty="0">
+              <a:solidFill>
+                <a:srgbClr val="000000"/>
+              </a:solidFill>
+              <a:latin typeface="Consolas"/>
+            </a:endParaRPr>
+          </a:p>
+          <a:p>
+            <a:r>
+              <a:rPr lang="it-IT" dirty="0"/>
+              <a:t>in the </a:t>
+            </a:r>
+            <a:r>
+              <a:rPr lang="it-IT" dirty="0" err="1"/>
+              <a:t>AppModule</a:t>
+            </a:r>
+            <a:r>
+              <a:rPr lang="it-IT" dirty="0"/>
+              <a:t>:</a:t>
+            </a:r>
+          </a:p>
+          <a:p>
+            <a:endParaRPr lang="en-US" dirty="0" smtClean="0">
+              <a:solidFill>
+                <a:srgbClr val="000000"/>
+              </a:solidFill>
+              <a:latin typeface="Consolas"/>
+            </a:endParaRPr>
+          </a:p>
+          <a:p>
+            <a:r>
+              <a:rPr lang="it-IT" dirty="0" err="1" smtClean="0">
+                <a:solidFill>
+                  <a:srgbClr val="001080"/>
+                </a:solidFill>
+                <a:latin typeface="Consolas"/>
+              </a:rPr>
+              <a:t>StoreModule</a:t>
+            </a:r>
+            <a:r>
+              <a:rPr lang="it-IT" dirty="0" err="1" smtClean="0">
+                <a:solidFill>
+                  <a:srgbClr val="000000"/>
+                </a:solidFill>
+                <a:latin typeface="Consolas"/>
+              </a:rPr>
+              <a:t>.</a:t>
+            </a:r>
+            <a:r>
+              <a:rPr lang="it-IT" dirty="0" err="1" smtClean="0">
+                <a:solidFill>
+                  <a:srgbClr val="795E26"/>
+                </a:solidFill>
+                <a:latin typeface="Consolas"/>
+              </a:rPr>
+              <a:t>forRoot</a:t>
+            </a:r>
+            <a:r>
+              <a:rPr lang="it-IT" dirty="0" smtClean="0">
+                <a:solidFill>
+                  <a:srgbClr val="000000"/>
+                </a:solidFill>
+                <a:latin typeface="Consolas"/>
+              </a:rPr>
+              <a:t>(</a:t>
+            </a:r>
+            <a:r>
+              <a:rPr lang="it-IT" dirty="0" smtClean="0">
+                <a:solidFill>
+                  <a:srgbClr val="001080"/>
+                </a:solidFill>
+                <a:latin typeface="Consolas"/>
+              </a:rPr>
+              <a:t>{…}</a:t>
+            </a:r>
+            <a:r>
+              <a:rPr lang="it-IT" dirty="0" smtClean="0">
+                <a:solidFill>
+                  <a:srgbClr val="000000"/>
+                </a:solidFill>
+                <a:latin typeface="Consolas"/>
+              </a:rPr>
+              <a:t>, </a:t>
+            </a:r>
+            <a:r>
+              <a:rPr lang="it-IT" dirty="0">
+                <a:solidFill>
+                  <a:srgbClr val="000000"/>
+                </a:solidFill>
+                <a:latin typeface="Consolas"/>
+              </a:rPr>
+              <a:t>{ </a:t>
+            </a:r>
+            <a:r>
+              <a:rPr lang="it-IT" dirty="0" err="1">
+                <a:solidFill>
+                  <a:srgbClr val="001080"/>
+                </a:solidFill>
+                <a:latin typeface="Consolas"/>
+              </a:rPr>
+              <a:t>initialState</a:t>
+            </a:r>
+            <a:r>
+              <a:rPr lang="it-IT" dirty="0">
+                <a:solidFill>
+                  <a:srgbClr val="001080"/>
+                </a:solidFill>
+                <a:latin typeface="Consolas"/>
+              </a:rPr>
+              <a:t>:</a:t>
+            </a:r>
+            <a:r>
+              <a:rPr lang="it-IT" dirty="0">
+                <a:solidFill>
+                  <a:srgbClr val="000000"/>
+                </a:solidFill>
+                <a:latin typeface="Consolas"/>
+              </a:rPr>
+              <a:t> </a:t>
+            </a:r>
+            <a:r>
+              <a:rPr lang="it-IT" dirty="0" err="1">
+                <a:solidFill>
+                  <a:srgbClr val="001080"/>
+                </a:solidFill>
+                <a:latin typeface="Consolas"/>
+              </a:rPr>
+              <a:t>initialAppState</a:t>
+            </a:r>
+            <a:r>
+              <a:rPr lang="it-IT" dirty="0">
+                <a:solidFill>
+                  <a:srgbClr val="000000"/>
+                </a:solidFill>
+                <a:latin typeface="Consolas"/>
+              </a:rPr>
+              <a:t> </a:t>
+            </a:r>
+            <a:r>
+              <a:rPr lang="it-IT" dirty="0" smtClean="0">
+                <a:solidFill>
+                  <a:srgbClr val="000000"/>
+                </a:solidFill>
+                <a:latin typeface="Consolas"/>
+              </a:rPr>
+              <a:t>})</a:t>
+            </a:r>
+            <a:r>
+              <a:rPr lang="en-US" dirty="0" smtClean="0">
+                <a:solidFill>
+                  <a:srgbClr val="000000"/>
+                </a:solidFill>
+                <a:latin typeface="Consolas"/>
+              </a:rPr>
+              <a:t/>
+            </a:r>
+            <a:br>
+              <a:rPr lang="en-US" dirty="0" smtClean="0">
+                <a:solidFill>
+                  <a:srgbClr val="000000"/>
+                </a:solidFill>
+                <a:latin typeface="Consolas"/>
+              </a:rPr>
+            </a:br>
+            <a:endParaRPr lang="en-US" dirty="0" smtClean="0">
+              <a:solidFill>
+                <a:srgbClr val="000000"/>
+              </a:solidFill>
+              <a:latin typeface="Consolas"/>
+            </a:endParaRPr>
+          </a:p>
+          <a:p>
+            <a:endParaRPr lang="it-IT" dirty="0"/>
+          </a:p>
+        </p:txBody>
+      </p:sp>
+    </p:spTree>
+    <p:extLst>
+      <p:ext uri="{BB962C8B-B14F-4D97-AF65-F5344CB8AC3E}">
+        <p14:creationId xmlns:p14="http://schemas.microsoft.com/office/powerpoint/2010/main" val="1141946178"/>
+      </p:ext>
+    </p:extLst>
+  </p:cSld>
+  <p:clrMapOvr>
+    <a:masterClrMapping/>
+  </p:clrMapOvr>
+  <p:timing>
+    <p:tnLst>
+      <p:par>
+        <p:cTn id="1" dur="indefinite" restart="never" nodeType="tmRoot"/>
+      </p:par>
+    </p:tnLst>
+  </p:timing>
+</p:sld>
+</file>
+
+<file path=ppt/slides/slide13.xml><?xml version="1.0" encoding="utf-8"?>
+<p:sld xmlns:a="http://schemas.openxmlformats.org/drawingml/2006/main" xmlns:r="http://schemas.openxmlformats.org/officeDocument/2006/relationships" xmlns:p="http://schemas.openxmlformats.org/presentationml/2006/main">
+  <p:cSld>
+    <p:spTree>
+      <p:nvGrpSpPr>
+        <p:cNvPr id="1" name=""/>
+        <p:cNvGrpSpPr/>
+        <p:nvPr/>
+      </p:nvGrpSpPr>
+      <p:grpSpPr>
+        <a:xfrm>
+          <a:off x="0" y="0"/>
+          <a:ext cx="0" cy="0"/>
+          <a:chOff x="0" y="0"/>
+          <a:chExt cx="0" cy="0"/>
+        </a:xfrm>
+      </p:grpSpPr>
+      <p:sp>
+        <p:nvSpPr>
+          <p:cNvPr id="2" name="Titolo 1"/>
+          <p:cNvSpPr>
+            <a:spLocks noGrp="1"/>
+          </p:cNvSpPr>
+          <p:nvPr>
+            <p:ph type="title"/>
+          </p:nvPr>
+        </p:nvSpPr>
+        <p:spPr/>
+        <p:txBody>
+          <a:bodyPr/>
+          <a:lstStyle/>
+          <a:p>
+            <a:r>
+              <a:rPr lang="it-IT" dirty="0" smtClean="0"/>
+              <a:t>3) </a:t>
+            </a:r>
+            <a:r>
+              <a:rPr lang="it-IT" dirty="0" err="1" smtClean="0"/>
+              <a:t>Define</a:t>
+            </a:r>
+            <a:r>
+              <a:rPr lang="it-IT" dirty="0" smtClean="0"/>
+              <a:t> </a:t>
+            </a:r>
+            <a:r>
+              <a:rPr lang="it-IT" dirty="0" err="1" smtClean="0"/>
+              <a:t>Actions</a:t>
+            </a:r>
+            <a:endParaRPr lang="it-IT" dirty="0"/>
+          </a:p>
+        </p:txBody>
+      </p:sp>
+      <p:sp>
+        <p:nvSpPr>
+          <p:cNvPr id="3" name="Segnaposto contenuto 2"/>
+          <p:cNvSpPr>
+            <a:spLocks noGrp="1"/>
+          </p:cNvSpPr>
+          <p:nvPr>
+            <p:ph idx="1"/>
+          </p:nvPr>
+        </p:nvSpPr>
+        <p:spPr/>
+        <p:txBody>
+          <a:bodyPr>
+            <a:normAutofit/>
+          </a:bodyPr>
+          <a:lstStyle/>
+          <a:p>
+            <a:pPr marL="0" indent="0">
+              <a:buNone/>
+            </a:pPr>
+            <a:r>
+              <a:rPr lang="en-US" dirty="0">
+                <a:solidFill>
+                  <a:srgbClr val="AF00DB"/>
+                </a:solidFill>
+                <a:latin typeface="Consolas" panose="020B0609020204030204" pitchFamily="49" charset="0"/>
+              </a:rPr>
+              <a:t>export</a:t>
+            </a:r>
+            <a:r>
+              <a:rPr lang="en-US" dirty="0">
+                <a:solidFill>
+                  <a:srgbClr val="000000"/>
+                </a:solidFill>
+                <a:latin typeface="Consolas" panose="020B0609020204030204" pitchFamily="49" charset="0"/>
+              </a:rPr>
+              <a:t> </a:t>
+            </a:r>
+            <a:r>
+              <a:rPr lang="en-US" dirty="0" err="1">
+                <a:solidFill>
+                  <a:srgbClr val="0000FF"/>
+                </a:solidFill>
+                <a:latin typeface="Consolas" panose="020B0609020204030204" pitchFamily="49" charset="0"/>
+              </a:rPr>
+              <a:t>enum</a:t>
+            </a:r>
+            <a:r>
+              <a:rPr lang="en-US" dirty="0">
+                <a:solidFill>
+                  <a:srgbClr val="000000"/>
+                </a:solidFill>
+                <a:latin typeface="Consolas" panose="020B0609020204030204" pitchFamily="49" charset="0"/>
+              </a:rPr>
+              <a:t> </a:t>
+            </a:r>
+            <a:r>
+              <a:rPr lang="en-US" dirty="0" err="1">
+                <a:solidFill>
+                  <a:srgbClr val="267F99"/>
+                </a:solidFill>
+                <a:latin typeface="Consolas" panose="020B0609020204030204" pitchFamily="49" charset="0"/>
+              </a:rPr>
+              <a:t>CounterActionTypes</a:t>
+            </a:r>
+            <a:r>
+              <a:rPr lang="en-US" dirty="0">
+                <a:solidFill>
+                  <a:srgbClr val="000000"/>
+                </a:solidFill>
+                <a:latin typeface="Consolas" panose="020B0609020204030204" pitchFamily="49" charset="0"/>
+              </a:rPr>
+              <a:t> {</a:t>
+            </a:r>
+          </a:p>
+          <a:p>
+            <a:pPr marL="0" indent="0">
+              <a:buNone/>
+            </a:pPr>
+            <a:r>
+              <a:rPr lang="en-US" dirty="0" smtClean="0">
+                <a:solidFill>
+                  <a:srgbClr val="001080"/>
+                </a:solidFill>
+                <a:latin typeface="Consolas" panose="020B0609020204030204" pitchFamily="49" charset="0"/>
+              </a:rPr>
+              <a:t>  INCREMENT</a:t>
+            </a:r>
+            <a:r>
+              <a:rPr lang="en-US" dirty="0" smtClean="0">
+                <a:solidFill>
+                  <a:srgbClr val="000000"/>
+                </a:solidFill>
+                <a:latin typeface="Consolas" panose="020B0609020204030204" pitchFamily="49" charset="0"/>
+              </a:rPr>
+              <a:t> </a:t>
+            </a:r>
+            <a:r>
+              <a:rPr lang="en-US" dirty="0">
+                <a:solidFill>
+                  <a:srgbClr val="000000"/>
+                </a:solidFill>
+                <a:latin typeface="Consolas" panose="020B0609020204030204" pitchFamily="49" charset="0"/>
+              </a:rPr>
+              <a:t>= </a:t>
+            </a:r>
+            <a:r>
+              <a:rPr lang="en-US" dirty="0">
+                <a:solidFill>
+                  <a:srgbClr val="A31515"/>
+                </a:solidFill>
+                <a:latin typeface="Consolas" panose="020B0609020204030204" pitchFamily="49" charset="0"/>
+              </a:rPr>
+              <a:t>'[Counter] Increment'</a:t>
+            </a:r>
+            <a:r>
+              <a:rPr lang="en-US" dirty="0">
+                <a:solidFill>
+                  <a:srgbClr val="000000"/>
+                </a:solidFill>
+                <a:latin typeface="Consolas" panose="020B0609020204030204" pitchFamily="49" charset="0"/>
+              </a:rPr>
+              <a:t>, </a:t>
+            </a:r>
+            <a:r>
+              <a:rPr lang="en-US" dirty="0">
+                <a:solidFill>
+                  <a:srgbClr val="008000"/>
+                </a:solidFill>
+                <a:latin typeface="Consolas" panose="020B0609020204030204" pitchFamily="49" charset="0"/>
+              </a:rPr>
+              <a:t>// best </a:t>
+            </a:r>
+            <a:r>
+              <a:rPr lang="en-US" dirty="0" smtClean="0">
+                <a:solidFill>
+                  <a:srgbClr val="008000"/>
+                </a:solidFill>
+                <a:latin typeface="Consolas" panose="020B0609020204030204" pitchFamily="49" charset="0"/>
+              </a:rPr>
+              <a:t>practice</a:t>
+            </a:r>
+            <a:r>
+              <a:rPr lang="en-US" dirty="0">
+                <a:solidFill>
+                  <a:srgbClr val="008000"/>
+                </a:solidFill>
+                <a:latin typeface="Consolas" panose="020B0609020204030204" pitchFamily="49" charset="0"/>
+              </a:rPr>
+              <a:t>: add some </a:t>
+            </a:r>
+            <a:endParaRPr lang="en-US" dirty="0" smtClean="0">
+              <a:solidFill>
+                <a:srgbClr val="008000"/>
+              </a:solidFill>
+              <a:latin typeface="Consolas" panose="020B0609020204030204" pitchFamily="49" charset="0"/>
+            </a:endParaRPr>
+          </a:p>
+          <a:p>
+            <a:pPr marL="0" indent="0">
+              <a:buNone/>
+            </a:pPr>
+            <a:r>
+              <a:rPr lang="en-US" dirty="0">
+                <a:solidFill>
+                  <a:srgbClr val="008000"/>
+                </a:solidFill>
+                <a:latin typeface="Consolas" panose="020B0609020204030204" pitchFamily="49" charset="0"/>
+              </a:rPr>
+              <a:t> </a:t>
+            </a:r>
+            <a:r>
+              <a:rPr lang="en-US" dirty="0" smtClean="0">
+                <a:solidFill>
+                  <a:srgbClr val="008000"/>
+                </a:solidFill>
+                <a:latin typeface="Consolas" panose="020B0609020204030204" pitchFamily="49" charset="0"/>
+              </a:rPr>
+              <a:t>                                    // </a:t>
+            </a:r>
+            <a:r>
+              <a:rPr lang="en-US" dirty="0" err="1" smtClean="0">
+                <a:solidFill>
+                  <a:srgbClr val="008000"/>
+                </a:solidFill>
+                <a:latin typeface="Consolas" panose="020B0609020204030204" pitchFamily="49" charset="0"/>
+              </a:rPr>
+              <a:t>namespacing</a:t>
+            </a:r>
+            <a:endParaRPr lang="en-US" dirty="0" smtClean="0">
+              <a:solidFill>
+                <a:srgbClr val="008000"/>
+              </a:solidFill>
+              <a:latin typeface="Consolas" panose="020B0609020204030204" pitchFamily="49" charset="0"/>
+            </a:endParaRPr>
+          </a:p>
+          <a:p>
+            <a:pPr marL="0" indent="0">
+              <a:buNone/>
+            </a:pPr>
+            <a:r>
+              <a:rPr lang="en-US" dirty="0">
+                <a:solidFill>
+                  <a:srgbClr val="008000"/>
+                </a:solidFill>
+                <a:latin typeface="Consolas" panose="020B0609020204030204" pitchFamily="49" charset="0"/>
+              </a:rPr>
+              <a:t> </a:t>
+            </a:r>
+            <a:r>
+              <a:rPr lang="en-US" dirty="0" smtClean="0">
+                <a:solidFill>
+                  <a:srgbClr val="008000"/>
+                </a:solidFill>
+                <a:latin typeface="Consolas" panose="020B0609020204030204" pitchFamily="49" charset="0"/>
+              </a:rPr>
+              <a:t> …</a:t>
+            </a:r>
+          </a:p>
+          <a:p>
+            <a:pPr marL="0" indent="0">
+              <a:buNone/>
+            </a:pPr>
+            <a:r>
+              <a:rPr lang="en-US" dirty="0" smtClean="0">
+                <a:solidFill>
+                  <a:srgbClr val="000000"/>
+                </a:solidFill>
+                <a:latin typeface="Consolas" panose="020B0609020204030204" pitchFamily="49" charset="0"/>
+              </a:rPr>
+              <a:t>}</a:t>
+            </a:r>
+            <a:endParaRPr lang="en-US" dirty="0">
+              <a:solidFill>
+                <a:srgbClr val="000000"/>
+              </a:solidFill>
+              <a:latin typeface="Consolas" panose="020B0609020204030204" pitchFamily="49" charset="0"/>
+            </a:endParaRPr>
+          </a:p>
+          <a:p>
+            <a:pPr marL="0" indent="0">
+              <a:buNone/>
+            </a:pPr>
+            <a:r>
+              <a:rPr lang="en-US" dirty="0" smtClean="0">
+                <a:solidFill>
+                  <a:srgbClr val="AF00DB"/>
+                </a:solidFill>
+                <a:latin typeface="Consolas" panose="020B0609020204030204" pitchFamily="49" charset="0"/>
+              </a:rPr>
+              <a:t>export</a:t>
+            </a:r>
+            <a:r>
+              <a:rPr lang="en-US" dirty="0" smtClean="0">
+                <a:solidFill>
+                  <a:srgbClr val="000000"/>
+                </a:solidFill>
+                <a:latin typeface="Consolas" panose="020B0609020204030204" pitchFamily="49" charset="0"/>
+              </a:rPr>
+              <a:t> </a:t>
+            </a:r>
+            <a:r>
+              <a:rPr lang="en-US" dirty="0">
+                <a:solidFill>
+                  <a:srgbClr val="0000FF"/>
+                </a:solidFill>
+                <a:latin typeface="Consolas" panose="020B0609020204030204" pitchFamily="49" charset="0"/>
+              </a:rPr>
+              <a:t>class</a:t>
+            </a:r>
+            <a:r>
+              <a:rPr lang="en-US" dirty="0">
+                <a:solidFill>
+                  <a:srgbClr val="000000"/>
+                </a:solidFill>
+                <a:latin typeface="Consolas" panose="020B0609020204030204" pitchFamily="49" charset="0"/>
+              </a:rPr>
+              <a:t> </a:t>
+            </a:r>
+            <a:r>
+              <a:rPr lang="en-US" dirty="0">
+                <a:solidFill>
+                  <a:srgbClr val="267F99"/>
+                </a:solidFill>
+                <a:latin typeface="Consolas" panose="020B0609020204030204" pitchFamily="49" charset="0"/>
+              </a:rPr>
+              <a:t>Increment</a:t>
+            </a:r>
+            <a:r>
+              <a:rPr lang="en-US" dirty="0">
+                <a:solidFill>
+                  <a:srgbClr val="000000"/>
+                </a:solidFill>
+                <a:latin typeface="Consolas" panose="020B0609020204030204" pitchFamily="49" charset="0"/>
+              </a:rPr>
+              <a:t> </a:t>
+            </a:r>
+            <a:r>
+              <a:rPr lang="en-US" dirty="0">
+                <a:solidFill>
+                  <a:srgbClr val="0000FF"/>
+                </a:solidFill>
+                <a:latin typeface="Consolas" panose="020B0609020204030204" pitchFamily="49" charset="0"/>
+              </a:rPr>
+              <a:t>implements</a:t>
+            </a:r>
+            <a:r>
+              <a:rPr lang="en-US" dirty="0">
+                <a:solidFill>
+                  <a:srgbClr val="000000"/>
+                </a:solidFill>
+                <a:latin typeface="Consolas" panose="020B0609020204030204" pitchFamily="49" charset="0"/>
+              </a:rPr>
+              <a:t> </a:t>
+            </a:r>
+            <a:r>
+              <a:rPr lang="en-US" dirty="0">
+                <a:solidFill>
+                  <a:srgbClr val="267F99"/>
+                </a:solidFill>
+                <a:latin typeface="Consolas" panose="020B0609020204030204" pitchFamily="49" charset="0"/>
+              </a:rPr>
+              <a:t>Action</a:t>
+            </a:r>
+            <a:r>
+              <a:rPr lang="en-US" dirty="0">
+                <a:solidFill>
+                  <a:srgbClr val="000000"/>
+                </a:solidFill>
+                <a:latin typeface="Consolas" panose="020B0609020204030204" pitchFamily="49" charset="0"/>
+              </a:rPr>
+              <a:t> </a:t>
+            </a:r>
+            <a:r>
+              <a:rPr lang="en-US" dirty="0" smtClean="0">
+                <a:solidFill>
+                  <a:srgbClr val="000000"/>
+                </a:solidFill>
+                <a:latin typeface="Consolas" panose="020B0609020204030204" pitchFamily="49" charset="0"/>
+              </a:rPr>
+              <a:t>{</a:t>
+            </a:r>
+          </a:p>
+          <a:p>
+            <a:pPr marL="0" indent="0">
+              <a:buNone/>
+            </a:pPr>
+            <a:r>
+              <a:rPr lang="en-US" dirty="0" smtClean="0">
+                <a:solidFill>
+                  <a:srgbClr val="0000FF"/>
+                </a:solidFill>
+                <a:latin typeface="Consolas" panose="020B0609020204030204" pitchFamily="49" charset="0"/>
+              </a:rPr>
+              <a:t>  </a:t>
+            </a:r>
+            <a:r>
+              <a:rPr lang="en-US" dirty="0" err="1" smtClean="0">
+                <a:solidFill>
+                  <a:srgbClr val="0000FF"/>
+                </a:solidFill>
+                <a:latin typeface="Consolas" panose="020B0609020204030204" pitchFamily="49" charset="0"/>
+              </a:rPr>
+              <a:t>readonly</a:t>
+            </a:r>
+            <a:r>
+              <a:rPr lang="en-US" dirty="0" smtClean="0">
+                <a:solidFill>
+                  <a:srgbClr val="000000"/>
+                </a:solidFill>
+                <a:latin typeface="Consolas" panose="020B0609020204030204" pitchFamily="49" charset="0"/>
+              </a:rPr>
+              <a:t> </a:t>
+            </a:r>
+            <a:r>
+              <a:rPr lang="en-US" dirty="0">
+                <a:solidFill>
+                  <a:srgbClr val="001080"/>
+                </a:solidFill>
+                <a:latin typeface="Consolas" panose="020B0609020204030204" pitchFamily="49" charset="0"/>
+              </a:rPr>
+              <a:t>type</a:t>
+            </a:r>
+            <a:r>
+              <a:rPr lang="en-US" dirty="0">
+                <a:solidFill>
+                  <a:srgbClr val="000000"/>
+                </a:solidFill>
+                <a:latin typeface="Consolas" panose="020B0609020204030204" pitchFamily="49" charset="0"/>
+              </a:rPr>
+              <a:t> = </a:t>
+            </a:r>
+            <a:r>
+              <a:rPr lang="en-US" dirty="0" err="1">
+                <a:solidFill>
+                  <a:srgbClr val="001080"/>
+                </a:solidFill>
+                <a:latin typeface="Consolas" panose="020B0609020204030204" pitchFamily="49" charset="0"/>
+              </a:rPr>
+              <a:t>CounterActionTypes</a:t>
+            </a:r>
+            <a:r>
+              <a:rPr lang="en-US" dirty="0" err="1">
+                <a:solidFill>
+                  <a:srgbClr val="000000"/>
+                </a:solidFill>
+                <a:latin typeface="Consolas" panose="020B0609020204030204" pitchFamily="49" charset="0"/>
+              </a:rPr>
+              <a:t>.</a:t>
+            </a:r>
+            <a:r>
+              <a:rPr lang="en-US" dirty="0" err="1">
+                <a:solidFill>
+                  <a:srgbClr val="001080"/>
+                </a:solidFill>
+                <a:latin typeface="Consolas" panose="020B0609020204030204" pitchFamily="49" charset="0"/>
+              </a:rPr>
+              <a:t>INCREMENT</a:t>
+            </a:r>
+            <a:r>
+              <a:rPr lang="en-US" dirty="0" smtClean="0">
+                <a:solidFill>
+                  <a:srgbClr val="000000"/>
+                </a:solidFill>
+                <a:latin typeface="Consolas" panose="020B0609020204030204" pitchFamily="49" charset="0"/>
+              </a:rPr>
+              <a:t>;</a:t>
+            </a:r>
+          </a:p>
+          <a:p>
+            <a:pPr marL="0" indent="0">
+              <a:buNone/>
+            </a:pPr>
+            <a:r>
+              <a:rPr lang="en-US" dirty="0" smtClean="0">
+                <a:solidFill>
+                  <a:srgbClr val="000000"/>
+                </a:solidFill>
+                <a:latin typeface="Consolas" panose="020B0609020204030204" pitchFamily="49" charset="0"/>
+              </a:rPr>
+              <a:t>}</a:t>
+            </a:r>
+          </a:p>
+          <a:p>
+            <a:pPr marL="0" indent="0">
+              <a:buNone/>
+            </a:pPr>
+            <a:r>
+              <a:rPr lang="it-IT" dirty="0" smtClean="0">
+                <a:solidFill>
+                  <a:srgbClr val="AF00DB"/>
+                </a:solidFill>
+                <a:latin typeface="Consolas" panose="020B0609020204030204" pitchFamily="49" charset="0"/>
+              </a:rPr>
+              <a:t>export</a:t>
+            </a:r>
+            <a:r>
+              <a:rPr lang="it-IT" dirty="0" smtClean="0">
+                <a:solidFill>
+                  <a:srgbClr val="000000"/>
+                </a:solidFill>
+                <a:latin typeface="Consolas" panose="020B0609020204030204" pitchFamily="49" charset="0"/>
+              </a:rPr>
+              <a:t> </a:t>
+            </a:r>
+            <a:r>
+              <a:rPr lang="it-IT" dirty="0" err="1">
+                <a:solidFill>
+                  <a:srgbClr val="0000FF"/>
+                </a:solidFill>
+                <a:latin typeface="Consolas" panose="020B0609020204030204" pitchFamily="49" charset="0"/>
+              </a:rPr>
+              <a:t>type</a:t>
+            </a:r>
+            <a:r>
+              <a:rPr lang="it-IT" dirty="0">
+                <a:solidFill>
+                  <a:srgbClr val="000000"/>
+                </a:solidFill>
+                <a:latin typeface="Consolas" panose="020B0609020204030204" pitchFamily="49" charset="0"/>
+              </a:rPr>
+              <a:t> </a:t>
+            </a:r>
+            <a:r>
+              <a:rPr lang="it-IT" dirty="0" err="1">
+                <a:solidFill>
+                  <a:srgbClr val="267F99"/>
+                </a:solidFill>
+                <a:latin typeface="Consolas" panose="020B0609020204030204" pitchFamily="49" charset="0"/>
+              </a:rPr>
+              <a:t>CounterActions</a:t>
+            </a:r>
+            <a:r>
+              <a:rPr lang="it-IT" dirty="0">
+                <a:solidFill>
+                  <a:srgbClr val="000000"/>
+                </a:solidFill>
+                <a:latin typeface="Consolas" panose="020B0609020204030204" pitchFamily="49" charset="0"/>
+              </a:rPr>
+              <a:t> = </a:t>
+            </a:r>
+            <a:r>
+              <a:rPr lang="it-IT" dirty="0" err="1">
+                <a:solidFill>
+                  <a:srgbClr val="267F99"/>
+                </a:solidFill>
+                <a:latin typeface="Consolas" panose="020B0609020204030204" pitchFamily="49" charset="0"/>
+              </a:rPr>
+              <a:t>Increment</a:t>
+            </a:r>
+            <a:r>
+              <a:rPr lang="it-IT" dirty="0">
+                <a:solidFill>
+                  <a:srgbClr val="000000"/>
+                </a:solidFill>
+                <a:latin typeface="Consolas" panose="020B0609020204030204" pitchFamily="49" charset="0"/>
+              </a:rPr>
+              <a:t> | </a:t>
+            </a:r>
+            <a:r>
+              <a:rPr lang="it-IT" dirty="0" err="1" smtClean="0">
+                <a:solidFill>
+                  <a:srgbClr val="267F99"/>
+                </a:solidFill>
+                <a:latin typeface="Consolas" panose="020B0609020204030204" pitchFamily="49" charset="0"/>
+              </a:rPr>
+              <a:t>Decrement</a:t>
+            </a:r>
+            <a:r>
+              <a:rPr lang="it-IT" dirty="0" smtClean="0">
+                <a:solidFill>
+                  <a:srgbClr val="267F99"/>
+                </a:solidFill>
+                <a:latin typeface="Consolas" panose="020B0609020204030204" pitchFamily="49" charset="0"/>
+              </a:rPr>
+              <a:t> | …</a:t>
+            </a:r>
+            <a:r>
+              <a:rPr lang="it-IT" dirty="0" smtClean="0">
+                <a:solidFill>
+                  <a:srgbClr val="000000"/>
+                </a:solidFill>
+                <a:latin typeface="Consolas" panose="020B0609020204030204" pitchFamily="49" charset="0"/>
+              </a:rPr>
+              <a:t>;</a:t>
+            </a:r>
+            <a:endParaRPr lang="it-IT" dirty="0">
+              <a:solidFill>
+                <a:srgbClr val="000000"/>
+              </a:solidFill>
+              <a:latin typeface="Consolas" panose="020B0609020204030204" pitchFamily="49" charset="0"/>
+            </a:endParaRPr>
+          </a:p>
+          <a:p>
+            <a:endParaRPr lang="it-IT" dirty="0"/>
+          </a:p>
+        </p:txBody>
+      </p:sp>
+    </p:spTree>
+    <p:extLst>
+      <p:ext uri="{BB962C8B-B14F-4D97-AF65-F5344CB8AC3E}">
+        <p14:creationId xmlns:p14="http://schemas.microsoft.com/office/powerpoint/2010/main" val="1350148067"/>
+      </p:ext>
+    </p:extLst>
+  </p:cSld>
+  <p:clrMapOvr>
+    <a:masterClrMapping/>
+  </p:clrMapOvr>
+  <p:timing>
+    <p:tnLst>
+      <p:par>
+        <p:cTn id="1" dur="indefinite" restart="never" nodeType="tmRoot"/>
+      </p:par>
+    </p:tnLst>
+  </p:timing>
+</p:sld>
+</file>
+
+<file path=ppt/slides/slide14.xml><?xml version="1.0" encoding="utf-8"?>
+<p:sld xmlns:a="http://schemas.openxmlformats.org/drawingml/2006/main" xmlns:r="http://schemas.openxmlformats.org/officeDocument/2006/relationships" xmlns:p="http://schemas.openxmlformats.org/presentationml/2006/main">
+  <p:cSld>
+    <p:spTree>
+      <p:nvGrpSpPr>
+        <p:cNvPr id="1" name=""/>
+        <p:cNvGrpSpPr/>
+        <p:nvPr/>
+      </p:nvGrpSpPr>
+      <p:grpSpPr>
+        <a:xfrm>
+          <a:off x="0" y="0"/>
+          <a:ext cx="0" cy="0"/>
+          <a:chOff x="0" y="0"/>
+          <a:chExt cx="0" cy="0"/>
+        </a:xfrm>
+      </p:grpSpPr>
+      <p:sp>
+        <p:nvSpPr>
+          <p:cNvPr id="2" name="Titolo 1"/>
+          <p:cNvSpPr>
+            <a:spLocks noGrp="1"/>
+          </p:cNvSpPr>
+          <p:nvPr>
+            <p:ph type="title"/>
+          </p:nvPr>
+        </p:nvSpPr>
+        <p:spPr/>
+        <p:txBody>
+          <a:bodyPr/>
+          <a:lstStyle/>
+          <a:p>
+            <a:r>
+              <a:rPr lang="it-IT" dirty="0" smtClean="0"/>
+              <a:t>4) </a:t>
+            </a:r>
+            <a:r>
+              <a:rPr lang="it-IT" dirty="0" err="1" smtClean="0"/>
+              <a:t>Reducers</a:t>
+            </a:r>
+            <a:r>
+              <a:rPr lang="it-IT" dirty="0" smtClean="0"/>
+              <a:t>: </a:t>
+            </a:r>
+            <a:r>
+              <a:rPr lang="it-IT" sz="4000" dirty="0" err="1" smtClean="0"/>
+              <a:t>react</a:t>
+            </a:r>
+            <a:r>
+              <a:rPr lang="it-IT" sz="4000" dirty="0" smtClean="0"/>
+              <a:t> to </a:t>
+            </a:r>
+            <a:r>
+              <a:rPr lang="it-IT" sz="4000" dirty="0" err="1" smtClean="0"/>
+              <a:t>actions</a:t>
+            </a:r>
+            <a:r>
+              <a:rPr lang="it-IT" sz="4000" dirty="0" smtClean="0"/>
+              <a:t>, </a:t>
+            </a:r>
+            <a:r>
+              <a:rPr lang="it-IT" sz="4000" dirty="0" err="1" smtClean="0"/>
+              <a:t>change</a:t>
+            </a:r>
+            <a:r>
+              <a:rPr lang="it-IT" sz="4000" dirty="0" smtClean="0"/>
+              <a:t> the state</a:t>
+            </a:r>
+            <a:endParaRPr lang="it-IT" sz="4000" dirty="0"/>
+          </a:p>
+        </p:txBody>
+      </p:sp>
+      <p:sp>
+        <p:nvSpPr>
+          <p:cNvPr id="3" name="Segnaposto contenuto 2"/>
+          <p:cNvSpPr>
+            <a:spLocks noGrp="1"/>
+          </p:cNvSpPr>
+          <p:nvPr>
+            <p:ph idx="1"/>
+          </p:nvPr>
+        </p:nvSpPr>
+        <p:spPr/>
+        <p:txBody>
+          <a:bodyPr>
+            <a:normAutofit fontScale="77500" lnSpcReduction="20000"/>
+          </a:bodyPr>
+          <a:lstStyle/>
+          <a:p>
+            <a:r>
+              <a:rPr lang="en-US" b="1" dirty="0"/>
+              <a:t>WARNING: do NOT mutate the state! </a:t>
+            </a:r>
+            <a:r>
+              <a:rPr lang="en-US" dirty="0"/>
+              <a:t>Always return a new </a:t>
+            </a:r>
+            <a:r>
+              <a:rPr lang="en-US" dirty="0" err="1"/>
+              <a:t>oject</a:t>
+            </a:r>
+            <a:r>
+              <a:rPr lang="en-US" dirty="0"/>
+              <a:t>, this is the only way we guarantee immutability</a:t>
+            </a:r>
+            <a:r>
+              <a:rPr lang="en-US" dirty="0" smtClean="0"/>
+              <a:t>!</a:t>
+            </a:r>
+            <a:endParaRPr lang="it-IT" dirty="0" smtClean="0">
+              <a:solidFill>
+                <a:srgbClr val="AF00DB"/>
+              </a:solidFill>
+              <a:latin typeface="Consolas"/>
+            </a:endParaRPr>
+          </a:p>
+          <a:p>
+            <a:r>
+              <a:rPr lang="it-IT" dirty="0" smtClean="0">
+                <a:solidFill>
+                  <a:srgbClr val="AF00DB"/>
+                </a:solidFill>
+                <a:latin typeface="Consolas"/>
+              </a:rPr>
+              <a:t>export</a:t>
+            </a:r>
+          </a:p>
+          <a:p>
+            <a:pPr marL="0" indent="0">
+              <a:lnSpc>
+                <a:spcPct val="120000"/>
+              </a:lnSpc>
+              <a:spcBef>
+                <a:spcPts val="0"/>
+              </a:spcBef>
+              <a:spcAft>
+                <a:spcPts val="0"/>
+              </a:spcAft>
+            </a:pPr>
+            <a:r>
+              <a:rPr lang="it-IT" dirty="0" err="1" smtClean="0">
+                <a:solidFill>
+                  <a:srgbClr val="0000FF"/>
+                </a:solidFill>
+                <a:latin typeface="Consolas"/>
+              </a:rPr>
+              <a:t>function</a:t>
+            </a:r>
+            <a:r>
+              <a:rPr lang="it-IT" dirty="0" smtClean="0">
+                <a:solidFill>
+                  <a:srgbClr val="000000"/>
+                </a:solidFill>
+                <a:latin typeface="Consolas"/>
+              </a:rPr>
+              <a:t> </a:t>
+            </a:r>
+            <a:r>
+              <a:rPr lang="it-IT" dirty="0" err="1">
+                <a:solidFill>
+                  <a:srgbClr val="795E26"/>
+                </a:solidFill>
+                <a:latin typeface="Consolas"/>
+              </a:rPr>
+              <a:t>counterReducer</a:t>
+            </a:r>
+            <a:r>
+              <a:rPr lang="it-IT" dirty="0">
+                <a:solidFill>
+                  <a:srgbClr val="000000"/>
+                </a:solidFill>
+                <a:latin typeface="Consolas"/>
+              </a:rPr>
+              <a:t>(</a:t>
+            </a:r>
+            <a:r>
+              <a:rPr lang="it-IT" dirty="0">
+                <a:solidFill>
+                  <a:srgbClr val="001080"/>
+                </a:solidFill>
+                <a:latin typeface="Consolas"/>
+              </a:rPr>
+              <a:t>state</a:t>
+            </a:r>
+            <a:r>
+              <a:rPr lang="it-IT" dirty="0">
+                <a:solidFill>
+                  <a:srgbClr val="000000"/>
+                </a:solidFill>
+                <a:latin typeface="Consolas"/>
+              </a:rPr>
+              <a:t>: </a:t>
+            </a:r>
+            <a:r>
+              <a:rPr lang="it-IT" dirty="0" err="1">
+                <a:solidFill>
+                  <a:srgbClr val="267F99"/>
+                </a:solidFill>
+                <a:latin typeface="Consolas"/>
+              </a:rPr>
+              <a:t>ICounterState</a:t>
+            </a:r>
+            <a:r>
+              <a:rPr lang="it-IT" dirty="0">
+                <a:solidFill>
+                  <a:srgbClr val="000000"/>
+                </a:solidFill>
+                <a:latin typeface="Consolas"/>
+              </a:rPr>
+              <a:t>, </a:t>
+            </a:r>
+            <a:r>
+              <a:rPr lang="it-IT" dirty="0" err="1">
+                <a:solidFill>
+                  <a:srgbClr val="001080"/>
+                </a:solidFill>
+                <a:latin typeface="Consolas"/>
+              </a:rPr>
+              <a:t>action</a:t>
+            </a:r>
+            <a:r>
+              <a:rPr lang="it-IT" dirty="0">
+                <a:solidFill>
+                  <a:srgbClr val="000000"/>
+                </a:solidFill>
+                <a:latin typeface="Consolas"/>
+              </a:rPr>
+              <a:t>: </a:t>
+            </a:r>
+            <a:r>
+              <a:rPr lang="it-IT" dirty="0" err="1">
+                <a:solidFill>
+                  <a:srgbClr val="267F99"/>
+                </a:solidFill>
+                <a:latin typeface="Consolas"/>
+              </a:rPr>
+              <a:t>CounterActions</a:t>
+            </a:r>
+            <a:r>
+              <a:rPr lang="it-IT" dirty="0" smtClean="0">
+                <a:solidFill>
+                  <a:srgbClr val="000000"/>
+                </a:solidFill>
+                <a:latin typeface="Consolas"/>
+              </a:rPr>
+              <a:t>): </a:t>
+            </a:r>
+            <a:r>
+              <a:rPr lang="it-IT" dirty="0" err="1" smtClean="0">
+                <a:solidFill>
+                  <a:srgbClr val="267F99"/>
+                </a:solidFill>
+                <a:latin typeface="Consolas"/>
+              </a:rPr>
+              <a:t>ICounterState</a:t>
+            </a:r>
+            <a:r>
+              <a:rPr lang="it-IT" dirty="0" smtClean="0">
+                <a:solidFill>
+                  <a:srgbClr val="000000"/>
+                </a:solidFill>
+                <a:latin typeface="Consolas"/>
+              </a:rPr>
+              <a:t> </a:t>
+            </a:r>
+            <a:r>
+              <a:rPr lang="it-IT" dirty="0">
+                <a:solidFill>
+                  <a:srgbClr val="000000"/>
+                </a:solidFill>
+                <a:latin typeface="Consolas"/>
+              </a:rPr>
+              <a:t>{</a:t>
+            </a:r>
+          </a:p>
+          <a:p>
+            <a:pPr marL="0" indent="0">
+              <a:lnSpc>
+                <a:spcPct val="120000"/>
+              </a:lnSpc>
+              <a:spcBef>
+                <a:spcPts val="0"/>
+              </a:spcBef>
+              <a:spcAft>
+                <a:spcPts val="0"/>
+              </a:spcAft>
+            </a:pPr>
+            <a:r>
+              <a:rPr lang="it-IT" dirty="0" smtClean="0">
+                <a:solidFill>
+                  <a:srgbClr val="AF00DB"/>
+                </a:solidFill>
+                <a:latin typeface="Consolas"/>
+              </a:rPr>
+              <a:t>  </a:t>
+            </a:r>
+            <a:r>
+              <a:rPr lang="it-IT" dirty="0" err="1" smtClean="0">
+                <a:solidFill>
+                  <a:srgbClr val="AF00DB"/>
+                </a:solidFill>
+                <a:latin typeface="Consolas"/>
+              </a:rPr>
+              <a:t>switch</a:t>
+            </a:r>
+            <a:r>
+              <a:rPr lang="it-IT" dirty="0" smtClean="0">
+                <a:solidFill>
+                  <a:srgbClr val="000000"/>
+                </a:solidFill>
+                <a:latin typeface="Consolas"/>
+              </a:rPr>
+              <a:t> </a:t>
+            </a:r>
+            <a:r>
+              <a:rPr lang="it-IT" dirty="0">
+                <a:solidFill>
+                  <a:srgbClr val="000000"/>
+                </a:solidFill>
+                <a:latin typeface="Consolas"/>
+              </a:rPr>
+              <a:t>(</a:t>
+            </a:r>
+            <a:r>
+              <a:rPr lang="it-IT" dirty="0" err="1">
+                <a:solidFill>
+                  <a:srgbClr val="001080"/>
+                </a:solidFill>
+                <a:latin typeface="Consolas"/>
+              </a:rPr>
+              <a:t>action</a:t>
+            </a:r>
+            <a:r>
+              <a:rPr lang="it-IT" dirty="0" err="1">
+                <a:solidFill>
+                  <a:srgbClr val="000000"/>
+                </a:solidFill>
+                <a:latin typeface="Consolas"/>
+              </a:rPr>
+              <a:t>.</a:t>
+            </a:r>
+            <a:r>
+              <a:rPr lang="it-IT" dirty="0" err="1">
+                <a:solidFill>
+                  <a:srgbClr val="001080"/>
+                </a:solidFill>
+                <a:latin typeface="Consolas"/>
+              </a:rPr>
+              <a:t>type</a:t>
+            </a:r>
+            <a:r>
+              <a:rPr lang="it-IT" dirty="0">
+                <a:solidFill>
+                  <a:srgbClr val="000000"/>
+                </a:solidFill>
+                <a:latin typeface="Consolas"/>
+              </a:rPr>
+              <a:t>) {</a:t>
+            </a:r>
+          </a:p>
+          <a:p>
+            <a:pPr marL="0" indent="0">
+              <a:lnSpc>
+                <a:spcPct val="120000"/>
+              </a:lnSpc>
+              <a:spcBef>
+                <a:spcPts val="0"/>
+              </a:spcBef>
+              <a:spcAft>
+                <a:spcPts val="0"/>
+              </a:spcAft>
+            </a:pPr>
+            <a:r>
+              <a:rPr lang="it-IT" dirty="0" smtClean="0">
+                <a:solidFill>
+                  <a:srgbClr val="AF00DB"/>
+                </a:solidFill>
+                <a:latin typeface="Consolas"/>
+              </a:rPr>
+              <a:t>    case</a:t>
+            </a:r>
+            <a:r>
+              <a:rPr lang="it-IT" dirty="0" smtClean="0">
+                <a:solidFill>
+                  <a:srgbClr val="000000"/>
+                </a:solidFill>
+                <a:latin typeface="Consolas"/>
+              </a:rPr>
+              <a:t> </a:t>
+            </a:r>
+            <a:r>
+              <a:rPr lang="it-IT" dirty="0" err="1">
+                <a:solidFill>
+                  <a:srgbClr val="001080"/>
+                </a:solidFill>
+                <a:latin typeface="Consolas"/>
+              </a:rPr>
+              <a:t>CounterActionTypes</a:t>
+            </a:r>
+            <a:r>
+              <a:rPr lang="it-IT" dirty="0" err="1">
+                <a:solidFill>
+                  <a:srgbClr val="000000"/>
+                </a:solidFill>
+                <a:latin typeface="Consolas"/>
+              </a:rPr>
+              <a:t>.</a:t>
+            </a:r>
+            <a:r>
+              <a:rPr lang="it-IT" dirty="0" err="1">
+                <a:solidFill>
+                  <a:srgbClr val="001080"/>
+                </a:solidFill>
+                <a:latin typeface="Consolas"/>
+              </a:rPr>
+              <a:t>INCREMENT</a:t>
+            </a:r>
+            <a:r>
+              <a:rPr lang="it-IT" dirty="0">
+                <a:solidFill>
+                  <a:srgbClr val="000000"/>
+                </a:solidFill>
+                <a:latin typeface="Consolas"/>
+              </a:rPr>
+              <a:t>: {</a:t>
+            </a:r>
+          </a:p>
+          <a:p>
+            <a:pPr marL="0" indent="0">
+              <a:lnSpc>
+                <a:spcPct val="120000"/>
+              </a:lnSpc>
+              <a:spcBef>
+                <a:spcPts val="0"/>
+              </a:spcBef>
+              <a:spcAft>
+                <a:spcPts val="0"/>
+              </a:spcAft>
+            </a:pPr>
+            <a:r>
+              <a:rPr lang="it-IT" dirty="0" smtClean="0">
+                <a:solidFill>
+                  <a:srgbClr val="AF00DB"/>
+                </a:solidFill>
+                <a:latin typeface="Consolas"/>
+              </a:rPr>
+              <a:t>      </a:t>
+            </a:r>
+            <a:r>
+              <a:rPr lang="it-IT" dirty="0" err="1" smtClean="0">
+                <a:solidFill>
+                  <a:srgbClr val="AF00DB"/>
+                </a:solidFill>
+                <a:latin typeface="Consolas"/>
+              </a:rPr>
+              <a:t>return</a:t>
+            </a:r>
+            <a:r>
+              <a:rPr lang="it-IT" dirty="0" smtClean="0">
+                <a:solidFill>
+                  <a:srgbClr val="000000"/>
+                </a:solidFill>
+                <a:latin typeface="Consolas"/>
+              </a:rPr>
+              <a:t> </a:t>
+            </a:r>
+            <a:r>
+              <a:rPr lang="it-IT" dirty="0">
+                <a:solidFill>
+                  <a:srgbClr val="000000"/>
+                </a:solidFill>
+                <a:latin typeface="Consolas"/>
+              </a:rPr>
+              <a:t>{</a:t>
+            </a:r>
+          </a:p>
+          <a:p>
+            <a:pPr marL="0" indent="0">
+              <a:lnSpc>
+                <a:spcPct val="120000"/>
+              </a:lnSpc>
+              <a:spcBef>
+                <a:spcPts val="0"/>
+              </a:spcBef>
+              <a:spcAft>
+                <a:spcPts val="0"/>
+              </a:spcAft>
+            </a:pPr>
+            <a:r>
+              <a:rPr lang="it-IT" dirty="0" smtClean="0">
+                <a:solidFill>
+                  <a:srgbClr val="000000"/>
+                </a:solidFill>
+                <a:latin typeface="Consolas"/>
+              </a:rPr>
+              <a:t>        ...</a:t>
+            </a:r>
+            <a:r>
+              <a:rPr lang="it-IT" dirty="0">
+                <a:solidFill>
+                  <a:srgbClr val="001080"/>
+                </a:solidFill>
+                <a:latin typeface="Consolas"/>
+              </a:rPr>
+              <a:t>state</a:t>
+            </a:r>
+            <a:r>
+              <a:rPr lang="it-IT" dirty="0">
+                <a:solidFill>
+                  <a:srgbClr val="000000"/>
+                </a:solidFill>
+                <a:latin typeface="Consolas"/>
+              </a:rPr>
+              <a:t>,</a:t>
+            </a:r>
+          </a:p>
+          <a:p>
+            <a:pPr marL="0" indent="0">
+              <a:lnSpc>
+                <a:spcPct val="120000"/>
+              </a:lnSpc>
+              <a:spcBef>
+                <a:spcPts val="0"/>
+              </a:spcBef>
+              <a:spcAft>
+                <a:spcPts val="0"/>
+              </a:spcAft>
+            </a:pPr>
+            <a:r>
+              <a:rPr lang="it-IT" dirty="0" smtClean="0">
+                <a:solidFill>
+                  <a:srgbClr val="001080"/>
+                </a:solidFill>
+                <a:latin typeface="Consolas"/>
+              </a:rPr>
+              <a:t>        </a:t>
+            </a:r>
+            <a:r>
+              <a:rPr lang="it-IT" dirty="0" err="1" smtClean="0">
+                <a:solidFill>
+                  <a:srgbClr val="001080"/>
+                </a:solidFill>
+                <a:latin typeface="Consolas"/>
+              </a:rPr>
+              <a:t>count</a:t>
+            </a:r>
+            <a:r>
+              <a:rPr lang="it-IT" dirty="0">
+                <a:solidFill>
+                  <a:srgbClr val="001080"/>
+                </a:solidFill>
+                <a:latin typeface="Consolas"/>
+              </a:rPr>
+              <a:t>:</a:t>
+            </a:r>
+            <a:r>
+              <a:rPr lang="it-IT" dirty="0">
+                <a:solidFill>
+                  <a:srgbClr val="000000"/>
+                </a:solidFill>
+                <a:latin typeface="Consolas"/>
+              </a:rPr>
+              <a:t> </a:t>
+            </a:r>
+            <a:r>
+              <a:rPr lang="it-IT" dirty="0" err="1">
+                <a:solidFill>
+                  <a:srgbClr val="001080"/>
+                </a:solidFill>
+                <a:latin typeface="Consolas"/>
+              </a:rPr>
+              <a:t>state</a:t>
+            </a:r>
+            <a:r>
+              <a:rPr lang="it-IT" dirty="0" err="1">
+                <a:solidFill>
+                  <a:srgbClr val="000000"/>
+                </a:solidFill>
+                <a:latin typeface="Consolas"/>
+              </a:rPr>
+              <a:t>.</a:t>
+            </a:r>
+            <a:r>
+              <a:rPr lang="it-IT" dirty="0" err="1">
+                <a:solidFill>
+                  <a:srgbClr val="001080"/>
+                </a:solidFill>
+                <a:latin typeface="Consolas"/>
+              </a:rPr>
+              <a:t>count</a:t>
+            </a:r>
+            <a:r>
+              <a:rPr lang="it-IT" dirty="0">
+                <a:solidFill>
+                  <a:srgbClr val="000000"/>
+                </a:solidFill>
+                <a:latin typeface="Consolas"/>
+              </a:rPr>
+              <a:t> + </a:t>
+            </a:r>
+            <a:r>
+              <a:rPr lang="it-IT" dirty="0">
+                <a:solidFill>
+                  <a:srgbClr val="09885A"/>
+                </a:solidFill>
+                <a:latin typeface="Consolas"/>
+              </a:rPr>
+              <a:t>1</a:t>
+            </a:r>
+            <a:endParaRPr lang="it-IT" dirty="0">
+              <a:solidFill>
+                <a:srgbClr val="000000"/>
+              </a:solidFill>
+              <a:latin typeface="Consolas"/>
+            </a:endParaRPr>
+          </a:p>
+          <a:p>
+            <a:pPr marL="0" indent="0">
+              <a:lnSpc>
+                <a:spcPct val="120000"/>
+              </a:lnSpc>
+              <a:spcBef>
+                <a:spcPts val="0"/>
+              </a:spcBef>
+              <a:spcAft>
+                <a:spcPts val="0"/>
+              </a:spcAft>
+            </a:pPr>
+            <a:r>
+              <a:rPr lang="it-IT" dirty="0" smtClean="0">
+                <a:solidFill>
+                  <a:srgbClr val="000000"/>
+                </a:solidFill>
+                <a:latin typeface="Consolas"/>
+              </a:rPr>
+              <a:t>      };</a:t>
+            </a:r>
+            <a:endParaRPr lang="it-IT" dirty="0">
+              <a:solidFill>
+                <a:srgbClr val="000000"/>
+              </a:solidFill>
+              <a:latin typeface="Consolas"/>
+            </a:endParaRPr>
+          </a:p>
+          <a:p>
+            <a:pPr marL="0" indent="0">
+              <a:lnSpc>
+                <a:spcPct val="120000"/>
+              </a:lnSpc>
+              <a:spcBef>
+                <a:spcPts val="0"/>
+              </a:spcBef>
+              <a:spcAft>
+                <a:spcPts val="0"/>
+              </a:spcAft>
+            </a:pPr>
+            <a:r>
+              <a:rPr lang="it-IT" dirty="0" smtClean="0">
+                <a:solidFill>
+                  <a:srgbClr val="000000"/>
+                </a:solidFill>
+                <a:latin typeface="Consolas"/>
+              </a:rPr>
+              <a:t>    }</a:t>
+            </a:r>
+            <a:endParaRPr lang="it-IT" dirty="0">
+              <a:solidFill>
+                <a:srgbClr val="000000"/>
+              </a:solidFill>
+              <a:latin typeface="Consolas"/>
+            </a:endParaRPr>
+          </a:p>
+          <a:p>
+            <a:pPr marL="0" indent="0">
+              <a:lnSpc>
+                <a:spcPct val="120000"/>
+              </a:lnSpc>
+              <a:spcBef>
+                <a:spcPts val="0"/>
+              </a:spcBef>
+              <a:spcAft>
+                <a:spcPts val="0"/>
+              </a:spcAft>
+            </a:pPr>
+            <a:r>
+              <a:rPr lang="it-IT" dirty="0" smtClean="0">
+                <a:solidFill>
+                  <a:srgbClr val="000000"/>
+                </a:solidFill>
+                <a:latin typeface="Consolas"/>
+              </a:rPr>
+              <a:t>    </a:t>
+            </a:r>
+            <a:r>
+              <a:rPr lang="it-IT" dirty="0" smtClean="0">
+                <a:solidFill>
+                  <a:srgbClr val="AF00DB"/>
+                </a:solidFill>
+                <a:latin typeface="Consolas"/>
+              </a:rPr>
+              <a:t>default</a:t>
+            </a:r>
+            <a:r>
+              <a:rPr lang="it-IT" dirty="0">
+                <a:solidFill>
+                  <a:srgbClr val="000000"/>
+                </a:solidFill>
+                <a:latin typeface="Consolas"/>
+              </a:rPr>
+              <a:t>: {</a:t>
+            </a:r>
+          </a:p>
+          <a:p>
+            <a:pPr marL="0" indent="0">
+              <a:lnSpc>
+                <a:spcPct val="120000"/>
+              </a:lnSpc>
+              <a:spcBef>
+                <a:spcPts val="0"/>
+              </a:spcBef>
+              <a:spcAft>
+                <a:spcPts val="0"/>
+              </a:spcAft>
+            </a:pPr>
+            <a:r>
+              <a:rPr lang="it-IT" dirty="0" smtClean="0">
+                <a:solidFill>
+                  <a:srgbClr val="AF00DB"/>
+                </a:solidFill>
+                <a:latin typeface="Consolas"/>
+              </a:rPr>
+              <a:t>        </a:t>
+            </a:r>
+            <a:r>
+              <a:rPr lang="it-IT" dirty="0" err="1" smtClean="0">
+                <a:solidFill>
+                  <a:srgbClr val="AF00DB"/>
+                </a:solidFill>
+                <a:latin typeface="Consolas"/>
+              </a:rPr>
+              <a:t>return</a:t>
+            </a:r>
+            <a:r>
+              <a:rPr lang="it-IT" dirty="0" smtClean="0">
+                <a:solidFill>
+                  <a:srgbClr val="000000"/>
+                </a:solidFill>
+                <a:latin typeface="Consolas"/>
+              </a:rPr>
+              <a:t> </a:t>
+            </a:r>
+            <a:r>
+              <a:rPr lang="it-IT" dirty="0">
+                <a:solidFill>
+                  <a:srgbClr val="001080"/>
+                </a:solidFill>
+                <a:latin typeface="Consolas"/>
+              </a:rPr>
+              <a:t>state</a:t>
+            </a:r>
+            <a:r>
+              <a:rPr lang="it-IT" dirty="0">
+                <a:solidFill>
+                  <a:srgbClr val="000000"/>
+                </a:solidFill>
+                <a:latin typeface="Consolas"/>
+              </a:rPr>
+              <a:t>;</a:t>
+            </a:r>
+          </a:p>
+          <a:p>
+            <a:pPr marL="0" indent="0">
+              <a:lnSpc>
+                <a:spcPct val="120000"/>
+              </a:lnSpc>
+              <a:spcBef>
+                <a:spcPts val="0"/>
+              </a:spcBef>
+              <a:spcAft>
+                <a:spcPts val="0"/>
+              </a:spcAft>
+            </a:pPr>
+            <a:r>
+              <a:rPr lang="it-IT" dirty="0" smtClean="0">
+                <a:solidFill>
+                  <a:srgbClr val="000000"/>
+                </a:solidFill>
+                <a:latin typeface="Consolas"/>
+              </a:rPr>
+              <a:t>    }</a:t>
+            </a:r>
+            <a:endParaRPr lang="it-IT" dirty="0">
+              <a:solidFill>
+                <a:srgbClr val="000000"/>
+              </a:solidFill>
+              <a:latin typeface="Consolas"/>
+            </a:endParaRPr>
+          </a:p>
+          <a:p>
+            <a:pPr marL="0" indent="0">
+              <a:lnSpc>
+                <a:spcPct val="120000"/>
+              </a:lnSpc>
+              <a:spcBef>
+                <a:spcPts val="0"/>
+              </a:spcBef>
+              <a:spcAft>
+                <a:spcPts val="0"/>
+              </a:spcAft>
+            </a:pPr>
+            <a:r>
+              <a:rPr lang="it-IT" dirty="0" smtClean="0">
+                <a:solidFill>
+                  <a:srgbClr val="000000"/>
+                </a:solidFill>
+                <a:latin typeface="Consolas"/>
+              </a:rPr>
+              <a:t>  }</a:t>
+            </a:r>
+            <a:endParaRPr lang="it-IT" dirty="0">
+              <a:solidFill>
+                <a:srgbClr val="000000"/>
+              </a:solidFill>
+              <a:latin typeface="Consolas"/>
+            </a:endParaRPr>
+          </a:p>
+          <a:p>
+            <a:pPr marL="0" indent="0">
+              <a:lnSpc>
+                <a:spcPct val="120000"/>
+              </a:lnSpc>
+              <a:spcBef>
+                <a:spcPts val="0"/>
+              </a:spcBef>
+              <a:spcAft>
+                <a:spcPts val="0"/>
+              </a:spcAft>
+            </a:pPr>
+            <a:r>
+              <a:rPr lang="it-IT" dirty="0" smtClean="0">
+                <a:solidFill>
+                  <a:srgbClr val="000000"/>
+                </a:solidFill>
+                <a:latin typeface="Consolas"/>
+              </a:rPr>
+              <a:t>}</a:t>
+            </a:r>
+            <a:endParaRPr lang="it-IT" dirty="0"/>
+          </a:p>
+        </p:txBody>
+      </p:sp>
+    </p:spTree>
+    <p:extLst>
+      <p:ext uri="{BB962C8B-B14F-4D97-AF65-F5344CB8AC3E}">
+        <p14:creationId xmlns:p14="http://schemas.microsoft.com/office/powerpoint/2010/main" val="664091388"/>
+      </p:ext>
+    </p:extLst>
+  </p:cSld>
+  <p:clrMapOvr>
+    <a:masterClrMapping/>
+  </p:clrMapOvr>
+  <p:timing>
+    <p:tnLst>
+      <p:par>
+        <p:cTn id="1" dur="indefinite" restart="never" nodeType="tmRoot"/>
+      </p:par>
+    </p:tnLst>
+  </p:timing>
+</p:sld>
+</file>
+
+<file path=ppt/slides/slide15.xml><?xml version="1.0" encoding="utf-8"?>
+<p:sld xmlns:a="http://schemas.openxmlformats.org/drawingml/2006/main" xmlns:r="http://schemas.openxmlformats.org/officeDocument/2006/relationships" xmlns:p="http://schemas.openxmlformats.org/presentationml/2006/main">
+  <p:cSld>
+    <p:spTree>
+      <p:nvGrpSpPr>
+        <p:cNvPr id="1" name=""/>
+        <p:cNvGrpSpPr/>
+        <p:nvPr/>
+      </p:nvGrpSpPr>
+      <p:grpSpPr>
+        <a:xfrm>
+          <a:off x="0" y="0"/>
+          <a:ext cx="0" cy="0"/>
+          <a:chOff x="0" y="0"/>
+          <a:chExt cx="0" cy="0"/>
+        </a:xfrm>
+      </p:grpSpPr>
+      <p:sp>
+        <p:nvSpPr>
+          <p:cNvPr id="2" name="Titolo 1"/>
+          <p:cNvSpPr>
+            <a:spLocks noGrp="1"/>
+          </p:cNvSpPr>
+          <p:nvPr>
+            <p:ph type="title"/>
+          </p:nvPr>
+        </p:nvSpPr>
+        <p:spPr/>
+        <p:txBody>
+          <a:bodyPr/>
+          <a:lstStyle/>
+          <a:p>
+            <a:r>
+              <a:rPr lang="it-IT" dirty="0" smtClean="0"/>
+              <a:t>5) </a:t>
+            </a:r>
+            <a:r>
+              <a:rPr lang="it-IT" dirty="0" err="1" smtClean="0"/>
+              <a:t>Configure</a:t>
+            </a:r>
+            <a:r>
+              <a:rPr lang="it-IT" dirty="0" smtClean="0"/>
+              <a:t> the </a:t>
+            </a:r>
+            <a:r>
+              <a:rPr lang="it-IT" dirty="0" err="1" smtClean="0"/>
+              <a:t>Store</a:t>
+            </a:r>
+            <a:r>
+              <a:rPr lang="it-IT" dirty="0" smtClean="0"/>
+              <a:t> with </a:t>
+            </a:r>
+            <a:r>
+              <a:rPr lang="it-IT" dirty="0" err="1" smtClean="0"/>
+              <a:t>Reducers</a:t>
+            </a:r>
+            <a:endParaRPr lang="it-IT" dirty="0"/>
+          </a:p>
+        </p:txBody>
+      </p:sp>
+      <p:sp>
+        <p:nvSpPr>
+          <p:cNvPr id="3" name="Segnaposto contenuto 2"/>
+          <p:cNvSpPr>
+            <a:spLocks noGrp="1"/>
+          </p:cNvSpPr>
+          <p:nvPr>
+            <p:ph idx="1"/>
+          </p:nvPr>
+        </p:nvSpPr>
+        <p:spPr/>
+        <p:txBody>
+          <a:bodyPr/>
+          <a:lstStyle/>
+          <a:p>
+            <a:r>
+              <a:rPr lang="en-US" dirty="0"/>
+              <a:t>feed the </a:t>
+            </a:r>
+            <a:r>
+              <a:rPr lang="en-US" b="1" dirty="0" err="1"/>
+              <a:t>StoreModule.forRoot</a:t>
+            </a:r>
+            <a:r>
+              <a:rPr lang="en-US" b="1" dirty="0"/>
+              <a:t>()</a:t>
+            </a:r>
+            <a:r>
+              <a:rPr lang="en-US" dirty="0"/>
+              <a:t> function with an </a:t>
+            </a:r>
+            <a:r>
+              <a:rPr lang="en-US" b="1" dirty="0" err="1"/>
+              <a:t>ActionReducerMap</a:t>
+            </a:r>
+            <a:r>
+              <a:rPr lang="en-US" b="1" dirty="0"/>
+              <a:t>&lt;</a:t>
+            </a:r>
+            <a:r>
+              <a:rPr lang="en-US" b="1" dirty="0" err="1"/>
+              <a:t>TState</a:t>
+            </a:r>
+            <a:r>
+              <a:rPr lang="en-US" b="1" dirty="0"/>
+              <a:t>&gt;</a:t>
+            </a:r>
+            <a:r>
+              <a:rPr lang="en-US" dirty="0"/>
+              <a:t>object that provides the references to the reducers functions</a:t>
+            </a:r>
+            <a:r>
+              <a:rPr lang="en-US" dirty="0" smtClean="0"/>
+              <a:t>.</a:t>
+            </a:r>
+          </a:p>
+          <a:p>
+            <a:endParaRPr lang="en-US" dirty="0"/>
+          </a:p>
+          <a:p>
+            <a:r>
+              <a:rPr lang="en-US" dirty="0">
+                <a:solidFill>
+                  <a:srgbClr val="AF00DB"/>
+                </a:solidFill>
+                <a:latin typeface="Consolas"/>
+              </a:rPr>
+              <a:t>export</a:t>
+            </a:r>
+            <a:r>
+              <a:rPr lang="en-US" dirty="0">
+                <a:solidFill>
+                  <a:srgbClr val="000000"/>
+                </a:solidFill>
+                <a:latin typeface="Consolas"/>
+              </a:rPr>
+              <a:t> </a:t>
+            </a:r>
+            <a:r>
+              <a:rPr lang="en-US" dirty="0" err="1">
+                <a:solidFill>
+                  <a:srgbClr val="0000FF"/>
+                </a:solidFill>
+                <a:latin typeface="Consolas"/>
+              </a:rPr>
+              <a:t>const</a:t>
+            </a:r>
+            <a:r>
+              <a:rPr lang="en-US" dirty="0">
+                <a:solidFill>
+                  <a:srgbClr val="000000"/>
+                </a:solidFill>
+                <a:latin typeface="Consolas"/>
+              </a:rPr>
+              <a:t> </a:t>
+            </a:r>
+            <a:r>
+              <a:rPr lang="en-US" dirty="0">
+                <a:solidFill>
+                  <a:srgbClr val="001080"/>
+                </a:solidFill>
+                <a:latin typeface="Consolas"/>
+              </a:rPr>
+              <a:t>reducers</a:t>
+            </a:r>
+            <a:r>
+              <a:rPr lang="en-US" dirty="0">
+                <a:solidFill>
+                  <a:srgbClr val="000000"/>
+                </a:solidFill>
+                <a:latin typeface="Consolas"/>
+              </a:rPr>
+              <a:t>: </a:t>
+            </a:r>
+            <a:r>
+              <a:rPr lang="en-US" dirty="0" err="1">
+                <a:solidFill>
+                  <a:srgbClr val="267F99"/>
+                </a:solidFill>
+                <a:latin typeface="Consolas"/>
+              </a:rPr>
+              <a:t>ActionReducerMap</a:t>
+            </a:r>
+            <a:r>
+              <a:rPr lang="en-US" dirty="0">
+                <a:solidFill>
+                  <a:srgbClr val="000000"/>
+                </a:solidFill>
+                <a:latin typeface="Consolas"/>
+              </a:rPr>
+              <a:t>&lt;</a:t>
+            </a:r>
+            <a:r>
+              <a:rPr lang="en-US" dirty="0" err="1">
+                <a:solidFill>
+                  <a:srgbClr val="267F99"/>
+                </a:solidFill>
+                <a:latin typeface="Consolas"/>
+              </a:rPr>
+              <a:t>IAppState</a:t>
+            </a:r>
+            <a:r>
+              <a:rPr lang="en-US" dirty="0">
+                <a:solidFill>
+                  <a:srgbClr val="000000"/>
+                </a:solidFill>
+                <a:latin typeface="Consolas"/>
+              </a:rPr>
+              <a:t>&gt; = {</a:t>
+            </a:r>
+          </a:p>
+          <a:p>
+            <a:r>
+              <a:rPr lang="en-US" dirty="0" smtClean="0">
+                <a:solidFill>
+                  <a:srgbClr val="001080"/>
+                </a:solidFill>
+                <a:latin typeface="Consolas"/>
+              </a:rPr>
+              <a:t>  </a:t>
+            </a:r>
+            <a:r>
+              <a:rPr lang="en-US" dirty="0" err="1" smtClean="0">
+                <a:solidFill>
+                  <a:srgbClr val="001080"/>
+                </a:solidFill>
+                <a:latin typeface="Consolas"/>
+              </a:rPr>
+              <a:t>counterState</a:t>
+            </a:r>
+            <a:r>
+              <a:rPr lang="en-US" dirty="0">
+                <a:solidFill>
+                  <a:srgbClr val="001080"/>
+                </a:solidFill>
+                <a:latin typeface="Consolas"/>
+              </a:rPr>
+              <a:t>:</a:t>
+            </a:r>
+            <a:r>
+              <a:rPr lang="en-US" dirty="0">
+                <a:solidFill>
+                  <a:srgbClr val="000000"/>
+                </a:solidFill>
+                <a:latin typeface="Consolas"/>
+              </a:rPr>
+              <a:t> </a:t>
+            </a:r>
+            <a:r>
+              <a:rPr lang="en-US" dirty="0" err="1">
+                <a:solidFill>
+                  <a:srgbClr val="001080"/>
+                </a:solidFill>
+                <a:latin typeface="Consolas"/>
+              </a:rPr>
+              <a:t>counterReducer</a:t>
+            </a:r>
+            <a:endParaRPr lang="en-US" dirty="0">
+              <a:solidFill>
+                <a:srgbClr val="000000"/>
+              </a:solidFill>
+              <a:latin typeface="Consolas"/>
+            </a:endParaRPr>
+          </a:p>
+          <a:p>
+            <a:r>
+              <a:rPr lang="en-US" dirty="0">
+                <a:solidFill>
+                  <a:srgbClr val="000000"/>
+                </a:solidFill>
+                <a:latin typeface="Consolas"/>
+              </a:rPr>
+              <a:t>};</a:t>
+            </a:r>
+          </a:p>
+          <a:p>
+            <a:endParaRPr lang="it-IT" dirty="0" smtClean="0"/>
+          </a:p>
+          <a:p>
+            <a:r>
+              <a:rPr lang="it-IT" dirty="0" err="1">
+                <a:solidFill>
+                  <a:srgbClr val="001080"/>
+                </a:solidFill>
+                <a:latin typeface="Consolas"/>
+              </a:rPr>
+              <a:t>StoreModule</a:t>
+            </a:r>
+            <a:r>
+              <a:rPr lang="it-IT" dirty="0" err="1">
+                <a:solidFill>
+                  <a:srgbClr val="000000"/>
+                </a:solidFill>
+                <a:latin typeface="Consolas"/>
+              </a:rPr>
+              <a:t>.</a:t>
+            </a:r>
+            <a:r>
+              <a:rPr lang="it-IT" dirty="0" err="1">
+                <a:solidFill>
+                  <a:srgbClr val="795E26"/>
+                </a:solidFill>
+                <a:latin typeface="Consolas"/>
+              </a:rPr>
+              <a:t>forRoot</a:t>
+            </a:r>
+            <a:r>
+              <a:rPr lang="it-IT" dirty="0">
+                <a:solidFill>
+                  <a:srgbClr val="000000"/>
+                </a:solidFill>
+                <a:latin typeface="Consolas"/>
+              </a:rPr>
+              <a:t>(</a:t>
+            </a:r>
+            <a:r>
+              <a:rPr lang="it-IT" dirty="0" err="1">
+                <a:solidFill>
+                  <a:srgbClr val="001080"/>
+                </a:solidFill>
+                <a:latin typeface="Consolas"/>
+              </a:rPr>
+              <a:t>reducers</a:t>
+            </a:r>
+            <a:r>
+              <a:rPr lang="it-IT" dirty="0">
+                <a:solidFill>
+                  <a:srgbClr val="000000"/>
+                </a:solidFill>
+                <a:latin typeface="Consolas"/>
+              </a:rPr>
+              <a:t>, { </a:t>
+            </a:r>
+            <a:r>
+              <a:rPr lang="it-IT" dirty="0" err="1">
+                <a:solidFill>
+                  <a:srgbClr val="001080"/>
+                </a:solidFill>
+                <a:latin typeface="Consolas"/>
+              </a:rPr>
+              <a:t>initialState</a:t>
+            </a:r>
+            <a:r>
+              <a:rPr lang="it-IT" dirty="0">
+                <a:solidFill>
+                  <a:srgbClr val="001080"/>
+                </a:solidFill>
+                <a:latin typeface="Consolas"/>
+              </a:rPr>
+              <a:t>:</a:t>
+            </a:r>
+            <a:r>
+              <a:rPr lang="it-IT" dirty="0">
+                <a:solidFill>
+                  <a:srgbClr val="000000"/>
+                </a:solidFill>
+                <a:latin typeface="Consolas"/>
+              </a:rPr>
+              <a:t> </a:t>
+            </a:r>
+            <a:r>
+              <a:rPr lang="it-IT" dirty="0" err="1">
+                <a:solidFill>
+                  <a:srgbClr val="001080"/>
+                </a:solidFill>
+                <a:latin typeface="Consolas"/>
+              </a:rPr>
+              <a:t>initialAppState</a:t>
+            </a:r>
+            <a:r>
+              <a:rPr lang="it-IT" dirty="0">
+                <a:solidFill>
+                  <a:srgbClr val="000000"/>
+                </a:solidFill>
+                <a:latin typeface="Consolas"/>
+              </a:rPr>
+              <a:t> }),</a:t>
+            </a:r>
+          </a:p>
+          <a:p>
+            <a:endParaRPr lang="it-IT" dirty="0"/>
+          </a:p>
+        </p:txBody>
+      </p:sp>
+    </p:spTree>
+    <p:extLst>
+      <p:ext uri="{BB962C8B-B14F-4D97-AF65-F5344CB8AC3E}">
+        <p14:creationId xmlns:p14="http://schemas.microsoft.com/office/powerpoint/2010/main" val="31989333"/>
+      </p:ext>
+    </p:extLst>
+  </p:cSld>
+  <p:clrMapOvr>
+    <a:masterClrMapping/>
+  </p:clrMapOvr>
+  <p:timing>
+    <p:tnLst>
+      <p:par>
+        <p:cTn id="1" dur="indefinite" restart="never" nodeType="tmRoot"/>
+      </p:par>
+    </p:tnLst>
+  </p:timing>
+</p:sld>
+</file>
+
+<file path=ppt/slides/slide16.xml><?xml version="1.0" encoding="utf-8"?>
+<p:sld xmlns:a="http://schemas.openxmlformats.org/drawingml/2006/main" xmlns:r="http://schemas.openxmlformats.org/officeDocument/2006/relationships" xmlns:p="http://schemas.openxmlformats.org/presentationml/2006/main">
+  <p:cSld>
+    <p:spTree>
+      <p:nvGrpSpPr>
+        <p:cNvPr id="1" name=""/>
+        <p:cNvGrpSpPr/>
+        <p:nvPr/>
+      </p:nvGrpSpPr>
+      <p:grpSpPr>
+        <a:xfrm>
+          <a:off x="0" y="0"/>
+          <a:ext cx="0" cy="0"/>
+          <a:chOff x="0" y="0"/>
+          <a:chExt cx="0" cy="0"/>
+        </a:xfrm>
+      </p:grpSpPr>
+      <p:sp>
+        <p:nvSpPr>
+          <p:cNvPr id="2" name="Titolo 1"/>
+          <p:cNvSpPr>
+            <a:spLocks noGrp="1"/>
+          </p:cNvSpPr>
+          <p:nvPr>
+            <p:ph type="title"/>
+          </p:nvPr>
+        </p:nvSpPr>
+        <p:spPr/>
+        <p:txBody>
+          <a:bodyPr/>
+          <a:lstStyle/>
+          <a:p>
+            <a:r>
+              <a:rPr lang="it-IT" dirty="0" smtClean="0"/>
+              <a:t>6) </a:t>
+            </a:r>
+            <a:r>
+              <a:rPr lang="it-IT" dirty="0" err="1" smtClean="0"/>
+              <a:t>Selectors</a:t>
+            </a:r>
+            <a:r>
+              <a:rPr lang="it-IT" dirty="0" smtClean="0"/>
+              <a:t>: </a:t>
+            </a:r>
+            <a:r>
+              <a:rPr lang="en-US" sz="3200" dirty="0"/>
+              <a:t>expose a slice of the state as observables</a:t>
+            </a:r>
+            <a:endParaRPr lang="it-IT" sz="3200" dirty="0"/>
+          </a:p>
+        </p:txBody>
+      </p:sp>
+      <p:sp>
+        <p:nvSpPr>
+          <p:cNvPr id="3" name="Segnaposto contenuto 2"/>
+          <p:cNvSpPr>
+            <a:spLocks noGrp="1"/>
+          </p:cNvSpPr>
+          <p:nvPr>
+            <p:ph idx="1"/>
+          </p:nvPr>
+        </p:nvSpPr>
+        <p:spPr/>
+        <p:txBody>
+          <a:bodyPr>
+            <a:normAutofit fontScale="85000" lnSpcReduction="20000"/>
+          </a:bodyPr>
+          <a:lstStyle/>
+          <a:p>
+            <a:pPr marL="0" indent="0">
+              <a:buNone/>
+            </a:pPr>
+            <a:r>
+              <a:rPr lang="it-IT" dirty="0" smtClean="0"/>
+              <a:t>In the Component: </a:t>
+            </a:r>
+            <a:r>
+              <a:rPr lang="it-IT" dirty="0" err="1" smtClean="0"/>
+              <a:t>inject</a:t>
+            </a:r>
+            <a:r>
+              <a:rPr lang="it-IT" dirty="0" smtClean="0"/>
+              <a:t> the </a:t>
+            </a:r>
+            <a:r>
+              <a:rPr lang="it-IT" dirty="0" err="1" smtClean="0"/>
+              <a:t>store</a:t>
+            </a:r>
+            <a:r>
+              <a:rPr lang="it-IT" dirty="0" smtClean="0"/>
+              <a:t> and use the </a:t>
+            </a:r>
+            <a:r>
+              <a:rPr lang="it-IT" dirty="0" err="1" smtClean="0">
+                <a:solidFill>
+                  <a:srgbClr val="0070C0"/>
+                </a:solidFill>
+              </a:rPr>
+              <a:t>select</a:t>
+            </a:r>
+            <a:r>
+              <a:rPr lang="it-IT" dirty="0" smtClean="0">
+                <a:solidFill>
+                  <a:srgbClr val="0070C0"/>
+                </a:solidFill>
+              </a:rPr>
+              <a:t> </a:t>
+            </a:r>
+            <a:r>
+              <a:rPr lang="it-IT" dirty="0" smtClean="0"/>
+              <a:t>operator:</a:t>
+            </a:r>
+          </a:p>
+          <a:p>
+            <a:pPr marL="0" indent="0">
+              <a:buNone/>
+            </a:pPr>
+            <a:endParaRPr lang="it-IT" dirty="0" smtClean="0"/>
+          </a:p>
+          <a:p>
+            <a:r>
+              <a:rPr lang="en-US" dirty="0" err="1">
+                <a:solidFill>
+                  <a:srgbClr val="0000FF"/>
+                </a:solidFill>
+                <a:latin typeface="Consolas"/>
+              </a:rPr>
+              <a:t>this</a:t>
+            </a:r>
+            <a:r>
+              <a:rPr lang="en-US" dirty="0" err="1">
+                <a:solidFill>
+                  <a:srgbClr val="000000"/>
+                </a:solidFill>
+                <a:latin typeface="Consolas"/>
+              </a:rPr>
+              <a:t>.</a:t>
+            </a:r>
+            <a:r>
+              <a:rPr lang="en-US" dirty="0" err="1">
+                <a:solidFill>
+                  <a:srgbClr val="001080"/>
+                </a:solidFill>
+                <a:latin typeface="Consolas"/>
+              </a:rPr>
+              <a:t>counter</a:t>
+            </a:r>
+            <a:r>
+              <a:rPr lang="en-US" dirty="0">
+                <a:solidFill>
+                  <a:srgbClr val="001080"/>
+                </a:solidFill>
+                <a:latin typeface="Consolas"/>
+              </a:rPr>
+              <a:t>$</a:t>
+            </a:r>
+            <a:r>
+              <a:rPr lang="en-US" dirty="0">
+                <a:solidFill>
+                  <a:srgbClr val="000000"/>
+                </a:solidFill>
+                <a:latin typeface="Consolas"/>
+              </a:rPr>
+              <a:t> = </a:t>
+            </a:r>
+            <a:r>
+              <a:rPr lang="en-US" dirty="0" err="1">
+                <a:solidFill>
+                  <a:srgbClr val="001080"/>
+                </a:solidFill>
+                <a:latin typeface="Consolas"/>
+              </a:rPr>
+              <a:t>store</a:t>
+            </a:r>
+            <a:r>
+              <a:rPr lang="en-US" dirty="0" err="1">
+                <a:solidFill>
+                  <a:srgbClr val="000000"/>
+                </a:solidFill>
+                <a:latin typeface="Consolas"/>
+              </a:rPr>
+              <a:t>.</a:t>
+            </a:r>
+            <a:r>
+              <a:rPr lang="en-US" dirty="0" err="1">
+                <a:solidFill>
+                  <a:srgbClr val="795E26"/>
+                </a:solidFill>
+                <a:latin typeface="Consolas"/>
+              </a:rPr>
+              <a:t>pipe</a:t>
+            </a:r>
+            <a:r>
+              <a:rPr lang="en-US" dirty="0">
+                <a:solidFill>
+                  <a:srgbClr val="000000"/>
+                </a:solidFill>
+                <a:latin typeface="Consolas"/>
+              </a:rPr>
+              <a:t>(</a:t>
+            </a:r>
+            <a:r>
+              <a:rPr lang="en-US" dirty="0">
+                <a:solidFill>
+                  <a:srgbClr val="795E26"/>
+                </a:solidFill>
+                <a:latin typeface="Consolas"/>
+              </a:rPr>
+              <a:t>select</a:t>
+            </a:r>
+            <a:r>
+              <a:rPr lang="en-US" dirty="0">
+                <a:solidFill>
+                  <a:srgbClr val="000000"/>
+                </a:solidFill>
+                <a:latin typeface="Consolas"/>
+              </a:rPr>
+              <a:t>(</a:t>
+            </a:r>
+            <a:r>
+              <a:rPr lang="en-US" dirty="0">
+                <a:solidFill>
+                  <a:srgbClr val="A31515"/>
+                </a:solidFill>
+                <a:latin typeface="Consolas"/>
+              </a:rPr>
+              <a:t>'</a:t>
+            </a:r>
+            <a:r>
+              <a:rPr lang="en-US" dirty="0" err="1">
+                <a:solidFill>
+                  <a:srgbClr val="A31515"/>
+                </a:solidFill>
+                <a:latin typeface="Consolas"/>
+              </a:rPr>
+              <a:t>counterState</a:t>
+            </a:r>
+            <a:r>
+              <a:rPr lang="en-US" dirty="0" smtClean="0">
+                <a:solidFill>
+                  <a:srgbClr val="A31515"/>
+                </a:solidFill>
+                <a:latin typeface="Consolas"/>
+              </a:rPr>
+              <a:t>'</a:t>
+            </a:r>
+            <a:r>
+              <a:rPr lang="en-US" dirty="0" smtClean="0">
+                <a:solidFill>
+                  <a:srgbClr val="000000"/>
+                </a:solidFill>
+                <a:latin typeface="Consolas"/>
+              </a:rPr>
+              <a:t>));</a:t>
+            </a:r>
+          </a:p>
+          <a:p>
+            <a:endParaRPr lang="en-US" dirty="0" smtClean="0">
+              <a:solidFill>
+                <a:srgbClr val="000000"/>
+              </a:solidFill>
+              <a:latin typeface="Consolas"/>
+            </a:endParaRPr>
+          </a:p>
+          <a:p>
+            <a:pPr marL="0" indent="0">
+              <a:buNone/>
+            </a:pPr>
+            <a:endParaRPr lang="en-US" dirty="0" smtClean="0">
+              <a:solidFill>
+                <a:srgbClr val="000000"/>
+              </a:solidFill>
+              <a:latin typeface="Consolas"/>
+            </a:endParaRPr>
+          </a:p>
+          <a:p>
+            <a:pPr marL="0" indent="0">
+              <a:buNone/>
+            </a:pPr>
+            <a:r>
+              <a:rPr lang="en-US" dirty="0" smtClean="0">
+                <a:solidFill>
+                  <a:srgbClr val="000000"/>
+                </a:solidFill>
+              </a:rPr>
+              <a:t>Best Practice - use a selection function:</a:t>
+            </a:r>
+          </a:p>
+          <a:p>
+            <a:pPr marL="0" indent="0">
+              <a:buNone/>
+            </a:pPr>
+            <a:endParaRPr lang="en-US" dirty="0">
+              <a:solidFill>
+                <a:srgbClr val="000000"/>
+              </a:solidFill>
+            </a:endParaRPr>
+          </a:p>
+          <a:p>
+            <a:r>
+              <a:rPr lang="en-US" dirty="0">
+                <a:solidFill>
+                  <a:srgbClr val="AF00DB"/>
+                </a:solidFill>
+                <a:latin typeface="Consolas"/>
+              </a:rPr>
+              <a:t>export</a:t>
+            </a:r>
+            <a:r>
+              <a:rPr lang="en-US" dirty="0">
+                <a:solidFill>
+                  <a:srgbClr val="000000"/>
+                </a:solidFill>
+                <a:latin typeface="Consolas"/>
+              </a:rPr>
+              <a:t> </a:t>
+            </a:r>
+            <a:r>
+              <a:rPr lang="en-US" dirty="0" err="1">
+                <a:solidFill>
+                  <a:srgbClr val="0000FF"/>
+                </a:solidFill>
+                <a:latin typeface="Consolas"/>
+              </a:rPr>
+              <a:t>const</a:t>
+            </a:r>
+            <a:r>
+              <a:rPr lang="en-US" dirty="0">
+                <a:solidFill>
+                  <a:srgbClr val="000000"/>
+                </a:solidFill>
+                <a:latin typeface="Consolas"/>
+              </a:rPr>
+              <a:t> </a:t>
+            </a:r>
+            <a:r>
+              <a:rPr lang="en-US" dirty="0" err="1">
+                <a:solidFill>
+                  <a:srgbClr val="001080"/>
+                </a:solidFill>
+                <a:latin typeface="Consolas"/>
+              </a:rPr>
+              <a:t>counterSelector</a:t>
+            </a:r>
+            <a:r>
+              <a:rPr lang="en-US" dirty="0">
+                <a:solidFill>
+                  <a:srgbClr val="000000"/>
+                </a:solidFill>
+                <a:latin typeface="Consolas"/>
+              </a:rPr>
+              <a:t> = </a:t>
+            </a:r>
+            <a:r>
+              <a:rPr lang="en-US" dirty="0" err="1">
+                <a:solidFill>
+                  <a:srgbClr val="795E26"/>
+                </a:solidFill>
+                <a:latin typeface="Consolas"/>
+              </a:rPr>
+              <a:t>createSelector</a:t>
+            </a:r>
+            <a:r>
+              <a:rPr lang="en-US" dirty="0" smtClean="0">
+                <a:solidFill>
+                  <a:srgbClr val="000000"/>
+                </a:solidFill>
+                <a:latin typeface="Consolas"/>
+              </a:rPr>
+              <a:t>(</a:t>
+            </a:r>
+          </a:p>
+          <a:p>
+            <a:r>
+              <a:rPr lang="en-US" dirty="0">
+                <a:solidFill>
+                  <a:srgbClr val="000000"/>
+                </a:solidFill>
+                <a:latin typeface="Consolas"/>
+              </a:rPr>
+              <a:t> </a:t>
+            </a:r>
+            <a:r>
+              <a:rPr lang="en-US" dirty="0" smtClean="0">
+                <a:solidFill>
+                  <a:srgbClr val="000000"/>
+                </a:solidFill>
+                <a:latin typeface="Consolas"/>
+              </a:rPr>
+              <a:t> (</a:t>
+            </a:r>
+            <a:r>
+              <a:rPr lang="en-US" dirty="0">
+                <a:solidFill>
+                  <a:srgbClr val="001080"/>
+                </a:solidFill>
+                <a:latin typeface="Consolas"/>
+              </a:rPr>
+              <a:t>state</a:t>
+            </a:r>
+            <a:r>
+              <a:rPr lang="en-US" dirty="0">
+                <a:solidFill>
+                  <a:srgbClr val="000000"/>
+                </a:solidFill>
+                <a:latin typeface="Consolas"/>
+              </a:rPr>
+              <a:t>: </a:t>
+            </a:r>
+            <a:r>
+              <a:rPr lang="en-US" dirty="0" err="1">
+                <a:solidFill>
+                  <a:srgbClr val="267F99"/>
+                </a:solidFill>
+                <a:latin typeface="Consolas"/>
+              </a:rPr>
+              <a:t>IAppState</a:t>
+            </a:r>
+            <a:r>
+              <a:rPr lang="en-US" dirty="0">
+                <a:solidFill>
+                  <a:srgbClr val="000000"/>
+                </a:solidFill>
+                <a:latin typeface="Consolas"/>
+              </a:rPr>
+              <a:t>) </a:t>
+            </a:r>
+            <a:r>
+              <a:rPr lang="en-US" dirty="0">
+                <a:solidFill>
+                  <a:srgbClr val="0000FF"/>
+                </a:solidFill>
+                <a:latin typeface="Consolas"/>
+              </a:rPr>
+              <a:t>=&gt;</a:t>
+            </a:r>
+            <a:r>
+              <a:rPr lang="en-US" dirty="0">
+                <a:solidFill>
+                  <a:srgbClr val="000000"/>
+                </a:solidFill>
+                <a:latin typeface="Consolas"/>
+              </a:rPr>
+              <a:t> </a:t>
+            </a:r>
+            <a:r>
+              <a:rPr lang="en-US" dirty="0" err="1" smtClean="0">
+                <a:solidFill>
+                  <a:srgbClr val="001080"/>
+                </a:solidFill>
+                <a:latin typeface="Consolas"/>
+              </a:rPr>
+              <a:t>state</a:t>
+            </a:r>
+            <a:r>
+              <a:rPr lang="en-US" dirty="0" err="1" smtClean="0">
+                <a:solidFill>
+                  <a:srgbClr val="000000"/>
+                </a:solidFill>
+                <a:latin typeface="Consolas"/>
+              </a:rPr>
+              <a:t>.</a:t>
+            </a:r>
+            <a:r>
+              <a:rPr lang="en-US" dirty="0" err="1" smtClean="0">
+                <a:solidFill>
+                  <a:srgbClr val="001080"/>
+                </a:solidFill>
+                <a:latin typeface="Consolas"/>
+              </a:rPr>
+              <a:t>counterState</a:t>
+            </a:r>
+            <a:endParaRPr lang="en-US" dirty="0" smtClean="0">
+              <a:solidFill>
+                <a:srgbClr val="001080"/>
+              </a:solidFill>
+              <a:latin typeface="Consolas"/>
+            </a:endParaRPr>
+          </a:p>
+          <a:p>
+            <a:r>
+              <a:rPr lang="en-US" dirty="0" smtClean="0">
+                <a:solidFill>
+                  <a:srgbClr val="000000"/>
+                </a:solidFill>
+                <a:latin typeface="Consolas"/>
+              </a:rPr>
+              <a:t>);</a:t>
+            </a:r>
+            <a:endParaRPr lang="en-US" dirty="0">
+              <a:solidFill>
+                <a:srgbClr val="000000"/>
+              </a:solidFill>
+              <a:latin typeface="Consolas"/>
+            </a:endParaRPr>
+          </a:p>
+          <a:p>
+            <a:r>
+              <a:rPr lang="en-US" dirty="0" err="1" smtClean="0">
+                <a:solidFill>
+                  <a:srgbClr val="0000FF"/>
+                </a:solidFill>
+                <a:latin typeface="Consolas"/>
+              </a:rPr>
+              <a:t>this</a:t>
+            </a:r>
+            <a:r>
+              <a:rPr lang="en-US" dirty="0" err="1" smtClean="0">
+                <a:solidFill>
+                  <a:srgbClr val="000000"/>
+                </a:solidFill>
+                <a:latin typeface="Consolas"/>
+              </a:rPr>
+              <a:t>.</a:t>
+            </a:r>
+            <a:r>
+              <a:rPr lang="en-US" dirty="0" err="1" smtClean="0">
+                <a:solidFill>
+                  <a:srgbClr val="001080"/>
+                </a:solidFill>
+                <a:latin typeface="Consolas"/>
+              </a:rPr>
+              <a:t>counter</a:t>
+            </a:r>
+            <a:r>
+              <a:rPr lang="en-US" dirty="0">
+                <a:solidFill>
+                  <a:srgbClr val="001080"/>
+                </a:solidFill>
+                <a:latin typeface="Consolas"/>
+              </a:rPr>
+              <a:t>$</a:t>
+            </a:r>
+            <a:r>
+              <a:rPr lang="en-US" dirty="0">
+                <a:solidFill>
+                  <a:srgbClr val="000000"/>
+                </a:solidFill>
+                <a:latin typeface="Consolas"/>
+              </a:rPr>
+              <a:t> = </a:t>
+            </a:r>
+            <a:r>
+              <a:rPr lang="en-US" dirty="0" err="1">
+                <a:solidFill>
+                  <a:srgbClr val="001080"/>
+                </a:solidFill>
+                <a:latin typeface="Consolas"/>
+              </a:rPr>
+              <a:t>store</a:t>
+            </a:r>
+            <a:r>
+              <a:rPr lang="en-US" dirty="0" err="1">
+                <a:solidFill>
+                  <a:srgbClr val="000000"/>
+                </a:solidFill>
+                <a:latin typeface="Consolas"/>
+              </a:rPr>
+              <a:t>.</a:t>
+            </a:r>
+            <a:r>
+              <a:rPr lang="en-US" dirty="0" err="1">
+                <a:solidFill>
+                  <a:srgbClr val="795E26"/>
+                </a:solidFill>
+                <a:latin typeface="Consolas"/>
+              </a:rPr>
+              <a:t>pipe</a:t>
+            </a:r>
+            <a:r>
+              <a:rPr lang="en-US" dirty="0">
+                <a:solidFill>
+                  <a:srgbClr val="000000"/>
+                </a:solidFill>
+                <a:latin typeface="Consolas"/>
+              </a:rPr>
+              <a:t>(</a:t>
+            </a:r>
+            <a:r>
+              <a:rPr lang="en-US" dirty="0">
+                <a:solidFill>
+                  <a:srgbClr val="795E26"/>
+                </a:solidFill>
+                <a:latin typeface="Consolas"/>
+              </a:rPr>
+              <a:t>select</a:t>
+            </a:r>
+            <a:r>
+              <a:rPr lang="en-US" dirty="0">
+                <a:solidFill>
+                  <a:srgbClr val="000000"/>
+                </a:solidFill>
+                <a:latin typeface="Consolas"/>
+              </a:rPr>
+              <a:t>(</a:t>
+            </a:r>
+            <a:r>
+              <a:rPr lang="en-US" dirty="0" err="1">
+                <a:solidFill>
+                  <a:srgbClr val="001080"/>
+                </a:solidFill>
+                <a:latin typeface="Consolas"/>
+              </a:rPr>
+              <a:t>counterSelector</a:t>
+            </a:r>
+            <a:r>
+              <a:rPr lang="en-US" dirty="0">
+                <a:solidFill>
+                  <a:srgbClr val="000000"/>
+                </a:solidFill>
+                <a:latin typeface="Consolas"/>
+              </a:rPr>
+              <a:t>));</a:t>
+            </a:r>
+          </a:p>
+          <a:p>
+            <a:endParaRPr lang="it-IT" dirty="0"/>
+          </a:p>
+        </p:txBody>
+      </p:sp>
+    </p:spTree>
+    <p:extLst>
+      <p:ext uri="{BB962C8B-B14F-4D97-AF65-F5344CB8AC3E}">
+        <p14:creationId xmlns:p14="http://schemas.microsoft.com/office/powerpoint/2010/main" val="3077806692"/>
+      </p:ext>
+    </p:extLst>
+  </p:cSld>
+  <p:clrMapOvr>
+    <a:masterClrMapping/>
+  </p:clrMapOvr>
+  <p:timing>
+    <p:tnLst>
+      <p:par>
+        <p:cTn id="1" dur="indefinite" restart="never" nodeType="tmRoot">
+          <p:childTnLst>
+            <p:seq concurrent="1" nextAc="seek">
+              <p:cTn id="2" dur="indefinite" nodeType="mainSeq">
+                <p:childTnLst>
+                  <p:par>
+                    <p:cTn id="3" fill="hold">
+                      <p:stCondLst>
+                        <p:cond delay="indefinite"/>
+                      </p:stCondLst>
+                      <p:childTnLst>
+                        <p:par>
+                          <p:cTn id="4" fill="hold">
+                            <p:stCondLst>
+                              <p:cond delay="0"/>
+                            </p:stCondLst>
+                            <p:childTnLst>
+                              <p:par>
+                                <p:cTn id="5" presetID="10" presetClass="entr" presetSubtype="0" fill="hold" nodeType="clickEffect">
+                                  <p:stCondLst>
+                                    <p:cond delay="0"/>
+                                  </p:stCondLst>
+                                  <p:childTnLst>
+                                    <p:set>
+                                      <p:cBhvr>
+                                        <p:cTn id="6" dur="1" fill="hold">
+                                          <p:stCondLst>
+                                            <p:cond delay="0"/>
+                                          </p:stCondLst>
+                                        </p:cTn>
+                                        <p:tgtEl>
+                                          <p:spTgt spid="3">
+                                            <p:txEl>
+                                              <p:pRg st="5" end="5"/>
+                                            </p:txEl>
+                                          </p:spTgt>
+                                        </p:tgtEl>
+                                        <p:attrNameLst>
+                                          <p:attrName>style.visibility</p:attrName>
+                                        </p:attrNameLst>
+                                      </p:cBhvr>
+                                      <p:to>
+                                        <p:strVal val="visible"/>
+                                      </p:to>
+                                    </p:set>
+                                    <p:animEffect transition="in" filter="fade">
+                                      <p:cBhvr>
+                                        <p:cTn id="7" dur="500"/>
+                                        <p:tgtEl>
+                                          <p:spTgt spid="3">
+                                            <p:txEl>
+                                              <p:pRg st="5" end="5"/>
+                                            </p:txEl>
+                                          </p:spTgt>
+                                        </p:tgtEl>
+                                      </p:cBhvr>
+                                    </p:animEffect>
+                                  </p:childTnLst>
+                                </p:cTn>
+                              </p:par>
+                            </p:childTnLst>
+                          </p:cTn>
+                        </p:par>
+                        <p:par>
+                          <p:cTn id="8" fill="hold">
+                            <p:stCondLst>
+                              <p:cond delay="500"/>
+                            </p:stCondLst>
+                            <p:childTnLst>
+                              <p:par>
+                                <p:cTn id="9" presetID="10" presetClass="entr" presetSubtype="0" fill="hold" nodeType="afterEffect">
+                                  <p:stCondLst>
+                                    <p:cond delay="0"/>
+                                  </p:stCondLst>
+                                  <p:childTnLst>
+                                    <p:set>
+                                      <p:cBhvr>
+                                        <p:cTn id="10" dur="1" fill="hold">
+                                          <p:stCondLst>
+                                            <p:cond delay="0"/>
+                                          </p:stCondLst>
+                                        </p:cTn>
+                                        <p:tgtEl>
+                                          <p:spTgt spid="3">
+                                            <p:txEl>
+                                              <p:pRg st="7" end="7"/>
+                                            </p:txEl>
+                                          </p:spTgt>
+                                        </p:tgtEl>
+                                        <p:attrNameLst>
+                                          <p:attrName>style.visibility</p:attrName>
+                                        </p:attrNameLst>
+                                      </p:cBhvr>
+                                      <p:to>
+                                        <p:strVal val="visible"/>
+                                      </p:to>
+                                    </p:set>
+                                    <p:animEffect transition="in" filter="fade">
+                                      <p:cBhvr>
+                                        <p:cTn id="11" dur="500"/>
+                                        <p:tgtEl>
+                                          <p:spTgt spid="3">
+                                            <p:txEl>
+                                              <p:pRg st="7" end="7"/>
+                                            </p:txEl>
+                                          </p:spTgt>
+                                        </p:tgtEl>
+                                      </p:cBhvr>
+                                    </p:animEffect>
+                                  </p:childTnLst>
+                                </p:cTn>
+                              </p:par>
+                              <p:par>
+                                <p:cTn id="12" presetID="10" presetClass="entr" presetSubtype="0" fill="hold" nodeType="withEffect">
+                                  <p:stCondLst>
+                                    <p:cond delay="0"/>
+                                  </p:stCondLst>
+                                  <p:childTnLst>
+                                    <p:set>
+                                      <p:cBhvr>
+                                        <p:cTn id="13" dur="1" fill="hold">
+                                          <p:stCondLst>
+                                            <p:cond delay="0"/>
+                                          </p:stCondLst>
+                                        </p:cTn>
+                                        <p:tgtEl>
+                                          <p:spTgt spid="3">
+                                            <p:txEl>
+                                              <p:pRg st="8" end="8"/>
+                                            </p:txEl>
+                                          </p:spTgt>
+                                        </p:tgtEl>
+                                        <p:attrNameLst>
+                                          <p:attrName>style.visibility</p:attrName>
+                                        </p:attrNameLst>
+                                      </p:cBhvr>
+                                      <p:to>
+                                        <p:strVal val="visible"/>
+                                      </p:to>
+                                    </p:set>
+                                    <p:animEffect transition="in" filter="fade">
+                                      <p:cBhvr>
+                                        <p:cTn id="14" dur="500"/>
+                                        <p:tgtEl>
+                                          <p:spTgt spid="3">
+                                            <p:txEl>
+                                              <p:pRg st="8" end="8"/>
+                                            </p:txEl>
+                                          </p:spTgt>
+                                        </p:tgtEl>
+                                      </p:cBhvr>
+                                    </p:animEffect>
+                                  </p:childTnLst>
+                                </p:cTn>
+                              </p:par>
+                              <p:par>
+                                <p:cTn id="15" presetID="10" presetClass="entr" presetSubtype="0" fill="hold" nodeType="withEffect">
+                                  <p:stCondLst>
+                                    <p:cond delay="0"/>
+                                  </p:stCondLst>
+                                  <p:childTnLst>
+                                    <p:set>
+                                      <p:cBhvr>
+                                        <p:cTn id="16" dur="1" fill="hold">
+                                          <p:stCondLst>
+                                            <p:cond delay="0"/>
+                                          </p:stCondLst>
+                                        </p:cTn>
+                                        <p:tgtEl>
+                                          <p:spTgt spid="3">
+                                            <p:txEl>
+                                              <p:pRg st="9" end="9"/>
+                                            </p:txEl>
+                                          </p:spTgt>
+                                        </p:tgtEl>
+                                        <p:attrNameLst>
+                                          <p:attrName>style.visibility</p:attrName>
+                                        </p:attrNameLst>
+                                      </p:cBhvr>
+                                      <p:to>
+                                        <p:strVal val="visible"/>
+                                      </p:to>
+                                    </p:set>
+                                    <p:animEffect transition="in" filter="fade">
+                                      <p:cBhvr>
+                                        <p:cTn id="17" dur="500"/>
+                                        <p:tgtEl>
+                                          <p:spTgt spid="3">
+                                            <p:txEl>
+                                              <p:pRg st="9" end="9"/>
+                                            </p:txEl>
+                                          </p:spTgt>
+                                        </p:tgtEl>
+                                      </p:cBhvr>
+                                    </p:animEffect>
+                                  </p:childTnLst>
+                                </p:cTn>
+                              </p:par>
+                              <p:par>
+                                <p:cTn id="18" presetID="10" presetClass="entr" presetSubtype="0" fill="hold" nodeType="withEffect">
+                                  <p:stCondLst>
+                                    <p:cond delay="0"/>
+                                  </p:stCondLst>
+                                  <p:childTnLst>
+                                    <p:set>
+                                      <p:cBhvr>
+                                        <p:cTn id="19" dur="1" fill="hold">
+                                          <p:stCondLst>
+                                            <p:cond delay="0"/>
+                                          </p:stCondLst>
+                                        </p:cTn>
+                                        <p:tgtEl>
+                                          <p:spTgt spid="3">
+                                            <p:txEl>
+                                              <p:pRg st="10" end="10"/>
+                                            </p:txEl>
+                                          </p:spTgt>
+                                        </p:tgtEl>
+                                        <p:attrNameLst>
+                                          <p:attrName>style.visibility</p:attrName>
+                                        </p:attrNameLst>
+                                      </p:cBhvr>
+                                      <p:to>
+                                        <p:strVal val="visible"/>
+                                      </p:to>
+                                    </p:set>
+                                    <p:animEffect transition="in" filter="fade">
+                                      <p:cBhvr>
+                                        <p:cTn id="20" dur="500"/>
+                                        <p:tgtEl>
+                                          <p:spTgt spid="3">
+                                            <p:txEl>
+                                              <p:pRg st="10" end="10"/>
+                                            </p:txEl>
+                                          </p:spTgt>
+                                        </p:tgtEl>
+                                      </p:cBhvr>
+                                    </p:animEffect>
+                                  </p:childTnLst>
+                                </p:cTn>
+                              </p:par>
+                            </p:childTnLst>
+                          </p:cTn>
+                        </p:par>
+                      </p:childTnLst>
+                    </p:cTn>
+                  </p:par>
+                </p:childTnLst>
+              </p:cTn>
+              <p:prevCondLst>
+                <p:cond evt="onPrev" delay="0">
+                  <p:tgtEl>
+                    <p:sldTgt/>
+                  </p:tgtEl>
+                </p:cond>
+              </p:prevCondLst>
+              <p:nextCondLst>
+                <p:cond evt="onNext" delay="0">
+                  <p:tgtEl>
+                    <p:sldTgt/>
+                  </p:tgtEl>
+                </p:cond>
+              </p:nextCondLst>
+            </p:seq>
+          </p:childTnLst>
+        </p:cTn>
+      </p:par>
+    </p:tnLst>
+  </p:timing>
+</p:sld>
+</file>
+
+<file path=ppt/slides/slide17.xml><?xml version="1.0" encoding="utf-8"?>
+<p:sld xmlns:a="http://schemas.openxmlformats.org/drawingml/2006/main" xmlns:r="http://schemas.openxmlformats.org/officeDocument/2006/relationships" xmlns:p="http://schemas.openxmlformats.org/presentationml/2006/main">
+  <p:cSld>
+    <p:spTree>
+      <p:nvGrpSpPr>
+        <p:cNvPr id="1" name=""/>
+        <p:cNvGrpSpPr/>
+        <p:nvPr/>
+      </p:nvGrpSpPr>
+      <p:grpSpPr>
+        <a:xfrm>
+          <a:off x="0" y="0"/>
+          <a:ext cx="0" cy="0"/>
+          <a:chOff x="0" y="0"/>
+          <a:chExt cx="0" cy="0"/>
+        </a:xfrm>
+      </p:grpSpPr>
+      <p:sp>
+        <p:nvSpPr>
+          <p:cNvPr id="2" name="Titolo 1"/>
+          <p:cNvSpPr>
+            <a:spLocks noGrp="1"/>
+          </p:cNvSpPr>
+          <p:nvPr>
+            <p:ph type="title"/>
+          </p:nvPr>
+        </p:nvSpPr>
+        <p:spPr/>
+        <p:txBody>
+          <a:bodyPr/>
+          <a:lstStyle/>
+          <a:p>
+            <a:r>
+              <a:rPr lang="it-IT" dirty="0" err="1" smtClean="0"/>
+              <a:t>Advantages</a:t>
+            </a:r>
+            <a:r>
+              <a:rPr lang="it-IT" dirty="0" smtClean="0"/>
+              <a:t> of </a:t>
+            </a:r>
+            <a:r>
+              <a:rPr lang="it-IT" dirty="0" err="1" smtClean="0"/>
+              <a:t>selectors</a:t>
+            </a:r>
+            <a:endParaRPr lang="it-IT" dirty="0"/>
+          </a:p>
+        </p:txBody>
+      </p:sp>
+      <p:sp>
+        <p:nvSpPr>
+          <p:cNvPr id="3" name="Segnaposto contenuto 2"/>
+          <p:cNvSpPr>
+            <a:spLocks noGrp="1"/>
+          </p:cNvSpPr>
+          <p:nvPr>
+            <p:ph idx="1"/>
+          </p:nvPr>
+        </p:nvSpPr>
+        <p:spPr/>
+        <p:txBody>
+          <a:bodyPr>
+            <a:normAutofit fontScale="70000" lnSpcReduction="20000"/>
+          </a:bodyPr>
+          <a:lstStyle/>
+          <a:p>
+            <a:r>
+              <a:rPr lang="en-US" dirty="0">
+                <a:solidFill>
+                  <a:srgbClr val="000000"/>
+                </a:solidFill>
+                <a:latin typeface="Consolas"/>
+              </a:rPr>
+              <a:t/>
+            </a:r>
+            <a:br>
+              <a:rPr lang="en-US" dirty="0">
+                <a:solidFill>
+                  <a:srgbClr val="000000"/>
+                </a:solidFill>
+                <a:latin typeface="Consolas"/>
+              </a:rPr>
+            </a:br>
+            <a:r>
+              <a:rPr lang="en-US" dirty="0">
+                <a:solidFill>
+                  <a:srgbClr val="008000"/>
+                </a:solidFill>
+                <a:latin typeface="Consolas"/>
+              </a:rPr>
+              <a:t>// selectors created with the '</a:t>
+            </a:r>
+            <a:r>
+              <a:rPr lang="en-US" dirty="0" err="1">
+                <a:solidFill>
+                  <a:srgbClr val="008000"/>
+                </a:solidFill>
+                <a:latin typeface="Consolas"/>
+              </a:rPr>
+              <a:t>createSelector</a:t>
+            </a:r>
+            <a:r>
+              <a:rPr lang="en-US" dirty="0">
+                <a:solidFill>
+                  <a:srgbClr val="008000"/>
+                </a:solidFill>
+                <a:latin typeface="Consolas"/>
+              </a:rPr>
+              <a:t>' function have many advantages over using plain</a:t>
+            </a:r>
+            <a:endParaRPr lang="en-US" dirty="0">
+              <a:solidFill>
+                <a:srgbClr val="000000"/>
+              </a:solidFill>
+              <a:latin typeface="Consolas"/>
+            </a:endParaRPr>
+          </a:p>
+          <a:p>
+            <a:r>
+              <a:rPr lang="en-US" dirty="0">
+                <a:solidFill>
+                  <a:srgbClr val="008000"/>
+                </a:solidFill>
+                <a:latin typeface="Consolas"/>
+              </a:rPr>
+              <a:t>// functions, the most noticeable: </a:t>
+            </a:r>
+            <a:r>
+              <a:rPr lang="en-US" b="1" dirty="0">
+                <a:solidFill>
+                  <a:srgbClr val="008000"/>
+                </a:solidFill>
+                <a:latin typeface="Consolas"/>
+              </a:rPr>
+              <a:t>composition</a:t>
+            </a:r>
+            <a:r>
+              <a:rPr lang="en-US" dirty="0">
+                <a:solidFill>
+                  <a:srgbClr val="008000"/>
+                </a:solidFill>
+                <a:latin typeface="Consolas"/>
+              </a:rPr>
+              <a:t> and </a:t>
+            </a:r>
+            <a:r>
+              <a:rPr lang="en-US" b="1" dirty="0" err="1">
+                <a:solidFill>
+                  <a:srgbClr val="008000"/>
+                </a:solidFill>
+                <a:latin typeface="Consolas"/>
+              </a:rPr>
+              <a:t>memoization</a:t>
+            </a:r>
+            <a:r>
+              <a:rPr lang="en-US" dirty="0" smtClean="0">
+                <a:solidFill>
+                  <a:srgbClr val="008000"/>
+                </a:solidFill>
+                <a:latin typeface="Consolas"/>
+              </a:rPr>
+              <a:t>.</a:t>
+            </a:r>
+          </a:p>
+          <a:p>
+            <a:endParaRPr lang="en-US" dirty="0">
+              <a:solidFill>
+                <a:srgbClr val="000000"/>
+              </a:solidFill>
+              <a:latin typeface="Consolas"/>
+            </a:endParaRPr>
+          </a:p>
+          <a:p>
+            <a:r>
+              <a:rPr lang="en-US" dirty="0" smtClean="0">
+                <a:solidFill>
+                  <a:srgbClr val="AF00DB"/>
+                </a:solidFill>
+                <a:latin typeface="Consolas"/>
+              </a:rPr>
+              <a:t>export</a:t>
+            </a:r>
+            <a:r>
+              <a:rPr lang="en-US" dirty="0" smtClean="0">
+                <a:solidFill>
+                  <a:srgbClr val="000000"/>
+                </a:solidFill>
+                <a:latin typeface="Consolas"/>
+              </a:rPr>
+              <a:t> </a:t>
+            </a:r>
+            <a:r>
+              <a:rPr lang="en-US" dirty="0" err="1">
+                <a:solidFill>
+                  <a:srgbClr val="0000FF"/>
+                </a:solidFill>
+                <a:latin typeface="Consolas"/>
+              </a:rPr>
+              <a:t>const</a:t>
+            </a:r>
+            <a:r>
+              <a:rPr lang="en-US" dirty="0">
+                <a:solidFill>
+                  <a:srgbClr val="000000"/>
+                </a:solidFill>
+                <a:latin typeface="Consolas"/>
+              </a:rPr>
+              <a:t> </a:t>
+            </a:r>
+            <a:r>
+              <a:rPr lang="en-US" dirty="0" err="1">
+                <a:solidFill>
+                  <a:srgbClr val="001080"/>
+                </a:solidFill>
+                <a:latin typeface="Consolas"/>
+              </a:rPr>
+              <a:t>counterCountSelector</a:t>
+            </a:r>
+            <a:r>
+              <a:rPr lang="en-US" dirty="0">
+                <a:solidFill>
+                  <a:srgbClr val="000000"/>
+                </a:solidFill>
+                <a:latin typeface="Consolas"/>
+              </a:rPr>
+              <a:t> = </a:t>
+            </a:r>
+            <a:r>
+              <a:rPr lang="en-US" dirty="0" err="1">
+                <a:solidFill>
+                  <a:srgbClr val="795E26"/>
+                </a:solidFill>
+                <a:latin typeface="Consolas"/>
+              </a:rPr>
+              <a:t>createSelector</a:t>
+            </a:r>
+            <a:r>
+              <a:rPr lang="en-US" dirty="0">
+                <a:solidFill>
+                  <a:srgbClr val="000000"/>
+                </a:solidFill>
+                <a:latin typeface="Consolas"/>
+              </a:rPr>
+              <a:t>(</a:t>
+            </a:r>
+          </a:p>
+          <a:p>
+            <a:r>
+              <a:rPr lang="en-US" dirty="0" smtClean="0">
+                <a:solidFill>
+                  <a:srgbClr val="001080"/>
+                </a:solidFill>
+                <a:latin typeface="Consolas"/>
+              </a:rPr>
+              <a:t>  </a:t>
+            </a:r>
+            <a:r>
+              <a:rPr lang="en-US" dirty="0" err="1" smtClean="0">
+                <a:solidFill>
+                  <a:srgbClr val="001080"/>
+                </a:solidFill>
+                <a:latin typeface="Consolas"/>
+              </a:rPr>
+              <a:t>counterSelector</a:t>
+            </a:r>
+            <a:r>
+              <a:rPr lang="en-US" dirty="0">
+                <a:solidFill>
+                  <a:srgbClr val="000000"/>
+                </a:solidFill>
+                <a:latin typeface="Consolas"/>
+              </a:rPr>
+              <a:t>,</a:t>
+            </a:r>
+          </a:p>
+          <a:p>
+            <a:r>
+              <a:rPr lang="en-US" dirty="0" smtClean="0">
+                <a:solidFill>
+                  <a:srgbClr val="001080"/>
+                </a:solidFill>
+                <a:latin typeface="Consolas"/>
+              </a:rPr>
+              <a:t>  state</a:t>
+            </a:r>
+            <a:r>
+              <a:rPr lang="en-US" dirty="0" smtClean="0">
+                <a:solidFill>
+                  <a:srgbClr val="000000"/>
+                </a:solidFill>
+                <a:latin typeface="Consolas"/>
+              </a:rPr>
+              <a:t> </a:t>
+            </a:r>
+            <a:r>
+              <a:rPr lang="en-US" dirty="0">
+                <a:solidFill>
+                  <a:srgbClr val="0000FF"/>
+                </a:solidFill>
+                <a:latin typeface="Consolas"/>
+              </a:rPr>
+              <a:t>=&gt;</a:t>
+            </a:r>
+            <a:r>
+              <a:rPr lang="en-US" dirty="0">
+                <a:solidFill>
+                  <a:srgbClr val="000000"/>
+                </a:solidFill>
+                <a:latin typeface="Consolas"/>
+              </a:rPr>
+              <a:t> </a:t>
+            </a:r>
+            <a:r>
+              <a:rPr lang="en-US" dirty="0" err="1">
+                <a:solidFill>
+                  <a:srgbClr val="001080"/>
+                </a:solidFill>
+                <a:latin typeface="Consolas"/>
+              </a:rPr>
+              <a:t>state</a:t>
+            </a:r>
+            <a:r>
+              <a:rPr lang="en-US" dirty="0" err="1">
+                <a:solidFill>
+                  <a:srgbClr val="000000"/>
+                </a:solidFill>
+                <a:latin typeface="Consolas"/>
+              </a:rPr>
+              <a:t>.</a:t>
+            </a:r>
+            <a:r>
+              <a:rPr lang="en-US" dirty="0" err="1">
+                <a:solidFill>
+                  <a:srgbClr val="001080"/>
+                </a:solidFill>
+                <a:latin typeface="Consolas"/>
+              </a:rPr>
+              <a:t>count</a:t>
+            </a:r>
+            <a:endParaRPr lang="en-US" dirty="0">
+              <a:solidFill>
+                <a:srgbClr val="000000"/>
+              </a:solidFill>
+              <a:latin typeface="Consolas"/>
+            </a:endParaRPr>
+          </a:p>
+          <a:p>
+            <a:r>
+              <a:rPr lang="en-US" dirty="0">
+                <a:solidFill>
+                  <a:srgbClr val="000000"/>
+                </a:solidFill>
+                <a:latin typeface="Consolas"/>
+              </a:rPr>
+              <a:t>);</a:t>
+            </a:r>
+          </a:p>
+          <a:p>
+            <a:r>
+              <a:rPr lang="en-US" dirty="0">
+                <a:solidFill>
+                  <a:srgbClr val="000000"/>
+                </a:solidFill>
+                <a:latin typeface="Consolas"/>
+              </a:rPr>
+              <a:t/>
+            </a:r>
+            <a:br>
+              <a:rPr lang="en-US" dirty="0">
+                <a:solidFill>
+                  <a:srgbClr val="000000"/>
+                </a:solidFill>
+                <a:latin typeface="Consolas"/>
+              </a:rPr>
+            </a:br>
+            <a:r>
+              <a:rPr lang="en-US" dirty="0">
+                <a:solidFill>
+                  <a:srgbClr val="AF00DB"/>
+                </a:solidFill>
+                <a:latin typeface="Consolas"/>
+              </a:rPr>
+              <a:t>export</a:t>
+            </a:r>
+            <a:r>
+              <a:rPr lang="en-US" dirty="0">
+                <a:solidFill>
+                  <a:srgbClr val="000000"/>
+                </a:solidFill>
+                <a:latin typeface="Consolas"/>
+              </a:rPr>
+              <a:t> </a:t>
+            </a:r>
+            <a:r>
+              <a:rPr lang="en-US" dirty="0" err="1">
+                <a:solidFill>
+                  <a:srgbClr val="0000FF"/>
+                </a:solidFill>
+                <a:latin typeface="Consolas"/>
+              </a:rPr>
+              <a:t>const</a:t>
+            </a:r>
+            <a:r>
+              <a:rPr lang="en-US" dirty="0">
+                <a:solidFill>
+                  <a:srgbClr val="000000"/>
+                </a:solidFill>
+                <a:latin typeface="Consolas"/>
+              </a:rPr>
+              <a:t> </a:t>
+            </a:r>
+            <a:r>
+              <a:rPr lang="en-US" dirty="0" err="1">
+                <a:solidFill>
+                  <a:srgbClr val="001080"/>
+                </a:solidFill>
+                <a:latin typeface="Consolas"/>
+              </a:rPr>
+              <a:t>counterFaultySelector</a:t>
+            </a:r>
+            <a:r>
+              <a:rPr lang="en-US" dirty="0">
+                <a:solidFill>
+                  <a:srgbClr val="000000"/>
+                </a:solidFill>
+                <a:latin typeface="Consolas"/>
+              </a:rPr>
+              <a:t> = </a:t>
+            </a:r>
+            <a:r>
+              <a:rPr lang="en-US" dirty="0" err="1">
+                <a:solidFill>
+                  <a:srgbClr val="795E26"/>
+                </a:solidFill>
+                <a:latin typeface="Consolas"/>
+              </a:rPr>
+              <a:t>createSelector</a:t>
+            </a:r>
+            <a:r>
+              <a:rPr lang="en-US" dirty="0">
+                <a:solidFill>
+                  <a:srgbClr val="000000"/>
+                </a:solidFill>
+                <a:latin typeface="Consolas"/>
+              </a:rPr>
+              <a:t>(</a:t>
+            </a:r>
+          </a:p>
+          <a:p>
+            <a:r>
+              <a:rPr lang="en-US" dirty="0" smtClean="0">
+                <a:solidFill>
+                  <a:srgbClr val="001080"/>
+                </a:solidFill>
+                <a:latin typeface="Consolas"/>
+              </a:rPr>
+              <a:t>  </a:t>
+            </a:r>
+            <a:r>
+              <a:rPr lang="en-US" dirty="0" err="1" smtClean="0">
+                <a:solidFill>
+                  <a:srgbClr val="001080"/>
+                </a:solidFill>
+                <a:latin typeface="Consolas"/>
+              </a:rPr>
+              <a:t>counterSelector</a:t>
+            </a:r>
+            <a:r>
+              <a:rPr lang="en-US" dirty="0">
+                <a:solidFill>
+                  <a:srgbClr val="000000"/>
+                </a:solidFill>
+                <a:latin typeface="Consolas"/>
+              </a:rPr>
+              <a:t>,</a:t>
+            </a:r>
+          </a:p>
+          <a:p>
+            <a:r>
+              <a:rPr lang="en-US" dirty="0" smtClean="0">
+                <a:solidFill>
+                  <a:srgbClr val="001080"/>
+                </a:solidFill>
+                <a:latin typeface="Consolas"/>
+              </a:rPr>
+              <a:t>  state</a:t>
+            </a:r>
+            <a:r>
+              <a:rPr lang="en-US" dirty="0" smtClean="0">
+                <a:solidFill>
+                  <a:srgbClr val="000000"/>
+                </a:solidFill>
+                <a:latin typeface="Consolas"/>
+              </a:rPr>
+              <a:t> </a:t>
+            </a:r>
+            <a:r>
+              <a:rPr lang="en-US" dirty="0">
+                <a:solidFill>
+                  <a:srgbClr val="0000FF"/>
+                </a:solidFill>
+                <a:latin typeface="Consolas"/>
+              </a:rPr>
+              <a:t>=&gt;</a:t>
+            </a:r>
+            <a:r>
+              <a:rPr lang="en-US" dirty="0">
+                <a:solidFill>
+                  <a:srgbClr val="000000"/>
+                </a:solidFill>
+                <a:latin typeface="Consolas"/>
+              </a:rPr>
+              <a:t> </a:t>
+            </a:r>
+            <a:r>
+              <a:rPr lang="en-US" dirty="0" err="1">
+                <a:solidFill>
+                  <a:srgbClr val="001080"/>
+                </a:solidFill>
+                <a:latin typeface="Consolas"/>
+              </a:rPr>
+              <a:t>state</a:t>
+            </a:r>
+            <a:r>
+              <a:rPr lang="en-US" dirty="0" err="1">
+                <a:solidFill>
+                  <a:srgbClr val="000000"/>
+                </a:solidFill>
+                <a:latin typeface="Consolas"/>
+              </a:rPr>
+              <a:t>.</a:t>
+            </a:r>
+            <a:r>
+              <a:rPr lang="en-US" dirty="0" err="1">
+                <a:solidFill>
+                  <a:srgbClr val="001080"/>
+                </a:solidFill>
+                <a:latin typeface="Consolas"/>
+              </a:rPr>
+              <a:t>faulty</a:t>
+            </a:r>
+            <a:endParaRPr lang="en-US" dirty="0">
+              <a:solidFill>
+                <a:srgbClr val="000000"/>
+              </a:solidFill>
+              <a:latin typeface="Consolas"/>
+            </a:endParaRPr>
+          </a:p>
+          <a:p>
+            <a:r>
+              <a:rPr lang="en-US" dirty="0">
+                <a:solidFill>
+                  <a:srgbClr val="000000"/>
+                </a:solidFill>
+                <a:latin typeface="Consolas"/>
+              </a:rPr>
+              <a:t>);</a:t>
+            </a:r>
+          </a:p>
+          <a:p>
+            <a:endParaRPr lang="it-IT" dirty="0"/>
+          </a:p>
+          <a:p>
+            <a:endParaRPr lang="it-IT" dirty="0"/>
+          </a:p>
+        </p:txBody>
+      </p:sp>
+    </p:spTree>
+    <p:extLst>
+      <p:ext uri="{BB962C8B-B14F-4D97-AF65-F5344CB8AC3E}">
+        <p14:creationId xmlns:p14="http://schemas.microsoft.com/office/powerpoint/2010/main" val="3783302135"/>
+      </p:ext>
+    </p:extLst>
+  </p:cSld>
+  <p:clrMapOvr>
+    <a:masterClrMapping/>
+  </p:clrMapOvr>
+  <p:timing>
+    <p:tnLst>
+      <p:par>
+        <p:cTn id="1" dur="indefinite" restart="never" nodeType="tmRoot"/>
+      </p:par>
+    </p:tnLst>
+  </p:timing>
+</p:sld>
+</file>
+
+<file path=ppt/slides/slide18.xml><?xml version="1.0" encoding="utf-8"?>
+<p:sld xmlns:a="http://schemas.openxmlformats.org/drawingml/2006/main" xmlns:r="http://schemas.openxmlformats.org/officeDocument/2006/relationships" xmlns:p="http://schemas.openxmlformats.org/presentationml/2006/main">
+  <p:cSld>
+    <p:spTree>
+      <p:nvGrpSpPr>
+        <p:cNvPr id="1" name=""/>
+        <p:cNvGrpSpPr/>
+        <p:nvPr/>
+      </p:nvGrpSpPr>
+      <p:grpSpPr>
+        <a:xfrm>
+          <a:off x="0" y="0"/>
+          <a:ext cx="0" cy="0"/>
+          <a:chOff x="0" y="0"/>
+          <a:chExt cx="0" cy="0"/>
+        </a:xfrm>
+      </p:grpSpPr>
+      <p:sp>
+        <p:nvSpPr>
+          <p:cNvPr id="2" name="Titolo 1"/>
+          <p:cNvSpPr>
+            <a:spLocks noGrp="1"/>
+          </p:cNvSpPr>
+          <p:nvPr>
+            <p:ph type="title"/>
+          </p:nvPr>
+        </p:nvSpPr>
+        <p:spPr/>
+        <p:txBody>
+          <a:bodyPr/>
+          <a:lstStyle/>
+          <a:p>
+            <a:r>
+              <a:rPr lang="it-IT" dirty="0" smtClean="0"/>
+              <a:t>7) </a:t>
+            </a:r>
+            <a:r>
+              <a:rPr lang="it-IT" dirty="0" err="1" smtClean="0"/>
+              <a:t>Dispatch</a:t>
+            </a:r>
+            <a:r>
+              <a:rPr lang="it-IT" dirty="0" smtClean="0"/>
+              <a:t> </a:t>
+            </a:r>
+            <a:r>
+              <a:rPr lang="it-IT" dirty="0" err="1" smtClean="0"/>
+              <a:t>Actions</a:t>
+            </a:r>
+            <a:endParaRPr lang="it-IT" dirty="0"/>
+          </a:p>
+        </p:txBody>
+      </p:sp>
+      <p:sp>
+        <p:nvSpPr>
+          <p:cNvPr id="3" name="Segnaposto contenuto 2"/>
+          <p:cNvSpPr>
+            <a:spLocks noGrp="1"/>
+          </p:cNvSpPr>
+          <p:nvPr>
+            <p:ph idx="1"/>
+          </p:nvPr>
+        </p:nvSpPr>
+        <p:spPr/>
+        <p:txBody>
+          <a:bodyPr/>
+          <a:lstStyle/>
+          <a:p>
+            <a:endParaRPr lang="it-IT" dirty="0" smtClean="0"/>
+          </a:p>
+          <a:p>
+            <a:r>
+              <a:rPr lang="it-IT" dirty="0" err="1" smtClean="0"/>
+              <a:t>Inject</a:t>
+            </a:r>
+            <a:r>
+              <a:rPr lang="it-IT" dirty="0" smtClean="0"/>
+              <a:t> the </a:t>
+            </a:r>
+            <a:r>
+              <a:rPr lang="it-IT" dirty="0" err="1" smtClean="0"/>
+              <a:t>Store</a:t>
+            </a:r>
+            <a:r>
+              <a:rPr lang="it-IT" dirty="0" smtClean="0"/>
+              <a:t> service and call the </a:t>
+            </a:r>
+            <a:r>
+              <a:rPr lang="it-IT" dirty="0" err="1" smtClean="0"/>
+              <a:t>Dispatch</a:t>
+            </a:r>
+            <a:r>
+              <a:rPr lang="it-IT" dirty="0" smtClean="0"/>
+              <a:t> </a:t>
+            </a:r>
+            <a:r>
+              <a:rPr lang="it-IT" dirty="0" err="1" smtClean="0"/>
+              <a:t>method</a:t>
+            </a:r>
+            <a:r>
+              <a:rPr lang="it-IT" dirty="0" smtClean="0"/>
+              <a:t>:</a:t>
+            </a:r>
+          </a:p>
+          <a:p>
+            <a:endParaRPr lang="it-IT" dirty="0"/>
+          </a:p>
+          <a:p>
+            <a:r>
+              <a:rPr lang="it-IT" dirty="0" err="1">
+                <a:solidFill>
+                  <a:srgbClr val="0000FF"/>
+                </a:solidFill>
+                <a:latin typeface="Consolas"/>
+              </a:rPr>
+              <a:t>this</a:t>
+            </a:r>
+            <a:r>
+              <a:rPr lang="it-IT" dirty="0" err="1">
+                <a:solidFill>
+                  <a:srgbClr val="000000"/>
+                </a:solidFill>
+                <a:latin typeface="Consolas"/>
+              </a:rPr>
+              <a:t>.</a:t>
+            </a:r>
+            <a:r>
+              <a:rPr lang="it-IT" dirty="0" err="1">
+                <a:solidFill>
+                  <a:srgbClr val="001080"/>
+                </a:solidFill>
+                <a:latin typeface="Consolas"/>
+              </a:rPr>
+              <a:t>store</a:t>
+            </a:r>
+            <a:r>
+              <a:rPr lang="it-IT" dirty="0" err="1">
+                <a:solidFill>
+                  <a:srgbClr val="000000"/>
+                </a:solidFill>
+                <a:latin typeface="Consolas"/>
+              </a:rPr>
+              <a:t>.</a:t>
+            </a:r>
+            <a:r>
+              <a:rPr lang="it-IT" dirty="0" err="1">
+                <a:solidFill>
+                  <a:srgbClr val="795E26"/>
+                </a:solidFill>
+                <a:latin typeface="Consolas"/>
+              </a:rPr>
+              <a:t>dispatch</a:t>
+            </a:r>
+            <a:r>
+              <a:rPr lang="it-IT" dirty="0">
+                <a:solidFill>
+                  <a:srgbClr val="000000"/>
+                </a:solidFill>
+                <a:latin typeface="Consolas"/>
+              </a:rPr>
+              <a:t>(</a:t>
+            </a:r>
+            <a:r>
+              <a:rPr lang="it-IT" dirty="0">
+                <a:solidFill>
+                  <a:srgbClr val="0000FF"/>
+                </a:solidFill>
+                <a:latin typeface="Consolas"/>
+              </a:rPr>
+              <a:t>new</a:t>
+            </a:r>
+            <a:r>
+              <a:rPr lang="it-IT" dirty="0">
+                <a:solidFill>
+                  <a:srgbClr val="000000"/>
+                </a:solidFill>
+                <a:latin typeface="Consolas"/>
+              </a:rPr>
+              <a:t> </a:t>
+            </a:r>
+            <a:r>
+              <a:rPr lang="it-IT" dirty="0" err="1">
+                <a:solidFill>
+                  <a:srgbClr val="267F99"/>
+                </a:solidFill>
+                <a:latin typeface="Consolas"/>
+              </a:rPr>
+              <a:t>Increment</a:t>
+            </a:r>
+            <a:r>
+              <a:rPr lang="it-IT" dirty="0">
+                <a:solidFill>
+                  <a:srgbClr val="000000"/>
+                </a:solidFill>
+                <a:latin typeface="Consolas"/>
+              </a:rPr>
+              <a:t>());</a:t>
+            </a:r>
+          </a:p>
+          <a:p>
+            <a:endParaRPr lang="it-IT" dirty="0"/>
+          </a:p>
+        </p:txBody>
+      </p:sp>
+    </p:spTree>
+    <p:extLst>
+      <p:ext uri="{BB962C8B-B14F-4D97-AF65-F5344CB8AC3E}">
+        <p14:creationId xmlns:p14="http://schemas.microsoft.com/office/powerpoint/2010/main" val="448024132"/>
+      </p:ext>
+    </p:extLst>
+  </p:cSld>
+  <p:clrMapOvr>
+    <a:masterClrMapping/>
+  </p:clrMapOvr>
+  <p:timing>
+    <p:tnLst>
+      <p:par>
+        <p:cTn id="1" dur="indefinite" restart="never" nodeType="tmRoot"/>
+      </p:par>
+    </p:tnLst>
+  </p:timing>
+</p:sld>
+</file>
+
+<file path=ppt/slides/slide19.xml><?xml version="1.0" encoding="utf-8"?>
+<p:sld xmlns:a="http://schemas.openxmlformats.org/drawingml/2006/main" xmlns:r="http://schemas.openxmlformats.org/officeDocument/2006/relationships" xmlns:p="http://schemas.openxmlformats.org/presentationml/2006/main">
+  <p:cSld>
+    <p:spTree>
+      <p:nvGrpSpPr>
+        <p:cNvPr id="1" name=""/>
+        <p:cNvGrpSpPr/>
+        <p:nvPr/>
+      </p:nvGrpSpPr>
+      <p:grpSpPr>
+        <a:xfrm>
+          <a:off x="0" y="0"/>
+          <a:ext cx="0" cy="0"/>
+          <a:chOff x="0" y="0"/>
+          <a:chExt cx="0" cy="0"/>
+        </a:xfrm>
+      </p:grpSpPr>
+      <p:sp>
+        <p:nvSpPr>
+          <p:cNvPr id="2" name="Titolo 1"/>
+          <p:cNvSpPr>
+            <a:spLocks noGrp="1"/>
+          </p:cNvSpPr>
+          <p:nvPr>
+            <p:ph type="title"/>
+          </p:nvPr>
+        </p:nvSpPr>
+        <p:spPr/>
+        <p:txBody>
+          <a:bodyPr/>
+          <a:lstStyle/>
+          <a:p>
+            <a:r>
+              <a:rPr lang="it-IT" dirty="0" err="1" smtClean="0"/>
+              <a:t>NgRx</a:t>
+            </a:r>
+            <a:r>
+              <a:rPr lang="it-IT" dirty="0" smtClean="0"/>
+              <a:t>/</a:t>
+            </a:r>
+            <a:r>
+              <a:rPr lang="it-IT" dirty="0" err="1" smtClean="0"/>
+              <a:t>Effects</a:t>
+            </a:r>
+            <a:r>
+              <a:rPr lang="it-IT" dirty="0" smtClean="0"/>
+              <a:t>: </a:t>
+            </a:r>
+            <a:r>
+              <a:rPr lang="it-IT" sz="4000" dirty="0" smtClean="0"/>
+              <a:t>a side </a:t>
+            </a:r>
+            <a:r>
+              <a:rPr lang="it-IT" sz="4000" dirty="0" err="1" smtClean="0"/>
+              <a:t>effect</a:t>
+            </a:r>
+            <a:r>
+              <a:rPr lang="it-IT" sz="4000" dirty="0" smtClean="0"/>
+              <a:t> model for </a:t>
+            </a:r>
+            <a:r>
+              <a:rPr lang="it-IT" sz="4000" dirty="0" err="1" smtClean="0"/>
+              <a:t>ngrx</a:t>
+            </a:r>
+            <a:r>
+              <a:rPr lang="it-IT" sz="4000" dirty="0" smtClean="0"/>
+              <a:t>/</a:t>
+            </a:r>
+            <a:r>
+              <a:rPr lang="it-IT" sz="4000" dirty="0" err="1" smtClean="0"/>
+              <a:t>store</a:t>
+            </a:r>
+            <a:endParaRPr lang="it-IT" sz="4000" dirty="0"/>
+          </a:p>
+        </p:txBody>
+      </p:sp>
+      <p:sp>
+        <p:nvSpPr>
+          <p:cNvPr id="3" name="Segnaposto contenuto 2"/>
+          <p:cNvSpPr>
+            <a:spLocks noGrp="1"/>
+          </p:cNvSpPr>
+          <p:nvPr>
+            <p:ph idx="1"/>
+          </p:nvPr>
+        </p:nvSpPr>
+        <p:spPr/>
+        <p:txBody>
+          <a:bodyPr/>
+          <a:lstStyle/>
+          <a:p>
+            <a:endParaRPr lang="it-IT" dirty="0" smtClean="0"/>
+          </a:p>
+          <a:p>
+            <a:r>
+              <a:rPr lang="en-US" dirty="0" smtClean="0"/>
+              <a:t>Listen </a:t>
+            </a:r>
+            <a:r>
+              <a:rPr lang="en-US" dirty="0"/>
+              <a:t>for actions dispatched from @</a:t>
+            </a:r>
+            <a:r>
+              <a:rPr lang="en-US" dirty="0" err="1"/>
+              <a:t>ngrx</a:t>
+            </a:r>
+            <a:r>
+              <a:rPr lang="en-US" dirty="0"/>
+              <a:t>/store.</a:t>
+            </a:r>
+          </a:p>
+          <a:p>
+            <a:r>
+              <a:rPr lang="en-US" dirty="0" smtClean="0"/>
+              <a:t>Isolate </a:t>
+            </a:r>
+            <a:r>
+              <a:rPr lang="en-US" dirty="0"/>
+              <a:t>side effects </a:t>
+            </a:r>
+            <a:r>
+              <a:rPr lang="en-US" dirty="0" smtClean="0"/>
+              <a:t>(i.e.: access </a:t>
+            </a:r>
+            <a:r>
+              <a:rPr lang="en-US" dirty="0"/>
+              <a:t>to external services, business logic, </a:t>
+            </a:r>
+            <a:r>
+              <a:rPr lang="en-US" dirty="0" smtClean="0"/>
+              <a:t>etc.) </a:t>
+            </a:r>
+            <a:r>
+              <a:rPr lang="en-US" dirty="0"/>
+              <a:t>from components, promoting the creation of more 'pure' components that select state and dispatch actions.</a:t>
+            </a:r>
+          </a:p>
+          <a:p>
+            <a:r>
+              <a:rPr lang="en-US" dirty="0" smtClean="0"/>
+              <a:t>Provide </a:t>
+            </a:r>
+            <a:r>
+              <a:rPr lang="en-US" dirty="0"/>
+              <a:t>new sources of actions based on external interactions such as network requests, web socket messages and time-based events.</a:t>
+            </a:r>
+          </a:p>
+          <a:p>
+            <a:r>
+              <a:rPr lang="en-US" smtClean="0"/>
+              <a:t>An </a:t>
+            </a:r>
+            <a:r>
+              <a:rPr lang="en-US" dirty="0"/>
+              <a:t>Effect is an Observable&lt;Action | Action[]&gt; that should emit non empty arrays of Actions that will (optionally) be dispatched to the Store by the library itself.</a:t>
+            </a:r>
+          </a:p>
+          <a:p>
+            <a:endParaRPr lang="it-IT" dirty="0"/>
+          </a:p>
+        </p:txBody>
+      </p:sp>
+    </p:spTree>
+    <p:extLst>
+      <p:ext uri="{BB962C8B-B14F-4D97-AF65-F5344CB8AC3E}">
+        <p14:creationId xmlns:p14="http://schemas.microsoft.com/office/powerpoint/2010/main" val="391802673"/>
+      </p:ext>
+    </p:extLst>
+  </p:cSld>
+  <p:clrMapOvr>
+    <a:masterClrMapping/>
+  </p:clrMapOvr>
+  <p:timing>
+    <p:tnLst>
+      <p:par>
+        <p:cTn id="1" dur="indefinite" restart="never" nodeType="tmRoot"/>
+      </p:par>
+    </p:tnLst>
+  </p:timing>
+</p:sld>
+</file>
+
+<file path=ppt/slides/slide2.xml><?xml version="1.0" encoding="utf-8"?>
+<p:sld xmlns:a="http://schemas.openxmlformats.org/drawingml/2006/main" xmlns:r="http://schemas.openxmlformats.org/officeDocument/2006/relationships" xmlns:p="http://schemas.openxmlformats.org/presentationml/2006/main">
+  <p:cSld>
+    <p:spTree>
+      <p:nvGrpSpPr>
+        <p:cNvPr id="1" name=""/>
+        <p:cNvGrpSpPr/>
+        <p:nvPr/>
+      </p:nvGrpSpPr>
+      <p:grpSpPr>
+        <a:xfrm>
+          <a:off x="0" y="0"/>
+          <a:ext cx="0" cy="0"/>
+          <a:chOff x="0" y="0"/>
+          <a:chExt cx="0" cy="0"/>
+        </a:xfrm>
+      </p:grpSpPr>
+      <p:sp>
+        <p:nvSpPr>
+          <p:cNvPr id="2" name="Titolo 1"/>
+          <p:cNvSpPr>
+            <a:spLocks noGrp="1"/>
+          </p:cNvSpPr>
+          <p:nvPr>
+            <p:ph type="title"/>
+          </p:nvPr>
+        </p:nvSpPr>
+        <p:spPr/>
+        <p:txBody>
+          <a:bodyPr/>
+          <a:lstStyle/>
+          <a:p>
+            <a:r>
+              <a:rPr lang="it-IT" dirty="0" err="1" smtClean="0"/>
+              <a:t>What</a:t>
+            </a:r>
+            <a:r>
+              <a:rPr lang="it-IT" dirty="0" smtClean="0"/>
+              <a:t> </a:t>
+            </a:r>
+            <a:r>
+              <a:rPr lang="it-IT" dirty="0" err="1" smtClean="0"/>
+              <a:t>is</a:t>
+            </a:r>
+            <a:r>
+              <a:rPr lang="it-IT" dirty="0" smtClean="0"/>
+              <a:t> </a:t>
+            </a:r>
+            <a:r>
+              <a:rPr lang="it-IT" dirty="0" err="1" smtClean="0"/>
+              <a:t>NgRx</a:t>
+            </a:r>
+            <a:r>
+              <a:rPr lang="it-IT" dirty="0" smtClean="0"/>
+              <a:t> ?</a:t>
+            </a:r>
+            <a:endParaRPr lang="it-IT" dirty="0"/>
+          </a:p>
+        </p:txBody>
+      </p:sp>
+      <p:sp>
+        <p:nvSpPr>
+          <p:cNvPr id="3" name="Segnaposto contenuto 2"/>
+          <p:cNvSpPr>
+            <a:spLocks noGrp="1"/>
+          </p:cNvSpPr>
+          <p:nvPr>
+            <p:ph idx="1"/>
+          </p:nvPr>
+        </p:nvSpPr>
+        <p:spPr/>
+        <p:txBody>
+          <a:bodyPr>
+            <a:normAutofit/>
+          </a:bodyPr>
+          <a:lstStyle/>
+          <a:p>
+            <a:endParaRPr lang="it-IT" dirty="0" smtClean="0"/>
+          </a:p>
+          <a:p>
+            <a:endParaRPr lang="it-IT" dirty="0" smtClean="0"/>
+          </a:p>
+          <a:p>
+            <a:r>
+              <a:rPr lang="it-IT" sz="3200" dirty="0" err="1" smtClean="0"/>
+              <a:t>It’s</a:t>
+            </a:r>
+            <a:r>
+              <a:rPr lang="it-IT" sz="3200" dirty="0" smtClean="0"/>
+              <a:t> a </a:t>
+            </a:r>
+            <a:r>
+              <a:rPr lang="it-IT" sz="3200" dirty="0" err="1" smtClean="0"/>
+              <a:t>Reactive</a:t>
+            </a:r>
+            <a:r>
+              <a:rPr lang="it-IT" sz="3200" dirty="0" smtClean="0"/>
+              <a:t> State Management </a:t>
+            </a:r>
+            <a:r>
+              <a:rPr lang="it-IT" sz="3200" dirty="0" err="1" smtClean="0"/>
+              <a:t>library</a:t>
+            </a:r>
+            <a:r>
+              <a:rPr lang="it-IT" sz="3200" dirty="0" smtClean="0"/>
+              <a:t> for </a:t>
+            </a:r>
+            <a:r>
+              <a:rPr lang="it-IT" sz="3200" dirty="0" err="1" smtClean="0"/>
+              <a:t>Angular</a:t>
+            </a:r>
+            <a:r>
+              <a:rPr lang="it-IT" sz="3200" dirty="0" smtClean="0"/>
+              <a:t>.</a:t>
+            </a:r>
+          </a:p>
+          <a:p>
+            <a:endParaRPr lang="it-IT" sz="3200" dirty="0" smtClean="0"/>
+          </a:p>
+          <a:p>
+            <a:r>
+              <a:rPr lang="it-IT" sz="3200" dirty="0" smtClean="0"/>
+              <a:t>At </a:t>
+            </a:r>
+            <a:r>
+              <a:rPr lang="it-IT" sz="3200" dirty="0" err="1" smtClean="0"/>
+              <a:t>its</a:t>
+            </a:r>
+            <a:r>
+              <a:rPr lang="it-IT" sz="3200" dirty="0" smtClean="0"/>
+              <a:t> Core </a:t>
+            </a:r>
+            <a:r>
+              <a:rPr lang="it-IT" sz="3200" dirty="0" err="1" smtClean="0"/>
+              <a:t>it’s</a:t>
+            </a:r>
+            <a:r>
+              <a:rPr lang="it-IT" sz="3200" dirty="0" smtClean="0"/>
+              <a:t> the </a:t>
+            </a:r>
+            <a:r>
+              <a:rPr lang="it-IT" sz="3200" dirty="0" err="1" smtClean="0"/>
+              <a:t>Redux</a:t>
+            </a:r>
+            <a:r>
+              <a:rPr lang="it-IT" sz="3200" dirty="0" smtClean="0"/>
+              <a:t> State Management Pattern + </a:t>
+            </a:r>
+            <a:r>
+              <a:rPr lang="it-IT" sz="3200" dirty="0" err="1" smtClean="0"/>
+              <a:t>Angular</a:t>
+            </a:r>
+            <a:r>
+              <a:rPr lang="it-IT" sz="3200" dirty="0" smtClean="0"/>
+              <a:t> Extensions.</a:t>
+            </a:r>
+          </a:p>
+          <a:p>
+            <a:endParaRPr lang="it-IT" dirty="0"/>
+          </a:p>
+          <a:p>
+            <a:endParaRPr lang="it-IT" dirty="0"/>
+          </a:p>
+          <a:p>
+            <a:endParaRPr lang="it-IT" dirty="0"/>
+          </a:p>
+        </p:txBody>
+      </p:sp>
+    </p:spTree>
+    <p:extLst>
+      <p:ext uri="{BB962C8B-B14F-4D97-AF65-F5344CB8AC3E}">
+        <p14:creationId xmlns:p14="http://schemas.microsoft.com/office/powerpoint/2010/main" val="3130042911"/>
+      </p:ext>
+    </p:extLst>
+  </p:cSld>
+  <p:clrMapOvr>
+    <a:masterClrMapping/>
+  </p:clrMapOvr>
+  <p:timing>
+    <p:tnLst>
+      <p:par>
+        <p:cTn id="1" dur="indefinite" restart="never" nodeType="tmRoot">
+          <p:childTnLst>
+            <p:seq concurrent="1" nextAc="seek">
+              <p:cTn id="2" dur="indefinite" nodeType="mainSeq">
+                <p:childTnLst>
+                  <p:par>
+                    <p:cTn id="3" fill="hold">
+                      <p:stCondLst>
+                        <p:cond delay="indefinite"/>
+                      </p:stCondLst>
+                      <p:childTnLst>
+                        <p:par>
+                          <p:cTn id="4" fill="hold">
+                            <p:stCondLst>
+                              <p:cond delay="0"/>
+                            </p:stCondLst>
+                            <p:childTnLst>
+                              <p:par>
+                                <p:cTn id="5" presetID="10" presetClass="entr" presetSubtype="0" fill="hold" nodeType="clickEffect">
+                                  <p:stCondLst>
+                                    <p:cond delay="0"/>
+                                  </p:stCondLst>
+                                  <p:childTnLst>
+                                    <p:set>
+                                      <p:cBhvr>
+                                        <p:cTn id="6" dur="1" fill="hold">
+                                          <p:stCondLst>
+                                            <p:cond delay="0"/>
+                                          </p:stCondLst>
+                                        </p:cTn>
+                                        <p:tgtEl>
+                                          <p:spTgt spid="3">
+                                            <p:txEl>
+                                              <p:pRg st="2" end="2"/>
+                                            </p:txEl>
+                                          </p:spTgt>
+                                        </p:tgtEl>
+                                        <p:attrNameLst>
+                                          <p:attrName>style.visibility</p:attrName>
+                                        </p:attrNameLst>
+                                      </p:cBhvr>
+                                      <p:to>
+                                        <p:strVal val="visible"/>
+                                      </p:to>
+                                    </p:set>
+                                    <p:animEffect transition="in" filter="fade">
+                                      <p:cBhvr>
+                                        <p:cTn id="7" dur="500"/>
+                                        <p:tgtEl>
+                                          <p:spTgt spid="3">
+                                            <p:txEl>
+                                              <p:pRg st="2" end="2"/>
+                                            </p:txEl>
+                                          </p:spTgt>
+                                        </p:tgtEl>
+                                      </p:cBhvr>
+                                    </p:animEffect>
+                                  </p:childTnLst>
+                                </p:cTn>
+                              </p:par>
+                            </p:childTnLst>
+                          </p:cTn>
+                        </p:par>
+                      </p:childTnLst>
+                    </p:cTn>
+                  </p:par>
+                  <p:par>
+                    <p:cTn id="8" fill="hold">
+                      <p:stCondLst>
+                        <p:cond delay="indefinite"/>
+                      </p:stCondLst>
+                      <p:childTnLst>
+                        <p:par>
+                          <p:cTn id="9" fill="hold">
+                            <p:stCondLst>
+                              <p:cond delay="0"/>
+                            </p:stCondLst>
+                            <p:childTnLst>
+                              <p:par>
+                                <p:cTn id="10" presetID="10" presetClass="entr" presetSubtype="0" fill="hold" nodeType="clickEffect">
+                                  <p:stCondLst>
+                                    <p:cond delay="0"/>
+                                  </p:stCondLst>
+                                  <p:childTnLst>
+                                    <p:set>
+                                      <p:cBhvr>
+                                        <p:cTn id="11" dur="1" fill="hold">
+                                          <p:stCondLst>
+                                            <p:cond delay="0"/>
+                                          </p:stCondLst>
+                                        </p:cTn>
+                                        <p:tgtEl>
+                                          <p:spTgt spid="3">
+                                            <p:txEl>
+                                              <p:pRg st="4" end="4"/>
+                                            </p:txEl>
+                                          </p:spTgt>
+                                        </p:tgtEl>
+                                        <p:attrNameLst>
+                                          <p:attrName>style.visibility</p:attrName>
+                                        </p:attrNameLst>
+                                      </p:cBhvr>
+                                      <p:to>
+                                        <p:strVal val="visible"/>
+                                      </p:to>
+                                    </p:set>
+                                    <p:animEffect transition="in" filter="fade">
+                                      <p:cBhvr>
+                                        <p:cTn id="12" dur="500"/>
+                                        <p:tgtEl>
+                                          <p:spTgt spid="3">
+                                            <p:txEl>
+                                              <p:pRg st="4" end="4"/>
+                                            </p:txEl>
+                                          </p:spTgt>
+                                        </p:tgtEl>
+                                      </p:cBhvr>
+                                    </p:animEffect>
+                                  </p:childTnLst>
+                                </p:cTn>
+                              </p:par>
+                            </p:childTnLst>
+                          </p:cTn>
+                        </p:par>
+                      </p:childTnLst>
+                    </p:cTn>
+                  </p:par>
+                </p:childTnLst>
+              </p:cTn>
+              <p:prevCondLst>
+                <p:cond evt="onPrev" delay="0">
+                  <p:tgtEl>
+                    <p:sldTgt/>
+                  </p:tgtEl>
+                </p:cond>
+              </p:prevCondLst>
+              <p:nextCondLst>
+                <p:cond evt="onNext" delay="0">
+                  <p:tgtEl>
+                    <p:sldTgt/>
+                  </p:tgtEl>
+                </p:cond>
+              </p:nextCondLst>
+            </p:seq>
+          </p:childTnLst>
+        </p:cTn>
+      </p:par>
+    </p:tnLst>
+  </p:timing>
+</p:sld>
+</file>
+
+<file path=ppt/slides/slide20.xml><?xml version="1.0" encoding="utf-8"?>
 <p:sld xmlns:a="http://schemas.openxmlformats.org/drawingml/2006/main" xmlns:r="http://schemas.openxmlformats.org/officeDocument/2006/relationships" xmlns:p="http://schemas.openxmlformats.org/presentationml/2006/main">
   <p:cSld>
     <p:spTree>
@@ -7827,7 +13689,7 @@
 </p:sld>
 </file>
 
-<file path=ppt/slides/slide13.xml><?xml version="1.0" encoding="utf-8"?>
+<file path=ppt/slides/slide21.xml><?xml version="1.0" encoding="utf-8"?>
 <p:sld xmlns:a="http://schemas.openxmlformats.org/drawingml/2006/main" xmlns:r="http://schemas.openxmlformats.org/officeDocument/2006/relationships" xmlns:p="http://schemas.openxmlformats.org/presentationml/2006/main">
   <p:cSld>
     <p:spTree>
@@ -7930,7 +13792,7 @@
 </p:sld>
 </file>
 
-<file path=ppt/slides/slide14.xml><?xml version="1.0" encoding="utf-8"?>
+<file path=ppt/slides/slide22.xml><?xml version="1.0" encoding="utf-8"?>
 <p:sld xmlns:a="http://schemas.openxmlformats.org/drawingml/2006/main" xmlns:r="http://schemas.openxmlformats.org/officeDocument/2006/relationships" xmlns:p="http://schemas.openxmlformats.org/presentationml/2006/main">
   <p:cSld>
     <p:spTree>
@@ -7979,14 +13841,14 @@
               <a:t> </a:t>
             </a:r>
             <a:r>
-              <a:rPr lang="it-IT" smtClean="0">
+              <a:rPr lang="it-IT" dirty="0" err="1" smtClean="0">
                 <a:solidFill>
                   <a:srgbClr val="FF0000"/>
                 </a:solidFill>
               </a:rPr>
               <a:t>devtools</a:t>
             </a:r>
-            <a:endParaRPr lang="it-IT">
+            <a:endParaRPr lang="it-IT" dirty="0">
               <a:solidFill>
                 <a:srgbClr val="FF0000"/>
               </a:solidFill>
@@ -8033,7 +13895,7 @@
 </p:sld>
 </file>
 
-<file path=ppt/slides/slide15.xml><?xml version="1.0" encoding="utf-8"?>
+<file path=ppt/slides/slide23.xml><?xml version="1.0" encoding="utf-8"?>
 <p:sld xmlns:a="http://schemas.openxmlformats.org/drawingml/2006/main" xmlns:r="http://schemas.openxmlformats.org/officeDocument/2006/relationships" xmlns:p="http://schemas.openxmlformats.org/presentationml/2006/main">
   <p:cSld>
     <p:spTree>
@@ -8135,8 +13997,39 @@
               <a:buChar char="•"/>
             </a:pPr>
             <a:r>
-              <a:rPr lang="it-IT" sz="2800" dirty="0" err="1"/>
+              <a:rPr lang="it-IT" sz="2800" dirty="0" err="1" smtClean="0"/>
               <a:t>Testablity</a:t>
+            </a:r>
+            <a:endParaRPr lang="it-IT" sz="2800" dirty="0" smtClean="0"/>
+          </a:p>
+          <a:p>
+            <a:pPr>
+              <a:buFont typeface="Arial" panose="020B0604020202020204" pitchFamily="34" charset="0"/>
+              <a:buChar char="•"/>
+            </a:pPr>
+            <a:r>
+              <a:rPr lang="it-IT" sz="2800" dirty="0" smtClean="0"/>
+              <a:t>«Pure» Components: </a:t>
+            </a:r>
+            <a:r>
+              <a:rPr lang="it-IT" sz="2800" dirty="0" err="1" smtClean="0"/>
+              <a:t>select</a:t>
+            </a:r>
+            <a:r>
+              <a:rPr lang="it-IT" sz="2800" dirty="0" smtClean="0"/>
+              <a:t> state, </a:t>
+            </a:r>
+            <a:r>
+              <a:rPr lang="it-IT" sz="2800" dirty="0" err="1" smtClean="0"/>
+              <a:t>dispatch</a:t>
+            </a:r>
+            <a:r>
+              <a:rPr lang="it-IT" sz="2800" dirty="0" smtClean="0"/>
+              <a:t> </a:t>
+            </a:r>
+            <a:r>
+              <a:rPr lang="it-IT" sz="2800" dirty="0" err="1" smtClean="0"/>
+              <a:t>actions</a:t>
             </a:r>
             <a:endParaRPr lang="it-IT" sz="2800" dirty="0"/>
           </a:p>
@@ -8187,7 +14080,7 @@
 </p:sld>
 </file>
 
-<file path=ppt/slides/slide16.xml><?xml version="1.0" encoding="utf-8"?>
+<file path=ppt/slides/slide24.xml><?xml version="1.0" encoding="utf-8"?>
 <p:sld xmlns:a="http://schemas.openxmlformats.org/drawingml/2006/main" xmlns:r="http://schemas.openxmlformats.org/officeDocument/2006/relationships" xmlns:p="http://schemas.openxmlformats.org/presentationml/2006/main">
   <p:cSld>
     <p:spTree>
@@ -8392,7 +14285,7 @@
 </p:sld>
 </file>
 
-<file path=ppt/slides/slide17.xml><?xml version="1.0" encoding="utf-8"?>
+<file path=ppt/slides/slide25.xml><?xml version="1.0" encoding="utf-8"?>
 <p:sld xmlns:a="http://schemas.openxmlformats.org/drawingml/2006/main" xmlns:r="http://schemas.openxmlformats.org/officeDocument/2006/relationships" xmlns:p="http://schemas.openxmlformats.org/presentationml/2006/main">
   <p:cSld>
     <p:spTree>
@@ -8523,7 +14416,7 @@
 </p:sld>
 </file>
 
-<file path=ppt/slides/slide18.xml><?xml version="1.0" encoding="utf-8"?>
+<file path=ppt/slides/slide26.xml><?xml version="1.0" encoding="utf-8"?>
 <p:sld xmlns:a="http://schemas.openxmlformats.org/drawingml/2006/main" xmlns:r="http://schemas.openxmlformats.org/officeDocument/2006/relationships" xmlns:p="http://schemas.openxmlformats.org/presentationml/2006/main">
   <p:cSld>
     <p:spTree>
@@ -8942,339 +14835,6 @@
     <p:tnLst>
       <p:par>
         <p:cTn id="1" dur="indefinite" restart="never" nodeType="tmRoot"/>
-      </p:par>
-    </p:tnLst>
-  </p:timing>
-</p:sld>
-</file>
-
-<file path=ppt/slides/slide2.xml><?xml version="1.0" encoding="utf-8"?>
-<p:sld xmlns:a="http://schemas.openxmlformats.org/drawingml/2006/main" xmlns:r="http://schemas.openxmlformats.org/officeDocument/2006/relationships" xmlns:p="http://schemas.openxmlformats.org/presentationml/2006/main">
-  <p:cSld>
-    <p:spTree>
-      <p:nvGrpSpPr>
-        <p:cNvPr id="1" name=""/>
-        <p:cNvGrpSpPr/>
-        <p:nvPr/>
-      </p:nvGrpSpPr>
-      <p:grpSpPr>
-        <a:xfrm>
-          <a:off x="0" y="0"/>
-          <a:ext cx="0" cy="0"/>
-          <a:chOff x="0" y="0"/>
-          <a:chExt cx="0" cy="0"/>
-        </a:xfrm>
-      </p:grpSpPr>
-      <p:sp>
-        <p:nvSpPr>
-          <p:cNvPr id="2" name="Titolo 1"/>
-          <p:cNvSpPr>
-            <a:spLocks noGrp="1"/>
-          </p:cNvSpPr>
-          <p:nvPr>
-            <p:ph type="title"/>
-          </p:nvPr>
-        </p:nvSpPr>
-        <p:spPr/>
-        <p:txBody>
-          <a:bodyPr/>
-          <a:lstStyle/>
-          <a:p>
-            <a:r>
-              <a:rPr lang="it-IT" dirty="0" err="1" smtClean="0"/>
-              <a:t>What</a:t>
-            </a:r>
-            <a:r>
-              <a:rPr lang="it-IT" dirty="0" smtClean="0"/>
-              <a:t> </a:t>
-            </a:r>
-            <a:r>
-              <a:rPr lang="it-IT" dirty="0" err="1" smtClean="0"/>
-              <a:t>is</a:t>
-            </a:r>
-            <a:r>
-              <a:rPr lang="it-IT" dirty="0" smtClean="0"/>
-              <a:t> </a:t>
-            </a:r>
-            <a:r>
-              <a:rPr lang="it-IT" dirty="0" err="1" smtClean="0"/>
-              <a:t>NgRx</a:t>
-            </a:r>
-            <a:r>
-              <a:rPr lang="it-IT" dirty="0" smtClean="0"/>
-              <a:t> ?</a:t>
-            </a:r>
-            <a:endParaRPr lang="it-IT" dirty="0"/>
-          </a:p>
-        </p:txBody>
-      </p:sp>
-      <p:sp>
-        <p:nvSpPr>
-          <p:cNvPr id="3" name="Segnaposto contenuto 2"/>
-          <p:cNvSpPr>
-            <a:spLocks noGrp="1"/>
-          </p:cNvSpPr>
-          <p:nvPr>
-            <p:ph idx="1"/>
-          </p:nvPr>
-        </p:nvSpPr>
-        <p:spPr/>
-        <p:txBody>
-          <a:bodyPr>
-            <a:normAutofit/>
-          </a:bodyPr>
-          <a:lstStyle/>
-          <a:p>
-            <a:endParaRPr lang="it-IT" dirty="0" smtClean="0"/>
-          </a:p>
-          <a:p>
-            <a:endParaRPr lang="it-IT" dirty="0" smtClean="0"/>
-          </a:p>
-          <a:p>
-            <a:r>
-              <a:rPr lang="it-IT" sz="3200" dirty="0" err="1" smtClean="0"/>
-              <a:t>It’s</a:t>
-            </a:r>
-            <a:r>
-              <a:rPr lang="it-IT" sz="3200" dirty="0" smtClean="0"/>
-              <a:t> a </a:t>
-            </a:r>
-            <a:r>
-              <a:rPr lang="it-IT" sz="3200" dirty="0" err="1" smtClean="0"/>
-              <a:t>Reactive</a:t>
-            </a:r>
-            <a:r>
-              <a:rPr lang="it-IT" sz="3200" dirty="0" smtClean="0"/>
-              <a:t> State Management </a:t>
-            </a:r>
-            <a:r>
-              <a:rPr lang="it-IT" sz="3200" dirty="0" err="1" smtClean="0"/>
-              <a:t>library</a:t>
-            </a:r>
-            <a:r>
-              <a:rPr lang="it-IT" sz="3200" dirty="0" smtClean="0"/>
-              <a:t> for </a:t>
-            </a:r>
-            <a:r>
-              <a:rPr lang="it-IT" sz="3200" dirty="0" err="1" smtClean="0"/>
-              <a:t>Angular</a:t>
-            </a:r>
-            <a:r>
-              <a:rPr lang="it-IT" sz="3200" dirty="0" smtClean="0"/>
-              <a:t>.</a:t>
-            </a:r>
-          </a:p>
-          <a:p>
-            <a:endParaRPr lang="it-IT" sz="3200" dirty="0" smtClean="0"/>
-          </a:p>
-          <a:p>
-            <a:r>
-              <a:rPr lang="it-IT" sz="3200" dirty="0" smtClean="0"/>
-              <a:t>At </a:t>
-            </a:r>
-            <a:r>
-              <a:rPr lang="it-IT" sz="3200" dirty="0" err="1" smtClean="0"/>
-              <a:t>its</a:t>
-            </a:r>
-            <a:r>
-              <a:rPr lang="it-IT" sz="3200" dirty="0" smtClean="0"/>
-              <a:t> Core </a:t>
-            </a:r>
-            <a:r>
-              <a:rPr lang="it-IT" sz="3200" dirty="0" err="1" smtClean="0"/>
-              <a:t>it’s</a:t>
-            </a:r>
-            <a:r>
-              <a:rPr lang="it-IT" sz="3200" dirty="0" smtClean="0"/>
-              <a:t> the </a:t>
-            </a:r>
-            <a:r>
-              <a:rPr lang="it-IT" sz="3200" dirty="0" err="1" smtClean="0"/>
-              <a:t>Redux</a:t>
-            </a:r>
-            <a:r>
-              <a:rPr lang="it-IT" sz="3200" dirty="0" smtClean="0"/>
-              <a:t> State Management Pattern + </a:t>
-            </a:r>
-            <a:r>
-              <a:rPr lang="it-IT" sz="3200" dirty="0" err="1" smtClean="0"/>
-              <a:t>Angular</a:t>
-            </a:r>
-            <a:r>
-              <a:rPr lang="it-IT" sz="3200" dirty="0" smtClean="0"/>
-              <a:t> Extensions.</a:t>
-            </a:r>
-          </a:p>
-          <a:p>
-            <a:endParaRPr lang="it-IT" dirty="0"/>
-          </a:p>
-          <a:p>
-            <a:endParaRPr lang="it-IT" dirty="0"/>
-          </a:p>
-          <a:p>
-            <a:endParaRPr lang="it-IT" dirty="0"/>
-          </a:p>
-        </p:txBody>
-      </p:sp>
-    </p:spTree>
-    <p:extLst>
-      <p:ext uri="{BB962C8B-B14F-4D97-AF65-F5344CB8AC3E}">
-        <p14:creationId xmlns:p14="http://schemas.microsoft.com/office/powerpoint/2010/main" val="3130042911"/>
-      </p:ext>
-    </p:extLst>
-  </p:cSld>
-  <p:clrMapOvr>
-    <a:masterClrMapping/>
-  </p:clrMapOvr>
-  <p:timing>
-    <p:tnLst>
-      <p:par>
-        <p:cTn id="1" dur="indefinite" restart="never" nodeType="tmRoot">
-          <p:childTnLst>
-            <p:seq concurrent="1" nextAc="seek">
-              <p:cTn id="2" dur="indefinite" nodeType="mainSeq">
-                <p:childTnLst>
-                  <p:par>
-                    <p:cTn id="3" fill="hold">
-                      <p:stCondLst>
-                        <p:cond delay="indefinite"/>
-                      </p:stCondLst>
-                      <p:childTnLst>
-                        <p:par>
-                          <p:cTn id="4" fill="hold">
-                            <p:stCondLst>
-                              <p:cond delay="0"/>
-                            </p:stCondLst>
-                            <p:childTnLst>
-                              <p:par>
-                                <p:cTn id="5" presetID="10" presetClass="entr" presetSubtype="0" fill="hold" nodeType="clickEffect">
-                                  <p:stCondLst>
-                                    <p:cond delay="0"/>
-                                  </p:stCondLst>
-                                  <p:childTnLst>
-                                    <p:set>
-                                      <p:cBhvr>
-                                        <p:cTn id="6" dur="1" fill="hold">
-                                          <p:stCondLst>
-                                            <p:cond delay="0"/>
-                                          </p:stCondLst>
-                                        </p:cTn>
-                                        <p:tgtEl>
-                                          <p:spTgt spid="3">
-                                            <p:txEl>
-                                              <p:pRg st="2" end="2"/>
-                                            </p:txEl>
-                                          </p:spTgt>
-                                        </p:tgtEl>
-                                        <p:attrNameLst>
-                                          <p:attrName>style.visibility</p:attrName>
-                                        </p:attrNameLst>
-                                      </p:cBhvr>
-                                      <p:to>
-                                        <p:strVal val="visible"/>
-                                      </p:to>
-                                    </p:set>
-                                    <p:animEffect transition="in" filter="fade">
-                                      <p:cBhvr>
-                                        <p:cTn id="7" dur="500"/>
-                                        <p:tgtEl>
-                                          <p:spTgt spid="3">
-                                            <p:txEl>
-                                              <p:pRg st="2" end="2"/>
-                                            </p:txEl>
-                                          </p:spTgt>
-                                        </p:tgtEl>
-                                      </p:cBhvr>
-                                    </p:animEffect>
-                                  </p:childTnLst>
-                                </p:cTn>
-                              </p:par>
-                            </p:childTnLst>
-                          </p:cTn>
-                        </p:par>
-                      </p:childTnLst>
-                    </p:cTn>
-                  </p:par>
-                  <p:par>
-                    <p:cTn id="8" fill="hold">
-                      <p:stCondLst>
-                        <p:cond delay="indefinite"/>
-                      </p:stCondLst>
-                      <p:childTnLst>
-                        <p:par>
-                          <p:cTn id="9" fill="hold">
-                            <p:stCondLst>
-                              <p:cond delay="0"/>
-                            </p:stCondLst>
-                            <p:childTnLst>
-                              <p:par>
-                                <p:cTn id="10" presetID="10" presetClass="entr" presetSubtype="0" fill="hold" nodeType="clickEffect">
-                                  <p:stCondLst>
-                                    <p:cond delay="0"/>
-                                  </p:stCondLst>
-                                  <p:childTnLst>
-                                    <p:set>
-                                      <p:cBhvr>
-                                        <p:cTn id="11" dur="1" fill="hold">
-                                          <p:stCondLst>
-                                            <p:cond delay="0"/>
-                                          </p:stCondLst>
-                                        </p:cTn>
-                                        <p:tgtEl>
-                                          <p:spTgt spid="3">
-                                            <p:txEl>
-                                              <p:pRg st="4" end="4"/>
-                                            </p:txEl>
-                                          </p:spTgt>
-                                        </p:tgtEl>
-                                        <p:attrNameLst>
-                                          <p:attrName>style.visibility</p:attrName>
-                                        </p:attrNameLst>
-                                      </p:cBhvr>
-                                      <p:to>
-                                        <p:strVal val="visible"/>
-                                      </p:to>
-                                    </p:set>
-                                    <p:animEffect transition="in" filter="fade">
-                                      <p:cBhvr>
-                                        <p:cTn id="12" dur="500"/>
-                                        <p:tgtEl>
-                                          <p:spTgt spid="3">
-                                            <p:txEl>
-                                              <p:pRg st="4" end="4"/>
-                                            </p:txEl>
-                                          </p:spTgt>
-                                        </p:tgtEl>
-                                      </p:cBhvr>
-                                    </p:animEffect>
-                                  </p:childTnLst>
-                                </p:cTn>
-                              </p:par>
-                            </p:childTnLst>
-                          </p:cTn>
-                        </p:par>
-                      </p:childTnLst>
-                    </p:cTn>
-                  </p:par>
-                </p:childTnLst>
-              </p:cTn>
-              <p:prevCondLst>
-                <p:cond evt="onPrev" delay="0">
-                  <p:tgtEl>
-                    <p:sldTgt/>
-                  </p:tgtEl>
-                </p:cond>
-              </p:prevCondLst>
-              <p:nextCondLst>
-                <p:cond evt="onNext" delay="0">
-                  <p:tgtEl>
-                    <p:sldTgt/>
-                  </p:tgtEl>
-                </p:cond>
-              </p:nextCondLst>
-            </p:seq>
-          </p:childTnLst>
-        </p:cTn>
       </p:par>
     </p:tnLst>
   </p:timing>

--- a/ReactiveProgramming_ngrx.pptx
+++ b/ReactiveProgramming_ngrx.pptx
@@ -5,10 +5,10 @@
     <p:sldMasterId id="2147483793" r:id="rId1"/>
   </p:sldMasterIdLst>
   <p:notesMasterIdLst>
-    <p:notesMasterId r:id="rId38"/>
+    <p:notesMasterId r:id="rId40"/>
   </p:notesMasterIdLst>
   <p:handoutMasterIdLst>
-    <p:handoutMasterId r:id="rId39"/>
+    <p:handoutMasterId r:id="rId41"/>
   </p:handoutMasterIdLst>
   <p:sldIdLst>
     <p:sldId id="292" r:id="rId2"/>
@@ -38,15 +38,17 @@
     <p:sldId id="448" r:id="rId26"/>
     <p:sldId id="449" r:id="rId27"/>
     <p:sldId id="450" r:id="rId28"/>
-    <p:sldId id="453" r:id="rId29"/>
-    <p:sldId id="455" r:id="rId30"/>
-    <p:sldId id="456" r:id="rId31"/>
-    <p:sldId id="457" r:id="rId32"/>
-    <p:sldId id="454" r:id="rId33"/>
-    <p:sldId id="425" r:id="rId34"/>
-    <p:sldId id="407" r:id="rId35"/>
-    <p:sldId id="419" r:id="rId36"/>
-    <p:sldId id="427" r:id="rId37"/>
+    <p:sldId id="459" r:id="rId29"/>
+    <p:sldId id="458" r:id="rId30"/>
+    <p:sldId id="453" r:id="rId31"/>
+    <p:sldId id="455" r:id="rId32"/>
+    <p:sldId id="456" r:id="rId33"/>
+    <p:sldId id="457" r:id="rId34"/>
+    <p:sldId id="454" r:id="rId35"/>
+    <p:sldId id="425" r:id="rId36"/>
+    <p:sldId id="407" r:id="rId37"/>
+    <p:sldId id="419" r:id="rId38"/>
+    <p:sldId id="427" r:id="rId39"/>
   </p:sldIdLst>
   <p:sldSz cx="12192000" cy="6858000"/>
   <p:notesSz cx="6858000" cy="9144000"/>
@@ -147,7 +149,7 @@
   </p:defaultTextStyle>
   <p:extLst>
     <p:ext uri="{EFAFB233-063F-42B5-8137-9DF3F51BA10A}">
-      <p15:sldGuideLst xmlns:p15="http://schemas.microsoft.com/office/powerpoint/2012/main" xmlns=""/>
+      <p15:sldGuideLst xmlns="" xmlns:p15="http://schemas.microsoft.com/office/powerpoint/2012/main"/>
     </p:ext>
   </p:extLst>
 </p:presentation>
@@ -235,7 +237,7 @@
           <a:p>
             <a:fld id="{327B5F9E-84DB-4811-8F56-9C65E911095D}" type="datetimeFigureOut">
               <a:rPr lang="it-IT" smtClean="0"/>
-              <a:t>30/11/2018</a:t>
+              <a:t>01/12/2018</a:t>
             </a:fld>
             <a:endParaRPr lang="it-IT"/>
           </a:p>
@@ -400,7 +402,7 @@
           <a:p>
             <a:fld id="{60073984-6E99-4D80-ADB1-BFDA0D866557}" type="datetimeFigureOut">
               <a:rPr lang="en-US"/>
-              <a:t>11/30/2018</a:t>
+              <a:t>12/1/2018</a:t>
             </a:fld>
             <a:endParaRPr lang="en-US"/>
           </a:p>
@@ -756,6 +758,174 @@
 </p:notes>
 </file>
 
+<file path=ppt/notesSlides/notesSlide10.xml><?xml version="1.0" encoding="utf-8"?>
+<p:notes xmlns:a="http://schemas.openxmlformats.org/drawingml/2006/main" xmlns:r="http://schemas.openxmlformats.org/officeDocument/2006/relationships" xmlns:p="http://schemas.openxmlformats.org/presentationml/2006/main">
+  <p:cSld>
+    <p:spTree>
+      <p:nvGrpSpPr>
+        <p:cNvPr id="1" name=""/>
+        <p:cNvGrpSpPr/>
+        <p:nvPr/>
+      </p:nvGrpSpPr>
+      <p:grpSpPr>
+        <a:xfrm>
+          <a:off x="0" y="0"/>
+          <a:ext cx="0" cy="0"/>
+          <a:chOff x="0" y="0"/>
+          <a:chExt cx="0" cy="0"/>
+        </a:xfrm>
+      </p:grpSpPr>
+      <p:sp>
+        <p:nvSpPr>
+          <p:cNvPr id="2" name="Segnaposto immagine diapositiva 1"/>
+          <p:cNvSpPr>
+            <a:spLocks noGrp="1" noRot="1" noChangeAspect="1"/>
+          </p:cNvSpPr>
+          <p:nvPr>
+            <p:ph type="sldImg"/>
+          </p:nvPr>
+        </p:nvSpPr>
+        <p:spPr/>
+      </p:sp>
+      <p:sp>
+        <p:nvSpPr>
+          <p:cNvPr id="3" name="Segnaposto note 2"/>
+          <p:cNvSpPr>
+            <a:spLocks noGrp="1"/>
+          </p:cNvSpPr>
+          <p:nvPr>
+            <p:ph type="body" idx="1"/>
+          </p:nvPr>
+        </p:nvSpPr>
+        <p:spPr/>
+        <p:txBody>
+          <a:bodyPr/>
+          <a:lstStyle/>
+          <a:p>
+            <a:endParaRPr lang="it-IT" dirty="0"/>
+          </a:p>
+        </p:txBody>
+      </p:sp>
+      <p:sp>
+        <p:nvSpPr>
+          <p:cNvPr id="4" name="Segnaposto numero diapositiva 3"/>
+          <p:cNvSpPr>
+            <a:spLocks noGrp="1"/>
+          </p:cNvSpPr>
+          <p:nvPr>
+            <p:ph type="sldNum" sz="quarter" idx="10"/>
+          </p:nvPr>
+        </p:nvSpPr>
+        <p:spPr/>
+        <p:txBody>
+          <a:bodyPr/>
+          <a:lstStyle/>
+          <a:p>
+            <a:fld id="{C519897D-FFB3-4111-B327-449DADBE2990}" type="slidenum">
+              <a:rPr lang="en-US" smtClean="0"/>
+              <a:t>37</a:t>
+            </a:fld>
+            <a:endParaRPr lang="en-US"/>
+          </a:p>
+        </p:txBody>
+      </p:sp>
+    </p:spTree>
+    <p:extLst>
+      <p:ext uri="{BB962C8B-B14F-4D97-AF65-F5344CB8AC3E}">
+        <p14:creationId xmlns:p14="http://schemas.microsoft.com/office/powerpoint/2010/main" val="3813177152"/>
+      </p:ext>
+    </p:extLst>
+  </p:cSld>
+  <p:clrMapOvr>
+    <a:masterClrMapping/>
+  </p:clrMapOvr>
+</p:notes>
+</file>
+
+<file path=ppt/notesSlides/notesSlide11.xml><?xml version="1.0" encoding="utf-8"?>
+<p:notes xmlns:a="http://schemas.openxmlformats.org/drawingml/2006/main" xmlns:r="http://schemas.openxmlformats.org/officeDocument/2006/relationships" xmlns:p="http://schemas.openxmlformats.org/presentationml/2006/main">
+  <p:cSld>
+    <p:spTree>
+      <p:nvGrpSpPr>
+        <p:cNvPr id="1" name=""/>
+        <p:cNvGrpSpPr/>
+        <p:nvPr/>
+      </p:nvGrpSpPr>
+      <p:grpSpPr>
+        <a:xfrm>
+          <a:off x="0" y="0"/>
+          <a:ext cx="0" cy="0"/>
+          <a:chOff x="0" y="0"/>
+          <a:chExt cx="0" cy="0"/>
+        </a:xfrm>
+      </p:grpSpPr>
+      <p:sp>
+        <p:nvSpPr>
+          <p:cNvPr id="2" name="Segnaposto immagine diapositiva 1"/>
+          <p:cNvSpPr>
+            <a:spLocks noGrp="1" noRot="1" noChangeAspect="1"/>
+          </p:cNvSpPr>
+          <p:nvPr>
+            <p:ph type="sldImg"/>
+          </p:nvPr>
+        </p:nvSpPr>
+        <p:spPr/>
+      </p:sp>
+      <p:sp>
+        <p:nvSpPr>
+          <p:cNvPr id="3" name="Segnaposto note 2"/>
+          <p:cNvSpPr>
+            <a:spLocks noGrp="1"/>
+          </p:cNvSpPr>
+          <p:nvPr>
+            <p:ph type="body" idx="1"/>
+          </p:nvPr>
+        </p:nvSpPr>
+        <p:spPr/>
+        <p:txBody>
+          <a:bodyPr/>
+          <a:lstStyle/>
+          <a:p>
+            <a:endParaRPr lang="it-IT"/>
+          </a:p>
+        </p:txBody>
+      </p:sp>
+      <p:sp>
+        <p:nvSpPr>
+          <p:cNvPr id="4" name="Segnaposto numero diapositiva 3"/>
+          <p:cNvSpPr>
+            <a:spLocks noGrp="1"/>
+          </p:cNvSpPr>
+          <p:nvPr>
+            <p:ph type="sldNum" sz="quarter" idx="10"/>
+          </p:nvPr>
+        </p:nvSpPr>
+        <p:spPr/>
+        <p:txBody>
+          <a:bodyPr/>
+          <a:lstStyle/>
+          <a:p>
+            <a:fld id="{C519897D-FFB3-4111-B327-449DADBE2990}" type="slidenum">
+              <a:rPr lang="en-US" smtClean="0"/>
+              <a:t>38</a:t>
+            </a:fld>
+            <a:endParaRPr lang="en-US"/>
+          </a:p>
+        </p:txBody>
+      </p:sp>
+    </p:spTree>
+    <p:extLst>
+      <p:ext uri="{BB962C8B-B14F-4D97-AF65-F5344CB8AC3E}">
+        <p14:creationId xmlns:p14="http://schemas.microsoft.com/office/powerpoint/2010/main" val="2814216342"/>
+      </p:ext>
+    </p:extLst>
+  </p:cSld>
+  <p:clrMapOvr>
+    <a:masterClrMapping/>
+  </p:clrMapOvr>
+</p:notes>
+</file>
+
 <file path=ppt/notesSlides/notesSlide2.xml><?xml version="1.0" encoding="utf-8"?>
 <p:notes xmlns:a="http://schemas.openxmlformats.org/drawingml/2006/main" xmlns:r="http://schemas.openxmlformats.org/officeDocument/2006/relationships" xmlns:p="http://schemas.openxmlformats.org/presentationml/2006/main">
   <p:cSld>
@@ -1650,7 +1820,75 @@
           <a:bodyPr/>
           <a:lstStyle/>
           <a:p>
-            <a:endParaRPr lang="it-IT"/>
+            <a:r>
+              <a:rPr lang="it-IT" dirty="0" err="1" smtClean="0"/>
+              <a:t>There</a:t>
+            </a:r>
+            <a:r>
+              <a:rPr lang="it-IT" dirty="0" smtClean="0"/>
+              <a:t> are some </a:t>
+            </a:r>
+            <a:r>
+              <a:rPr lang="it-IT" dirty="0" err="1" smtClean="0"/>
+              <a:t>key</a:t>
+            </a:r>
+            <a:r>
+              <a:rPr lang="it-IT" baseline="0" dirty="0" smtClean="0"/>
+              <a:t> </a:t>
+            </a:r>
+            <a:r>
+              <a:rPr lang="it-IT" baseline="0" dirty="0" err="1" smtClean="0"/>
+              <a:t>concepts</a:t>
+            </a:r>
+            <a:r>
+              <a:rPr lang="it-IT" baseline="0" dirty="0" smtClean="0"/>
+              <a:t> to </a:t>
+            </a:r>
+            <a:r>
+              <a:rPr lang="it-IT" baseline="0" dirty="0" err="1" smtClean="0"/>
+              <a:t>pay</a:t>
+            </a:r>
+            <a:r>
+              <a:rPr lang="it-IT" baseline="0" dirty="0" smtClean="0"/>
+              <a:t> </a:t>
+            </a:r>
+            <a:r>
+              <a:rPr lang="it-IT" baseline="0" dirty="0" err="1" smtClean="0"/>
+              <a:t>attention</a:t>
+            </a:r>
+            <a:r>
+              <a:rPr lang="it-IT" baseline="0" dirty="0" smtClean="0"/>
+              <a:t> to in </a:t>
+            </a:r>
+            <a:r>
+              <a:rPr lang="it-IT" baseline="0" dirty="0" err="1" smtClean="0"/>
+              <a:t>this</a:t>
+            </a:r>
+            <a:r>
+              <a:rPr lang="it-IT" baseline="0" dirty="0" smtClean="0"/>
+              <a:t> </a:t>
+            </a:r>
+            <a:r>
+              <a:rPr lang="it-IT" baseline="0" dirty="0" err="1" smtClean="0"/>
+              <a:t>simple</a:t>
+            </a:r>
+            <a:r>
+              <a:rPr lang="it-IT" baseline="0" dirty="0" smtClean="0"/>
+              <a:t> </a:t>
+            </a:r>
+            <a:r>
+              <a:rPr lang="it-IT" baseline="0" dirty="0" err="1" smtClean="0"/>
+              <a:t>piece</a:t>
+            </a:r>
+            <a:r>
+              <a:rPr lang="it-IT" baseline="0" dirty="0" smtClean="0"/>
+              <a:t> of </a:t>
+            </a:r>
+            <a:r>
+              <a:rPr lang="it-IT" baseline="0" dirty="0" err="1" smtClean="0"/>
+              <a:t>cde</a:t>
+            </a:r>
+            <a:endParaRPr lang="it-IT" dirty="0"/>
           </a:p>
         </p:txBody>
       </p:sp>
@@ -1671,7 +1909,7 @@
           <a:p>
             <a:fld id="{C519897D-FFB3-4111-B327-449DADBE2990}" type="slidenum">
               <a:rPr lang="en-US" smtClean="0"/>
-              <a:t>34</a:t>
+              <a:t>28</a:t>
             </a:fld>
             <a:endParaRPr lang="en-US"/>
           </a:p>
@@ -1680,7 +1918,7 @@
     </p:spTree>
     <p:extLst>
       <p:ext uri="{BB962C8B-B14F-4D97-AF65-F5344CB8AC3E}">
-        <p14:creationId xmlns:p14="http://schemas.microsoft.com/office/powerpoint/2010/main" val="958452951"/>
+        <p14:creationId xmlns:p14="http://schemas.microsoft.com/office/powerpoint/2010/main" val="3829235509"/>
       </p:ext>
     </p:extLst>
   </p:cSld>
@@ -1734,6 +1972,272 @@
           <a:bodyPr/>
           <a:lstStyle/>
           <a:p>
+            <a:r>
+              <a:rPr lang="it-IT" dirty="0" err="1" smtClean="0"/>
+              <a:t>Chose</a:t>
+            </a:r>
+            <a:r>
+              <a:rPr lang="it-IT" dirty="0" smtClean="0"/>
+              <a:t> the operator </a:t>
+            </a:r>
+            <a:r>
+              <a:rPr lang="it-IT" dirty="0" err="1" smtClean="0"/>
+              <a:t>based</a:t>
+            </a:r>
+            <a:r>
+              <a:rPr lang="it-IT" dirty="0" smtClean="0"/>
+              <a:t> on </a:t>
+            </a:r>
+            <a:r>
+              <a:rPr lang="it-IT" dirty="0" err="1" smtClean="0"/>
+              <a:t>how</a:t>
+            </a:r>
+            <a:r>
+              <a:rPr lang="it-IT" baseline="0" dirty="0" smtClean="0"/>
+              <a:t> </a:t>
+            </a:r>
+            <a:r>
+              <a:rPr lang="it-IT" baseline="0" dirty="0" err="1" smtClean="0"/>
+              <a:t>you</a:t>
+            </a:r>
+            <a:r>
+              <a:rPr lang="it-IT" baseline="0" dirty="0" smtClean="0"/>
+              <a:t> </a:t>
+            </a:r>
+            <a:r>
+              <a:rPr lang="it-IT" baseline="0" dirty="0" err="1" smtClean="0"/>
+              <a:t>want</a:t>
+            </a:r>
+            <a:r>
+              <a:rPr lang="it-IT" baseline="0" dirty="0" smtClean="0"/>
+              <a:t> to </a:t>
+            </a:r>
+            <a:r>
+              <a:rPr lang="it-IT" baseline="0" dirty="0" err="1" smtClean="0"/>
+              <a:t>react</a:t>
+            </a:r>
+            <a:r>
+              <a:rPr lang="it-IT" baseline="0" dirty="0" smtClean="0"/>
+              <a:t> </a:t>
+            </a:r>
+            <a:r>
+              <a:rPr lang="it-IT" baseline="0" dirty="0" err="1" smtClean="0"/>
+              <a:t>when</a:t>
+            </a:r>
+            <a:r>
+              <a:rPr lang="it-IT" baseline="0" dirty="0" smtClean="0"/>
+              <a:t> multiple http </a:t>
+            </a:r>
+            <a:r>
+              <a:rPr lang="it-IT" baseline="0" dirty="0" err="1" smtClean="0"/>
+              <a:t>requests</a:t>
+            </a:r>
+            <a:r>
+              <a:rPr lang="it-IT" baseline="0" dirty="0" smtClean="0"/>
+              <a:t> </a:t>
+            </a:r>
+            <a:r>
+              <a:rPr lang="it-IT" baseline="0" dirty="0" err="1" smtClean="0"/>
+              <a:t>might</a:t>
+            </a:r>
+            <a:r>
+              <a:rPr lang="it-IT" baseline="0" dirty="0" smtClean="0"/>
+              <a:t> be </a:t>
+            </a:r>
+            <a:r>
+              <a:rPr lang="it-IT" baseline="0" dirty="0" err="1" smtClean="0"/>
+              <a:t>active</a:t>
+            </a:r>
+            <a:r>
+              <a:rPr lang="it-IT" baseline="0" dirty="0" smtClean="0"/>
+              <a:t> </a:t>
+            </a:r>
+            <a:r>
+              <a:rPr lang="it-IT" baseline="0" dirty="0" err="1" smtClean="0"/>
+              <a:t>at</a:t>
+            </a:r>
+            <a:r>
+              <a:rPr lang="it-IT" baseline="0" dirty="0" smtClean="0"/>
+              <a:t> the </a:t>
+            </a:r>
+            <a:r>
+              <a:rPr lang="it-IT" baseline="0" dirty="0" err="1" smtClean="0"/>
+              <a:t>same</a:t>
+            </a:r>
+            <a:r>
+              <a:rPr lang="it-IT" baseline="0" dirty="0" smtClean="0"/>
+              <a:t> time </a:t>
+            </a:r>
+            <a:r>
+              <a:rPr lang="it-IT" baseline="0" dirty="0" err="1" smtClean="0"/>
+              <a:t>when</a:t>
+            </a:r>
+            <a:r>
+              <a:rPr lang="it-IT" baseline="0" dirty="0" smtClean="0"/>
+              <a:t> multiple </a:t>
+            </a:r>
+            <a:r>
+              <a:rPr lang="it-IT" baseline="0" dirty="0" err="1" smtClean="0"/>
+              <a:t>messages</a:t>
+            </a:r>
+            <a:r>
+              <a:rPr lang="it-IT" baseline="0" dirty="0" smtClean="0"/>
+              <a:t> </a:t>
+            </a:r>
+            <a:r>
+              <a:rPr lang="it-IT" baseline="0" dirty="0" err="1" smtClean="0"/>
+              <a:t>being</a:t>
+            </a:r>
+            <a:r>
+              <a:rPr lang="it-IT" baseline="0" dirty="0" smtClean="0"/>
+              <a:t> </a:t>
+            </a:r>
+            <a:r>
+              <a:rPr lang="it-IT" baseline="0" dirty="0" err="1" smtClean="0"/>
+              <a:t>dispatched</a:t>
+            </a:r>
+            <a:r>
+              <a:rPr lang="it-IT" baseline="0" dirty="0" smtClean="0"/>
+              <a:t>: </a:t>
+            </a:r>
+            <a:r>
+              <a:rPr lang="it-IT" baseline="0" dirty="0" err="1" smtClean="0"/>
+              <a:t>cancel</a:t>
+            </a:r>
+            <a:r>
+              <a:rPr lang="it-IT" baseline="0" dirty="0" smtClean="0"/>
+              <a:t> </a:t>
+            </a:r>
+            <a:r>
+              <a:rPr lang="it-IT" baseline="0" dirty="0" err="1" smtClean="0"/>
+              <a:t>previous</a:t>
+            </a:r>
+            <a:r>
+              <a:rPr lang="it-IT" baseline="0" dirty="0" smtClean="0"/>
+              <a:t> </a:t>
+            </a:r>
+            <a:r>
+              <a:rPr lang="it-IT" baseline="0" dirty="0" err="1" smtClean="0"/>
+              <a:t>operations</a:t>
+            </a:r>
+            <a:r>
+              <a:rPr lang="it-IT" baseline="0" dirty="0" smtClean="0"/>
+              <a:t>, </a:t>
+            </a:r>
+            <a:r>
+              <a:rPr lang="it-IT" baseline="0" dirty="0" err="1" smtClean="0"/>
+              <a:t>execute</a:t>
+            </a:r>
+            <a:r>
+              <a:rPr lang="it-IT" baseline="0" dirty="0" smtClean="0"/>
+              <a:t> </a:t>
+            </a:r>
+            <a:r>
+              <a:rPr lang="it-IT" baseline="0" dirty="0" err="1" smtClean="0"/>
+              <a:t>them</a:t>
+            </a:r>
+            <a:r>
+              <a:rPr lang="it-IT" baseline="0" dirty="0" smtClean="0"/>
+              <a:t> in </a:t>
+            </a:r>
+            <a:r>
+              <a:rPr lang="it-IT" baseline="0" dirty="0" err="1" smtClean="0"/>
+              <a:t>parallel</a:t>
+            </a:r>
+            <a:r>
+              <a:rPr lang="it-IT" baseline="0" dirty="0" smtClean="0"/>
+              <a:t> and merge the </a:t>
+            </a:r>
+            <a:r>
+              <a:rPr lang="it-IT" baseline="0" dirty="0" err="1" smtClean="0"/>
+              <a:t>results</a:t>
+            </a:r>
+            <a:r>
+              <a:rPr lang="it-IT" baseline="0" dirty="0" smtClean="0"/>
+              <a:t>, </a:t>
+            </a:r>
+            <a:r>
+              <a:rPr lang="it-IT" baseline="0" dirty="0" err="1" smtClean="0"/>
+              <a:t>keep</a:t>
+            </a:r>
+            <a:r>
+              <a:rPr lang="it-IT" baseline="0" dirty="0" smtClean="0"/>
+              <a:t> </a:t>
+            </a:r>
+            <a:r>
+              <a:rPr lang="it-IT" baseline="0" dirty="0" err="1" smtClean="0"/>
+              <a:t>ordering</a:t>
+            </a:r>
+            <a:r>
+              <a:rPr lang="it-IT" baseline="0" dirty="0" smtClean="0"/>
+              <a:t>, </a:t>
+            </a:r>
+            <a:r>
+              <a:rPr lang="it-IT" baseline="0" dirty="0" err="1" smtClean="0"/>
+              <a:t>wait</a:t>
+            </a:r>
+            <a:r>
+              <a:rPr lang="it-IT" baseline="0" dirty="0" smtClean="0"/>
+              <a:t> for </a:t>
+            </a:r>
+            <a:r>
+              <a:rPr lang="it-IT" baseline="0" dirty="0" err="1" smtClean="0"/>
+              <a:t>previous</a:t>
+            </a:r>
+            <a:r>
+              <a:rPr lang="it-IT" baseline="0" dirty="0" smtClean="0"/>
+              <a:t> </a:t>
+            </a:r>
+            <a:r>
+              <a:rPr lang="it-IT" baseline="0" dirty="0" err="1" smtClean="0"/>
+              <a:t>operation</a:t>
+            </a:r>
+            <a:r>
+              <a:rPr lang="it-IT" baseline="0" dirty="0" smtClean="0"/>
+              <a:t> to complete…</a:t>
+            </a:r>
+          </a:p>
+          <a:p>
+            <a:r>
+              <a:rPr lang="it-IT" baseline="0" dirty="0" smtClean="0"/>
+              <a:t>How ‘in-</a:t>
+            </a:r>
+            <a:r>
+              <a:rPr lang="it-IT" baseline="0" dirty="0" err="1" smtClean="0"/>
+              <a:t>flight</a:t>
+            </a:r>
+            <a:r>
+              <a:rPr lang="it-IT" baseline="0" dirty="0" smtClean="0"/>
+              <a:t>’ </a:t>
+            </a:r>
+            <a:r>
+              <a:rPr lang="it-IT" baseline="0" dirty="0" err="1" smtClean="0"/>
+              <a:t>requests</a:t>
+            </a:r>
+            <a:r>
+              <a:rPr lang="it-IT" baseline="0" dirty="0" smtClean="0"/>
+              <a:t> are </a:t>
+            </a:r>
+            <a:r>
+              <a:rPr lang="it-IT" baseline="0" dirty="0" err="1" smtClean="0"/>
+              <a:t>handled</a:t>
+            </a:r>
+            <a:r>
+              <a:rPr lang="it-IT" baseline="0" dirty="0" smtClean="0"/>
+              <a:t> </a:t>
+            </a:r>
+            <a:r>
+              <a:rPr lang="it-IT" baseline="0" dirty="0" err="1" smtClean="0"/>
+              <a:t>is</a:t>
+            </a:r>
+            <a:r>
+              <a:rPr lang="it-IT" baseline="0" dirty="0" smtClean="0"/>
+              <a:t> up to </a:t>
+            </a:r>
+            <a:r>
+              <a:rPr lang="it-IT" baseline="0" dirty="0" err="1" smtClean="0"/>
+              <a:t>you</a:t>
+            </a:r>
             <a:endParaRPr lang="it-IT" dirty="0"/>
           </a:p>
         </p:txBody>
@@ -1755,7 +2259,7 @@
           <a:p>
             <a:fld id="{C519897D-FFB3-4111-B327-449DADBE2990}" type="slidenum">
               <a:rPr lang="en-US" smtClean="0"/>
-              <a:t>35</a:t>
+              <a:t>29</a:t>
             </a:fld>
             <a:endParaRPr lang="en-US"/>
           </a:p>
@@ -1764,7 +2268,7 @@
     </p:spTree>
     <p:extLst>
       <p:ext uri="{BB962C8B-B14F-4D97-AF65-F5344CB8AC3E}">
-        <p14:creationId xmlns:p14="http://schemas.microsoft.com/office/powerpoint/2010/main" val="3813177152"/>
+        <p14:creationId xmlns:p14="http://schemas.microsoft.com/office/powerpoint/2010/main" val="2022248602"/>
       </p:ext>
     </p:extLst>
   </p:cSld>
@@ -1848,7 +2352,7 @@
     </p:spTree>
     <p:extLst>
       <p:ext uri="{BB962C8B-B14F-4D97-AF65-F5344CB8AC3E}">
-        <p14:creationId xmlns:p14="http://schemas.microsoft.com/office/powerpoint/2010/main" val="2814216342"/>
+        <p14:creationId xmlns:p14="http://schemas.microsoft.com/office/powerpoint/2010/main" val="958452951"/>
       </p:ext>
     </p:extLst>
   </p:cSld>
@@ -2082,7 +2586,7 @@
           <a:p>
             <a:fld id="{F1FA7AC5-6045-4418-8E60-F48788734473}" type="datetimeFigureOut">
               <a:rPr lang="en-US" smtClean="0"/>
-              <a:t>11/30/2018</a:t>
+              <a:t>12/1/2018</a:t>
             </a:fld>
             <a:endParaRPr lang="en-US"/>
           </a:p>
@@ -2295,7 +2799,7 @@
           <a:p>
             <a:fld id="{F1FA7AC5-6045-4418-8E60-F48788734473}" type="datetimeFigureOut">
               <a:rPr lang="en-US" smtClean="0"/>
-              <a:t>11/30/2018</a:t>
+              <a:t>12/1/2018</a:t>
             </a:fld>
             <a:endParaRPr lang="en-US"/>
           </a:p>
@@ -2549,7 +3053,7 @@
           <a:p>
             <a:fld id="{F1FA7AC5-6045-4418-8E60-F48788734473}" type="datetimeFigureOut">
               <a:rPr lang="en-US" smtClean="0"/>
-              <a:t>11/30/2018</a:t>
+              <a:t>12/1/2018</a:t>
             </a:fld>
             <a:endParaRPr lang="en-US"/>
           </a:p>
@@ -2717,7 +3221,7 @@
           <a:p>
             <a:fld id="{F1FA7AC5-6045-4418-8E60-F48788734473}" type="datetimeFigureOut">
               <a:rPr lang="en-US" smtClean="0"/>
-              <a:t>11/30/2018</a:t>
+              <a:t>12/1/2018</a:t>
             </a:fld>
             <a:endParaRPr lang="en-US"/>
           </a:p>
@@ -3059,7 +3563,7 @@
           <a:p>
             <a:fld id="{F1FA7AC5-6045-4418-8E60-F48788734473}" type="datetimeFigureOut">
               <a:rPr lang="en-US" smtClean="0"/>
-              <a:t>11/30/2018</a:t>
+              <a:t>12/1/2018</a:t>
             </a:fld>
             <a:endParaRPr lang="en-US"/>
           </a:p>
@@ -3331,7 +3835,7 @@
           <a:p>
             <a:fld id="{F1FA7AC5-6045-4418-8E60-F48788734473}" type="datetimeFigureOut">
               <a:rPr lang="en-US" smtClean="0"/>
-              <a:t>11/30/2018</a:t>
+              <a:t>12/1/2018</a:t>
             </a:fld>
             <a:endParaRPr lang="en-US"/>
           </a:p>
@@ -3707,7 +4211,7 @@
           <a:p>
             <a:fld id="{F1FA7AC5-6045-4418-8E60-F48788734473}" type="datetimeFigureOut">
               <a:rPr lang="en-US" smtClean="0"/>
-              <a:t>11/30/2018</a:t>
+              <a:t>12/1/2018</a:t>
             </a:fld>
             <a:endParaRPr lang="en-US"/>
           </a:p>
@@ -3824,7 +4328,7 @@
           <a:p>
             <a:fld id="{F1FA7AC5-6045-4418-8E60-F48788734473}" type="datetimeFigureOut">
               <a:rPr lang="en-US" smtClean="0"/>
-              <a:t>11/30/2018</a:t>
+              <a:t>12/1/2018</a:t>
             </a:fld>
             <a:endParaRPr lang="en-US"/>
           </a:p>
@@ -3995,7 +4499,7 @@
           <a:p>
             <a:fld id="{F1FA7AC5-6045-4418-8E60-F48788734473}" type="datetimeFigureOut">
               <a:rPr lang="en-US" smtClean="0"/>
-              <a:t>11/30/2018</a:t>
+              <a:t>12/1/2018</a:t>
             </a:fld>
             <a:endParaRPr lang="en-US"/>
           </a:p>
@@ -4347,7 +4851,7 @@
           <a:p>
             <a:fld id="{F1FA7AC5-6045-4418-8E60-F48788734473}" type="datetimeFigureOut">
               <a:rPr lang="en-US" smtClean="0"/>
-              <a:t>11/30/2018</a:t>
+              <a:t>12/1/2018</a:t>
             </a:fld>
             <a:endParaRPr lang="en-US"/>
           </a:p>
@@ -4722,7 +5226,7 @@
           <a:p>
             <a:fld id="{F1FA7AC5-6045-4418-8E60-F48788734473}" type="datetimeFigureOut">
               <a:rPr lang="en-US" smtClean="0"/>
-              <a:t>11/30/2018</a:t>
+              <a:t>12/1/2018</a:t>
             </a:fld>
             <a:endParaRPr lang="en-US"/>
           </a:p>
@@ -5007,7 +5511,7 @@
           <a:p>
             <a:fld id="{F1FA7AC5-6045-4418-8E60-F48788734473}" type="datetimeFigureOut">
               <a:rPr lang="en-US" smtClean="0"/>
-              <a:t>11/30/2018</a:t>
+              <a:t>12/1/2018</a:t>
             </a:fld>
             <a:endParaRPr lang="en-US"/>
           </a:p>
@@ -17030,7 +17534,7 @@
       </p:grpSpPr>
       <p:sp>
         <p:nvSpPr>
-          <p:cNvPr id="4" name="Titolo 3"/>
+          <p:cNvPr id="2" name="Titolo 1"/>
           <p:cNvSpPr>
             <a:spLocks noGrp="1"/>
           </p:cNvSpPr>
@@ -17044,12 +17548,8 @@
           <a:lstStyle/>
           <a:p>
             <a:r>
-              <a:rPr lang="it-IT" dirty="0" err="1"/>
-              <a:t>n</a:t>
-            </a:r>
-            <a:r>
               <a:rPr lang="it-IT" dirty="0" err="1" smtClean="0"/>
-              <a:t>grx</a:t>
+              <a:t>ngrx</a:t>
             </a:r>
             <a:r>
               <a:rPr lang="it-IT" dirty="0" smtClean="0"/>
@@ -17057,7 +17557,31 @@
             </a:r>
             <a:r>
               <a:rPr lang="it-IT" dirty="0" err="1" smtClean="0"/>
-              <a:t>store-devtools</a:t>
+              <a:t>effect</a:t>
+            </a:r>
+            <a:r>
+              <a:rPr lang="it-IT" dirty="0" smtClean="0"/>
+              <a:t>: </a:t>
+            </a:r>
+            <a:r>
+              <a:rPr lang="it-IT" dirty="0" err="1" smtClean="0"/>
+              <a:t>access</a:t>
+            </a:r>
+            <a:r>
+              <a:rPr lang="it-IT" dirty="0" smtClean="0"/>
+              <a:t> </a:t>
+            </a:r>
+            <a:r>
+              <a:rPr lang="it-IT" dirty="0" err="1" smtClean="0"/>
+              <a:t>external</a:t>
+            </a:r>
+            <a:r>
+              <a:rPr lang="it-IT" dirty="0" smtClean="0"/>
+              <a:t> </a:t>
+            </a:r>
+            <a:r>
+              <a:rPr lang="it-IT" dirty="0" err="1" smtClean="0"/>
+              <a:t>resources</a:t>
             </a:r>
             <a:endParaRPr lang="it-IT" dirty="0"/>
           </a:p>
@@ -17065,19 +17589,984 @@
       </p:sp>
       <p:sp>
         <p:nvSpPr>
-          <p:cNvPr id="5" name="Segnaposto testo 4"/>
+          <p:cNvPr id="3" name="Segnaposto contenuto 2"/>
           <p:cNvSpPr>
             <a:spLocks noGrp="1"/>
           </p:cNvSpPr>
           <p:nvPr>
-            <p:ph type="body" idx="1"/>
+            <p:ph idx="1"/>
           </p:nvPr>
         </p:nvSpPr>
         <p:spPr/>
         <p:txBody>
-          <a:bodyPr/>
+          <a:bodyPr>
+            <a:normAutofit fontScale="77500" lnSpcReduction="20000"/>
+          </a:bodyPr>
           <a:lstStyle/>
           <a:p>
+            <a:r>
+              <a:rPr lang="it-IT" dirty="0">
+                <a:solidFill>
+                  <a:srgbClr val="000000"/>
+                </a:solidFill>
+                <a:latin typeface="Consolas"/>
+              </a:rPr>
+              <a:t>@</a:t>
+            </a:r>
+            <a:r>
+              <a:rPr lang="it-IT" dirty="0" err="1">
+                <a:solidFill>
+                  <a:srgbClr val="795E26"/>
+                </a:solidFill>
+                <a:latin typeface="Consolas"/>
+              </a:rPr>
+              <a:t>Effect</a:t>
+            </a:r>
+            <a:r>
+              <a:rPr lang="it-IT" dirty="0">
+                <a:solidFill>
+                  <a:srgbClr val="000000"/>
+                </a:solidFill>
+                <a:latin typeface="Consolas"/>
+              </a:rPr>
+              <a:t>()</a:t>
+            </a:r>
+          </a:p>
+          <a:p>
+            <a:r>
+              <a:rPr lang="it-IT" dirty="0" err="1">
+                <a:solidFill>
+                  <a:srgbClr val="001080"/>
+                </a:solidFill>
+                <a:latin typeface="Consolas"/>
+              </a:rPr>
+              <a:t>loadHierarchy</a:t>
+            </a:r>
+            <a:r>
+              <a:rPr lang="it-IT" dirty="0">
+                <a:solidFill>
+                  <a:srgbClr val="001080"/>
+                </a:solidFill>
+                <a:latin typeface="Consolas"/>
+              </a:rPr>
+              <a:t>$</a:t>
+            </a:r>
+            <a:r>
+              <a:rPr lang="it-IT" dirty="0">
+                <a:solidFill>
+                  <a:srgbClr val="000000"/>
+                </a:solidFill>
+                <a:latin typeface="Consolas"/>
+              </a:rPr>
+              <a:t> = </a:t>
+            </a:r>
+            <a:r>
+              <a:rPr lang="it-IT" dirty="0" err="1">
+                <a:solidFill>
+                  <a:srgbClr val="0000FF"/>
+                </a:solidFill>
+                <a:latin typeface="Consolas"/>
+              </a:rPr>
+              <a:t>this</a:t>
+            </a:r>
+            <a:r>
+              <a:rPr lang="it-IT" dirty="0" err="1">
+                <a:solidFill>
+                  <a:srgbClr val="000000"/>
+                </a:solidFill>
+                <a:latin typeface="Consolas"/>
+              </a:rPr>
+              <a:t>.</a:t>
+            </a:r>
+            <a:r>
+              <a:rPr lang="it-IT" dirty="0" err="1">
+                <a:solidFill>
+                  <a:srgbClr val="001080"/>
+                </a:solidFill>
+                <a:latin typeface="Consolas"/>
+              </a:rPr>
+              <a:t>actions</a:t>
+            </a:r>
+            <a:r>
+              <a:rPr lang="it-IT" dirty="0" smtClean="0">
+                <a:solidFill>
+                  <a:srgbClr val="001080"/>
+                </a:solidFill>
+                <a:latin typeface="Consolas"/>
+              </a:rPr>
+              <a:t>$</a:t>
+            </a:r>
+            <a:endParaRPr lang="it-IT" dirty="0" smtClean="0">
+              <a:solidFill>
+                <a:srgbClr val="000000"/>
+              </a:solidFill>
+              <a:latin typeface="Consolas"/>
+            </a:endParaRPr>
+          </a:p>
+          <a:p>
+            <a:r>
+              <a:rPr lang="it-IT" dirty="0" smtClean="0">
+                <a:solidFill>
+                  <a:srgbClr val="000000"/>
+                </a:solidFill>
+                <a:latin typeface="Consolas"/>
+              </a:rPr>
+              <a:t>  .</a:t>
+            </a:r>
+            <a:r>
+              <a:rPr lang="it-IT" dirty="0" smtClean="0">
+                <a:solidFill>
+                  <a:srgbClr val="795E26"/>
+                </a:solidFill>
+                <a:latin typeface="Consolas"/>
+              </a:rPr>
+              <a:t>pipe</a:t>
+            </a:r>
+            <a:r>
+              <a:rPr lang="it-IT" dirty="0" smtClean="0">
+                <a:solidFill>
+                  <a:srgbClr val="000000"/>
+                </a:solidFill>
+                <a:latin typeface="Consolas"/>
+              </a:rPr>
+              <a:t>(</a:t>
+            </a:r>
+          </a:p>
+          <a:p>
+            <a:r>
+              <a:rPr lang="it-IT" dirty="0" smtClean="0">
+                <a:solidFill>
+                  <a:srgbClr val="795E26"/>
+                </a:solidFill>
+                <a:latin typeface="Consolas"/>
+              </a:rPr>
+              <a:t>    </a:t>
+            </a:r>
+            <a:r>
+              <a:rPr lang="it-IT" b="1" dirty="0" err="1" smtClean="0">
+                <a:solidFill>
+                  <a:srgbClr val="795E26"/>
+                </a:solidFill>
+                <a:latin typeface="Consolas"/>
+              </a:rPr>
+              <a:t>ofType</a:t>
+            </a:r>
+            <a:r>
+              <a:rPr lang="it-IT" b="1" dirty="0" smtClean="0">
+                <a:solidFill>
+                  <a:srgbClr val="000000"/>
+                </a:solidFill>
+                <a:latin typeface="Consolas"/>
+              </a:rPr>
+              <a:t>(</a:t>
+            </a:r>
+            <a:r>
+              <a:rPr lang="it-IT" b="1" dirty="0" err="1" smtClean="0">
+                <a:solidFill>
+                  <a:srgbClr val="001080"/>
+                </a:solidFill>
+                <a:latin typeface="Consolas"/>
+              </a:rPr>
+              <a:t>ActorsActionsTypes</a:t>
+            </a:r>
+            <a:r>
+              <a:rPr lang="it-IT" b="1" dirty="0" err="1" smtClean="0">
+                <a:solidFill>
+                  <a:srgbClr val="000000"/>
+                </a:solidFill>
+                <a:latin typeface="Consolas"/>
+              </a:rPr>
+              <a:t>.</a:t>
+            </a:r>
+            <a:r>
+              <a:rPr lang="it-IT" b="1" dirty="0" err="1" smtClean="0">
+                <a:solidFill>
+                  <a:srgbClr val="001080"/>
+                </a:solidFill>
+                <a:latin typeface="Consolas"/>
+              </a:rPr>
+              <a:t>ACTORS_LOAD_HIERARCHY</a:t>
+            </a:r>
+            <a:r>
+              <a:rPr lang="it-IT" b="1" dirty="0">
+                <a:solidFill>
+                  <a:srgbClr val="000000"/>
+                </a:solidFill>
+                <a:latin typeface="Consolas"/>
+              </a:rPr>
+              <a:t>)</a:t>
+            </a:r>
+            <a:r>
+              <a:rPr lang="it-IT" dirty="0">
+                <a:solidFill>
+                  <a:srgbClr val="000000"/>
+                </a:solidFill>
+                <a:latin typeface="Consolas"/>
+              </a:rPr>
+              <a:t>,</a:t>
+            </a:r>
+          </a:p>
+          <a:p>
+            <a:r>
+              <a:rPr lang="it-IT" dirty="0" smtClean="0">
+                <a:solidFill>
+                  <a:srgbClr val="795E26"/>
+                </a:solidFill>
+                <a:latin typeface="Consolas"/>
+              </a:rPr>
+              <a:t>    </a:t>
+            </a:r>
+            <a:r>
+              <a:rPr lang="it-IT" b="1" dirty="0" err="1" smtClean="0">
+                <a:solidFill>
+                  <a:srgbClr val="795E26"/>
+                </a:solidFill>
+                <a:latin typeface="Consolas"/>
+              </a:rPr>
+              <a:t>switchMap</a:t>
+            </a:r>
+            <a:r>
+              <a:rPr lang="it-IT" dirty="0" smtClean="0">
+                <a:solidFill>
+                  <a:srgbClr val="000000"/>
+                </a:solidFill>
+                <a:latin typeface="Consolas"/>
+              </a:rPr>
+              <a:t>(</a:t>
+            </a:r>
+            <a:r>
+              <a:rPr lang="it-IT" dirty="0" err="1" smtClean="0">
+                <a:solidFill>
+                  <a:srgbClr val="001080"/>
+                </a:solidFill>
+                <a:latin typeface="Consolas"/>
+              </a:rPr>
+              <a:t>action</a:t>
+            </a:r>
+            <a:r>
+              <a:rPr lang="it-IT" dirty="0" smtClean="0">
+                <a:solidFill>
+                  <a:srgbClr val="000000"/>
+                </a:solidFill>
+                <a:latin typeface="Consolas"/>
+              </a:rPr>
+              <a:t> </a:t>
+            </a:r>
+            <a:r>
+              <a:rPr lang="it-IT" dirty="0">
+                <a:solidFill>
+                  <a:srgbClr val="0000FF"/>
+                </a:solidFill>
+                <a:latin typeface="Consolas"/>
+              </a:rPr>
+              <a:t>=&gt;</a:t>
+            </a:r>
+            <a:r>
+              <a:rPr lang="it-IT" dirty="0">
+                <a:solidFill>
+                  <a:srgbClr val="000000"/>
+                </a:solidFill>
+                <a:latin typeface="Consolas"/>
+              </a:rPr>
+              <a:t> {</a:t>
+            </a:r>
+          </a:p>
+          <a:p>
+            <a:r>
+              <a:rPr lang="it-IT" dirty="0" smtClean="0">
+                <a:solidFill>
+                  <a:srgbClr val="AF00DB"/>
+                </a:solidFill>
+                <a:latin typeface="Consolas"/>
+              </a:rPr>
+              <a:t>      </a:t>
+            </a:r>
+            <a:r>
+              <a:rPr lang="it-IT" dirty="0" err="1" smtClean="0">
+                <a:solidFill>
+                  <a:srgbClr val="AF00DB"/>
+                </a:solidFill>
+                <a:latin typeface="Consolas"/>
+              </a:rPr>
+              <a:t>return</a:t>
+            </a:r>
+            <a:r>
+              <a:rPr lang="it-IT" dirty="0" smtClean="0">
+                <a:solidFill>
+                  <a:srgbClr val="000000"/>
+                </a:solidFill>
+                <a:latin typeface="Consolas"/>
+              </a:rPr>
+              <a:t> </a:t>
+            </a:r>
+            <a:r>
+              <a:rPr lang="it-IT" b="1" dirty="0" err="1">
+                <a:solidFill>
+                  <a:srgbClr val="0000FF"/>
+                </a:solidFill>
+                <a:latin typeface="Consolas"/>
+              </a:rPr>
+              <a:t>this</a:t>
+            </a:r>
+            <a:r>
+              <a:rPr lang="it-IT" b="1" dirty="0" err="1">
+                <a:solidFill>
+                  <a:srgbClr val="000000"/>
+                </a:solidFill>
+                <a:latin typeface="Consolas"/>
+              </a:rPr>
+              <a:t>.</a:t>
+            </a:r>
+            <a:r>
+              <a:rPr lang="it-IT" b="1" dirty="0" err="1">
+                <a:solidFill>
+                  <a:srgbClr val="001080"/>
+                </a:solidFill>
+                <a:latin typeface="Consolas"/>
+              </a:rPr>
+              <a:t>endpointService</a:t>
+            </a:r>
+            <a:r>
+              <a:rPr lang="it-IT" b="1" dirty="0" err="1">
+                <a:solidFill>
+                  <a:srgbClr val="000000"/>
+                </a:solidFill>
+                <a:latin typeface="Consolas"/>
+              </a:rPr>
+              <a:t>.</a:t>
+            </a:r>
+            <a:r>
+              <a:rPr lang="it-IT" b="1" dirty="0" err="1">
+                <a:solidFill>
+                  <a:srgbClr val="795E26"/>
+                </a:solidFill>
+                <a:latin typeface="Consolas"/>
+              </a:rPr>
+              <a:t>GetActorsHierarchy</a:t>
+            </a:r>
+            <a:r>
+              <a:rPr lang="it-IT" b="1" dirty="0">
+                <a:solidFill>
+                  <a:srgbClr val="000000"/>
+                </a:solidFill>
+                <a:latin typeface="Consolas"/>
+              </a:rPr>
+              <a:t>(</a:t>
+            </a:r>
+            <a:r>
+              <a:rPr lang="it-IT" b="1" dirty="0" err="1">
+                <a:solidFill>
+                  <a:srgbClr val="001080"/>
+                </a:solidFill>
+                <a:latin typeface="Consolas"/>
+              </a:rPr>
+              <a:t>action</a:t>
+            </a:r>
+            <a:r>
+              <a:rPr lang="it-IT" b="1" dirty="0" err="1">
+                <a:solidFill>
+                  <a:srgbClr val="000000"/>
+                </a:solidFill>
+                <a:latin typeface="Consolas"/>
+              </a:rPr>
+              <a:t>.</a:t>
+            </a:r>
+            <a:r>
+              <a:rPr lang="it-IT" b="1" dirty="0" err="1">
+                <a:solidFill>
+                  <a:srgbClr val="001080"/>
+                </a:solidFill>
+                <a:latin typeface="Consolas"/>
+              </a:rPr>
+              <a:t>endpointName</a:t>
+            </a:r>
+            <a:r>
+              <a:rPr lang="it-IT" b="1" dirty="0">
+                <a:solidFill>
+                  <a:srgbClr val="000000"/>
+                </a:solidFill>
+                <a:latin typeface="Consolas"/>
+              </a:rPr>
+              <a:t>)</a:t>
+            </a:r>
+            <a:r>
+              <a:rPr lang="it-IT" dirty="0">
+                <a:solidFill>
+                  <a:srgbClr val="000000"/>
+                </a:solidFill>
+                <a:latin typeface="Consolas"/>
+              </a:rPr>
+              <a:t>.</a:t>
+            </a:r>
+            <a:r>
+              <a:rPr lang="it-IT" dirty="0">
+                <a:solidFill>
+                  <a:srgbClr val="795E26"/>
+                </a:solidFill>
+                <a:latin typeface="Consolas"/>
+              </a:rPr>
+              <a:t>pipe</a:t>
+            </a:r>
+            <a:r>
+              <a:rPr lang="it-IT" dirty="0">
+                <a:solidFill>
+                  <a:srgbClr val="000000"/>
+                </a:solidFill>
+                <a:latin typeface="Consolas"/>
+              </a:rPr>
+              <a:t>(</a:t>
+            </a:r>
+          </a:p>
+          <a:p>
+            <a:r>
+              <a:rPr lang="it-IT" dirty="0" smtClean="0">
+                <a:solidFill>
+                  <a:srgbClr val="795E26"/>
+                </a:solidFill>
+                <a:latin typeface="Consolas"/>
+              </a:rPr>
+              <a:t>        </a:t>
+            </a:r>
+            <a:r>
+              <a:rPr lang="it-IT" dirty="0" err="1" smtClean="0">
+                <a:solidFill>
+                  <a:srgbClr val="795E26"/>
+                </a:solidFill>
+                <a:latin typeface="Consolas"/>
+              </a:rPr>
+              <a:t>map</a:t>
+            </a:r>
+            <a:r>
+              <a:rPr lang="it-IT" dirty="0" smtClean="0">
+                <a:solidFill>
+                  <a:srgbClr val="000000"/>
+                </a:solidFill>
+                <a:latin typeface="Consolas"/>
+              </a:rPr>
+              <a:t>(</a:t>
+            </a:r>
+            <a:r>
+              <a:rPr lang="it-IT" dirty="0" err="1" smtClean="0">
+                <a:solidFill>
+                  <a:srgbClr val="001080"/>
+                </a:solidFill>
+                <a:latin typeface="Consolas"/>
+              </a:rPr>
+              <a:t>hierarchy</a:t>
+            </a:r>
+            <a:r>
+              <a:rPr lang="it-IT" dirty="0" smtClean="0">
+                <a:solidFill>
+                  <a:srgbClr val="000000"/>
+                </a:solidFill>
+                <a:latin typeface="Consolas"/>
+              </a:rPr>
+              <a:t> </a:t>
+            </a:r>
+            <a:r>
+              <a:rPr lang="it-IT" dirty="0">
+                <a:solidFill>
+                  <a:srgbClr val="0000FF"/>
+                </a:solidFill>
+                <a:latin typeface="Consolas"/>
+              </a:rPr>
+              <a:t>=&gt;</a:t>
+            </a:r>
+            <a:r>
+              <a:rPr lang="it-IT" dirty="0">
+                <a:solidFill>
+                  <a:srgbClr val="000000"/>
+                </a:solidFill>
+                <a:latin typeface="Consolas"/>
+              </a:rPr>
+              <a:t> </a:t>
+            </a:r>
+            <a:r>
+              <a:rPr lang="it-IT" dirty="0">
+                <a:solidFill>
+                  <a:srgbClr val="0000FF"/>
+                </a:solidFill>
+                <a:latin typeface="Consolas"/>
+              </a:rPr>
+              <a:t>new</a:t>
+            </a:r>
+            <a:r>
+              <a:rPr lang="it-IT" dirty="0">
+                <a:solidFill>
+                  <a:srgbClr val="000000"/>
+                </a:solidFill>
+                <a:latin typeface="Consolas"/>
+              </a:rPr>
+              <a:t> </a:t>
+            </a:r>
+            <a:r>
+              <a:rPr lang="it-IT" dirty="0" err="1">
+                <a:solidFill>
+                  <a:srgbClr val="267F99"/>
+                </a:solidFill>
+                <a:latin typeface="Consolas"/>
+              </a:rPr>
+              <a:t>ActorsHierarchyLoaded</a:t>
+            </a:r>
+            <a:r>
+              <a:rPr lang="it-IT" dirty="0">
+                <a:solidFill>
+                  <a:srgbClr val="000000"/>
+                </a:solidFill>
+                <a:latin typeface="Consolas"/>
+              </a:rPr>
+              <a:t>(</a:t>
+            </a:r>
+            <a:r>
+              <a:rPr lang="it-IT" dirty="0" err="1">
+                <a:solidFill>
+                  <a:srgbClr val="001080"/>
+                </a:solidFill>
+                <a:latin typeface="Consolas"/>
+              </a:rPr>
+              <a:t>action</a:t>
+            </a:r>
+            <a:r>
+              <a:rPr lang="it-IT" dirty="0" err="1">
+                <a:solidFill>
+                  <a:srgbClr val="000000"/>
+                </a:solidFill>
+                <a:latin typeface="Consolas"/>
+              </a:rPr>
+              <a:t>.</a:t>
+            </a:r>
+            <a:r>
+              <a:rPr lang="it-IT" dirty="0" err="1">
+                <a:solidFill>
+                  <a:srgbClr val="001080"/>
+                </a:solidFill>
+                <a:latin typeface="Consolas"/>
+              </a:rPr>
+              <a:t>endpointName</a:t>
+            </a:r>
+            <a:r>
+              <a:rPr lang="it-IT" dirty="0">
+                <a:solidFill>
+                  <a:srgbClr val="000000"/>
+                </a:solidFill>
+                <a:latin typeface="Consolas"/>
+              </a:rPr>
+              <a:t>, </a:t>
+            </a:r>
+            <a:r>
+              <a:rPr lang="it-IT" dirty="0" err="1">
+                <a:solidFill>
+                  <a:srgbClr val="001080"/>
+                </a:solidFill>
+                <a:latin typeface="Consolas"/>
+              </a:rPr>
+              <a:t>hierarchy</a:t>
+            </a:r>
+            <a:r>
+              <a:rPr lang="it-IT" dirty="0">
+                <a:solidFill>
+                  <a:srgbClr val="000000"/>
+                </a:solidFill>
+                <a:latin typeface="Consolas"/>
+              </a:rPr>
+              <a:t>)),</a:t>
+            </a:r>
+          </a:p>
+          <a:p>
+            <a:r>
+              <a:rPr lang="it-IT" dirty="0" smtClean="0">
+                <a:solidFill>
+                  <a:srgbClr val="795E26"/>
+                </a:solidFill>
+                <a:latin typeface="Consolas"/>
+              </a:rPr>
+              <a:t>        </a:t>
+            </a:r>
+            <a:r>
+              <a:rPr lang="it-IT" b="1" dirty="0" err="1" smtClean="0">
+                <a:solidFill>
+                  <a:srgbClr val="795E26"/>
+                </a:solidFill>
+                <a:latin typeface="Consolas"/>
+              </a:rPr>
+              <a:t>catchError</a:t>
+            </a:r>
+            <a:r>
+              <a:rPr lang="it-IT" dirty="0" smtClean="0">
+                <a:solidFill>
+                  <a:srgbClr val="000000"/>
+                </a:solidFill>
+                <a:latin typeface="Consolas"/>
+              </a:rPr>
+              <a:t>(</a:t>
+            </a:r>
+            <a:r>
+              <a:rPr lang="it-IT" dirty="0" err="1" smtClean="0">
+                <a:solidFill>
+                  <a:srgbClr val="001080"/>
+                </a:solidFill>
+                <a:latin typeface="Consolas"/>
+              </a:rPr>
+              <a:t>error</a:t>
+            </a:r>
+            <a:r>
+              <a:rPr lang="it-IT" dirty="0" smtClean="0">
+                <a:solidFill>
+                  <a:srgbClr val="000000"/>
+                </a:solidFill>
+                <a:latin typeface="Consolas"/>
+              </a:rPr>
+              <a:t> </a:t>
+            </a:r>
+            <a:r>
+              <a:rPr lang="it-IT" dirty="0">
+                <a:solidFill>
+                  <a:srgbClr val="0000FF"/>
+                </a:solidFill>
+                <a:latin typeface="Consolas"/>
+              </a:rPr>
+              <a:t>=&gt;</a:t>
+            </a:r>
+            <a:r>
+              <a:rPr lang="it-IT" dirty="0">
+                <a:solidFill>
+                  <a:srgbClr val="000000"/>
+                </a:solidFill>
+                <a:latin typeface="Consolas"/>
+              </a:rPr>
+              <a:t> </a:t>
+            </a:r>
+            <a:r>
+              <a:rPr lang="it-IT" dirty="0">
+                <a:solidFill>
+                  <a:srgbClr val="795E26"/>
+                </a:solidFill>
+                <a:latin typeface="Consolas"/>
+              </a:rPr>
+              <a:t>of</a:t>
+            </a:r>
+            <a:r>
+              <a:rPr lang="it-IT" dirty="0">
+                <a:solidFill>
+                  <a:srgbClr val="000000"/>
+                </a:solidFill>
+                <a:latin typeface="Consolas"/>
+              </a:rPr>
+              <a:t>(</a:t>
+            </a:r>
+            <a:r>
+              <a:rPr lang="it-IT" dirty="0">
+                <a:solidFill>
+                  <a:srgbClr val="0000FF"/>
+                </a:solidFill>
+                <a:latin typeface="Consolas"/>
+              </a:rPr>
+              <a:t>new</a:t>
+            </a:r>
+            <a:r>
+              <a:rPr lang="it-IT" dirty="0">
+                <a:solidFill>
+                  <a:srgbClr val="000000"/>
+                </a:solidFill>
+                <a:latin typeface="Consolas"/>
+              </a:rPr>
+              <a:t> </a:t>
+            </a:r>
+            <a:r>
+              <a:rPr lang="it-IT" dirty="0" err="1">
+                <a:solidFill>
+                  <a:srgbClr val="267F99"/>
+                </a:solidFill>
+                <a:latin typeface="Consolas"/>
+              </a:rPr>
+              <a:t>ActorsLoadHierarcyFailed</a:t>
+            </a:r>
+            <a:r>
+              <a:rPr lang="it-IT" dirty="0">
+                <a:solidFill>
+                  <a:srgbClr val="000000"/>
+                </a:solidFill>
+                <a:latin typeface="Consolas"/>
+              </a:rPr>
+              <a:t>(</a:t>
+            </a:r>
+            <a:r>
+              <a:rPr lang="it-IT" dirty="0" err="1">
+                <a:solidFill>
+                  <a:srgbClr val="001080"/>
+                </a:solidFill>
+                <a:latin typeface="Consolas"/>
+              </a:rPr>
+              <a:t>action</a:t>
+            </a:r>
+            <a:r>
+              <a:rPr lang="it-IT" dirty="0" err="1">
+                <a:solidFill>
+                  <a:srgbClr val="000000"/>
+                </a:solidFill>
+                <a:latin typeface="Consolas"/>
+              </a:rPr>
+              <a:t>.</a:t>
+            </a:r>
+            <a:r>
+              <a:rPr lang="it-IT" dirty="0" err="1">
+                <a:solidFill>
+                  <a:srgbClr val="001080"/>
+                </a:solidFill>
+                <a:latin typeface="Consolas"/>
+              </a:rPr>
+              <a:t>endpointName</a:t>
+            </a:r>
+            <a:r>
+              <a:rPr lang="it-IT" dirty="0">
+                <a:solidFill>
+                  <a:srgbClr val="000000"/>
+                </a:solidFill>
+                <a:latin typeface="Consolas"/>
+              </a:rPr>
+              <a:t>, </a:t>
+            </a:r>
+            <a:r>
+              <a:rPr lang="it-IT" dirty="0" err="1">
+                <a:solidFill>
+                  <a:srgbClr val="001080"/>
+                </a:solidFill>
+                <a:latin typeface="Consolas"/>
+              </a:rPr>
+              <a:t>error</a:t>
+            </a:r>
+            <a:r>
+              <a:rPr lang="it-IT" dirty="0">
+                <a:solidFill>
+                  <a:srgbClr val="000000"/>
+                </a:solidFill>
+                <a:latin typeface="Consolas"/>
+              </a:rPr>
+              <a:t>)))</a:t>
+            </a:r>
+          </a:p>
+          <a:p>
+            <a:r>
+              <a:rPr lang="it-IT" dirty="0" smtClean="0">
+                <a:solidFill>
+                  <a:srgbClr val="000000"/>
+                </a:solidFill>
+                <a:latin typeface="Consolas"/>
+              </a:rPr>
+              <a:t>    );</a:t>
+            </a:r>
+            <a:endParaRPr lang="it-IT" dirty="0">
+              <a:solidFill>
+                <a:srgbClr val="000000"/>
+              </a:solidFill>
+              <a:latin typeface="Consolas"/>
+            </a:endParaRPr>
+          </a:p>
+          <a:p>
+            <a:r>
+              <a:rPr lang="it-IT" dirty="0" smtClean="0">
+                <a:solidFill>
+                  <a:srgbClr val="000000"/>
+                </a:solidFill>
+                <a:latin typeface="Consolas"/>
+              </a:rPr>
+              <a:t>  })</a:t>
+            </a:r>
+            <a:endParaRPr lang="it-IT" dirty="0">
+              <a:solidFill>
+                <a:srgbClr val="000000"/>
+              </a:solidFill>
+              <a:latin typeface="Consolas"/>
+            </a:endParaRPr>
+          </a:p>
+          <a:p>
+            <a:r>
+              <a:rPr lang="it-IT" dirty="0">
+                <a:solidFill>
+                  <a:srgbClr val="000000"/>
+                </a:solidFill>
+                <a:latin typeface="Consolas"/>
+              </a:rPr>
+              <a:t>);</a:t>
+            </a:r>
+          </a:p>
+          <a:p>
+            <a:endParaRPr lang="it-IT" dirty="0"/>
+          </a:p>
+        </p:txBody>
+      </p:sp>
+      <p:sp>
+        <p:nvSpPr>
+          <p:cNvPr id="4" name="Rettangolo 3"/>
+          <p:cNvSpPr/>
+          <p:nvPr/>
+        </p:nvSpPr>
+        <p:spPr>
+          <a:xfrm>
+            <a:off x="1606550" y="2762250"/>
+            <a:ext cx="5524500" cy="400050"/>
+          </a:xfrm>
+          <a:prstGeom prst="rect">
+            <a:avLst/>
+          </a:prstGeom>
+          <a:noFill/>
+          <a:ln>
+            <a:solidFill>
+              <a:srgbClr val="FF0000"/>
+            </a:solidFill>
+          </a:ln>
+        </p:spPr>
+        <p:style>
+          <a:lnRef idx="2">
+            <a:schemeClr val="dk1"/>
+          </a:lnRef>
+          <a:fillRef idx="1">
+            <a:schemeClr val="lt1"/>
+          </a:fillRef>
+          <a:effectRef idx="0">
+            <a:schemeClr val="dk1"/>
+          </a:effectRef>
+          <a:fontRef idx="minor">
+            <a:schemeClr val="dk1"/>
+          </a:fontRef>
+        </p:style>
+        <p:txBody>
+          <a:bodyPr rtlCol="0" anchor="ctr"/>
+          <a:lstStyle/>
+          <a:p>
+            <a:pPr algn="ctr"/>
+            <a:endParaRPr lang="it-IT"/>
+          </a:p>
+        </p:txBody>
+      </p:sp>
+      <p:sp>
+        <p:nvSpPr>
+          <p:cNvPr id="5" name="Rettangolo 4"/>
+          <p:cNvSpPr/>
+          <p:nvPr/>
+        </p:nvSpPr>
+        <p:spPr>
+          <a:xfrm>
+            <a:off x="2692400" y="3473450"/>
+            <a:ext cx="6667500" cy="400050"/>
+          </a:xfrm>
+          <a:prstGeom prst="rect">
+            <a:avLst/>
+          </a:prstGeom>
+          <a:noFill/>
+          <a:ln>
+            <a:solidFill>
+              <a:srgbClr val="FF0000"/>
+            </a:solidFill>
+          </a:ln>
+        </p:spPr>
+        <p:style>
+          <a:lnRef idx="2">
+            <a:schemeClr val="dk1"/>
+          </a:lnRef>
+          <a:fillRef idx="1">
+            <a:schemeClr val="lt1"/>
+          </a:fillRef>
+          <a:effectRef idx="0">
+            <a:schemeClr val="dk1"/>
+          </a:effectRef>
+          <a:fontRef idx="minor">
+            <a:schemeClr val="dk1"/>
+          </a:fontRef>
+        </p:style>
+        <p:txBody>
+          <a:bodyPr rtlCol="0" anchor="ctr"/>
+          <a:lstStyle/>
+          <a:p>
+            <a:pPr algn="ctr"/>
+            <a:endParaRPr lang="it-IT"/>
+          </a:p>
+        </p:txBody>
+      </p:sp>
+      <p:sp>
+        <p:nvSpPr>
+          <p:cNvPr id="6" name="Rettangolo 5"/>
+          <p:cNvSpPr/>
+          <p:nvPr/>
+        </p:nvSpPr>
+        <p:spPr>
+          <a:xfrm>
+            <a:off x="1974850" y="4197350"/>
+            <a:ext cx="9207500" cy="400050"/>
+          </a:xfrm>
+          <a:prstGeom prst="rect">
+            <a:avLst/>
+          </a:prstGeom>
+          <a:noFill/>
+          <a:ln>
+            <a:solidFill>
+              <a:srgbClr val="FF0000"/>
+            </a:solidFill>
+          </a:ln>
+        </p:spPr>
+        <p:style>
+          <a:lnRef idx="2">
+            <a:schemeClr val="dk1"/>
+          </a:lnRef>
+          <a:fillRef idx="1">
+            <a:schemeClr val="lt1"/>
+          </a:fillRef>
+          <a:effectRef idx="0">
+            <a:schemeClr val="dk1"/>
+          </a:effectRef>
+          <a:fontRef idx="minor">
+            <a:schemeClr val="dk1"/>
+          </a:fontRef>
+        </p:style>
+        <p:txBody>
+          <a:bodyPr rtlCol="0" anchor="ctr"/>
+          <a:lstStyle/>
+          <a:p>
+            <a:pPr algn="ctr"/>
+            <a:endParaRPr lang="it-IT"/>
+          </a:p>
+        </p:txBody>
+      </p:sp>
+      <p:sp>
+        <p:nvSpPr>
+          <p:cNvPr id="7" name="Rettangolo 6"/>
+          <p:cNvSpPr/>
+          <p:nvPr/>
+        </p:nvSpPr>
+        <p:spPr>
+          <a:xfrm>
+            <a:off x="1606550" y="3162300"/>
+            <a:ext cx="1085850" cy="400050"/>
+          </a:xfrm>
+          <a:prstGeom prst="rect">
+            <a:avLst/>
+          </a:prstGeom>
+          <a:noFill/>
+          <a:ln>
+            <a:solidFill>
+              <a:srgbClr val="FF0000"/>
+            </a:solidFill>
+          </a:ln>
+        </p:spPr>
+        <p:style>
+          <a:lnRef idx="2">
+            <a:schemeClr val="dk1"/>
+          </a:lnRef>
+          <a:fillRef idx="1">
+            <a:schemeClr val="lt1"/>
+          </a:fillRef>
+          <a:effectRef idx="0">
+            <a:schemeClr val="dk1"/>
+          </a:effectRef>
+          <a:fontRef idx="minor">
+            <a:schemeClr val="dk1"/>
+          </a:fontRef>
+        </p:style>
+        <p:txBody>
+          <a:bodyPr rtlCol="0" anchor="ctr"/>
+          <a:lstStyle/>
+          <a:p>
+            <a:pPr algn="ctr"/>
             <a:endParaRPr lang="it-IT"/>
           </a:p>
         </p:txBody>
@@ -17085,7 +18574,7 @@
     </p:spTree>
     <p:extLst>
       <p:ext uri="{BB962C8B-B14F-4D97-AF65-F5344CB8AC3E}">
-        <p14:creationId xmlns:p14="http://schemas.microsoft.com/office/powerpoint/2010/main" val="268254844"/>
+        <p14:creationId xmlns:p14="http://schemas.microsoft.com/office/powerpoint/2010/main" val="337052268"/>
       </p:ext>
     </p:extLst>
   </p:cSld>
@@ -17095,9 +18584,358 @@
   <p:timing>
     <p:tnLst>
       <p:par>
-        <p:cTn id="1" dur="indefinite" restart="never" nodeType="tmRoot"/>
+        <p:cTn id="1" dur="indefinite" restart="never" nodeType="tmRoot">
+          <p:childTnLst>
+            <p:seq concurrent="1" nextAc="seek">
+              <p:cTn id="2" dur="indefinite" nodeType="mainSeq">
+                <p:childTnLst>
+                  <p:par>
+                    <p:cTn id="3" fill="hold">
+                      <p:stCondLst>
+                        <p:cond delay="indefinite"/>
+                      </p:stCondLst>
+                      <p:childTnLst>
+                        <p:par>
+                          <p:cTn id="4" fill="hold">
+                            <p:stCondLst>
+                              <p:cond delay="0"/>
+                            </p:stCondLst>
+                            <p:childTnLst>
+                              <p:par>
+                                <p:cTn id="5" presetID="10" presetClass="entr" presetSubtype="0" fill="hold" grpId="0" nodeType="clickEffect">
+                                  <p:stCondLst>
+                                    <p:cond delay="0"/>
+                                  </p:stCondLst>
+                                  <p:childTnLst>
+                                    <p:set>
+                                      <p:cBhvr>
+                                        <p:cTn id="6" dur="1" fill="hold">
+                                          <p:stCondLst>
+                                            <p:cond delay="0"/>
+                                          </p:stCondLst>
+                                        </p:cTn>
+                                        <p:tgtEl>
+                                          <p:spTgt spid="4"/>
+                                        </p:tgtEl>
+                                        <p:attrNameLst>
+                                          <p:attrName>style.visibility</p:attrName>
+                                        </p:attrNameLst>
+                                      </p:cBhvr>
+                                      <p:to>
+                                        <p:strVal val="visible"/>
+                                      </p:to>
+                                    </p:set>
+                                    <p:animEffect transition="in" filter="fade">
+                                      <p:cBhvr>
+                                        <p:cTn id="7" dur="500"/>
+                                        <p:tgtEl>
+                                          <p:spTgt spid="4"/>
+                                        </p:tgtEl>
+                                      </p:cBhvr>
+                                    </p:animEffect>
+                                  </p:childTnLst>
+                                </p:cTn>
+                              </p:par>
+                            </p:childTnLst>
+                          </p:cTn>
+                        </p:par>
+                      </p:childTnLst>
+                    </p:cTn>
+                  </p:par>
+                  <p:par>
+                    <p:cTn id="8" fill="hold">
+                      <p:stCondLst>
+                        <p:cond delay="indefinite"/>
+                      </p:stCondLst>
+                      <p:childTnLst>
+                        <p:par>
+                          <p:cTn id="9" fill="hold">
+                            <p:stCondLst>
+                              <p:cond delay="0"/>
+                            </p:stCondLst>
+                            <p:childTnLst>
+                              <p:par>
+                                <p:cTn id="10" presetID="10" presetClass="exit" presetSubtype="0" fill="hold" grpId="2" nodeType="clickEffect">
+                                  <p:stCondLst>
+                                    <p:cond delay="0"/>
+                                  </p:stCondLst>
+                                  <p:childTnLst>
+                                    <p:animEffect transition="out" filter="fade">
+                                      <p:cBhvr>
+                                        <p:cTn id="11" dur="500"/>
+                                        <p:tgtEl>
+                                          <p:spTgt spid="4"/>
+                                        </p:tgtEl>
+                                      </p:cBhvr>
+                                    </p:animEffect>
+                                    <p:set>
+                                      <p:cBhvr>
+                                        <p:cTn id="12" dur="1" fill="hold">
+                                          <p:stCondLst>
+                                            <p:cond delay="499"/>
+                                          </p:stCondLst>
+                                        </p:cTn>
+                                        <p:tgtEl>
+                                          <p:spTgt spid="4"/>
+                                        </p:tgtEl>
+                                        <p:attrNameLst>
+                                          <p:attrName>style.visibility</p:attrName>
+                                        </p:attrNameLst>
+                                      </p:cBhvr>
+                                      <p:to>
+                                        <p:strVal val="hidden"/>
+                                      </p:to>
+                                    </p:set>
+                                  </p:childTnLst>
+                                </p:cTn>
+                              </p:par>
+                              <p:par>
+                                <p:cTn id="13" presetID="10" presetClass="entr" presetSubtype="0" fill="hold" grpId="0" nodeType="withEffect">
+                                  <p:stCondLst>
+                                    <p:cond delay="0"/>
+                                  </p:stCondLst>
+                                  <p:childTnLst>
+                                    <p:set>
+                                      <p:cBhvr>
+                                        <p:cTn id="14" dur="1" fill="hold">
+                                          <p:stCondLst>
+                                            <p:cond delay="0"/>
+                                          </p:stCondLst>
+                                        </p:cTn>
+                                        <p:tgtEl>
+                                          <p:spTgt spid="5"/>
+                                        </p:tgtEl>
+                                        <p:attrNameLst>
+                                          <p:attrName>style.visibility</p:attrName>
+                                        </p:attrNameLst>
+                                      </p:cBhvr>
+                                      <p:to>
+                                        <p:strVal val="visible"/>
+                                      </p:to>
+                                    </p:set>
+                                    <p:animEffect transition="in" filter="fade">
+                                      <p:cBhvr>
+                                        <p:cTn id="15" dur="500"/>
+                                        <p:tgtEl>
+                                          <p:spTgt spid="5"/>
+                                        </p:tgtEl>
+                                      </p:cBhvr>
+                                    </p:animEffect>
+                                  </p:childTnLst>
+                                </p:cTn>
+                              </p:par>
+                            </p:childTnLst>
+                          </p:cTn>
+                        </p:par>
+                      </p:childTnLst>
+                    </p:cTn>
+                  </p:par>
+                  <p:par>
+                    <p:cTn id="16" fill="hold">
+                      <p:stCondLst>
+                        <p:cond delay="indefinite"/>
+                      </p:stCondLst>
+                      <p:childTnLst>
+                        <p:par>
+                          <p:cTn id="17" fill="hold">
+                            <p:stCondLst>
+                              <p:cond delay="0"/>
+                            </p:stCondLst>
+                            <p:childTnLst>
+                              <p:par>
+                                <p:cTn id="18" presetID="10" presetClass="exit" presetSubtype="0" fill="hold" grpId="1" nodeType="clickEffect">
+                                  <p:stCondLst>
+                                    <p:cond delay="0"/>
+                                  </p:stCondLst>
+                                  <p:childTnLst>
+                                    <p:animEffect transition="out" filter="fade">
+                                      <p:cBhvr>
+                                        <p:cTn id="19" dur="500"/>
+                                        <p:tgtEl>
+                                          <p:spTgt spid="5"/>
+                                        </p:tgtEl>
+                                      </p:cBhvr>
+                                    </p:animEffect>
+                                    <p:set>
+                                      <p:cBhvr>
+                                        <p:cTn id="20" dur="1" fill="hold">
+                                          <p:stCondLst>
+                                            <p:cond delay="499"/>
+                                          </p:stCondLst>
+                                        </p:cTn>
+                                        <p:tgtEl>
+                                          <p:spTgt spid="5"/>
+                                        </p:tgtEl>
+                                        <p:attrNameLst>
+                                          <p:attrName>style.visibility</p:attrName>
+                                        </p:attrNameLst>
+                                      </p:cBhvr>
+                                      <p:to>
+                                        <p:strVal val="hidden"/>
+                                      </p:to>
+                                    </p:set>
+                                  </p:childTnLst>
+                                </p:cTn>
+                              </p:par>
+                              <p:par>
+                                <p:cTn id="21" presetID="10" presetClass="entr" presetSubtype="0" fill="hold" grpId="0" nodeType="withEffect">
+                                  <p:stCondLst>
+                                    <p:cond delay="0"/>
+                                  </p:stCondLst>
+                                  <p:childTnLst>
+                                    <p:set>
+                                      <p:cBhvr>
+                                        <p:cTn id="22" dur="1" fill="hold">
+                                          <p:stCondLst>
+                                            <p:cond delay="0"/>
+                                          </p:stCondLst>
+                                        </p:cTn>
+                                        <p:tgtEl>
+                                          <p:spTgt spid="6"/>
+                                        </p:tgtEl>
+                                        <p:attrNameLst>
+                                          <p:attrName>style.visibility</p:attrName>
+                                        </p:attrNameLst>
+                                      </p:cBhvr>
+                                      <p:to>
+                                        <p:strVal val="visible"/>
+                                      </p:to>
+                                    </p:set>
+                                    <p:animEffect transition="in" filter="fade">
+                                      <p:cBhvr>
+                                        <p:cTn id="23" dur="500"/>
+                                        <p:tgtEl>
+                                          <p:spTgt spid="6"/>
+                                        </p:tgtEl>
+                                      </p:cBhvr>
+                                    </p:animEffect>
+                                  </p:childTnLst>
+                                </p:cTn>
+                              </p:par>
+                            </p:childTnLst>
+                          </p:cTn>
+                        </p:par>
+                      </p:childTnLst>
+                    </p:cTn>
+                  </p:par>
+                  <p:par>
+                    <p:cTn id="24" fill="hold">
+                      <p:stCondLst>
+                        <p:cond delay="indefinite"/>
+                      </p:stCondLst>
+                      <p:childTnLst>
+                        <p:par>
+                          <p:cTn id="25" fill="hold">
+                            <p:stCondLst>
+                              <p:cond delay="0"/>
+                            </p:stCondLst>
+                            <p:childTnLst>
+                              <p:par>
+                                <p:cTn id="26" presetID="10" presetClass="exit" presetSubtype="0" fill="hold" grpId="1" nodeType="clickEffect">
+                                  <p:stCondLst>
+                                    <p:cond delay="0"/>
+                                  </p:stCondLst>
+                                  <p:childTnLst>
+                                    <p:animEffect transition="out" filter="fade">
+                                      <p:cBhvr>
+                                        <p:cTn id="27" dur="500"/>
+                                        <p:tgtEl>
+                                          <p:spTgt spid="6"/>
+                                        </p:tgtEl>
+                                      </p:cBhvr>
+                                    </p:animEffect>
+                                    <p:set>
+                                      <p:cBhvr>
+                                        <p:cTn id="28" dur="1" fill="hold">
+                                          <p:stCondLst>
+                                            <p:cond delay="499"/>
+                                          </p:stCondLst>
+                                        </p:cTn>
+                                        <p:tgtEl>
+                                          <p:spTgt spid="6"/>
+                                        </p:tgtEl>
+                                        <p:attrNameLst>
+                                          <p:attrName>style.visibility</p:attrName>
+                                        </p:attrNameLst>
+                                      </p:cBhvr>
+                                      <p:to>
+                                        <p:strVal val="hidden"/>
+                                      </p:to>
+                                    </p:set>
+                                  </p:childTnLst>
+                                </p:cTn>
+                              </p:par>
+                              <p:par>
+                                <p:cTn id="29" presetID="10" presetClass="entr" presetSubtype="0" fill="hold" grpId="0" nodeType="withEffect">
+                                  <p:stCondLst>
+                                    <p:cond delay="0"/>
+                                  </p:stCondLst>
+                                  <p:childTnLst>
+                                    <p:set>
+                                      <p:cBhvr>
+                                        <p:cTn id="30" dur="1" fill="hold">
+                                          <p:stCondLst>
+                                            <p:cond delay="0"/>
+                                          </p:stCondLst>
+                                        </p:cTn>
+                                        <p:tgtEl>
+                                          <p:spTgt spid="7"/>
+                                        </p:tgtEl>
+                                        <p:attrNameLst>
+                                          <p:attrName>style.visibility</p:attrName>
+                                        </p:attrNameLst>
+                                      </p:cBhvr>
+                                      <p:to>
+                                        <p:strVal val="visible"/>
+                                      </p:to>
+                                    </p:set>
+                                    <p:animEffect transition="in" filter="fade">
+                                      <p:cBhvr>
+                                        <p:cTn id="31" dur="500"/>
+                                        <p:tgtEl>
+                                          <p:spTgt spid="7"/>
+                                        </p:tgtEl>
+                                      </p:cBhvr>
+                                    </p:animEffect>
+                                  </p:childTnLst>
+                                </p:cTn>
+                              </p:par>
+                            </p:childTnLst>
+                          </p:cTn>
+                        </p:par>
+                      </p:childTnLst>
+                    </p:cTn>
+                  </p:par>
+                </p:childTnLst>
+              </p:cTn>
+              <p:prevCondLst>
+                <p:cond evt="onPrev" delay="0">
+                  <p:tgtEl>
+                    <p:sldTgt/>
+                  </p:tgtEl>
+                </p:cond>
+              </p:prevCondLst>
+              <p:nextCondLst>
+                <p:cond evt="onNext" delay="0">
+                  <p:tgtEl>
+                    <p:sldTgt/>
+                  </p:tgtEl>
+                </p:cond>
+              </p:nextCondLst>
+            </p:seq>
+          </p:childTnLst>
+        </p:cTn>
       </p:par>
     </p:tnLst>
+    <p:bldLst>
+      <p:bldP spid="4" grpId="0" animBg="1"/>
+      <p:bldP spid="4" grpId="2" animBg="1"/>
+      <p:bldP spid="5" grpId="0" animBg="1"/>
+      <p:bldP spid="5" grpId="1" animBg="1"/>
+      <p:bldP spid="6" grpId="0" animBg="1"/>
+      <p:bldP spid="6" grpId="1" animBg="1"/>
+      <p:bldP spid="7" grpId="0" animBg="1"/>
+    </p:bldLst>
   </p:timing>
 </p:sld>
 </file>
@@ -17121,7 +18959,7 @@
       </p:grpSpPr>
       <p:sp>
         <p:nvSpPr>
-          <p:cNvPr id="4" name="Titolo 3"/>
+          <p:cNvPr id="2" name="Titolo 1"/>
           <p:cNvSpPr>
             <a:spLocks noGrp="1"/>
           </p:cNvSpPr>
@@ -17136,15 +18974,31 @@
           <a:p>
             <a:r>
               <a:rPr lang="it-IT" dirty="0" err="1" smtClean="0"/>
-              <a:t>ngrx</a:t>
+              <a:t>RxJS</a:t>
             </a:r>
             <a:r>
               <a:rPr lang="it-IT" dirty="0" smtClean="0"/>
-              <a:t>/</a:t>
+              <a:t>: </a:t>
             </a:r>
             <a:r>
               <a:rPr lang="it-IT" dirty="0" err="1" smtClean="0"/>
-              <a:t>store-devtools</a:t>
+              <a:t>chose</a:t>
+            </a:r>
+            <a:r>
+              <a:rPr lang="it-IT" dirty="0" smtClean="0"/>
+              <a:t> the </a:t>
+            </a:r>
+            <a:r>
+              <a:rPr lang="it-IT" dirty="0" err="1" smtClean="0"/>
+              <a:t>operators</a:t>
+            </a:r>
+            <a:r>
+              <a:rPr lang="it-IT" dirty="0" smtClean="0"/>
+              <a:t> </a:t>
+            </a:r>
+            <a:r>
+              <a:rPr lang="it-IT" dirty="0" err="1" smtClean="0"/>
+              <a:t>wisely</a:t>
             </a:r>
             <a:endParaRPr lang="it-IT" dirty="0"/>
           </a:p>
@@ -17152,7 +19006,7 @@
       </p:sp>
       <p:sp>
         <p:nvSpPr>
-          <p:cNvPr id="5" name="Segnaposto contenuto 4"/>
+          <p:cNvPr id="3" name="Segnaposto contenuto 2"/>
           <p:cNvSpPr>
             <a:spLocks noGrp="1"/>
           </p:cNvSpPr>
@@ -17160,120 +19014,527 @@
             <p:ph idx="1"/>
           </p:nvPr>
         </p:nvSpPr>
-        <p:spPr>
-          <a:xfrm>
-            <a:off x="7829550" y="1845734"/>
-            <a:ext cx="3326130" cy="4023360"/>
-          </a:xfrm>
-        </p:spPr>
+        <p:spPr/>
         <p:txBody>
-          <a:bodyPr/>
+          <a:bodyPr>
+            <a:normAutofit/>
+          </a:bodyPr>
           <a:lstStyle/>
           <a:p>
-            <a:r>
-              <a:rPr lang="en-US" dirty="0" smtClean="0"/>
-              <a:t>Store-</a:t>
-            </a:r>
-            <a:r>
-              <a:rPr lang="en-US" dirty="0" err="1" smtClean="0"/>
-              <a:t>DevTools</a:t>
-            </a:r>
-            <a:r>
-              <a:rPr lang="en-US" dirty="0" smtClean="0"/>
+            <a:endParaRPr lang="it-IT" dirty="0" smtClean="0"/>
+          </a:p>
+          <a:p>
+            <a:pPr>
+              <a:buFont typeface="Arial" panose="020B0604020202020204" pitchFamily="34" charset="0"/>
+              <a:buChar char="•"/>
+            </a:pPr>
+            <a:r>
+              <a:rPr lang="it-IT" b="1" dirty="0" err="1">
+                <a:solidFill>
+                  <a:srgbClr val="0070C0"/>
+                </a:solidFill>
+              </a:rPr>
+              <a:t>switchMap</a:t>
+            </a:r>
+            <a:r>
+              <a:rPr lang="it-IT" dirty="0"/>
+              <a:t>: </a:t>
+            </a:r>
+            <a:r>
+              <a:rPr lang="it-IT" dirty="0" err="1" smtClean="0"/>
+              <a:t>runs</a:t>
+            </a:r>
+            <a:r>
+              <a:rPr lang="it-IT" dirty="0" smtClean="0"/>
+              <a:t> multiple </a:t>
+            </a:r>
+            <a:r>
+              <a:rPr lang="it-IT" dirty="0" err="1"/>
+              <a:t>requests</a:t>
+            </a:r>
+            <a:r>
+              <a:rPr lang="it-IT" dirty="0"/>
+              <a:t>, the new </a:t>
+            </a:r>
+            <a:r>
+              <a:rPr lang="it-IT" dirty="0" err="1"/>
+              <a:t>request</a:t>
+            </a:r>
+            <a:r>
+              <a:rPr lang="it-IT" dirty="0"/>
               <a:t> </a:t>
             </a:r>
             <a:r>
-              <a:rPr lang="en-US" dirty="0"/>
-              <a:t>is an </a:t>
-            </a:r>
-            <a:r>
-              <a:rPr lang="en-US" dirty="0">
+              <a:rPr lang="it-IT" dirty="0" err="1"/>
+              <a:t>cancels</a:t>
+            </a:r>
+            <a:r>
+              <a:rPr lang="it-IT" dirty="0"/>
+              <a:t> the </a:t>
+            </a:r>
+            <a:r>
+              <a:rPr lang="it-IT" dirty="0" err="1" smtClean="0"/>
+              <a:t>previous</a:t>
+            </a:r>
+            <a:r>
+              <a:rPr lang="it-IT" dirty="0" smtClean="0"/>
+              <a:t>. </a:t>
+            </a:r>
+            <a:br>
+              <a:rPr lang="it-IT" dirty="0" smtClean="0"/>
+            </a:br>
+            <a:r>
+              <a:rPr lang="it-IT" b="1" dirty="0" smtClean="0"/>
+              <a:t>Can </a:t>
+            </a:r>
+            <a:r>
+              <a:rPr lang="it-IT" b="1" dirty="0"/>
+              <a:t>be </a:t>
+            </a:r>
+            <a:r>
+              <a:rPr lang="it-IT" b="1" dirty="0" err="1"/>
+              <a:t>used</a:t>
+            </a:r>
+            <a:r>
+              <a:rPr lang="it-IT" b="1" dirty="0"/>
+              <a:t> in </a:t>
+            </a:r>
+            <a:r>
+              <a:rPr lang="it-IT" b="1" dirty="0" err="1">
                 <a:solidFill>
                   <a:srgbClr val="0070C0"/>
                 </a:solidFill>
               </a:rPr>
-              <a:t>instrumentation library </a:t>
-            </a:r>
-            <a:r>
-              <a:rPr lang="en-US" dirty="0"/>
-              <a:t>that enables a powerful </a:t>
-            </a:r>
-            <a:r>
-              <a:rPr lang="en-US" dirty="0">
+              <a:t>get</a:t>
+            </a:r>
+            <a:r>
+              <a:rPr lang="it-IT" b="1" dirty="0">
                 <a:solidFill>
                   <a:srgbClr val="0070C0"/>
                 </a:solidFill>
               </a:rPr>
-              <a:t>time-travelling debugger</a:t>
-            </a:r>
-            <a:r>
-              <a:rPr lang="en-US" dirty="0"/>
+              <a:t> </a:t>
+            </a:r>
+            <a:r>
+              <a:rPr lang="it-IT" b="1" dirty="0" err="1"/>
+              <a:t>requests</a:t>
+            </a:r>
+            <a:r>
+              <a:rPr lang="it-IT" b="1" dirty="0"/>
+              <a:t> or </a:t>
+            </a:r>
+            <a:r>
+              <a:rPr lang="it-IT" b="1" dirty="0" err="1"/>
+              <a:t>cancelable</a:t>
+            </a:r>
+            <a:r>
+              <a:rPr lang="it-IT" b="1" dirty="0"/>
+              <a:t> </a:t>
+            </a:r>
+            <a:r>
+              <a:rPr lang="it-IT" b="1" dirty="0" err="1"/>
+              <a:t>requests</a:t>
+            </a:r>
+            <a:r>
+              <a:rPr lang="it-IT" b="1" dirty="0"/>
+              <a:t> (li </a:t>
+            </a:r>
+            <a:r>
+              <a:rPr lang="it-IT" b="1" dirty="0" err="1"/>
+              <a:t>searches</a:t>
+            </a:r>
+            <a:r>
+              <a:rPr lang="it-IT" b="1" dirty="0"/>
+              <a:t>).</a:t>
+            </a:r>
+          </a:p>
+          <a:p>
+            <a:pPr>
+              <a:buFont typeface="Arial" panose="020B0604020202020204" pitchFamily="34" charset="0"/>
+              <a:buChar char="•"/>
+            </a:pPr>
+            <a:r>
+              <a:rPr lang="it-IT" b="1" dirty="0" err="1" smtClean="0">
+                <a:solidFill>
+                  <a:srgbClr val="0070C0"/>
+                </a:solidFill>
+              </a:rPr>
+              <a:t>mergeMap</a:t>
+            </a:r>
+            <a:r>
+              <a:rPr lang="it-IT" dirty="0" smtClean="0"/>
+              <a:t>: </a:t>
+            </a:r>
+            <a:r>
+              <a:rPr lang="it-IT" dirty="0" err="1" smtClean="0"/>
+              <a:t>runs</a:t>
+            </a:r>
+            <a:r>
+              <a:rPr lang="it-IT" dirty="0" smtClean="0"/>
+              <a:t> multiple </a:t>
+            </a:r>
+            <a:r>
+              <a:rPr lang="it-IT" dirty="0" err="1" smtClean="0"/>
+              <a:t>requests</a:t>
+            </a:r>
+            <a:r>
+              <a:rPr lang="it-IT" dirty="0" smtClean="0"/>
+              <a:t> in </a:t>
+            </a:r>
+            <a:r>
+              <a:rPr lang="it-IT" dirty="0" err="1" smtClean="0"/>
+              <a:t>parallel</a:t>
+            </a:r>
+            <a:r>
+              <a:rPr lang="it-IT" dirty="0" smtClean="0"/>
+              <a:t> and merge </a:t>
+            </a:r>
+            <a:r>
+              <a:rPr lang="it-IT" dirty="0" err="1" smtClean="0"/>
+              <a:t>their</a:t>
+            </a:r>
+            <a:r>
+              <a:rPr lang="it-IT" dirty="0" smtClean="0"/>
+              <a:t> </a:t>
+            </a:r>
+            <a:r>
+              <a:rPr lang="it-IT" dirty="0" err="1" smtClean="0"/>
+              <a:t>results</a:t>
+            </a:r>
+            <a:r>
+              <a:rPr lang="it-IT" dirty="0" smtClean="0"/>
+              <a:t> in a single </a:t>
+            </a:r>
+            <a:r>
+              <a:rPr lang="it-IT" dirty="0" err="1" smtClean="0"/>
+              <a:t>stream</a:t>
+            </a:r>
+            <a:r>
+              <a:rPr lang="it-IT" dirty="0" smtClean="0"/>
+              <a:t>. </a:t>
+            </a:r>
+            <a:br>
+              <a:rPr lang="it-IT" dirty="0" smtClean="0"/>
+            </a:br>
+            <a:r>
+              <a:rPr lang="it-IT" b="1" dirty="0" err="1" smtClean="0"/>
+              <a:t>It</a:t>
+            </a:r>
+            <a:r>
+              <a:rPr lang="it-IT" b="1" dirty="0" smtClean="0"/>
+              <a:t> </a:t>
+            </a:r>
+            <a:r>
+              <a:rPr lang="it-IT" b="1" dirty="0" err="1" smtClean="0"/>
+              <a:t>does</a:t>
+            </a:r>
+            <a:r>
+              <a:rPr lang="it-IT" b="1" dirty="0" smtClean="0"/>
+              <a:t> </a:t>
+            </a:r>
+            <a:r>
+              <a:rPr lang="it-IT" b="1" dirty="0" err="1" smtClean="0"/>
+              <a:t>not</a:t>
+            </a:r>
+            <a:r>
+              <a:rPr lang="it-IT" b="1" dirty="0" smtClean="0"/>
+              <a:t> </a:t>
+            </a:r>
+            <a:r>
+              <a:rPr lang="it-IT" b="1" dirty="0" err="1" smtClean="0"/>
+              <a:t>guarantees</a:t>
+            </a:r>
+            <a:r>
+              <a:rPr lang="it-IT" b="1" dirty="0" smtClean="0"/>
+              <a:t> </a:t>
+            </a:r>
+            <a:r>
+              <a:rPr lang="it-IT" b="1" dirty="0" err="1" smtClean="0"/>
+              <a:t>ordering</a:t>
+            </a:r>
+            <a:r>
+              <a:rPr lang="it-IT" dirty="0" smtClean="0"/>
+              <a:t>. </a:t>
+            </a:r>
+            <a:r>
+              <a:rPr lang="it-IT" b="1" dirty="0" err="1" smtClean="0"/>
+              <a:t>Better</a:t>
+            </a:r>
+            <a:r>
+              <a:rPr lang="it-IT" b="1" dirty="0" smtClean="0"/>
+              <a:t> </a:t>
+            </a:r>
+            <a:r>
+              <a:rPr lang="it-IT" b="1" dirty="0" err="1" smtClean="0"/>
+              <a:t>suited</a:t>
+            </a:r>
+            <a:r>
+              <a:rPr lang="it-IT" b="1" dirty="0" smtClean="0"/>
+              <a:t> for </a:t>
+            </a:r>
+            <a:r>
+              <a:rPr lang="it-IT" b="1" dirty="0" smtClean="0">
+                <a:solidFill>
+                  <a:srgbClr val="0070C0"/>
+                </a:solidFill>
+              </a:rPr>
+              <a:t>put</a:t>
+            </a:r>
+            <a:r>
+              <a:rPr lang="it-IT" b="1" dirty="0" smtClean="0"/>
+              <a:t>, </a:t>
+            </a:r>
+            <a:r>
+              <a:rPr lang="it-IT" b="1" dirty="0" smtClean="0">
+                <a:solidFill>
+                  <a:srgbClr val="0070C0"/>
+                </a:solidFill>
+              </a:rPr>
+              <a:t>post</a:t>
+            </a:r>
+            <a:r>
+              <a:rPr lang="it-IT" b="1" dirty="0" smtClean="0"/>
+              <a:t>, </a:t>
+            </a:r>
+            <a:r>
+              <a:rPr lang="it-IT" b="1" dirty="0" smtClean="0">
+                <a:solidFill>
+                  <a:srgbClr val="0070C0"/>
+                </a:solidFill>
+              </a:rPr>
+              <a:t>delete</a:t>
+            </a:r>
+            <a:r>
+              <a:rPr lang="it-IT" b="1" dirty="0" smtClean="0"/>
+              <a:t> </a:t>
+            </a:r>
+            <a:r>
+              <a:rPr lang="it-IT" b="1" dirty="0" err="1" smtClean="0"/>
+              <a:t>operations</a:t>
+            </a:r>
+            <a:r>
+              <a:rPr lang="it-IT" b="1" dirty="0" smtClean="0"/>
               <a:t>.</a:t>
             </a:r>
           </a:p>
           <a:p>
-            <a:endParaRPr lang="it-IT" dirty="0"/>
+            <a:pPr>
+              <a:buFont typeface="Arial" panose="020B0604020202020204" pitchFamily="34" charset="0"/>
+              <a:buChar char="•"/>
+            </a:pPr>
+            <a:r>
+              <a:rPr lang="it-IT" b="1" dirty="0" err="1" smtClean="0">
+                <a:solidFill>
+                  <a:srgbClr val="0070C0"/>
+                </a:solidFill>
+              </a:rPr>
+              <a:t>concatMap</a:t>
+            </a:r>
+            <a:r>
+              <a:rPr lang="it-IT" dirty="0" smtClean="0"/>
+              <a:t>: </a:t>
+            </a:r>
+            <a:r>
+              <a:rPr lang="it-IT" dirty="0" err="1" smtClean="0"/>
+              <a:t>runs</a:t>
+            </a:r>
+            <a:r>
+              <a:rPr lang="it-IT" dirty="0" smtClean="0"/>
+              <a:t> the </a:t>
+            </a:r>
+            <a:r>
+              <a:rPr lang="it-IT" dirty="0" err="1" smtClean="0"/>
+              <a:t>requests</a:t>
+            </a:r>
+            <a:r>
+              <a:rPr lang="it-IT" dirty="0" smtClean="0"/>
+              <a:t> </a:t>
+            </a:r>
+            <a:r>
+              <a:rPr lang="it-IT" b="1" dirty="0" smtClean="0"/>
+              <a:t>in </a:t>
+            </a:r>
+            <a:r>
+              <a:rPr lang="it-IT" b="1" dirty="0" err="1" smtClean="0"/>
+              <a:t>order</a:t>
+            </a:r>
+            <a:r>
+              <a:rPr lang="it-IT" b="1" dirty="0" smtClean="0"/>
+              <a:t> </a:t>
+            </a:r>
+            <a:r>
+              <a:rPr lang="it-IT" dirty="0" err="1" smtClean="0"/>
+              <a:t>at</a:t>
+            </a:r>
+            <a:r>
+              <a:rPr lang="it-IT" dirty="0" smtClean="0"/>
+              <a:t> the </a:t>
+            </a:r>
+            <a:r>
+              <a:rPr lang="it-IT" dirty="0" err="1" smtClean="0"/>
+              <a:t>expense</a:t>
+            </a:r>
+            <a:r>
+              <a:rPr lang="it-IT" dirty="0" smtClean="0"/>
+              <a:t> of performance. Use </a:t>
+            </a:r>
+            <a:r>
+              <a:rPr lang="it-IT" dirty="0" err="1" smtClean="0"/>
+              <a:t>only</a:t>
+            </a:r>
+            <a:r>
+              <a:rPr lang="it-IT" dirty="0" smtClean="0"/>
+              <a:t> </a:t>
+            </a:r>
+            <a:r>
+              <a:rPr lang="it-IT" dirty="0" err="1" smtClean="0"/>
+              <a:t>when</a:t>
+            </a:r>
+            <a:r>
+              <a:rPr lang="it-IT" dirty="0" smtClean="0"/>
+              <a:t> the </a:t>
+            </a:r>
+            <a:r>
+              <a:rPr lang="it-IT" dirty="0" err="1" smtClean="0"/>
+              <a:t>order</a:t>
+            </a:r>
+            <a:r>
+              <a:rPr lang="it-IT" dirty="0" smtClean="0"/>
+              <a:t> of </a:t>
+            </a:r>
+            <a:r>
+              <a:rPr lang="it-IT" dirty="0" err="1" smtClean="0"/>
+              <a:t>operations</a:t>
+            </a:r>
+            <a:r>
+              <a:rPr lang="it-IT" dirty="0" smtClean="0"/>
+              <a:t> </a:t>
+            </a:r>
+            <a:r>
+              <a:rPr lang="it-IT" dirty="0" err="1" smtClean="0"/>
+              <a:t>is</a:t>
+            </a:r>
+            <a:r>
+              <a:rPr lang="it-IT" dirty="0" smtClean="0"/>
+              <a:t> </a:t>
+            </a:r>
+            <a:r>
+              <a:rPr lang="it-IT" dirty="0" err="1" smtClean="0"/>
+              <a:t>important</a:t>
+            </a:r>
+            <a:r>
+              <a:rPr lang="it-IT" dirty="0" smtClean="0"/>
+              <a:t>.</a:t>
+            </a:r>
+          </a:p>
+          <a:p>
+            <a:pPr>
+              <a:buFont typeface="Arial" panose="020B0604020202020204" pitchFamily="34" charset="0"/>
+              <a:buChar char="•"/>
+            </a:pPr>
+            <a:r>
+              <a:rPr lang="it-IT" b="1" dirty="0" err="1" smtClean="0">
+                <a:solidFill>
+                  <a:srgbClr val="0070C0"/>
+                </a:solidFill>
+              </a:rPr>
+              <a:t>exhaustMap</a:t>
+            </a:r>
+            <a:r>
+              <a:rPr lang="it-IT" dirty="0" smtClean="0"/>
+              <a:t>: </a:t>
+            </a:r>
+            <a:r>
+              <a:rPr lang="it-IT" b="1" dirty="0" err="1" smtClean="0"/>
+              <a:t>ignore</a:t>
+            </a:r>
+            <a:r>
+              <a:rPr lang="it-IT" b="1" dirty="0" smtClean="0"/>
+              <a:t> </a:t>
+            </a:r>
+            <a:r>
+              <a:rPr lang="it-IT" b="1" dirty="0" err="1" smtClean="0"/>
+              <a:t>all</a:t>
+            </a:r>
+            <a:r>
+              <a:rPr lang="it-IT" dirty="0" smtClean="0"/>
+              <a:t> the </a:t>
+            </a:r>
+            <a:r>
+              <a:rPr lang="it-IT" dirty="0" err="1" smtClean="0"/>
+              <a:t>next</a:t>
+            </a:r>
+            <a:r>
+              <a:rPr lang="it-IT" dirty="0" smtClean="0"/>
+              <a:t> </a:t>
+            </a:r>
+            <a:r>
+              <a:rPr lang="it-IT" dirty="0" err="1" smtClean="0"/>
+              <a:t>requests</a:t>
+            </a:r>
+            <a:r>
+              <a:rPr lang="it-IT" dirty="0" smtClean="0"/>
+              <a:t> </a:t>
+            </a:r>
+            <a:r>
+              <a:rPr lang="it-IT" b="1" dirty="0" err="1" smtClean="0"/>
+              <a:t>until</a:t>
+            </a:r>
+            <a:r>
+              <a:rPr lang="it-IT" b="1" dirty="0" smtClean="0"/>
+              <a:t> the </a:t>
+            </a:r>
+            <a:r>
+              <a:rPr lang="it-IT" b="1" dirty="0" err="1" smtClean="0"/>
+              <a:t>current</a:t>
+            </a:r>
+            <a:r>
+              <a:rPr lang="it-IT" b="1" dirty="0" smtClean="0"/>
+              <a:t> </a:t>
+            </a:r>
+            <a:r>
+              <a:rPr lang="it-IT" b="1" dirty="0" err="1" smtClean="0"/>
+              <a:t>one</a:t>
+            </a:r>
+            <a:r>
+              <a:rPr lang="it-IT" b="1" dirty="0" smtClean="0"/>
+              <a:t> complete</a:t>
+            </a:r>
+            <a:r>
+              <a:rPr lang="it-IT" dirty="0" smtClean="0"/>
+              <a:t>, </a:t>
+            </a:r>
+            <a:r>
+              <a:rPr lang="it-IT" dirty="0" err="1" smtClean="0"/>
+              <a:t>then</a:t>
+            </a:r>
+            <a:r>
+              <a:rPr lang="it-IT" dirty="0" smtClean="0"/>
+              <a:t> a new </a:t>
+            </a:r>
+            <a:r>
+              <a:rPr lang="it-IT" dirty="0" err="1" smtClean="0"/>
+              <a:t>request</a:t>
+            </a:r>
+            <a:r>
+              <a:rPr lang="it-IT" dirty="0" smtClean="0"/>
+              <a:t> can be </a:t>
+            </a:r>
+            <a:r>
+              <a:rPr lang="it-IT" dirty="0" err="1" smtClean="0"/>
+              <a:t>started</a:t>
+            </a:r>
+            <a:r>
+              <a:rPr lang="it-IT" dirty="0" smtClean="0"/>
+              <a:t>.</a:t>
+            </a:r>
           </a:p>
         </p:txBody>
       </p:sp>
-      <p:pic>
-        <p:nvPicPr>
-          <p:cNvPr id="1026" name="Picture 2"/>
-          <p:cNvPicPr>
-            <a:picLocks noChangeAspect="1" noChangeArrowheads="1"/>
-          </p:cNvPicPr>
-          <p:nvPr/>
-        </p:nvPicPr>
-        <p:blipFill>
-          <a:blip r:embed="rId2">
-            <a:extLst>
-              <a:ext uri="{28A0092B-C50C-407E-A947-70E740481C1C}">
-                <a14:useLocalDpi xmlns:a14="http://schemas.microsoft.com/office/drawing/2010/main" val="0"/>
-              </a:ext>
-            </a:extLst>
-          </a:blip>
-          <a:srcRect/>
-          <a:stretch>
-            <a:fillRect/>
-          </a:stretch>
-        </p:blipFill>
-        <p:spPr bwMode="auto">
-          <a:xfrm>
-            <a:off x="1285875" y="1881188"/>
-            <a:ext cx="6457950" cy="4124325"/>
-          </a:xfrm>
-          <a:prstGeom prst="rect">
-            <a:avLst/>
-          </a:prstGeom>
-          <a:noFill/>
-          <a:ln>
-            <a:noFill/>
-          </a:ln>
-          <a:extLst>
-            <a:ext uri="{909E8E84-426E-40DD-AFC4-6F175D3DCCD1}">
-              <a14:hiddenFill xmlns:a14="http://schemas.microsoft.com/office/drawing/2010/main">
-                <a:solidFill>
-                  <a:schemeClr val="accent1"/>
-                </a:solidFill>
-              </a14:hiddenFill>
-            </a:ext>
-            <a:ext uri="{91240B29-F687-4F45-9708-019B960494DF}">
-              <a14:hiddenLine xmlns:a14="http://schemas.microsoft.com/office/drawing/2010/main" w="9525">
-                <a:solidFill>
-                  <a:schemeClr val="tx1"/>
-                </a:solidFill>
-                <a:miter lim="800000"/>
-                <a:headEnd/>
-                <a:tailEnd/>
-              </a14:hiddenLine>
-            </a:ext>
-          </a:extLst>
-        </p:spPr>
-      </p:pic>
     </p:spTree>
     <p:extLst>
       <p:ext uri="{BB962C8B-B14F-4D97-AF65-F5344CB8AC3E}">
-        <p14:creationId xmlns:p14="http://schemas.microsoft.com/office/powerpoint/2010/main" val="2208082617"/>
+        <p14:creationId xmlns:p14="http://schemas.microsoft.com/office/powerpoint/2010/main" val="195356333"/>
       </p:ext>
     </p:extLst>
   </p:cSld>
@@ -17283,7 +19544,274 @@
   <p:timing>
     <p:tnLst>
       <p:par>
-        <p:cTn id="1" dur="indefinite" restart="never" nodeType="tmRoot"/>
+        <p:cTn id="1" dur="indefinite" restart="never" nodeType="tmRoot">
+          <p:childTnLst>
+            <p:seq concurrent="1" nextAc="seek">
+              <p:cTn id="2" dur="indefinite" nodeType="mainSeq">
+                <p:childTnLst>
+                  <p:par>
+                    <p:cTn id="3" fill="hold">
+                      <p:stCondLst>
+                        <p:cond delay="indefinite"/>
+                      </p:stCondLst>
+                      <p:childTnLst>
+                        <p:par>
+                          <p:cTn id="4" fill="hold">
+                            <p:stCondLst>
+                              <p:cond delay="0"/>
+                            </p:stCondLst>
+                            <p:childTnLst>
+                              <p:par>
+                                <p:cTn id="5" presetID="10" presetClass="entr" presetSubtype="0" fill="hold" nodeType="clickEffect">
+                                  <p:stCondLst>
+                                    <p:cond delay="0"/>
+                                  </p:stCondLst>
+                                  <p:childTnLst>
+                                    <p:set>
+                                      <p:cBhvr>
+                                        <p:cTn id="6" dur="1" fill="hold">
+                                          <p:stCondLst>
+                                            <p:cond delay="0"/>
+                                          </p:stCondLst>
+                                        </p:cTn>
+                                        <p:tgtEl>
+                                          <p:spTgt spid="3">
+                                            <p:txEl>
+                                              <p:pRg st="1" end="1"/>
+                                            </p:txEl>
+                                          </p:spTgt>
+                                        </p:tgtEl>
+                                        <p:attrNameLst>
+                                          <p:attrName>style.visibility</p:attrName>
+                                        </p:attrNameLst>
+                                      </p:cBhvr>
+                                      <p:to>
+                                        <p:strVal val="visible"/>
+                                      </p:to>
+                                    </p:set>
+                                    <p:animEffect transition="in" filter="fade">
+                                      <p:cBhvr>
+                                        <p:cTn id="7" dur="500"/>
+                                        <p:tgtEl>
+                                          <p:spTgt spid="3">
+                                            <p:txEl>
+                                              <p:pRg st="1" end="1"/>
+                                            </p:txEl>
+                                          </p:spTgt>
+                                        </p:tgtEl>
+                                      </p:cBhvr>
+                                    </p:animEffect>
+                                  </p:childTnLst>
+                                </p:cTn>
+                              </p:par>
+                            </p:childTnLst>
+                          </p:cTn>
+                        </p:par>
+                      </p:childTnLst>
+                    </p:cTn>
+                  </p:par>
+                  <p:par>
+                    <p:cTn id="8" fill="hold">
+                      <p:stCondLst>
+                        <p:cond delay="indefinite"/>
+                      </p:stCondLst>
+                      <p:childTnLst>
+                        <p:par>
+                          <p:cTn id="9" fill="hold">
+                            <p:stCondLst>
+                              <p:cond delay="0"/>
+                            </p:stCondLst>
+                            <p:childTnLst>
+                              <p:par>
+                                <p:cTn id="10" presetID="10" presetClass="entr" presetSubtype="0" fill="hold" nodeType="clickEffect">
+                                  <p:stCondLst>
+                                    <p:cond delay="0"/>
+                                  </p:stCondLst>
+                                  <p:childTnLst>
+                                    <p:set>
+                                      <p:cBhvr>
+                                        <p:cTn id="11" dur="1" fill="hold">
+                                          <p:stCondLst>
+                                            <p:cond delay="0"/>
+                                          </p:stCondLst>
+                                        </p:cTn>
+                                        <p:tgtEl>
+                                          <p:spTgt spid="3">
+                                            <p:txEl>
+                                              <p:pRg st="2" end="2"/>
+                                            </p:txEl>
+                                          </p:spTgt>
+                                        </p:tgtEl>
+                                        <p:attrNameLst>
+                                          <p:attrName>style.visibility</p:attrName>
+                                        </p:attrNameLst>
+                                      </p:cBhvr>
+                                      <p:to>
+                                        <p:strVal val="visible"/>
+                                      </p:to>
+                                    </p:set>
+                                    <p:animEffect transition="in" filter="fade">
+                                      <p:cBhvr>
+                                        <p:cTn id="12" dur="500"/>
+                                        <p:tgtEl>
+                                          <p:spTgt spid="3">
+                                            <p:txEl>
+                                              <p:pRg st="2" end="2"/>
+                                            </p:txEl>
+                                          </p:spTgt>
+                                        </p:tgtEl>
+                                      </p:cBhvr>
+                                    </p:animEffect>
+                                  </p:childTnLst>
+                                </p:cTn>
+                              </p:par>
+                            </p:childTnLst>
+                          </p:cTn>
+                        </p:par>
+                      </p:childTnLst>
+                    </p:cTn>
+                  </p:par>
+                  <p:par>
+                    <p:cTn id="13" fill="hold">
+                      <p:stCondLst>
+                        <p:cond delay="indefinite"/>
+                      </p:stCondLst>
+                      <p:childTnLst>
+                        <p:par>
+                          <p:cTn id="14" fill="hold">
+                            <p:stCondLst>
+                              <p:cond delay="0"/>
+                            </p:stCondLst>
+                            <p:childTnLst>
+                              <p:par>
+                                <p:cTn id="15" presetID="10" presetClass="entr" presetSubtype="0" fill="hold" nodeType="clickEffect">
+                                  <p:stCondLst>
+                                    <p:cond delay="0"/>
+                                  </p:stCondLst>
+                                  <p:childTnLst>
+                                    <p:set>
+                                      <p:cBhvr>
+                                        <p:cTn id="16" dur="1" fill="hold">
+                                          <p:stCondLst>
+                                            <p:cond delay="0"/>
+                                          </p:stCondLst>
+                                        </p:cTn>
+                                        <p:tgtEl>
+                                          <p:spTgt spid="3">
+                                            <p:txEl>
+                                              <p:pRg st="3" end="3"/>
+                                            </p:txEl>
+                                          </p:spTgt>
+                                        </p:tgtEl>
+                                        <p:attrNameLst>
+                                          <p:attrName>style.visibility</p:attrName>
+                                        </p:attrNameLst>
+                                      </p:cBhvr>
+                                      <p:to>
+                                        <p:strVal val="visible"/>
+                                      </p:to>
+                                    </p:set>
+                                    <p:animEffect transition="in" filter="fade">
+                                      <p:cBhvr>
+                                        <p:cTn id="17" dur="500"/>
+                                        <p:tgtEl>
+                                          <p:spTgt spid="3">
+                                            <p:txEl>
+                                              <p:pRg st="3" end="3"/>
+                                            </p:txEl>
+                                          </p:spTgt>
+                                        </p:tgtEl>
+                                      </p:cBhvr>
+                                    </p:animEffect>
+                                  </p:childTnLst>
+                                </p:cTn>
+                              </p:par>
+                            </p:childTnLst>
+                          </p:cTn>
+                        </p:par>
+                      </p:childTnLst>
+                    </p:cTn>
+                  </p:par>
+                  <p:par>
+                    <p:cTn id="18" fill="hold">
+                      <p:stCondLst>
+                        <p:cond delay="indefinite"/>
+                      </p:stCondLst>
+                      <p:childTnLst>
+                        <p:par>
+                          <p:cTn id="19" fill="hold">
+                            <p:stCondLst>
+                              <p:cond delay="0"/>
+                            </p:stCondLst>
+                            <p:childTnLst>
+                              <p:par>
+                                <p:cTn id="20" presetID="10" presetClass="entr" presetSubtype="0" fill="hold" nodeType="clickEffect">
+                                  <p:stCondLst>
+                                    <p:cond delay="0"/>
+                                  </p:stCondLst>
+                                  <p:childTnLst>
+                                    <p:set>
+                                      <p:cBhvr>
+                                        <p:cTn id="21" dur="1" fill="hold">
+                                          <p:stCondLst>
+                                            <p:cond delay="0"/>
+                                          </p:stCondLst>
+                                        </p:cTn>
+                                        <p:tgtEl>
+                                          <p:spTgt spid="3">
+                                            <p:txEl>
+                                              <p:pRg st="4" end="4"/>
+                                            </p:txEl>
+                                          </p:spTgt>
+                                        </p:tgtEl>
+                                        <p:attrNameLst>
+                                          <p:attrName>style.visibility</p:attrName>
+                                        </p:attrNameLst>
+                                      </p:cBhvr>
+                                      <p:to>
+                                        <p:strVal val="visible"/>
+                                      </p:to>
+                                    </p:set>
+                                    <p:animEffect transition="in" filter="fade">
+                                      <p:cBhvr>
+                                        <p:cTn id="22" dur="500"/>
+                                        <p:tgtEl>
+                                          <p:spTgt spid="3">
+                                            <p:txEl>
+                                              <p:pRg st="4" end="4"/>
+                                            </p:txEl>
+                                          </p:spTgt>
+                                        </p:tgtEl>
+                                      </p:cBhvr>
+                                    </p:animEffect>
+                                  </p:childTnLst>
+                                </p:cTn>
+                              </p:par>
+                            </p:childTnLst>
+                          </p:cTn>
+                        </p:par>
+                      </p:childTnLst>
+                    </p:cTn>
+                  </p:par>
+                </p:childTnLst>
+              </p:cTn>
+              <p:prevCondLst>
+                <p:cond evt="onPrev" delay="0">
+                  <p:tgtEl>
+                    <p:sldTgt/>
+                  </p:tgtEl>
+                </p:cond>
+              </p:prevCondLst>
+              <p:nextCondLst>
+                <p:cond evt="onNext" delay="0">
+                  <p:tgtEl>
+                    <p:sldTgt/>
+                  </p:tgtEl>
+                </p:cond>
+              </p:nextCondLst>
+            </p:seq>
+          </p:childTnLst>
+        </p:cTn>
       </p:par>
     </p:tnLst>
   </p:timing>
@@ -17878,7 +20406,7 @@
       </p:grpSpPr>
       <p:sp>
         <p:nvSpPr>
-          <p:cNvPr id="2" name="Titolo 1"/>
+          <p:cNvPr id="4" name="Titolo 3"/>
           <p:cNvSpPr>
             <a:spLocks noGrp="1"/>
           </p:cNvSpPr>
@@ -17892,8 +20420,12 @@
           <a:lstStyle/>
           <a:p>
             <a:r>
+              <a:rPr lang="it-IT" dirty="0" err="1"/>
+              <a:t>n</a:t>
+            </a:r>
+            <a:r>
               <a:rPr lang="it-IT" dirty="0" err="1" smtClean="0"/>
-              <a:t>ngrx</a:t>
+              <a:t>grx</a:t>
             </a:r>
             <a:r>
               <a:rPr lang="it-IT" dirty="0" smtClean="0"/>
@@ -17902,10 +20434,6 @@
             <a:r>
               <a:rPr lang="it-IT" dirty="0" err="1" smtClean="0"/>
               <a:t>store-devtools</a:t>
-            </a:r>
-            <a:r>
-              <a:rPr lang="it-IT" dirty="0" smtClean="0"/>
-              <a:t> Setup</a:t>
             </a:r>
             <a:endParaRPr lang="it-IT" dirty="0"/>
           </a:p>
@@ -17913,12 +20441,12 @@
       </p:sp>
       <p:sp>
         <p:nvSpPr>
-          <p:cNvPr id="3" name="Segnaposto contenuto 2"/>
+          <p:cNvPr id="5" name="Segnaposto testo 4"/>
           <p:cNvSpPr>
             <a:spLocks noGrp="1"/>
           </p:cNvSpPr>
           <p:nvPr>
-            <p:ph idx="1"/>
+            <p:ph type="body" idx="1"/>
           </p:nvPr>
         </p:nvSpPr>
         <p:spPr/>
@@ -17926,130 +20454,14 @@
           <a:bodyPr/>
           <a:lstStyle/>
           <a:p>
-            <a:endParaRPr lang="it-IT" dirty="0" smtClean="0"/>
-          </a:p>
-          <a:p>
-            <a:r>
-              <a:rPr lang="en-US" dirty="0" err="1">
-                <a:latin typeface="Consolas" panose="020B0609020204030204" pitchFamily="49" charset="0"/>
-              </a:rPr>
-              <a:t>npm</a:t>
-            </a:r>
-            <a:r>
-              <a:rPr lang="en-US" dirty="0">
-                <a:latin typeface="Consolas" panose="020B0609020204030204" pitchFamily="49" charset="0"/>
-              </a:rPr>
-              <a:t> install @</a:t>
-            </a:r>
-            <a:r>
-              <a:rPr lang="en-US" dirty="0" err="1">
-                <a:latin typeface="Consolas" panose="020B0609020204030204" pitchFamily="49" charset="0"/>
-              </a:rPr>
-              <a:t>ngrx</a:t>
-            </a:r>
-            <a:r>
-              <a:rPr lang="en-US" dirty="0">
-                <a:latin typeface="Consolas" panose="020B0609020204030204" pitchFamily="49" charset="0"/>
-              </a:rPr>
-              <a:t>/store-</a:t>
-            </a:r>
-            <a:r>
-              <a:rPr lang="en-US" dirty="0" err="1">
-                <a:latin typeface="Consolas" panose="020B0609020204030204" pitchFamily="49" charset="0"/>
-              </a:rPr>
-              <a:t>devtools</a:t>
-            </a:r>
-            <a:r>
-              <a:rPr lang="en-US" dirty="0">
-                <a:latin typeface="Consolas" panose="020B0609020204030204" pitchFamily="49" charset="0"/>
-              </a:rPr>
-              <a:t> </a:t>
-            </a:r>
-            <a:r>
-              <a:rPr lang="en-US" dirty="0" smtClean="0">
-                <a:latin typeface="Consolas" panose="020B0609020204030204" pitchFamily="49" charset="0"/>
-              </a:rPr>
-              <a:t>–save</a:t>
-            </a:r>
-          </a:p>
-          <a:p>
-            <a:endParaRPr lang="en-US" dirty="0">
-              <a:latin typeface="Consolas" panose="020B0609020204030204" pitchFamily="49" charset="0"/>
-            </a:endParaRPr>
-          </a:p>
-          <a:p>
-            <a:r>
-              <a:rPr lang="en-US" dirty="0"/>
-              <a:t/>
-            </a:r>
-            <a:br>
-              <a:rPr lang="en-US" dirty="0"/>
-            </a:br>
-            <a:r>
-              <a:rPr lang="en-US" dirty="0" smtClean="0"/>
-              <a:t>Install </a:t>
-            </a:r>
-            <a:r>
-              <a:rPr lang="en-US" dirty="0"/>
-              <a:t>the Chrome / Firefox Extension.</a:t>
-            </a:r>
-          </a:p>
-          <a:p>
-            <a:r>
-              <a:rPr lang="en-US" dirty="0"/>
-              <a:t/>
-            </a:r>
-            <a:br>
-              <a:rPr lang="en-US" dirty="0"/>
-            </a:br>
-            <a:r>
-              <a:rPr lang="en-US" dirty="0" smtClean="0"/>
-              <a:t>Redux </a:t>
-            </a:r>
-            <a:r>
-              <a:rPr lang="en-US" dirty="0" err="1"/>
-              <a:t>Devtools</a:t>
-            </a:r>
-            <a:r>
-              <a:rPr lang="en-US" dirty="0"/>
-              <a:t> </a:t>
-            </a:r>
-            <a:r>
-              <a:rPr lang="en-US" dirty="0" smtClean="0"/>
-              <a:t>Extension</a:t>
-            </a:r>
-            <a:br>
-              <a:rPr lang="en-US" dirty="0" smtClean="0"/>
-            </a:br>
-            <a:r>
-              <a:rPr lang="en-US" u="sng" dirty="0" smtClean="0">
-                <a:hlinkClick r:id="rId2"/>
-              </a:rPr>
-              <a:t>https</a:t>
-            </a:r>
-            <a:r>
-              <a:rPr lang="en-US" u="sng" dirty="0">
-                <a:hlinkClick r:id="rId2"/>
-              </a:rPr>
-              <a:t>://github.com/zalmoxisus/redux-devtools-extension</a:t>
-            </a:r>
-            <a:r>
-              <a:rPr lang="en-US" u="sng" dirty="0" smtClean="0">
-                <a:hlinkClick r:id="rId2"/>
-              </a:rPr>
-              <a:t>/</a:t>
-            </a:r>
-            <a:endParaRPr lang="en-US" dirty="0"/>
-          </a:p>
-          <a:p>
-            <a:endParaRPr lang="it-IT" dirty="0"/>
+            <a:endParaRPr lang="it-IT"/>
           </a:p>
         </p:txBody>
       </p:sp>
     </p:spTree>
     <p:extLst>
       <p:ext uri="{BB962C8B-B14F-4D97-AF65-F5344CB8AC3E}">
-        <p14:creationId xmlns:p14="http://schemas.microsoft.com/office/powerpoint/2010/main" val="1804167929"/>
+        <p14:creationId xmlns:p14="http://schemas.microsoft.com/office/powerpoint/2010/main" val="268254844"/>
       </p:ext>
     </p:extLst>
   </p:cSld>
@@ -18085,7 +20497,7 @@
       </p:grpSpPr>
       <p:sp>
         <p:nvSpPr>
-          <p:cNvPr id="2" name="Titolo 1"/>
+          <p:cNvPr id="4" name="Titolo 3"/>
           <p:cNvSpPr>
             <a:spLocks noGrp="1"/>
           </p:cNvSpPr>
@@ -18100,14 +20512,6 @@
           <a:p>
             <a:r>
               <a:rPr lang="it-IT" dirty="0" err="1" smtClean="0"/>
-              <a:t>Configure</a:t>
-            </a:r>
-            <a:r>
-              <a:rPr lang="it-IT" dirty="0" smtClean="0"/>
-              <a:t> </a:t>
-            </a:r>
-            <a:r>
-              <a:rPr lang="it-IT" dirty="0" err="1" smtClean="0"/>
               <a:t>ngrx</a:t>
             </a:r>
             <a:r>
@@ -18124,7 +20528,7 @@
       </p:sp>
       <p:sp>
         <p:nvSpPr>
-          <p:cNvPr id="3" name="Segnaposto contenuto 2"/>
+          <p:cNvPr id="5" name="Segnaposto contenuto 4"/>
           <p:cNvSpPr>
             <a:spLocks noGrp="1"/>
           </p:cNvSpPr>
@@ -18132,280 +20536,120 @@
             <p:ph idx="1"/>
           </p:nvPr>
         </p:nvSpPr>
-        <p:spPr/>
+        <p:spPr>
+          <a:xfrm>
+            <a:off x="7829550" y="1845734"/>
+            <a:ext cx="3326130" cy="4023360"/>
+          </a:xfrm>
+        </p:spPr>
         <p:txBody>
-          <a:bodyPr>
-            <a:normAutofit lnSpcReduction="10000"/>
-          </a:bodyPr>
+          <a:bodyPr/>
           <a:lstStyle/>
           <a:p>
-            <a:endParaRPr lang="it-IT" dirty="0" smtClean="0"/>
-          </a:p>
-          <a:p>
+            <a:r>
+              <a:rPr lang="en-US" dirty="0" smtClean="0"/>
+              <a:t>Store-</a:t>
+            </a:r>
+            <a:r>
+              <a:rPr lang="en-US" dirty="0" err="1" smtClean="0"/>
+              <a:t>DevTools</a:t>
+            </a:r>
+            <a:r>
+              <a:rPr lang="en-US" dirty="0" smtClean="0"/>
+              <a:t> </a:t>
+            </a:r>
             <a:r>
               <a:rPr lang="en-US" dirty="0"/>
-              <a:t>In your </a:t>
-            </a:r>
-            <a:r>
-              <a:rPr lang="en-US" dirty="0" err="1"/>
-              <a:t>AppModule</a:t>
+              <a:t>is an </a:t>
+            </a:r>
+            <a:r>
+              <a:rPr lang="en-US" dirty="0">
+                <a:solidFill>
+                  <a:srgbClr val="0070C0"/>
+                </a:solidFill>
+              </a:rPr>
+              <a:t>instrumentation library </a:t>
             </a:r>
             <a:r>
               <a:rPr lang="en-US" dirty="0"/>
-              <a:t> imports enable the instrumentation using </a:t>
-            </a:r>
-            <a:r>
-              <a:rPr lang="en-US" b="1" dirty="0" err="1" smtClean="0">
+              <a:t>that enables a powerful </a:t>
+            </a:r>
+            <a:r>
+              <a:rPr lang="en-US" dirty="0">
                 <a:solidFill>
                   <a:srgbClr val="0070C0"/>
                 </a:solidFill>
               </a:rPr>
-              <a:t>StoreDevtoolsModule.instrument</a:t>
-            </a:r>
-            <a:r>
-              <a:rPr lang="en-US" b="1" dirty="0" smtClean="0">
-                <a:solidFill>
-                  <a:srgbClr val="0070C0"/>
-                </a:solidFill>
-              </a:rPr>
-              <a:t>({…})</a:t>
-            </a:r>
-            <a:r>
-              <a:rPr lang="en-US" dirty="0" smtClean="0">
-                <a:solidFill>
-                  <a:srgbClr val="0070C0"/>
-                </a:solidFill>
-              </a:rPr>
-              <a:t>:</a:t>
-            </a:r>
-            <a:endParaRPr lang="en-US" dirty="0">
-              <a:solidFill>
-                <a:srgbClr val="0070C0"/>
-              </a:solidFill>
-            </a:endParaRPr>
-          </a:p>
-          <a:p>
-            <a:endParaRPr lang="it-IT" dirty="0" smtClean="0"/>
-          </a:p>
-          <a:p>
-            <a:r>
-              <a:rPr lang="it-IT" dirty="0" err="1">
-                <a:solidFill>
-                  <a:srgbClr val="001080"/>
-                </a:solidFill>
-                <a:latin typeface="Consolas"/>
-              </a:rPr>
-              <a:t>StoreDevtoolsModule</a:t>
-            </a:r>
-            <a:r>
-              <a:rPr lang="it-IT" dirty="0" err="1">
-                <a:solidFill>
-                  <a:srgbClr val="000000"/>
-                </a:solidFill>
-                <a:latin typeface="Consolas"/>
-              </a:rPr>
+              <a:t>time-travelling debugger</a:t>
+            </a:r>
+            <a:r>
+              <a:rPr lang="en-US" dirty="0"/>
               <a:t>.</a:t>
             </a:r>
-            <a:r>
-              <a:rPr lang="it-IT" dirty="0" err="1">
-                <a:solidFill>
-                  <a:srgbClr val="795E26"/>
-                </a:solidFill>
-                <a:latin typeface="Consolas"/>
-              </a:rPr>
-              <a:t>instrument</a:t>
-            </a:r>
-            <a:r>
-              <a:rPr lang="it-IT" dirty="0">
-                <a:solidFill>
-                  <a:srgbClr val="000000"/>
-                </a:solidFill>
-                <a:latin typeface="Consolas"/>
-              </a:rPr>
-              <a:t>({</a:t>
-            </a:r>
-          </a:p>
-          <a:p>
-            <a:r>
-              <a:rPr lang="it-IT" dirty="0" smtClean="0">
-                <a:solidFill>
-                  <a:srgbClr val="001080"/>
-                </a:solidFill>
-                <a:latin typeface="Consolas"/>
-              </a:rPr>
-              <a:t>  </a:t>
-            </a:r>
-            <a:r>
-              <a:rPr lang="it-IT" dirty="0" err="1" smtClean="0">
-                <a:solidFill>
-                  <a:srgbClr val="001080"/>
-                </a:solidFill>
-                <a:latin typeface="Consolas"/>
-              </a:rPr>
-              <a:t>maxAge</a:t>
-            </a:r>
-            <a:r>
-              <a:rPr lang="it-IT" dirty="0">
-                <a:solidFill>
-                  <a:srgbClr val="001080"/>
-                </a:solidFill>
-                <a:latin typeface="Consolas"/>
-              </a:rPr>
-              <a:t>:</a:t>
-            </a:r>
-            <a:r>
-              <a:rPr lang="it-IT" dirty="0">
-                <a:solidFill>
-                  <a:srgbClr val="000000"/>
-                </a:solidFill>
-                <a:latin typeface="Consolas"/>
-              </a:rPr>
-              <a:t> </a:t>
-            </a:r>
-            <a:r>
-              <a:rPr lang="it-IT" dirty="0">
-                <a:solidFill>
-                  <a:srgbClr val="09885A"/>
-                </a:solidFill>
-                <a:latin typeface="Consolas"/>
-              </a:rPr>
-              <a:t>25</a:t>
-            </a:r>
-            <a:r>
-              <a:rPr lang="it-IT" dirty="0">
-                <a:solidFill>
-                  <a:srgbClr val="000000"/>
-                </a:solidFill>
-                <a:latin typeface="Consolas"/>
-              </a:rPr>
-              <a:t>,</a:t>
-            </a:r>
-          </a:p>
-          <a:p>
-            <a:r>
-              <a:rPr lang="it-IT" dirty="0" smtClean="0">
-                <a:solidFill>
-                  <a:srgbClr val="001080"/>
-                </a:solidFill>
-                <a:latin typeface="Consolas"/>
-              </a:rPr>
-              <a:t>  </a:t>
-            </a:r>
-            <a:r>
-              <a:rPr lang="it-IT" dirty="0" err="1" smtClean="0">
-                <a:solidFill>
-                  <a:srgbClr val="001080"/>
-                </a:solidFill>
-                <a:latin typeface="Consolas"/>
-              </a:rPr>
-              <a:t>logOnly</a:t>
-            </a:r>
-            <a:r>
-              <a:rPr lang="it-IT" dirty="0">
-                <a:solidFill>
-                  <a:srgbClr val="001080"/>
-                </a:solidFill>
-                <a:latin typeface="Consolas"/>
-              </a:rPr>
-              <a:t>:</a:t>
-            </a:r>
-            <a:r>
-              <a:rPr lang="it-IT" dirty="0">
-                <a:solidFill>
-                  <a:srgbClr val="000000"/>
-                </a:solidFill>
-                <a:latin typeface="Consolas"/>
-              </a:rPr>
-              <a:t> </a:t>
-            </a:r>
-            <a:r>
-              <a:rPr lang="it-IT" dirty="0" err="1">
-                <a:solidFill>
-                  <a:srgbClr val="001080"/>
-                </a:solidFill>
-                <a:latin typeface="Consolas"/>
-              </a:rPr>
-              <a:t>environment</a:t>
-            </a:r>
-            <a:r>
-              <a:rPr lang="it-IT" dirty="0" err="1">
-                <a:solidFill>
-                  <a:srgbClr val="000000"/>
-                </a:solidFill>
-                <a:latin typeface="Consolas"/>
-              </a:rPr>
-              <a:t>.</a:t>
-            </a:r>
-            <a:r>
-              <a:rPr lang="it-IT" dirty="0" err="1">
-                <a:solidFill>
-                  <a:srgbClr val="001080"/>
-                </a:solidFill>
-                <a:latin typeface="Consolas"/>
-              </a:rPr>
-              <a:t>production</a:t>
-            </a:r>
-            <a:endParaRPr lang="it-IT" dirty="0">
-              <a:solidFill>
-                <a:srgbClr val="000000"/>
-              </a:solidFill>
-              <a:latin typeface="Consolas"/>
-            </a:endParaRPr>
-          </a:p>
-          <a:p>
-            <a:r>
-              <a:rPr lang="it-IT" dirty="0">
-                <a:solidFill>
-                  <a:srgbClr val="000000"/>
-                </a:solidFill>
-                <a:latin typeface="Consolas"/>
-              </a:rPr>
-              <a:t>})</a:t>
-            </a:r>
-          </a:p>
-          <a:p>
-            <a:endParaRPr lang="it-IT" dirty="0" smtClean="0"/>
-          </a:p>
-          <a:p>
-            <a:r>
-              <a:rPr lang="it-IT" dirty="0" err="1" smtClean="0"/>
-              <a:t>Supported</a:t>
-            </a:r>
-            <a:r>
-              <a:rPr lang="it-IT" dirty="0" smtClean="0"/>
-              <a:t> </a:t>
-            </a:r>
-            <a:r>
-              <a:rPr lang="it-IT" dirty="0" err="1" smtClean="0"/>
-              <a:t>instrumentation</a:t>
-            </a:r>
-            <a:r>
-              <a:rPr lang="it-IT" dirty="0" smtClean="0"/>
-              <a:t>: </a:t>
-            </a:r>
-            <a:r>
-              <a:rPr lang="it-IT" u="sng" dirty="0">
-                <a:hlinkClick r:id="rId2"/>
-              </a:rPr>
-              <a:t>https://</a:t>
-            </a:r>
-            <a:r>
-              <a:rPr lang="it-IT" u="sng" dirty="0" smtClean="0">
-                <a:hlinkClick r:id="rId2"/>
-              </a:rPr>
-              <a:t>ngrx.io/guide/store-devtools/config</a:t>
-            </a:r>
-            <a:endParaRPr lang="it-IT" dirty="0" smtClean="0"/>
           </a:p>
           <a:p>
             <a:endParaRPr lang="it-IT" dirty="0"/>
           </a:p>
         </p:txBody>
       </p:sp>
+      <p:pic>
+        <p:nvPicPr>
+          <p:cNvPr id="1026" name="Picture 2"/>
+          <p:cNvPicPr>
+            <a:picLocks noChangeAspect="1" noChangeArrowheads="1"/>
+          </p:cNvPicPr>
+          <p:nvPr/>
+        </p:nvPicPr>
+        <p:blipFill>
+          <a:blip r:embed="rId2">
+            <a:extLst>
+              <a:ext uri="{28A0092B-C50C-407E-A947-70E740481C1C}">
+                <a14:useLocalDpi xmlns:a14="http://schemas.microsoft.com/office/drawing/2010/main" val="0"/>
+              </a:ext>
+            </a:extLst>
+          </a:blip>
+          <a:srcRect/>
+          <a:stretch>
+            <a:fillRect/>
+          </a:stretch>
+        </p:blipFill>
+        <p:spPr bwMode="auto">
+          <a:xfrm>
+            <a:off x="1285875" y="1881188"/>
+            <a:ext cx="6457950" cy="4124325"/>
+          </a:xfrm>
+          <a:prstGeom prst="rect">
+            <a:avLst/>
+          </a:prstGeom>
+          <a:noFill/>
+          <a:ln>
+            <a:noFill/>
+          </a:ln>
+          <a:extLst>
+            <a:ext uri="{909E8E84-426E-40DD-AFC4-6F175D3DCCD1}">
+              <a14:hiddenFill xmlns:a14="http://schemas.microsoft.com/office/drawing/2010/main">
+                <a:solidFill>
+                  <a:schemeClr val="accent1"/>
+                </a:solidFill>
+              </a14:hiddenFill>
+            </a:ext>
+            <a:ext uri="{91240B29-F687-4F45-9708-019B960494DF}">
+              <a14:hiddenLine xmlns:a14="http://schemas.microsoft.com/office/drawing/2010/main" w="9525">
+                <a:solidFill>
+                  <a:schemeClr val="tx1"/>
+                </a:solidFill>
+                <a:miter lim="800000"/>
+                <a:headEnd/>
+                <a:tailEnd/>
+              </a14:hiddenLine>
+            </a:ext>
+          </a:extLst>
+        </p:spPr>
+      </p:pic>
     </p:spTree>
     <p:extLst>
       <p:ext uri="{BB962C8B-B14F-4D97-AF65-F5344CB8AC3E}">
-        <p14:creationId xmlns:p14="http://schemas.microsoft.com/office/powerpoint/2010/main" val="900495042"/>
+        <p14:creationId xmlns:p14="http://schemas.microsoft.com/office/powerpoint/2010/main" val="2208082617"/>
       </p:ext>
     </p:extLst>
   </p:cSld>
@@ -18441,7 +20685,7 @@
       </p:grpSpPr>
       <p:sp>
         <p:nvSpPr>
-          <p:cNvPr id="4" name="Titolo 3"/>
+          <p:cNvPr id="2" name="Titolo 1"/>
           <p:cNvSpPr>
             <a:spLocks noGrp="1"/>
           </p:cNvSpPr>
@@ -18455,24 +20699,20 @@
           <a:lstStyle/>
           <a:p>
             <a:r>
-              <a:rPr lang="it-IT" dirty="0" err="1"/>
-              <a:t>t</a:t>
-            </a:r>
-            <a:r>
               <a:rPr lang="it-IT" dirty="0" err="1" smtClean="0"/>
-              <a:t>here</a:t>
+              <a:t>ngrx</a:t>
             </a:r>
             <a:r>
               <a:rPr lang="it-IT" dirty="0" smtClean="0"/>
-              <a:t> </a:t>
+              <a:t>/</a:t>
             </a:r>
             <a:r>
               <a:rPr lang="it-IT" dirty="0" err="1" smtClean="0"/>
-              <a:t>is</a:t>
+              <a:t>store-devtools</a:t>
             </a:r>
             <a:r>
               <a:rPr lang="it-IT" dirty="0" smtClean="0"/>
-              <a:t> more…</a:t>
+              <a:t> Setup</a:t>
             </a:r>
             <a:endParaRPr lang="it-IT" dirty="0"/>
           </a:p>
@@ -18480,66 +20720,135 @@
       </p:sp>
       <p:sp>
         <p:nvSpPr>
-          <p:cNvPr id="5" name="Segnaposto testo 4"/>
+          <p:cNvPr id="3" name="Segnaposto contenuto 2"/>
           <p:cNvSpPr>
             <a:spLocks noGrp="1"/>
           </p:cNvSpPr>
           <p:nvPr>
-            <p:ph type="body" idx="1"/>
+            <p:ph idx="1"/>
           </p:nvPr>
         </p:nvSpPr>
         <p:spPr/>
         <p:txBody>
-          <a:bodyPr>
-            <a:normAutofit fontScale="85000" lnSpcReduction="20000"/>
-          </a:bodyPr>
+          <a:bodyPr/>
           <a:lstStyle/>
           <a:p>
-            <a:pPr algn="r"/>
-            <a:r>
-              <a:rPr lang="it-IT" dirty="0" err="1" smtClean="0"/>
+            <a:endParaRPr lang="it-IT" dirty="0" smtClean="0"/>
+          </a:p>
+          <a:p>
+            <a:r>
+              <a:rPr lang="en-US" dirty="0" err="1">
+                <a:latin typeface="Consolas" panose="020B0609020204030204" pitchFamily="49" charset="0"/>
+              </a:rPr>
+              <a:t>npm</a:t>
+            </a:r>
+            <a:r>
+              <a:rPr lang="en-US" dirty="0">
+                <a:latin typeface="Consolas" panose="020B0609020204030204" pitchFamily="49" charset="0"/>
+              </a:rPr>
+              <a:t> install @</a:t>
+            </a:r>
+            <a:r>
+              <a:rPr lang="en-US" dirty="0" err="1">
+                <a:latin typeface="Consolas" panose="020B0609020204030204" pitchFamily="49" charset="0"/>
+              </a:rPr>
               <a:t>ngrx</a:t>
             </a:r>
             <a:r>
-              <a:rPr lang="it-IT" dirty="0" smtClean="0"/>
-              <a:t>/router-</a:t>
-            </a:r>
-            <a:r>
-              <a:rPr lang="it-IT" dirty="0" err="1" smtClean="0"/>
-              <a:t>store</a:t>
-            </a:r>
-            <a:endParaRPr lang="it-IT" dirty="0" smtClean="0"/>
-          </a:p>
-          <a:p>
-            <a:pPr algn="r"/>
-            <a:r>
-              <a:rPr lang="it-IT" dirty="0" err="1" smtClean="0"/>
-              <a:t>ngrx</a:t>
-            </a:r>
-            <a:r>
-              <a:rPr lang="it-IT" dirty="0" smtClean="0"/>
+              <a:rPr lang="en-US" dirty="0">
+                <a:latin typeface="Consolas" panose="020B0609020204030204" pitchFamily="49" charset="0"/>
+              </a:rPr>
+              <a:t>/store-</a:t>
+            </a:r>
+            <a:r>
+              <a:rPr lang="en-US" dirty="0" err="1">
+                <a:latin typeface="Consolas" panose="020B0609020204030204" pitchFamily="49" charset="0"/>
+              </a:rPr>
+              <a:t>devtools</a:t>
+            </a:r>
+            <a:r>
+              <a:rPr lang="en-US" dirty="0">
+                <a:latin typeface="Consolas" panose="020B0609020204030204" pitchFamily="49" charset="0"/>
+              </a:rPr>
+              <a:t> </a:t>
+            </a:r>
+            <a:r>
+              <a:rPr lang="en-US" dirty="0" smtClean="0">
+                <a:latin typeface="Consolas" panose="020B0609020204030204" pitchFamily="49" charset="0"/>
+              </a:rPr>
+              <a:t>–save</a:t>
+            </a:r>
+          </a:p>
+          <a:p>
+            <a:endParaRPr lang="en-US" dirty="0">
+              <a:latin typeface="Consolas" panose="020B0609020204030204" pitchFamily="49" charset="0"/>
+            </a:endParaRPr>
+          </a:p>
+          <a:p>
+            <a:r>
+              <a:rPr lang="en-US" dirty="0"/>
+              <a:t/>
+            </a:r>
+            <a:br>
+              <a:rPr lang="en-US" dirty="0"/>
+            </a:br>
+            <a:r>
+              <a:rPr lang="en-US" dirty="0" smtClean="0"/>
+              <a:t>Install </a:t>
+            </a:r>
+            <a:r>
+              <a:rPr lang="en-US" dirty="0"/>
+              <a:t>the Chrome / Firefox Extension.</a:t>
+            </a:r>
+          </a:p>
+          <a:p>
+            <a:r>
+              <a:rPr lang="en-US" dirty="0"/>
+              <a:t/>
+            </a:r>
+            <a:br>
+              <a:rPr lang="en-US" dirty="0"/>
+            </a:br>
+            <a:r>
+              <a:rPr lang="en-US" dirty="0" smtClean="0"/>
+              <a:t>Redux </a:t>
+            </a:r>
+            <a:r>
+              <a:rPr lang="en-US" dirty="0" err="1"/>
+              <a:t>Devtools</a:t>
+            </a:r>
+            <a:r>
+              <a:rPr lang="en-US" dirty="0"/>
+              <a:t> </a:t>
+            </a:r>
+            <a:r>
+              <a:rPr lang="en-US" dirty="0" smtClean="0"/>
+              <a:t>Extension</a:t>
+            </a:r>
+            <a:br>
+              <a:rPr lang="en-US" dirty="0" smtClean="0"/>
+            </a:br>
+            <a:r>
+              <a:rPr lang="en-US" u="sng" dirty="0" smtClean="0">
+                <a:hlinkClick r:id="rId2"/>
+              </a:rPr>
+              <a:t>https</a:t>
+            </a:r>
+            <a:r>
+              <a:rPr lang="en-US" u="sng" dirty="0">
+                <a:hlinkClick r:id="rId2"/>
+              </a:rPr>
+              <a:t>://github.com/zalmoxisus/redux-devtools-extension</a:t>
+            </a:r>
+            <a:r>
+              <a:rPr lang="en-US" u="sng" dirty="0" smtClean="0">
+                <a:hlinkClick r:id="rId2"/>
+              </a:rPr>
               <a:t>/</a:t>
             </a:r>
-            <a:r>
-              <a:rPr lang="it-IT" dirty="0" err="1" smtClean="0"/>
-              <a:t>entity</a:t>
-            </a:r>
-            <a:endParaRPr lang="it-IT" dirty="0" smtClean="0"/>
-          </a:p>
-          <a:p>
-            <a:pPr algn="r"/>
-            <a:r>
-              <a:rPr lang="it-IT" dirty="0" err="1"/>
-              <a:t>ngrx</a:t>
-            </a:r>
-            <a:r>
-              <a:rPr lang="it-IT" dirty="0"/>
-              <a:t>/</a:t>
-            </a:r>
-            <a:r>
-              <a:rPr lang="it-IT" dirty="0" err="1"/>
-              <a:t>schematics</a:t>
-            </a:r>
+            <a:endParaRPr lang="en-US" dirty="0"/>
+          </a:p>
+          <a:p>
             <a:endParaRPr lang="it-IT" dirty="0"/>
           </a:p>
         </p:txBody>
@@ -18547,7 +20856,7 @@
     </p:spTree>
     <p:extLst>
       <p:ext uri="{BB962C8B-B14F-4D97-AF65-F5344CB8AC3E}">
-        <p14:creationId xmlns:p14="http://schemas.microsoft.com/office/powerpoint/2010/main" val="2657137447"/>
+        <p14:creationId xmlns:p14="http://schemas.microsoft.com/office/powerpoint/2010/main" val="1804167929"/>
       </p:ext>
     </p:extLst>
   </p:cSld>
@@ -18593,18 +20902,28 @@
         </p:nvSpPr>
         <p:spPr/>
         <p:txBody>
-          <a:bodyPr>
-            <a:normAutofit/>
-          </a:bodyPr>
+          <a:bodyPr/>
           <a:lstStyle/>
           <a:p>
             <a:r>
+              <a:rPr lang="it-IT" dirty="0" err="1" smtClean="0"/>
+              <a:t>Configure</a:t>
+            </a:r>
+            <a:r>
               <a:rPr lang="it-IT" dirty="0" smtClean="0"/>
-              <a:t>Benefits of </a:t>
+              <a:t> </a:t>
             </a:r>
             <a:r>
               <a:rPr lang="it-IT" dirty="0" err="1" smtClean="0"/>
-              <a:t>NgRx</a:t>
+              <a:t>ngrx</a:t>
+            </a:r>
+            <a:r>
+              <a:rPr lang="it-IT" dirty="0" smtClean="0"/>
+              <a:t>/</a:t>
+            </a:r>
+            <a:r>
+              <a:rPr lang="it-IT" dirty="0" err="1" smtClean="0"/>
+              <a:t>store-devtools</a:t>
             </a:r>
             <a:endParaRPr lang="it-IT" dirty="0"/>
           </a:p>
@@ -18622,121 +20941,278 @@
         </p:nvSpPr>
         <p:spPr/>
         <p:txBody>
-          <a:bodyPr/>
+          <a:bodyPr>
+            <a:normAutofit lnSpcReduction="10000"/>
+          </a:bodyPr>
           <a:lstStyle/>
           <a:p>
             <a:endParaRPr lang="it-IT" dirty="0" smtClean="0"/>
           </a:p>
           <a:p>
-            <a:pPr>
-              <a:buFont typeface="Arial" panose="020B0604020202020204" pitchFamily="34" charset="0"/>
-              <a:buChar char="•"/>
-            </a:pPr>
-            <a:r>
-              <a:rPr lang="it-IT" sz="2800" dirty="0" err="1" smtClean="0"/>
-              <a:t>Centralized</a:t>
-            </a:r>
-            <a:r>
-              <a:rPr lang="it-IT" sz="2800" dirty="0" smtClean="0"/>
+            <a:r>
+              <a:rPr lang="en-US" dirty="0"/>
+              <a:t>In your </a:t>
+            </a:r>
+            <a:r>
+              <a:rPr lang="en-US" dirty="0" err="1"/>
+              <a:t>AppModule</a:t>
+            </a:r>
+            <a:r>
+              <a:rPr lang="en-US" dirty="0"/>
+              <a:t> imports enable the instrumentation using </a:t>
+            </a:r>
+            <a:r>
+              <a:rPr lang="en-US" b="1" dirty="0" err="1" smtClean="0">
+                <a:solidFill>
+                  <a:srgbClr val="0070C0"/>
+                </a:solidFill>
+              </a:rPr>
+              <a:t>StoreDevtoolsModule.instrument</a:t>
+            </a:r>
+            <a:r>
+              <a:rPr lang="en-US" b="1" dirty="0" smtClean="0">
+                <a:solidFill>
+                  <a:srgbClr val="0070C0"/>
+                </a:solidFill>
+              </a:rPr>
+              <a:t>({…})</a:t>
+            </a:r>
+            <a:r>
+              <a:rPr lang="en-US" dirty="0" smtClean="0">
+                <a:solidFill>
+                  <a:srgbClr val="0070C0"/>
+                </a:solidFill>
+              </a:rPr>
+              <a:t>:</a:t>
+            </a:r>
+            <a:endParaRPr lang="en-US" dirty="0">
+              <a:solidFill>
+                <a:srgbClr val="0070C0"/>
+              </a:solidFill>
+            </a:endParaRPr>
+          </a:p>
+          <a:p>
+            <a:endParaRPr lang="it-IT" dirty="0" smtClean="0"/>
+          </a:p>
+          <a:p>
+            <a:r>
+              <a:rPr lang="it-IT" dirty="0" err="1">
+                <a:solidFill>
+                  <a:srgbClr val="001080"/>
+                </a:solidFill>
+                <a:latin typeface="Consolas"/>
+              </a:rPr>
+              <a:t>StoreDevtoolsModule</a:t>
+            </a:r>
+            <a:r>
+              <a:rPr lang="it-IT" dirty="0" err="1">
+                <a:solidFill>
+                  <a:srgbClr val="000000"/>
+                </a:solidFill>
+                <a:latin typeface="Consolas"/>
+              </a:rPr>
+              <a:t>.</a:t>
+            </a:r>
+            <a:r>
+              <a:rPr lang="it-IT" dirty="0" err="1">
+                <a:solidFill>
+                  <a:srgbClr val="795E26"/>
+                </a:solidFill>
+                <a:latin typeface="Consolas"/>
+              </a:rPr>
+              <a:t>instrument</a:t>
+            </a:r>
+            <a:r>
+              <a:rPr lang="it-IT" dirty="0">
+                <a:solidFill>
+                  <a:srgbClr val="000000"/>
+                </a:solidFill>
+                <a:latin typeface="Consolas"/>
+              </a:rPr>
+              <a:t>({</a:t>
+            </a:r>
+          </a:p>
+          <a:p>
+            <a:r>
+              <a:rPr lang="it-IT" dirty="0" smtClean="0">
+                <a:solidFill>
+                  <a:srgbClr val="001080"/>
+                </a:solidFill>
+                <a:latin typeface="Consolas"/>
+              </a:rPr>
+              <a:t>  </a:t>
+            </a:r>
+            <a:r>
+              <a:rPr lang="it-IT" dirty="0" err="1" smtClean="0">
+                <a:solidFill>
+                  <a:srgbClr val="001080"/>
+                </a:solidFill>
+                <a:latin typeface="Consolas"/>
+              </a:rPr>
+              <a:t>maxAge</a:t>
+            </a:r>
+            <a:r>
+              <a:rPr lang="it-IT" dirty="0">
+                <a:solidFill>
+                  <a:srgbClr val="001080"/>
+                </a:solidFill>
+                <a:latin typeface="Consolas"/>
+              </a:rPr>
+              <a:t>:</a:t>
+            </a:r>
+            <a:r>
+              <a:rPr lang="it-IT" dirty="0">
+                <a:solidFill>
+                  <a:srgbClr val="000000"/>
+                </a:solidFill>
+                <a:latin typeface="Consolas"/>
+              </a:rPr>
               <a:t> </a:t>
             </a:r>
             <a:r>
-              <a:rPr lang="it-IT" sz="2800" dirty="0" err="1" smtClean="0"/>
-              <a:t>Immutable</a:t>
-            </a:r>
-            <a:r>
-              <a:rPr lang="it-IT" sz="2800" dirty="0" smtClean="0"/>
-              <a:t> State</a:t>
-            </a:r>
-          </a:p>
-          <a:p>
-            <a:pPr>
-              <a:buFont typeface="Arial" panose="020B0604020202020204" pitchFamily="34" charset="0"/>
-              <a:buChar char="•"/>
-            </a:pPr>
-            <a:r>
-              <a:rPr lang="it-IT" sz="2800" dirty="0" err="1" smtClean="0"/>
-              <a:t>Predictability</a:t>
-            </a:r>
-            <a:endParaRPr lang="it-IT" sz="2800" dirty="0" smtClean="0"/>
-          </a:p>
-          <a:p>
-            <a:pPr>
-              <a:buFont typeface="Arial" panose="020B0604020202020204" pitchFamily="34" charset="0"/>
-              <a:buChar char="•"/>
-            </a:pPr>
-            <a:r>
-              <a:rPr lang="it-IT" sz="2800" dirty="0" err="1" smtClean="0"/>
-              <a:t>Testablity</a:t>
-            </a:r>
-            <a:endParaRPr lang="it-IT" sz="2800" dirty="0" smtClean="0"/>
-          </a:p>
-          <a:p>
-            <a:pPr>
-              <a:buFont typeface="Arial" panose="020B0604020202020204" pitchFamily="34" charset="0"/>
-              <a:buChar char="•"/>
-            </a:pPr>
-            <a:r>
-              <a:rPr lang="it-IT" sz="2800" dirty="0" smtClean="0"/>
-              <a:t>«Pure» Components: </a:t>
-            </a:r>
-            <a:r>
-              <a:rPr lang="it-IT" sz="2800" dirty="0" err="1" smtClean="0"/>
-              <a:t>select</a:t>
-            </a:r>
-            <a:r>
-              <a:rPr lang="it-IT" sz="2800" dirty="0" smtClean="0"/>
-              <a:t> state, </a:t>
-            </a:r>
-            <a:r>
-              <a:rPr lang="it-IT" sz="2800" dirty="0" err="1" smtClean="0"/>
-              <a:t>dispatch</a:t>
-            </a:r>
-            <a:r>
-              <a:rPr lang="it-IT" sz="2800" dirty="0" smtClean="0"/>
+              <a:rPr lang="it-IT" dirty="0">
+                <a:solidFill>
+                  <a:srgbClr val="09885A"/>
+                </a:solidFill>
+                <a:latin typeface="Consolas"/>
+              </a:rPr>
+              <a:t>25</a:t>
+            </a:r>
+            <a:r>
+              <a:rPr lang="it-IT" dirty="0">
+                <a:solidFill>
+                  <a:srgbClr val="000000"/>
+                </a:solidFill>
+                <a:latin typeface="Consolas"/>
+              </a:rPr>
+              <a:t>,</a:t>
+            </a:r>
+          </a:p>
+          <a:p>
+            <a:r>
+              <a:rPr lang="it-IT" dirty="0" smtClean="0">
+                <a:solidFill>
+                  <a:srgbClr val="001080"/>
+                </a:solidFill>
+                <a:latin typeface="Consolas"/>
+              </a:rPr>
+              <a:t>  </a:t>
+            </a:r>
+            <a:r>
+              <a:rPr lang="it-IT" dirty="0" err="1" smtClean="0">
+                <a:solidFill>
+                  <a:srgbClr val="001080"/>
+                </a:solidFill>
+                <a:latin typeface="Consolas"/>
+              </a:rPr>
+              <a:t>logOnly</a:t>
+            </a:r>
+            <a:r>
+              <a:rPr lang="it-IT" dirty="0">
+                <a:solidFill>
+                  <a:srgbClr val="001080"/>
+                </a:solidFill>
+                <a:latin typeface="Consolas"/>
+              </a:rPr>
+              <a:t>:</a:t>
+            </a:r>
+            <a:r>
+              <a:rPr lang="it-IT" dirty="0">
+                <a:solidFill>
+                  <a:srgbClr val="000000"/>
+                </a:solidFill>
+                <a:latin typeface="Consolas"/>
+              </a:rPr>
               <a:t> </a:t>
             </a:r>
             <a:r>
-              <a:rPr lang="it-IT" sz="2800" dirty="0" err="1" smtClean="0"/>
-              <a:t>actions</a:t>
-            </a:r>
-            <a:endParaRPr lang="it-IT" sz="2800" dirty="0"/>
-          </a:p>
-          <a:p>
-            <a:pPr>
-              <a:buFont typeface="Arial" panose="020B0604020202020204" pitchFamily="34" charset="0"/>
-              <a:buChar char="•"/>
-            </a:pPr>
-            <a:r>
-              <a:rPr lang="it-IT" sz="2800" dirty="0" smtClean="0"/>
-              <a:t>Performance</a:t>
-            </a:r>
-          </a:p>
-          <a:p>
-            <a:pPr>
-              <a:buFont typeface="Arial" panose="020B0604020202020204" pitchFamily="34" charset="0"/>
-              <a:buChar char="•"/>
-            </a:pPr>
-            <a:r>
-              <a:rPr lang="it-IT" sz="2800" dirty="0" err="1" smtClean="0"/>
-              <a:t>Nice</a:t>
-            </a:r>
-            <a:r>
-              <a:rPr lang="it-IT" sz="2800" dirty="0" smtClean="0"/>
-              <a:t> Debugging </a:t>
-            </a:r>
-            <a:r>
-              <a:rPr lang="it-IT" sz="2800" dirty="0" err="1" smtClean="0"/>
-              <a:t>Toolset</a:t>
-            </a:r>
-            <a:endParaRPr lang="it-IT" sz="2800" dirty="0" smtClean="0"/>
+              <a:rPr lang="it-IT" dirty="0" err="1">
+                <a:solidFill>
+                  <a:srgbClr val="001080"/>
+                </a:solidFill>
+                <a:latin typeface="Consolas"/>
+              </a:rPr>
+              <a:t>environment</a:t>
+            </a:r>
+            <a:r>
+              <a:rPr lang="it-IT" dirty="0" err="1">
+                <a:solidFill>
+                  <a:srgbClr val="000000"/>
+                </a:solidFill>
+                <a:latin typeface="Consolas"/>
+              </a:rPr>
+              <a:t>.</a:t>
+            </a:r>
+            <a:r>
+              <a:rPr lang="it-IT" dirty="0" err="1">
+                <a:solidFill>
+                  <a:srgbClr val="001080"/>
+                </a:solidFill>
+                <a:latin typeface="Consolas"/>
+              </a:rPr>
+              <a:t>production</a:t>
+            </a:r>
+            <a:endParaRPr lang="it-IT" dirty="0">
+              <a:solidFill>
+                <a:srgbClr val="000000"/>
+              </a:solidFill>
+              <a:latin typeface="Consolas"/>
+            </a:endParaRPr>
+          </a:p>
+          <a:p>
+            <a:r>
+              <a:rPr lang="it-IT" dirty="0">
+                <a:solidFill>
+                  <a:srgbClr val="000000"/>
+                </a:solidFill>
+                <a:latin typeface="Consolas"/>
+              </a:rPr>
+              <a:t>})</a:t>
+            </a:r>
+          </a:p>
+          <a:p>
+            <a:endParaRPr lang="it-IT" dirty="0" smtClean="0"/>
+          </a:p>
+          <a:p>
+            <a:r>
+              <a:rPr lang="it-IT" dirty="0" err="1" smtClean="0"/>
+              <a:t>Supported</a:t>
+            </a:r>
+            <a:r>
+              <a:rPr lang="it-IT" dirty="0" smtClean="0"/>
+              <a:t> </a:t>
+            </a:r>
+            <a:r>
+              <a:rPr lang="it-IT" dirty="0" err="1" smtClean="0"/>
+              <a:t>instrumentation</a:t>
+            </a:r>
+            <a:r>
+              <a:rPr lang="it-IT" dirty="0" smtClean="0"/>
+              <a:t>: </a:t>
+            </a:r>
+            <a:r>
+              <a:rPr lang="it-IT" u="sng" dirty="0">
+                <a:hlinkClick r:id="rId2"/>
+              </a:rPr>
+              <a:t>https://</a:t>
+            </a:r>
+            <a:r>
+              <a:rPr lang="it-IT" u="sng" dirty="0" smtClean="0">
+                <a:hlinkClick r:id="rId2"/>
+              </a:rPr>
+              <a:t>ngrx.io/guide/store-devtools/config</a:t>
+            </a:r>
+            <a:endParaRPr lang="it-IT" dirty="0" smtClean="0"/>
+          </a:p>
+          <a:p>
+            <a:endParaRPr lang="it-IT" dirty="0"/>
           </a:p>
         </p:txBody>
       </p:sp>
     </p:spTree>
     <p:extLst>
       <p:ext uri="{BB962C8B-B14F-4D97-AF65-F5344CB8AC3E}">
-        <p14:creationId xmlns:p14="http://schemas.microsoft.com/office/powerpoint/2010/main" val="2186655875"/>
+        <p14:creationId xmlns:p14="http://schemas.microsoft.com/office/powerpoint/2010/main" val="900495042"/>
       </p:ext>
     </p:extLst>
   </p:cSld>
@@ -18786,6 +21262,337 @@
           <a:lstStyle/>
           <a:p>
             <a:r>
+              <a:rPr lang="it-IT" dirty="0" err="1"/>
+              <a:t>t</a:t>
+            </a:r>
+            <a:r>
+              <a:rPr lang="it-IT" dirty="0" err="1" smtClean="0"/>
+              <a:t>here</a:t>
+            </a:r>
+            <a:r>
+              <a:rPr lang="it-IT" dirty="0" smtClean="0"/>
+              <a:t> </a:t>
+            </a:r>
+            <a:r>
+              <a:rPr lang="it-IT" dirty="0" err="1" smtClean="0"/>
+              <a:t>is</a:t>
+            </a:r>
+            <a:r>
+              <a:rPr lang="it-IT" dirty="0" smtClean="0"/>
+              <a:t> more…</a:t>
+            </a:r>
+            <a:endParaRPr lang="it-IT" dirty="0"/>
+          </a:p>
+        </p:txBody>
+      </p:sp>
+      <p:sp>
+        <p:nvSpPr>
+          <p:cNvPr id="5" name="Segnaposto testo 4"/>
+          <p:cNvSpPr>
+            <a:spLocks noGrp="1"/>
+          </p:cNvSpPr>
+          <p:nvPr>
+            <p:ph type="body" idx="1"/>
+          </p:nvPr>
+        </p:nvSpPr>
+        <p:spPr/>
+        <p:txBody>
+          <a:bodyPr>
+            <a:normAutofit fontScale="85000" lnSpcReduction="20000"/>
+          </a:bodyPr>
+          <a:lstStyle/>
+          <a:p>
+            <a:pPr algn="r"/>
+            <a:r>
+              <a:rPr lang="it-IT" dirty="0" err="1" smtClean="0"/>
+              <a:t>ngrx</a:t>
+            </a:r>
+            <a:r>
+              <a:rPr lang="it-IT" dirty="0" smtClean="0"/>
+              <a:t>/router-</a:t>
+            </a:r>
+            <a:r>
+              <a:rPr lang="it-IT" dirty="0" err="1" smtClean="0"/>
+              <a:t>store</a:t>
+            </a:r>
+            <a:endParaRPr lang="it-IT" dirty="0" smtClean="0"/>
+          </a:p>
+          <a:p>
+            <a:pPr algn="r"/>
+            <a:r>
+              <a:rPr lang="it-IT" dirty="0" err="1" smtClean="0"/>
+              <a:t>ngrx</a:t>
+            </a:r>
+            <a:r>
+              <a:rPr lang="it-IT" dirty="0" smtClean="0"/>
+              <a:t>/</a:t>
+            </a:r>
+            <a:r>
+              <a:rPr lang="it-IT" dirty="0" err="1" smtClean="0"/>
+              <a:t>entity</a:t>
+            </a:r>
+            <a:endParaRPr lang="it-IT" dirty="0" smtClean="0"/>
+          </a:p>
+          <a:p>
+            <a:pPr algn="r"/>
+            <a:r>
+              <a:rPr lang="it-IT" dirty="0" err="1"/>
+              <a:t>ngrx</a:t>
+            </a:r>
+            <a:r>
+              <a:rPr lang="it-IT" dirty="0"/>
+              <a:t>/</a:t>
+            </a:r>
+            <a:r>
+              <a:rPr lang="it-IT" dirty="0" err="1"/>
+              <a:t>schematics</a:t>
+            </a:r>
+            <a:endParaRPr lang="it-IT" dirty="0"/>
+          </a:p>
+        </p:txBody>
+      </p:sp>
+    </p:spTree>
+    <p:extLst>
+      <p:ext uri="{BB962C8B-B14F-4D97-AF65-F5344CB8AC3E}">
+        <p14:creationId xmlns:p14="http://schemas.microsoft.com/office/powerpoint/2010/main" val="2657137447"/>
+      </p:ext>
+    </p:extLst>
+  </p:cSld>
+  <p:clrMapOvr>
+    <a:masterClrMapping/>
+  </p:clrMapOvr>
+  <p:timing>
+    <p:tnLst>
+      <p:par>
+        <p:cTn id="1" dur="indefinite" restart="never" nodeType="tmRoot"/>
+      </p:par>
+    </p:tnLst>
+  </p:timing>
+</p:sld>
+</file>
+
+<file path=ppt/slides/slide35.xml><?xml version="1.0" encoding="utf-8"?>
+<p:sld xmlns:a="http://schemas.openxmlformats.org/drawingml/2006/main" xmlns:r="http://schemas.openxmlformats.org/officeDocument/2006/relationships" xmlns:p="http://schemas.openxmlformats.org/presentationml/2006/main">
+  <p:cSld>
+    <p:spTree>
+      <p:nvGrpSpPr>
+        <p:cNvPr id="1" name=""/>
+        <p:cNvGrpSpPr/>
+        <p:nvPr/>
+      </p:nvGrpSpPr>
+      <p:grpSpPr>
+        <a:xfrm>
+          <a:off x="0" y="0"/>
+          <a:ext cx="0" cy="0"/>
+          <a:chOff x="0" y="0"/>
+          <a:chExt cx="0" cy="0"/>
+        </a:xfrm>
+      </p:grpSpPr>
+      <p:sp>
+        <p:nvSpPr>
+          <p:cNvPr id="2" name="Titolo 1"/>
+          <p:cNvSpPr>
+            <a:spLocks noGrp="1"/>
+          </p:cNvSpPr>
+          <p:nvPr>
+            <p:ph type="title"/>
+          </p:nvPr>
+        </p:nvSpPr>
+        <p:spPr/>
+        <p:txBody>
+          <a:bodyPr>
+            <a:normAutofit/>
+          </a:bodyPr>
+          <a:lstStyle/>
+          <a:p>
+            <a:r>
+              <a:rPr lang="it-IT" dirty="0" smtClean="0"/>
+              <a:t>Benefits of </a:t>
+            </a:r>
+            <a:r>
+              <a:rPr lang="it-IT" dirty="0" err="1" smtClean="0"/>
+              <a:t>NgRx</a:t>
+            </a:r>
+            <a:endParaRPr lang="it-IT" dirty="0"/>
+          </a:p>
+        </p:txBody>
+      </p:sp>
+      <p:sp>
+        <p:nvSpPr>
+          <p:cNvPr id="3" name="Segnaposto contenuto 2"/>
+          <p:cNvSpPr>
+            <a:spLocks noGrp="1"/>
+          </p:cNvSpPr>
+          <p:nvPr>
+            <p:ph idx="1"/>
+          </p:nvPr>
+        </p:nvSpPr>
+        <p:spPr/>
+        <p:txBody>
+          <a:bodyPr/>
+          <a:lstStyle/>
+          <a:p>
+            <a:endParaRPr lang="it-IT" dirty="0" smtClean="0"/>
+          </a:p>
+          <a:p>
+            <a:pPr>
+              <a:buFont typeface="Arial" panose="020B0604020202020204" pitchFamily="34" charset="0"/>
+              <a:buChar char="•"/>
+            </a:pPr>
+            <a:r>
+              <a:rPr lang="it-IT" sz="2800" dirty="0" err="1" smtClean="0"/>
+              <a:t>Centralized</a:t>
+            </a:r>
+            <a:r>
+              <a:rPr lang="it-IT" sz="2800" dirty="0" smtClean="0"/>
+              <a:t> </a:t>
+            </a:r>
+            <a:r>
+              <a:rPr lang="it-IT" sz="2800" dirty="0" err="1" smtClean="0"/>
+              <a:t>Immutable</a:t>
+            </a:r>
+            <a:r>
+              <a:rPr lang="it-IT" sz="2800" dirty="0" smtClean="0"/>
+              <a:t> State</a:t>
+            </a:r>
+          </a:p>
+          <a:p>
+            <a:pPr>
+              <a:buFont typeface="Arial" panose="020B0604020202020204" pitchFamily="34" charset="0"/>
+              <a:buChar char="•"/>
+            </a:pPr>
+            <a:r>
+              <a:rPr lang="it-IT" sz="2800" dirty="0" err="1" smtClean="0"/>
+              <a:t>Predictability</a:t>
+            </a:r>
+            <a:endParaRPr lang="it-IT" sz="2800" dirty="0" smtClean="0"/>
+          </a:p>
+          <a:p>
+            <a:pPr>
+              <a:buFont typeface="Arial" panose="020B0604020202020204" pitchFamily="34" charset="0"/>
+              <a:buChar char="•"/>
+            </a:pPr>
+            <a:r>
+              <a:rPr lang="it-IT" sz="2800" dirty="0" err="1" smtClean="0"/>
+              <a:t>Testablity</a:t>
+            </a:r>
+            <a:endParaRPr lang="it-IT" sz="2800" dirty="0" smtClean="0"/>
+          </a:p>
+          <a:p>
+            <a:pPr>
+              <a:buFont typeface="Arial" panose="020B0604020202020204" pitchFamily="34" charset="0"/>
+              <a:buChar char="•"/>
+            </a:pPr>
+            <a:r>
+              <a:rPr lang="it-IT" sz="2800" dirty="0" smtClean="0"/>
+              <a:t>«Pure» Components: </a:t>
+            </a:r>
+            <a:r>
+              <a:rPr lang="it-IT" sz="2800" dirty="0" err="1" smtClean="0"/>
+              <a:t>select</a:t>
+            </a:r>
+            <a:r>
+              <a:rPr lang="it-IT" sz="2800" dirty="0" smtClean="0"/>
+              <a:t> state, </a:t>
+            </a:r>
+            <a:r>
+              <a:rPr lang="it-IT" sz="2800" dirty="0" err="1" smtClean="0"/>
+              <a:t>dispatch</a:t>
+            </a:r>
+            <a:r>
+              <a:rPr lang="it-IT" sz="2800" dirty="0" smtClean="0"/>
+              <a:t> </a:t>
+            </a:r>
+            <a:r>
+              <a:rPr lang="it-IT" sz="2800" dirty="0" err="1" smtClean="0"/>
+              <a:t>actions</a:t>
+            </a:r>
+            <a:endParaRPr lang="it-IT" sz="2800" dirty="0"/>
+          </a:p>
+          <a:p>
+            <a:pPr>
+              <a:buFont typeface="Arial" panose="020B0604020202020204" pitchFamily="34" charset="0"/>
+              <a:buChar char="•"/>
+            </a:pPr>
+            <a:r>
+              <a:rPr lang="it-IT" sz="2800" dirty="0" smtClean="0"/>
+              <a:t>Performance</a:t>
+            </a:r>
+          </a:p>
+          <a:p>
+            <a:pPr>
+              <a:buFont typeface="Arial" panose="020B0604020202020204" pitchFamily="34" charset="0"/>
+              <a:buChar char="•"/>
+            </a:pPr>
+            <a:r>
+              <a:rPr lang="it-IT" sz="2800" dirty="0" err="1" smtClean="0"/>
+              <a:t>Nice</a:t>
+            </a:r>
+            <a:r>
+              <a:rPr lang="it-IT" sz="2800" dirty="0" smtClean="0"/>
+              <a:t> Debugging </a:t>
+            </a:r>
+            <a:r>
+              <a:rPr lang="it-IT" sz="2800" dirty="0" err="1" smtClean="0"/>
+              <a:t>Toolset</a:t>
+            </a:r>
+            <a:endParaRPr lang="it-IT" sz="2800" dirty="0" smtClean="0"/>
+          </a:p>
+        </p:txBody>
+      </p:sp>
+    </p:spTree>
+    <p:extLst>
+      <p:ext uri="{BB962C8B-B14F-4D97-AF65-F5344CB8AC3E}">
+        <p14:creationId xmlns:p14="http://schemas.microsoft.com/office/powerpoint/2010/main" val="2186655875"/>
+      </p:ext>
+    </p:extLst>
+  </p:cSld>
+  <p:clrMapOvr>
+    <a:masterClrMapping/>
+  </p:clrMapOvr>
+  <p:timing>
+    <p:tnLst>
+      <p:par>
+        <p:cTn id="1" dur="indefinite" restart="never" nodeType="tmRoot"/>
+      </p:par>
+    </p:tnLst>
+  </p:timing>
+</p:sld>
+</file>
+
+<file path=ppt/slides/slide36.xml><?xml version="1.0" encoding="utf-8"?>
+<p:sld xmlns:a="http://schemas.openxmlformats.org/drawingml/2006/main" xmlns:r="http://schemas.openxmlformats.org/officeDocument/2006/relationships" xmlns:p="http://schemas.openxmlformats.org/presentationml/2006/main">
+  <p:cSld>
+    <p:spTree>
+      <p:nvGrpSpPr>
+        <p:cNvPr id="1" name=""/>
+        <p:cNvGrpSpPr/>
+        <p:nvPr/>
+      </p:nvGrpSpPr>
+      <p:grpSpPr>
+        <a:xfrm>
+          <a:off x="0" y="0"/>
+          <a:ext cx="0" cy="0"/>
+          <a:chOff x="0" y="0"/>
+          <a:chExt cx="0" cy="0"/>
+        </a:xfrm>
+      </p:grpSpPr>
+      <p:sp>
+        <p:nvSpPr>
+          <p:cNvPr id="4" name="Titolo 3"/>
+          <p:cNvSpPr>
+            <a:spLocks noGrp="1"/>
+          </p:cNvSpPr>
+          <p:nvPr>
+            <p:ph type="title"/>
+          </p:nvPr>
+        </p:nvSpPr>
+        <p:spPr/>
+        <p:txBody>
+          <a:bodyPr/>
+          <a:lstStyle/>
+          <a:p>
+            <a:r>
               <a:rPr lang="it-IT" dirty="0" smtClean="0"/>
               <a:t>Reference</a:t>
             </a:r>
@@ -18958,7 +21765,7 @@
 </p:sld>
 </file>
 
-<file path=ppt/slides/slide35.xml><?xml version="1.0" encoding="utf-8"?>
+<file path=ppt/slides/slide37.xml><?xml version="1.0" encoding="utf-8"?>
 <p:sld xmlns:a="http://schemas.openxmlformats.org/drawingml/2006/main" xmlns:r="http://schemas.openxmlformats.org/officeDocument/2006/relationships" xmlns:p="http://schemas.openxmlformats.org/presentationml/2006/main">
   <p:cSld>
     <p:spTree>
@@ -19089,7 +21896,7 @@
 </p:sld>
 </file>
 
-<file path=ppt/slides/slide36.xml><?xml version="1.0" encoding="utf-8"?>
+<file path=ppt/slides/slide38.xml><?xml version="1.0" encoding="utf-8"?>
 <p:sld xmlns:a="http://schemas.openxmlformats.org/drawingml/2006/main" xmlns:r="http://schemas.openxmlformats.org/officeDocument/2006/relationships" xmlns:p="http://schemas.openxmlformats.org/presentationml/2006/main">
   <p:cSld>
     <p:spTree>
@@ -24162,7 +26969,7 @@
   <a:extraClrSchemeLst/>
   <a:extLst>
     <a:ext uri="{05A4C25C-085E-4340-85A3-A5531E510DB2}">
-      <thm15:themeFamily xmlns:thm15="http://schemas.microsoft.com/office/thememl/2012/main" xmlns="" name="Retrospect" id="{5F128B03-DCCA-4EEB-AB3B-CF2899314A46}" vid="{9CC26709-368C-4D72-9060-94E5B3FF3CD6}"/>
+      <thm15:themeFamily xmlns="" xmlns:thm15="http://schemas.microsoft.com/office/thememl/2012/main" name="Retrospect" id="{5F128B03-DCCA-4EEB-AB3B-CF2899314A46}" vid="{9CC26709-368C-4D72-9060-94E5B3FF3CD6}"/>
     </a:ext>
   </a:extLst>
 </a:theme>
@@ -24457,7 +27264,7 @@
   <a:extraClrSchemeLst/>
   <a:extLst>
     <a:ext uri="{05A4C25C-085E-4340-85A3-A5531E510DB2}">
-      <thm15:themeFamily xmlns:thm15="http://schemas.microsoft.com/office/thememl/2012/main" xmlns="" name="Office Theme" id="{62F939B6-93AF-4DB8-9C6B-D6C7DFDC589F}" vid="{4A3C46E8-61CC-4603-A589-7422A47A8E4A}"/>
+      <thm15:themeFamily xmlns="" xmlns:thm15="http://schemas.microsoft.com/office/thememl/2012/main" name="Office Theme" id="{62F939B6-93AF-4DB8-9C6B-D6C7DFDC589F}" vid="{4A3C46E8-61CC-4603-A589-7422A47A8E4A}"/>
     </a:ext>
   </a:extLst>
 </a:theme>

--- a/ReactiveProgramming_ngrx.pptx
+++ b/ReactiveProgramming_ngrx.pptx
@@ -149,7 +149,7 @@
   </p:defaultTextStyle>
   <p:extLst>
     <p:ext uri="{EFAFB233-063F-42B5-8137-9DF3F51BA10A}">
-      <p15:sldGuideLst xmlns="" xmlns:p15="http://schemas.microsoft.com/office/powerpoint/2012/main"/>
+      <p15:sldGuideLst xmlns:p15="http://schemas.microsoft.com/office/powerpoint/2012/main" xmlns=""/>
     </p:ext>
   </p:extLst>
 </p:presentation>
@@ -237,7 +237,7 @@
           <a:p>
             <a:fld id="{327B5F9E-84DB-4811-8F56-9C65E911095D}" type="datetimeFigureOut">
               <a:rPr lang="it-IT" smtClean="0"/>
-              <a:t>01/12/2018</a:t>
+              <a:t>05/12/2018</a:t>
             </a:fld>
             <a:endParaRPr lang="it-IT"/>
           </a:p>
@@ -402,7 +402,7 @@
           <a:p>
             <a:fld id="{60073984-6E99-4D80-ADB1-BFDA0D866557}" type="datetimeFigureOut">
               <a:rPr lang="en-US"/>
-              <a:t>12/1/2018</a:t>
+              <a:t>12/5/2018</a:t>
             </a:fld>
             <a:endParaRPr lang="en-US"/>
           </a:p>
@@ -1622,6 +1622,9 @@
               <a:rPr lang="it-IT" dirty="0" smtClean="0"/>
               <a:t> output. </a:t>
             </a:r>
+            <a:endParaRPr lang="it-IT" dirty="0" smtClean="0"/>
+          </a:p>
+          <a:p>
             <a:r>
               <a:rPr lang="it-IT" dirty="0" err="1" smtClean="0"/>
               <a:t>NgRx</a:t>
@@ -1718,7 +1721,11 @@
             </a:r>
             <a:r>
               <a:rPr lang="it-IT" baseline="0" dirty="0" smtClean="0"/>
-              <a:t> the last input </a:t>
+              <a:t> the last </a:t>
+            </a:r>
+            <a:r>
+              <a:rPr lang="it-IT" baseline="0" dirty="0" smtClean="0"/>
+              <a:t>input </a:t>
             </a:r>
             <a:r>
               <a:rPr lang="it-IT" baseline="0" dirty="0" err="1" smtClean="0"/>
@@ -2586,7 +2593,7 @@
           <a:p>
             <a:fld id="{F1FA7AC5-6045-4418-8E60-F48788734473}" type="datetimeFigureOut">
               <a:rPr lang="en-US" smtClean="0"/>
-              <a:t>12/1/2018</a:t>
+              <a:t>12/5/2018</a:t>
             </a:fld>
             <a:endParaRPr lang="en-US"/>
           </a:p>
@@ -2799,7 +2806,7 @@
           <a:p>
             <a:fld id="{F1FA7AC5-6045-4418-8E60-F48788734473}" type="datetimeFigureOut">
               <a:rPr lang="en-US" smtClean="0"/>
-              <a:t>12/1/2018</a:t>
+              <a:t>12/5/2018</a:t>
             </a:fld>
             <a:endParaRPr lang="en-US"/>
           </a:p>
@@ -3053,7 +3060,7 @@
           <a:p>
             <a:fld id="{F1FA7AC5-6045-4418-8E60-F48788734473}" type="datetimeFigureOut">
               <a:rPr lang="en-US" smtClean="0"/>
-              <a:t>12/1/2018</a:t>
+              <a:t>12/5/2018</a:t>
             </a:fld>
             <a:endParaRPr lang="en-US"/>
           </a:p>
@@ -3221,7 +3228,7 @@
           <a:p>
             <a:fld id="{F1FA7AC5-6045-4418-8E60-F48788734473}" type="datetimeFigureOut">
               <a:rPr lang="en-US" smtClean="0"/>
-              <a:t>12/1/2018</a:t>
+              <a:t>12/5/2018</a:t>
             </a:fld>
             <a:endParaRPr lang="en-US"/>
           </a:p>
@@ -3563,7 +3570,7 @@
           <a:p>
             <a:fld id="{F1FA7AC5-6045-4418-8E60-F48788734473}" type="datetimeFigureOut">
               <a:rPr lang="en-US" smtClean="0"/>
-              <a:t>12/1/2018</a:t>
+              <a:t>12/5/2018</a:t>
             </a:fld>
             <a:endParaRPr lang="en-US"/>
           </a:p>
@@ -3835,7 +3842,7 @@
           <a:p>
             <a:fld id="{F1FA7AC5-6045-4418-8E60-F48788734473}" type="datetimeFigureOut">
               <a:rPr lang="en-US" smtClean="0"/>
-              <a:t>12/1/2018</a:t>
+              <a:t>12/5/2018</a:t>
             </a:fld>
             <a:endParaRPr lang="en-US"/>
           </a:p>
@@ -4211,7 +4218,7 @@
           <a:p>
             <a:fld id="{F1FA7AC5-6045-4418-8E60-F48788734473}" type="datetimeFigureOut">
               <a:rPr lang="en-US" smtClean="0"/>
-              <a:t>12/1/2018</a:t>
+              <a:t>12/5/2018</a:t>
             </a:fld>
             <a:endParaRPr lang="en-US"/>
           </a:p>
@@ -4328,7 +4335,7 @@
           <a:p>
             <a:fld id="{F1FA7AC5-6045-4418-8E60-F48788734473}" type="datetimeFigureOut">
               <a:rPr lang="en-US" smtClean="0"/>
-              <a:t>12/1/2018</a:t>
+              <a:t>12/5/2018</a:t>
             </a:fld>
             <a:endParaRPr lang="en-US"/>
           </a:p>
@@ -4499,7 +4506,7 @@
           <a:p>
             <a:fld id="{F1FA7AC5-6045-4418-8E60-F48788734473}" type="datetimeFigureOut">
               <a:rPr lang="en-US" smtClean="0"/>
-              <a:t>12/1/2018</a:t>
+              <a:t>12/5/2018</a:t>
             </a:fld>
             <a:endParaRPr lang="en-US"/>
           </a:p>
@@ -4851,7 +4858,7 @@
           <a:p>
             <a:fld id="{F1FA7AC5-6045-4418-8E60-F48788734473}" type="datetimeFigureOut">
               <a:rPr lang="en-US" smtClean="0"/>
-              <a:t>12/1/2018</a:t>
+              <a:t>12/5/2018</a:t>
             </a:fld>
             <a:endParaRPr lang="en-US"/>
           </a:p>
@@ -5226,7 +5233,7 @@
           <a:p>
             <a:fld id="{F1FA7AC5-6045-4418-8E60-F48788734473}" type="datetimeFigureOut">
               <a:rPr lang="en-US" smtClean="0"/>
-              <a:t>12/1/2018</a:t>
+              <a:t>12/5/2018</a:t>
             </a:fld>
             <a:endParaRPr lang="en-US"/>
           </a:p>
@@ -5511,7 +5518,7 @@
           <a:p>
             <a:fld id="{F1FA7AC5-6045-4418-8E60-F48788734473}" type="datetimeFigureOut">
               <a:rPr lang="en-US" smtClean="0"/>
-              <a:t>12/1/2018</a:t>
+              <a:t>12/5/2018</a:t>
             </a:fld>
             <a:endParaRPr lang="en-US"/>
           </a:p>
@@ -6259,7 +6266,21 @@
             </a:r>
             <a:r>
               <a:rPr lang="it-IT" dirty="0" smtClean="0"/>
-              <a:t> -&gt; CQRS </a:t>
+              <a:t> </a:t>
+            </a:r>
+            <a:r>
+              <a:rPr lang="it-IT" dirty="0" smtClean="0">
+                <a:sym typeface="Wingdings" panose="05000000000000000000" pitchFamily="2" charset="2"/>
+              </a:rPr>
+              <a:t></a:t>
+            </a:r>
+            <a:r>
+              <a:rPr lang="it-IT" dirty="0" smtClean="0"/>
+              <a:t> </a:t>
+            </a:r>
+            <a:r>
+              <a:rPr lang="it-IT" dirty="0" smtClean="0"/>
+              <a:t>CQRS </a:t>
             </a:r>
             <a:r>
               <a:rPr lang="it-IT" dirty="0" err="1" smtClean="0"/>
@@ -7036,7 +7057,15 @@
             </a:r>
             <a:r>
               <a:rPr lang="en-US" dirty="0"/>
-              <a:t>: the State should be treated as an IMMUTABLE object, you are not allowed to mutate </a:t>
+              <a:t>: the State should be </a:t>
+            </a:r>
+            <a:r>
+              <a:rPr lang="en-US" dirty="0" smtClean="0"/>
+              <a:t>considered an </a:t>
+            </a:r>
+            <a:r>
+              <a:rPr lang="en-US" dirty="0"/>
+              <a:t>IMMUTABLE object, you are not allowed to mutate </a:t>
             </a:r>
             <a:r>
               <a:rPr lang="en-US" dirty="0" smtClean="0"/>
@@ -9881,7 +9910,15 @@
             </a:r>
             <a:r>
               <a:rPr lang="en-US" sz="3200" dirty="0"/>
-              <a:t>expose a slice of the state as observables</a:t>
+              <a:t>expose </a:t>
+            </a:r>
+            <a:r>
+              <a:rPr lang="en-US" sz="3200" dirty="0" smtClean="0"/>
+              <a:t>slices </a:t>
+            </a:r>
+            <a:r>
+              <a:rPr lang="en-US" sz="3200" dirty="0"/>
+              <a:t>of the state as observables</a:t>
             </a:r>
             <a:endParaRPr lang="it-IT" sz="3200" dirty="0"/>
           </a:p>
@@ -10773,16 +10810,16 @@
           <a:lstStyle/>
           <a:p>
             <a:r>
+              <a:rPr lang="it-IT" dirty="0" smtClean="0"/>
+              <a:t>Benefits of «</a:t>
+            </a:r>
+            <a:r>
               <a:rPr lang="it-IT" dirty="0" err="1" smtClean="0"/>
-              <a:t>Advantages</a:t>
+              <a:t>createSelector</a:t>
             </a:r>
             <a:r>
               <a:rPr lang="it-IT" dirty="0" smtClean="0"/>
-              <a:t> of </a:t>
-            </a:r>
-            <a:r>
-              <a:rPr lang="it-IT" dirty="0" err="1" smtClean="0"/>
-              <a:t>selectors</a:t>
+              <a:t>»</a:t>
             </a:r>
             <a:endParaRPr lang="it-IT" dirty="0"/>
           </a:p>
@@ -10864,7 +10901,16 @@
                 </a:solidFill>
                 <a:latin typeface="Consolas"/>
               </a:rPr>
-              <a:t>// functions, the most noticeable: </a:t>
+              <a:t>// functions, the most </a:t>
+            </a:r>
+            <a:r>
+              <a:rPr lang="en-US" dirty="0" smtClean="0">
+                <a:solidFill>
+                  <a:srgbClr val="008000"/>
+                </a:solidFill>
+                <a:latin typeface="Consolas"/>
+              </a:rPr>
+              <a:t>important: </a:t>
             </a:r>
             <a:r>
               <a:rPr lang="en-US" b="1" dirty="0">
@@ -11413,12 +11459,16 @@
               <a:t> service and call the </a:t>
             </a:r>
             <a:r>
+              <a:rPr lang="it-IT" dirty="0" err="1"/>
+              <a:t>d</a:t>
+            </a:r>
+            <a:r>
               <a:rPr lang="it-IT" dirty="0" err="1" smtClean="0"/>
-              <a:t>Dispatch</a:t>
+              <a:t>ispatch</a:t>
             </a:r>
             <a:r>
               <a:rPr lang="it-IT" dirty="0" smtClean="0"/>
-              <a:t> </a:t>
+              <a:t>() </a:t>
             </a:r>
             <a:r>
               <a:rPr lang="it-IT" dirty="0" err="1" smtClean="0"/>
@@ -11679,15 +11729,31 @@
             </a:r>
             <a:r>
               <a:rPr lang="it-IT" sz="3200" dirty="0" smtClean="0"/>
-              <a:t> Core </a:t>
+              <a:t> </a:t>
+            </a:r>
+            <a:r>
+              <a:rPr lang="it-IT" sz="3200" dirty="0" smtClean="0"/>
+              <a:t>core </a:t>
             </a:r>
             <a:r>
               <a:rPr lang="it-IT" sz="3200" dirty="0" err="1" smtClean="0"/>
-              <a:t>it’s</a:t>
+              <a:t>NgRx</a:t>
             </a:r>
             <a:r>
               <a:rPr lang="it-IT" sz="3200" dirty="0" smtClean="0"/>
-              <a:t> the </a:t>
+              <a:t> </a:t>
+            </a:r>
+            <a:r>
+              <a:rPr lang="it-IT" sz="3200" dirty="0" err="1" smtClean="0"/>
+              <a:t>is</a:t>
+            </a:r>
+            <a:r>
+              <a:rPr lang="it-IT" sz="3200" dirty="0" smtClean="0"/>
+              <a:t> </a:t>
+            </a:r>
+            <a:r>
+              <a:rPr lang="it-IT" sz="3200" dirty="0" smtClean="0"/>
+              <a:t>the </a:t>
             </a:r>
             <a:r>
               <a:rPr lang="it-IT" sz="3200" dirty="0" err="1" smtClean="0"/>
@@ -12089,15 +12155,23 @@
             </a:r>
             <a:r>
               <a:rPr lang="en-US" sz="2400" dirty="0"/>
-              <a:t>dispatched from @</a:t>
-            </a:r>
-            <a:r>
-              <a:rPr lang="en-US" sz="2400" dirty="0" err="1"/>
+              <a:t>dispatched </a:t>
+            </a:r>
+            <a:r>
+              <a:rPr lang="en-US" sz="2400" dirty="0" smtClean="0"/>
+              <a:t>to @</a:t>
+            </a:r>
+            <a:r>
+              <a:rPr lang="en-US" sz="2400" dirty="0" err="1" smtClean="0"/>
               <a:t>ngrx</a:t>
             </a:r>
             <a:r>
+              <a:rPr lang="en-US" sz="2400" dirty="0" smtClean="0"/>
+              <a:t>/store</a:t>
+            </a:r>
+            <a:r>
               <a:rPr lang="en-US" sz="2400" dirty="0"/>
-              <a:t>/store.</a:t>
+              <a:t>.</a:t>
             </a:r>
           </a:p>
           <a:p>
@@ -12208,7 +12282,274 @@
   <p:timing>
     <p:tnLst>
       <p:par>
-        <p:cTn id="1" dur="indefinite" restart="never" nodeType="tmRoot"/>
+        <p:cTn id="1" dur="indefinite" restart="never" nodeType="tmRoot">
+          <p:childTnLst>
+            <p:seq concurrent="1" nextAc="seek">
+              <p:cTn id="2" dur="indefinite" nodeType="mainSeq">
+                <p:childTnLst>
+                  <p:par>
+                    <p:cTn id="3" fill="hold">
+                      <p:stCondLst>
+                        <p:cond delay="indefinite"/>
+                      </p:stCondLst>
+                      <p:childTnLst>
+                        <p:par>
+                          <p:cTn id="4" fill="hold">
+                            <p:stCondLst>
+                              <p:cond delay="0"/>
+                            </p:stCondLst>
+                            <p:childTnLst>
+                              <p:par>
+                                <p:cTn id="5" presetID="10" presetClass="entr" presetSubtype="0" fill="hold" nodeType="clickEffect">
+                                  <p:stCondLst>
+                                    <p:cond delay="0"/>
+                                  </p:stCondLst>
+                                  <p:childTnLst>
+                                    <p:set>
+                                      <p:cBhvr>
+                                        <p:cTn id="6" dur="1" fill="hold">
+                                          <p:stCondLst>
+                                            <p:cond delay="0"/>
+                                          </p:stCondLst>
+                                        </p:cTn>
+                                        <p:tgtEl>
+                                          <p:spTgt spid="3">
+                                            <p:txEl>
+                                              <p:pRg st="1" end="1"/>
+                                            </p:txEl>
+                                          </p:spTgt>
+                                        </p:tgtEl>
+                                        <p:attrNameLst>
+                                          <p:attrName>style.visibility</p:attrName>
+                                        </p:attrNameLst>
+                                      </p:cBhvr>
+                                      <p:to>
+                                        <p:strVal val="visible"/>
+                                      </p:to>
+                                    </p:set>
+                                    <p:animEffect transition="in" filter="fade">
+                                      <p:cBhvr>
+                                        <p:cTn id="7" dur="500"/>
+                                        <p:tgtEl>
+                                          <p:spTgt spid="3">
+                                            <p:txEl>
+                                              <p:pRg st="1" end="1"/>
+                                            </p:txEl>
+                                          </p:spTgt>
+                                        </p:tgtEl>
+                                      </p:cBhvr>
+                                    </p:animEffect>
+                                  </p:childTnLst>
+                                </p:cTn>
+                              </p:par>
+                            </p:childTnLst>
+                          </p:cTn>
+                        </p:par>
+                      </p:childTnLst>
+                    </p:cTn>
+                  </p:par>
+                  <p:par>
+                    <p:cTn id="8" fill="hold">
+                      <p:stCondLst>
+                        <p:cond delay="indefinite"/>
+                      </p:stCondLst>
+                      <p:childTnLst>
+                        <p:par>
+                          <p:cTn id="9" fill="hold">
+                            <p:stCondLst>
+                              <p:cond delay="0"/>
+                            </p:stCondLst>
+                            <p:childTnLst>
+                              <p:par>
+                                <p:cTn id="10" presetID="10" presetClass="entr" presetSubtype="0" fill="hold" nodeType="clickEffect">
+                                  <p:stCondLst>
+                                    <p:cond delay="0"/>
+                                  </p:stCondLst>
+                                  <p:childTnLst>
+                                    <p:set>
+                                      <p:cBhvr>
+                                        <p:cTn id="11" dur="1" fill="hold">
+                                          <p:stCondLst>
+                                            <p:cond delay="0"/>
+                                          </p:stCondLst>
+                                        </p:cTn>
+                                        <p:tgtEl>
+                                          <p:spTgt spid="3">
+                                            <p:txEl>
+                                              <p:pRg st="2" end="2"/>
+                                            </p:txEl>
+                                          </p:spTgt>
+                                        </p:tgtEl>
+                                        <p:attrNameLst>
+                                          <p:attrName>style.visibility</p:attrName>
+                                        </p:attrNameLst>
+                                      </p:cBhvr>
+                                      <p:to>
+                                        <p:strVal val="visible"/>
+                                      </p:to>
+                                    </p:set>
+                                    <p:animEffect transition="in" filter="fade">
+                                      <p:cBhvr>
+                                        <p:cTn id="12" dur="500"/>
+                                        <p:tgtEl>
+                                          <p:spTgt spid="3">
+                                            <p:txEl>
+                                              <p:pRg st="2" end="2"/>
+                                            </p:txEl>
+                                          </p:spTgt>
+                                        </p:tgtEl>
+                                      </p:cBhvr>
+                                    </p:animEffect>
+                                  </p:childTnLst>
+                                </p:cTn>
+                              </p:par>
+                            </p:childTnLst>
+                          </p:cTn>
+                        </p:par>
+                      </p:childTnLst>
+                    </p:cTn>
+                  </p:par>
+                  <p:par>
+                    <p:cTn id="13" fill="hold">
+                      <p:stCondLst>
+                        <p:cond delay="indefinite"/>
+                      </p:stCondLst>
+                      <p:childTnLst>
+                        <p:par>
+                          <p:cTn id="14" fill="hold">
+                            <p:stCondLst>
+                              <p:cond delay="0"/>
+                            </p:stCondLst>
+                            <p:childTnLst>
+                              <p:par>
+                                <p:cTn id="15" presetID="10" presetClass="entr" presetSubtype="0" fill="hold" nodeType="clickEffect">
+                                  <p:stCondLst>
+                                    <p:cond delay="0"/>
+                                  </p:stCondLst>
+                                  <p:childTnLst>
+                                    <p:set>
+                                      <p:cBhvr>
+                                        <p:cTn id="16" dur="1" fill="hold">
+                                          <p:stCondLst>
+                                            <p:cond delay="0"/>
+                                          </p:stCondLst>
+                                        </p:cTn>
+                                        <p:tgtEl>
+                                          <p:spTgt spid="3">
+                                            <p:txEl>
+                                              <p:pRg st="3" end="3"/>
+                                            </p:txEl>
+                                          </p:spTgt>
+                                        </p:tgtEl>
+                                        <p:attrNameLst>
+                                          <p:attrName>style.visibility</p:attrName>
+                                        </p:attrNameLst>
+                                      </p:cBhvr>
+                                      <p:to>
+                                        <p:strVal val="visible"/>
+                                      </p:to>
+                                    </p:set>
+                                    <p:animEffect transition="in" filter="fade">
+                                      <p:cBhvr>
+                                        <p:cTn id="17" dur="500"/>
+                                        <p:tgtEl>
+                                          <p:spTgt spid="3">
+                                            <p:txEl>
+                                              <p:pRg st="3" end="3"/>
+                                            </p:txEl>
+                                          </p:spTgt>
+                                        </p:tgtEl>
+                                      </p:cBhvr>
+                                    </p:animEffect>
+                                  </p:childTnLst>
+                                </p:cTn>
+                              </p:par>
+                            </p:childTnLst>
+                          </p:cTn>
+                        </p:par>
+                      </p:childTnLst>
+                    </p:cTn>
+                  </p:par>
+                  <p:par>
+                    <p:cTn id="18" fill="hold">
+                      <p:stCondLst>
+                        <p:cond delay="indefinite"/>
+                      </p:stCondLst>
+                      <p:childTnLst>
+                        <p:par>
+                          <p:cTn id="19" fill="hold">
+                            <p:stCondLst>
+                              <p:cond delay="0"/>
+                            </p:stCondLst>
+                            <p:childTnLst>
+                              <p:par>
+                                <p:cTn id="20" presetID="10" presetClass="entr" presetSubtype="0" fill="hold" nodeType="clickEffect">
+                                  <p:stCondLst>
+                                    <p:cond delay="0"/>
+                                  </p:stCondLst>
+                                  <p:childTnLst>
+                                    <p:set>
+                                      <p:cBhvr>
+                                        <p:cTn id="21" dur="1" fill="hold">
+                                          <p:stCondLst>
+                                            <p:cond delay="0"/>
+                                          </p:stCondLst>
+                                        </p:cTn>
+                                        <p:tgtEl>
+                                          <p:spTgt spid="3">
+                                            <p:txEl>
+                                              <p:pRg st="4" end="4"/>
+                                            </p:txEl>
+                                          </p:spTgt>
+                                        </p:tgtEl>
+                                        <p:attrNameLst>
+                                          <p:attrName>style.visibility</p:attrName>
+                                        </p:attrNameLst>
+                                      </p:cBhvr>
+                                      <p:to>
+                                        <p:strVal val="visible"/>
+                                      </p:to>
+                                    </p:set>
+                                    <p:animEffect transition="in" filter="fade">
+                                      <p:cBhvr>
+                                        <p:cTn id="22" dur="500"/>
+                                        <p:tgtEl>
+                                          <p:spTgt spid="3">
+                                            <p:txEl>
+                                              <p:pRg st="4" end="4"/>
+                                            </p:txEl>
+                                          </p:spTgt>
+                                        </p:tgtEl>
+                                      </p:cBhvr>
+                                    </p:animEffect>
+                                  </p:childTnLst>
+                                </p:cTn>
+                              </p:par>
+                            </p:childTnLst>
+                          </p:cTn>
+                        </p:par>
+                      </p:childTnLst>
+                    </p:cTn>
+                  </p:par>
+                </p:childTnLst>
+              </p:cTn>
+              <p:prevCondLst>
+                <p:cond evt="onPrev" delay="0">
+                  <p:tgtEl>
+                    <p:sldTgt/>
+                  </p:tgtEl>
+                </p:cond>
+              </p:prevCondLst>
+              <p:nextCondLst>
+                <p:cond evt="onNext" delay="0">
+                  <p:tgtEl>
+                    <p:sldTgt/>
+                  </p:tgtEl>
+                </p:cond>
+              </p:nextCondLst>
+            </p:seq>
+          </p:childTnLst>
+        </p:cTn>
       </p:par>
     </p:tnLst>
   </p:timing>
@@ -15092,6 +15433,13 @@
   <p:clrMapOvr>
     <a:masterClrMapping/>
   </p:clrMapOvr>
+  <p:timing>
+    <p:tnLst>
+      <p:par>
+        <p:cTn id="1" dur="indefinite" restart="never" nodeType="tmRoot"/>
+      </p:par>
+    </p:tnLst>
+  </p:timing>
 </p:sld>
 </file>
 
@@ -15519,6 +15867,92 @@
           <a:p>
             <a:pPr algn="ctr"/>
             <a:endParaRPr lang="it-IT"/>
+          </a:p>
+        </p:txBody>
+      </p:sp>
+      <p:sp>
+        <p:nvSpPr>
+          <p:cNvPr id="6" name="CasellaDiTesto 5"/>
+          <p:cNvSpPr txBox="1"/>
+          <p:nvPr/>
+        </p:nvSpPr>
+        <p:spPr>
+          <a:xfrm>
+            <a:off x="3308350" y="4375150"/>
+            <a:ext cx="5662256" cy="461665"/>
+          </a:xfrm>
+          <a:prstGeom prst="rect">
+            <a:avLst/>
+          </a:prstGeom>
+          <a:noFill/>
+        </p:spPr>
+        <p:txBody>
+          <a:bodyPr wrap="none" rtlCol="0">
+            <a:spAutoFit/>
+          </a:bodyPr>
+          <a:lstStyle/>
+          <a:p>
+            <a:r>
+              <a:rPr lang="it-IT" sz="2400" dirty="0" err="1" smtClean="0">
+                <a:solidFill>
+                  <a:srgbClr val="FF0000"/>
+                </a:solidFill>
+              </a:rPr>
+              <a:t>Actions</a:t>
+            </a:r>
+            <a:r>
+              <a:rPr lang="it-IT" sz="2400" dirty="0" smtClean="0">
+                <a:solidFill>
+                  <a:srgbClr val="FF0000"/>
+                </a:solidFill>
+              </a:rPr>
+              <a:t>&lt;</a:t>
+            </a:r>
+            <a:r>
+              <a:rPr lang="it-IT" sz="2400" dirty="0" err="1" smtClean="0">
+                <a:solidFill>
+                  <a:srgbClr val="FF0000"/>
+                </a:solidFill>
+              </a:rPr>
+              <a:t>TActions</a:t>
+            </a:r>
+            <a:r>
+              <a:rPr lang="it-IT" sz="2400" dirty="0" smtClean="0">
+                <a:solidFill>
+                  <a:srgbClr val="FF0000"/>
+                </a:solidFill>
+              </a:rPr>
+              <a:t>&gt;: an </a:t>
+            </a:r>
+            <a:r>
+              <a:rPr lang="it-IT" sz="2400" dirty="0" err="1" smtClean="0">
+                <a:solidFill>
+                  <a:srgbClr val="FF0000"/>
+                </a:solidFill>
+              </a:rPr>
+              <a:t>observable</a:t>
+            </a:r>
+            <a:r>
+              <a:rPr lang="it-IT" sz="2400" dirty="0" smtClean="0">
+                <a:solidFill>
+                  <a:srgbClr val="FF0000"/>
+                </a:solidFill>
+              </a:rPr>
+              <a:t> of </a:t>
+            </a:r>
+            <a:r>
+              <a:rPr lang="it-IT" sz="2400" dirty="0" err="1" smtClean="0">
+                <a:solidFill>
+                  <a:srgbClr val="FF0000"/>
+                </a:solidFill>
+              </a:rPr>
+              <a:t>actions</a:t>
+            </a:r>
+            <a:endParaRPr lang="it-IT" sz="2400" dirty="0">
+              <a:solidFill>
+                <a:srgbClr val="FF0000"/>
+              </a:solidFill>
+            </a:endParaRPr>
           </a:p>
         </p:txBody>
       </p:sp>
@@ -15643,6 +16077,50 @@
                             </p:childTnLst>
                           </p:cTn>
                         </p:par>
+                        <p:par>
+                          <p:cTn id="13" fill="hold">
+                            <p:stCondLst>
+                              <p:cond delay="500"/>
+                            </p:stCondLst>
+                            <p:childTnLst>
+                              <p:par>
+                                <p:cTn id="14" presetID="10" presetClass="entr" presetSubtype="0" fill="hold" grpId="0" nodeType="afterEffect">
+                                  <p:stCondLst>
+                                    <p:cond delay="0"/>
+                                  </p:stCondLst>
+                                  <p:childTnLst>
+                                    <p:set>
+                                      <p:cBhvr>
+                                        <p:cTn id="15" dur="1" fill="hold">
+                                          <p:stCondLst>
+                                            <p:cond delay="0"/>
+                                          </p:stCondLst>
+                                        </p:cTn>
+                                        <p:tgtEl>
+                                          <p:spTgt spid="6"/>
+                                        </p:tgtEl>
+                                        <p:attrNameLst>
+                                          <p:attrName>style.visibility</p:attrName>
+                                        </p:attrNameLst>
+                                      </p:cBhvr>
+                                      <p:to>
+                                        <p:strVal val="visible"/>
+                                      </p:to>
+                                    </p:set>
+                                    <p:animEffect transition="in" filter="fade">
+                                      <p:cBhvr>
+                                        <p:cTn id="16" dur="500"/>
+                                        <p:tgtEl>
+                                          <p:spTgt spid="6"/>
+                                        </p:tgtEl>
+                                      </p:cBhvr>
+                                    </p:animEffect>
+                                  </p:childTnLst>
+                                </p:cTn>
+                              </p:par>
+                            </p:childTnLst>
+                          </p:cTn>
+                        </p:par>
                       </p:childTnLst>
                     </p:cTn>
                   </p:par>
@@ -15670,6 +16148,7 @@
     <p:bldLst>
       <p:bldP spid="4" grpId="0" animBg="1"/>
       <p:bldP spid="5" grpId="0" animBg="1"/>
+      <p:bldP spid="6" grpId="0"/>
     </p:bldLst>
   </p:timing>
 </p:sld>
@@ -17088,8 +17567,52 @@
         </p:nvSpPr>
         <p:spPr>
           <a:xfrm>
-            <a:off x="1606550" y="2438400"/>
-            <a:ext cx="5943600" cy="400050"/>
+            <a:off x="1606550" y="2508250"/>
+            <a:ext cx="5943600" cy="330200"/>
+          </a:xfrm>
+          <a:prstGeom prst="rect">
+            <a:avLst/>
+          </a:prstGeom>
+          <a:noFill/>
+          <a:ln>
+            <a:solidFill>
+              <a:srgbClr val="FF0000"/>
+            </a:solidFill>
+          </a:ln>
+        </p:spPr>
+        <p:style>
+          <a:lnRef idx="2">
+            <a:schemeClr val="dk1"/>
+          </a:lnRef>
+          <a:fillRef idx="1">
+            <a:schemeClr val="lt1"/>
+          </a:fillRef>
+          <a:effectRef idx="0">
+            <a:schemeClr val="dk1"/>
+          </a:effectRef>
+          <a:fontRef idx="minor">
+            <a:schemeClr val="dk1"/>
+          </a:fontRef>
+        </p:style>
+        <p:txBody>
+          <a:bodyPr rtlCol="0" anchor="ctr"/>
+          <a:lstStyle/>
+          <a:p>
+            <a:pPr algn="ctr"/>
+            <a:endParaRPr lang="it-IT"/>
+          </a:p>
+        </p:txBody>
+      </p:sp>
+      <p:sp>
+        <p:nvSpPr>
+          <p:cNvPr id="5" name="Rettangolo 4"/>
+          <p:cNvSpPr/>
+          <p:nvPr/>
+        </p:nvSpPr>
+        <p:spPr>
+          <a:xfrm>
+            <a:off x="1168400" y="1905000"/>
+            <a:ext cx="1295400" cy="330200"/>
           </a:xfrm>
           <a:prstGeom prst="rect">
             <a:avLst/>
@@ -17168,6 +17691,59 @@
                                           </p:stCondLst>
                                         </p:cTn>
                                         <p:tgtEl>
+                                          <p:spTgt spid="5"/>
+                                        </p:tgtEl>
+                                        <p:attrNameLst>
+                                          <p:attrName>style.visibility</p:attrName>
+                                        </p:attrNameLst>
+                                      </p:cBhvr>
+                                      <p:to>
+                                        <p:strVal val="visible"/>
+                                      </p:to>
+                                    </p:set>
+                                    <p:animEffect transition="in" filter="fade">
+                                      <p:cBhvr>
+                                        <p:cTn id="7" dur="500"/>
+                                        <p:tgtEl>
+                                          <p:spTgt spid="5"/>
+                                        </p:tgtEl>
+                                      </p:cBhvr>
+                                    </p:animEffect>
+                                  </p:childTnLst>
+                                </p:cTn>
+                              </p:par>
+                            </p:childTnLst>
+                          </p:cTn>
+                        </p:par>
+                      </p:childTnLst>
+                    </p:cTn>
+                  </p:par>
+                  <p:par>
+                    <p:cTn id="8" fill="hold">
+                      <p:stCondLst>
+                        <p:cond delay="indefinite"/>
+                      </p:stCondLst>
+                      <p:childTnLst>
+                        <p:par>
+                          <p:cTn id="9" fill="hold">
+                            <p:stCondLst>
+                              <p:cond delay="0"/>
+                            </p:stCondLst>
+                            <p:childTnLst>
+                              <p:par>
+                                <p:cTn id="10" presetID="10" presetClass="entr" presetSubtype="0" fill="hold" grpId="0" nodeType="clickEffect">
+                                  <p:stCondLst>
+                                    <p:cond delay="0"/>
+                                  </p:stCondLst>
+                                  <p:childTnLst>
+                                    <p:set>
+                                      <p:cBhvr>
+                                        <p:cTn id="11" dur="1" fill="hold">
+                                          <p:stCondLst>
+                                            <p:cond delay="0"/>
+                                          </p:stCondLst>
+                                        </p:cTn>
+                                        <p:tgtEl>
                                           <p:spTgt spid="4"/>
                                         </p:tgtEl>
                                         <p:attrNameLst>
@@ -17180,7 +17756,7 @@
                                     </p:set>
                                     <p:animEffect transition="in" filter="fade">
                                       <p:cBhvr>
-                                        <p:cTn id="7" dur="500"/>
+                                        <p:cTn id="12" dur="500"/>
                                         <p:tgtEl>
                                           <p:spTgt spid="4"/>
                                         </p:tgtEl>
@@ -17218,6 +17794,7 @@
     </p:tnLst>
     <p:bldLst>
       <p:bldP spid="4" grpId="0" animBg="1"/>
+      <p:bldP spid="5" grpId="0" animBg="1"/>
     </p:bldLst>
   </p:timing>
 </p:sld>
@@ -17508,7 +18085,281 @@
   <p:timing>
     <p:tnLst>
       <p:par>
-        <p:cTn id="1" dur="indefinite" restart="never" nodeType="tmRoot"/>
+        <p:cTn id="1" dur="indefinite" restart="never" nodeType="tmRoot">
+          <p:childTnLst>
+            <p:seq concurrent="1" nextAc="seek">
+              <p:cTn id="2" dur="indefinite" nodeType="mainSeq">
+                <p:childTnLst>
+                  <p:par>
+                    <p:cTn id="3" fill="hold">
+                      <p:stCondLst>
+                        <p:cond delay="indefinite"/>
+                      </p:stCondLst>
+                      <p:childTnLst>
+                        <p:par>
+                          <p:cTn id="4" fill="hold">
+                            <p:stCondLst>
+                              <p:cond delay="0"/>
+                            </p:stCondLst>
+                            <p:childTnLst>
+                              <p:par>
+                                <p:cTn id="5" presetID="10" presetClass="entr" presetSubtype="0" fill="hold" nodeType="clickEffect">
+                                  <p:stCondLst>
+                                    <p:cond delay="0"/>
+                                  </p:stCondLst>
+                                  <p:childTnLst>
+                                    <p:set>
+                                      <p:cBhvr>
+                                        <p:cTn id="6" dur="1" fill="hold">
+                                          <p:stCondLst>
+                                            <p:cond delay="0"/>
+                                          </p:stCondLst>
+                                        </p:cTn>
+                                        <p:tgtEl>
+                                          <p:spTgt spid="3">
+                                            <p:txEl>
+                                              <p:pRg st="0" end="0"/>
+                                            </p:txEl>
+                                          </p:spTgt>
+                                        </p:tgtEl>
+                                        <p:attrNameLst>
+                                          <p:attrName>style.visibility</p:attrName>
+                                        </p:attrNameLst>
+                                      </p:cBhvr>
+                                      <p:to>
+                                        <p:strVal val="visible"/>
+                                      </p:to>
+                                    </p:set>
+                                    <p:animEffect transition="in" filter="fade">
+                                      <p:cBhvr>
+                                        <p:cTn id="7" dur="500"/>
+                                        <p:tgtEl>
+                                          <p:spTgt spid="3">
+                                            <p:txEl>
+                                              <p:pRg st="0" end="0"/>
+                                            </p:txEl>
+                                          </p:spTgt>
+                                        </p:tgtEl>
+                                      </p:cBhvr>
+                                    </p:animEffect>
+                                  </p:childTnLst>
+                                </p:cTn>
+                              </p:par>
+                              <p:par>
+                                <p:cTn id="8" presetID="10" presetClass="entr" presetSubtype="0" fill="hold" nodeType="withEffect">
+                                  <p:stCondLst>
+                                    <p:cond delay="0"/>
+                                  </p:stCondLst>
+                                  <p:childTnLst>
+                                    <p:set>
+                                      <p:cBhvr>
+                                        <p:cTn id="9" dur="1" fill="hold">
+                                          <p:stCondLst>
+                                            <p:cond delay="0"/>
+                                          </p:stCondLst>
+                                        </p:cTn>
+                                        <p:tgtEl>
+                                          <p:spTgt spid="3">
+                                            <p:txEl>
+                                              <p:pRg st="2" end="2"/>
+                                            </p:txEl>
+                                          </p:spTgt>
+                                        </p:tgtEl>
+                                        <p:attrNameLst>
+                                          <p:attrName>style.visibility</p:attrName>
+                                        </p:attrNameLst>
+                                      </p:cBhvr>
+                                      <p:to>
+                                        <p:strVal val="visible"/>
+                                      </p:to>
+                                    </p:set>
+                                    <p:animEffect transition="in" filter="fade">
+                                      <p:cBhvr>
+                                        <p:cTn id="10" dur="500"/>
+                                        <p:tgtEl>
+                                          <p:spTgt spid="3">
+                                            <p:txEl>
+                                              <p:pRg st="2" end="2"/>
+                                            </p:txEl>
+                                          </p:spTgt>
+                                        </p:tgtEl>
+                                      </p:cBhvr>
+                                    </p:animEffect>
+                                  </p:childTnLst>
+                                </p:cTn>
+                              </p:par>
+                            </p:childTnLst>
+                          </p:cTn>
+                        </p:par>
+                      </p:childTnLst>
+                    </p:cTn>
+                  </p:par>
+                  <p:par>
+                    <p:cTn id="11" fill="hold">
+                      <p:stCondLst>
+                        <p:cond delay="indefinite"/>
+                      </p:stCondLst>
+                      <p:childTnLst>
+                        <p:par>
+                          <p:cTn id="12" fill="hold">
+                            <p:stCondLst>
+                              <p:cond delay="0"/>
+                            </p:stCondLst>
+                            <p:childTnLst>
+                              <p:par>
+                                <p:cTn id="13" presetID="10" presetClass="entr" presetSubtype="0" fill="hold" nodeType="clickEffect">
+                                  <p:stCondLst>
+                                    <p:cond delay="0"/>
+                                  </p:stCondLst>
+                                  <p:childTnLst>
+                                    <p:set>
+                                      <p:cBhvr>
+                                        <p:cTn id="14" dur="1" fill="hold">
+                                          <p:stCondLst>
+                                            <p:cond delay="0"/>
+                                          </p:stCondLst>
+                                        </p:cTn>
+                                        <p:tgtEl>
+                                          <p:spTgt spid="3">
+                                            <p:txEl>
+                                              <p:pRg st="4" end="4"/>
+                                            </p:txEl>
+                                          </p:spTgt>
+                                        </p:tgtEl>
+                                        <p:attrNameLst>
+                                          <p:attrName>style.visibility</p:attrName>
+                                        </p:attrNameLst>
+                                      </p:cBhvr>
+                                      <p:to>
+                                        <p:strVal val="visible"/>
+                                      </p:to>
+                                    </p:set>
+                                    <p:animEffect transition="in" filter="fade">
+                                      <p:cBhvr>
+                                        <p:cTn id="15" dur="500"/>
+                                        <p:tgtEl>
+                                          <p:spTgt spid="3">
+                                            <p:txEl>
+                                              <p:pRg st="4" end="4"/>
+                                            </p:txEl>
+                                          </p:spTgt>
+                                        </p:tgtEl>
+                                      </p:cBhvr>
+                                    </p:animEffect>
+                                  </p:childTnLst>
+                                </p:cTn>
+                              </p:par>
+                              <p:par>
+                                <p:cTn id="16" presetID="10" presetClass="entr" presetSubtype="0" fill="hold" nodeType="withEffect">
+                                  <p:stCondLst>
+                                    <p:cond delay="0"/>
+                                  </p:stCondLst>
+                                  <p:childTnLst>
+                                    <p:set>
+                                      <p:cBhvr>
+                                        <p:cTn id="17" dur="1" fill="hold">
+                                          <p:stCondLst>
+                                            <p:cond delay="0"/>
+                                          </p:stCondLst>
+                                        </p:cTn>
+                                        <p:tgtEl>
+                                          <p:spTgt spid="3">
+                                            <p:txEl>
+                                              <p:pRg st="6" end="6"/>
+                                            </p:txEl>
+                                          </p:spTgt>
+                                        </p:tgtEl>
+                                        <p:attrNameLst>
+                                          <p:attrName>style.visibility</p:attrName>
+                                        </p:attrNameLst>
+                                      </p:cBhvr>
+                                      <p:to>
+                                        <p:strVal val="visible"/>
+                                      </p:to>
+                                    </p:set>
+                                    <p:animEffect transition="in" filter="fade">
+                                      <p:cBhvr>
+                                        <p:cTn id="18" dur="500"/>
+                                        <p:tgtEl>
+                                          <p:spTgt spid="3">
+                                            <p:txEl>
+                                              <p:pRg st="6" end="6"/>
+                                            </p:txEl>
+                                          </p:spTgt>
+                                        </p:tgtEl>
+                                      </p:cBhvr>
+                                    </p:animEffect>
+                                  </p:childTnLst>
+                                </p:cTn>
+                              </p:par>
+                              <p:par>
+                                <p:cTn id="19" presetID="10" presetClass="entr" presetSubtype="0" fill="hold" nodeType="withEffect">
+                                  <p:stCondLst>
+                                    <p:cond delay="0"/>
+                                  </p:stCondLst>
+                                  <p:childTnLst>
+                                    <p:set>
+                                      <p:cBhvr>
+                                        <p:cTn id="20" dur="1" fill="hold">
+                                          <p:stCondLst>
+                                            <p:cond delay="0"/>
+                                          </p:stCondLst>
+                                        </p:cTn>
+                                        <p:tgtEl>
+                                          <p:spTgt spid="3">
+                                            <p:txEl>
+                                              <p:pRg st="7" end="7"/>
+                                            </p:txEl>
+                                          </p:spTgt>
+                                        </p:tgtEl>
+                                        <p:attrNameLst>
+                                          <p:attrName>style.visibility</p:attrName>
+                                        </p:attrNameLst>
+                                      </p:cBhvr>
+                                      <p:to>
+                                        <p:strVal val="visible"/>
+                                      </p:to>
+                                    </p:set>
+                                    <p:animEffect transition="in" filter="fade">
+                                      <p:cBhvr>
+                                        <p:cTn id="21" dur="500"/>
+                                        <p:tgtEl>
+                                          <p:spTgt spid="3">
+                                            <p:txEl>
+                                              <p:pRg st="7" end="7"/>
+                                            </p:txEl>
+                                          </p:spTgt>
+                                        </p:tgtEl>
+                                      </p:cBhvr>
+                                    </p:animEffect>
+                                  </p:childTnLst>
+                                </p:cTn>
+                              </p:par>
+                            </p:childTnLst>
+                          </p:cTn>
+                        </p:par>
+                      </p:childTnLst>
+                    </p:cTn>
+                  </p:par>
+                </p:childTnLst>
+              </p:cTn>
+              <p:prevCondLst>
+                <p:cond evt="onPrev" delay="0">
+                  <p:tgtEl>
+                    <p:sldTgt/>
+                  </p:tgtEl>
+                </p:cond>
+              </p:prevCondLst>
+              <p:nextCondLst>
+                <p:cond evt="onNext" delay="0">
+                  <p:tgtEl>
+                    <p:sldTgt/>
+                  </p:tgtEl>
+                </p:cond>
+              </p:nextCondLst>
+            </p:seq>
+          </p:childTnLst>
+        </p:cTn>
       </p:par>
     </p:tnLst>
   </p:timing>
@@ -19137,7 +19988,11 @@
             </a:r>
             <a:r>
               <a:rPr lang="it-IT" b="1" dirty="0"/>
-              <a:t> (li </a:t>
+              <a:t> </a:t>
+            </a:r>
+            <a:r>
+              <a:rPr lang="it-IT" b="1" dirty="0" smtClean="0"/>
+              <a:t>(e.g.: </a:t>
             </a:r>
             <a:r>
               <a:rPr lang="it-IT" b="1" dirty="0" err="1"/>
@@ -19498,7 +20353,11 @@
             </a:r>
             <a:r>
               <a:rPr lang="it-IT" b="1" dirty="0" smtClean="0"/>
-              <a:t> complete</a:t>
+              <a:t> </a:t>
+            </a:r>
+            <a:r>
+              <a:rPr lang="it-IT" b="1" dirty="0" err="1" smtClean="0"/>
+              <a:t>completes</a:t>
             </a:r>
             <a:r>
               <a:rPr lang="it-IT" dirty="0" smtClean="0"/>
@@ -19879,7 +20738,7 @@
         <p:spPr/>
         <p:txBody>
           <a:bodyPr>
-            <a:normAutofit lnSpcReduction="10000"/>
+            <a:normAutofit fontScale="92500"/>
           </a:bodyPr>
           <a:lstStyle/>
           <a:p>
@@ -19899,32 +20758,64 @@
               <a:t> </a:t>
             </a:r>
             <a:r>
+              <a:rPr lang="it-IT" sz="2400" dirty="0" err="1" smtClean="0">
+                <a:solidFill>
+                  <a:srgbClr val="0070C0"/>
+                </a:solidFill>
+              </a:rPr>
+              <a:t>one</a:t>
+            </a:r>
+            <a:r>
+              <a:rPr lang="it-IT" sz="2400" dirty="0" smtClean="0">
+                <a:solidFill>
+                  <a:srgbClr val="0070C0"/>
+                </a:solidFill>
+              </a:rPr>
+              <a:t> </a:t>
+            </a:r>
+            <a:r>
+              <a:rPr lang="it-IT" sz="2400" dirty="0">
+                <a:solidFill>
+                  <a:srgbClr val="0070C0"/>
+                </a:solidFill>
+              </a:rPr>
+              <a:t>way </a:t>
+            </a:r>
+            <a:r>
+              <a:rPr lang="it-IT" sz="2400" dirty="0" err="1" smtClean="0">
+                <a:solidFill>
+                  <a:srgbClr val="0070C0"/>
+                </a:solidFill>
+              </a:rPr>
+              <a:t>dataflow</a:t>
+            </a:r>
+            <a:r>
+              <a:rPr lang="it-IT" sz="2400" dirty="0">
+                <a:solidFill>
+                  <a:srgbClr val="0070C0"/>
+                </a:solidFill>
+              </a:rPr>
+              <a:t> </a:t>
+            </a:r>
+            <a:r>
               <a:rPr lang="it-IT" sz="2400" dirty="0" smtClean="0"/>
-              <a:t> </a:t>
+              <a:t>(for the state </a:t>
+            </a:r>
+            <a:r>
+              <a:rPr lang="it-IT" sz="2400" dirty="0"/>
+              <a:t>management) </a:t>
             </a:r>
             <a:r>
               <a:rPr lang="it-IT" sz="2400" dirty="0" err="1"/>
-              <a:t>one</a:t>
-            </a:r>
-            <a:r>
-              <a:rPr lang="it-IT" sz="2400" dirty="0"/>
-              <a:t> way (state management) </a:t>
-            </a:r>
-            <a:r>
-              <a:rPr lang="it-IT" sz="2400" dirty="0" err="1"/>
-              <a:t>dataflow</a:t>
+              <a:t>throught</a:t>
             </a:r>
             <a:r>
               <a:rPr lang="it-IT" sz="2400" dirty="0"/>
               <a:t> </a:t>
             </a:r>
             <a:r>
-              <a:rPr lang="it-IT" sz="2400" dirty="0" err="1"/>
-              <a:t>throught</a:t>
-            </a:r>
-            <a:r>
               <a:rPr lang="it-IT" sz="2400" dirty="0"/>
-              <a:t> the </a:t>
+              <a:t>the </a:t>
             </a:r>
             <a:r>
               <a:rPr lang="it-IT" sz="2400" dirty="0" err="1"/>
@@ -19961,11 +20852,23 @@
             </a:r>
             <a:r>
               <a:rPr lang="it-IT" sz="2400" dirty="0"/>
-              <a:t> the use of a «Single source of </a:t>
+              <a:t> the use of a «Single </a:t>
+            </a:r>
+            <a:r>
+              <a:rPr lang="it-IT" sz="2400" dirty="0" smtClean="0"/>
+              <a:t>Source </a:t>
+            </a:r>
+            <a:r>
+              <a:rPr lang="it-IT" sz="2400" dirty="0"/>
+              <a:t>of </a:t>
             </a:r>
             <a:r>
               <a:rPr lang="it-IT" sz="2400" dirty="0" err="1"/>
-              <a:t>truth</a:t>
+              <a:t>T</a:t>
+            </a:r>
+            <a:r>
+              <a:rPr lang="it-IT" sz="2400" dirty="0" err="1" smtClean="0"/>
+              <a:t>ruth</a:t>
             </a:r>
             <a:r>
               <a:rPr lang="it-IT" sz="2400" dirty="0"/>
@@ -19973,15 +20876,35 @@
             </a:r>
             <a:r>
               <a:rPr lang="it-IT" sz="2400" dirty="0" smtClean="0"/>
-              <a:t>State: The </a:t>
-            </a:r>
-            <a:r>
-              <a:rPr lang="it-IT" sz="2400" dirty="0" err="1" smtClean="0"/>
+              <a:t>State: </a:t>
+            </a:r>
+            <a:r>
+              <a:rPr lang="it-IT" sz="2400" b="1" dirty="0" smtClean="0">
+                <a:solidFill>
+                  <a:srgbClr val="0070C0"/>
+                </a:solidFill>
+              </a:rPr>
+              <a:t>The </a:t>
+            </a:r>
+            <a:r>
+              <a:rPr lang="it-IT" sz="2400" b="1" dirty="0" err="1" smtClean="0">
+                <a:solidFill>
+                  <a:srgbClr val="0070C0"/>
+                </a:solidFill>
+              </a:rPr>
               <a:t>Store</a:t>
             </a:r>
             <a:r>
+              <a:rPr lang="it-IT" sz="2400" b="1" dirty="0" smtClean="0">
+                <a:solidFill>
+                  <a:srgbClr val="0070C0"/>
+                </a:solidFill>
+              </a:rPr>
+              <a:t>™</a:t>
+            </a:r>
+            <a:r>
               <a:rPr lang="it-IT" sz="2400" dirty="0" smtClean="0"/>
-              <a:t>™.</a:t>
+              <a:t>.</a:t>
             </a:r>
           </a:p>
           <a:p>
@@ -20049,12 +20972,24 @@
               <a:t> </a:t>
             </a:r>
             <a:r>
-              <a:rPr lang="it-IT" sz="2400" dirty="0" err="1" smtClean="0"/>
+              <a:rPr lang="it-IT" sz="2400" b="1" dirty="0" err="1" smtClean="0">
+                <a:solidFill>
+                  <a:srgbClr val="0070C0"/>
+                </a:solidFill>
+              </a:rPr>
               <a:t>Actions</a:t>
             </a:r>
             <a:r>
+              <a:rPr lang="it-IT" sz="2400" b="1" dirty="0" smtClean="0">
+                <a:solidFill>
+                  <a:srgbClr val="0070C0"/>
+                </a:solidFill>
+              </a:rPr>
+              <a:t>™</a:t>
+            </a:r>
+            <a:r>
               <a:rPr lang="it-IT" sz="2400" dirty="0" smtClean="0"/>
-              <a:t>™.</a:t>
+              <a:t>.</a:t>
             </a:r>
           </a:p>
           <a:p>
@@ -20086,12 +21021,24 @@
               <a:t>: The </a:t>
             </a:r>
             <a:r>
-              <a:rPr lang="it-IT" sz="2400" dirty="0" err="1" smtClean="0"/>
+              <a:rPr lang="it-IT" sz="2400" b="1" dirty="0" err="1" smtClean="0">
+                <a:solidFill>
+                  <a:srgbClr val="0070C0"/>
+                </a:solidFill>
+              </a:rPr>
               <a:t>Reducers</a:t>
             </a:r>
             <a:r>
+              <a:rPr lang="it-IT" sz="2400" b="1" dirty="0" smtClean="0">
+                <a:solidFill>
+                  <a:srgbClr val="0070C0"/>
+                </a:solidFill>
+              </a:rPr>
+              <a:t>™</a:t>
+            </a:r>
+            <a:r>
               <a:rPr lang="it-IT" sz="2400" dirty="0" smtClean="0"/>
-              <a:t>™.</a:t>
+              <a:t>.</a:t>
             </a:r>
             <a:endParaRPr lang="it-IT" sz="2400" dirty="0"/>
           </a:p>
@@ -20736,6 +21683,9 @@
             <a:endParaRPr lang="it-IT" dirty="0" smtClean="0"/>
           </a:p>
           <a:p>
+            <a:endParaRPr lang="it-IT" dirty="0" smtClean="0"/>
+          </a:p>
+          <a:p>
             <a:r>
               <a:rPr lang="en-US" dirty="0" err="1">
                 <a:latin typeface="Consolas" panose="020B0609020204030204" pitchFamily="49" charset="0"/>
@@ -20798,20 +21748,11 @@
             </a:r>
             <a:r>
               <a:rPr lang="en-US" dirty="0"/>
-              <a:t>the Chrome / Firefox Extension.</a:t>
-            </a:r>
-          </a:p>
-          <a:p>
-            <a:r>
-              <a:rPr lang="en-US" dirty="0"/>
-              <a:t/>
-            </a:r>
-            <a:br>
-              <a:rPr lang="en-US" dirty="0"/>
-            </a:br>
+              <a:t>the Chrome / </a:t>
+            </a:r>
             <a:r>
               <a:rPr lang="en-US" dirty="0" smtClean="0"/>
-              <a:t>Redux </a:t>
+              <a:t>Firefox “Redux </a:t>
             </a:r>
             <a:r>
               <a:rPr lang="en-US" dirty="0" err="1"/>
@@ -20823,7 +21764,11 @@
             </a:r>
             <a:r>
               <a:rPr lang="en-US" dirty="0" smtClean="0"/>
-              <a:t>Extension</a:t>
+              <a:t>Extension”</a:t>
+            </a:r>
+            <a:r>
+              <a:rPr lang="en-US" dirty="0" smtClean="0"/>
+              <a:t/>
             </a:r>
             <a:br>
               <a:rPr lang="en-US" dirty="0" smtClean="0"/>
@@ -24942,8 +25887,13 @@
             </a:r>
             <a:r>
               <a:rPr lang="it-IT" sz="2400" dirty="0" smtClean="0"/>
-              <a:t> Application. </a:t>
-            </a:r>
+              <a:t> </a:t>
+            </a:r>
+            <a:r>
+              <a:rPr lang="it-IT" sz="2400" dirty="0" smtClean="0"/>
+              <a:t>Applications. </a:t>
+            </a:r>
+            <a:endParaRPr lang="it-IT" sz="2400" dirty="0" smtClean="0"/>
           </a:p>
           <a:p>
             <a:r>
@@ -26331,7 +27281,15 @@
             </a:r>
             <a:r>
               <a:rPr lang="en-US" sz="2400" dirty="0"/>
-              <a:t>. The reducers are the only way to change the state inside the Store.</a:t>
+              <a:t>. The reducers are the only way to </a:t>
+            </a:r>
+            <a:r>
+              <a:rPr lang="en-US" sz="2400" dirty="0" smtClean="0"/>
+              <a:t>“mutate” the </a:t>
+            </a:r>
+            <a:r>
+              <a:rPr lang="en-US" sz="2400" dirty="0"/>
+              <a:t>state inside the Store.</a:t>
             </a:r>
           </a:p>
           <a:p>
@@ -26969,7 +27927,7 @@
   <a:extraClrSchemeLst/>
   <a:extLst>
     <a:ext uri="{05A4C25C-085E-4340-85A3-A5531E510DB2}">
-      <thm15:themeFamily xmlns="" xmlns:thm15="http://schemas.microsoft.com/office/thememl/2012/main" name="Retrospect" id="{5F128B03-DCCA-4EEB-AB3B-CF2899314A46}" vid="{9CC26709-368C-4D72-9060-94E5B3FF3CD6}"/>
+      <thm15:themeFamily xmlns:thm15="http://schemas.microsoft.com/office/thememl/2012/main" xmlns="" name="Retrospect" id="{5F128B03-DCCA-4EEB-AB3B-CF2899314A46}" vid="{9CC26709-368C-4D72-9060-94E5B3FF3CD6}"/>
     </a:ext>
   </a:extLst>
 </a:theme>
@@ -27264,7 +28222,7 @@
   <a:extraClrSchemeLst/>
   <a:extLst>
     <a:ext uri="{05A4C25C-085E-4340-85A3-A5531E510DB2}">
-      <thm15:themeFamily xmlns="" xmlns:thm15="http://schemas.microsoft.com/office/thememl/2012/main" name="Office Theme" id="{62F939B6-93AF-4DB8-9C6B-D6C7DFDC589F}" vid="{4A3C46E8-61CC-4603-A589-7422A47A8E4A}"/>
+      <thm15:themeFamily xmlns:thm15="http://schemas.microsoft.com/office/thememl/2012/main" xmlns="" name="Office Theme" id="{62F939B6-93AF-4DB8-9C6B-D6C7DFDC589F}" vid="{4A3C46E8-61CC-4603-A589-7422A47A8E4A}"/>
     </a:ext>
   </a:extLst>
 </a:theme>

--- a/ReactiveProgramming_ngrx.pptx
+++ b/ReactiveProgramming_ngrx.pptx
@@ -149,7 +149,7 @@
   </p:defaultTextStyle>
   <p:extLst>
     <p:ext uri="{EFAFB233-063F-42B5-8137-9DF3F51BA10A}">
-      <p15:sldGuideLst xmlns:p15="http://schemas.microsoft.com/office/powerpoint/2012/main" xmlns=""/>
+      <p15:sldGuideLst xmlns="" xmlns:p15="http://schemas.microsoft.com/office/powerpoint/2012/main"/>
     </p:ext>
   </p:extLst>
 </p:presentation>
@@ -237,7 +237,7 @@
           <a:p>
             <a:fld id="{327B5F9E-84DB-4811-8F56-9C65E911095D}" type="datetimeFigureOut">
               <a:rPr lang="it-IT" smtClean="0"/>
-              <a:t>05/12/2018</a:t>
+              <a:t>06/12/2018</a:t>
             </a:fld>
             <a:endParaRPr lang="it-IT"/>
           </a:p>
@@ -402,7 +402,7 @@
           <a:p>
             <a:fld id="{60073984-6E99-4D80-ADB1-BFDA0D866557}" type="datetimeFigureOut">
               <a:rPr lang="en-US"/>
-              <a:t>12/5/2018</a:t>
+              <a:t>12/6/2018</a:t>
             </a:fld>
             <a:endParaRPr lang="en-US"/>
           </a:p>
@@ -1622,7 +1622,6 @@
               <a:rPr lang="it-IT" dirty="0" smtClean="0"/>
               <a:t> output. </a:t>
             </a:r>
-            <a:endParaRPr lang="it-IT" dirty="0" smtClean="0"/>
           </a:p>
           <a:p>
             <a:r>
@@ -1721,11 +1720,7 @@
             </a:r>
             <a:r>
               <a:rPr lang="it-IT" baseline="0" dirty="0" smtClean="0"/>
-              <a:t> the last </a:t>
-            </a:r>
-            <a:r>
-              <a:rPr lang="it-IT" baseline="0" dirty="0" smtClean="0"/>
-              <a:t>input </a:t>
+              <a:t> the last input </a:t>
             </a:r>
             <a:r>
               <a:rPr lang="it-IT" baseline="0" dirty="0" err="1" smtClean="0"/>
@@ -2593,7 +2588,7 @@
           <a:p>
             <a:fld id="{F1FA7AC5-6045-4418-8E60-F48788734473}" type="datetimeFigureOut">
               <a:rPr lang="en-US" smtClean="0"/>
-              <a:t>12/5/2018</a:t>
+              <a:t>12/6/2018</a:t>
             </a:fld>
             <a:endParaRPr lang="en-US"/>
           </a:p>
@@ -2806,7 +2801,7 @@
           <a:p>
             <a:fld id="{F1FA7AC5-6045-4418-8E60-F48788734473}" type="datetimeFigureOut">
               <a:rPr lang="en-US" smtClean="0"/>
-              <a:t>12/5/2018</a:t>
+              <a:t>12/6/2018</a:t>
             </a:fld>
             <a:endParaRPr lang="en-US"/>
           </a:p>
@@ -3060,7 +3055,7 @@
           <a:p>
             <a:fld id="{F1FA7AC5-6045-4418-8E60-F48788734473}" type="datetimeFigureOut">
               <a:rPr lang="en-US" smtClean="0"/>
-              <a:t>12/5/2018</a:t>
+              <a:t>12/6/2018</a:t>
             </a:fld>
             <a:endParaRPr lang="en-US"/>
           </a:p>
@@ -3228,7 +3223,7 @@
           <a:p>
             <a:fld id="{F1FA7AC5-6045-4418-8E60-F48788734473}" type="datetimeFigureOut">
               <a:rPr lang="en-US" smtClean="0"/>
-              <a:t>12/5/2018</a:t>
+              <a:t>12/6/2018</a:t>
             </a:fld>
             <a:endParaRPr lang="en-US"/>
           </a:p>
@@ -3570,7 +3565,7 @@
           <a:p>
             <a:fld id="{F1FA7AC5-6045-4418-8E60-F48788734473}" type="datetimeFigureOut">
               <a:rPr lang="en-US" smtClean="0"/>
-              <a:t>12/5/2018</a:t>
+              <a:t>12/6/2018</a:t>
             </a:fld>
             <a:endParaRPr lang="en-US"/>
           </a:p>
@@ -3842,7 +3837,7 @@
           <a:p>
             <a:fld id="{F1FA7AC5-6045-4418-8E60-F48788734473}" type="datetimeFigureOut">
               <a:rPr lang="en-US" smtClean="0"/>
-              <a:t>12/5/2018</a:t>
+              <a:t>12/6/2018</a:t>
             </a:fld>
             <a:endParaRPr lang="en-US"/>
           </a:p>
@@ -4218,7 +4213,7 @@
           <a:p>
             <a:fld id="{F1FA7AC5-6045-4418-8E60-F48788734473}" type="datetimeFigureOut">
               <a:rPr lang="en-US" smtClean="0"/>
-              <a:t>12/5/2018</a:t>
+              <a:t>12/6/2018</a:t>
             </a:fld>
             <a:endParaRPr lang="en-US"/>
           </a:p>
@@ -4335,7 +4330,7 @@
           <a:p>
             <a:fld id="{F1FA7AC5-6045-4418-8E60-F48788734473}" type="datetimeFigureOut">
               <a:rPr lang="en-US" smtClean="0"/>
-              <a:t>12/5/2018</a:t>
+              <a:t>12/6/2018</a:t>
             </a:fld>
             <a:endParaRPr lang="en-US"/>
           </a:p>
@@ -4506,7 +4501,7 @@
           <a:p>
             <a:fld id="{F1FA7AC5-6045-4418-8E60-F48788734473}" type="datetimeFigureOut">
               <a:rPr lang="en-US" smtClean="0"/>
-              <a:t>12/5/2018</a:t>
+              <a:t>12/6/2018</a:t>
             </a:fld>
             <a:endParaRPr lang="en-US"/>
           </a:p>
@@ -4858,7 +4853,7 @@
           <a:p>
             <a:fld id="{F1FA7AC5-6045-4418-8E60-F48788734473}" type="datetimeFigureOut">
               <a:rPr lang="en-US" smtClean="0"/>
-              <a:t>12/5/2018</a:t>
+              <a:t>12/6/2018</a:t>
             </a:fld>
             <a:endParaRPr lang="en-US"/>
           </a:p>
@@ -5233,7 +5228,7 @@
           <a:p>
             <a:fld id="{F1FA7AC5-6045-4418-8E60-F48788734473}" type="datetimeFigureOut">
               <a:rPr lang="en-US" smtClean="0"/>
-              <a:t>12/5/2018</a:t>
+              <a:t>12/6/2018</a:t>
             </a:fld>
             <a:endParaRPr lang="en-US"/>
           </a:p>
@@ -5518,7 +5513,7 @@
           <a:p>
             <a:fld id="{F1FA7AC5-6045-4418-8E60-F48788734473}" type="datetimeFigureOut">
               <a:rPr lang="en-US" smtClean="0"/>
-              <a:t>12/5/2018</a:t>
+              <a:t>12/6/2018</a:t>
             </a:fld>
             <a:endParaRPr lang="en-US"/>
           </a:p>
@@ -6276,11 +6271,7 @@
             </a:r>
             <a:r>
               <a:rPr lang="it-IT" dirty="0" smtClean="0"/>
-              <a:t> </a:t>
-            </a:r>
-            <a:r>
-              <a:rPr lang="it-IT" dirty="0" smtClean="0"/>
-              <a:t>CQRS </a:t>
+              <a:t> CQRS </a:t>
             </a:r>
             <a:r>
               <a:rPr lang="it-IT" dirty="0" err="1" smtClean="0"/>
@@ -11729,11 +11720,7 @@
             </a:r>
             <a:r>
               <a:rPr lang="it-IT" sz="3200" dirty="0" smtClean="0"/>
-              <a:t> </a:t>
-            </a:r>
-            <a:r>
-              <a:rPr lang="it-IT" sz="3200" dirty="0" smtClean="0"/>
-              <a:t>core </a:t>
+              <a:t> core </a:t>
             </a:r>
             <a:r>
               <a:rPr lang="it-IT" sz="3200" dirty="0" err="1" smtClean="0"/>
@@ -11749,11 +11736,7 @@
             </a:r>
             <a:r>
               <a:rPr lang="it-IT" sz="3200" dirty="0" smtClean="0"/>
-              <a:t> </a:t>
-            </a:r>
-            <a:r>
-              <a:rPr lang="it-IT" sz="3200" dirty="0" smtClean="0"/>
-              <a:t>the </a:t>
+              <a:t> the </a:t>
             </a:r>
             <a:r>
               <a:rPr lang="it-IT" sz="3200" dirty="0" err="1" smtClean="0"/>
@@ -13808,20 +13791,19 @@
         <p:nvCxnSpPr>
           <p:cNvPr id="55" name="Connettore 7 54"/>
           <p:cNvCxnSpPr>
-            <a:stCxn id="26" idx="1"/>
-            <a:endCxn id="46" idx="0"/>
+            <a:stCxn id="34" idx="1"/>
+            <a:endCxn id="46" idx="1"/>
           </p:cNvCxnSpPr>
           <p:nvPr/>
         </p:nvCxnSpPr>
         <p:spPr>
           <a:xfrm rot="10800000" flipH="1" flipV="1">
-            <a:off x="7494286" y="3311463"/>
-            <a:ext cx="855982" cy="1926214"/>
+            <a:off x="7475236" y="2319708"/>
+            <a:ext cx="30482" cy="3194194"/>
           </a:xfrm>
-          <a:prstGeom prst="curvedConnector4">
+          <a:prstGeom prst="curvedConnector3">
             <a:avLst>
-              <a:gd name="adj1" fmla="val -26706"/>
-              <a:gd name="adj2" fmla="val 78780"/>
+              <a:gd name="adj1" fmla="val -2499836"/>
             </a:avLst>
           </a:prstGeom>
           <a:ln w="25400" cmpd="sng">
@@ -13982,6 +13964,50 @@
             <a:r>
               <a:rPr lang="it-IT" dirty="0" err="1" smtClean="0"/>
               <a:t>Dispatch</a:t>
+            </a:r>
+            <a:endParaRPr lang="it-IT" dirty="0"/>
+          </a:p>
+        </p:txBody>
+      </p:sp>
+      <p:sp>
+        <p:nvSpPr>
+          <p:cNvPr id="13" name="Fumetto 4 12"/>
+          <p:cNvSpPr/>
+          <p:nvPr/>
+        </p:nvSpPr>
+        <p:spPr>
+          <a:xfrm>
+            <a:off x="7661310" y="4894901"/>
+            <a:ext cx="1207715" cy="458273"/>
+          </a:xfrm>
+          <a:prstGeom prst="cloudCallout">
+            <a:avLst/>
+          </a:prstGeom>
+        </p:spPr>
+        <p:style>
+          <a:lnRef idx="2">
+            <a:schemeClr val="accent1">
+              <a:shade val="50000"/>
+            </a:schemeClr>
+          </a:lnRef>
+          <a:fillRef idx="1">
+            <a:schemeClr val="accent1"/>
+          </a:fillRef>
+          <a:effectRef idx="0">
+            <a:schemeClr val="accent1"/>
+          </a:effectRef>
+          <a:fontRef idx="minor">
+            <a:schemeClr val="lt1"/>
+          </a:fontRef>
+        </p:style>
+        <p:txBody>
+          <a:bodyPr rtlCol="0" anchor="ctr"/>
+          <a:lstStyle/>
+          <a:p>
+            <a:pPr algn="ctr"/>
+            <a:r>
+              <a:rPr lang="it-IT" dirty="0" err="1" smtClean="0"/>
+              <a:t>cloud</a:t>
             </a:r>
             <a:endParaRPr lang="it-IT" dirty="0"/>
           </a:p>
@@ -15011,7 +15037,7 @@
                             </p:stCondLst>
                             <p:childTnLst>
                               <p:par>
-                                <p:cTn id="91" presetID="10" presetClass="entr" presetSubtype="0" fill="hold" nodeType="clickEffect">
+                                <p:cTn id="91" presetID="10" presetClass="entr" presetSubtype="0" fill="hold" grpId="0" nodeType="clickEffect">
                                   <p:stCondLst>
                                     <p:cond delay="0"/>
                                   </p:stCondLst>
@@ -15019,6 +15045,59 @@
                                     <p:set>
                                       <p:cBhvr>
                                         <p:cTn id="92" dur="1" fill="hold">
+                                          <p:stCondLst>
+                                            <p:cond delay="0"/>
+                                          </p:stCondLst>
+                                        </p:cTn>
+                                        <p:tgtEl>
+                                          <p:spTgt spid="13"/>
+                                        </p:tgtEl>
+                                        <p:attrNameLst>
+                                          <p:attrName>style.visibility</p:attrName>
+                                        </p:attrNameLst>
+                                      </p:cBhvr>
+                                      <p:to>
+                                        <p:strVal val="visible"/>
+                                      </p:to>
+                                    </p:set>
+                                    <p:animEffect transition="in" filter="fade">
+                                      <p:cBhvr>
+                                        <p:cTn id="93" dur="500"/>
+                                        <p:tgtEl>
+                                          <p:spTgt spid="13"/>
+                                        </p:tgtEl>
+                                      </p:cBhvr>
+                                    </p:animEffect>
+                                  </p:childTnLst>
+                                </p:cTn>
+                              </p:par>
+                            </p:childTnLst>
+                          </p:cTn>
+                        </p:par>
+                      </p:childTnLst>
+                    </p:cTn>
+                  </p:par>
+                  <p:par>
+                    <p:cTn id="94" fill="hold">
+                      <p:stCondLst>
+                        <p:cond delay="indefinite"/>
+                      </p:stCondLst>
+                      <p:childTnLst>
+                        <p:par>
+                          <p:cTn id="95" fill="hold">
+                            <p:stCondLst>
+                              <p:cond delay="0"/>
+                            </p:stCondLst>
+                            <p:childTnLst>
+                              <p:par>
+                                <p:cTn id="96" presetID="10" presetClass="entr" presetSubtype="0" fill="hold" nodeType="clickEffect">
+                                  <p:stCondLst>
+                                    <p:cond delay="0"/>
+                                  </p:stCondLst>
+                                  <p:childTnLst>
+                                    <p:set>
+                                      <p:cBhvr>
+                                        <p:cTn id="97" dur="1" fill="hold">
                                           <p:stCondLst>
                                             <p:cond delay="0"/>
                                           </p:stCondLst>
@@ -15036,7 +15115,7 @@
                                     </p:set>
                                     <p:animEffect transition="in" filter="fade">
                                       <p:cBhvr>
-                                        <p:cTn id="93" dur="500"/>
+                                        <p:cTn id="98" dur="500"/>
                                         <p:tgtEl>
                                           <p:spTgt spid="60"/>
                                         </p:tgtEl>
@@ -15046,14 +15125,14 @@
                                 </p:cTn>
                               </p:par>
                               <p:par>
-                                <p:cTn id="94" presetID="10" presetClass="entr" presetSubtype="0" fill="hold" grpId="0" nodeType="withEffect">
+                                <p:cTn id="99" presetID="10" presetClass="entr" presetSubtype="0" fill="hold" grpId="0" nodeType="withEffect">
                                   <p:stCondLst>
                                     <p:cond delay="0"/>
                                   </p:stCondLst>
                                   <p:childTnLst>
                                     <p:set>
                                       <p:cBhvr>
-                                        <p:cTn id="95" dur="1" fill="hold">
+                                        <p:cTn id="100" dur="1" fill="hold">
                                           <p:stCondLst>
                                             <p:cond delay="0"/>
                                           </p:stCondLst>
@@ -15071,7 +15150,7 @@
                                     </p:set>
                                     <p:animEffect transition="in" filter="fade">
                                       <p:cBhvr>
-                                        <p:cTn id="96" dur="500"/>
+                                        <p:cTn id="101" dur="500"/>
                                         <p:tgtEl>
                                           <p:spTgt spid="63"/>
                                         </p:tgtEl>
@@ -15084,20 +15163,20 @@
                           </p:cTn>
                         </p:par>
                         <p:par>
-                          <p:cTn id="97" fill="hold">
+                          <p:cTn id="102" fill="hold">
                             <p:stCondLst>
                               <p:cond delay="500"/>
                             </p:stCondLst>
                             <p:childTnLst>
                               <p:par>
-                                <p:cTn id="98" presetID="10" presetClass="entr" presetSubtype="0" fill="hold" grpId="0" nodeType="afterEffect">
+                                <p:cTn id="103" presetID="10" presetClass="entr" presetSubtype="0" fill="hold" grpId="0" nodeType="afterEffect">
                                   <p:stCondLst>
                                     <p:cond delay="0"/>
                                   </p:stCondLst>
                                   <p:childTnLst>
                                     <p:set>
                                       <p:cBhvr>
-                                        <p:cTn id="99" dur="1" fill="hold">
+                                        <p:cTn id="104" dur="1" fill="hold">
                                           <p:stCondLst>
                                             <p:cond delay="0"/>
                                           </p:stCondLst>
@@ -15115,7 +15194,7 @@
                                     </p:set>
                                     <p:animEffect transition="in" filter="fade">
                                       <p:cBhvr>
-                                        <p:cTn id="100" dur="500"/>
+                                        <p:cTn id="105" dur="500"/>
                                         <p:tgtEl>
                                           <p:spTgt spid="45"/>
                                         </p:tgtEl>
@@ -15131,26 +15210,26 @@
                     </p:cTn>
                   </p:par>
                   <p:par>
-                    <p:cTn id="101" fill="hold">
+                    <p:cTn id="106" fill="hold">
                       <p:stCondLst>
                         <p:cond delay="indefinite"/>
                       </p:stCondLst>
                       <p:childTnLst>
                         <p:par>
-                          <p:cTn id="102" fill="hold">
+                          <p:cTn id="107" fill="hold">
                             <p:stCondLst>
                               <p:cond delay="0"/>
                             </p:stCondLst>
                             <p:childTnLst>
                               <p:par>
-                                <p:cTn id="103" presetID="10" presetClass="entr" presetSubtype="0" fill="hold" nodeType="clickEffect">
+                                <p:cTn id="108" presetID="10" presetClass="entr" presetSubtype="0" fill="hold" nodeType="clickEffect">
                                   <p:stCondLst>
                                     <p:cond delay="0"/>
                                   </p:stCondLst>
                                   <p:childTnLst>
                                     <p:set>
                                       <p:cBhvr>
-                                        <p:cTn id="104" dur="1" fill="hold">
+                                        <p:cTn id="109" dur="1" fill="hold">
                                           <p:stCondLst>
                                             <p:cond delay="0"/>
                                           </p:stCondLst>
@@ -15168,7 +15247,7 @@
                                     </p:set>
                                     <p:animEffect transition="in" filter="fade">
                                       <p:cBhvr>
-                                        <p:cTn id="105" dur="500"/>
+                                        <p:cTn id="110" dur="500"/>
                                         <p:tgtEl>
                                           <p:spTgt spid="64"/>
                                         </p:tgtEl>
@@ -15178,14 +15257,14 @@
                                 </p:cTn>
                               </p:par>
                               <p:par>
-                                <p:cTn id="106" presetID="10" presetClass="entr" presetSubtype="0" fill="hold" grpId="0" nodeType="withEffect">
+                                <p:cTn id="111" presetID="10" presetClass="entr" presetSubtype="0" fill="hold" grpId="0" nodeType="withEffect">
                                   <p:stCondLst>
                                     <p:cond delay="0"/>
                                   </p:stCondLst>
                                   <p:childTnLst>
                                     <p:set>
                                       <p:cBhvr>
-                                        <p:cTn id="107" dur="1" fill="hold">
+                                        <p:cTn id="112" dur="1" fill="hold">
                                           <p:stCondLst>
                                             <p:cond delay="0"/>
                                           </p:stCondLst>
@@ -15203,7 +15282,7 @@
                                     </p:set>
                                     <p:animEffect transition="in" filter="fade">
                                       <p:cBhvr>
-                                        <p:cTn id="108" dur="500"/>
+                                        <p:cTn id="113" dur="500"/>
                                         <p:tgtEl>
                                           <p:spTgt spid="68"/>
                                         </p:tgtEl>
@@ -15260,6 +15339,7 @@
       <p:bldP spid="46" grpId="0" animBg="1"/>
       <p:bldP spid="63" grpId="0"/>
       <p:bldP spid="68" grpId="0"/>
+      <p:bldP spid="13" grpId="0" animBg="1"/>
     </p:bldLst>
   </p:timing>
 </p:sld>
@@ -15879,7 +15959,7 @@
         <p:spPr>
           <a:xfrm>
             <a:off x="3308350" y="4375150"/>
-            <a:ext cx="5662256" cy="461665"/>
+            <a:ext cx="5878661" cy="461665"/>
           </a:xfrm>
           <a:prstGeom prst="rect">
             <a:avLst/>
@@ -15941,12 +16021,20 @@
               <a:t> of </a:t>
             </a:r>
             <a:r>
-              <a:rPr lang="it-IT" sz="2400" dirty="0" err="1" smtClean="0">
+              <a:rPr lang="it-IT" sz="2400" dirty="0" smtClean="0">
                 <a:solidFill>
                   <a:srgbClr val="FF0000"/>
                 </a:solidFill>
               </a:rPr>
-              <a:t>actions</a:t>
+              <a:t>A</a:t>
+            </a:r>
+            <a:r>
+              <a:rPr lang="it-IT" sz="2400" dirty="0" smtClean="0">
+                <a:solidFill>
+                  <a:srgbClr val="FF0000"/>
+                </a:solidFill>
+              </a:rPr>
+              <a:t>ction(s)</a:t>
             </a:r>
             <a:endParaRPr lang="it-IT" sz="2400" dirty="0">
               <a:solidFill>
@@ -17952,25 +18040,49 @@
               <a:rPr lang="it-IT" dirty="0">
                 <a:latin typeface="Consolas" panose="020B0609020204030204" pitchFamily="49" charset="0"/>
               </a:rPr>
-              <a:t>({ </a:t>
+              <a:t>(</a:t>
+            </a:r>
+            <a:r>
+              <a:rPr lang="it-IT" dirty="0">
+                <a:solidFill>
+                  <a:srgbClr val="0070C0"/>
+                </a:solidFill>
+                <a:latin typeface="Consolas" panose="020B0609020204030204" pitchFamily="49" charset="0"/>
+              </a:rPr>
+              <a:t>{ </a:t>
             </a:r>
             <a:r>
               <a:rPr lang="it-IT" dirty="0" err="1">
+                <a:solidFill>
+                  <a:srgbClr val="0070C0"/>
+                </a:solidFill>
                 <a:latin typeface="Consolas" panose="020B0609020204030204" pitchFamily="49" charset="0"/>
               </a:rPr>
               <a:t>dispatch</a:t>
             </a:r>
             <a:r>
               <a:rPr lang="it-IT" dirty="0">
+                <a:solidFill>
+                  <a:srgbClr val="0070C0"/>
+                </a:solidFill>
                 <a:latin typeface="Consolas" panose="020B0609020204030204" pitchFamily="49" charset="0"/>
               </a:rPr>
               <a:t>: false </a:t>
+            </a:r>
+            <a:r>
+              <a:rPr lang="it-IT" dirty="0" smtClean="0">
+                <a:solidFill>
+                  <a:srgbClr val="0070C0"/>
+                </a:solidFill>
+                <a:latin typeface="Consolas" panose="020B0609020204030204" pitchFamily="49" charset="0"/>
+              </a:rPr>
+              <a:t>}</a:t>
             </a:r>
             <a:r>
               <a:rPr lang="it-IT" dirty="0" smtClean="0">
                 <a:latin typeface="Consolas" panose="020B0609020204030204" pitchFamily="49" charset="0"/>
               </a:rPr>
-              <a:t>})</a:t>
+              <a:t>)</a:t>
             </a:r>
           </a:p>
           <a:p>
@@ -18028,7 +18140,19 @@
             </a:r>
             <a:r>
               <a:rPr lang="en-US" dirty="0"/>
-              <a:t>/ Dispatch a no-op action.</a:t>
+              <a:t>/ Dispatch a </a:t>
+            </a:r>
+            <a:r>
+              <a:rPr lang="en-US" dirty="0">
+                <a:solidFill>
+                  <a:srgbClr val="0070C0"/>
+                </a:solidFill>
+              </a:rPr>
+              <a:t>no-op action</a:t>
+            </a:r>
+            <a:r>
+              <a:rPr lang="en-US" dirty="0"/>
+              <a:t>.</a:t>
             </a:r>
           </a:p>
           <a:p>
@@ -18042,11 +18166,31 @@
             </a:r>
             <a:r>
               <a:rPr lang="en-US" dirty="0"/>
-              <a:t>the observable </a:t>
+              <a:t>the </a:t>
+            </a:r>
+            <a:r>
+              <a:rPr lang="en-US" dirty="0" err="1" smtClean="0"/>
+              <a:t>RxJS</a:t>
             </a:r>
             <a:r>
               <a:rPr lang="en-US" dirty="0" smtClean="0"/>
-              <a:t>filter() </a:t>
+              <a:t> </a:t>
+            </a:r>
+            <a:r>
+              <a:rPr lang="en-US" dirty="0" smtClean="0">
+                <a:solidFill>
+                  <a:srgbClr val="0070C0"/>
+                </a:solidFill>
+              </a:rPr>
+              <a:t>filter</a:t>
+            </a:r>
+            <a:r>
+              <a:rPr lang="en-US" dirty="0" smtClean="0">
+                <a:solidFill>
+                  <a:srgbClr val="0070C0"/>
+                </a:solidFill>
+              </a:rPr>
+              <a:t>() </a:t>
             </a:r>
             <a:r>
               <a:rPr lang="en-US" dirty="0"/>
@@ -20811,11 +20955,7 @@
             </a:r>
             <a:r>
               <a:rPr lang="it-IT" sz="2400" dirty="0"/>
-              <a:t> </a:t>
-            </a:r>
-            <a:r>
-              <a:rPr lang="it-IT" sz="2400" dirty="0"/>
-              <a:t>the </a:t>
+              <a:t> the </a:t>
             </a:r>
             <a:r>
               <a:rPr lang="it-IT" sz="2400" dirty="0" err="1"/>
@@ -21766,10 +21906,6 @@
               <a:rPr lang="en-US" dirty="0" smtClean="0"/>
               <a:t>Extension”</a:t>
             </a:r>
-            <a:r>
-              <a:rPr lang="en-US" dirty="0" smtClean="0"/>
-              <a:t/>
-            </a:r>
             <a:br>
               <a:rPr lang="en-US" dirty="0" smtClean="0"/>
             </a:br>
@@ -22374,7 +22510,9 @@
         </p:nvSpPr>
         <p:spPr/>
         <p:txBody>
-          <a:bodyPr/>
+          <a:bodyPr>
+            <a:normAutofit/>
+          </a:bodyPr>
           <a:lstStyle/>
           <a:p>
             <a:endParaRPr lang="it-IT" dirty="0" smtClean="0"/>
@@ -22452,7 +22590,7 @@
               <a:rPr lang="it-IT" sz="2800" dirty="0" err="1" smtClean="0"/>
               <a:t>actions</a:t>
             </a:r>
-            <a:endParaRPr lang="it-IT" sz="2800" dirty="0"/>
+            <a:endParaRPr lang="it-IT" sz="2800" dirty="0" smtClean="0"/>
           </a:p>
           <a:p>
             <a:pPr>
@@ -22461,8 +22599,13 @@
             </a:pPr>
             <a:r>
               <a:rPr lang="it-IT" sz="2800" dirty="0" smtClean="0"/>
-              <a:t>Performance</a:t>
-            </a:r>
+              <a:t>Performance: </a:t>
+            </a:r>
+            <a:r>
+              <a:rPr lang="it-IT" sz="2800" dirty="0" err="1" smtClean="0"/>
+              <a:t>ChangeDetectionStrategy.OnPush</a:t>
+            </a:r>
+            <a:endParaRPr lang="it-IT" sz="2800" dirty="0" smtClean="0"/>
           </a:p>
           <a:p>
             <a:pPr>
@@ -22471,10 +22614,10 @@
             </a:pPr>
             <a:r>
               <a:rPr lang="it-IT" sz="2800" dirty="0" err="1" smtClean="0"/>
-              <a:t>Nice</a:t>
-            </a:r>
-            <a:r>
-              <a:rPr lang="it-IT" sz="2800" dirty="0" smtClean="0"/>
+              <a:t>Powerful</a:t>
+            </a:r>
+            <a:r>
+              <a:rPr lang="it-IT" sz="2800" smtClean="0"/>
               <a:t> Debugging </a:t>
             </a:r>
             <a:r>
@@ -25887,22 +26030,29 @@
             </a:r>
             <a:r>
               <a:rPr lang="it-IT" sz="2400" dirty="0" smtClean="0"/>
+              <a:t> Applications. </a:t>
+            </a:r>
+          </a:p>
+          <a:p>
+            <a:r>
+              <a:rPr lang="it-IT" sz="2400" dirty="0" smtClean="0"/>
+              <a:t>The state </a:t>
+            </a:r>
+            <a:r>
+              <a:rPr lang="it-IT" sz="2400" dirty="0" err="1" smtClean="0"/>
+              <a:t>i</a:t>
+            </a:r>
+            <a:r>
+              <a:rPr lang="it-IT" sz="2400" dirty="0" err="1" smtClean="0"/>
+              <a:t>s</a:t>
+            </a:r>
+            <a:r>
+              <a:rPr lang="it-IT" sz="2400" dirty="0" smtClean="0"/>
               <a:t> </a:t>
             </a:r>
             <a:r>
               <a:rPr lang="it-IT" sz="2400" dirty="0" smtClean="0"/>
-              <a:t>Applications. </a:t>
-            </a:r>
-            <a:endParaRPr lang="it-IT" sz="2400" dirty="0" smtClean="0"/>
-          </a:p>
-          <a:p>
-            <a:r>
-              <a:rPr lang="it-IT" sz="2400" dirty="0" err="1" smtClean="0"/>
-              <a:t>It’s</a:t>
-            </a:r>
-            <a:r>
-              <a:rPr lang="it-IT" sz="2400" dirty="0" smtClean="0"/>
-              <a:t> «</a:t>
+              <a:t>«</a:t>
             </a:r>
             <a:r>
               <a:rPr lang="it-IT" sz="2400" dirty="0" err="1" smtClean="0">
@@ -26578,16 +26728,28 @@
           </a:p>
           <a:p>
             <a:r>
+              <a:rPr lang="it-IT" sz="2400" dirty="0" err="1" smtClean="0"/>
+              <a:t>Allows</a:t>
+            </a:r>
+            <a:r>
               <a:rPr lang="it-IT" sz="2400" dirty="0" smtClean="0"/>
-              <a:t>The </a:t>
+              <a:t> </a:t>
             </a:r>
             <a:r>
               <a:rPr lang="it-IT" sz="2400" dirty="0" err="1" smtClean="0"/>
-              <a:t>foundation</a:t>
+              <a:t>us</a:t>
             </a:r>
             <a:r>
               <a:rPr lang="it-IT" sz="2400" dirty="0" smtClean="0"/>
-              <a:t> for a </a:t>
+              <a:t> to </a:t>
+            </a:r>
+            <a:r>
+              <a:rPr lang="it-IT" sz="2400" dirty="0" err="1" smtClean="0"/>
+              <a:t>write</a:t>
+            </a:r>
+            <a:r>
+              <a:rPr lang="it-IT" sz="2400" dirty="0" smtClean="0"/>
+              <a:t> a </a:t>
             </a:r>
             <a:r>
               <a:rPr lang="it-IT" sz="2400" dirty="0" err="1" smtClean="0"/>
@@ -26595,32 +26757,9 @@
             </a:r>
             <a:r>
               <a:rPr lang="it-IT" sz="2400" dirty="0" smtClean="0"/>
-              <a:t> Application </a:t>
-            </a:r>
-            <a:r>
-              <a:rPr lang="it-IT" sz="2400" dirty="0" err="1" smtClean="0"/>
-              <a:t>it’s</a:t>
-            </a:r>
-            <a:r>
-              <a:rPr lang="it-IT" sz="2400" dirty="0" smtClean="0"/>
-              <a:t> </a:t>
-            </a:r>
-            <a:r>
-              <a:rPr lang="it-IT" sz="2400" dirty="0" err="1" smtClean="0"/>
-              <a:t>still</a:t>
-            </a:r>
-            <a:r>
-              <a:rPr lang="it-IT" sz="2400" dirty="0" smtClean="0"/>
-              <a:t> </a:t>
-            </a:r>
-            <a:r>
-              <a:rPr lang="it-IT" sz="2400" dirty="0" err="1" smtClean="0"/>
-              <a:t>there</a:t>
-            </a:r>
-            <a:r>
-              <a:rPr lang="it-IT" sz="2400" dirty="0" smtClean="0"/>
-              <a:t>:</a:t>
-            </a:r>
+              <a:t> Application:</a:t>
+            </a:r>
+            <a:endParaRPr lang="it-IT" sz="2400" dirty="0" smtClean="0"/>
           </a:p>
           <a:p>
             <a:endParaRPr lang="it-IT" sz="2400" dirty="0" smtClean="0"/>
@@ -26652,7 +26791,31 @@
                   <a:srgbClr val="0070C0"/>
                 </a:solidFill>
               </a:rPr>
-              <a:t> Data </a:t>
+              <a:t> </a:t>
+            </a:r>
+            <a:r>
+              <a:rPr lang="it-IT" sz="2400" dirty="0" smtClean="0">
+                <a:solidFill>
+                  <a:srgbClr val="0070C0"/>
+                </a:solidFill>
+              </a:rPr>
+              <a:t>(</a:t>
+            </a:r>
+            <a:r>
+              <a:rPr lang="it-IT" sz="2400" dirty="0" err="1" smtClean="0">
+                <a:solidFill>
+                  <a:srgbClr val="0070C0"/>
+                </a:solidFill>
+              </a:rPr>
+              <a:t>Observable</a:t>
+            </a:r>
+            <a:r>
+              <a:rPr lang="it-IT" sz="2400" dirty="0" smtClean="0">
+                <a:solidFill>
+                  <a:srgbClr val="0070C0"/>
+                </a:solidFill>
+              </a:rPr>
+              <a:t>) Data </a:t>
             </a:r>
             <a:r>
               <a:rPr lang="it-IT" sz="2400" dirty="0" err="1" smtClean="0">
@@ -26809,12 +26972,16 @@
               <a:t> </a:t>
             </a:r>
             <a:r>
-              <a:rPr lang="it-IT" sz="2400" i="1" dirty="0" err="1"/>
+              <a:rPr lang="it-IT" sz="2400" i="1" dirty="0" err="1" smtClean="0"/>
               <a:t>switch</a:t>
             </a:r>
             <a:r>
+              <a:rPr lang="it-IT" sz="2400" i="1" dirty="0" smtClean="0"/>
+              <a:t>: </a:t>
+            </a:r>
+            <a:r>
               <a:rPr lang="it-IT" sz="2400" i="1" dirty="0"/>
-              <a:t> from a pull </a:t>
+              <a:t>from a pull </a:t>
             </a:r>
             <a:r>
               <a:rPr lang="it-IT" sz="2400" i="1" dirty="0" err="1"/>
@@ -27927,7 +28094,7 @@
   <a:extraClrSchemeLst/>
   <a:extLst>
     <a:ext uri="{05A4C25C-085E-4340-85A3-A5531E510DB2}">
-      <thm15:themeFamily xmlns:thm15="http://schemas.microsoft.com/office/thememl/2012/main" xmlns="" name="Retrospect" id="{5F128B03-DCCA-4EEB-AB3B-CF2899314A46}" vid="{9CC26709-368C-4D72-9060-94E5B3FF3CD6}"/>
+      <thm15:themeFamily xmlns="" xmlns:thm15="http://schemas.microsoft.com/office/thememl/2012/main" name="Retrospect" id="{5F128B03-DCCA-4EEB-AB3B-CF2899314A46}" vid="{9CC26709-368C-4D72-9060-94E5B3FF3CD6}"/>
     </a:ext>
   </a:extLst>
 </a:theme>
@@ -28222,7 +28389,7 @@
   <a:extraClrSchemeLst/>
   <a:extLst>
     <a:ext uri="{05A4C25C-085E-4340-85A3-A5531E510DB2}">
-      <thm15:themeFamily xmlns:thm15="http://schemas.microsoft.com/office/thememl/2012/main" xmlns="" name="Office Theme" id="{62F939B6-93AF-4DB8-9C6B-D6C7DFDC589F}" vid="{4A3C46E8-61CC-4603-A589-7422A47A8E4A}"/>
+      <thm15:themeFamily xmlns="" xmlns:thm15="http://schemas.microsoft.com/office/thememl/2012/main" name="Office Theme" id="{62F939B6-93AF-4DB8-9C6B-D6C7DFDC589F}" vid="{4A3C46E8-61CC-4603-A589-7422A47A8E4A}"/>
     </a:ext>
   </a:extLst>
 </a:theme>

--- a/ReactiveProgramming_ngrx.pptx
+++ b/ReactiveProgramming_ngrx.pptx
@@ -149,7 +149,7 @@
   </p:defaultTextStyle>
   <p:extLst>
     <p:ext uri="{EFAFB233-063F-42B5-8137-9DF3F51BA10A}">
-      <p15:sldGuideLst xmlns="" xmlns:p15="http://schemas.microsoft.com/office/powerpoint/2012/main"/>
+      <p15:sldGuideLst xmlns:p15="http://schemas.microsoft.com/office/powerpoint/2012/main" xmlns=""/>
     </p:ext>
   </p:extLst>
 </p:presentation>
@@ -237,7 +237,7 @@
           <a:p>
             <a:fld id="{327B5F9E-84DB-4811-8F56-9C65E911095D}" type="datetimeFigureOut">
               <a:rPr lang="it-IT" smtClean="0"/>
-              <a:t>06/12/2018</a:t>
+              <a:t>19/01/2019</a:t>
             </a:fld>
             <a:endParaRPr lang="it-IT"/>
           </a:p>
@@ -402,7 +402,7 @@
           <a:p>
             <a:fld id="{60073984-6E99-4D80-ADB1-BFDA0D866557}" type="datetimeFigureOut">
               <a:rPr lang="en-US"/>
-              <a:t>12/6/2018</a:t>
+              <a:t>1/19/2019</a:t>
             </a:fld>
             <a:endParaRPr lang="en-US"/>
           </a:p>
@@ -2588,7 +2588,7 @@
           <a:p>
             <a:fld id="{F1FA7AC5-6045-4418-8E60-F48788734473}" type="datetimeFigureOut">
               <a:rPr lang="en-US" smtClean="0"/>
-              <a:t>12/6/2018</a:t>
+              <a:t>1/19/2019</a:t>
             </a:fld>
             <a:endParaRPr lang="en-US"/>
           </a:p>
@@ -2801,7 +2801,7 @@
           <a:p>
             <a:fld id="{F1FA7AC5-6045-4418-8E60-F48788734473}" type="datetimeFigureOut">
               <a:rPr lang="en-US" smtClean="0"/>
-              <a:t>12/6/2018</a:t>
+              <a:t>1/19/2019</a:t>
             </a:fld>
             <a:endParaRPr lang="en-US"/>
           </a:p>
@@ -3055,7 +3055,7 @@
           <a:p>
             <a:fld id="{F1FA7AC5-6045-4418-8E60-F48788734473}" type="datetimeFigureOut">
               <a:rPr lang="en-US" smtClean="0"/>
-              <a:t>12/6/2018</a:t>
+              <a:t>1/19/2019</a:t>
             </a:fld>
             <a:endParaRPr lang="en-US"/>
           </a:p>
@@ -3223,7 +3223,7 @@
           <a:p>
             <a:fld id="{F1FA7AC5-6045-4418-8E60-F48788734473}" type="datetimeFigureOut">
               <a:rPr lang="en-US" smtClean="0"/>
-              <a:t>12/6/2018</a:t>
+              <a:t>1/19/2019</a:t>
             </a:fld>
             <a:endParaRPr lang="en-US"/>
           </a:p>
@@ -3565,7 +3565,7 @@
           <a:p>
             <a:fld id="{F1FA7AC5-6045-4418-8E60-F48788734473}" type="datetimeFigureOut">
               <a:rPr lang="en-US" smtClean="0"/>
-              <a:t>12/6/2018</a:t>
+              <a:t>1/19/2019</a:t>
             </a:fld>
             <a:endParaRPr lang="en-US"/>
           </a:p>
@@ -3837,7 +3837,7 @@
           <a:p>
             <a:fld id="{F1FA7AC5-6045-4418-8E60-F48788734473}" type="datetimeFigureOut">
               <a:rPr lang="en-US" smtClean="0"/>
-              <a:t>12/6/2018</a:t>
+              <a:t>1/19/2019</a:t>
             </a:fld>
             <a:endParaRPr lang="en-US"/>
           </a:p>
@@ -4213,7 +4213,7 @@
           <a:p>
             <a:fld id="{F1FA7AC5-6045-4418-8E60-F48788734473}" type="datetimeFigureOut">
               <a:rPr lang="en-US" smtClean="0"/>
-              <a:t>12/6/2018</a:t>
+              <a:t>1/19/2019</a:t>
             </a:fld>
             <a:endParaRPr lang="en-US"/>
           </a:p>
@@ -4330,7 +4330,7 @@
           <a:p>
             <a:fld id="{F1FA7AC5-6045-4418-8E60-F48788734473}" type="datetimeFigureOut">
               <a:rPr lang="en-US" smtClean="0"/>
-              <a:t>12/6/2018</a:t>
+              <a:t>1/19/2019</a:t>
             </a:fld>
             <a:endParaRPr lang="en-US"/>
           </a:p>
@@ -4501,7 +4501,7 @@
           <a:p>
             <a:fld id="{F1FA7AC5-6045-4418-8E60-F48788734473}" type="datetimeFigureOut">
               <a:rPr lang="en-US" smtClean="0"/>
-              <a:t>12/6/2018</a:t>
+              <a:t>1/19/2019</a:t>
             </a:fld>
             <a:endParaRPr lang="en-US"/>
           </a:p>
@@ -4853,7 +4853,7 @@
           <a:p>
             <a:fld id="{F1FA7AC5-6045-4418-8E60-F48788734473}" type="datetimeFigureOut">
               <a:rPr lang="en-US" smtClean="0"/>
-              <a:t>12/6/2018</a:t>
+              <a:t>1/19/2019</a:t>
             </a:fld>
             <a:endParaRPr lang="en-US"/>
           </a:p>
@@ -5228,7 +5228,7 @@
           <a:p>
             <a:fld id="{F1FA7AC5-6045-4418-8E60-F48788734473}" type="datetimeFigureOut">
               <a:rPr lang="en-US" smtClean="0"/>
-              <a:t>12/6/2018</a:t>
+              <a:t>1/19/2019</a:t>
             </a:fld>
             <a:endParaRPr lang="en-US"/>
           </a:p>
@@ -5513,7 +5513,7 @@
           <a:p>
             <a:fld id="{F1FA7AC5-6045-4418-8E60-F48788734473}" type="datetimeFigureOut">
               <a:rPr lang="en-US" smtClean="0"/>
-              <a:t>12/6/2018</a:t>
+              <a:t>1/19/2019</a:t>
             </a:fld>
             <a:endParaRPr lang="en-US"/>
           </a:p>
@@ -12110,7 +12110,9 @@
         </p:nvSpPr>
         <p:spPr/>
         <p:txBody>
-          <a:bodyPr/>
+          <a:bodyPr>
+            <a:normAutofit/>
+          </a:bodyPr>
           <a:lstStyle/>
           <a:p>
             <a:endParaRPr lang="it-IT" dirty="0" smtClean="0"/>
@@ -12188,11 +12190,15 @@
             </a:r>
             <a:r>
               <a:rPr lang="en-US" sz="2400" dirty="0" smtClean="0"/>
-              <a:t>etc.) </a:t>
+              <a:t>etc</a:t>
+            </a:r>
+            <a:r>
+              <a:rPr lang="en-US" sz="2400" dirty="0" smtClean="0"/>
+              <a:t>.), </a:t>
             </a:r>
             <a:r>
               <a:rPr lang="en-US" sz="2400" dirty="0"/>
-              <a:t>from components, promoting the creation of more 'pure' components that select state and dispatch actions.</a:t>
+              <a:t>promoting the creation of more 'pure' components that select state and dispatch actions.</a:t>
             </a:r>
           </a:p>
           <a:p>
@@ -12244,7 +12250,31 @@
             </a:r>
             <a:r>
               <a:rPr lang="en-US" sz="2400" dirty="0"/>
-              <a:t>that should emit non empty arrays of Actions that will (optionally) be dispatched to the Store by the library itself.</a:t>
+              <a:t>that should </a:t>
+            </a:r>
+            <a:r>
+              <a:rPr lang="en-US" sz="2400" dirty="0" smtClean="0"/>
+              <a:t>(optionally) emit </a:t>
+            </a:r>
+            <a:r>
+              <a:rPr lang="en-US" sz="2400" dirty="0"/>
+              <a:t>non empty arrays of Actions that will </a:t>
+            </a:r>
+            <a:r>
+              <a:rPr lang="en-US" sz="2400" dirty="0" smtClean="0"/>
+              <a:t>be </a:t>
+            </a:r>
+            <a:r>
+              <a:rPr lang="en-US" sz="2400" dirty="0"/>
+              <a:t>dispatched to the Store </a:t>
+            </a:r>
+            <a:r>
+              <a:rPr lang="en-US" sz="2400" dirty="0" smtClean="0"/>
+              <a:t>itself</a:t>
+            </a:r>
+            <a:r>
+              <a:rPr lang="en-US" sz="2400" dirty="0"/>
+              <a:t>.</a:t>
             </a:r>
           </a:p>
           <a:p>
@@ -16018,23 +16048,7 @@
                   <a:srgbClr val="FF0000"/>
                 </a:solidFill>
               </a:rPr>
-              <a:t> of </a:t>
-            </a:r>
-            <a:r>
-              <a:rPr lang="it-IT" sz="2400" dirty="0" smtClean="0">
-                <a:solidFill>
-                  <a:srgbClr val="FF0000"/>
-                </a:solidFill>
-              </a:rPr>
-              <a:t>A</a:t>
-            </a:r>
-            <a:r>
-              <a:rPr lang="it-IT" sz="2400" dirty="0" smtClean="0">
-                <a:solidFill>
-                  <a:srgbClr val="FF0000"/>
-                </a:solidFill>
-              </a:rPr>
-              <a:t>ction(s)</a:t>
+              <a:t> of Action(s)</a:t>
             </a:r>
             <a:endParaRPr lang="it-IT" sz="2400" dirty="0">
               <a:solidFill>
@@ -18140,7 +18154,11 @@
             </a:r>
             <a:r>
               <a:rPr lang="en-US" dirty="0"/>
-              <a:t>/ Dispatch a </a:t>
+              <a:t>/ Dispatch </a:t>
+            </a:r>
+            <a:r>
+              <a:rPr lang="en-US" dirty="0" smtClean="0"/>
+              <a:t>an action with no handlers: a </a:t>
             </a:r>
             <a:r>
               <a:rPr lang="en-US" dirty="0">
@@ -18182,15 +18200,7 @@
                   <a:srgbClr val="0070C0"/>
                 </a:solidFill>
               </a:rPr>
-              <a:t>filter</a:t>
-            </a:r>
-            <a:r>
-              <a:rPr lang="en-US" dirty="0" smtClean="0">
-                <a:solidFill>
-                  <a:srgbClr val="0070C0"/>
-                </a:solidFill>
-              </a:rPr>
-              <a:t>() </a:t>
+              <a:t>filter() </a:t>
             </a:r>
             <a:r>
               <a:rPr lang="en-US" dirty="0"/>
@@ -20073,7 +20083,19 @@
             </a:r>
             <a:r>
               <a:rPr lang="it-IT" dirty="0" smtClean="0"/>
+              <a:t> </a:t>
+            </a:r>
+            <a:r>
+              <a:rPr lang="it-IT" dirty="0" err="1" smtClean="0"/>
+              <a:t>one</a:t>
+            </a:r>
+            <a:r>
+              <a:rPr lang="it-IT" dirty="0" smtClean="0"/>
               <a:t>. </a:t>
+            </a:r>
+            <a:r>
+              <a:rPr lang="it-IT" dirty="0" smtClean="0"/>
+              <a:t/>
             </a:r>
             <a:br>
               <a:rPr lang="it-IT" dirty="0" smtClean="0"/>
@@ -20241,7 +20263,7 @@
             </a:r>
             <a:r>
               <a:rPr lang="it-IT" b="1" dirty="0" err="1" smtClean="0"/>
-              <a:t>guarantees</a:t>
+              <a:t>guarantee</a:t>
             </a:r>
             <a:r>
               <a:rPr lang="it-IT" b="1" dirty="0" smtClean="0"/>
@@ -22023,7 +22045,7 @@
         <p:spPr/>
         <p:txBody>
           <a:bodyPr>
-            <a:normAutofit lnSpcReduction="10000"/>
+            <a:normAutofit/>
           </a:bodyPr>
           <a:lstStyle/>
           <a:p>
@@ -22040,31 +22062,11 @@
             </a:r>
             <a:r>
               <a:rPr lang="en-US" dirty="0"/>
-              <a:t> imports enable the instrumentation using </a:t>
-            </a:r>
-            <a:r>
-              <a:rPr lang="en-US" b="1" dirty="0" err="1" smtClean="0">
-                <a:solidFill>
-                  <a:srgbClr val="0070C0"/>
-                </a:solidFill>
-              </a:rPr>
-              <a:t>StoreDevtoolsModule.instrument</a:t>
-            </a:r>
-            <a:r>
-              <a:rPr lang="en-US" b="1" dirty="0" smtClean="0">
-                <a:solidFill>
-                  <a:srgbClr val="0070C0"/>
-                </a:solidFill>
-              </a:rPr>
-              <a:t>({…})</a:t>
-            </a:r>
-            <a:r>
-              <a:rPr lang="en-US" dirty="0" smtClean="0">
-                <a:solidFill>
-                  <a:srgbClr val="0070C0"/>
-                </a:solidFill>
-              </a:rPr>
-              <a:t>:</a:t>
+              <a:t> imports enable the instrumentation </a:t>
+            </a:r>
+            <a:r>
+              <a:rPr lang="en-US" dirty="0" smtClean="0"/>
+              <a:t>using:</a:t>
             </a:r>
             <a:endParaRPr lang="en-US" dirty="0">
               <a:solidFill>
@@ -22266,6 +22268,14 @@
             <a:r>
               <a:rPr lang="it-IT" dirty="0" err="1" smtClean="0"/>
               <a:t>instrumentation</a:t>
+            </a:r>
+            <a:r>
+              <a:rPr lang="it-IT" dirty="0" smtClean="0"/>
+              <a:t> </a:t>
+            </a:r>
+            <a:r>
+              <a:rPr lang="it-IT" dirty="0" err="1" smtClean="0"/>
+              <a:t>options</a:t>
             </a:r>
             <a:r>
               <a:rPr lang="it-IT" dirty="0" smtClean="0"/>
@@ -25640,7 +25650,7 @@
 </file>
 
 <file path=ppt/slides/slide5.xml><?xml version="1.0" encoding="utf-8"?>
-<p:sld xmlns:a="http://schemas.openxmlformats.org/drawingml/2006/main" xmlns:r="http://schemas.openxmlformats.org/officeDocument/2006/relationships" xmlns:p="http://schemas.openxmlformats.org/presentationml/2006/main">
+<p:sld xmlns:a="http://schemas.openxmlformats.org/drawingml/2006/main" xmlns:r="http://schemas.openxmlformats.org/officeDocument/2006/relationships" xmlns:p="http://schemas.openxmlformats.org/presentationml/2006/main" show="0">
   <p:cSld>
     <p:spTree>
       <p:nvGrpSpPr>
@@ -25807,6 +25817,14 @@
   <p:clrMapOvr>
     <a:masterClrMapping/>
   </p:clrMapOvr>
+  <mc:AlternateContent xmlns:mc="http://schemas.openxmlformats.org/markup-compatibility/2006">
+    <mc:Choice xmlns:p14="http://schemas.microsoft.com/office/powerpoint/2010/main" Requires="p14">
+      <p:transition spd="slow" p14:dur="2000"/>
+    </mc:Choice>
+    <mc:Fallback>
+      <p:transition spd="slow"/>
+    </mc:Fallback>
+  </mc:AlternateContent>
   <p:timing>
     <p:tnLst>
       <p:par>
@@ -26040,19 +26058,11 @@
             </a:r>
             <a:r>
               <a:rPr lang="it-IT" sz="2400" dirty="0" err="1" smtClean="0"/>
-              <a:t>i</a:t>
-            </a:r>
-            <a:r>
-              <a:rPr lang="it-IT" sz="2400" dirty="0" err="1" smtClean="0"/>
-              <a:t>s</a:t>
+              <a:t>is</a:t>
             </a:r>
             <a:r>
               <a:rPr lang="it-IT" sz="2400" dirty="0" smtClean="0"/>
-              <a:t> </a:t>
-            </a:r>
-            <a:r>
-              <a:rPr lang="it-IT" sz="2400" dirty="0" smtClean="0"/>
-              <a:t>«</a:t>
+              <a:t> «</a:t>
             </a:r>
             <a:r>
               <a:rPr lang="it-IT" sz="2400" dirty="0" err="1" smtClean="0">
@@ -26729,27 +26739,23 @@
           <a:p>
             <a:r>
               <a:rPr lang="it-IT" sz="2400" dirty="0" err="1" smtClean="0"/>
-              <a:t>Allows</a:t>
+              <a:t>Enables</a:t>
             </a:r>
             <a:r>
               <a:rPr lang="it-IT" sz="2400" dirty="0" smtClean="0"/>
-              <a:t> </a:t>
+              <a:t> the </a:t>
             </a:r>
             <a:r>
               <a:rPr lang="it-IT" sz="2400" dirty="0" err="1" smtClean="0"/>
-              <a:t>us</a:t>
+              <a:t>construction</a:t>
             </a:r>
             <a:r>
               <a:rPr lang="it-IT" sz="2400" dirty="0" smtClean="0"/>
-              <a:t> to </a:t>
-            </a:r>
-            <a:r>
-              <a:rPr lang="it-IT" sz="2400" dirty="0" err="1" smtClean="0"/>
-              <a:t>write</a:t>
+              <a:t> of </a:t>
             </a:r>
             <a:r>
               <a:rPr lang="it-IT" sz="2400" dirty="0" smtClean="0"/>
-              <a:t> a </a:t>
+              <a:t>a </a:t>
             </a:r>
             <a:r>
               <a:rPr lang="it-IT" sz="2400" dirty="0" err="1" smtClean="0"/>
@@ -26759,7 +26765,6 @@
               <a:rPr lang="it-IT" sz="2400" dirty="0" smtClean="0"/>
               <a:t> Application:</a:t>
             </a:r>
-            <a:endParaRPr lang="it-IT" sz="2400" dirty="0" smtClean="0"/>
           </a:p>
           <a:p>
             <a:endParaRPr lang="it-IT" sz="2400" dirty="0" smtClean="0"/>
@@ -26791,15 +26796,7 @@
                   <a:srgbClr val="0070C0"/>
                 </a:solidFill>
               </a:rPr>
-              <a:t> </a:t>
-            </a:r>
-            <a:r>
-              <a:rPr lang="it-IT" sz="2400" dirty="0" smtClean="0">
-                <a:solidFill>
-                  <a:srgbClr val="0070C0"/>
-                </a:solidFill>
-              </a:rPr>
-              <a:t>(</a:t>
+              <a:t> (</a:t>
             </a:r>
             <a:r>
               <a:rPr lang="it-IT" sz="2400" dirty="0" err="1" smtClean="0">
@@ -28094,7 +28091,7 @@
   <a:extraClrSchemeLst/>
   <a:extLst>
     <a:ext uri="{05A4C25C-085E-4340-85A3-A5531E510DB2}">
-      <thm15:themeFamily xmlns="" xmlns:thm15="http://schemas.microsoft.com/office/thememl/2012/main" name="Retrospect" id="{5F128B03-DCCA-4EEB-AB3B-CF2899314A46}" vid="{9CC26709-368C-4D72-9060-94E5B3FF3CD6}"/>
+      <thm15:themeFamily xmlns:thm15="http://schemas.microsoft.com/office/thememl/2012/main" xmlns="" name="Retrospect" id="{5F128B03-DCCA-4EEB-AB3B-CF2899314A46}" vid="{9CC26709-368C-4D72-9060-94E5B3FF3CD6}"/>
     </a:ext>
   </a:extLst>
 </a:theme>
@@ -28389,7 +28386,7 @@
   <a:extraClrSchemeLst/>
   <a:extLst>
     <a:ext uri="{05A4C25C-085E-4340-85A3-A5531E510DB2}">
-      <thm15:themeFamily xmlns="" xmlns:thm15="http://schemas.microsoft.com/office/thememl/2012/main" name="Office Theme" id="{62F939B6-93AF-4DB8-9C6B-D6C7DFDC589F}" vid="{4A3C46E8-61CC-4603-A589-7422A47A8E4A}"/>
+      <thm15:themeFamily xmlns:thm15="http://schemas.microsoft.com/office/thememl/2012/main" xmlns="" name="Office Theme" id="{62F939B6-93AF-4DB8-9C6B-D6C7DFDC589F}" vid="{4A3C46E8-61CC-4603-A589-7422A47A8E4A}"/>
     </a:ext>
   </a:extLst>
 </a:theme>
